--- a/New Microsoft PowerPoint Presentation.pptx
+++ b/New Microsoft PowerPoint Presentation.pptx
@@ -2,7 +2,7 @@
 <file path=ppt/presentation.xml><?xml version="1.0" encoding="utf-8"?>
 <p:presentation xmlns:a="http://schemas.openxmlformats.org/drawingml/2006/main" xmlns:r="http://schemas.openxmlformats.org/officeDocument/2006/relationships" xmlns:p="http://schemas.openxmlformats.org/presentationml/2006/main" saveSubsetFonts="1">
   <p:sldMasterIdLst>
-    <p:sldMasterId id="2147483718" r:id="rId1"/>
+    <p:sldMasterId id="2147483749" r:id="rId1"/>
   </p:sldMasterIdLst>
   <p:notesMasterIdLst>
     <p:notesMasterId r:id="rId36"/>
@@ -49,7 +49,7 @@
     <a:defPPr>
       <a:defRPr lang="en-US"/>
     </a:defPPr>
-    <a:lvl1pPr marL="0" algn="l" defTabSz="914400" rtl="0" eaLnBrk="1" latinLnBrk="0" hangingPunct="1">
+    <a:lvl1pPr marL="0" algn="l" defTabSz="457200" rtl="0" eaLnBrk="1" latinLnBrk="0" hangingPunct="1">
       <a:defRPr sz="1800" kern="1200">
         <a:solidFill>
           <a:schemeClr val="tx1"/>
@@ -59,7 +59,7 @@
         <a:cs typeface="+mn-cs"/>
       </a:defRPr>
     </a:lvl1pPr>
-    <a:lvl2pPr marL="457200" algn="l" defTabSz="914400" rtl="0" eaLnBrk="1" latinLnBrk="0" hangingPunct="1">
+    <a:lvl2pPr marL="457200" algn="l" defTabSz="457200" rtl="0" eaLnBrk="1" latinLnBrk="0" hangingPunct="1">
       <a:defRPr sz="1800" kern="1200">
         <a:solidFill>
           <a:schemeClr val="tx1"/>
@@ -69,7 +69,7 @@
         <a:cs typeface="+mn-cs"/>
       </a:defRPr>
     </a:lvl2pPr>
-    <a:lvl3pPr marL="914400" algn="l" defTabSz="914400" rtl="0" eaLnBrk="1" latinLnBrk="0" hangingPunct="1">
+    <a:lvl3pPr marL="914400" algn="l" defTabSz="457200" rtl="0" eaLnBrk="1" latinLnBrk="0" hangingPunct="1">
       <a:defRPr sz="1800" kern="1200">
         <a:solidFill>
           <a:schemeClr val="tx1"/>
@@ -79,7 +79,7 @@
         <a:cs typeface="+mn-cs"/>
       </a:defRPr>
     </a:lvl3pPr>
-    <a:lvl4pPr marL="1371600" algn="l" defTabSz="914400" rtl="0" eaLnBrk="1" latinLnBrk="0" hangingPunct="1">
+    <a:lvl4pPr marL="1371600" algn="l" defTabSz="457200" rtl="0" eaLnBrk="1" latinLnBrk="0" hangingPunct="1">
       <a:defRPr sz="1800" kern="1200">
         <a:solidFill>
           <a:schemeClr val="tx1"/>
@@ -89,7 +89,7 @@
         <a:cs typeface="+mn-cs"/>
       </a:defRPr>
     </a:lvl4pPr>
-    <a:lvl5pPr marL="1828800" algn="l" defTabSz="914400" rtl="0" eaLnBrk="1" latinLnBrk="0" hangingPunct="1">
+    <a:lvl5pPr marL="1828800" algn="l" defTabSz="457200" rtl="0" eaLnBrk="1" latinLnBrk="0" hangingPunct="1">
       <a:defRPr sz="1800" kern="1200">
         <a:solidFill>
           <a:schemeClr val="tx1"/>
@@ -99,7 +99,7 @@
         <a:cs typeface="+mn-cs"/>
       </a:defRPr>
     </a:lvl5pPr>
-    <a:lvl6pPr marL="2286000" algn="l" defTabSz="914400" rtl="0" eaLnBrk="1" latinLnBrk="0" hangingPunct="1">
+    <a:lvl6pPr marL="2286000" algn="l" defTabSz="457200" rtl="0" eaLnBrk="1" latinLnBrk="0" hangingPunct="1">
       <a:defRPr sz="1800" kern="1200">
         <a:solidFill>
           <a:schemeClr val="tx1"/>
@@ -109,7 +109,7 @@
         <a:cs typeface="+mn-cs"/>
       </a:defRPr>
     </a:lvl6pPr>
-    <a:lvl7pPr marL="2743200" algn="l" defTabSz="914400" rtl="0" eaLnBrk="1" latinLnBrk="0" hangingPunct="1">
+    <a:lvl7pPr marL="2743200" algn="l" defTabSz="457200" rtl="0" eaLnBrk="1" latinLnBrk="0" hangingPunct="1">
       <a:defRPr sz="1800" kern="1200">
         <a:solidFill>
           <a:schemeClr val="tx1"/>
@@ -119,7 +119,7 @@
         <a:cs typeface="+mn-cs"/>
       </a:defRPr>
     </a:lvl7pPr>
-    <a:lvl8pPr marL="3200400" algn="l" defTabSz="914400" rtl="0" eaLnBrk="1" latinLnBrk="0" hangingPunct="1">
+    <a:lvl8pPr marL="3200400" algn="l" defTabSz="457200" rtl="0" eaLnBrk="1" latinLnBrk="0" hangingPunct="1">
       <a:defRPr sz="1800" kern="1200">
         <a:solidFill>
           <a:schemeClr val="tx1"/>
@@ -129,7 +129,7 @@
         <a:cs typeface="+mn-cs"/>
       </a:defRPr>
     </a:lvl8pPr>
-    <a:lvl9pPr marL="3657600" algn="l" defTabSz="914400" rtl="0" eaLnBrk="1" latinLnBrk="0" hangingPunct="1">
+    <a:lvl9pPr marL="3657600" algn="l" defTabSz="457200" rtl="0" eaLnBrk="1" latinLnBrk="0" hangingPunct="1">
       <a:defRPr sz="1800" kern="1200">
         <a:solidFill>
           <a:schemeClr val="tx1"/>
@@ -192,6 +192,14 @@
     </p:ext>
   </p:extLst>
 </p:presentation>
+</file>
+
+<file path=ppt/revisionInfo.xml><?xml version="1.0" encoding="utf-8"?>
+<p1510:revInfo xmlns:a="http://schemas.openxmlformats.org/drawingml/2006/main" xmlns:r="http://schemas.openxmlformats.org/officeDocument/2006/relationships" xmlns:p1510="http://schemas.microsoft.com/office/powerpoint/2015/10/main">
+  <p1510:revLst>
+    <p1510:client id="{ED68D908-0201-45C6-96F6-1E0651C08492}" v="3" dt="2025-06-18T00:41:36.635"/>
+  </p1510:revLst>
+</p1510:revInfo>
 </file>
 
 <file path=ppt/diagrams/colors1.xml><?xml version="1.0" encoding="utf-8"?>
@@ -1390,7 +1398,7 @@
           </a:pathLst>
         </a:custGeom>
         <a:noFill/>
-        <a:ln w="19050" cap="flat" cmpd="sng" algn="ctr">
+        <a:ln w="15875" cap="rnd" cmpd="sng" algn="ctr">
           <a:solidFill>
             <a:schemeClr val="accent1">
               <a:shade val="60000"/>
@@ -1401,7 +1409,6 @@
             </a:schemeClr>
           </a:solidFill>
           <a:prstDash val="solid"/>
-          <a:miter lim="800000"/>
         </a:ln>
         <a:effectLst/>
       </dsp:spPr>
@@ -1446,7 +1453,7 @@
           </a:pathLst>
         </a:custGeom>
         <a:noFill/>
-        <a:ln w="19050" cap="flat" cmpd="sng" algn="ctr">
+        <a:ln w="15875" cap="rnd" cmpd="sng" algn="ctr">
           <a:solidFill>
             <a:schemeClr val="accent1">
               <a:shade val="60000"/>
@@ -1457,7 +1464,6 @@
             </a:schemeClr>
           </a:solidFill>
           <a:prstDash val="solid"/>
-          <a:miter lim="800000"/>
         </a:ln>
         <a:effectLst/>
       </dsp:spPr>
@@ -1508,7 +1514,7 @@
           </a:pathLst>
         </a:custGeom>
         <a:noFill/>
-        <a:ln w="19050" cap="flat" cmpd="sng" algn="ctr">
+        <a:ln w="15875" cap="rnd" cmpd="sng" algn="ctr">
           <a:solidFill>
             <a:schemeClr val="accent1">
               <a:shade val="60000"/>
@@ -1519,7 +1525,6 @@
             </a:schemeClr>
           </a:solidFill>
           <a:prstDash val="solid"/>
-          <a:miter lim="800000"/>
         </a:ln>
         <a:effectLst/>
       </dsp:spPr>
@@ -1553,7 +1558,7 @@
           </a:avLst>
         </a:prstGeom>
         <a:noFill/>
-        <a:ln w="19050" cap="flat" cmpd="sng" algn="ctr">
+        <a:ln w="15875" cap="rnd" cmpd="sng" algn="ctr">
           <a:solidFill>
             <a:schemeClr val="accent1">
               <a:shade val="60000"/>
@@ -1564,7 +1569,6 @@
             </a:schemeClr>
           </a:solidFill>
           <a:prstDash val="solid"/>
-          <a:miter lim="800000"/>
         </a:ln>
         <a:effectLst/>
       </dsp:spPr>
@@ -1598,7 +1602,7 @@
           </a:avLst>
         </a:prstGeom>
         <a:noFill/>
-        <a:ln w="19050" cap="flat" cmpd="sng" algn="ctr">
+        <a:ln w="15875" cap="rnd" cmpd="sng" algn="ctr">
           <a:solidFill>
             <a:schemeClr val="accent1">
               <a:shade val="60000"/>
@@ -1609,7 +1613,6 @@
             </a:schemeClr>
           </a:solidFill>
           <a:prstDash val="solid"/>
-          <a:miter lim="800000"/>
         </a:ln>
         <a:effectLst/>
       </dsp:spPr>
@@ -1640,10 +1643,9 @@
           <a:avLst/>
         </a:prstGeom>
         <a:noFill/>
-        <a:ln w="19050" cap="flat" cmpd="sng" algn="ctr">
+        <a:ln w="15875" cap="rnd" cmpd="sng" algn="ctr">
           <a:noFill/>
           <a:prstDash val="solid"/>
-          <a:miter lim="800000"/>
         </a:ln>
         <a:effectLst/>
         <a:sp3d/>
@@ -1661,12 +1663,12 @@
         <a:fontRef idx="minor"/>
       </dsp:style>
       <dsp:txBody>
-        <a:bodyPr spcFirstLastPara="0" vert="horz" wrap="square" lIns="26035" tIns="26035" rIns="26035" bIns="26035" numCol="1" spcCol="1270" anchor="ctr" anchorCtr="0">
+        <a:bodyPr spcFirstLastPara="0" vert="horz" wrap="square" lIns="27940" tIns="27940" rIns="27940" bIns="27940" numCol="1" spcCol="1270" anchor="ctr" anchorCtr="0">
           <a:noAutofit/>
         </a:bodyPr>
         <a:lstStyle/>
         <a:p>
-          <a:pPr marL="0" lvl="0" indent="0" algn="ctr" defTabSz="1822450">
+          <a:pPr marL="0" lvl="0" indent="0" algn="ctr" defTabSz="1955800">
             <a:lnSpc>
               <a:spcPct val="90000"/>
             </a:lnSpc>
@@ -1679,7 +1681,7 @@
             <a:buNone/>
           </a:pPr>
           <a:r>
-            <a:rPr lang="en-US" sz="4100" kern="1200" dirty="0"/>
+            <a:rPr lang="en-US" sz="4400" kern="1200" dirty="0"/>
             <a:t>Data Analysis</a:t>
           </a:r>
         </a:p>
@@ -1706,7 +1708,7 @@
           </a:avLst>
         </a:prstGeom>
         <a:noFill/>
-        <a:ln w="19050" cap="flat" cmpd="sng" algn="ctr">
+        <a:ln w="15875" cap="rnd" cmpd="sng" algn="ctr">
           <a:solidFill>
             <a:schemeClr val="accent1">
               <a:shade val="60000"/>
@@ -1717,7 +1719,6 @@
             </a:schemeClr>
           </a:solidFill>
           <a:prstDash val="solid"/>
-          <a:miter lim="800000"/>
         </a:ln>
         <a:effectLst/>
       </dsp:spPr>
@@ -1751,7 +1752,7 @@
           </a:avLst>
         </a:prstGeom>
         <a:noFill/>
-        <a:ln w="19050" cap="flat" cmpd="sng" algn="ctr">
+        <a:ln w="15875" cap="rnd" cmpd="sng" algn="ctr">
           <a:solidFill>
             <a:schemeClr val="accent1">
               <a:shade val="60000"/>
@@ -1762,7 +1763,6 @@
             </a:schemeClr>
           </a:solidFill>
           <a:prstDash val="solid"/>
-          <a:miter lim="800000"/>
         </a:ln>
         <a:effectLst/>
       </dsp:spPr>
@@ -1793,10 +1793,9 @@
           <a:avLst/>
         </a:prstGeom>
         <a:noFill/>
-        <a:ln w="19050" cap="flat" cmpd="sng" algn="ctr">
+        <a:ln w="15875" cap="rnd" cmpd="sng" algn="ctr">
           <a:noFill/>
           <a:prstDash val="solid"/>
-          <a:miter lim="800000"/>
         </a:ln>
         <a:effectLst/>
         <a:sp3d/>
@@ -1814,12 +1813,12 @@
         <a:fontRef idx="minor"/>
       </dsp:style>
       <dsp:txBody>
-        <a:bodyPr spcFirstLastPara="0" vert="horz" wrap="square" lIns="26035" tIns="26035" rIns="26035" bIns="26035" numCol="1" spcCol="1270" anchor="ctr" anchorCtr="0">
+        <a:bodyPr spcFirstLastPara="0" vert="horz" wrap="square" lIns="27940" tIns="27940" rIns="27940" bIns="27940" numCol="1" spcCol="1270" anchor="ctr" anchorCtr="0">
           <a:noAutofit/>
         </a:bodyPr>
         <a:lstStyle/>
         <a:p>
-          <a:pPr marL="0" lvl="0" indent="0" algn="ctr" defTabSz="1822450">
+          <a:pPr marL="0" lvl="0" indent="0" algn="ctr" defTabSz="1955800">
             <a:lnSpc>
               <a:spcPct val="90000"/>
             </a:lnSpc>
@@ -1832,7 +1831,7 @@
             <a:buNone/>
           </a:pPr>
           <a:r>
-            <a:rPr lang="en-US" sz="4100" kern="1200" dirty="0"/>
+            <a:rPr lang="en-US" sz="4400" kern="1200" dirty="0"/>
             <a:t>Univariate</a:t>
           </a:r>
         </a:p>
@@ -1859,7 +1858,7 @@
           </a:avLst>
         </a:prstGeom>
         <a:noFill/>
-        <a:ln w="19050" cap="flat" cmpd="sng" algn="ctr">
+        <a:ln w="15875" cap="rnd" cmpd="sng" algn="ctr">
           <a:solidFill>
             <a:schemeClr val="accent1">
               <a:shade val="60000"/>
@@ -1870,7 +1869,6 @@
             </a:schemeClr>
           </a:solidFill>
           <a:prstDash val="solid"/>
-          <a:miter lim="800000"/>
         </a:ln>
         <a:effectLst/>
       </dsp:spPr>
@@ -1904,7 +1902,7 @@
           </a:avLst>
         </a:prstGeom>
         <a:noFill/>
-        <a:ln w="19050" cap="flat" cmpd="sng" algn="ctr">
+        <a:ln w="15875" cap="rnd" cmpd="sng" algn="ctr">
           <a:solidFill>
             <a:schemeClr val="accent1">
               <a:shade val="60000"/>
@@ -1915,7 +1913,6 @@
             </a:schemeClr>
           </a:solidFill>
           <a:prstDash val="solid"/>
-          <a:miter lim="800000"/>
         </a:ln>
         <a:effectLst/>
       </dsp:spPr>
@@ -1946,10 +1943,9 @@
           <a:avLst/>
         </a:prstGeom>
         <a:noFill/>
-        <a:ln w="19050" cap="flat" cmpd="sng" algn="ctr">
+        <a:ln w="15875" cap="rnd" cmpd="sng" algn="ctr">
           <a:noFill/>
           <a:prstDash val="solid"/>
-          <a:miter lim="800000"/>
         </a:ln>
         <a:effectLst/>
         <a:sp3d/>
@@ -1967,12 +1963,12 @@
         <a:fontRef idx="minor"/>
       </dsp:style>
       <dsp:txBody>
-        <a:bodyPr spcFirstLastPara="0" vert="horz" wrap="square" lIns="26035" tIns="26035" rIns="26035" bIns="26035" numCol="1" spcCol="1270" anchor="ctr" anchorCtr="0">
+        <a:bodyPr spcFirstLastPara="0" vert="horz" wrap="square" lIns="27940" tIns="27940" rIns="27940" bIns="27940" numCol="1" spcCol="1270" anchor="ctr" anchorCtr="0">
           <a:noAutofit/>
         </a:bodyPr>
         <a:lstStyle/>
         <a:p>
-          <a:pPr marL="0" lvl="0" indent="0" algn="ctr" defTabSz="1822450">
+          <a:pPr marL="0" lvl="0" indent="0" algn="ctr" defTabSz="1955800">
             <a:lnSpc>
               <a:spcPct val="90000"/>
             </a:lnSpc>
@@ -1985,7 +1981,7 @@
             <a:buNone/>
           </a:pPr>
           <a:r>
-            <a:rPr lang="en-US" sz="4100" kern="1200" dirty="0"/>
+            <a:rPr lang="en-US" sz="4400" kern="1200" dirty="0"/>
             <a:t>Bivariate</a:t>
           </a:r>
         </a:p>
@@ -2012,7 +2008,7 @@
           </a:avLst>
         </a:prstGeom>
         <a:noFill/>
-        <a:ln w="19050" cap="flat" cmpd="sng" algn="ctr">
+        <a:ln w="15875" cap="rnd" cmpd="sng" algn="ctr">
           <a:solidFill>
             <a:schemeClr val="accent1">
               <a:shade val="60000"/>
@@ -2023,7 +2019,6 @@
             </a:schemeClr>
           </a:solidFill>
           <a:prstDash val="solid"/>
-          <a:miter lim="800000"/>
         </a:ln>
         <a:effectLst/>
       </dsp:spPr>
@@ -2057,7 +2052,7 @@
           </a:avLst>
         </a:prstGeom>
         <a:noFill/>
-        <a:ln w="19050" cap="flat" cmpd="sng" algn="ctr">
+        <a:ln w="15875" cap="rnd" cmpd="sng" algn="ctr">
           <a:solidFill>
             <a:schemeClr val="accent1">
               <a:shade val="60000"/>
@@ -2068,7 +2063,6 @@
             </a:schemeClr>
           </a:solidFill>
           <a:prstDash val="solid"/>
-          <a:miter lim="800000"/>
         </a:ln>
         <a:effectLst/>
       </dsp:spPr>
@@ -2099,10 +2093,9 @@
           <a:avLst/>
         </a:prstGeom>
         <a:noFill/>
-        <a:ln w="19050" cap="flat" cmpd="sng" algn="ctr">
+        <a:ln w="15875" cap="rnd" cmpd="sng" algn="ctr">
           <a:noFill/>
           <a:prstDash val="solid"/>
-          <a:miter lim="800000"/>
         </a:ln>
         <a:effectLst/>
         <a:sp3d/>
@@ -2120,12 +2113,12 @@
         <a:fontRef idx="minor"/>
       </dsp:style>
       <dsp:txBody>
-        <a:bodyPr spcFirstLastPara="0" vert="horz" wrap="square" lIns="26035" tIns="26035" rIns="26035" bIns="26035" numCol="1" spcCol="1270" anchor="ctr" anchorCtr="0">
+        <a:bodyPr spcFirstLastPara="0" vert="horz" wrap="square" lIns="27940" tIns="27940" rIns="27940" bIns="27940" numCol="1" spcCol="1270" anchor="ctr" anchorCtr="0">
           <a:noAutofit/>
         </a:bodyPr>
         <a:lstStyle/>
         <a:p>
-          <a:pPr marL="0" lvl="0" indent="0" algn="ctr" defTabSz="1822450">
+          <a:pPr marL="0" lvl="0" indent="0" algn="ctr" defTabSz="1955800">
             <a:lnSpc>
               <a:spcPct val="90000"/>
             </a:lnSpc>
@@ -2138,7 +2131,7 @@
             <a:buNone/>
           </a:pPr>
           <a:r>
-            <a:rPr lang="en-US" sz="4100" kern="1200" dirty="0"/>
+            <a:rPr lang="en-US" sz="4400" kern="1200" dirty="0"/>
             <a:t>Multivariate</a:t>
           </a:r>
         </a:p>
@@ -4563,7 +4556,7 @@
           <a:p>
             <a:fld id="{DF7D7140-2F27-4388-B437-91DEC6466126}" type="datetimeFigureOut">
               <a:rPr lang="en-US" smtClean="0"/>
-              <a:t>6/12/2025</a:t>
+              <a:t>6/18/2025</a:t>
             </a:fld>
             <a:endParaRPr lang="en-US"/>
           </a:p>
@@ -4831,6 +4824,4270 @@
 </file>
 
 <file path=ppt/slideLayouts/slideLayout1.xml><?xml version="1.0" encoding="utf-8"?>
+<p:sldLayout xmlns:a="http://schemas.openxmlformats.org/drawingml/2006/main" xmlns:r="http://schemas.openxmlformats.org/officeDocument/2006/relationships" xmlns:p="http://schemas.openxmlformats.org/presentationml/2006/main" showMasterSp="0" type="title" preserve="1">
+  <p:cSld name="Title Slide">
+    <p:spTree>
+      <p:nvGrpSpPr>
+        <p:cNvPr id="1" name=""/>
+        <p:cNvGrpSpPr/>
+        <p:nvPr/>
+      </p:nvGrpSpPr>
+      <p:grpSpPr>
+        <a:xfrm>
+          <a:off x="0" y="0"/>
+          <a:ext cx="0" cy="0"/>
+          <a:chOff x="0" y="0"/>
+          <a:chExt cx="0" cy="0"/>
+        </a:xfrm>
+      </p:grpSpPr>
+      <p:grpSp>
+        <p:nvGrpSpPr>
+          <p:cNvPr id="19" name="Group 18"/>
+          <p:cNvGrpSpPr/>
+          <p:nvPr/>
+        </p:nvGrpSpPr>
+        <p:grpSpPr>
+          <a:xfrm>
+            <a:off x="546100" y="-4763"/>
+            <a:ext cx="5014912" cy="6862763"/>
+            <a:chOff x="2928938" y="-4763"/>
+            <a:chExt cx="5014912" cy="6862763"/>
+          </a:xfrm>
+        </p:grpSpPr>
+        <p:sp>
+          <p:nvSpPr>
+            <p:cNvPr id="22" name="Freeform 6"/>
+            <p:cNvSpPr/>
+            <p:nvPr/>
+          </p:nvSpPr>
+          <p:spPr bwMode="auto">
+            <a:xfrm>
+              <a:off x="3367088" y="-4763"/>
+              <a:ext cx="1063625" cy="2782888"/>
+            </a:xfrm>
+            <a:custGeom>
+              <a:avLst/>
+              <a:gdLst/>
+              <a:ahLst/>
+              <a:cxnLst/>
+              <a:rect l="0" t="0" r="r" b="b"/>
+              <a:pathLst>
+                <a:path w="670" h="1753">
+                  <a:moveTo>
+                    <a:pt x="0" y="1696"/>
+                  </a:moveTo>
+                  <a:lnTo>
+                    <a:pt x="225" y="1753"/>
+                  </a:lnTo>
+                  <a:lnTo>
+                    <a:pt x="670" y="0"/>
+                  </a:lnTo>
+                  <a:lnTo>
+                    <a:pt x="430" y="0"/>
+                  </a:lnTo>
+                  <a:lnTo>
+                    <a:pt x="0" y="1696"/>
+                  </a:lnTo>
+                  <a:close/>
+                </a:path>
+              </a:pathLst>
+            </a:custGeom>
+            <a:solidFill>
+              <a:schemeClr val="accent1"/>
+            </a:solidFill>
+            <a:ln>
+              <a:noFill/>
+            </a:ln>
+          </p:spPr>
+        </p:sp>
+        <p:sp>
+          <p:nvSpPr>
+            <p:cNvPr id="23" name="Freeform 7"/>
+            <p:cNvSpPr/>
+            <p:nvPr/>
+          </p:nvSpPr>
+          <p:spPr bwMode="auto">
+            <a:xfrm>
+              <a:off x="2928938" y="-4763"/>
+              <a:ext cx="1035050" cy="2673350"/>
+            </a:xfrm>
+            <a:custGeom>
+              <a:avLst/>
+              <a:gdLst/>
+              <a:ahLst/>
+              <a:cxnLst/>
+              <a:rect l="0" t="0" r="r" b="b"/>
+              <a:pathLst>
+                <a:path w="652" h="1684">
+                  <a:moveTo>
+                    <a:pt x="225" y="1684"/>
+                  </a:moveTo>
+                  <a:lnTo>
+                    <a:pt x="652" y="0"/>
+                  </a:lnTo>
+                  <a:lnTo>
+                    <a:pt x="411" y="0"/>
+                  </a:lnTo>
+                  <a:lnTo>
+                    <a:pt x="0" y="1627"/>
+                  </a:lnTo>
+                  <a:lnTo>
+                    <a:pt x="219" y="1681"/>
+                  </a:lnTo>
+                  <a:lnTo>
+                    <a:pt x="225" y="1684"/>
+                  </a:lnTo>
+                  <a:close/>
+                </a:path>
+              </a:pathLst>
+            </a:custGeom>
+            <a:solidFill>
+              <a:schemeClr val="tx1">
+                <a:lumMod val="65000"/>
+                <a:lumOff val="35000"/>
+              </a:schemeClr>
+            </a:solidFill>
+            <a:ln>
+              <a:noFill/>
+            </a:ln>
+          </p:spPr>
+        </p:sp>
+        <p:sp>
+          <p:nvSpPr>
+            <p:cNvPr id="24" name="Freeform 9"/>
+            <p:cNvSpPr/>
+            <p:nvPr/>
+          </p:nvSpPr>
+          <p:spPr bwMode="auto">
+            <a:xfrm>
+              <a:off x="2928938" y="2582862"/>
+              <a:ext cx="2693987" cy="4275138"/>
+            </a:xfrm>
+            <a:custGeom>
+              <a:avLst/>
+              <a:gdLst/>
+              <a:ahLst/>
+              <a:cxnLst/>
+              <a:rect l="0" t="0" r="r" b="b"/>
+              <a:pathLst>
+                <a:path w="1697" h="2693">
+                  <a:moveTo>
+                    <a:pt x="0" y="0"/>
+                  </a:moveTo>
+                  <a:lnTo>
+                    <a:pt x="1622" y="2693"/>
+                  </a:lnTo>
+                  <a:lnTo>
+                    <a:pt x="1697" y="2693"/>
+                  </a:lnTo>
+                  <a:lnTo>
+                    <a:pt x="0" y="0"/>
+                  </a:lnTo>
+                  <a:close/>
+                </a:path>
+              </a:pathLst>
+            </a:custGeom>
+            <a:solidFill>
+              <a:schemeClr val="tx1">
+                <a:lumMod val="85000"/>
+                <a:lumOff val="15000"/>
+              </a:schemeClr>
+            </a:solidFill>
+            <a:ln>
+              <a:noFill/>
+            </a:ln>
+          </p:spPr>
+        </p:sp>
+        <p:sp>
+          <p:nvSpPr>
+            <p:cNvPr id="25" name="Freeform 10"/>
+            <p:cNvSpPr/>
+            <p:nvPr/>
+          </p:nvSpPr>
+          <p:spPr bwMode="auto">
+            <a:xfrm>
+              <a:off x="3371850" y="2692400"/>
+              <a:ext cx="3332162" cy="4165600"/>
+            </a:xfrm>
+            <a:custGeom>
+              <a:avLst/>
+              <a:gdLst/>
+              <a:ahLst/>
+              <a:cxnLst/>
+              <a:rect l="0" t="0" r="r" b="b"/>
+              <a:pathLst>
+                <a:path w="2099" h="2624">
+                  <a:moveTo>
+                    <a:pt x="2099" y="2624"/>
+                  </a:moveTo>
+                  <a:lnTo>
+                    <a:pt x="0" y="0"/>
+                  </a:lnTo>
+                  <a:lnTo>
+                    <a:pt x="2021" y="2624"/>
+                  </a:lnTo>
+                  <a:lnTo>
+                    <a:pt x="2099" y="2624"/>
+                  </a:lnTo>
+                  <a:close/>
+                </a:path>
+              </a:pathLst>
+            </a:custGeom>
+            <a:solidFill>
+              <a:schemeClr val="accent1">
+                <a:lumMod val="50000"/>
+              </a:schemeClr>
+            </a:solidFill>
+            <a:ln>
+              <a:noFill/>
+            </a:ln>
+          </p:spPr>
+        </p:sp>
+        <p:sp>
+          <p:nvSpPr>
+            <p:cNvPr id="26" name="Freeform 11"/>
+            <p:cNvSpPr/>
+            <p:nvPr/>
+          </p:nvSpPr>
+          <p:spPr bwMode="auto">
+            <a:xfrm>
+              <a:off x="3367088" y="2687637"/>
+              <a:ext cx="4576762" cy="4170363"/>
+            </a:xfrm>
+            <a:custGeom>
+              <a:avLst/>
+              <a:gdLst/>
+              <a:ahLst/>
+              <a:cxnLst/>
+              <a:rect l="0" t="0" r="r" b="b"/>
+              <a:pathLst>
+                <a:path w="2883" h="2627">
+                  <a:moveTo>
+                    <a:pt x="0" y="0"/>
+                  </a:moveTo>
+                  <a:lnTo>
+                    <a:pt x="3" y="3"/>
+                  </a:lnTo>
+                  <a:lnTo>
+                    <a:pt x="2102" y="2627"/>
+                  </a:lnTo>
+                  <a:lnTo>
+                    <a:pt x="2883" y="2627"/>
+                  </a:lnTo>
+                  <a:lnTo>
+                    <a:pt x="225" y="57"/>
+                  </a:lnTo>
+                  <a:lnTo>
+                    <a:pt x="0" y="0"/>
+                  </a:lnTo>
+                  <a:close/>
+                </a:path>
+              </a:pathLst>
+            </a:custGeom>
+            <a:solidFill>
+              <a:schemeClr val="accent1">
+                <a:lumMod val="75000"/>
+              </a:schemeClr>
+            </a:solidFill>
+            <a:ln>
+              <a:noFill/>
+            </a:ln>
+          </p:spPr>
+        </p:sp>
+        <p:sp>
+          <p:nvSpPr>
+            <p:cNvPr id="27" name="Freeform 12"/>
+            <p:cNvSpPr/>
+            <p:nvPr/>
+          </p:nvSpPr>
+          <p:spPr bwMode="auto">
+            <a:xfrm>
+              <a:off x="2928938" y="2578100"/>
+              <a:ext cx="3584575" cy="4279900"/>
+            </a:xfrm>
+            <a:custGeom>
+              <a:avLst/>
+              <a:gdLst/>
+              <a:ahLst/>
+              <a:cxnLst/>
+              <a:rect l="0" t="0" r="r" b="b"/>
+              <a:pathLst>
+                <a:path w="2258" h="2696">
+                  <a:moveTo>
+                    <a:pt x="2258" y="2696"/>
+                  </a:moveTo>
+                  <a:lnTo>
+                    <a:pt x="264" y="111"/>
+                  </a:lnTo>
+                  <a:lnTo>
+                    <a:pt x="228" y="60"/>
+                  </a:lnTo>
+                  <a:lnTo>
+                    <a:pt x="225" y="57"/>
+                  </a:lnTo>
+                  <a:lnTo>
+                    <a:pt x="0" y="0"/>
+                  </a:lnTo>
+                  <a:lnTo>
+                    <a:pt x="0" y="3"/>
+                  </a:lnTo>
+                  <a:lnTo>
+                    <a:pt x="1697" y="2696"/>
+                  </a:lnTo>
+                  <a:lnTo>
+                    <a:pt x="2258" y="2696"/>
+                  </a:lnTo>
+                  <a:close/>
+                </a:path>
+              </a:pathLst>
+            </a:custGeom>
+            <a:solidFill>
+              <a:schemeClr val="tx1">
+                <a:lumMod val="75000"/>
+                <a:lumOff val="25000"/>
+              </a:schemeClr>
+            </a:solidFill>
+            <a:ln>
+              <a:noFill/>
+            </a:ln>
+          </p:spPr>
+        </p:sp>
+      </p:grpSp>
+      <p:sp>
+        <p:nvSpPr>
+          <p:cNvPr id="2" name="Title 1"/>
+          <p:cNvSpPr>
+            <a:spLocks noGrp="1"/>
+          </p:cNvSpPr>
+          <p:nvPr>
+            <p:ph type="ctrTitle"/>
+          </p:nvPr>
+        </p:nvSpPr>
+        <p:spPr>
+          <a:xfrm>
+            <a:off x="2928401" y="1380068"/>
+            <a:ext cx="8574622" cy="2616199"/>
+          </a:xfrm>
+        </p:spPr>
+        <p:txBody>
+          <a:bodyPr anchor="b">
+            <a:normAutofit/>
+          </a:bodyPr>
+          <a:lstStyle>
+            <a:lvl1pPr algn="r">
+              <a:defRPr sz="6000">
+                <a:effectLst/>
+              </a:defRPr>
+            </a:lvl1pPr>
+          </a:lstStyle>
+          <a:p>
+            <a:r>
+              <a:rPr lang="en-US"/>
+              <a:t>Click to edit Master title style</a:t>
+            </a:r>
+            <a:endParaRPr lang="en-US" dirty="0"/>
+          </a:p>
+        </p:txBody>
+      </p:sp>
+      <p:sp>
+        <p:nvSpPr>
+          <p:cNvPr id="3" name="Subtitle 2"/>
+          <p:cNvSpPr>
+            <a:spLocks noGrp="1"/>
+          </p:cNvSpPr>
+          <p:nvPr>
+            <p:ph type="subTitle" idx="1"/>
+          </p:nvPr>
+        </p:nvSpPr>
+        <p:spPr>
+          <a:xfrm>
+            <a:off x="4515377" y="3996267"/>
+            <a:ext cx="6987645" cy="1388534"/>
+          </a:xfrm>
+        </p:spPr>
+        <p:txBody>
+          <a:bodyPr anchor="t">
+            <a:normAutofit/>
+          </a:bodyPr>
+          <a:lstStyle>
+            <a:lvl1pPr marL="0" indent="0" algn="r">
+              <a:buNone/>
+              <a:defRPr sz="2100">
+                <a:solidFill>
+                  <a:schemeClr val="tx1"/>
+                </a:solidFill>
+              </a:defRPr>
+            </a:lvl1pPr>
+            <a:lvl2pPr marL="457200" indent="0" algn="ctr">
+              <a:buNone/>
+              <a:defRPr>
+                <a:solidFill>
+                  <a:schemeClr val="tx1">
+                    <a:tint val="75000"/>
+                  </a:schemeClr>
+                </a:solidFill>
+              </a:defRPr>
+            </a:lvl2pPr>
+            <a:lvl3pPr marL="914400" indent="0" algn="ctr">
+              <a:buNone/>
+              <a:defRPr>
+                <a:solidFill>
+                  <a:schemeClr val="tx1">
+                    <a:tint val="75000"/>
+                  </a:schemeClr>
+                </a:solidFill>
+              </a:defRPr>
+            </a:lvl3pPr>
+            <a:lvl4pPr marL="1371600" indent="0" algn="ctr">
+              <a:buNone/>
+              <a:defRPr>
+                <a:solidFill>
+                  <a:schemeClr val="tx1">
+                    <a:tint val="75000"/>
+                  </a:schemeClr>
+                </a:solidFill>
+              </a:defRPr>
+            </a:lvl4pPr>
+            <a:lvl5pPr marL="1828800" indent="0" algn="ctr">
+              <a:buNone/>
+              <a:defRPr>
+                <a:solidFill>
+                  <a:schemeClr val="tx1">
+                    <a:tint val="75000"/>
+                  </a:schemeClr>
+                </a:solidFill>
+              </a:defRPr>
+            </a:lvl5pPr>
+            <a:lvl6pPr marL="2286000" indent="0" algn="ctr">
+              <a:buNone/>
+              <a:defRPr>
+                <a:solidFill>
+                  <a:schemeClr val="tx1">
+                    <a:tint val="75000"/>
+                  </a:schemeClr>
+                </a:solidFill>
+              </a:defRPr>
+            </a:lvl6pPr>
+            <a:lvl7pPr marL="2743200" indent="0" algn="ctr">
+              <a:buNone/>
+              <a:defRPr>
+                <a:solidFill>
+                  <a:schemeClr val="tx1">
+                    <a:tint val="75000"/>
+                  </a:schemeClr>
+                </a:solidFill>
+              </a:defRPr>
+            </a:lvl7pPr>
+            <a:lvl8pPr marL="3200400" indent="0" algn="ctr">
+              <a:buNone/>
+              <a:defRPr>
+                <a:solidFill>
+                  <a:schemeClr val="tx1">
+                    <a:tint val="75000"/>
+                  </a:schemeClr>
+                </a:solidFill>
+              </a:defRPr>
+            </a:lvl8pPr>
+            <a:lvl9pPr marL="3657600" indent="0" algn="ctr">
+              <a:buNone/>
+              <a:defRPr>
+                <a:solidFill>
+                  <a:schemeClr val="tx1">
+                    <a:tint val="75000"/>
+                  </a:schemeClr>
+                </a:solidFill>
+              </a:defRPr>
+            </a:lvl9pPr>
+          </a:lstStyle>
+          <a:p>
+            <a:r>
+              <a:rPr lang="en-US"/>
+              <a:t>Click to edit Master subtitle style</a:t>
+            </a:r>
+            <a:endParaRPr lang="en-US" dirty="0"/>
+          </a:p>
+        </p:txBody>
+      </p:sp>
+      <p:sp>
+        <p:nvSpPr>
+          <p:cNvPr id="4" name="Date Placeholder 3"/>
+          <p:cNvSpPr>
+            <a:spLocks noGrp="1"/>
+          </p:cNvSpPr>
+          <p:nvPr>
+            <p:ph type="dt" sz="half" idx="10"/>
+          </p:nvPr>
+        </p:nvSpPr>
+        <p:spPr/>
+        <p:txBody>
+          <a:bodyPr/>
+          <a:lstStyle/>
+          <a:p>
+            <a:fld id="{E80C50CD-E178-4744-9B35-B2F624D6C5E9}" type="datetimeFigureOut">
+              <a:rPr lang="en-US" smtClean="0"/>
+              <a:pPr/>
+              <a:t>6/18/2025</a:t>
+            </a:fld>
+            <a:endParaRPr lang="en-US"/>
+          </a:p>
+        </p:txBody>
+      </p:sp>
+      <p:sp>
+        <p:nvSpPr>
+          <p:cNvPr id="5" name="Footer Placeholder 4"/>
+          <p:cNvSpPr>
+            <a:spLocks noGrp="1"/>
+          </p:cNvSpPr>
+          <p:nvPr>
+            <p:ph type="ftr" sz="quarter" idx="11"/>
+          </p:nvPr>
+        </p:nvSpPr>
+        <p:spPr>
+          <a:xfrm>
+            <a:off x="5332412" y="5883275"/>
+            <a:ext cx="4324044" cy="365125"/>
+          </a:xfrm>
+        </p:spPr>
+        <p:txBody>
+          <a:bodyPr/>
+          <a:lstStyle/>
+          <a:p>
+            <a:endParaRPr lang="en-US"/>
+          </a:p>
+        </p:txBody>
+      </p:sp>
+      <p:sp>
+        <p:nvSpPr>
+          <p:cNvPr id="6" name="Slide Number Placeholder 5"/>
+          <p:cNvSpPr>
+            <a:spLocks noGrp="1"/>
+          </p:cNvSpPr>
+          <p:nvPr>
+            <p:ph type="sldNum" sz="quarter" idx="12"/>
+          </p:nvPr>
+        </p:nvSpPr>
+        <p:spPr/>
+        <p:txBody>
+          <a:bodyPr/>
+          <a:lstStyle/>
+          <a:p>
+            <a:fld id="{148CC95F-0247-41B6-91CF-DC97C76A7088}" type="slidenum">
+              <a:rPr lang="en-US" smtClean="0"/>
+              <a:pPr/>
+              <a:t>‹#›</a:t>
+            </a:fld>
+            <a:endParaRPr lang="en-US"/>
+          </a:p>
+        </p:txBody>
+      </p:sp>
+    </p:spTree>
+    <p:extLst>
+      <p:ext uri="{BB962C8B-B14F-4D97-AF65-F5344CB8AC3E}">
+        <p14:creationId xmlns:p14="http://schemas.microsoft.com/office/powerpoint/2010/main" val="3426618759"/>
+      </p:ext>
+    </p:extLst>
+  </p:cSld>
+  <p:clrMapOvr>
+    <a:masterClrMapping/>
+  </p:clrMapOvr>
+</p:sldLayout>
+</file>
+
+<file path=ppt/slideLayouts/slideLayout10.xml><?xml version="1.0" encoding="utf-8"?>
+<p:sldLayout xmlns:a="http://schemas.openxmlformats.org/drawingml/2006/main" xmlns:r="http://schemas.openxmlformats.org/officeDocument/2006/relationships" xmlns:p="http://schemas.openxmlformats.org/presentationml/2006/main" preserve="1">
+  <p:cSld name="Panoramic Picture with Caption">
+    <p:spTree>
+      <p:nvGrpSpPr>
+        <p:cNvPr id="1" name=""/>
+        <p:cNvGrpSpPr/>
+        <p:nvPr/>
+      </p:nvGrpSpPr>
+      <p:grpSpPr>
+        <a:xfrm>
+          <a:off x="0" y="0"/>
+          <a:ext cx="0" cy="0"/>
+          <a:chOff x="0" y="0"/>
+          <a:chExt cx="0" cy="0"/>
+        </a:xfrm>
+      </p:grpSpPr>
+      <p:sp>
+        <p:nvSpPr>
+          <p:cNvPr id="2" name="Title 1"/>
+          <p:cNvSpPr>
+            <a:spLocks noGrp="1"/>
+          </p:cNvSpPr>
+          <p:nvPr>
+            <p:ph type="title"/>
+          </p:nvPr>
+        </p:nvSpPr>
+        <p:spPr>
+          <a:xfrm>
+            <a:off x="1484311" y="4732865"/>
+            <a:ext cx="10018711" cy="566738"/>
+          </a:xfrm>
+        </p:spPr>
+        <p:txBody>
+          <a:bodyPr anchor="b">
+            <a:normAutofit/>
+          </a:bodyPr>
+          <a:lstStyle>
+            <a:lvl1pPr algn="ctr">
+              <a:defRPr sz="2400" b="0"/>
+            </a:lvl1pPr>
+          </a:lstStyle>
+          <a:p>
+            <a:r>
+              <a:rPr lang="en-US"/>
+              <a:t>Click to edit Master title style</a:t>
+            </a:r>
+            <a:endParaRPr lang="en-US" dirty="0"/>
+          </a:p>
+        </p:txBody>
+      </p:sp>
+      <p:sp>
+        <p:nvSpPr>
+          <p:cNvPr id="3" name="Picture Placeholder 2"/>
+          <p:cNvSpPr>
+            <a:spLocks noGrp="1" noChangeAspect="1"/>
+          </p:cNvSpPr>
+          <p:nvPr>
+            <p:ph type="pic" idx="1"/>
+          </p:nvPr>
+        </p:nvSpPr>
+        <p:spPr>
+          <a:xfrm>
+            <a:off x="2386012" y="932112"/>
+            <a:ext cx="8225944" cy="3164976"/>
+          </a:xfrm>
+          <a:prstGeom prst="roundRect">
+            <a:avLst>
+              <a:gd name="adj" fmla="val 4380"/>
+            </a:avLst>
+          </a:prstGeom>
+          <a:ln w="38100">
+            <a:gradFill flip="none" rotWithShape="1">
+              <a:gsLst>
+                <a:gs pos="0">
+                  <a:schemeClr val="bg2"/>
+                </a:gs>
+                <a:gs pos="100000">
+                  <a:schemeClr val="bg2">
+                    <a:lumMod val="75000"/>
+                  </a:schemeClr>
+                </a:gs>
+              </a:gsLst>
+              <a:lin ang="5400000" scaled="0"/>
+              <a:tileRect/>
+            </a:gradFill>
+          </a:ln>
+          <a:effectLst>
+            <a:innerShdw blurRad="57150" dist="38100" dir="14460000">
+              <a:srgbClr val="000000">
+                <a:alpha val="70000"/>
+              </a:srgbClr>
+            </a:innerShdw>
+          </a:effectLst>
+        </p:spPr>
+        <p:txBody>
+          <a:bodyPr anchor="t">
+            <a:normAutofit/>
+          </a:bodyPr>
+          <a:lstStyle>
+            <a:lvl1pPr marL="0" indent="0" algn="ctr">
+              <a:buNone/>
+              <a:defRPr sz="1600"/>
+            </a:lvl1pPr>
+            <a:lvl2pPr marL="457200" indent="0">
+              <a:buNone/>
+              <a:defRPr sz="1600"/>
+            </a:lvl2pPr>
+            <a:lvl3pPr marL="914400" indent="0">
+              <a:buNone/>
+              <a:defRPr sz="1600"/>
+            </a:lvl3pPr>
+            <a:lvl4pPr marL="1371600" indent="0">
+              <a:buNone/>
+              <a:defRPr sz="1600"/>
+            </a:lvl4pPr>
+            <a:lvl5pPr marL="1828800" indent="0">
+              <a:buNone/>
+              <a:defRPr sz="1600"/>
+            </a:lvl5pPr>
+            <a:lvl6pPr marL="2286000" indent="0">
+              <a:buNone/>
+              <a:defRPr sz="1600"/>
+            </a:lvl6pPr>
+            <a:lvl7pPr marL="2743200" indent="0">
+              <a:buNone/>
+              <a:defRPr sz="1600"/>
+            </a:lvl7pPr>
+            <a:lvl8pPr marL="3200400" indent="0">
+              <a:buNone/>
+              <a:defRPr sz="1600"/>
+            </a:lvl8pPr>
+            <a:lvl9pPr marL="3657600" indent="0">
+              <a:buNone/>
+              <a:defRPr sz="1600"/>
+            </a:lvl9pPr>
+          </a:lstStyle>
+          <a:p>
+            <a:r>
+              <a:rPr lang="en-US"/>
+              <a:t>Click icon to add picture</a:t>
+            </a:r>
+            <a:endParaRPr lang="en-US" dirty="0"/>
+          </a:p>
+        </p:txBody>
+      </p:sp>
+      <p:sp>
+        <p:nvSpPr>
+          <p:cNvPr id="4" name="Text Placeholder 3"/>
+          <p:cNvSpPr>
+            <a:spLocks noGrp="1"/>
+          </p:cNvSpPr>
+          <p:nvPr>
+            <p:ph type="body" sz="half" idx="2"/>
+          </p:nvPr>
+        </p:nvSpPr>
+        <p:spPr>
+          <a:xfrm>
+            <a:off x="1484311" y="5299603"/>
+            <a:ext cx="10018711" cy="493712"/>
+          </a:xfrm>
+        </p:spPr>
+        <p:txBody>
+          <a:bodyPr>
+            <a:normAutofit/>
+          </a:bodyPr>
+          <a:lstStyle>
+            <a:lvl1pPr marL="0" indent="0" algn="ctr">
+              <a:buNone/>
+              <a:defRPr sz="1400"/>
+            </a:lvl1pPr>
+            <a:lvl2pPr marL="457200" indent="0">
+              <a:buNone/>
+              <a:defRPr sz="1200"/>
+            </a:lvl2pPr>
+            <a:lvl3pPr marL="914400" indent="0">
+              <a:buNone/>
+              <a:defRPr sz="1000"/>
+            </a:lvl3pPr>
+            <a:lvl4pPr marL="1371600" indent="0">
+              <a:buNone/>
+              <a:defRPr sz="900"/>
+            </a:lvl4pPr>
+            <a:lvl5pPr marL="1828800" indent="0">
+              <a:buNone/>
+              <a:defRPr sz="900"/>
+            </a:lvl5pPr>
+            <a:lvl6pPr marL="2286000" indent="0">
+              <a:buNone/>
+              <a:defRPr sz="900"/>
+            </a:lvl6pPr>
+            <a:lvl7pPr marL="2743200" indent="0">
+              <a:buNone/>
+              <a:defRPr sz="900"/>
+            </a:lvl7pPr>
+            <a:lvl8pPr marL="3200400" indent="0">
+              <a:buNone/>
+              <a:defRPr sz="900"/>
+            </a:lvl8pPr>
+            <a:lvl9pPr marL="3657600" indent="0">
+              <a:buNone/>
+              <a:defRPr sz="900"/>
+            </a:lvl9pPr>
+          </a:lstStyle>
+          <a:p>
+            <a:pPr lvl="0"/>
+            <a:r>
+              <a:rPr lang="en-US"/>
+              <a:t>Click to edit Master text styles</a:t>
+            </a:r>
+          </a:p>
+        </p:txBody>
+      </p:sp>
+      <p:sp>
+        <p:nvSpPr>
+          <p:cNvPr id="5" name="Date Placeholder 4"/>
+          <p:cNvSpPr>
+            <a:spLocks noGrp="1"/>
+          </p:cNvSpPr>
+          <p:nvPr>
+            <p:ph type="dt" sz="half" idx="10"/>
+          </p:nvPr>
+        </p:nvSpPr>
+        <p:spPr/>
+        <p:txBody>
+          <a:bodyPr/>
+          <a:lstStyle/>
+          <a:p>
+            <a:fld id="{E80C50CD-E178-4744-9B35-B2F624D6C5E9}" type="datetimeFigureOut">
+              <a:rPr lang="en-US" smtClean="0"/>
+              <a:pPr/>
+              <a:t>6/18/2025</a:t>
+            </a:fld>
+            <a:endParaRPr lang="en-US"/>
+          </a:p>
+        </p:txBody>
+      </p:sp>
+      <p:sp>
+        <p:nvSpPr>
+          <p:cNvPr id="6" name="Footer Placeholder 5"/>
+          <p:cNvSpPr>
+            <a:spLocks noGrp="1"/>
+          </p:cNvSpPr>
+          <p:nvPr>
+            <p:ph type="ftr" sz="quarter" idx="11"/>
+          </p:nvPr>
+        </p:nvSpPr>
+        <p:spPr/>
+        <p:txBody>
+          <a:bodyPr/>
+          <a:lstStyle/>
+          <a:p>
+            <a:endParaRPr lang="en-US"/>
+          </a:p>
+        </p:txBody>
+      </p:sp>
+      <p:sp>
+        <p:nvSpPr>
+          <p:cNvPr id="7" name="Slide Number Placeholder 6"/>
+          <p:cNvSpPr>
+            <a:spLocks noGrp="1"/>
+          </p:cNvSpPr>
+          <p:nvPr>
+            <p:ph type="sldNum" sz="quarter" idx="12"/>
+          </p:nvPr>
+        </p:nvSpPr>
+        <p:spPr/>
+        <p:txBody>
+          <a:bodyPr/>
+          <a:lstStyle/>
+          <a:p>
+            <a:fld id="{148CC95F-0247-41B6-91CF-DC97C76A7088}" type="slidenum">
+              <a:rPr lang="en-US" smtClean="0"/>
+              <a:pPr/>
+              <a:t>‹#›</a:t>
+            </a:fld>
+            <a:endParaRPr lang="en-US"/>
+          </a:p>
+        </p:txBody>
+      </p:sp>
+    </p:spTree>
+    <p:extLst>
+      <p:ext uri="{BB962C8B-B14F-4D97-AF65-F5344CB8AC3E}">
+        <p14:creationId xmlns:p14="http://schemas.microsoft.com/office/powerpoint/2010/main" val="4101078467"/>
+      </p:ext>
+    </p:extLst>
+  </p:cSld>
+  <p:clrMapOvr>
+    <a:masterClrMapping/>
+  </p:clrMapOvr>
+</p:sldLayout>
+</file>
+
+<file path=ppt/slideLayouts/slideLayout11.xml><?xml version="1.0" encoding="utf-8"?>
+<p:sldLayout xmlns:a="http://schemas.openxmlformats.org/drawingml/2006/main" xmlns:r="http://schemas.openxmlformats.org/officeDocument/2006/relationships" xmlns:p="http://schemas.openxmlformats.org/presentationml/2006/main" preserve="1">
+  <p:cSld name="Title and Caption">
+    <p:spTree>
+      <p:nvGrpSpPr>
+        <p:cNvPr id="1" name=""/>
+        <p:cNvGrpSpPr/>
+        <p:nvPr/>
+      </p:nvGrpSpPr>
+      <p:grpSpPr>
+        <a:xfrm>
+          <a:off x="0" y="0"/>
+          <a:ext cx="0" cy="0"/>
+          <a:chOff x="0" y="0"/>
+          <a:chExt cx="0" cy="0"/>
+        </a:xfrm>
+      </p:grpSpPr>
+      <p:sp>
+        <p:nvSpPr>
+          <p:cNvPr id="2" name="Title 1"/>
+          <p:cNvSpPr>
+            <a:spLocks noGrp="1"/>
+          </p:cNvSpPr>
+          <p:nvPr>
+            <p:ph type="title"/>
+          </p:nvPr>
+        </p:nvSpPr>
+        <p:spPr>
+          <a:xfrm>
+            <a:off x="1484312" y="685800"/>
+            <a:ext cx="10018711" cy="3048000"/>
+          </a:xfrm>
+        </p:spPr>
+        <p:txBody>
+          <a:bodyPr anchor="ctr">
+            <a:normAutofit/>
+          </a:bodyPr>
+          <a:lstStyle>
+            <a:lvl1pPr algn="ctr">
+              <a:defRPr sz="3200" b="0" cap="none"/>
+            </a:lvl1pPr>
+          </a:lstStyle>
+          <a:p>
+            <a:r>
+              <a:rPr lang="en-US"/>
+              <a:t>Click to edit Master title style</a:t>
+            </a:r>
+            <a:endParaRPr lang="en-US" dirty="0"/>
+          </a:p>
+        </p:txBody>
+      </p:sp>
+      <p:sp>
+        <p:nvSpPr>
+          <p:cNvPr id="3" name="Text Placeholder 2"/>
+          <p:cNvSpPr>
+            <a:spLocks noGrp="1"/>
+          </p:cNvSpPr>
+          <p:nvPr>
+            <p:ph type="body" idx="1"/>
+          </p:nvPr>
+        </p:nvSpPr>
+        <p:spPr>
+          <a:xfrm>
+            <a:off x="1484312" y="4343400"/>
+            <a:ext cx="10018713" cy="1447800"/>
+          </a:xfrm>
+        </p:spPr>
+        <p:txBody>
+          <a:bodyPr anchor="ctr">
+            <a:normAutofit/>
+          </a:bodyPr>
+          <a:lstStyle>
+            <a:lvl1pPr marL="0" indent="0" algn="ctr">
+              <a:buNone/>
+              <a:defRPr sz="2000">
+                <a:solidFill>
+                  <a:schemeClr val="tx1"/>
+                </a:solidFill>
+              </a:defRPr>
+            </a:lvl1pPr>
+            <a:lvl2pPr marL="457200" indent="0">
+              <a:buNone/>
+              <a:defRPr sz="1800">
+                <a:solidFill>
+                  <a:schemeClr val="tx1">
+                    <a:tint val="75000"/>
+                  </a:schemeClr>
+                </a:solidFill>
+              </a:defRPr>
+            </a:lvl2pPr>
+            <a:lvl3pPr marL="914400" indent="0">
+              <a:buNone/>
+              <a:defRPr sz="1600">
+                <a:solidFill>
+                  <a:schemeClr val="tx1">
+                    <a:tint val="75000"/>
+                  </a:schemeClr>
+                </a:solidFill>
+              </a:defRPr>
+            </a:lvl3pPr>
+            <a:lvl4pPr marL="1371600" indent="0">
+              <a:buNone/>
+              <a:defRPr sz="1400">
+                <a:solidFill>
+                  <a:schemeClr val="tx1">
+                    <a:tint val="75000"/>
+                  </a:schemeClr>
+                </a:solidFill>
+              </a:defRPr>
+            </a:lvl4pPr>
+            <a:lvl5pPr marL="1828800" indent="0">
+              <a:buNone/>
+              <a:defRPr sz="1400">
+                <a:solidFill>
+                  <a:schemeClr val="tx1">
+                    <a:tint val="75000"/>
+                  </a:schemeClr>
+                </a:solidFill>
+              </a:defRPr>
+            </a:lvl5pPr>
+            <a:lvl6pPr marL="2286000" indent="0">
+              <a:buNone/>
+              <a:defRPr sz="1400">
+                <a:solidFill>
+                  <a:schemeClr val="tx1">
+                    <a:tint val="75000"/>
+                  </a:schemeClr>
+                </a:solidFill>
+              </a:defRPr>
+            </a:lvl6pPr>
+            <a:lvl7pPr marL="2743200" indent="0">
+              <a:buNone/>
+              <a:defRPr sz="1400">
+                <a:solidFill>
+                  <a:schemeClr val="tx1">
+                    <a:tint val="75000"/>
+                  </a:schemeClr>
+                </a:solidFill>
+              </a:defRPr>
+            </a:lvl7pPr>
+            <a:lvl8pPr marL="3200400" indent="0">
+              <a:buNone/>
+              <a:defRPr sz="1400">
+                <a:solidFill>
+                  <a:schemeClr val="tx1">
+                    <a:tint val="75000"/>
+                  </a:schemeClr>
+                </a:solidFill>
+              </a:defRPr>
+            </a:lvl8pPr>
+            <a:lvl9pPr marL="3657600" indent="0">
+              <a:buNone/>
+              <a:defRPr sz="1400">
+                <a:solidFill>
+                  <a:schemeClr val="tx1">
+                    <a:tint val="75000"/>
+                  </a:schemeClr>
+                </a:solidFill>
+              </a:defRPr>
+            </a:lvl9pPr>
+          </a:lstStyle>
+          <a:p>
+            <a:pPr lvl="0"/>
+            <a:r>
+              <a:rPr lang="en-US"/>
+              <a:t>Click to edit Master text styles</a:t>
+            </a:r>
+          </a:p>
+        </p:txBody>
+      </p:sp>
+      <p:sp>
+        <p:nvSpPr>
+          <p:cNvPr id="4" name="Date Placeholder 3"/>
+          <p:cNvSpPr>
+            <a:spLocks noGrp="1"/>
+          </p:cNvSpPr>
+          <p:nvPr>
+            <p:ph type="dt" sz="half" idx="10"/>
+          </p:nvPr>
+        </p:nvSpPr>
+        <p:spPr/>
+        <p:txBody>
+          <a:bodyPr/>
+          <a:lstStyle/>
+          <a:p>
+            <a:fld id="{E80C50CD-E178-4744-9B35-B2F624D6C5E9}" type="datetimeFigureOut">
+              <a:rPr lang="en-US" smtClean="0"/>
+              <a:pPr/>
+              <a:t>6/18/2025</a:t>
+            </a:fld>
+            <a:endParaRPr lang="en-US"/>
+          </a:p>
+        </p:txBody>
+      </p:sp>
+      <p:sp>
+        <p:nvSpPr>
+          <p:cNvPr id="5" name="Footer Placeholder 4"/>
+          <p:cNvSpPr>
+            <a:spLocks noGrp="1"/>
+          </p:cNvSpPr>
+          <p:nvPr>
+            <p:ph type="ftr" sz="quarter" idx="11"/>
+          </p:nvPr>
+        </p:nvSpPr>
+        <p:spPr/>
+        <p:txBody>
+          <a:bodyPr/>
+          <a:lstStyle/>
+          <a:p>
+            <a:endParaRPr lang="en-US"/>
+          </a:p>
+        </p:txBody>
+      </p:sp>
+      <p:sp>
+        <p:nvSpPr>
+          <p:cNvPr id="6" name="Slide Number Placeholder 5"/>
+          <p:cNvSpPr>
+            <a:spLocks noGrp="1"/>
+          </p:cNvSpPr>
+          <p:nvPr>
+            <p:ph type="sldNum" sz="quarter" idx="12"/>
+          </p:nvPr>
+        </p:nvSpPr>
+        <p:spPr/>
+        <p:txBody>
+          <a:bodyPr/>
+          <a:lstStyle/>
+          <a:p>
+            <a:fld id="{148CC95F-0247-41B6-91CF-DC97C76A7088}" type="slidenum">
+              <a:rPr lang="en-US" smtClean="0"/>
+              <a:pPr/>
+              <a:t>‹#›</a:t>
+            </a:fld>
+            <a:endParaRPr lang="en-US"/>
+          </a:p>
+        </p:txBody>
+      </p:sp>
+    </p:spTree>
+    <p:extLst>
+      <p:ext uri="{BB962C8B-B14F-4D97-AF65-F5344CB8AC3E}">
+        <p14:creationId xmlns:p14="http://schemas.microsoft.com/office/powerpoint/2010/main" val="1020981177"/>
+      </p:ext>
+    </p:extLst>
+  </p:cSld>
+  <p:clrMapOvr>
+    <a:masterClrMapping/>
+  </p:clrMapOvr>
+</p:sldLayout>
+</file>
+
+<file path=ppt/slideLayouts/slideLayout12.xml><?xml version="1.0" encoding="utf-8"?>
+<p:sldLayout xmlns:a="http://schemas.openxmlformats.org/drawingml/2006/main" xmlns:r="http://schemas.openxmlformats.org/officeDocument/2006/relationships" xmlns:p="http://schemas.openxmlformats.org/presentationml/2006/main" preserve="1">
+  <p:cSld name="Quote with Caption">
+    <p:spTree>
+      <p:nvGrpSpPr>
+        <p:cNvPr id="1" name=""/>
+        <p:cNvGrpSpPr/>
+        <p:nvPr/>
+      </p:nvGrpSpPr>
+      <p:grpSpPr>
+        <a:xfrm>
+          <a:off x="0" y="0"/>
+          <a:ext cx="0" cy="0"/>
+          <a:chOff x="0" y="0"/>
+          <a:chExt cx="0" cy="0"/>
+        </a:xfrm>
+      </p:grpSpPr>
+      <p:sp>
+        <p:nvSpPr>
+          <p:cNvPr id="14" name="TextBox 13"/>
+          <p:cNvSpPr txBox="1"/>
+          <p:nvPr/>
+        </p:nvSpPr>
+        <p:spPr>
+          <a:xfrm>
+            <a:off x="1598612" y="863023"/>
+            <a:ext cx="609600" cy="584776"/>
+          </a:xfrm>
+          <a:prstGeom prst="rect">
+            <a:avLst/>
+          </a:prstGeom>
+        </p:spPr>
+        <p:txBody>
+          <a:bodyPr vert="horz" lIns="91440" tIns="45720" rIns="91440" bIns="45720" rtlCol="0" anchor="ctr">
+            <a:noAutofit/>
+          </a:bodyPr>
+          <a:lstStyle>
+            <a:lvl1pPr>
+              <a:spcBef>
+                <a:spcPct val="0"/>
+              </a:spcBef>
+              <a:buNone/>
+              <a:defRPr sz="3200" b="0" cap="all">
+                <a:ln w="3175" cmpd="sng">
+                  <a:noFill/>
+                </a:ln>
+                <a:effectLst>
+                  <a:glow rad="38100">
+                    <a:schemeClr val="bg1">
+                      <a:lumMod val="65000"/>
+                      <a:lumOff val="35000"/>
+                      <a:alpha val="40000"/>
+                    </a:schemeClr>
+                  </a:glow>
+                  <a:outerShdw blurRad="28575" dist="38100" dir="14040000" algn="tl" rotWithShape="0">
+                    <a:srgbClr val="000000">
+                      <a:alpha val="25000"/>
+                    </a:srgbClr>
+                  </a:outerShdw>
+                </a:effectLst>
+              </a:defRPr>
+            </a:lvl1pPr>
+            <a:lvl2pPr>
+              <a:defRPr>
+                <a:solidFill>
+                  <a:schemeClr val="tx2"/>
+                </a:solidFill>
+              </a:defRPr>
+            </a:lvl2pPr>
+            <a:lvl3pPr>
+              <a:defRPr>
+                <a:solidFill>
+                  <a:schemeClr val="tx2"/>
+                </a:solidFill>
+              </a:defRPr>
+            </a:lvl3pPr>
+            <a:lvl4pPr>
+              <a:defRPr>
+                <a:solidFill>
+                  <a:schemeClr val="tx2"/>
+                </a:solidFill>
+              </a:defRPr>
+            </a:lvl4pPr>
+            <a:lvl5pPr>
+              <a:defRPr>
+                <a:solidFill>
+                  <a:schemeClr val="tx2"/>
+                </a:solidFill>
+              </a:defRPr>
+            </a:lvl5pPr>
+            <a:lvl6pPr>
+              <a:defRPr>
+                <a:solidFill>
+                  <a:schemeClr val="tx2"/>
+                </a:solidFill>
+              </a:defRPr>
+            </a:lvl6pPr>
+            <a:lvl7pPr>
+              <a:defRPr>
+                <a:solidFill>
+                  <a:schemeClr val="tx2"/>
+                </a:solidFill>
+              </a:defRPr>
+            </a:lvl7pPr>
+            <a:lvl8pPr>
+              <a:defRPr>
+                <a:solidFill>
+                  <a:schemeClr val="tx2"/>
+                </a:solidFill>
+              </a:defRPr>
+            </a:lvl8pPr>
+            <a:lvl9pPr>
+              <a:defRPr>
+                <a:solidFill>
+                  <a:schemeClr val="tx2"/>
+                </a:solidFill>
+              </a:defRPr>
+            </a:lvl9pPr>
+          </a:lstStyle>
+          <a:p>
+            <a:pPr lvl="0"/>
+            <a:r>
+              <a:rPr lang="en-US" sz="8000" dirty="0">
+                <a:solidFill>
+                  <a:schemeClr val="tx1"/>
+                </a:solidFill>
+                <a:effectLst/>
+              </a:rPr>
+              <a:t>“</a:t>
+            </a:r>
+          </a:p>
+        </p:txBody>
+      </p:sp>
+      <p:sp>
+        <p:nvSpPr>
+          <p:cNvPr id="15" name="TextBox 14"/>
+          <p:cNvSpPr txBox="1"/>
+          <p:nvPr/>
+        </p:nvSpPr>
+        <p:spPr>
+          <a:xfrm>
+            <a:off x="10893425" y="2819399"/>
+            <a:ext cx="609600" cy="584776"/>
+          </a:xfrm>
+          <a:prstGeom prst="rect">
+            <a:avLst/>
+          </a:prstGeom>
+        </p:spPr>
+        <p:txBody>
+          <a:bodyPr vert="horz" lIns="91440" tIns="45720" rIns="91440" bIns="45720" rtlCol="0" anchor="ctr">
+            <a:noAutofit/>
+          </a:bodyPr>
+          <a:lstStyle>
+            <a:lvl1pPr>
+              <a:spcBef>
+                <a:spcPct val="0"/>
+              </a:spcBef>
+              <a:buNone/>
+              <a:defRPr sz="3200" b="0" cap="all">
+                <a:ln w="3175" cmpd="sng">
+                  <a:noFill/>
+                </a:ln>
+                <a:effectLst>
+                  <a:glow rad="38100">
+                    <a:schemeClr val="bg1">
+                      <a:lumMod val="65000"/>
+                      <a:lumOff val="35000"/>
+                      <a:alpha val="40000"/>
+                    </a:schemeClr>
+                  </a:glow>
+                  <a:outerShdw blurRad="28575" dist="38100" dir="14040000" algn="tl" rotWithShape="0">
+                    <a:srgbClr val="000000">
+                      <a:alpha val="25000"/>
+                    </a:srgbClr>
+                  </a:outerShdw>
+                </a:effectLst>
+              </a:defRPr>
+            </a:lvl1pPr>
+            <a:lvl2pPr>
+              <a:defRPr>
+                <a:solidFill>
+                  <a:schemeClr val="tx2"/>
+                </a:solidFill>
+              </a:defRPr>
+            </a:lvl2pPr>
+            <a:lvl3pPr>
+              <a:defRPr>
+                <a:solidFill>
+                  <a:schemeClr val="tx2"/>
+                </a:solidFill>
+              </a:defRPr>
+            </a:lvl3pPr>
+            <a:lvl4pPr>
+              <a:defRPr>
+                <a:solidFill>
+                  <a:schemeClr val="tx2"/>
+                </a:solidFill>
+              </a:defRPr>
+            </a:lvl4pPr>
+            <a:lvl5pPr>
+              <a:defRPr>
+                <a:solidFill>
+                  <a:schemeClr val="tx2"/>
+                </a:solidFill>
+              </a:defRPr>
+            </a:lvl5pPr>
+            <a:lvl6pPr>
+              <a:defRPr>
+                <a:solidFill>
+                  <a:schemeClr val="tx2"/>
+                </a:solidFill>
+              </a:defRPr>
+            </a:lvl6pPr>
+            <a:lvl7pPr>
+              <a:defRPr>
+                <a:solidFill>
+                  <a:schemeClr val="tx2"/>
+                </a:solidFill>
+              </a:defRPr>
+            </a:lvl7pPr>
+            <a:lvl8pPr>
+              <a:defRPr>
+                <a:solidFill>
+                  <a:schemeClr val="tx2"/>
+                </a:solidFill>
+              </a:defRPr>
+            </a:lvl8pPr>
+            <a:lvl9pPr>
+              <a:defRPr>
+                <a:solidFill>
+                  <a:schemeClr val="tx2"/>
+                </a:solidFill>
+              </a:defRPr>
+            </a:lvl9pPr>
+          </a:lstStyle>
+          <a:p>
+            <a:pPr lvl="0" algn="r"/>
+            <a:r>
+              <a:rPr lang="en-US" sz="8000" dirty="0">
+                <a:solidFill>
+                  <a:schemeClr val="tx1"/>
+                </a:solidFill>
+                <a:effectLst/>
+              </a:rPr>
+              <a:t>”</a:t>
+            </a:r>
+          </a:p>
+        </p:txBody>
+      </p:sp>
+      <p:sp>
+        <p:nvSpPr>
+          <p:cNvPr id="2" name="Title 1"/>
+          <p:cNvSpPr>
+            <a:spLocks noGrp="1"/>
+          </p:cNvSpPr>
+          <p:nvPr>
+            <p:ph type="title"/>
+          </p:nvPr>
+        </p:nvSpPr>
+        <p:spPr>
+          <a:xfrm>
+            <a:off x="2208212" y="685800"/>
+            <a:ext cx="8990012" cy="2743199"/>
+          </a:xfrm>
+        </p:spPr>
+        <p:txBody>
+          <a:bodyPr anchor="ctr">
+            <a:normAutofit/>
+          </a:bodyPr>
+          <a:lstStyle>
+            <a:lvl1pPr algn="ctr">
+              <a:defRPr sz="3200" b="0" cap="none">
+                <a:solidFill>
+                  <a:schemeClr val="tx1"/>
+                </a:solidFill>
+              </a:defRPr>
+            </a:lvl1pPr>
+          </a:lstStyle>
+          <a:p>
+            <a:r>
+              <a:rPr lang="en-US"/>
+              <a:t>Click to edit Master title style</a:t>
+            </a:r>
+            <a:endParaRPr lang="en-US" dirty="0"/>
+          </a:p>
+        </p:txBody>
+      </p:sp>
+      <p:sp>
+        <p:nvSpPr>
+          <p:cNvPr id="10" name="Text Placeholder 9"/>
+          <p:cNvSpPr>
+            <a:spLocks noGrp="1"/>
+          </p:cNvSpPr>
+          <p:nvPr>
+            <p:ph type="body" sz="quarter" idx="13"/>
+          </p:nvPr>
+        </p:nvSpPr>
+        <p:spPr>
+          <a:xfrm>
+            <a:off x="2436811" y="3428999"/>
+            <a:ext cx="8532815" cy="381000"/>
+          </a:xfrm>
+        </p:spPr>
+        <p:txBody>
+          <a:bodyPr anchor="ctr">
+            <a:normAutofit/>
+          </a:bodyPr>
+          <a:lstStyle>
+            <a:lvl1pPr marL="0" indent="0">
+              <a:buFontTx/>
+              <a:buNone/>
+              <a:defRPr sz="1800"/>
+            </a:lvl1pPr>
+            <a:lvl2pPr marL="457200" indent="0">
+              <a:buFontTx/>
+              <a:buNone/>
+              <a:defRPr/>
+            </a:lvl2pPr>
+            <a:lvl3pPr marL="914400" indent="0">
+              <a:buFontTx/>
+              <a:buNone/>
+              <a:defRPr/>
+            </a:lvl3pPr>
+            <a:lvl4pPr marL="1371600" indent="0">
+              <a:buFontTx/>
+              <a:buNone/>
+              <a:defRPr/>
+            </a:lvl4pPr>
+            <a:lvl5pPr marL="1828800" indent="0">
+              <a:buFontTx/>
+              <a:buNone/>
+              <a:defRPr/>
+            </a:lvl5pPr>
+          </a:lstStyle>
+          <a:p>
+            <a:pPr lvl="0"/>
+            <a:r>
+              <a:rPr lang="en-US"/>
+              <a:t>Click to edit Master text styles</a:t>
+            </a:r>
+          </a:p>
+        </p:txBody>
+      </p:sp>
+      <p:sp>
+        <p:nvSpPr>
+          <p:cNvPr id="3" name="Text Placeholder 2"/>
+          <p:cNvSpPr>
+            <a:spLocks noGrp="1"/>
+          </p:cNvSpPr>
+          <p:nvPr>
+            <p:ph type="body" idx="1"/>
+          </p:nvPr>
+        </p:nvSpPr>
+        <p:spPr>
+          <a:xfrm>
+            <a:off x="1484311" y="4343400"/>
+            <a:ext cx="10018711" cy="1447800"/>
+          </a:xfrm>
+        </p:spPr>
+        <p:txBody>
+          <a:bodyPr anchor="ctr">
+            <a:normAutofit/>
+          </a:bodyPr>
+          <a:lstStyle>
+            <a:lvl1pPr marL="0" indent="0" algn="ctr">
+              <a:buNone/>
+              <a:defRPr sz="2000">
+                <a:solidFill>
+                  <a:schemeClr val="tx1"/>
+                </a:solidFill>
+              </a:defRPr>
+            </a:lvl1pPr>
+            <a:lvl2pPr marL="457200" indent="0">
+              <a:buNone/>
+              <a:defRPr sz="1800">
+                <a:solidFill>
+                  <a:schemeClr val="tx1">
+                    <a:tint val="75000"/>
+                  </a:schemeClr>
+                </a:solidFill>
+              </a:defRPr>
+            </a:lvl2pPr>
+            <a:lvl3pPr marL="914400" indent="0">
+              <a:buNone/>
+              <a:defRPr sz="1600">
+                <a:solidFill>
+                  <a:schemeClr val="tx1">
+                    <a:tint val="75000"/>
+                  </a:schemeClr>
+                </a:solidFill>
+              </a:defRPr>
+            </a:lvl3pPr>
+            <a:lvl4pPr marL="1371600" indent="0">
+              <a:buNone/>
+              <a:defRPr sz="1400">
+                <a:solidFill>
+                  <a:schemeClr val="tx1">
+                    <a:tint val="75000"/>
+                  </a:schemeClr>
+                </a:solidFill>
+              </a:defRPr>
+            </a:lvl4pPr>
+            <a:lvl5pPr marL="1828800" indent="0">
+              <a:buNone/>
+              <a:defRPr sz="1400">
+                <a:solidFill>
+                  <a:schemeClr val="tx1">
+                    <a:tint val="75000"/>
+                  </a:schemeClr>
+                </a:solidFill>
+              </a:defRPr>
+            </a:lvl5pPr>
+            <a:lvl6pPr marL="2286000" indent="0">
+              <a:buNone/>
+              <a:defRPr sz="1400">
+                <a:solidFill>
+                  <a:schemeClr val="tx1">
+                    <a:tint val="75000"/>
+                  </a:schemeClr>
+                </a:solidFill>
+              </a:defRPr>
+            </a:lvl6pPr>
+            <a:lvl7pPr marL="2743200" indent="0">
+              <a:buNone/>
+              <a:defRPr sz="1400">
+                <a:solidFill>
+                  <a:schemeClr val="tx1">
+                    <a:tint val="75000"/>
+                  </a:schemeClr>
+                </a:solidFill>
+              </a:defRPr>
+            </a:lvl7pPr>
+            <a:lvl8pPr marL="3200400" indent="0">
+              <a:buNone/>
+              <a:defRPr sz="1400">
+                <a:solidFill>
+                  <a:schemeClr val="tx1">
+                    <a:tint val="75000"/>
+                  </a:schemeClr>
+                </a:solidFill>
+              </a:defRPr>
+            </a:lvl8pPr>
+            <a:lvl9pPr marL="3657600" indent="0">
+              <a:buNone/>
+              <a:defRPr sz="1400">
+                <a:solidFill>
+                  <a:schemeClr val="tx1">
+                    <a:tint val="75000"/>
+                  </a:schemeClr>
+                </a:solidFill>
+              </a:defRPr>
+            </a:lvl9pPr>
+          </a:lstStyle>
+          <a:p>
+            <a:pPr lvl="0"/>
+            <a:r>
+              <a:rPr lang="en-US"/>
+              <a:t>Click to edit Master text styles</a:t>
+            </a:r>
+          </a:p>
+        </p:txBody>
+      </p:sp>
+      <p:sp>
+        <p:nvSpPr>
+          <p:cNvPr id="4" name="Date Placeholder 3"/>
+          <p:cNvSpPr>
+            <a:spLocks noGrp="1"/>
+          </p:cNvSpPr>
+          <p:nvPr>
+            <p:ph type="dt" sz="half" idx="10"/>
+          </p:nvPr>
+        </p:nvSpPr>
+        <p:spPr/>
+        <p:txBody>
+          <a:bodyPr/>
+          <a:lstStyle/>
+          <a:p>
+            <a:fld id="{E80C50CD-E178-4744-9B35-B2F624D6C5E9}" type="datetimeFigureOut">
+              <a:rPr lang="en-US" smtClean="0"/>
+              <a:pPr/>
+              <a:t>6/18/2025</a:t>
+            </a:fld>
+            <a:endParaRPr lang="en-US"/>
+          </a:p>
+        </p:txBody>
+      </p:sp>
+      <p:sp>
+        <p:nvSpPr>
+          <p:cNvPr id="5" name="Footer Placeholder 4"/>
+          <p:cNvSpPr>
+            <a:spLocks noGrp="1"/>
+          </p:cNvSpPr>
+          <p:nvPr>
+            <p:ph type="ftr" sz="quarter" idx="11"/>
+          </p:nvPr>
+        </p:nvSpPr>
+        <p:spPr/>
+        <p:txBody>
+          <a:bodyPr/>
+          <a:lstStyle/>
+          <a:p>
+            <a:endParaRPr lang="en-US"/>
+          </a:p>
+        </p:txBody>
+      </p:sp>
+      <p:sp>
+        <p:nvSpPr>
+          <p:cNvPr id="6" name="Slide Number Placeholder 5"/>
+          <p:cNvSpPr>
+            <a:spLocks noGrp="1"/>
+          </p:cNvSpPr>
+          <p:nvPr>
+            <p:ph type="sldNum" sz="quarter" idx="12"/>
+          </p:nvPr>
+        </p:nvSpPr>
+        <p:spPr/>
+        <p:txBody>
+          <a:bodyPr/>
+          <a:lstStyle/>
+          <a:p>
+            <a:fld id="{148CC95F-0247-41B6-91CF-DC97C76A7088}" type="slidenum">
+              <a:rPr lang="en-US" smtClean="0"/>
+              <a:pPr/>
+              <a:t>‹#›</a:t>
+            </a:fld>
+            <a:endParaRPr lang="en-US"/>
+          </a:p>
+        </p:txBody>
+      </p:sp>
+    </p:spTree>
+    <p:extLst>
+      <p:ext uri="{BB962C8B-B14F-4D97-AF65-F5344CB8AC3E}">
+        <p14:creationId xmlns:p14="http://schemas.microsoft.com/office/powerpoint/2010/main" val="3864256973"/>
+      </p:ext>
+    </p:extLst>
+  </p:cSld>
+  <p:clrMapOvr>
+    <a:masterClrMapping/>
+  </p:clrMapOvr>
+</p:sldLayout>
+</file>
+
+<file path=ppt/slideLayouts/slideLayout13.xml><?xml version="1.0" encoding="utf-8"?>
+<p:sldLayout xmlns:a="http://schemas.openxmlformats.org/drawingml/2006/main" xmlns:r="http://schemas.openxmlformats.org/officeDocument/2006/relationships" xmlns:p="http://schemas.openxmlformats.org/presentationml/2006/main" preserve="1">
+  <p:cSld name="Name Card">
+    <p:spTree>
+      <p:nvGrpSpPr>
+        <p:cNvPr id="1" name=""/>
+        <p:cNvGrpSpPr/>
+        <p:nvPr/>
+      </p:nvGrpSpPr>
+      <p:grpSpPr>
+        <a:xfrm>
+          <a:off x="0" y="0"/>
+          <a:ext cx="0" cy="0"/>
+          <a:chOff x="0" y="0"/>
+          <a:chExt cx="0" cy="0"/>
+        </a:xfrm>
+      </p:grpSpPr>
+      <p:sp>
+        <p:nvSpPr>
+          <p:cNvPr id="2" name="Title 1"/>
+          <p:cNvSpPr>
+            <a:spLocks noGrp="1"/>
+          </p:cNvSpPr>
+          <p:nvPr>
+            <p:ph type="title"/>
+          </p:nvPr>
+        </p:nvSpPr>
+        <p:spPr>
+          <a:xfrm>
+            <a:off x="1484313" y="3308581"/>
+            <a:ext cx="10018709" cy="1468800"/>
+          </a:xfrm>
+        </p:spPr>
+        <p:txBody>
+          <a:bodyPr anchor="b">
+            <a:normAutofit/>
+          </a:bodyPr>
+          <a:lstStyle>
+            <a:lvl1pPr algn="r">
+              <a:defRPr sz="3200" b="0" cap="none"/>
+            </a:lvl1pPr>
+          </a:lstStyle>
+          <a:p>
+            <a:r>
+              <a:rPr lang="en-US"/>
+              <a:t>Click to edit Master title style</a:t>
+            </a:r>
+            <a:endParaRPr lang="en-US" dirty="0"/>
+          </a:p>
+        </p:txBody>
+      </p:sp>
+      <p:sp>
+        <p:nvSpPr>
+          <p:cNvPr id="3" name="Text Placeholder 2"/>
+          <p:cNvSpPr>
+            <a:spLocks noGrp="1"/>
+          </p:cNvSpPr>
+          <p:nvPr>
+            <p:ph type="body" idx="1"/>
+          </p:nvPr>
+        </p:nvSpPr>
+        <p:spPr>
+          <a:xfrm>
+            <a:off x="1484312" y="4777381"/>
+            <a:ext cx="10018710" cy="860400"/>
+          </a:xfrm>
+        </p:spPr>
+        <p:txBody>
+          <a:bodyPr anchor="t">
+            <a:normAutofit/>
+          </a:bodyPr>
+          <a:lstStyle>
+            <a:lvl1pPr marL="0" indent="0" algn="r">
+              <a:buNone/>
+              <a:defRPr sz="2000">
+                <a:solidFill>
+                  <a:schemeClr val="tx1"/>
+                </a:solidFill>
+              </a:defRPr>
+            </a:lvl1pPr>
+            <a:lvl2pPr marL="457200" indent="0">
+              <a:buNone/>
+              <a:defRPr sz="1800">
+                <a:solidFill>
+                  <a:schemeClr val="tx1">
+                    <a:tint val="75000"/>
+                  </a:schemeClr>
+                </a:solidFill>
+              </a:defRPr>
+            </a:lvl2pPr>
+            <a:lvl3pPr marL="914400" indent="0">
+              <a:buNone/>
+              <a:defRPr sz="1600">
+                <a:solidFill>
+                  <a:schemeClr val="tx1">
+                    <a:tint val="75000"/>
+                  </a:schemeClr>
+                </a:solidFill>
+              </a:defRPr>
+            </a:lvl3pPr>
+            <a:lvl4pPr marL="1371600" indent="0">
+              <a:buNone/>
+              <a:defRPr sz="1400">
+                <a:solidFill>
+                  <a:schemeClr val="tx1">
+                    <a:tint val="75000"/>
+                  </a:schemeClr>
+                </a:solidFill>
+              </a:defRPr>
+            </a:lvl4pPr>
+            <a:lvl5pPr marL="1828800" indent="0">
+              <a:buNone/>
+              <a:defRPr sz="1400">
+                <a:solidFill>
+                  <a:schemeClr val="tx1">
+                    <a:tint val="75000"/>
+                  </a:schemeClr>
+                </a:solidFill>
+              </a:defRPr>
+            </a:lvl5pPr>
+            <a:lvl6pPr marL="2286000" indent="0">
+              <a:buNone/>
+              <a:defRPr sz="1400">
+                <a:solidFill>
+                  <a:schemeClr val="tx1">
+                    <a:tint val="75000"/>
+                  </a:schemeClr>
+                </a:solidFill>
+              </a:defRPr>
+            </a:lvl6pPr>
+            <a:lvl7pPr marL="2743200" indent="0">
+              <a:buNone/>
+              <a:defRPr sz="1400">
+                <a:solidFill>
+                  <a:schemeClr val="tx1">
+                    <a:tint val="75000"/>
+                  </a:schemeClr>
+                </a:solidFill>
+              </a:defRPr>
+            </a:lvl7pPr>
+            <a:lvl8pPr marL="3200400" indent="0">
+              <a:buNone/>
+              <a:defRPr sz="1400">
+                <a:solidFill>
+                  <a:schemeClr val="tx1">
+                    <a:tint val="75000"/>
+                  </a:schemeClr>
+                </a:solidFill>
+              </a:defRPr>
+            </a:lvl8pPr>
+            <a:lvl9pPr marL="3657600" indent="0">
+              <a:buNone/>
+              <a:defRPr sz="1400">
+                <a:solidFill>
+                  <a:schemeClr val="tx1">
+                    <a:tint val="75000"/>
+                  </a:schemeClr>
+                </a:solidFill>
+              </a:defRPr>
+            </a:lvl9pPr>
+          </a:lstStyle>
+          <a:p>
+            <a:pPr lvl="0"/>
+            <a:r>
+              <a:rPr lang="en-US"/>
+              <a:t>Click to edit Master text styles</a:t>
+            </a:r>
+          </a:p>
+        </p:txBody>
+      </p:sp>
+      <p:sp>
+        <p:nvSpPr>
+          <p:cNvPr id="4" name="Date Placeholder 3"/>
+          <p:cNvSpPr>
+            <a:spLocks noGrp="1"/>
+          </p:cNvSpPr>
+          <p:nvPr>
+            <p:ph type="dt" sz="half" idx="10"/>
+          </p:nvPr>
+        </p:nvSpPr>
+        <p:spPr/>
+        <p:txBody>
+          <a:bodyPr/>
+          <a:lstStyle/>
+          <a:p>
+            <a:fld id="{E80C50CD-E178-4744-9B35-B2F624D6C5E9}" type="datetimeFigureOut">
+              <a:rPr lang="en-US" smtClean="0"/>
+              <a:pPr/>
+              <a:t>6/18/2025</a:t>
+            </a:fld>
+            <a:endParaRPr lang="en-US"/>
+          </a:p>
+        </p:txBody>
+      </p:sp>
+      <p:sp>
+        <p:nvSpPr>
+          <p:cNvPr id="5" name="Footer Placeholder 4"/>
+          <p:cNvSpPr>
+            <a:spLocks noGrp="1"/>
+          </p:cNvSpPr>
+          <p:nvPr>
+            <p:ph type="ftr" sz="quarter" idx="11"/>
+          </p:nvPr>
+        </p:nvSpPr>
+        <p:spPr/>
+        <p:txBody>
+          <a:bodyPr/>
+          <a:lstStyle/>
+          <a:p>
+            <a:endParaRPr lang="en-US"/>
+          </a:p>
+        </p:txBody>
+      </p:sp>
+      <p:sp>
+        <p:nvSpPr>
+          <p:cNvPr id="6" name="Slide Number Placeholder 5"/>
+          <p:cNvSpPr>
+            <a:spLocks noGrp="1"/>
+          </p:cNvSpPr>
+          <p:nvPr>
+            <p:ph type="sldNum" sz="quarter" idx="12"/>
+          </p:nvPr>
+        </p:nvSpPr>
+        <p:spPr/>
+        <p:txBody>
+          <a:bodyPr/>
+          <a:lstStyle/>
+          <a:p>
+            <a:fld id="{148CC95F-0247-41B6-91CF-DC97C76A7088}" type="slidenum">
+              <a:rPr lang="en-US" smtClean="0"/>
+              <a:pPr/>
+              <a:t>‹#›</a:t>
+            </a:fld>
+            <a:endParaRPr lang="en-US"/>
+          </a:p>
+        </p:txBody>
+      </p:sp>
+    </p:spTree>
+    <p:extLst>
+      <p:ext uri="{BB962C8B-B14F-4D97-AF65-F5344CB8AC3E}">
+        <p14:creationId xmlns:p14="http://schemas.microsoft.com/office/powerpoint/2010/main" val="3422943521"/>
+      </p:ext>
+    </p:extLst>
+  </p:cSld>
+  <p:clrMapOvr>
+    <a:masterClrMapping/>
+  </p:clrMapOvr>
+</p:sldLayout>
+</file>
+
+<file path=ppt/slideLayouts/slideLayout14.xml><?xml version="1.0" encoding="utf-8"?>
+<p:sldLayout xmlns:a="http://schemas.openxmlformats.org/drawingml/2006/main" xmlns:r="http://schemas.openxmlformats.org/officeDocument/2006/relationships" xmlns:p="http://schemas.openxmlformats.org/presentationml/2006/main" preserve="1">
+  <p:cSld name="Quote Name Card">
+    <p:spTree>
+      <p:nvGrpSpPr>
+        <p:cNvPr id="1" name=""/>
+        <p:cNvGrpSpPr/>
+        <p:nvPr/>
+      </p:nvGrpSpPr>
+      <p:grpSpPr>
+        <a:xfrm>
+          <a:off x="0" y="0"/>
+          <a:ext cx="0" cy="0"/>
+          <a:chOff x="0" y="0"/>
+          <a:chExt cx="0" cy="0"/>
+        </a:xfrm>
+      </p:grpSpPr>
+      <p:sp>
+        <p:nvSpPr>
+          <p:cNvPr id="14" name="TextBox 13"/>
+          <p:cNvSpPr txBox="1"/>
+          <p:nvPr/>
+        </p:nvSpPr>
+        <p:spPr>
+          <a:xfrm>
+            <a:off x="1598612" y="863023"/>
+            <a:ext cx="609600" cy="584776"/>
+          </a:xfrm>
+          <a:prstGeom prst="rect">
+            <a:avLst/>
+          </a:prstGeom>
+        </p:spPr>
+        <p:txBody>
+          <a:bodyPr vert="horz" lIns="91440" tIns="45720" rIns="91440" bIns="45720" rtlCol="0" anchor="ctr">
+            <a:noAutofit/>
+          </a:bodyPr>
+          <a:lstStyle>
+            <a:lvl1pPr>
+              <a:spcBef>
+                <a:spcPct val="0"/>
+              </a:spcBef>
+              <a:buNone/>
+              <a:defRPr sz="3200" b="0" cap="all">
+                <a:ln w="3175" cmpd="sng">
+                  <a:noFill/>
+                </a:ln>
+                <a:effectLst>
+                  <a:glow rad="38100">
+                    <a:schemeClr val="bg1">
+                      <a:lumMod val="65000"/>
+                      <a:lumOff val="35000"/>
+                      <a:alpha val="40000"/>
+                    </a:schemeClr>
+                  </a:glow>
+                  <a:outerShdw blurRad="28575" dist="38100" dir="14040000" algn="tl" rotWithShape="0">
+                    <a:srgbClr val="000000">
+                      <a:alpha val="25000"/>
+                    </a:srgbClr>
+                  </a:outerShdw>
+                </a:effectLst>
+              </a:defRPr>
+            </a:lvl1pPr>
+            <a:lvl2pPr>
+              <a:defRPr>
+                <a:solidFill>
+                  <a:schemeClr val="tx2"/>
+                </a:solidFill>
+              </a:defRPr>
+            </a:lvl2pPr>
+            <a:lvl3pPr>
+              <a:defRPr>
+                <a:solidFill>
+                  <a:schemeClr val="tx2"/>
+                </a:solidFill>
+              </a:defRPr>
+            </a:lvl3pPr>
+            <a:lvl4pPr>
+              <a:defRPr>
+                <a:solidFill>
+                  <a:schemeClr val="tx2"/>
+                </a:solidFill>
+              </a:defRPr>
+            </a:lvl4pPr>
+            <a:lvl5pPr>
+              <a:defRPr>
+                <a:solidFill>
+                  <a:schemeClr val="tx2"/>
+                </a:solidFill>
+              </a:defRPr>
+            </a:lvl5pPr>
+            <a:lvl6pPr>
+              <a:defRPr>
+                <a:solidFill>
+                  <a:schemeClr val="tx2"/>
+                </a:solidFill>
+              </a:defRPr>
+            </a:lvl6pPr>
+            <a:lvl7pPr>
+              <a:defRPr>
+                <a:solidFill>
+                  <a:schemeClr val="tx2"/>
+                </a:solidFill>
+              </a:defRPr>
+            </a:lvl7pPr>
+            <a:lvl8pPr>
+              <a:defRPr>
+                <a:solidFill>
+                  <a:schemeClr val="tx2"/>
+                </a:solidFill>
+              </a:defRPr>
+            </a:lvl8pPr>
+            <a:lvl9pPr>
+              <a:defRPr>
+                <a:solidFill>
+                  <a:schemeClr val="tx2"/>
+                </a:solidFill>
+              </a:defRPr>
+            </a:lvl9pPr>
+          </a:lstStyle>
+          <a:p>
+            <a:pPr lvl="0"/>
+            <a:r>
+              <a:rPr lang="en-US" sz="8000" dirty="0">
+                <a:solidFill>
+                  <a:schemeClr val="tx1"/>
+                </a:solidFill>
+                <a:effectLst/>
+              </a:rPr>
+              <a:t>“</a:t>
+            </a:r>
+          </a:p>
+        </p:txBody>
+      </p:sp>
+      <p:sp>
+        <p:nvSpPr>
+          <p:cNvPr id="15" name="TextBox 14"/>
+          <p:cNvSpPr txBox="1"/>
+          <p:nvPr/>
+        </p:nvSpPr>
+        <p:spPr>
+          <a:xfrm>
+            <a:off x="10893425" y="2819399"/>
+            <a:ext cx="609600" cy="584776"/>
+          </a:xfrm>
+          <a:prstGeom prst="rect">
+            <a:avLst/>
+          </a:prstGeom>
+        </p:spPr>
+        <p:txBody>
+          <a:bodyPr vert="horz" lIns="91440" tIns="45720" rIns="91440" bIns="45720" rtlCol="0" anchor="ctr">
+            <a:noAutofit/>
+          </a:bodyPr>
+          <a:lstStyle>
+            <a:lvl1pPr>
+              <a:spcBef>
+                <a:spcPct val="0"/>
+              </a:spcBef>
+              <a:buNone/>
+              <a:defRPr sz="3200" b="0" cap="all">
+                <a:ln w="3175" cmpd="sng">
+                  <a:noFill/>
+                </a:ln>
+                <a:effectLst>
+                  <a:glow rad="38100">
+                    <a:schemeClr val="bg1">
+                      <a:lumMod val="65000"/>
+                      <a:lumOff val="35000"/>
+                      <a:alpha val="40000"/>
+                    </a:schemeClr>
+                  </a:glow>
+                  <a:outerShdw blurRad="28575" dist="38100" dir="14040000" algn="tl" rotWithShape="0">
+                    <a:srgbClr val="000000">
+                      <a:alpha val="25000"/>
+                    </a:srgbClr>
+                  </a:outerShdw>
+                </a:effectLst>
+              </a:defRPr>
+            </a:lvl1pPr>
+            <a:lvl2pPr>
+              <a:defRPr>
+                <a:solidFill>
+                  <a:schemeClr val="tx2"/>
+                </a:solidFill>
+              </a:defRPr>
+            </a:lvl2pPr>
+            <a:lvl3pPr>
+              <a:defRPr>
+                <a:solidFill>
+                  <a:schemeClr val="tx2"/>
+                </a:solidFill>
+              </a:defRPr>
+            </a:lvl3pPr>
+            <a:lvl4pPr>
+              <a:defRPr>
+                <a:solidFill>
+                  <a:schemeClr val="tx2"/>
+                </a:solidFill>
+              </a:defRPr>
+            </a:lvl4pPr>
+            <a:lvl5pPr>
+              <a:defRPr>
+                <a:solidFill>
+                  <a:schemeClr val="tx2"/>
+                </a:solidFill>
+              </a:defRPr>
+            </a:lvl5pPr>
+            <a:lvl6pPr>
+              <a:defRPr>
+                <a:solidFill>
+                  <a:schemeClr val="tx2"/>
+                </a:solidFill>
+              </a:defRPr>
+            </a:lvl6pPr>
+            <a:lvl7pPr>
+              <a:defRPr>
+                <a:solidFill>
+                  <a:schemeClr val="tx2"/>
+                </a:solidFill>
+              </a:defRPr>
+            </a:lvl7pPr>
+            <a:lvl8pPr>
+              <a:defRPr>
+                <a:solidFill>
+                  <a:schemeClr val="tx2"/>
+                </a:solidFill>
+              </a:defRPr>
+            </a:lvl8pPr>
+            <a:lvl9pPr>
+              <a:defRPr>
+                <a:solidFill>
+                  <a:schemeClr val="tx2"/>
+                </a:solidFill>
+              </a:defRPr>
+            </a:lvl9pPr>
+          </a:lstStyle>
+          <a:p>
+            <a:pPr lvl="0" algn="r"/>
+            <a:r>
+              <a:rPr lang="en-US" sz="8000" dirty="0">
+                <a:solidFill>
+                  <a:schemeClr val="tx1"/>
+                </a:solidFill>
+                <a:effectLst/>
+              </a:rPr>
+              <a:t>”</a:t>
+            </a:r>
+          </a:p>
+        </p:txBody>
+      </p:sp>
+      <p:sp>
+        <p:nvSpPr>
+          <p:cNvPr id="2" name="Title 1"/>
+          <p:cNvSpPr>
+            <a:spLocks noGrp="1"/>
+          </p:cNvSpPr>
+          <p:nvPr>
+            <p:ph type="title"/>
+          </p:nvPr>
+        </p:nvSpPr>
+        <p:spPr>
+          <a:xfrm>
+            <a:off x="2208212" y="685800"/>
+            <a:ext cx="8990012" cy="2743199"/>
+          </a:xfrm>
+        </p:spPr>
+        <p:txBody>
+          <a:bodyPr anchor="ctr">
+            <a:normAutofit/>
+          </a:bodyPr>
+          <a:lstStyle>
+            <a:lvl1pPr algn="ctr">
+              <a:defRPr sz="3200" b="0" cap="none">
+                <a:solidFill>
+                  <a:schemeClr val="tx1"/>
+                </a:solidFill>
+              </a:defRPr>
+            </a:lvl1pPr>
+          </a:lstStyle>
+          <a:p>
+            <a:r>
+              <a:rPr lang="en-US"/>
+              <a:t>Click to edit Master title style</a:t>
+            </a:r>
+            <a:endParaRPr lang="en-US" dirty="0"/>
+          </a:p>
+        </p:txBody>
+      </p:sp>
+      <p:sp>
+        <p:nvSpPr>
+          <p:cNvPr id="10" name="Text Placeholder 9"/>
+          <p:cNvSpPr>
+            <a:spLocks noGrp="1"/>
+          </p:cNvSpPr>
+          <p:nvPr>
+            <p:ph type="body" sz="quarter" idx="13"/>
+          </p:nvPr>
+        </p:nvSpPr>
+        <p:spPr>
+          <a:xfrm>
+            <a:off x="1484313" y="3886200"/>
+            <a:ext cx="10018710" cy="889000"/>
+          </a:xfrm>
+        </p:spPr>
+        <p:txBody>
+          <a:bodyPr vert="horz" lIns="91440" tIns="45720" rIns="91440" bIns="45720" rtlCol="0" anchor="b">
+            <a:normAutofit/>
+          </a:bodyPr>
+          <a:lstStyle>
+            <a:lvl1pPr algn="r">
+              <a:buNone/>
+              <a:defRPr lang="en-US" sz="2400" b="0" cap="none" dirty="0">
+                <a:ln w="3175" cmpd="sng">
+                  <a:noFill/>
+                </a:ln>
+                <a:solidFill>
+                  <a:schemeClr val="tx1"/>
+                </a:solidFill>
+                <a:effectLst/>
+              </a:defRPr>
+            </a:lvl1pPr>
+          </a:lstStyle>
+          <a:p>
+            <a:pPr marL="0" lvl="0">
+              <a:spcBef>
+                <a:spcPct val="0"/>
+              </a:spcBef>
+              <a:buNone/>
+            </a:pPr>
+            <a:r>
+              <a:rPr lang="en-US"/>
+              <a:t>Click to edit Master text styles</a:t>
+            </a:r>
+          </a:p>
+        </p:txBody>
+      </p:sp>
+      <p:sp>
+        <p:nvSpPr>
+          <p:cNvPr id="3" name="Text Placeholder 2"/>
+          <p:cNvSpPr>
+            <a:spLocks noGrp="1"/>
+          </p:cNvSpPr>
+          <p:nvPr>
+            <p:ph type="body" idx="1"/>
+          </p:nvPr>
+        </p:nvSpPr>
+        <p:spPr>
+          <a:xfrm>
+            <a:off x="1484312" y="4775200"/>
+            <a:ext cx="10018710" cy="1016000"/>
+          </a:xfrm>
+        </p:spPr>
+        <p:txBody>
+          <a:bodyPr anchor="t">
+            <a:normAutofit/>
+          </a:bodyPr>
+          <a:lstStyle>
+            <a:lvl1pPr marL="0" indent="0" algn="r">
+              <a:buNone/>
+              <a:defRPr sz="1800">
+                <a:solidFill>
+                  <a:schemeClr val="tx1"/>
+                </a:solidFill>
+              </a:defRPr>
+            </a:lvl1pPr>
+            <a:lvl2pPr marL="457200" indent="0">
+              <a:buNone/>
+              <a:defRPr sz="1800">
+                <a:solidFill>
+                  <a:schemeClr val="tx1">
+                    <a:tint val="75000"/>
+                  </a:schemeClr>
+                </a:solidFill>
+              </a:defRPr>
+            </a:lvl2pPr>
+            <a:lvl3pPr marL="914400" indent="0">
+              <a:buNone/>
+              <a:defRPr sz="1600">
+                <a:solidFill>
+                  <a:schemeClr val="tx1">
+                    <a:tint val="75000"/>
+                  </a:schemeClr>
+                </a:solidFill>
+              </a:defRPr>
+            </a:lvl3pPr>
+            <a:lvl4pPr marL="1371600" indent="0">
+              <a:buNone/>
+              <a:defRPr sz="1400">
+                <a:solidFill>
+                  <a:schemeClr val="tx1">
+                    <a:tint val="75000"/>
+                  </a:schemeClr>
+                </a:solidFill>
+              </a:defRPr>
+            </a:lvl4pPr>
+            <a:lvl5pPr marL="1828800" indent="0">
+              <a:buNone/>
+              <a:defRPr sz="1400">
+                <a:solidFill>
+                  <a:schemeClr val="tx1">
+                    <a:tint val="75000"/>
+                  </a:schemeClr>
+                </a:solidFill>
+              </a:defRPr>
+            </a:lvl5pPr>
+            <a:lvl6pPr marL="2286000" indent="0">
+              <a:buNone/>
+              <a:defRPr sz="1400">
+                <a:solidFill>
+                  <a:schemeClr val="tx1">
+                    <a:tint val="75000"/>
+                  </a:schemeClr>
+                </a:solidFill>
+              </a:defRPr>
+            </a:lvl6pPr>
+            <a:lvl7pPr marL="2743200" indent="0">
+              <a:buNone/>
+              <a:defRPr sz="1400">
+                <a:solidFill>
+                  <a:schemeClr val="tx1">
+                    <a:tint val="75000"/>
+                  </a:schemeClr>
+                </a:solidFill>
+              </a:defRPr>
+            </a:lvl7pPr>
+            <a:lvl8pPr marL="3200400" indent="0">
+              <a:buNone/>
+              <a:defRPr sz="1400">
+                <a:solidFill>
+                  <a:schemeClr val="tx1">
+                    <a:tint val="75000"/>
+                  </a:schemeClr>
+                </a:solidFill>
+              </a:defRPr>
+            </a:lvl8pPr>
+            <a:lvl9pPr marL="3657600" indent="0">
+              <a:buNone/>
+              <a:defRPr sz="1400">
+                <a:solidFill>
+                  <a:schemeClr val="tx1">
+                    <a:tint val="75000"/>
+                  </a:schemeClr>
+                </a:solidFill>
+              </a:defRPr>
+            </a:lvl9pPr>
+          </a:lstStyle>
+          <a:p>
+            <a:pPr lvl="0"/>
+            <a:r>
+              <a:rPr lang="en-US"/>
+              <a:t>Click to edit Master text styles</a:t>
+            </a:r>
+          </a:p>
+        </p:txBody>
+      </p:sp>
+      <p:sp>
+        <p:nvSpPr>
+          <p:cNvPr id="4" name="Date Placeholder 3"/>
+          <p:cNvSpPr>
+            <a:spLocks noGrp="1"/>
+          </p:cNvSpPr>
+          <p:nvPr>
+            <p:ph type="dt" sz="half" idx="10"/>
+          </p:nvPr>
+        </p:nvSpPr>
+        <p:spPr/>
+        <p:txBody>
+          <a:bodyPr/>
+          <a:lstStyle/>
+          <a:p>
+            <a:fld id="{E80C50CD-E178-4744-9B35-B2F624D6C5E9}" type="datetimeFigureOut">
+              <a:rPr lang="en-US" smtClean="0"/>
+              <a:pPr/>
+              <a:t>6/18/2025</a:t>
+            </a:fld>
+            <a:endParaRPr lang="en-US"/>
+          </a:p>
+        </p:txBody>
+      </p:sp>
+      <p:sp>
+        <p:nvSpPr>
+          <p:cNvPr id="5" name="Footer Placeholder 4"/>
+          <p:cNvSpPr>
+            <a:spLocks noGrp="1"/>
+          </p:cNvSpPr>
+          <p:nvPr>
+            <p:ph type="ftr" sz="quarter" idx="11"/>
+          </p:nvPr>
+        </p:nvSpPr>
+        <p:spPr/>
+        <p:txBody>
+          <a:bodyPr/>
+          <a:lstStyle/>
+          <a:p>
+            <a:endParaRPr lang="en-US"/>
+          </a:p>
+        </p:txBody>
+      </p:sp>
+      <p:sp>
+        <p:nvSpPr>
+          <p:cNvPr id="6" name="Slide Number Placeholder 5"/>
+          <p:cNvSpPr>
+            <a:spLocks noGrp="1"/>
+          </p:cNvSpPr>
+          <p:nvPr>
+            <p:ph type="sldNum" sz="quarter" idx="12"/>
+          </p:nvPr>
+        </p:nvSpPr>
+        <p:spPr/>
+        <p:txBody>
+          <a:bodyPr/>
+          <a:lstStyle/>
+          <a:p>
+            <a:fld id="{148CC95F-0247-41B6-91CF-DC97C76A7088}" type="slidenum">
+              <a:rPr lang="en-US" smtClean="0"/>
+              <a:pPr/>
+              <a:t>‹#›</a:t>
+            </a:fld>
+            <a:endParaRPr lang="en-US"/>
+          </a:p>
+        </p:txBody>
+      </p:sp>
+    </p:spTree>
+    <p:extLst>
+      <p:ext uri="{BB962C8B-B14F-4D97-AF65-F5344CB8AC3E}">
+        <p14:creationId xmlns:p14="http://schemas.microsoft.com/office/powerpoint/2010/main" val="3736836105"/>
+      </p:ext>
+    </p:extLst>
+  </p:cSld>
+  <p:clrMapOvr>
+    <a:masterClrMapping/>
+  </p:clrMapOvr>
+</p:sldLayout>
+</file>
+
+<file path=ppt/slideLayouts/slideLayout15.xml><?xml version="1.0" encoding="utf-8"?>
+<p:sldLayout xmlns:a="http://schemas.openxmlformats.org/drawingml/2006/main" xmlns:r="http://schemas.openxmlformats.org/officeDocument/2006/relationships" xmlns:p="http://schemas.openxmlformats.org/presentationml/2006/main" preserve="1">
+  <p:cSld name="True or False">
+    <p:spTree>
+      <p:nvGrpSpPr>
+        <p:cNvPr id="1" name=""/>
+        <p:cNvGrpSpPr/>
+        <p:nvPr/>
+      </p:nvGrpSpPr>
+      <p:grpSpPr>
+        <a:xfrm>
+          <a:off x="0" y="0"/>
+          <a:ext cx="0" cy="0"/>
+          <a:chOff x="0" y="0"/>
+          <a:chExt cx="0" cy="0"/>
+        </a:xfrm>
+      </p:grpSpPr>
+      <p:sp>
+        <p:nvSpPr>
+          <p:cNvPr id="2" name="Title 1"/>
+          <p:cNvSpPr>
+            <a:spLocks noGrp="1"/>
+          </p:cNvSpPr>
+          <p:nvPr>
+            <p:ph type="title"/>
+          </p:nvPr>
+        </p:nvSpPr>
+        <p:spPr>
+          <a:xfrm>
+            <a:off x="1484313" y="685800"/>
+            <a:ext cx="10018712" cy="2727325"/>
+          </a:xfrm>
+        </p:spPr>
+        <p:txBody>
+          <a:bodyPr vert="horz" lIns="91440" tIns="45720" rIns="91440" bIns="45720" rtlCol="0" anchor="ctr">
+            <a:normAutofit/>
+          </a:bodyPr>
+          <a:lstStyle>
+            <a:lvl1pPr>
+              <a:defRPr lang="en-US" b="0" dirty="0"/>
+            </a:lvl1pPr>
+          </a:lstStyle>
+          <a:p>
+            <a:pPr marL="0" lvl="0"/>
+            <a:r>
+              <a:rPr lang="en-US"/>
+              <a:t>Click to edit Master title style</a:t>
+            </a:r>
+            <a:endParaRPr lang="en-US" dirty="0"/>
+          </a:p>
+        </p:txBody>
+      </p:sp>
+      <p:sp>
+        <p:nvSpPr>
+          <p:cNvPr id="10" name="Text Placeholder 9"/>
+          <p:cNvSpPr>
+            <a:spLocks noGrp="1"/>
+          </p:cNvSpPr>
+          <p:nvPr>
+            <p:ph type="body" sz="quarter" idx="13"/>
+          </p:nvPr>
+        </p:nvSpPr>
+        <p:spPr>
+          <a:xfrm>
+            <a:off x="1484312" y="3505200"/>
+            <a:ext cx="10018713" cy="838200"/>
+          </a:xfrm>
+        </p:spPr>
+        <p:txBody>
+          <a:bodyPr vert="horz" lIns="91440" tIns="45720" rIns="91440" bIns="45720" rtlCol="0" anchor="b">
+            <a:normAutofit/>
+          </a:bodyPr>
+          <a:lstStyle>
+            <a:lvl1pPr>
+              <a:buNone/>
+              <a:defRPr lang="en-US" sz="2800" b="0" cap="none" dirty="0">
+                <a:ln w="3175" cmpd="sng">
+                  <a:noFill/>
+                </a:ln>
+                <a:solidFill>
+                  <a:schemeClr val="tx1"/>
+                </a:solidFill>
+                <a:effectLst/>
+              </a:defRPr>
+            </a:lvl1pPr>
+          </a:lstStyle>
+          <a:p>
+            <a:pPr marL="0" lvl="0">
+              <a:spcBef>
+                <a:spcPct val="0"/>
+              </a:spcBef>
+              <a:buNone/>
+            </a:pPr>
+            <a:r>
+              <a:rPr lang="en-US"/>
+              <a:t>Click to edit Master text styles</a:t>
+            </a:r>
+          </a:p>
+        </p:txBody>
+      </p:sp>
+      <p:sp>
+        <p:nvSpPr>
+          <p:cNvPr id="3" name="Text Placeholder 2"/>
+          <p:cNvSpPr>
+            <a:spLocks noGrp="1"/>
+          </p:cNvSpPr>
+          <p:nvPr>
+            <p:ph type="body" idx="1"/>
+          </p:nvPr>
+        </p:nvSpPr>
+        <p:spPr>
+          <a:xfrm>
+            <a:off x="1484311" y="4343400"/>
+            <a:ext cx="10018713" cy="1447800"/>
+          </a:xfrm>
+        </p:spPr>
+        <p:txBody>
+          <a:bodyPr anchor="t">
+            <a:normAutofit/>
+          </a:bodyPr>
+          <a:lstStyle>
+            <a:lvl1pPr marL="0" indent="0" algn="l">
+              <a:buNone/>
+              <a:defRPr sz="1800">
+                <a:solidFill>
+                  <a:schemeClr val="tx1"/>
+                </a:solidFill>
+              </a:defRPr>
+            </a:lvl1pPr>
+            <a:lvl2pPr marL="457200" indent="0">
+              <a:buNone/>
+              <a:defRPr sz="1800">
+                <a:solidFill>
+                  <a:schemeClr val="tx1">
+                    <a:tint val="75000"/>
+                  </a:schemeClr>
+                </a:solidFill>
+              </a:defRPr>
+            </a:lvl2pPr>
+            <a:lvl3pPr marL="914400" indent="0">
+              <a:buNone/>
+              <a:defRPr sz="1600">
+                <a:solidFill>
+                  <a:schemeClr val="tx1">
+                    <a:tint val="75000"/>
+                  </a:schemeClr>
+                </a:solidFill>
+              </a:defRPr>
+            </a:lvl3pPr>
+            <a:lvl4pPr marL="1371600" indent="0">
+              <a:buNone/>
+              <a:defRPr sz="1400">
+                <a:solidFill>
+                  <a:schemeClr val="tx1">
+                    <a:tint val="75000"/>
+                  </a:schemeClr>
+                </a:solidFill>
+              </a:defRPr>
+            </a:lvl4pPr>
+            <a:lvl5pPr marL="1828800" indent="0">
+              <a:buNone/>
+              <a:defRPr sz="1400">
+                <a:solidFill>
+                  <a:schemeClr val="tx1">
+                    <a:tint val="75000"/>
+                  </a:schemeClr>
+                </a:solidFill>
+              </a:defRPr>
+            </a:lvl5pPr>
+            <a:lvl6pPr marL="2286000" indent="0">
+              <a:buNone/>
+              <a:defRPr sz="1400">
+                <a:solidFill>
+                  <a:schemeClr val="tx1">
+                    <a:tint val="75000"/>
+                  </a:schemeClr>
+                </a:solidFill>
+              </a:defRPr>
+            </a:lvl6pPr>
+            <a:lvl7pPr marL="2743200" indent="0">
+              <a:buNone/>
+              <a:defRPr sz="1400">
+                <a:solidFill>
+                  <a:schemeClr val="tx1">
+                    <a:tint val="75000"/>
+                  </a:schemeClr>
+                </a:solidFill>
+              </a:defRPr>
+            </a:lvl7pPr>
+            <a:lvl8pPr marL="3200400" indent="0">
+              <a:buNone/>
+              <a:defRPr sz="1400">
+                <a:solidFill>
+                  <a:schemeClr val="tx1">
+                    <a:tint val="75000"/>
+                  </a:schemeClr>
+                </a:solidFill>
+              </a:defRPr>
+            </a:lvl8pPr>
+            <a:lvl9pPr marL="3657600" indent="0">
+              <a:buNone/>
+              <a:defRPr sz="1400">
+                <a:solidFill>
+                  <a:schemeClr val="tx1">
+                    <a:tint val="75000"/>
+                  </a:schemeClr>
+                </a:solidFill>
+              </a:defRPr>
+            </a:lvl9pPr>
+          </a:lstStyle>
+          <a:p>
+            <a:pPr lvl="0"/>
+            <a:r>
+              <a:rPr lang="en-US"/>
+              <a:t>Click to edit Master text styles</a:t>
+            </a:r>
+          </a:p>
+        </p:txBody>
+      </p:sp>
+      <p:sp>
+        <p:nvSpPr>
+          <p:cNvPr id="4" name="Date Placeholder 3"/>
+          <p:cNvSpPr>
+            <a:spLocks noGrp="1"/>
+          </p:cNvSpPr>
+          <p:nvPr>
+            <p:ph type="dt" sz="half" idx="10"/>
+          </p:nvPr>
+        </p:nvSpPr>
+        <p:spPr/>
+        <p:txBody>
+          <a:bodyPr/>
+          <a:lstStyle/>
+          <a:p>
+            <a:fld id="{E80C50CD-E178-4744-9B35-B2F624D6C5E9}" type="datetimeFigureOut">
+              <a:rPr lang="en-US" smtClean="0"/>
+              <a:pPr/>
+              <a:t>6/18/2025</a:t>
+            </a:fld>
+            <a:endParaRPr lang="en-US"/>
+          </a:p>
+        </p:txBody>
+      </p:sp>
+      <p:sp>
+        <p:nvSpPr>
+          <p:cNvPr id="5" name="Footer Placeholder 4"/>
+          <p:cNvSpPr>
+            <a:spLocks noGrp="1"/>
+          </p:cNvSpPr>
+          <p:nvPr>
+            <p:ph type="ftr" sz="quarter" idx="11"/>
+          </p:nvPr>
+        </p:nvSpPr>
+        <p:spPr/>
+        <p:txBody>
+          <a:bodyPr/>
+          <a:lstStyle/>
+          <a:p>
+            <a:endParaRPr lang="en-US"/>
+          </a:p>
+        </p:txBody>
+      </p:sp>
+      <p:sp>
+        <p:nvSpPr>
+          <p:cNvPr id="6" name="Slide Number Placeholder 5"/>
+          <p:cNvSpPr>
+            <a:spLocks noGrp="1"/>
+          </p:cNvSpPr>
+          <p:nvPr>
+            <p:ph type="sldNum" sz="quarter" idx="12"/>
+          </p:nvPr>
+        </p:nvSpPr>
+        <p:spPr/>
+        <p:txBody>
+          <a:bodyPr/>
+          <a:lstStyle/>
+          <a:p>
+            <a:fld id="{148CC95F-0247-41B6-91CF-DC97C76A7088}" type="slidenum">
+              <a:rPr lang="en-US" smtClean="0"/>
+              <a:pPr/>
+              <a:t>‹#›</a:t>
+            </a:fld>
+            <a:endParaRPr lang="en-US"/>
+          </a:p>
+        </p:txBody>
+      </p:sp>
+    </p:spTree>
+    <p:extLst>
+      <p:ext uri="{BB962C8B-B14F-4D97-AF65-F5344CB8AC3E}">
+        <p14:creationId xmlns:p14="http://schemas.microsoft.com/office/powerpoint/2010/main" val="1697545214"/>
+      </p:ext>
+    </p:extLst>
+  </p:cSld>
+  <p:clrMapOvr>
+    <a:masterClrMapping/>
+  </p:clrMapOvr>
+</p:sldLayout>
+</file>
+
+<file path=ppt/slideLayouts/slideLayout16.xml><?xml version="1.0" encoding="utf-8"?>
+<p:sldLayout xmlns:a="http://schemas.openxmlformats.org/drawingml/2006/main" xmlns:r="http://schemas.openxmlformats.org/officeDocument/2006/relationships" xmlns:p="http://schemas.openxmlformats.org/presentationml/2006/main" type="vertTx" preserve="1">
+  <p:cSld name="Title and Vertical Text">
+    <p:spTree>
+      <p:nvGrpSpPr>
+        <p:cNvPr id="1" name=""/>
+        <p:cNvGrpSpPr/>
+        <p:nvPr/>
+      </p:nvGrpSpPr>
+      <p:grpSpPr>
+        <a:xfrm>
+          <a:off x="0" y="0"/>
+          <a:ext cx="0" cy="0"/>
+          <a:chOff x="0" y="0"/>
+          <a:chExt cx="0" cy="0"/>
+        </a:xfrm>
+      </p:grpSpPr>
+      <p:sp>
+        <p:nvSpPr>
+          <p:cNvPr id="2" name="Title 1"/>
+          <p:cNvSpPr>
+            <a:spLocks noGrp="1"/>
+          </p:cNvSpPr>
+          <p:nvPr>
+            <p:ph type="title"/>
+          </p:nvPr>
+        </p:nvSpPr>
+        <p:spPr/>
+        <p:txBody>
+          <a:bodyPr/>
+          <a:lstStyle>
+            <a:lvl1pPr algn="ctr">
+              <a:defRPr/>
+            </a:lvl1pPr>
+          </a:lstStyle>
+          <a:p>
+            <a:r>
+              <a:rPr lang="en-US"/>
+              <a:t>Click to edit Master title style</a:t>
+            </a:r>
+            <a:endParaRPr lang="en-US" dirty="0"/>
+          </a:p>
+        </p:txBody>
+      </p:sp>
+      <p:sp>
+        <p:nvSpPr>
+          <p:cNvPr id="3" name="Vertical Text Placeholder 2"/>
+          <p:cNvSpPr>
+            <a:spLocks noGrp="1"/>
+          </p:cNvSpPr>
+          <p:nvPr>
+            <p:ph type="body" orient="vert" idx="1"/>
+          </p:nvPr>
+        </p:nvSpPr>
+        <p:spPr/>
+        <p:txBody>
+          <a:bodyPr vert="eaVert" anchor="t"/>
+          <a:lstStyle/>
+          <a:p>
+            <a:pPr lvl="0"/>
+            <a:r>
+              <a:rPr lang="en-US"/>
+              <a:t>Click to edit Master text styles</a:t>
+            </a:r>
+          </a:p>
+          <a:p>
+            <a:pPr lvl="1"/>
+            <a:r>
+              <a:rPr lang="en-US"/>
+              <a:t>Second level</a:t>
+            </a:r>
+          </a:p>
+          <a:p>
+            <a:pPr lvl="2"/>
+            <a:r>
+              <a:rPr lang="en-US"/>
+              <a:t>Third level</a:t>
+            </a:r>
+          </a:p>
+          <a:p>
+            <a:pPr lvl="3"/>
+            <a:r>
+              <a:rPr lang="en-US"/>
+              <a:t>Fourth level</a:t>
+            </a:r>
+          </a:p>
+          <a:p>
+            <a:pPr lvl="4"/>
+            <a:r>
+              <a:rPr lang="en-US"/>
+              <a:t>Fifth level</a:t>
+            </a:r>
+            <a:endParaRPr lang="en-US" dirty="0"/>
+          </a:p>
+        </p:txBody>
+      </p:sp>
+      <p:sp>
+        <p:nvSpPr>
+          <p:cNvPr id="4" name="Date Placeholder 3"/>
+          <p:cNvSpPr>
+            <a:spLocks noGrp="1"/>
+          </p:cNvSpPr>
+          <p:nvPr>
+            <p:ph type="dt" sz="half" idx="10"/>
+          </p:nvPr>
+        </p:nvSpPr>
+        <p:spPr/>
+        <p:txBody>
+          <a:bodyPr/>
+          <a:lstStyle/>
+          <a:p>
+            <a:fld id="{E80C50CD-E178-4744-9B35-B2F624D6C5E9}" type="datetimeFigureOut">
+              <a:rPr lang="en-US" smtClean="0"/>
+              <a:pPr/>
+              <a:t>6/18/2025</a:t>
+            </a:fld>
+            <a:endParaRPr lang="en-US"/>
+          </a:p>
+        </p:txBody>
+      </p:sp>
+      <p:sp>
+        <p:nvSpPr>
+          <p:cNvPr id="5" name="Footer Placeholder 4"/>
+          <p:cNvSpPr>
+            <a:spLocks noGrp="1"/>
+          </p:cNvSpPr>
+          <p:nvPr>
+            <p:ph type="ftr" sz="quarter" idx="11"/>
+          </p:nvPr>
+        </p:nvSpPr>
+        <p:spPr/>
+        <p:txBody>
+          <a:bodyPr/>
+          <a:lstStyle/>
+          <a:p>
+            <a:endParaRPr lang="en-US"/>
+          </a:p>
+        </p:txBody>
+      </p:sp>
+      <p:sp>
+        <p:nvSpPr>
+          <p:cNvPr id="6" name="Slide Number Placeholder 5"/>
+          <p:cNvSpPr>
+            <a:spLocks noGrp="1"/>
+          </p:cNvSpPr>
+          <p:nvPr>
+            <p:ph type="sldNum" sz="quarter" idx="12"/>
+          </p:nvPr>
+        </p:nvSpPr>
+        <p:spPr/>
+        <p:txBody>
+          <a:bodyPr/>
+          <a:lstStyle/>
+          <a:p>
+            <a:fld id="{148CC95F-0247-41B6-91CF-DC97C76A7088}" type="slidenum">
+              <a:rPr lang="en-US" smtClean="0"/>
+              <a:pPr/>
+              <a:t>‹#›</a:t>
+            </a:fld>
+            <a:endParaRPr lang="en-US"/>
+          </a:p>
+        </p:txBody>
+      </p:sp>
+    </p:spTree>
+    <p:extLst>
+      <p:ext uri="{BB962C8B-B14F-4D97-AF65-F5344CB8AC3E}">
+        <p14:creationId xmlns:p14="http://schemas.microsoft.com/office/powerpoint/2010/main" val="2186532802"/>
+      </p:ext>
+    </p:extLst>
+  </p:cSld>
+  <p:clrMapOvr>
+    <a:masterClrMapping/>
+  </p:clrMapOvr>
+</p:sldLayout>
+</file>
+
+<file path=ppt/slideLayouts/slideLayout17.xml><?xml version="1.0" encoding="utf-8"?>
+<p:sldLayout xmlns:a="http://schemas.openxmlformats.org/drawingml/2006/main" xmlns:r="http://schemas.openxmlformats.org/officeDocument/2006/relationships" xmlns:p="http://schemas.openxmlformats.org/presentationml/2006/main" type="vertTitleAndTx" preserve="1">
+  <p:cSld name="Vertical Title and Text">
+    <p:spTree>
+      <p:nvGrpSpPr>
+        <p:cNvPr id="1" name=""/>
+        <p:cNvGrpSpPr/>
+        <p:nvPr/>
+      </p:nvGrpSpPr>
+      <p:grpSpPr>
+        <a:xfrm>
+          <a:off x="0" y="0"/>
+          <a:ext cx="0" cy="0"/>
+          <a:chOff x="0" y="0"/>
+          <a:chExt cx="0" cy="0"/>
+        </a:xfrm>
+      </p:grpSpPr>
+      <p:sp>
+        <p:nvSpPr>
+          <p:cNvPr id="2" name="Vertical Title 1"/>
+          <p:cNvSpPr>
+            <a:spLocks noGrp="1"/>
+          </p:cNvSpPr>
+          <p:nvPr>
+            <p:ph type="title" orient="vert"/>
+          </p:nvPr>
+        </p:nvSpPr>
+        <p:spPr>
+          <a:xfrm>
+            <a:off x="9732655" y="685800"/>
+            <a:ext cx="1770369" cy="5105400"/>
+          </a:xfrm>
+        </p:spPr>
+        <p:txBody>
+          <a:bodyPr vert="eaVert"/>
+          <a:lstStyle/>
+          <a:p>
+            <a:r>
+              <a:rPr lang="en-US"/>
+              <a:t>Click to edit Master title style</a:t>
+            </a:r>
+            <a:endParaRPr lang="en-US" dirty="0"/>
+          </a:p>
+        </p:txBody>
+      </p:sp>
+      <p:sp>
+        <p:nvSpPr>
+          <p:cNvPr id="3" name="Vertical Text Placeholder 2"/>
+          <p:cNvSpPr>
+            <a:spLocks noGrp="1"/>
+          </p:cNvSpPr>
+          <p:nvPr>
+            <p:ph type="body" orient="vert" idx="1"/>
+          </p:nvPr>
+        </p:nvSpPr>
+        <p:spPr>
+          <a:xfrm>
+            <a:off x="1484312" y="685800"/>
+            <a:ext cx="8019742" cy="5105400"/>
+          </a:xfrm>
+        </p:spPr>
+        <p:txBody>
+          <a:bodyPr vert="eaVert" anchor="t"/>
+          <a:lstStyle/>
+          <a:p>
+            <a:pPr lvl="0"/>
+            <a:r>
+              <a:rPr lang="en-US"/>
+              <a:t>Click to edit Master text styles</a:t>
+            </a:r>
+          </a:p>
+          <a:p>
+            <a:pPr lvl="1"/>
+            <a:r>
+              <a:rPr lang="en-US"/>
+              <a:t>Second level</a:t>
+            </a:r>
+          </a:p>
+          <a:p>
+            <a:pPr lvl="2"/>
+            <a:r>
+              <a:rPr lang="en-US"/>
+              <a:t>Third level</a:t>
+            </a:r>
+          </a:p>
+          <a:p>
+            <a:pPr lvl="3"/>
+            <a:r>
+              <a:rPr lang="en-US"/>
+              <a:t>Fourth level</a:t>
+            </a:r>
+          </a:p>
+          <a:p>
+            <a:pPr lvl="4"/>
+            <a:r>
+              <a:rPr lang="en-US"/>
+              <a:t>Fifth level</a:t>
+            </a:r>
+            <a:endParaRPr lang="en-US" dirty="0"/>
+          </a:p>
+        </p:txBody>
+      </p:sp>
+      <p:sp>
+        <p:nvSpPr>
+          <p:cNvPr id="4" name="Date Placeholder 3"/>
+          <p:cNvSpPr>
+            <a:spLocks noGrp="1"/>
+          </p:cNvSpPr>
+          <p:nvPr>
+            <p:ph type="dt" sz="half" idx="10"/>
+          </p:nvPr>
+        </p:nvSpPr>
+        <p:spPr/>
+        <p:txBody>
+          <a:bodyPr/>
+          <a:lstStyle/>
+          <a:p>
+            <a:fld id="{E80C50CD-E178-4744-9B35-B2F624D6C5E9}" type="datetimeFigureOut">
+              <a:rPr lang="en-US" smtClean="0"/>
+              <a:pPr/>
+              <a:t>6/18/2025</a:t>
+            </a:fld>
+            <a:endParaRPr lang="en-US"/>
+          </a:p>
+        </p:txBody>
+      </p:sp>
+      <p:sp>
+        <p:nvSpPr>
+          <p:cNvPr id="5" name="Footer Placeholder 4"/>
+          <p:cNvSpPr>
+            <a:spLocks noGrp="1"/>
+          </p:cNvSpPr>
+          <p:nvPr>
+            <p:ph type="ftr" sz="quarter" idx="11"/>
+          </p:nvPr>
+        </p:nvSpPr>
+        <p:spPr/>
+        <p:txBody>
+          <a:bodyPr/>
+          <a:lstStyle/>
+          <a:p>
+            <a:endParaRPr lang="en-US"/>
+          </a:p>
+        </p:txBody>
+      </p:sp>
+      <p:sp>
+        <p:nvSpPr>
+          <p:cNvPr id="6" name="Slide Number Placeholder 5"/>
+          <p:cNvSpPr>
+            <a:spLocks noGrp="1"/>
+          </p:cNvSpPr>
+          <p:nvPr>
+            <p:ph type="sldNum" sz="quarter" idx="12"/>
+          </p:nvPr>
+        </p:nvSpPr>
+        <p:spPr/>
+        <p:txBody>
+          <a:bodyPr/>
+          <a:lstStyle/>
+          <a:p>
+            <a:fld id="{148CC95F-0247-41B6-91CF-DC97C76A7088}" type="slidenum">
+              <a:rPr lang="en-US" smtClean="0"/>
+              <a:pPr/>
+              <a:t>‹#›</a:t>
+            </a:fld>
+            <a:endParaRPr lang="en-US"/>
+          </a:p>
+        </p:txBody>
+      </p:sp>
+    </p:spTree>
+    <p:extLst>
+      <p:ext uri="{BB962C8B-B14F-4D97-AF65-F5344CB8AC3E}">
+        <p14:creationId xmlns:p14="http://schemas.microsoft.com/office/powerpoint/2010/main" val="3698453274"/>
+      </p:ext>
+    </p:extLst>
+  </p:cSld>
+  <p:clrMapOvr>
+    <a:masterClrMapping/>
+  </p:clrMapOvr>
+</p:sldLayout>
+</file>
+
+<file path=ppt/slideLayouts/slideLayout2.xml><?xml version="1.0" encoding="utf-8"?>
+<p:sldLayout xmlns:a="http://schemas.openxmlformats.org/drawingml/2006/main" xmlns:r="http://schemas.openxmlformats.org/officeDocument/2006/relationships" xmlns:p="http://schemas.openxmlformats.org/presentationml/2006/main" type="obj" preserve="1">
+  <p:cSld name="Title and Content">
+    <p:spTree>
+      <p:nvGrpSpPr>
+        <p:cNvPr id="1" name=""/>
+        <p:cNvGrpSpPr/>
+        <p:nvPr/>
+      </p:nvGrpSpPr>
+      <p:grpSpPr>
+        <a:xfrm>
+          <a:off x="0" y="0"/>
+          <a:ext cx="0" cy="0"/>
+          <a:chOff x="0" y="0"/>
+          <a:chExt cx="0" cy="0"/>
+        </a:xfrm>
+      </p:grpSpPr>
+      <p:sp>
+        <p:nvSpPr>
+          <p:cNvPr id="2" name="Title 1"/>
+          <p:cNvSpPr>
+            <a:spLocks noGrp="1"/>
+          </p:cNvSpPr>
+          <p:nvPr>
+            <p:ph type="title"/>
+          </p:nvPr>
+        </p:nvSpPr>
+        <p:spPr/>
+        <p:txBody>
+          <a:bodyPr/>
+          <a:lstStyle/>
+          <a:p>
+            <a:r>
+              <a:rPr lang="en-US"/>
+              <a:t>Click to edit Master title style</a:t>
+            </a:r>
+            <a:endParaRPr lang="en-US" dirty="0"/>
+          </a:p>
+        </p:txBody>
+      </p:sp>
+      <p:sp>
+        <p:nvSpPr>
+          <p:cNvPr id="3" name="Content Placeholder 2"/>
+          <p:cNvSpPr>
+            <a:spLocks noGrp="1"/>
+          </p:cNvSpPr>
+          <p:nvPr>
+            <p:ph idx="1"/>
+          </p:nvPr>
+        </p:nvSpPr>
+        <p:spPr/>
+        <p:txBody>
+          <a:bodyPr anchor="ctr"/>
+          <a:lstStyle/>
+          <a:p>
+            <a:pPr lvl="0"/>
+            <a:r>
+              <a:rPr lang="en-US"/>
+              <a:t>Click to edit Master text styles</a:t>
+            </a:r>
+          </a:p>
+          <a:p>
+            <a:pPr lvl="1"/>
+            <a:r>
+              <a:rPr lang="en-US"/>
+              <a:t>Second level</a:t>
+            </a:r>
+          </a:p>
+          <a:p>
+            <a:pPr lvl="2"/>
+            <a:r>
+              <a:rPr lang="en-US"/>
+              <a:t>Third level</a:t>
+            </a:r>
+          </a:p>
+          <a:p>
+            <a:pPr lvl="3"/>
+            <a:r>
+              <a:rPr lang="en-US"/>
+              <a:t>Fourth level</a:t>
+            </a:r>
+          </a:p>
+          <a:p>
+            <a:pPr lvl="4"/>
+            <a:r>
+              <a:rPr lang="en-US"/>
+              <a:t>Fifth level</a:t>
+            </a:r>
+            <a:endParaRPr lang="en-US" dirty="0"/>
+          </a:p>
+        </p:txBody>
+      </p:sp>
+      <p:sp>
+        <p:nvSpPr>
+          <p:cNvPr id="4" name="Date Placeholder 3"/>
+          <p:cNvSpPr>
+            <a:spLocks noGrp="1"/>
+          </p:cNvSpPr>
+          <p:nvPr>
+            <p:ph type="dt" sz="half" idx="10"/>
+          </p:nvPr>
+        </p:nvSpPr>
+        <p:spPr/>
+        <p:txBody>
+          <a:bodyPr/>
+          <a:lstStyle/>
+          <a:p>
+            <a:fld id="{E80C50CD-E178-4744-9B35-B2F624D6C5E9}" type="datetimeFigureOut">
+              <a:rPr lang="en-US" smtClean="0"/>
+              <a:pPr/>
+              <a:t>6/18/2025</a:t>
+            </a:fld>
+            <a:endParaRPr lang="en-US"/>
+          </a:p>
+        </p:txBody>
+      </p:sp>
+      <p:sp>
+        <p:nvSpPr>
+          <p:cNvPr id="5" name="Footer Placeholder 4"/>
+          <p:cNvSpPr>
+            <a:spLocks noGrp="1"/>
+          </p:cNvSpPr>
+          <p:nvPr>
+            <p:ph type="ftr" sz="quarter" idx="11"/>
+          </p:nvPr>
+        </p:nvSpPr>
+        <p:spPr/>
+        <p:txBody>
+          <a:bodyPr/>
+          <a:lstStyle/>
+          <a:p>
+            <a:endParaRPr lang="en-US"/>
+          </a:p>
+        </p:txBody>
+      </p:sp>
+      <p:sp>
+        <p:nvSpPr>
+          <p:cNvPr id="6" name="Slide Number Placeholder 5"/>
+          <p:cNvSpPr>
+            <a:spLocks noGrp="1"/>
+          </p:cNvSpPr>
+          <p:nvPr>
+            <p:ph type="sldNum" sz="quarter" idx="12"/>
+          </p:nvPr>
+        </p:nvSpPr>
+        <p:spPr>
+          <a:xfrm>
+            <a:off x="10951856" y="5867131"/>
+            <a:ext cx="551167" cy="365125"/>
+          </a:xfrm>
+        </p:spPr>
+        <p:txBody>
+          <a:bodyPr/>
+          <a:lstStyle/>
+          <a:p>
+            <a:fld id="{148CC95F-0247-41B6-91CF-DC97C76A7088}" type="slidenum">
+              <a:rPr lang="en-US" smtClean="0"/>
+              <a:pPr/>
+              <a:t>‹#›</a:t>
+            </a:fld>
+            <a:endParaRPr lang="en-US"/>
+          </a:p>
+        </p:txBody>
+      </p:sp>
+    </p:spTree>
+    <p:extLst>
+      <p:ext uri="{BB962C8B-B14F-4D97-AF65-F5344CB8AC3E}">
+        <p14:creationId xmlns:p14="http://schemas.microsoft.com/office/powerpoint/2010/main" val="1686745419"/>
+      </p:ext>
+    </p:extLst>
+  </p:cSld>
+  <p:clrMapOvr>
+    <a:masterClrMapping/>
+  </p:clrMapOvr>
+</p:sldLayout>
+</file>
+
+<file path=ppt/slideLayouts/slideLayout3.xml><?xml version="1.0" encoding="utf-8"?>
+<p:sldLayout xmlns:a="http://schemas.openxmlformats.org/drawingml/2006/main" xmlns:r="http://schemas.openxmlformats.org/officeDocument/2006/relationships" xmlns:p="http://schemas.openxmlformats.org/presentationml/2006/main" type="secHead" preserve="1">
+  <p:cSld name="Section Header">
+    <p:spTree>
+      <p:nvGrpSpPr>
+        <p:cNvPr id="1" name=""/>
+        <p:cNvGrpSpPr/>
+        <p:nvPr/>
+      </p:nvGrpSpPr>
+      <p:grpSpPr>
+        <a:xfrm>
+          <a:off x="0" y="0"/>
+          <a:ext cx="0" cy="0"/>
+          <a:chOff x="0" y="0"/>
+          <a:chExt cx="0" cy="0"/>
+        </a:xfrm>
+      </p:grpSpPr>
+      <p:sp>
+        <p:nvSpPr>
+          <p:cNvPr id="2" name="Title 1"/>
+          <p:cNvSpPr>
+            <a:spLocks noGrp="1"/>
+          </p:cNvSpPr>
+          <p:nvPr>
+            <p:ph type="title"/>
+          </p:nvPr>
+        </p:nvSpPr>
+        <p:spPr>
+          <a:xfrm>
+            <a:off x="2572279" y="2666999"/>
+            <a:ext cx="8930747" cy="2110382"/>
+          </a:xfrm>
+        </p:spPr>
+        <p:txBody>
+          <a:bodyPr anchor="b"/>
+          <a:lstStyle>
+            <a:lvl1pPr algn="r">
+              <a:defRPr sz="4000" b="0" cap="none"/>
+            </a:lvl1pPr>
+          </a:lstStyle>
+          <a:p>
+            <a:r>
+              <a:rPr lang="en-US"/>
+              <a:t>Click to edit Master title style</a:t>
+            </a:r>
+            <a:endParaRPr lang="en-US" dirty="0"/>
+          </a:p>
+        </p:txBody>
+      </p:sp>
+      <p:sp>
+        <p:nvSpPr>
+          <p:cNvPr id="3" name="Text Placeholder 2"/>
+          <p:cNvSpPr>
+            <a:spLocks noGrp="1"/>
+          </p:cNvSpPr>
+          <p:nvPr>
+            <p:ph type="body" idx="1"/>
+          </p:nvPr>
+        </p:nvSpPr>
+        <p:spPr>
+          <a:xfrm>
+            <a:off x="2572278" y="4777381"/>
+            <a:ext cx="8930748" cy="860400"/>
+          </a:xfrm>
+        </p:spPr>
+        <p:txBody>
+          <a:bodyPr anchor="t">
+            <a:normAutofit/>
+          </a:bodyPr>
+          <a:lstStyle>
+            <a:lvl1pPr marL="0" indent="0" algn="r">
+              <a:buNone/>
+              <a:defRPr sz="2000">
+                <a:solidFill>
+                  <a:schemeClr val="tx1"/>
+                </a:solidFill>
+              </a:defRPr>
+            </a:lvl1pPr>
+            <a:lvl2pPr marL="457200" indent="0">
+              <a:buNone/>
+              <a:defRPr sz="1800">
+                <a:solidFill>
+                  <a:schemeClr val="tx1">
+                    <a:tint val="75000"/>
+                  </a:schemeClr>
+                </a:solidFill>
+              </a:defRPr>
+            </a:lvl2pPr>
+            <a:lvl3pPr marL="914400" indent="0">
+              <a:buNone/>
+              <a:defRPr sz="1600">
+                <a:solidFill>
+                  <a:schemeClr val="tx1">
+                    <a:tint val="75000"/>
+                  </a:schemeClr>
+                </a:solidFill>
+              </a:defRPr>
+            </a:lvl3pPr>
+            <a:lvl4pPr marL="1371600" indent="0">
+              <a:buNone/>
+              <a:defRPr sz="1400">
+                <a:solidFill>
+                  <a:schemeClr val="tx1">
+                    <a:tint val="75000"/>
+                  </a:schemeClr>
+                </a:solidFill>
+              </a:defRPr>
+            </a:lvl4pPr>
+            <a:lvl5pPr marL="1828800" indent="0">
+              <a:buNone/>
+              <a:defRPr sz="1400">
+                <a:solidFill>
+                  <a:schemeClr val="tx1">
+                    <a:tint val="75000"/>
+                  </a:schemeClr>
+                </a:solidFill>
+              </a:defRPr>
+            </a:lvl5pPr>
+            <a:lvl6pPr marL="2286000" indent="0">
+              <a:buNone/>
+              <a:defRPr sz="1400">
+                <a:solidFill>
+                  <a:schemeClr val="tx1">
+                    <a:tint val="75000"/>
+                  </a:schemeClr>
+                </a:solidFill>
+              </a:defRPr>
+            </a:lvl6pPr>
+            <a:lvl7pPr marL="2743200" indent="0">
+              <a:buNone/>
+              <a:defRPr sz="1400">
+                <a:solidFill>
+                  <a:schemeClr val="tx1">
+                    <a:tint val="75000"/>
+                  </a:schemeClr>
+                </a:solidFill>
+              </a:defRPr>
+            </a:lvl7pPr>
+            <a:lvl8pPr marL="3200400" indent="0">
+              <a:buNone/>
+              <a:defRPr sz="1400">
+                <a:solidFill>
+                  <a:schemeClr val="tx1">
+                    <a:tint val="75000"/>
+                  </a:schemeClr>
+                </a:solidFill>
+              </a:defRPr>
+            </a:lvl8pPr>
+            <a:lvl9pPr marL="3657600" indent="0">
+              <a:buNone/>
+              <a:defRPr sz="1400">
+                <a:solidFill>
+                  <a:schemeClr val="tx1">
+                    <a:tint val="75000"/>
+                  </a:schemeClr>
+                </a:solidFill>
+              </a:defRPr>
+            </a:lvl9pPr>
+          </a:lstStyle>
+          <a:p>
+            <a:pPr lvl="0"/>
+            <a:r>
+              <a:rPr lang="en-US"/>
+              <a:t>Click to edit Master text styles</a:t>
+            </a:r>
+          </a:p>
+        </p:txBody>
+      </p:sp>
+      <p:sp>
+        <p:nvSpPr>
+          <p:cNvPr id="4" name="Date Placeholder 3"/>
+          <p:cNvSpPr>
+            <a:spLocks noGrp="1"/>
+          </p:cNvSpPr>
+          <p:nvPr>
+            <p:ph type="dt" sz="half" idx="10"/>
+          </p:nvPr>
+        </p:nvSpPr>
+        <p:spPr/>
+        <p:txBody>
+          <a:bodyPr/>
+          <a:lstStyle/>
+          <a:p>
+            <a:fld id="{E80C50CD-E178-4744-9B35-B2F624D6C5E9}" type="datetimeFigureOut">
+              <a:rPr lang="en-US" smtClean="0"/>
+              <a:pPr/>
+              <a:t>6/18/2025</a:t>
+            </a:fld>
+            <a:endParaRPr lang="en-US"/>
+          </a:p>
+        </p:txBody>
+      </p:sp>
+      <p:sp>
+        <p:nvSpPr>
+          <p:cNvPr id="5" name="Footer Placeholder 4"/>
+          <p:cNvSpPr>
+            <a:spLocks noGrp="1"/>
+          </p:cNvSpPr>
+          <p:nvPr>
+            <p:ph type="ftr" sz="quarter" idx="11"/>
+          </p:nvPr>
+        </p:nvSpPr>
+        <p:spPr/>
+        <p:txBody>
+          <a:bodyPr/>
+          <a:lstStyle/>
+          <a:p>
+            <a:endParaRPr lang="en-US"/>
+          </a:p>
+        </p:txBody>
+      </p:sp>
+      <p:sp>
+        <p:nvSpPr>
+          <p:cNvPr id="6" name="Slide Number Placeholder 5"/>
+          <p:cNvSpPr>
+            <a:spLocks noGrp="1"/>
+          </p:cNvSpPr>
+          <p:nvPr>
+            <p:ph type="sldNum" sz="quarter" idx="12"/>
+          </p:nvPr>
+        </p:nvSpPr>
+        <p:spPr/>
+        <p:txBody>
+          <a:bodyPr/>
+          <a:lstStyle/>
+          <a:p>
+            <a:fld id="{148CC95F-0247-41B6-91CF-DC97C76A7088}" type="slidenum">
+              <a:rPr lang="en-US" smtClean="0"/>
+              <a:pPr/>
+              <a:t>‹#›</a:t>
+            </a:fld>
+            <a:endParaRPr lang="en-US"/>
+          </a:p>
+        </p:txBody>
+      </p:sp>
+    </p:spTree>
+    <p:extLst>
+      <p:ext uri="{BB962C8B-B14F-4D97-AF65-F5344CB8AC3E}">
+        <p14:creationId xmlns:p14="http://schemas.microsoft.com/office/powerpoint/2010/main" val="724556140"/>
+      </p:ext>
+    </p:extLst>
+  </p:cSld>
+  <p:clrMapOvr>
+    <a:masterClrMapping/>
+  </p:clrMapOvr>
+</p:sldLayout>
+</file>
+
+<file path=ppt/slideLayouts/slideLayout4.xml><?xml version="1.0" encoding="utf-8"?>
+<p:sldLayout xmlns:a="http://schemas.openxmlformats.org/drawingml/2006/main" xmlns:r="http://schemas.openxmlformats.org/officeDocument/2006/relationships" xmlns:p="http://schemas.openxmlformats.org/presentationml/2006/main" type="twoObj" preserve="1">
+  <p:cSld name="Two Content">
+    <p:spTree>
+      <p:nvGrpSpPr>
+        <p:cNvPr id="1" name=""/>
+        <p:cNvGrpSpPr/>
+        <p:nvPr/>
+      </p:nvGrpSpPr>
+      <p:grpSpPr>
+        <a:xfrm>
+          <a:off x="0" y="0"/>
+          <a:ext cx="0" cy="0"/>
+          <a:chOff x="0" y="0"/>
+          <a:chExt cx="0" cy="0"/>
+        </a:xfrm>
+      </p:grpSpPr>
+      <p:sp>
+        <p:nvSpPr>
+          <p:cNvPr id="2" name="Title 1"/>
+          <p:cNvSpPr>
+            <a:spLocks noGrp="1"/>
+          </p:cNvSpPr>
+          <p:nvPr>
+            <p:ph type="title"/>
+          </p:nvPr>
+        </p:nvSpPr>
+        <p:spPr>
+          <a:xfrm>
+            <a:off x="1484311" y="685800"/>
+            <a:ext cx="10018713" cy="1752599"/>
+          </a:xfrm>
+        </p:spPr>
+        <p:txBody>
+          <a:bodyPr/>
+          <a:lstStyle/>
+          <a:p>
+            <a:r>
+              <a:rPr lang="en-US"/>
+              <a:t>Click to edit Master title style</a:t>
+            </a:r>
+            <a:endParaRPr lang="en-US" dirty="0"/>
+          </a:p>
+        </p:txBody>
+      </p:sp>
+      <p:sp>
+        <p:nvSpPr>
+          <p:cNvPr id="3" name="Content Placeholder 2"/>
+          <p:cNvSpPr>
+            <a:spLocks noGrp="1"/>
+          </p:cNvSpPr>
+          <p:nvPr>
+            <p:ph sz="half" idx="1"/>
+          </p:nvPr>
+        </p:nvSpPr>
+        <p:spPr>
+          <a:xfrm>
+            <a:off x="1484312" y="2666999"/>
+            <a:ext cx="4895055" cy="3124201"/>
+          </a:xfrm>
+        </p:spPr>
+        <p:txBody>
+          <a:bodyPr>
+            <a:normAutofit/>
+          </a:bodyPr>
+          <a:lstStyle>
+            <a:lvl1pPr>
+              <a:defRPr sz="1800"/>
+            </a:lvl1pPr>
+            <a:lvl2pPr>
+              <a:defRPr sz="1600"/>
+            </a:lvl2pPr>
+            <a:lvl3pPr>
+              <a:defRPr sz="1400"/>
+            </a:lvl3pPr>
+            <a:lvl4pPr>
+              <a:defRPr sz="1200"/>
+            </a:lvl4pPr>
+            <a:lvl5pPr>
+              <a:defRPr sz="1200"/>
+            </a:lvl5pPr>
+            <a:lvl6pPr>
+              <a:defRPr sz="1200"/>
+            </a:lvl6pPr>
+            <a:lvl7pPr>
+              <a:defRPr sz="1200"/>
+            </a:lvl7pPr>
+            <a:lvl8pPr>
+              <a:defRPr sz="1200"/>
+            </a:lvl8pPr>
+            <a:lvl9pPr>
+              <a:defRPr sz="1200"/>
+            </a:lvl9pPr>
+          </a:lstStyle>
+          <a:p>
+            <a:pPr lvl="0"/>
+            <a:r>
+              <a:rPr lang="en-US"/>
+              <a:t>Click to edit Master text styles</a:t>
+            </a:r>
+          </a:p>
+          <a:p>
+            <a:pPr lvl="1"/>
+            <a:r>
+              <a:rPr lang="en-US"/>
+              <a:t>Second level</a:t>
+            </a:r>
+          </a:p>
+          <a:p>
+            <a:pPr lvl="2"/>
+            <a:r>
+              <a:rPr lang="en-US"/>
+              <a:t>Third level</a:t>
+            </a:r>
+          </a:p>
+          <a:p>
+            <a:pPr lvl="3"/>
+            <a:r>
+              <a:rPr lang="en-US"/>
+              <a:t>Fourth level</a:t>
+            </a:r>
+          </a:p>
+          <a:p>
+            <a:pPr lvl="4"/>
+            <a:r>
+              <a:rPr lang="en-US"/>
+              <a:t>Fifth level</a:t>
+            </a:r>
+            <a:endParaRPr lang="en-US" dirty="0"/>
+          </a:p>
+        </p:txBody>
+      </p:sp>
+      <p:sp>
+        <p:nvSpPr>
+          <p:cNvPr id="4" name="Content Placeholder 3"/>
+          <p:cNvSpPr>
+            <a:spLocks noGrp="1"/>
+          </p:cNvSpPr>
+          <p:nvPr>
+            <p:ph sz="half" idx="2"/>
+          </p:nvPr>
+        </p:nvSpPr>
+        <p:spPr>
+          <a:xfrm>
+            <a:off x="6607967" y="2667000"/>
+            <a:ext cx="4895056" cy="3124200"/>
+          </a:xfrm>
+        </p:spPr>
+        <p:txBody>
+          <a:bodyPr>
+            <a:normAutofit/>
+          </a:bodyPr>
+          <a:lstStyle>
+            <a:lvl1pPr>
+              <a:defRPr sz="1800"/>
+            </a:lvl1pPr>
+            <a:lvl2pPr>
+              <a:defRPr sz="1600"/>
+            </a:lvl2pPr>
+            <a:lvl3pPr>
+              <a:defRPr sz="1400"/>
+            </a:lvl3pPr>
+            <a:lvl4pPr>
+              <a:defRPr sz="1200"/>
+            </a:lvl4pPr>
+            <a:lvl5pPr>
+              <a:defRPr sz="1200"/>
+            </a:lvl5pPr>
+            <a:lvl6pPr>
+              <a:defRPr sz="1200"/>
+            </a:lvl6pPr>
+            <a:lvl7pPr>
+              <a:defRPr sz="1200"/>
+            </a:lvl7pPr>
+            <a:lvl8pPr>
+              <a:defRPr sz="1200"/>
+            </a:lvl8pPr>
+            <a:lvl9pPr>
+              <a:defRPr sz="1200"/>
+            </a:lvl9pPr>
+          </a:lstStyle>
+          <a:p>
+            <a:pPr lvl="0"/>
+            <a:r>
+              <a:rPr lang="en-US"/>
+              <a:t>Click to edit Master text styles</a:t>
+            </a:r>
+          </a:p>
+          <a:p>
+            <a:pPr lvl="1"/>
+            <a:r>
+              <a:rPr lang="en-US"/>
+              <a:t>Second level</a:t>
+            </a:r>
+          </a:p>
+          <a:p>
+            <a:pPr lvl="2"/>
+            <a:r>
+              <a:rPr lang="en-US"/>
+              <a:t>Third level</a:t>
+            </a:r>
+          </a:p>
+          <a:p>
+            <a:pPr lvl="3"/>
+            <a:r>
+              <a:rPr lang="en-US"/>
+              <a:t>Fourth level</a:t>
+            </a:r>
+          </a:p>
+          <a:p>
+            <a:pPr lvl="4"/>
+            <a:r>
+              <a:rPr lang="en-US"/>
+              <a:t>Fifth level</a:t>
+            </a:r>
+            <a:endParaRPr lang="en-US" dirty="0"/>
+          </a:p>
+        </p:txBody>
+      </p:sp>
+      <p:sp>
+        <p:nvSpPr>
+          <p:cNvPr id="5" name="Date Placeholder 4"/>
+          <p:cNvSpPr>
+            <a:spLocks noGrp="1"/>
+          </p:cNvSpPr>
+          <p:nvPr>
+            <p:ph type="dt" sz="half" idx="10"/>
+          </p:nvPr>
+        </p:nvSpPr>
+        <p:spPr/>
+        <p:txBody>
+          <a:bodyPr/>
+          <a:lstStyle/>
+          <a:p>
+            <a:fld id="{E80C50CD-E178-4744-9B35-B2F624D6C5E9}" type="datetimeFigureOut">
+              <a:rPr lang="en-US" smtClean="0"/>
+              <a:pPr/>
+              <a:t>6/18/2025</a:t>
+            </a:fld>
+            <a:endParaRPr lang="en-US"/>
+          </a:p>
+        </p:txBody>
+      </p:sp>
+      <p:sp>
+        <p:nvSpPr>
+          <p:cNvPr id="6" name="Footer Placeholder 5"/>
+          <p:cNvSpPr>
+            <a:spLocks noGrp="1"/>
+          </p:cNvSpPr>
+          <p:nvPr>
+            <p:ph type="ftr" sz="quarter" idx="11"/>
+          </p:nvPr>
+        </p:nvSpPr>
+        <p:spPr/>
+        <p:txBody>
+          <a:bodyPr/>
+          <a:lstStyle/>
+          <a:p>
+            <a:endParaRPr lang="en-US"/>
+          </a:p>
+        </p:txBody>
+      </p:sp>
+      <p:sp>
+        <p:nvSpPr>
+          <p:cNvPr id="7" name="Slide Number Placeholder 6"/>
+          <p:cNvSpPr>
+            <a:spLocks noGrp="1"/>
+          </p:cNvSpPr>
+          <p:nvPr>
+            <p:ph type="sldNum" sz="quarter" idx="12"/>
+          </p:nvPr>
+        </p:nvSpPr>
+        <p:spPr/>
+        <p:txBody>
+          <a:bodyPr/>
+          <a:lstStyle/>
+          <a:p>
+            <a:fld id="{148CC95F-0247-41B6-91CF-DC97C76A7088}" type="slidenum">
+              <a:rPr lang="en-US" smtClean="0"/>
+              <a:pPr/>
+              <a:t>‹#›</a:t>
+            </a:fld>
+            <a:endParaRPr lang="en-US"/>
+          </a:p>
+        </p:txBody>
+      </p:sp>
+    </p:spTree>
+    <p:extLst>
+      <p:ext uri="{BB962C8B-B14F-4D97-AF65-F5344CB8AC3E}">
+        <p14:creationId xmlns:p14="http://schemas.microsoft.com/office/powerpoint/2010/main" val="217762553"/>
+      </p:ext>
+    </p:extLst>
+  </p:cSld>
+  <p:clrMapOvr>
+    <a:masterClrMapping/>
+  </p:clrMapOvr>
+</p:sldLayout>
+</file>
+
+<file path=ppt/slideLayouts/slideLayout5.xml><?xml version="1.0" encoding="utf-8"?>
+<p:sldLayout xmlns:a="http://schemas.openxmlformats.org/drawingml/2006/main" xmlns:r="http://schemas.openxmlformats.org/officeDocument/2006/relationships" xmlns:p="http://schemas.openxmlformats.org/presentationml/2006/main" type="twoTxTwoObj" preserve="1">
+  <p:cSld name="Comparison">
+    <p:spTree>
+      <p:nvGrpSpPr>
+        <p:cNvPr id="1" name=""/>
+        <p:cNvGrpSpPr/>
+        <p:nvPr/>
+      </p:nvGrpSpPr>
+      <p:grpSpPr>
+        <a:xfrm>
+          <a:off x="0" y="0"/>
+          <a:ext cx="0" cy="0"/>
+          <a:chOff x="0" y="0"/>
+          <a:chExt cx="0" cy="0"/>
+        </a:xfrm>
+      </p:grpSpPr>
+      <p:sp>
+        <p:nvSpPr>
+          <p:cNvPr id="2" name="Title 1"/>
+          <p:cNvSpPr>
+            <a:spLocks noGrp="1"/>
+          </p:cNvSpPr>
+          <p:nvPr>
+            <p:ph type="title"/>
+          </p:nvPr>
+        </p:nvSpPr>
+        <p:spPr/>
+        <p:txBody>
+          <a:bodyPr/>
+          <a:lstStyle>
+            <a:lvl1pPr>
+              <a:defRPr/>
+            </a:lvl1pPr>
+          </a:lstStyle>
+          <a:p>
+            <a:r>
+              <a:rPr lang="en-US"/>
+              <a:t>Click to edit Master title style</a:t>
+            </a:r>
+            <a:endParaRPr lang="en-US" dirty="0"/>
+          </a:p>
+        </p:txBody>
+      </p:sp>
+      <p:sp>
+        <p:nvSpPr>
+          <p:cNvPr id="3" name="Text Placeholder 2"/>
+          <p:cNvSpPr>
+            <a:spLocks noGrp="1"/>
+          </p:cNvSpPr>
+          <p:nvPr>
+            <p:ph type="body" idx="1"/>
+          </p:nvPr>
+        </p:nvSpPr>
+        <p:spPr>
+          <a:xfrm>
+            <a:off x="1772179" y="2658533"/>
+            <a:ext cx="4607188" cy="576262"/>
+          </a:xfrm>
+        </p:spPr>
+        <p:txBody>
+          <a:bodyPr anchor="b">
+            <a:noAutofit/>
+          </a:bodyPr>
+          <a:lstStyle>
+            <a:lvl1pPr marL="0" indent="0">
+              <a:buNone/>
+              <a:defRPr sz="2800" b="0">
+                <a:solidFill>
+                  <a:schemeClr val="accent1">
+                    <a:lumMod val="75000"/>
+                  </a:schemeClr>
+                </a:solidFill>
+              </a:defRPr>
+            </a:lvl1pPr>
+            <a:lvl2pPr marL="457200" indent="0">
+              <a:buNone/>
+              <a:defRPr sz="2000" b="1"/>
+            </a:lvl2pPr>
+            <a:lvl3pPr marL="914400" indent="0">
+              <a:buNone/>
+              <a:defRPr sz="1800" b="1"/>
+            </a:lvl3pPr>
+            <a:lvl4pPr marL="1371600" indent="0">
+              <a:buNone/>
+              <a:defRPr sz="1600" b="1"/>
+            </a:lvl4pPr>
+            <a:lvl5pPr marL="1828800" indent="0">
+              <a:buNone/>
+              <a:defRPr sz="1600" b="1"/>
+            </a:lvl5pPr>
+            <a:lvl6pPr marL="2286000" indent="0">
+              <a:buNone/>
+              <a:defRPr sz="1600" b="1"/>
+            </a:lvl6pPr>
+            <a:lvl7pPr marL="2743200" indent="0">
+              <a:buNone/>
+              <a:defRPr sz="1600" b="1"/>
+            </a:lvl7pPr>
+            <a:lvl8pPr marL="3200400" indent="0">
+              <a:buNone/>
+              <a:defRPr sz="1600" b="1"/>
+            </a:lvl8pPr>
+            <a:lvl9pPr marL="3657600" indent="0">
+              <a:buNone/>
+              <a:defRPr sz="1600" b="1"/>
+            </a:lvl9pPr>
+          </a:lstStyle>
+          <a:p>
+            <a:pPr lvl="0"/>
+            <a:r>
+              <a:rPr lang="en-US"/>
+              <a:t>Click to edit Master text styles</a:t>
+            </a:r>
+          </a:p>
+        </p:txBody>
+      </p:sp>
+      <p:sp>
+        <p:nvSpPr>
+          <p:cNvPr id="4" name="Content Placeholder 3"/>
+          <p:cNvSpPr>
+            <a:spLocks noGrp="1"/>
+          </p:cNvSpPr>
+          <p:nvPr>
+            <p:ph sz="half" idx="2"/>
+          </p:nvPr>
+        </p:nvSpPr>
+        <p:spPr>
+          <a:xfrm>
+            <a:off x="1484311" y="3335337"/>
+            <a:ext cx="4895056" cy="2455862"/>
+          </a:xfrm>
+        </p:spPr>
+        <p:txBody>
+          <a:bodyPr anchor="t">
+            <a:normAutofit/>
+          </a:bodyPr>
+          <a:lstStyle>
+            <a:lvl1pPr>
+              <a:defRPr sz="1800"/>
+            </a:lvl1pPr>
+            <a:lvl2pPr>
+              <a:defRPr sz="1600"/>
+            </a:lvl2pPr>
+            <a:lvl3pPr>
+              <a:defRPr sz="1400"/>
+            </a:lvl3pPr>
+            <a:lvl4pPr>
+              <a:defRPr sz="1200"/>
+            </a:lvl4pPr>
+            <a:lvl5pPr>
+              <a:defRPr sz="1200"/>
+            </a:lvl5pPr>
+            <a:lvl6pPr>
+              <a:defRPr sz="1200"/>
+            </a:lvl6pPr>
+            <a:lvl7pPr>
+              <a:defRPr sz="1200"/>
+            </a:lvl7pPr>
+            <a:lvl8pPr>
+              <a:defRPr sz="1200"/>
+            </a:lvl8pPr>
+            <a:lvl9pPr>
+              <a:defRPr sz="1200"/>
+            </a:lvl9pPr>
+          </a:lstStyle>
+          <a:p>
+            <a:pPr lvl="0"/>
+            <a:r>
+              <a:rPr lang="en-US"/>
+              <a:t>Click to edit Master text styles</a:t>
+            </a:r>
+          </a:p>
+          <a:p>
+            <a:pPr lvl="1"/>
+            <a:r>
+              <a:rPr lang="en-US"/>
+              <a:t>Second level</a:t>
+            </a:r>
+          </a:p>
+          <a:p>
+            <a:pPr lvl="2"/>
+            <a:r>
+              <a:rPr lang="en-US"/>
+              <a:t>Third level</a:t>
+            </a:r>
+          </a:p>
+          <a:p>
+            <a:pPr lvl="3"/>
+            <a:r>
+              <a:rPr lang="en-US"/>
+              <a:t>Fourth level</a:t>
+            </a:r>
+          </a:p>
+          <a:p>
+            <a:pPr lvl="4"/>
+            <a:r>
+              <a:rPr lang="en-US"/>
+              <a:t>Fifth level</a:t>
+            </a:r>
+            <a:endParaRPr lang="en-US" dirty="0"/>
+          </a:p>
+        </p:txBody>
+      </p:sp>
+      <p:sp>
+        <p:nvSpPr>
+          <p:cNvPr id="5" name="Text Placeholder 4"/>
+          <p:cNvSpPr>
+            <a:spLocks noGrp="1"/>
+          </p:cNvSpPr>
+          <p:nvPr>
+            <p:ph type="body" sz="quarter" idx="3"/>
+          </p:nvPr>
+        </p:nvSpPr>
+        <p:spPr>
+          <a:xfrm>
+            <a:off x="6880487" y="2667000"/>
+            <a:ext cx="4622537" cy="576262"/>
+          </a:xfrm>
+        </p:spPr>
+        <p:txBody>
+          <a:bodyPr anchor="b">
+            <a:noAutofit/>
+          </a:bodyPr>
+          <a:lstStyle>
+            <a:lvl1pPr marL="0" indent="0">
+              <a:buNone/>
+              <a:defRPr sz="2800" b="0">
+                <a:solidFill>
+                  <a:schemeClr val="accent1">
+                    <a:lumMod val="75000"/>
+                  </a:schemeClr>
+                </a:solidFill>
+              </a:defRPr>
+            </a:lvl1pPr>
+            <a:lvl2pPr marL="457200" indent="0">
+              <a:buNone/>
+              <a:defRPr sz="2000" b="1"/>
+            </a:lvl2pPr>
+            <a:lvl3pPr marL="914400" indent="0">
+              <a:buNone/>
+              <a:defRPr sz="1800" b="1"/>
+            </a:lvl3pPr>
+            <a:lvl4pPr marL="1371600" indent="0">
+              <a:buNone/>
+              <a:defRPr sz="1600" b="1"/>
+            </a:lvl4pPr>
+            <a:lvl5pPr marL="1828800" indent="0">
+              <a:buNone/>
+              <a:defRPr sz="1600" b="1"/>
+            </a:lvl5pPr>
+            <a:lvl6pPr marL="2286000" indent="0">
+              <a:buNone/>
+              <a:defRPr sz="1600" b="1"/>
+            </a:lvl6pPr>
+            <a:lvl7pPr marL="2743200" indent="0">
+              <a:buNone/>
+              <a:defRPr sz="1600" b="1"/>
+            </a:lvl7pPr>
+            <a:lvl8pPr marL="3200400" indent="0">
+              <a:buNone/>
+              <a:defRPr sz="1600" b="1"/>
+            </a:lvl8pPr>
+            <a:lvl9pPr marL="3657600" indent="0">
+              <a:buNone/>
+              <a:defRPr sz="1600" b="1"/>
+            </a:lvl9pPr>
+          </a:lstStyle>
+          <a:p>
+            <a:pPr lvl="0"/>
+            <a:r>
+              <a:rPr lang="en-US"/>
+              <a:t>Click to edit Master text styles</a:t>
+            </a:r>
+          </a:p>
+        </p:txBody>
+      </p:sp>
+      <p:sp>
+        <p:nvSpPr>
+          <p:cNvPr id="6" name="Content Placeholder 5"/>
+          <p:cNvSpPr>
+            <a:spLocks noGrp="1"/>
+          </p:cNvSpPr>
+          <p:nvPr>
+            <p:ph sz="quarter" idx="4"/>
+          </p:nvPr>
+        </p:nvSpPr>
+        <p:spPr>
+          <a:xfrm>
+            <a:off x="6607967" y="3335337"/>
+            <a:ext cx="4895056" cy="2455862"/>
+          </a:xfrm>
+        </p:spPr>
+        <p:txBody>
+          <a:bodyPr anchor="t">
+            <a:normAutofit/>
+          </a:bodyPr>
+          <a:lstStyle>
+            <a:lvl1pPr>
+              <a:defRPr sz="1800"/>
+            </a:lvl1pPr>
+            <a:lvl2pPr>
+              <a:defRPr sz="1600"/>
+            </a:lvl2pPr>
+            <a:lvl3pPr>
+              <a:defRPr sz="1400"/>
+            </a:lvl3pPr>
+            <a:lvl4pPr>
+              <a:defRPr sz="1200"/>
+            </a:lvl4pPr>
+            <a:lvl5pPr>
+              <a:defRPr sz="1200"/>
+            </a:lvl5pPr>
+            <a:lvl6pPr>
+              <a:defRPr sz="1200"/>
+            </a:lvl6pPr>
+            <a:lvl7pPr>
+              <a:defRPr sz="1200"/>
+            </a:lvl7pPr>
+            <a:lvl8pPr>
+              <a:defRPr sz="1200"/>
+            </a:lvl8pPr>
+            <a:lvl9pPr>
+              <a:defRPr sz="1200"/>
+            </a:lvl9pPr>
+          </a:lstStyle>
+          <a:p>
+            <a:pPr lvl="0"/>
+            <a:r>
+              <a:rPr lang="en-US"/>
+              <a:t>Click to edit Master text styles</a:t>
+            </a:r>
+          </a:p>
+          <a:p>
+            <a:pPr lvl="1"/>
+            <a:r>
+              <a:rPr lang="en-US"/>
+              <a:t>Second level</a:t>
+            </a:r>
+          </a:p>
+          <a:p>
+            <a:pPr lvl="2"/>
+            <a:r>
+              <a:rPr lang="en-US"/>
+              <a:t>Third level</a:t>
+            </a:r>
+          </a:p>
+          <a:p>
+            <a:pPr lvl="3"/>
+            <a:r>
+              <a:rPr lang="en-US"/>
+              <a:t>Fourth level</a:t>
+            </a:r>
+          </a:p>
+          <a:p>
+            <a:pPr lvl="4"/>
+            <a:r>
+              <a:rPr lang="en-US"/>
+              <a:t>Fifth level</a:t>
+            </a:r>
+            <a:endParaRPr lang="en-US" dirty="0"/>
+          </a:p>
+        </p:txBody>
+      </p:sp>
+      <p:sp>
+        <p:nvSpPr>
+          <p:cNvPr id="7" name="Date Placeholder 6"/>
+          <p:cNvSpPr>
+            <a:spLocks noGrp="1"/>
+          </p:cNvSpPr>
+          <p:nvPr>
+            <p:ph type="dt" sz="half" idx="10"/>
+          </p:nvPr>
+        </p:nvSpPr>
+        <p:spPr/>
+        <p:txBody>
+          <a:bodyPr/>
+          <a:lstStyle/>
+          <a:p>
+            <a:fld id="{E80C50CD-E178-4744-9B35-B2F624D6C5E9}" type="datetimeFigureOut">
+              <a:rPr lang="en-US" smtClean="0"/>
+              <a:pPr/>
+              <a:t>6/18/2025</a:t>
+            </a:fld>
+            <a:endParaRPr lang="en-US"/>
+          </a:p>
+        </p:txBody>
+      </p:sp>
+      <p:sp>
+        <p:nvSpPr>
+          <p:cNvPr id="8" name="Footer Placeholder 7"/>
+          <p:cNvSpPr>
+            <a:spLocks noGrp="1"/>
+          </p:cNvSpPr>
+          <p:nvPr>
+            <p:ph type="ftr" sz="quarter" idx="11"/>
+          </p:nvPr>
+        </p:nvSpPr>
+        <p:spPr/>
+        <p:txBody>
+          <a:bodyPr/>
+          <a:lstStyle/>
+          <a:p>
+            <a:endParaRPr lang="en-US"/>
+          </a:p>
+        </p:txBody>
+      </p:sp>
+      <p:sp>
+        <p:nvSpPr>
+          <p:cNvPr id="9" name="Slide Number Placeholder 8"/>
+          <p:cNvSpPr>
+            <a:spLocks noGrp="1"/>
+          </p:cNvSpPr>
+          <p:nvPr>
+            <p:ph type="sldNum" sz="quarter" idx="12"/>
+          </p:nvPr>
+        </p:nvSpPr>
+        <p:spPr/>
+        <p:txBody>
+          <a:bodyPr/>
+          <a:lstStyle/>
+          <a:p>
+            <a:fld id="{148CC95F-0247-41B6-91CF-DC97C76A7088}" type="slidenum">
+              <a:rPr lang="en-US" smtClean="0"/>
+              <a:pPr/>
+              <a:t>‹#›</a:t>
+            </a:fld>
+            <a:endParaRPr lang="en-US"/>
+          </a:p>
+        </p:txBody>
+      </p:sp>
+    </p:spTree>
+    <p:extLst>
+      <p:ext uri="{BB962C8B-B14F-4D97-AF65-F5344CB8AC3E}">
+        <p14:creationId xmlns:p14="http://schemas.microsoft.com/office/powerpoint/2010/main" val="1275173858"/>
+      </p:ext>
+    </p:extLst>
+  </p:cSld>
+  <p:clrMapOvr>
+    <a:masterClrMapping/>
+  </p:clrMapOvr>
+</p:sldLayout>
+</file>
+
+<file path=ppt/slideLayouts/slideLayout6.xml><?xml version="1.0" encoding="utf-8"?>
 <p:sldLayout xmlns:a="http://schemas.openxmlformats.org/drawingml/2006/main" xmlns:r="http://schemas.openxmlformats.org/officeDocument/2006/relationships" xmlns:p="http://schemas.openxmlformats.org/presentationml/2006/main" type="titleOnly" preserve="1">
   <p:cSld name="Title Only">
     <p:spTree>
@@ -4849,13 +9106,7 @@
       </p:grpSpPr>
       <p:sp>
         <p:nvSpPr>
-          <p:cNvPr id="2" name="Title 1">
-            <a:extLst>
-              <a:ext uri="{FF2B5EF4-FFF2-40B4-BE49-F238E27FC236}">
-                <a16:creationId xmlns:a16="http://schemas.microsoft.com/office/drawing/2014/main" id="{2734716D-52F2-C7FB-83B1-2DA1AD375EAE}"/>
-              </a:ext>
-            </a:extLst>
-          </p:cNvPr>
+          <p:cNvPr id="2" name="Title 1"/>
           <p:cNvSpPr>
             <a:spLocks noGrp="1"/>
           </p:cNvSpPr>
@@ -4872,18 +9123,13 @@
               <a:rPr lang="en-US"/>
               <a:t>Click to edit Master title style</a:t>
             </a:r>
+            <a:endParaRPr lang="en-US" dirty="0"/>
           </a:p>
         </p:txBody>
       </p:sp>
       <p:sp>
         <p:nvSpPr>
-          <p:cNvPr id="3" name="Date Placeholder 2">
-            <a:extLst>
-              <a:ext uri="{FF2B5EF4-FFF2-40B4-BE49-F238E27FC236}">
-                <a16:creationId xmlns:a16="http://schemas.microsoft.com/office/drawing/2014/main" id="{56F4A371-AC27-6A28-32E6-74A28371BF55}"/>
-              </a:ext>
-            </a:extLst>
-          </p:cNvPr>
+          <p:cNvPr id="3" name="Date Placeholder 2"/>
           <p:cNvSpPr>
             <a:spLocks noGrp="1"/>
           </p:cNvSpPr>
@@ -4898,7 +9144,7 @@
           <a:p>
             <a:fld id="{E80C50CD-E178-4744-9B35-B2F624D6C5E9}" type="datetimeFigureOut">
               <a:rPr lang="en-US" smtClean="0"/>
-              <a:t>6/12/2025</a:t>
+              <a:t>6/18/2025</a:t>
             </a:fld>
             <a:endParaRPr lang="en-US"/>
           </a:p>
@@ -4906,13 +9152,7 @@
       </p:sp>
       <p:sp>
         <p:nvSpPr>
-          <p:cNvPr id="4" name="Footer Placeholder 3">
-            <a:extLst>
-              <a:ext uri="{FF2B5EF4-FFF2-40B4-BE49-F238E27FC236}">
-                <a16:creationId xmlns:a16="http://schemas.microsoft.com/office/drawing/2014/main" id="{D155941A-A24E-885D-E894-0326F4C4004D}"/>
-              </a:ext>
-            </a:extLst>
-          </p:cNvPr>
+          <p:cNvPr id="4" name="Footer Placeholder 3"/>
           <p:cNvSpPr>
             <a:spLocks noGrp="1"/>
           </p:cNvSpPr>
@@ -4931,13 +9171,7 @@
       </p:sp>
       <p:sp>
         <p:nvSpPr>
-          <p:cNvPr id="5" name="Slide Number Placeholder 4">
-            <a:extLst>
-              <a:ext uri="{FF2B5EF4-FFF2-40B4-BE49-F238E27FC236}">
-                <a16:creationId xmlns:a16="http://schemas.microsoft.com/office/drawing/2014/main" id="{99D5E5B4-971F-FF6A-1B07-A5C85370552D}"/>
-              </a:ext>
-            </a:extLst>
-          </p:cNvPr>
+          <p:cNvPr id="5" name="Slide Number Placeholder 4"/>
           <p:cNvSpPr>
             <a:spLocks noGrp="1"/>
           </p:cNvSpPr>
@@ -4961,7 +9195,682 @@
     </p:spTree>
     <p:extLst>
       <p:ext uri="{BB962C8B-B14F-4D97-AF65-F5344CB8AC3E}">
-        <p14:creationId xmlns:p14="http://schemas.microsoft.com/office/powerpoint/2010/main" val="618789951"/>
+        <p14:creationId xmlns:p14="http://schemas.microsoft.com/office/powerpoint/2010/main" val="229598374"/>
+      </p:ext>
+    </p:extLst>
+  </p:cSld>
+  <p:clrMapOvr>
+    <a:masterClrMapping/>
+  </p:clrMapOvr>
+</p:sldLayout>
+</file>
+
+<file path=ppt/slideLayouts/slideLayout7.xml><?xml version="1.0" encoding="utf-8"?>
+<p:sldLayout xmlns:a="http://schemas.openxmlformats.org/drawingml/2006/main" xmlns:r="http://schemas.openxmlformats.org/officeDocument/2006/relationships" xmlns:p="http://schemas.openxmlformats.org/presentationml/2006/main" type="blank" preserve="1">
+  <p:cSld name="Blank">
+    <p:spTree>
+      <p:nvGrpSpPr>
+        <p:cNvPr id="1" name=""/>
+        <p:cNvGrpSpPr/>
+        <p:nvPr/>
+      </p:nvGrpSpPr>
+      <p:grpSpPr>
+        <a:xfrm>
+          <a:off x="0" y="0"/>
+          <a:ext cx="0" cy="0"/>
+          <a:chOff x="0" y="0"/>
+          <a:chExt cx="0" cy="0"/>
+        </a:xfrm>
+      </p:grpSpPr>
+      <p:sp>
+        <p:nvSpPr>
+          <p:cNvPr id="2" name="Date Placeholder 1"/>
+          <p:cNvSpPr>
+            <a:spLocks noGrp="1"/>
+          </p:cNvSpPr>
+          <p:nvPr>
+            <p:ph type="dt" sz="half" idx="10"/>
+          </p:nvPr>
+        </p:nvSpPr>
+        <p:spPr/>
+        <p:txBody>
+          <a:bodyPr/>
+          <a:lstStyle/>
+          <a:p>
+            <a:fld id="{E80C50CD-E178-4744-9B35-B2F624D6C5E9}" type="datetimeFigureOut">
+              <a:rPr lang="en-US" smtClean="0"/>
+              <a:pPr/>
+              <a:t>6/18/2025</a:t>
+            </a:fld>
+            <a:endParaRPr lang="en-US"/>
+          </a:p>
+        </p:txBody>
+      </p:sp>
+      <p:sp>
+        <p:nvSpPr>
+          <p:cNvPr id="3" name="Footer Placeholder 2"/>
+          <p:cNvSpPr>
+            <a:spLocks noGrp="1"/>
+          </p:cNvSpPr>
+          <p:nvPr>
+            <p:ph type="ftr" sz="quarter" idx="11"/>
+          </p:nvPr>
+        </p:nvSpPr>
+        <p:spPr/>
+        <p:txBody>
+          <a:bodyPr/>
+          <a:lstStyle/>
+          <a:p>
+            <a:endParaRPr lang="en-US"/>
+          </a:p>
+        </p:txBody>
+      </p:sp>
+      <p:sp>
+        <p:nvSpPr>
+          <p:cNvPr id="4" name="Slide Number Placeholder 3"/>
+          <p:cNvSpPr>
+            <a:spLocks noGrp="1"/>
+          </p:cNvSpPr>
+          <p:nvPr>
+            <p:ph type="sldNum" sz="quarter" idx="12"/>
+          </p:nvPr>
+        </p:nvSpPr>
+        <p:spPr/>
+        <p:txBody>
+          <a:bodyPr/>
+          <a:lstStyle/>
+          <a:p>
+            <a:fld id="{148CC95F-0247-41B6-91CF-DC97C76A7088}" type="slidenum">
+              <a:rPr lang="en-US" smtClean="0"/>
+              <a:pPr/>
+              <a:t>‹#›</a:t>
+            </a:fld>
+            <a:endParaRPr lang="en-US"/>
+          </a:p>
+        </p:txBody>
+      </p:sp>
+    </p:spTree>
+    <p:extLst>
+      <p:ext uri="{BB962C8B-B14F-4D97-AF65-F5344CB8AC3E}">
+        <p14:creationId xmlns:p14="http://schemas.microsoft.com/office/powerpoint/2010/main" val="56050017"/>
+      </p:ext>
+    </p:extLst>
+  </p:cSld>
+  <p:clrMapOvr>
+    <a:masterClrMapping/>
+  </p:clrMapOvr>
+</p:sldLayout>
+</file>
+
+<file path=ppt/slideLayouts/slideLayout8.xml><?xml version="1.0" encoding="utf-8"?>
+<p:sldLayout xmlns:a="http://schemas.openxmlformats.org/drawingml/2006/main" xmlns:r="http://schemas.openxmlformats.org/officeDocument/2006/relationships" xmlns:p="http://schemas.openxmlformats.org/presentationml/2006/main" type="objTx" preserve="1">
+  <p:cSld name="Content with Caption">
+    <p:spTree>
+      <p:nvGrpSpPr>
+        <p:cNvPr id="1" name=""/>
+        <p:cNvGrpSpPr/>
+        <p:nvPr/>
+      </p:nvGrpSpPr>
+      <p:grpSpPr>
+        <a:xfrm>
+          <a:off x="0" y="0"/>
+          <a:ext cx="0" cy="0"/>
+          <a:chOff x="0" y="0"/>
+          <a:chExt cx="0" cy="0"/>
+        </a:xfrm>
+      </p:grpSpPr>
+      <p:sp>
+        <p:nvSpPr>
+          <p:cNvPr id="2" name="Title 1"/>
+          <p:cNvSpPr>
+            <a:spLocks noGrp="1"/>
+          </p:cNvSpPr>
+          <p:nvPr>
+            <p:ph type="title"/>
+          </p:nvPr>
+        </p:nvSpPr>
+        <p:spPr>
+          <a:xfrm>
+            <a:off x="1484312" y="1600200"/>
+            <a:ext cx="3549121" cy="1371600"/>
+          </a:xfrm>
+        </p:spPr>
+        <p:txBody>
+          <a:bodyPr anchor="b">
+            <a:normAutofit/>
+          </a:bodyPr>
+          <a:lstStyle>
+            <a:lvl1pPr algn="ctr">
+              <a:defRPr sz="2400" b="0"/>
+            </a:lvl1pPr>
+          </a:lstStyle>
+          <a:p>
+            <a:r>
+              <a:rPr lang="en-US"/>
+              <a:t>Click to edit Master title style</a:t>
+            </a:r>
+            <a:endParaRPr lang="en-US" dirty="0"/>
+          </a:p>
+        </p:txBody>
+      </p:sp>
+      <p:sp>
+        <p:nvSpPr>
+          <p:cNvPr id="3" name="Content Placeholder 2"/>
+          <p:cNvSpPr>
+            <a:spLocks noGrp="1"/>
+          </p:cNvSpPr>
+          <p:nvPr>
+            <p:ph idx="1"/>
+          </p:nvPr>
+        </p:nvSpPr>
+        <p:spPr>
+          <a:xfrm>
+            <a:off x="5262033" y="685799"/>
+            <a:ext cx="6240990" cy="5105401"/>
+          </a:xfrm>
+        </p:spPr>
+        <p:txBody>
+          <a:bodyPr anchor="ctr">
+            <a:normAutofit/>
+          </a:bodyPr>
+          <a:lstStyle>
+            <a:lvl1pPr>
+              <a:defRPr sz="2000"/>
+            </a:lvl1pPr>
+            <a:lvl2pPr>
+              <a:defRPr sz="1800"/>
+            </a:lvl2pPr>
+            <a:lvl3pPr>
+              <a:defRPr sz="1600"/>
+            </a:lvl3pPr>
+            <a:lvl4pPr>
+              <a:defRPr sz="1400"/>
+            </a:lvl4pPr>
+            <a:lvl5pPr>
+              <a:defRPr sz="1400"/>
+            </a:lvl5pPr>
+            <a:lvl6pPr>
+              <a:defRPr sz="1400"/>
+            </a:lvl6pPr>
+            <a:lvl7pPr>
+              <a:defRPr sz="1400"/>
+            </a:lvl7pPr>
+            <a:lvl8pPr>
+              <a:defRPr sz="1400"/>
+            </a:lvl8pPr>
+            <a:lvl9pPr>
+              <a:defRPr sz="1400"/>
+            </a:lvl9pPr>
+          </a:lstStyle>
+          <a:p>
+            <a:pPr lvl="0"/>
+            <a:r>
+              <a:rPr lang="en-US"/>
+              <a:t>Click to edit Master text styles</a:t>
+            </a:r>
+          </a:p>
+          <a:p>
+            <a:pPr lvl="1"/>
+            <a:r>
+              <a:rPr lang="en-US"/>
+              <a:t>Second level</a:t>
+            </a:r>
+          </a:p>
+          <a:p>
+            <a:pPr lvl="2"/>
+            <a:r>
+              <a:rPr lang="en-US"/>
+              <a:t>Third level</a:t>
+            </a:r>
+          </a:p>
+          <a:p>
+            <a:pPr lvl="3"/>
+            <a:r>
+              <a:rPr lang="en-US"/>
+              <a:t>Fourth level</a:t>
+            </a:r>
+          </a:p>
+          <a:p>
+            <a:pPr lvl="4"/>
+            <a:r>
+              <a:rPr lang="en-US"/>
+              <a:t>Fifth level</a:t>
+            </a:r>
+            <a:endParaRPr lang="en-US" dirty="0"/>
+          </a:p>
+        </p:txBody>
+      </p:sp>
+      <p:sp>
+        <p:nvSpPr>
+          <p:cNvPr id="4" name="Text Placeholder 3"/>
+          <p:cNvSpPr>
+            <a:spLocks noGrp="1"/>
+          </p:cNvSpPr>
+          <p:nvPr>
+            <p:ph type="body" sz="half" idx="2"/>
+          </p:nvPr>
+        </p:nvSpPr>
+        <p:spPr>
+          <a:xfrm>
+            <a:off x="1484312" y="2971800"/>
+            <a:ext cx="3549121" cy="1828800"/>
+          </a:xfrm>
+        </p:spPr>
+        <p:txBody>
+          <a:bodyPr>
+            <a:normAutofit/>
+          </a:bodyPr>
+          <a:lstStyle>
+            <a:lvl1pPr marL="0" indent="0" algn="ctr">
+              <a:buNone/>
+              <a:defRPr sz="1600"/>
+            </a:lvl1pPr>
+            <a:lvl2pPr marL="457200" indent="0">
+              <a:buNone/>
+              <a:defRPr sz="1200"/>
+            </a:lvl2pPr>
+            <a:lvl3pPr marL="914400" indent="0">
+              <a:buNone/>
+              <a:defRPr sz="1000"/>
+            </a:lvl3pPr>
+            <a:lvl4pPr marL="1371600" indent="0">
+              <a:buNone/>
+              <a:defRPr sz="900"/>
+            </a:lvl4pPr>
+            <a:lvl5pPr marL="1828800" indent="0">
+              <a:buNone/>
+              <a:defRPr sz="900"/>
+            </a:lvl5pPr>
+            <a:lvl6pPr marL="2286000" indent="0">
+              <a:buNone/>
+              <a:defRPr sz="900"/>
+            </a:lvl6pPr>
+            <a:lvl7pPr marL="2743200" indent="0">
+              <a:buNone/>
+              <a:defRPr sz="900"/>
+            </a:lvl7pPr>
+            <a:lvl8pPr marL="3200400" indent="0">
+              <a:buNone/>
+              <a:defRPr sz="900"/>
+            </a:lvl8pPr>
+            <a:lvl9pPr marL="3657600" indent="0">
+              <a:buNone/>
+              <a:defRPr sz="900"/>
+            </a:lvl9pPr>
+          </a:lstStyle>
+          <a:p>
+            <a:pPr lvl="0"/>
+            <a:r>
+              <a:rPr lang="en-US"/>
+              <a:t>Click to edit Master text styles</a:t>
+            </a:r>
+          </a:p>
+        </p:txBody>
+      </p:sp>
+      <p:sp>
+        <p:nvSpPr>
+          <p:cNvPr id="5" name="Date Placeholder 4"/>
+          <p:cNvSpPr>
+            <a:spLocks noGrp="1"/>
+          </p:cNvSpPr>
+          <p:nvPr>
+            <p:ph type="dt" sz="half" idx="10"/>
+          </p:nvPr>
+        </p:nvSpPr>
+        <p:spPr/>
+        <p:txBody>
+          <a:bodyPr/>
+          <a:lstStyle/>
+          <a:p>
+            <a:fld id="{E80C50CD-E178-4744-9B35-B2F624D6C5E9}" type="datetimeFigureOut">
+              <a:rPr lang="en-US" smtClean="0"/>
+              <a:pPr/>
+              <a:t>6/18/2025</a:t>
+            </a:fld>
+            <a:endParaRPr lang="en-US"/>
+          </a:p>
+        </p:txBody>
+      </p:sp>
+      <p:sp>
+        <p:nvSpPr>
+          <p:cNvPr id="6" name="Footer Placeholder 5"/>
+          <p:cNvSpPr>
+            <a:spLocks noGrp="1"/>
+          </p:cNvSpPr>
+          <p:nvPr>
+            <p:ph type="ftr" sz="quarter" idx="11"/>
+          </p:nvPr>
+        </p:nvSpPr>
+        <p:spPr/>
+        <p:txBody>
+          <a:bodyPr/>
+          <a:lstStyle/>
+          <a:p>
+            <a:endParaRPr lang="en-US"/>
+          </a:p>
+        </p:txBody>
+      </p:sp>
+      <p:sp>
+        <p:nvSpPr>
+          <p:cNvPr id="7" name="Slide Number Placeholder 6"/>
+          <p:cNvSpPr>
+            <a:spLocks noGrp="1"/>
+          </p:cNvSpPr>
+          <p:nvPr>
+            <p:ph type="sldNum" sz="quarter" idx="12"/>
+          </p:nvPr>
+        </p:nvSpPr>
+        <p:spPr/>
+        <p:txBody>
+          <a:bodyPr/>
+          <a:lstStyle/>
+          <a:p>
+            <a:fld id="{148CC95F-0247-41B6-91CF-DC97C76A7088}" type="slidenum">
+              <a:rPr lang="en-US" smtClean="0"/>
+              <a:pPr/>
+              <a:t>‹#›</a:t>
+            </a:fld>
+            <a:endParaRPr lang="en-US"/>
+          </a:p>
+        </p:txBody>
+      </p:sp>
+    </p:spTree>
+    <p:extLst>
+      <p:ext uri="{BB962C8B-B14F-4D97-AF65-F5344CB8AC3E}">
+        <p14:creationId xmlns:p14="http://schemas.microsoft.com/office/powerpoint/2010/main" val="530515626"/>
+      </p:ext>
+    </p:extLst>
+  </p:cSld>
+  <p:clrMapOvr>
+    <a:masterClrMapping/>
+  </p:clrMapOvr>
+</p:sldLayout>
+</file>
+
+<file path=ppt/slideLayouts/slideLayout9.xml><?xml version="1.0" encoding="utf-8"?>
+<p:sldLayout xmlns:a="http://schemas.openxmlformats.org/drawingml/2006/main" xmlns:r="http://schemas.openxmlformats.org/officeDocument/2006/relationships" xmlns:p="http://schemas.openxmlformats.org/presentationml/2006/main" type="picTx" preserve="1">
+  <p:cSld name="Picture with Caption">
+    <p:spTree>
+      <p:nvGrpSpPr>
+        <p:cNvPr id="1" name=""/>
+        <p:cNvGrpSpPr/>
+        <p:nvPr/>
+      </p:nvGrpSpPr>
+      <p:grpSpPr>
+        <a:xfrm>
+          <a:off x="0" y="0"/>
+          <a:ext cx="0" cy="0"/>
+          <a:chOff x="0" y="0"/>
+          <a:chExt cx="0" cy="0"/>
+        </a:xfrm>
+      </p:grpSpPr>
+      <p:sp>
+        <p:nvSpPr>
+          <p:cNvPr id="2" name="Title 1"/>
+          <p:cNvSpPr>
+            <a:spLocks noGrp="1"/>
+          </p:cNvSpPr>
+          <p:nvPr>
+            <p:ph type="title"/>
+          </p:nvPr>
+        </p:nvSpPr>
+        <p:spPr>
+          <a:xfrm>
+            <a:off x="1482724" y="1752599"/>
+            <a:ext cx="5426158" cy="1371600"/>
+          </a:xfrm>
+        </p:spPr>
+        <p:txBody>
+          <a:bodyPr anchor="b">
+            <a:normAutofit/>
+          </a:bodyPr>
+          <a:lstStyle>
+            <a:lvl1pPr algn="ctr">
+              <a:defRPr sz="2800" b="0"/>
+            </a:lvl1pPr>
+          </a:lstStyle>
+          <a:p>
+            <a:r>
+              <a:rPr lang="en-US"/>
+              <a:t>Click to edit Master title style</a:t>
+            </a:r>
+            <a:endParaRPr lang="en-US" dirty="0"/>
+          </a:p>
+        </p:txBody>
+      </p:sp>
+      <p:sp>
+        <p:nvSpPr>
+          <p:cNvPr id="14" name="Picture Placeholder 2"/>
+          <p:cNvSpPr>
+            <a:spLocks noGrp="1" noChangeAspect="1"/>
+          </p:cNvSpPr>
+          <p:nvPr>
+            <p:ph type="pic" idx="1"/>
+          </p:nvPr>
+        </p:nvSpPr>
+        <p:spPr>
+          <a:xfrm>
+            <a:off x="7594682" y="914400"/>
+            <a:ext cx="3280974" cy="4572000"/>
+          </a:xfrm>
+          <a:prstGeom prst="roundRect">
+            <a:avLst>
+              <a:gd name="adj" fmla="val 4280"/>
+            </a:avLst>
+          </a:prstGeom>
+          <a:ln w="38100">
+            <a:gradFill flip="none" rotWithShape="1">
+              <a:gsLst>
+                <a:gs pos="0">
+                  <a:schemeClr val="bg2"/>
+                </a:gs>
+                <a:gs pos="100000">
+                  <a:schemeClr val="bg2">
+                    <a:lumMod val="75000"/>
+                  </a:schemeClr>
+                </a:gs>
+              </a:gsLst>
+              <a:lin ang="5400000" scaled="0"/>
+              <a:tileRect/>
+            </a:gradFill>
+          </a:ln>
+          <a:effectLst>
+            <a:innerShdw blurRad="57150" dist="38100" dir="14460000">
+              <a:srgbClr val="000000">
+                <a:alpha val="70000"/>
+              </a:srgbClr>
+            </a:innerShdw>
+          </a:effectLst>
+        </p:spPr>
+        <p:txBody>
+          <a:bodyPr anchor="t">
+            <a:normAutofit/>
+          </a:bodyPr>
+          <a:lstStyle>
+            <a:lvl1pPr marL="0" indent="0" algn="ctr">
+              <a:buNone/>
+              <a:defRPr sz="1600"/>
+            </a:lvl1pPr>
+            <a:lvl2pPr marL="457200" indent="0">
+              <a:buNone/>
+              <a:defRPr sz="1600"/>
+            </a:lvl2pPr>
+            <a:lvl3pPr marL="914400" indent="0">
+              <a:buNone/>
+              <a:defRPr sz="1600"/>
+            </a:lvl3pPr>
+            <a:lvl4pPr marL="1371600" indent="0">
+              <a:buNone/>
+              <a:defRPr sz="1600"/>
+            </a:lvl4pPr>
+            <a:lvl5pPr marL="1828800" indent="0">
+              <a:buNone/>
+              <a:defRPr sz="1600"/>
+            </a:lvl5pPr>
+            <a:lvl6pPr marL="2286000" indent="0">
+              <a:buNone/>
+              <a:defRPr sz="1600"/>
+            </a:lvl6pPr>
+            <a:lvl7pPr marL="2743200" indent="0">
+              <a:buNone/>
+              <a:defRPr sz="1600"/>
+            </a:lvl7pPr>
+            <a:lvl8pPr marL="3200400" indent="0">
+              <a:buNone/>
+              <a:defRPr sz="1600"/>
+            </a:lvl8pPr>
+            <a:lvl9pPr marL="3657600" indent="0">
+              <a:buNone/>
+              <a:defRPr sz="1600"/>
+            </a:lvl9pPr>
+          </a:lstStyle>
+          <a:p>
+            <a:r>
+              <a:rPr lang="en-US"/>
+              <a:t>Click icon to add picture</a:t>
+            </a:r>
+            <a:endParaRPr lang="en-US" dirty="0"/>
+          </a:p>
+        </p:txBody>
+      </p:sp>
+      <p:sp>
+        <p:nvSpPr>
+          <p:cNvPr id="4" name="Text Placeholder 3"/>
+          <p:cNvSpPr>
+            <a:spLocks noGrp="1"/>
+          </p:cNvSpPr>
+          <p:nvPr>
+            <p:ph type="body" sz="half" idx="2"/>
+          </p:nvPr>
+        </p:nvSpPr>
+        <p:spPr>
+          <a:xfrm>
+            <a:off x="1482724" y="3124199"/>
+            <a:ext cx="5426158" cy="1828800"/>
+          </a:xfrm>
+        </p:spPr>
+        <p:txBody>
+          <a:bodyPr>
+            <a:normAutofit/>
+          </a:bodyPr>
+          <a:lstStyle>
+            <a:lvl1pPr marL="0" indent="0" algn="ctr">
+              <a:buNone/>
+              <a:defRPr sz="1800"/>
+            </a:lvl1pPr>
+            <a:lvl2pPr marL="457200" indent="0">
+              <a:buNone/>
+              <a:defRPr sz="1200"/>
+            </a:lvl2pPr>
+            <a:lvl3pPr marL="914400" indent="0">
+              <a:buNone/>
+              <a:defRPr sz="1000"/>
+            </a:lvl3pPr>
+            <a:lvl4pPr marL="1371600" indent="0">
+              <a:buNone/>
+              <a:defRPr sz="900"/>
+            </a:lvl4pPr>
+            <a:lvl5pPr marL="1828800" indent="0">
+              <a:buNone/>
+              <a:defRPr sz="900"/>
+            </a:lvl5pPr>
+            <a:lvl6pPr marL="2286000" indent="0">
+              <a:buNone/>
+              <a:defRPr sz="900"/>
+            </a:lvl6pPr>
+            <a:lvl7pPr marL="2743200" indent="0">
+              <a:buNone/>
+              <a:defRPr sz="900"/>
+            </a:lvl7pPr>
+            <a:lvl8pPr marL="3200400" indent="0">
+              <a:buNone/>
+              <a:defRPr sz="900"/>
+            </a:lvl8pPr>
+            <a:lvl9pPr marL="3657600" indent="0">
+              <a:buNone/>
+              <a:defRPr sz="900"/>
+            </a:lvl9pPr>
+          </a:lstStyle>
+          <a:p>
+            <a:pPr lvl="0"/>
+            <a:r>
+              <a:rPr lang="en-US"/>
+              <a:t>Click to edit Master text styles</a:t>
+            </a:r>
+          </a:p>
+        </p:txBody>
+      </p:sp>
+      <p:sp>
+        <p:nvSpPr>
+          <p:cNvPr id="5" name="Date Placeholder 4"/>
+          <p:cNvSpPr>
+            <a:spLocks noGrp="1"/>
+          </p:cNvSpPr>
+          <p:nvPr>
+            <p:ph type="dt" sz="half" idx="10"/>
+          </p:nvPr>
+        </p:nvSpPr>
+        <p:spPr/>
+        <p:txBody>
+          <a:bodyPr/>
+          <a:lstStyle/>
+          <a:p>
+            <a:fld id="{E80C50CD-E178-4744-9B35-B2F624D6C5E9}" type="datetimeFigureOut">
+              <a:rPr lang="en-US" smtClean="0"/>
+              <a:pPr/>
+              <a:t>6/18/2025</a:t>
+            </a:fld>
+            <a:endParaRPr lang="en-US"/>
+          </a:p>
+        </p:txBody>
+      </p:sp>
+      <p:sp>
+        <p:nvSpPr>
+          <p:cNvPr id="6" name="Footer Placeholder 5"/>
+          <p:cNvSpPr>
+            <a:spLocks noGrp="1"/>
+          </p:cNvSpPr>
+          <p:nvPr>
+            <p:ph type="ftr" sz="quarter" idx="11"/>
+          </p:nvPr>
+        </p:nvSpPr>
+        <p:spPr/>
+        <p:txBody>
+          <a:bodyPr/>
+          <a:lstStyle/>
+          <a:p>
+            <a:endParaRPr lang="en-US"/>
+          </a:p>
+        </p:txBody>
+      </p:sp>
+      <p:sp>
+        <p:nvSpPr>
+          <p:cNvPr id="7" name="Slide Number Placeholder 6"/>
+          <p:cNvSpPr>
+            <a:spLocks noGrp="1"/>
+          </p:cNvSpPr>
+          <p:nvPr>
+            <p:ph type="sldNum" sz="quarter" idx="12"/>
+          </p:nvPr>
+        </p:nvSpPr>
+        <p:spPr/>
+        <p:txBody>
+          <a:bodyPr/>
+          <a:lstStyle/>
+          <a:p>
+            <a:fld id="{148CC95F-0247-41B6-91CF-DC97C76A7088}" type="slidenum">
+              <a:rPr lang="en-US" smtClean="0"/>
+              <a:pPr/>
+              <a:t>‹#›</a:t>
+            </a:fld>
+            <a:endParaRPr lang="en-US"/>
+          </a:p>
+        </p:txBody>
+      </p:sp>
+    </p:spTree>
+    <p:extLst>
+      <p:ext uri="{BB962C8B-B14F-4D97-AF65-F5344CB8AC3E}">
+        <p14:creationId xmlns:p14="http://schemas.microsoft.com/office/powerpoint/2010/main" val="1762466039"/>
       </p:ext>
     </p:extLst>
   </p:cSld>
@@ -4975,8 +9884,8 @@
 <p:sldMaster xmlns:a="http://schemas.openxmlformats.org/drawingml/2006/main" xmlns:r="http://schemas.openxmlformats.org/officeDocument/2006/relationships" xmlns:p="http://schemas.openxmlformats.org/presentationml/2006/main">
   <p:cSld>
     <p:bg>
-      <p:bgRef idx="1001">
-        <a:schemeClr val="bg1"/>
+      <p:bgRef idx="1003">
+        <a:schemeClr val="bg2"/>
       </p:bgRef>
     </p:bg>
     <p:spTree>
@@ -4993,15 +9902,325 @@
           <a:chExt cx="0" cy="0"/>
         </a:xfrm>
       </p:grpSpPr>
+      <p:grpSp>
+        <p:nvGrpSpPr>
+          <p:cNvPr id="7" name="Group 6"/>
+          <p:cNvGrpSpPr/>
+          <p:nvPr/>
+        </p:nvGrpSpPr>
+        <p:grpSpPr>
+          <a:xfrm>
+            <a:off x="150812" y="0"/>
+            <a:ext cx="2436813" cy="6858001"/>
+            <a:chOff x="1320800" y="0"/>
+            <a:chExt cx="2436813" cy="6858001"/>
+          </a:xfrm>
+        </p:grpSpPr>
+        <p:sp>
+          <p:nvSpPr>
+            <p:cNvPr id="8" name="Freeform 6"/>
+            <p:cNvSpPr/>
+            <p:nvPr/>
+          </p:nvSpPr>
+          <p:spPr bwMode="auto">
+            <a:xfrm>
+              <a:off x="1627188" y="0"/>
+              <a:ext cx="1122363" cy="5329238"/>
+            </a:xfrm>
+            <a:custGeom>
+              <a:avLst/>
+              <a:gdLst/>
+              <a:ahLst/>
+              <a:cxnLst/>
+              <a:rect l="0" t="0" r="r" b="b"/>
+              <a:pathLst>
+                <a:path w="707" h="3357">
+                  <a:moveTo>
+                    <a:pt x="0" y="3330"/>
+                  </a:moveTo>
+                  <a:lnTo>
+                    <a:pt x="156" y="3357"/>
+                  </a:lnTo>
+                  <a:lnTo>
+                    <a:pt x="707" y="0"/>
+                  </a:lnTo>
+                  <a:lnTo>
+                    <a:pt x="547" y="0"/>
+                  </a:lnTo>
+                  <a:lnTo>
+                    <a:pt x="0" y="3330"/>
+                  </a:lnTo>
+                  <a:close/>
+                </a:path>
+              </a:pathLst>
+            </a:custGeom>
+            <a:solidFill>
+              <a:schemeClr val="accent1"/>
+            </a:solidFill>
+            <a:ln>
+              <a:noFill/>
+            </a:ln>
+          </p:spPr>
+        </p:sp>
+        <p:sp>
+          <p:nvSpPr>
+            <p:cNvPr id="9" name="Freeform 7"/>
+            <p:cNvSpPr/>
+            <p:nvPr/>
+          </p:nvSpPr>
+          <p:spPr bwMode="auto">
+            <a:xfrm>
+              <a:off x="1320800" y="0"/>
+              <a:ext cx="1117600" cy="5276850"/>
+            </a:xfrm>
+            <a:custGeom>
+              <a:avLst/>
+              <a:gdLst/>
+              <a:ahLst/>
+              <a:cxnLst/>
+              <a:rect l="0" t="0" r="r" b="b"/>
+              <a:pathLst>
+                <a:path w="704" h="3324">
+                  <a:moveTo>
+                    <a:pt x="704" y="0"/>
+                  </a:moveTo>
+                  <a:lnTo>
+                    <a:pt x="545" y="0"/>
+                  </a:lnTo>
+                  <a:lnTo>
+                    <a:pt x="0" y="3300"/>
+                  </a:lnTo>
+                  <a:lnTo>
+                    <a:pt x="157" y="3324"/>
+                  </a:lnTo>
+                  <a:lnTo>
+                    <a:pt x="704" y="0"/>
+                  </a:lnTo>
+                  <a:close/>
+                </a:path>
+              </a:pathLst>
+            </a:custGeom>
+            <a:solidFill>
+              <a:schemeClr val="tx1">
+                <a:lumMod val="65000"/>
+                <a:lumOff val="35000"/>
+              </a:schemeClr>
+            </a:solidFill>
+            <a:ln>
+              <a:noFill/>
+            </a:ln>
+          </p:spPr>
+        </p:sp>
+        <p:sp>
+          <p:nvSpPr>
+            <p:cNvPr id="10" name="Freeform 8"/>
+            <p:cNvSpPr/>
+            <p:nvPr/>
+          </p:nvSpPr>
+          <p:spPr bwMode="auto">
+            <a:xfrm>
+              <a:off x="1320800" y="5238750"/>
+              <a:ext cx="1228725" cy="1619250"/>
+            </a:xfrm>
+            <a:custGeom>
+              <a:avLst/>
+              <a:gdLst/>
+              <a:ahLst/>
+              <a:cxnLst/>
+              <a:rect l="0" t="0" r="r" b="b"/>
+              <a:pathLst>
+                <a:path w="774" h="1020">
+                  <a:moveTo>
+                    <a:pt x="0" y="0"/>
+                  </a:moveTo>
+                  <a:lnTo>
+                    <a:pt x="740" y="1020"/>
+                  </a:lnTo>
+                  <a:lnTo>
+                    <a:pt x="774" y="1020"/>
+                  </a:lnTo>
+                  <a:lnTo>
+                    <a:pt x="0" y="0"/>
+                  </a:lnTo>
+                  <a:close/>
+                </a:path>
+              </a:pathLst>
+            </a:custGeom>
+            <a:solidFill>
+              <a:schemeClr val="tx1">
+                <a:lumMod val="85000"/>
+                <a:lumOff val="15000"/>
+              </a:schemeClr>
+            </a:solidFill>
+            <a:ln>
+              <a:noFill/>
+            </a:ln>
+          </p:spPr>
+        </p:sp>
+        <p:sp>
+          <p:nvSpPr>
+            <p:cNvPr id="11" name="Freeform 9"/>
+            <p:cNvSpPr/>
+            <p:nvPr/>
+          </p:nvSpPr>
+          <p:spPr bwMode="auto">
+            <a:xfrm>
+              <a:off x="1627188" y="5291138"/>
+              <a:ext cx="1495425" cy="1566863"/>
+            </a:xfrm>
+            <a:custGeom>
+              <a:avLst/>
+              <a:gdLst/>
+              <a:ahLst/>
+              <a:cxnLst/>
+              <a:rect l="0" t="0" r="r" b="b"/>
+              <a:pathLst>
+                <a:path w="942" h="987">
+                  <a:moveTo>
+                    <a:pt x="0" y="0"/>
+                  </a:moveTo>
+                  <a:lnTo>
+                    <a:pt x="909" y="987"/>
+                  </a:lnTo>
+                  <a:lnTo>
+                    <a:pt x="942" y="987"/>
+                  </a:lnTo>
+                  <a:lnTo>
+                    <a:pt x="0" y="0"/>
+                  </a:lnTo>
+                  <a:close/>
+                </a:path>
+              </a:pathLst>
+            </a:custGeom>
+            <a:solidFill>
+              <a:schemeClr val="accent1">
+                <a:lumMod val="50000"/>
+              </a:schemeClr>
+            </a:solidFill>
+            <a:ln>
+              <a:noFill/>
+            </a:ln>
+          </p:spPr>
+        </p:sp>
+        <p:sp>
+          <p:nvSpPr>
+            <p:cNvPr id="12" name="Freeform 10"/>
+            <p:cNvSpPr/>
+            <p:nvPr/>
+          </p:nvSpPr>
+          <p:spPr bwMode="auto">
+            <a:xfrm>
+              <a:off x="1627188" y="5286375"/>
+              <a:ext cx="2130425" cy="1571625"/>
+            </a:xfrm>
+            <a:custGeom>
+              <a:avLst/>
+              <a:gdLst/>
+              <a:ahLst/>
+              <a:cxnLst/>
+              <a:rect l="0" t="0" r="r" b="b"/>
+              <a:pathLst>
+                <a:path w="1342" h="990">
+                  <a:moveTo>
+                    <a:pt x="0" y="3"/>
+                  </a:moveTo>
+                  <a:lnTo>
+                    <a:pt x="942" y="990"/>
+                  </a:lnTo>
+                  <a:lnTo>
+                    <a:pt x="1342" y="990"/>
+                  </a:lnTo>
+                  <a:lnTo>
+                    <a:pt x="156" y="27"/>
+                  </a:lnTo>
+                  <a:lnTo>
+                    <a:pt x="0" y="0"/>
+                  </a:lnTo>
+                  <a:lnTo>
+                    <a:pt x="0" y="3"/>
+                  </a:lnTo>
+                  <a:close/>
+                </a:path>
+              </a:pathLst>
+            </a:custGeom>
+            <a:solidFill>
+              <a:schemeClr val="accent1">
+                <a:lumMod val="75000"/>
+              </a:schemeClr>
+            </a:solidFill>
+            <a:ln>
+              <a:noFill/>
+            </a:ln>
+          </p:spPr>
+        </p:sp>
+        <p:sp>
+          <p:nvSpPr>
+            <p:cNvPr id="13" name="Freeform 11"/>
+            <p:cNvSpPr/>
+            <p:nvPr/>
+          </p:nvSpPr>
+          <p:spPr bwMode="auto">
+            <a:xfrm>
+              <a:off x="1320800" y="5238750"/>
+              <a:ext cx="1695450" cy="1619250"/>
+            </a:xfrm>
+            <a:custGeom>
+              <a:avLst/>
+              <a:gdLst/>
+              <a:ahLst/>
+              <a:cxnLst/>
+              <a:rect l="0" t="0" r="r" b="b"/>
+              <a:pathLst>
+                <a:path w="1068" h="1020">
+                  <a:moveTo>
+                    <a:pt x="1068" y="1020"/>
+                  </a:moveTo>
+                  <a:lnTo>
+                    <a:pt x="184" y="60"/>
+                  </a:lnTo>
+                  <a:lnTo>
+                    <a:pt x="154" y="27"/>
+                  </a:lnTo>
+                  <a:lnTo>
+                    <a:pt x="157" y="27"/>
+                  </a:lnTo>
+                  <a:lnTo>
+                    <a:pt x="157" y="24"/>
+                  </a:lnTo>
+                  <a:lnTo>
+                    <a:pt x="154" y="24"/>
+                  </a:lnTo>
+                  <a:lnTo>
+                    <a:pt x="0" y="0"/>
+                  </a:lnTo>
+                  <a:lnTo>
+                    <a:pt x="0" y="0"/>
+                  </a:lnTo>
+                  <a:lnTo>
+                    <a:pt x="774" y="1020"/>
+                  </a:lnTo>
+                  <a:lnTo>
+                    <a:pt x="1068" y="1020"/>
+                  </a:lnTo>
+                  <a:close/>
+                </a:path>
+              </a:pathLst>
+            </a:custGeom>
+            <a:solidFill>
+              <a:schemeClr val="tx1">
+                <a:lumMod val="75000"/>
+                <a:lumOff val="25000"/>
+              </a:schemeClr>
+            </a:solidFill>
+            <a:ln>
+              <a:noFill/>
+            </a:ln>
+          </p:spPr>
+        </p:sp>
+      </p:grpSp>
       <p:sp>
         <p:nvSpPr>
-          <p:cNvPr id="2" name="Title Placeholder 1">
-            <a:extLst>
-              <a:ext uri="{FF2B5EF4-FFF2-40B4-BE49-F238E27FC236}">
-                <a16:creationId xmlns:a16="http://schemas.microsoft.com/office/drawing/2014/main" id="{C31A28D7-6581-4956-AAE3-9104804DF55B}"/>
-              </a:ext>
-            </a:extLst>
-          </p:cNvPr>
+          <p:cNvPr id="2" name="Title Placeholder 1"/>
           <p:cNvSpPr>
             <a:spLocks noGrp="1"/>
           </p:cNvSpPr>
@@ -5011,15 +10230,16 @@
         </p:nvSpPr>
         <p:spPr>
           <a:xfrm>
-            <a:off x="521208" y="978408"/>
-            <a:ext cx="11155680" cy="1463040"/>
+            <a:off x="1484311" y="685800"/>
+            <a:ext cx="10018713" cy="1752599"/>
           </a:xfrm>
           <a:prstGeom prst="rect">
             <a:avLst/>
           </a:prstGeom>
+          <a:effectLst/>
         </p:spPr>
         <p:txBody>
-          <a:bodyPr vert="horz" lIns="91440" tIns="45720" rIns="91440" bIns="45720" rtlCol="0" anchor="t">
+          <a:bodyPr vert="horz" lIns="91440" tIns="45720" rIns="91440" bIns="45720" rtlCol="0" anchor="ctr">
             <a:normAutofit/>
           </a:bodyPr>
           <a:lstStyle/>
@@ -5028,18 +10248,13 @@
               <a:rPr lang="en-US"/>
               <a:t>Click to edit Master title style</a:t>
             </a:r>
+            <a:endParaRPr lang="en-US" dirty="0"/>
           </a:p>
         </p:txBody>
       </p:sp>
       <p:sp>
         <p:nvSpPr>
-          <p:cNvPr id="3" name="Text Placeholder 2">
-            <a:extLst>
-              <a:ext uri="{FF2B5EF4-FFF2-40B4-BE49-F238E27FC236}">
-                <a16:creationId xmlns:a16="http://schemas.microsoft.com/office/drawing/2014/main" id="{F3CFCCA4-57A4-08A1-FC45-D2BBA66FABFA}"/>
-              </a:ext>
-            </a:extLst>
-          </p:cNvPr>
+          <p:cNvPr id="3" name="Text Placeholder 2"/>
           <p:cNvSpPr>
             <a:spLocks noGrp="1"/>
           </p:cNvSpPr>
@@ -5049,15 +10264,15 @@
         </p:nvSpPr>
         <p:spPr>
           <a:xfrm>
-            <a:off x="521208" y="2578608"/>
-            <a:ext cx="11155680" cy="3767328"/>
+            <a:off x="1484310" y="2666999"/>
+            <a:ext cx="10018713" cy="3124201"/>
           </a:xfrm>
           <a:prstGeom prst="rect">
             <a:avLst/>
           </a:prstGeom>
         </p:spPr>
         <p:txBody>
-          <a:bodyPr vert="horz" lIns="91440" tIns="45720" rIns="91440" bIns="45720" rtlCol="0">
+          <a:bodyPr vert="horz" lIns="91440" tIns="45720" rIns="91440" bIns="45720" rtlCol="0" anchor="ctr">
             <a:normAutofit/>
           </a:bodyPr>
           <a:lstStyle/>
@@ -5095,18 +10310,13 @@
               <a:rPr lang="en-US"/>
               <a:t>Fifth level</a:t>
             </a:r>
+            <a:endParaRPr lang="en-US" dirty="0"/>
           </a:p>
         </p:txBody>
       </p:sp>
       <p:sp>
         <p:nvSpPr>
-          <p:cNvPr id="4" name="Date Placeholder 3">
-            <a:extLst>
-              <a:ext uri="{FF2B5EF4-FFF2-40B4-BE49-F238E27FC236}">
-                <a16:creationId xmlns:a16="http://schemas.microsoft.com/office/drawing/2014/main" id="{B0FAA0F4-2442-8D45-3C3D-1B8F55C8683A}"/>
-              </a:ext>
-            </a:extLst>
-          </p:cNvPr>
+          <p:cNvPr id="4" name="Date Placeholder 3"/>
           <p:cNvSpPr>
             <a:spLocks noGrp="1"/>
           </p:cNvSpPr>
@@ -5116,8 +10326,50 @@
         </p:nvSpPr>
         <p:spPr>
           <a:xfrm>
-            <a:off x="521208" y="6419088"/>
-            <a:ext cx="2743200" cy="365125"/>
+            <a:off x="9732656" y="5883275"/>
+            <a:ext cx="1143000" cy="365125"/>
+          </a:xfrm>
+          <a:prstGeom prst="rect">
+            <a:avLst/>
+          </a:prstGeom>
+        </p:spPr>
+        <p:txBody>
+          <a:bodyPr vert="horz" lIns="91440" tIns="45720" rIns="91440" bIns="45720" rtlCol="0" anchor="ctr"/>
+          <a:lstStyle>
+            <a:lvl1pPr algn="r">
+              <a:defRPr sz="1000" b="0" i="0">
+                <a:solidFill>
+                  <a:schemeClr val="tx1"/>
+                </a:solidFill>
+                <a:effectLst/>
+                <a:latin typeface="+mn-lt"/>
+              </a:defRPr>
+            </a:lvl1pPr>
+          </a:lstStyle>
+          <a:p>
+            <a:fld id="{E80C50CD-E178-4744-9B35-B2F624D6C5E9}" type="datetimeFigureOut">
+              <a:rPr lang="en-US" smtClean="0"/>
+              <a:pPr/>
+              <a:t>6/18/2025</a:t>
+            </a:fld>
+            <a:endParaRPr lang="en-US"/>
+          </a:p>
+        </p:txBody>
+      </p:sp>
+      <p:sp>
+        <p:nvSpPr>
+          <p:cNvPr id="5" name="Footer Placeholder 4"/>
+          <p:cNvSpPr>
+            <a:spLocks noGrp="1"/>
+          </p:cNvSpPr>
+          <p:nvPr>
+            <p:ph type="ftr" sz="quarter" idx="3"/>
+          </p:nvPr>
+        </p:nvSpPr>
+        <p:spPr>
+          <a:xfrm>
+            <a:off x="2572279" y="5883275"/>
+            <a:ext cx="7084177" cy="365125"/>
           </a:xfrm>
           <a:prstGeom prst="rect">
             <a:avLst/>
@@ -5127,73 +10379,23 @@
           <a:bodyPr vert="horz" lIns="91440" tIns="45720" rIns="91440" bIns="45720" rtlCol="0" anchor="ctr"/>
           <a:lstStyle>
             <a:lvl1pPr algn="l">
-              <a:defRPr sz="900">
+              <a:defRPr sz="1000" b="0" i="0">
                 <a:solidFill>
                   <a:schemeClr val="tx1"/>
                 </a:solidFill>
+                <a:effectLst/>
+                <a:latin typeface="+mn-lt"/>
               </a:defRPr>
             </a:lvl1pPr>
           </a:lstStyle>
           <a:p>
-            <a:fld id="{E80C50CD-E178-4744-9B35-B2F624D6C5E9}" type="datetimeFigureOut">
-              <a:rPr lang="en-US" smtClean="0"/>
-              <a:pPr/>
-              <a:t>6/12/2025</a:t>
-            </a:fld>
             <a:endParaRPr lang="en-US"/>
           </a:p>
         </p:txBody>
       </p:sp>
       <p:sp>
         <p:nvSpPr>
-          <p:cNvPr id="5" name="Footer Placeholder 4">
-            <a:extLst>
-              <a:ext uri="{FF2B5EF4-FFF2-40B4-BE49-F238E27FC236}">
-                <a16:creationId xmlns:a16="http://schemas.microsoft.com/office/drawing/2014/main" id="{9E03785E-FB42-1D54-92AC-D0A61A8FABD4}"/>
-              </a:ext>
-            </a:extLst>
-          </p:cNvPr>
-          <p:cNvSpPr>
-            <a:spLocks noGrp="1"/>
-          </p:cNvSpPr>
-          <p:nvPr>
-            <p:ph type="ftr" sz="quarter" idx="3"/>
-          </p:nvPr>
-        </p:nvSpPr>
-        <p:spPr>
-          <a:xfrm>
-            <a:off x="521208" y="100584"/>
-            <a:ext cx="4114800" cy="365125"/>
-          </a:xfrm>
-          <a:prstGeom prst="rect">
-            <a:avLst/>
-          </a:prstGeom>
-        </p:spPr>
-        <p:txBody>
-          <a:bodyPr vert="horz" lIns="91440" tIns="45720" rIns="91440" bIns="45720" rtlCol="0" anchor="ctr"/>
-          <a:lstStyle>
-            <a:lvl1pPr algn="l">
-              <a:defRPr sz="900">
-                <a:solidFill>
-                  <a:schemeClr val="tx1"/>
-                </a:solidFill>
-              </a:defRPr>
-            </a:lvl1pPr>
-          </a:lstStyle>
-          <a:p>
-            <a:endParaRPr lang="en-US"/>
-          </a:p>
-        </p:txBody>
-      </p:sp>
-      <p:sp>
-        <p:nvSpPr>
-          <p:cNvPr id="6" name="Slide Number Placeholder 5">
-            <a:extLst>
-              <a:ext uri="{FF2B5EF4-FFF2-40B4-BE49-F238E27FC236}">
-                <a16:creationId xmlns:a16="http://schemas.microsoft.com/office/drawing/2014/main" id="{BCC9CF34-1274-DB45-4809-90E5D244A9AE}"/>
-              </a:ext>
-            </a:extLst>
-          </p:cNvPr>
+          <p:cNvPr id="6" name="Slide Number Placeholder 5"/>
           <p:cNvSpPr>
             <a:spLocks noGrp="1"/>
           </p:cNvSpPr>
@@ -5203,8 +10405,8 @@
         </p:nvSpPr>
         <p:spPr>
           <a:xfrm>
-            <a:off x="11457432" y="6419088"/>
-            <a:ext cx="640080" cy="365125"/>
+            <a:off x="10951856" y="5883275"/>
+            <a:ext cx="551167" cy="365125"/>
           </a:xfrm>
           <a:prstGeom prst="rect">
             <a:avLst/>
@@ -5214,10 +10416,12 @@
           <a:bodyPr vert="horz" lIns="91440" tIns="45720" rIns="91440" bIns="45720" rtlCol="0" anchor="ctr"/>
           <a:lstStyle>
             <a:lvl1pPr algn="r">
-              <a:defRPr sz="900">
+              <a:defRPr sz="1000" b="0" i="0">
                 <a:solidFill>
                   <a:schemeClr val="tx1"/>
                 </a:solidFill>
+                <a:effectLst/>
+                <a:latin typeface="+mn-lt"/>
               </a:defRPr>
             </a:lvl1pPr>
           </a:lstStyle>
@@ -5231,295 +10435,331 @@
           </a:p>
         </p:txBody>
       </p:sp>
-      <p:sp>
-        <p:nvSpPr>
-          <p:cNvPr id="7" name="Freeform: Shape 6">
-            <a:extLst>
-              <a:ext uri="{FF2B5EF4-FFF2-40B4-BE49-F238E27FC236}">
-                <a16:creationId xmlns:a16="http://schemas.microsoft.com/office/drawing/2014/main" id="{774A975B-A886-5202-0489-6965514A0D14}"/>
-              </a:ext>
-              <a:ext uri="{C183D7F6-B498-43B3-948B-1728B52AA6E4}">
-                <adec:decorative xmlns:adec="http://schemas.microsoft.com/office/drawing/2017/decorative" val="1"/>
-              </a:ext>
-            </a:extLst>
-          </p:cNvPr>
-          <p:cNvSpPr/>
-          <p:nvPr/>
-        </p:nvSpPr>
-        <p:spPr>
-          <a:xfrm>
-            <a:off x="517869" y="508090"/>
-            <a:ext cx="11153214" cy="149279"/>
-          </a:xfrm>
-          <a:custGeom>
-            <a:avLst/>
-            <a:gdLst>
-              <a:gd name="connsiteX0" fmla="*/ 0 w 8085002"/>
-              <a:gd name="connsiteY0" fmla="*/ 0 h 149279"/>
-              <a:gd name="connsiteX1" fmla="*/ 8085002 w 8085002"/>
-              <a:gd name="connsiteY1" fmla="*/ 0 h 149279"/>
-              <a:gd name="connsiteX2" fmla="*/ 8085002 w 8085002"/>
-              <a:gd name="connsiteY2" fmla="*/ 149279 h 149279"/>
-              <a:gd name="connsiteX3" fmla="*/ 0 w 8085002"/>
-              <a:gd name="connsiteY3" fmla="*/ 149279 h 149279"/>
-            </a:gdLst>
-            <a:ahLst/>
-            <a:cxnLst>
-              <a:cxn ang="0">
-                <a:pos x="connsiteX0" y="connsiteY0"/>
-              </a:cxn>
-              <a:cxn ang="0">
-                <a:pos x="connsiteX1" y="connsiteY1"/>
-              </a:cxn>
-              <a:cxn ang="0">
-                <a:pos x="connsiteX2" y="connsiteY2"/>
-              </a:cxn>
-              <a:cxn ang="0">
-                <a:pos x="connsiteX3" y="connsiteY3"/>
-              </a:cxn>
-            </a:cxnLst>
-            <a:rect l="l" t="t" r="r" b="b"/>
-            <a:pathLst>
-              <a:path w="8085002" h="149279">
-                <a:moveTo>
-                  <a:pt x="0" y="0"/>
-                </a:moveTo>
-                <a:lnTo>
-                  <a:pt x="8085002" y="0"/>
-                </a:lnTo>
-                <a:lnTo>
-                  <a:pt x="8085002" y="149279"/>
-                </a:lnTo>
-                <a:lnTo>
-                  <a:pt x="0" y="149279"/>
-                </a:lnTo>
-                <a:close/>
-              </a:path>
-            </a:pathLst>
-          </a:custGeom>
-          <a:solidFill>
-            <a:schemeClr val="tx1"/>
-          </a:solidFill>
-          <a:ln>
-            <a:noFill/>
-          </a:ln>
-        </p:spPr>
-        <p:style>
-          <a:lnRef idx="2">
-            <a:schemeClr val="accent1">
-              <a:shade val="50000"/>
-            </a:schemeClr>
-          </a:lnRef>
-          <a:fillRef idx="1">
-            <a:schemeClr val="accent1"/>
-          </a:fillRef>
-          <a:effectRef idx="0">
-            <a:schemeClr val="accent1"/>
-          </a:effectRef>
-          <a:fontRef idx="minor">
-            <a:schemeClr val="lt1"/>
-          </a:fontRef>
-        </p:style>
-        <p:txBody>
-          <a:bodyPr wrap="square" rtlCol="0" anchor="ctr">
-            <a:noAutofit/>
-          </a:bodyPr>
-          <a:lstStyle/>
-          <a:p>
-            <a:pPr algn="ctr"/>
-            <a:endParaRPr lang="en-US"/>
-          </a:p>
-        </p:txBody>
-      </p:sp>
     </p:spTree>
     <p:extLst>
       <p:ext uri="{BB962C8B-B14F-4D97-AF65-F5344CB8AC3E}">
-        <p14:creationId xmlns:p14="http://schemas.microsoft.com/office/powerpoint/2010/main" val="3294838871"/>
+        <p14:creationId xmlns:p14="http://schemas.microsoft.com/office/powerpoint/2010/main" val="1958915791"/>
       </p:ext>
     </p:extLst>
   </p:cSld>
   <p:clrMap bg1="lt1" tx1="dk1" bg2="lt2" tx2="dk2" accent1="accent1" accent2="accent2" accent3="accent3" accent4="accent4" accent5="accent5" accent6="accent6" hlink="hlink" folHlink="folHlink"/>
   <p:sldLayoutIdLst>
-    <p:sldLayoutId id="2147483717" r:id="rId1"/>
+    <p:sldLayoutId id="2147483750" r:id="rId1"/>
+    <p:sldLayoutId id="2147483751" r:id="rId2"/>
+    <p:sldLayoutId id="2147483752" r:id="rId3"/>
+    <p:sldLayoutId id="2147483753" r:id="rId4"/>
+    <p:sldLayoutId id="2147483754" r:id="rId5"/>
+    <p:sldLayoutId id="2147483755" r:id="rId6"/>
+    <p:sldLayoutId id="2147483756" r:id="rId7"/>
+    <p:sldLayoutId id="2147483757" r:id="rId8"/>
+    <p:sldLayoutId id="2147483758" r:id="rId9"/>
+    <p:sldLayoutId id="2147483759" r:id="rId10"/>
+    <p:sldLayoutId id="2147483760" r:id="rId11"/>
+    <p:sldLayoutId id="2147483761" r:id="rId12"/>
+    <p:sldLayoutId id="2147483762" r:id="rId13"/>
+    <p:sldLayoutId id="2147483763" r:id="rId14"/>
+    <p:sldLayoutId id="2147483764" r:id="rId15"/>
+    <p:sldLayoutId id="2147483765" r:id="rId16"/>
+    <p:sldLayoutId id="2147483766" r:id="rId17"/>
   </p:sldLayoutIdLst>
   <p:txStyles>
     <p:titleStyle>
-      <a:lvl1pPr algn="l" defTabSz="914400" rtl="0" eaLnBrk="1" latinLnBrk="0" hangingPunct="1">
-        <a:lnSpc>
-          <a:spcPct val="100000"/>
-        </a:lnSpc>
+      <a:lvl1pPr algn="ctr" defTabSz="457200" rtl="0" eaLnBrk="1" latinLnBrk="0" hangingPunct="1">
         <a:spcBef>
           <a:spcPct val="0"/>
         </a:spcBef>
         <a:buNone/>
-        <a:defRPr sz="4400" b="1" kern="1200">
+        <a:defRPr sz="4000" kern="1200" cap="none">
+          <a:ln w="3175" cmpd="sng">
+            <a:noFill/>
+          </a:ln>
           <a:solidFill>
             <a:schemeClr val="tx1"/>
           </a:solidFill>
+          <a:effectLst/>
           <a:latin typeface="+mj-lt"/>
           <a:ea typeface="+mj-ea"/>
           <a:cs typeface="+mj-cs"/>
         </a:defRPr>
       </a:lvl1pPr>
+      <a:lvl2pPr eaLnBrk="1" hangingPunct="1">
+        <a:defRPr>
+          <a:solidFill>
+            <a:schemeClr val="tx2"/>
+          </a:solidFill>
+        </a:defRPr>
+      </a:lvl2pPr>
+      <a:lvl3pPr eaLnBrk="1" hangingPunct="1">
+        <a:defRPr>
+          <a:solidFill>
+            <a:schemeClr val="tx2"/>
+          </a:solidFill>
+        </a:defRPr>
+      </a:lvl3pPr>
+      <a:lvl4pPr eaLnBrk="1" hangingPunct="1">
+        <a:defRPr>
+          <a:solidFill>
+            <a:schemeClr val="tx2"/>
+          </a:solidFill>
+        </a:defRPr>
+      </a:lvl4pPr>
+      <a:lvl5pPr eaLnBrk="1" hangingPunct="1">
+        <a:defRPr>
+          <a:solidFill>
+            <a:schemeClr val="tx2"/>
+          </a:solidFill>
+        </a:defRPr>
+      </a:lvl5pPr>
+      <a:lvl6pPr eaLnBrk="1" hangingPunct="1">
+        <a:defRPr>
+          <a:solidFill>
+            <a:schemeClr val="tx2"/>
+          </a:solidFill>
+        </a:defRPr>
+      </a:lvl6pPr>
+      <a:lvl7pPr eaLnBrk="1" hangingPunct="1">
+        <a:defRPr>
+          <a:solidFill>
+            <a:schemeClr val="tx2"/>
+          </a:solidFill>
+        </a:defRPr>
+      </a:lvl7pPr>
+      <a:lvl8pPr eaLnBrk="1" hangingPunct="1">
+        <a:defRPr>
+          <a:solidFill>
+            <a:schemeClr val="tx2"/>
+          </a:solidFill>
+        </a:defRPr>
+      </a:lvl8pPr>
+      <a:lvl9pPr eaLnBrk="1" hangingPunct="1">
+        <a:defRPr>
+          <a:solidFill>
+            <a:schemeClr val="tx2"/>
+          </a:solidFill>
+        </a:defRPr>
+      </a:lvl9pPr>
     </p:titleStyle>
     <p:bodyStyle>
-      <a:lvl1pPr marL="228600" indent="-228600" algn="l" defTabSz="914400" rtl="0" eaLnBrk="1" latinLnBrk="0" hangingPunct="1">
-        <a:lnSpc>
-          <a:spcPct val="110000"/>
-        </a:lnSpc>
+      <a:lvl1pPr marL="285750" indent="-285750" algn="l" defTabSz="457200" rtl="0" eaLnBrk="1" latinLnBrk="0" hangingPunct="1">
         <a:spcBef>
-          <a:spcPts val="1000"/>
+          <a:spcPct val="20000"/>
         </a:spcBef>
-        <a:buFont typeface="Arial" panose="020B0604020202020204" pitchFamily="34" charset="0"/>
+        <a:spcAft>
+          <a:spcPts val="600"/>
+        </a:spcAft>
+        <a:buClr>
+          <a:schemeClr val="accent1">
+            <a:lumMod val="75000"/>
+          </a:schemeClr>
+        </a:buClr>
+        <a:buSzPct val="145000"/>
+        <a:buFont typeface="Arial"/>
         <a:buChar char="•"/>
-        <a:defRPr sz="1800" kern="1200">
+        <a:defRPr sz="2400" kern="1200" cap="none">
           <a:solidFill>
             <a:schemeClr val="tx1"/>
           </a:solidFill>
+          <a:effectLst/>
           <a:latin typeface="+mn-lt"/>
           <a:ea typeface="+mn-ea"/>
           <a:cs typeface="+mn-cs"/>
         </a:defRPr>
       </a:lvl1pPr>
-      <a:lvl2pPr marL="685800" indent="-228600" algn="l" defTabSz="914400" rtl="0" eaLnBrk="1" latinLnBrk="0" hangingPunct="1">
-        <a:lnSpc>
-          <a:spcPct val="110000"/>
-        </a:lnSpc>
+      <a:lvl2pPr marL="742950" indent="-285750" algn="l" defTabSz="457200" rtl="0" eaLnBrk="1" latinLnBrk="0" hangingPunct="1">
         <a:spcBef>
-          <a:spcPts val="500"/>
+          <a:spcPct val="20000"/>
         </a:spcBef>
-        <a:buFont typeface="Arial" panose="020B0604020202020204" pitchFamily="34" charset="0"/>
+        <a:spcAft>
+          <a:spcPts val="600"/>
+        </a:spcAft>
+        <a:buClr>
+          <a:schemeClr val="accent1">
+            <a:lumMod val="75000"/>
+          </a:schemeClr>
+        </a:buClr>
+        <a:buSzPct val="145000"/>
+        <a:buFont typeface="Arial"/>
         <a:buChar char="•"/>
-        <a:defRPr sz="1600" kern="1200">
+        <a:defRPr sz="2000" kern="1200" cap="none">
           <a:solidFill>
             <a:schemeClr val="tx1"/>
           </a:solidFill>
+          <a:effectLst/>
           <a:latin typeface="+mn-lt"/>
           <a:ea typeface="+mn-ea"/>
           <a:cs typeface="+mn-cs"/>
         </a:defRPr>
       </a:lvl2pPr>
-      <a:lvl3pPr marL="1143000" indent="-228600" algn="l" defTabSz="914400" rtl="0" eaLnBrk="1" latinLnBrk="0" hangingPunct="1">
-        <a:lnSpc>
-          <a:spcPct val="110000"/>
-        </a:lnSpc>
+      <a:lvl3pPr marL="1200150" indent="-285750" algn="l" defTabSz="457200" rtl="0" eaLnBrk="1" latinLnBrk="0" hangingPunct="1">
         <a:spcBef>
-          <a:spcPts val="500"/>
+          <a:spcPct val="20000"/>
         </a:spcBef>
-        <a:buFont typeface="Arial" panose="020B0604020202020204" pitchFamily="34" charset="0"/>
+        <a:spcAft>
+          <a:spcPts val="600"/>
+        </a:spcAft>
+        <a:buClr>
+          <a:schemeClr val="accent1">
+            <a:lumMod val="75000"/>
+          </a:schemeClr>
+        </a:buClr>
+        <a:buSzPct val="145000"/>
+        <a:buFont typeface="Arial"/>
         <a:buChar char="•"/>
-        <a:defRPr sz="1400" kern="1200">
+        <a:defRPr sz="1800" kern="1200" cap="none">
           <a:solidFill>
             <a:schemeClr val="tx1"/>
           </a:solidFill>
+          <a:effectLst/>
           <a:latin typeface="+mn-lt"/>
           <a:ea typeface="+mn-ea"/>
           <a:cs typeface="+mn-cs"/>
         </a:defRPr>
       </a:lvl3pPr>
-      <a:lvl4pPr marL="1600200" indent="-228600" algn="l" defTabSz="914400" rtl="0" eaLnBrk="1" latinLnBrk="0" hangingPunct="1">
-        <a:lnSpc>
-          <a:spcPct val="110000"/>
-        </a:lnSpc>
+      <a:lvl4pPr marL="1543050" indent="-171450" algn="l" defTabSz="457200" rtl="0" eaLnBrk="1" latinLnBrk="0" hangingPunct="1">
         <a:spcBef>
-          <a:spcPts val="500"/>
+          <a:spcPct val="20000"/>
         </a:spcBef>
-        <a:buFont typeface="Arial" panose="020B0604020202020204" pitchFamily="34" charset="0"/>
+        <a:spcAft>
+          <a:spcPts val="600"/>
+        </a:spcAft>
+        <a:buClr>
+          <a:schemeClr val="accent1">
+            <a:lumMod val="75000"/>
+          </a:schemeClr>
+        </a:buClr>
+        <a:buSzPct val="145000"/>
+        <a:buFont typeface="Arial"/>
         <a:buChar char="•"/>
-        <a:defRPr sz="1200" kern="1200">
+        <a:defRPr sz="1600" kern="1200" cap="none">
           <a:solidFill>
             <a:schemeClr val="tx1"/>
           </a:solidFill>
+          <a:effectLst/>
           <a:latin typeface="+mn-lt"/>
           <a:ea typeface="+mn-ea"/>
           <a:cs typeface="+mn-cs"/>
         </a:defRPr>
       </a:lvl4pPr>
-      <a:lvl5pPr marL="2057400" indent="-228600" algn="l" defTabSz="914400" rtl="0" eaLnBrk="1" latinLnBrk="0" hangingPunct="1">
-        <a:lnSpc>
-          <a:spcPct val="110000"/>
-        </a:lnSpc>
+      <a:lvl5pPr marL="2000250" indent="-171450" algn="l" defTabSz="457200" rtl="0" eaLnBrk="1" latinLnBrk="0" hangingPunct="1">
         <a:spcBef>
-          <a:spcPts val="500"/>
+          <a:spcPct val="20000"/>
         </a:spcBef>
-        <a:buFont typeface="Arial" panose="020B0604020202020204" pitchFamily="34" charset="0"/>
+        <a:spcAft>
+          <a:spcPts val="600"/>
+        </a:spcAft>
+        <a:buClr>
+          <a:schemeClr val="accent1">
+            <a:lumMod val="75000"/>
+          </a:schemeClr>
+        </a:buClr>
+        <a:buSzPct val="145000"/>
+        <a:buFont typeface="Arial"/>
         <a:buChar char="•"/>
-        <a:defRPr sz="1200" kern="1200">
+        <a:defRPr sz="1400" kern="1200" cap="none">
           <a:solidFill>
             <a:schemeClr val="tx1"/>
           </a:solidFill>
+          <a:effectLst/>
           <a:latin typeface="+mn-lt"/>
           <a:ea typeface="+mn-ea"/>
           <a:cs typeface="+mn-cs"/>
         </a:defRPr>
       </a:lvl5pPr>
-      <a:lvl6pPr marL="2514600" indent="-228600" algn="l" defTabSz="914400" rtl="0" eaLnBrk="1" latinLnBrk="0" hangingPunct="1">
-        <a:lnSpc>
-          <a:spcPct val="90000"/>
-        </a:lnSpc>
+      <a:lvl6pPr marL="2514600" indent="-228600" algn="l" defTabSz="457200" rtl="0" eaLnBrk="1" latinLnBrk="0" hangingPunct="1">
         <a:spcBef>
-          <a:spcPts val="500"/>
+          <a:spcPct val="20000"/>
         </a:spcBef>
-        <a:buFont typeface="Arial" panose="020B0604020202020204" pitchFamily="34" charset="0"/>
+        <a:spcAft>
+          <a:spcPts val="600"/>
+        </a:spcAft>
+        <a:buClr>
+          <a:schemeClr val="accent1">
+            <a:lumMod val="75000"/>
+          </a:schemeClr>
+        </a:buClr>
+        <a:buSzPct val="145000"/>
+        <a:buFont typeface="Arial"/>
         <a:buChar char="•"/>
-        <a:defRPr sz="1800" kern="1200">
+        <a:defRPr sz="1400" kern="1200" cap="none">
           <a:solidFill>
             <a:schemeClr val="tx1"/>
           </a:solidFill>
+          <a:effectLst/>
           <a:latin typeface="+mn-lt"/>
           <a:ea typeface="+mn-ea"/>
           <a:cs typeface="+mn-cs"/>
         </a:defRPr>
       </a:lvl6pPr>
-      <a:lvl7pPr marL="2971800" indent="-228600" algn="l" defTabSz="914400" rtl="0" eaLnBrk="1" latinLnBrk="0" hangingPunct="1">
-        <a:lnSpc>
-          <a:spcPct val="90000"/>
-        </a:lnSpc>
+      <a:lvl7pPr marL="2971800" indent="-228600" algn="l" defTabSz="457200" rtl="0" eaLnBrk="1" latinLnBrk="0" hangingPunct="1">
         <a:spcBef>
-          <a:spcPts val="500"/>
+          <a:spcPct val="20000"/>
         </a:spcBef>
-        <a:buFont typeface="Arial" panose="020B0604020202020204" pitchFamily="34" charset="0"/>
+        <a:spcAft>
+          <a:spcPts val="600"/>
+        </a:spcAft>
+        <a:buClr>
+          <a:schemeClr val="accent1">
+            <a:lumMod val="75000"/>
+          </a:schemeClr>
+        </a:buClr>
+        <a:buSzPct val="145000"/>
+        <a:buFont typeface="Arial"/>
         <a:buChar char="•"/>
-        <a:defRPr sz="1800" kern="1200">
+        <a:defRPr sz="1400" kern="1200" cap="none">
           <a:solidFill>
             <a:schemeClr val="tx1"/>
           </a:solidFill>
+          <a:effectLst/>
           <a:latin typeface="+mn-lt"/>
           <a:ea typeface="+mn-ea"/>
           <a:cs typeface="+mn-cs"/>
         </a:defRPr>
       </a:lvl7pPr>
-      <a:lvl8pPr marL="3429000" indent="-228600" algn="l" defTabSz="914400" rtl="0" eaLnBrk="1" latinLnBrk="0" hangingPunct="1">
-        <a:lnSpc>
-          <a:spcPct val="90000"/>
-        </a:lnSpc>
+      <a:lvl8pPr marL="3429000" indent="-228600" algn="l" defTabSz="457200" rtl="0" eaLnBrk="1" latinLnBrk="0" hangingPunct="1">
         <a:spcBef>
-          <a:spcPts val="500"/>
+          <a:spcPct val="20000"/>
         </a:spcBef>
-        <a:buFont typeface="Arial" panose="020B0604020202020204" pitchFamily="34" charset="0"/>
+        <a:spcAft>
+          <a:spcPts val="600"/>
+        </a:spcAft>
+        <a:buClr>
+          <a:schemeClr val="accent1">
+            <a:lumMod val="75000"/>
+          </a:schemeClr>
+        </a:buClr>
+        <a:buSzPct val="145000"/>
+        <a:buFont typeface="Arial"/>
         <a:buChar char="•"/>
-        <a:defRPr sz="1800" kern="1200">
+        <a:defRPr sz="1400" kern="1200" cap="none">
           <a:solidFill>
             <a:schemeClr val="tx1"/>
           </a:solidFill>
+          <a:effectLst/>
           <a:latin typeface="+mn-lt"/>
           <a:ea typeface="+mn-ea"/>
           <a:cs typeface="+mn-cs"/>
         </a:defRPr>
       </a:lvl8pPr>
-      <a:lvl9pPr marL="3886200" indent="-228600" algn="l" defTabSz="914400" rtl="0" eaLnBrk="1" latinLnBrk="0" hangingPunct="1">
-        <a:lnSpc>
-          <a:spcPct val="90000"/>
-        </a:lnSpc>
+      <a:lvl9pPr marL="3886200" indent="-228600" algn="l" defTabSz="457200" rtl="0" eaLnBrk="1" latinLnBrk="0" hangingPunct="1">
         <a:spcBef>
-          <a:spcPts val="500"/>
+          <a:spcPct val="20000"/>
         </a:spcBef>
-        <a:buFont typeface="Arial" panose="020B0604020202020204" pitchFamily="34" charset="0"/>
+        <a:spcAft>
+          <a:spcPts val="600"/>
+        </a:spcAft>
+        <a:buClr>
+          <a:schemeClr val="accent1">
+            <a:lumMod val="75000"/>
+          </a:schemeClr>
+        </a:buClr>
+        <a:buSzPct val="145000"/>
+        <a:buFont typeface="Arial"/>
         <a:buChar char="•"/>
-        <a:defRPr sz="1800" kern="1200">
+        <a:defRPr sz="1400" kern="1200" cap="none">
           <a:solidFill>
             <a:schemeClr val="tx1"/>
           </a:solidFill>
+          <a:effectLst/>
           <a:latin typeface="+mn-lt"/>
           <a:ea typeface="+mn-ea"/>
           <a:cs typeface="+mn-cs"/>
@@ -5530,7 +10770,7 @@
       <a:defPPr>
         <a:defRPr lang="en-US"/>
       </a:defPPr>
-      <a:lvl1pPr marL="0" algn="l" defTabSz="914400" rtl="0" eaLnBrk="1" latinLnBrk="0" hangingPunct="1">
+      <a:lvl1pPr marL="0" algn="l" defTabSz="457200" rtl="0" eaLnBrk="1" latinLnBrk="0" hangingPunct="1">
         <a:defRPr sz="1800" kern="1200">
           <a:solidFill>
             <a:schemeClr val="tx1"/>
@@ -5540,7 +10780,7 @@
           <a:cs typeface="+mn-cs"/>
         </a:defRPr>
       </a:lvl1pPr>
-      <a:lvl2pPr marL="457200" algn="l" defTabSz="914400" rtl="0" eaLnBrk="1" latinLnBrk="0" hangingPunct="1">
+      <a:lvl2pPr marL="457200" algn="l" defTabSz="457200" rtl="0" eaLnBrk="1" latinLnBrk="0" hangingPunct="1">
         <a:defRPr sz="1800" kern="1200">
           <a:solidFill>
             <a:schemeClr val="tx1"/>
@@ -5550,7 +10790,7 @@
           <a:cs typeface="+mn-cs"/>
         </a:defRPr>
       </a:lvl2pPr>
-      <a:lvl3pPr marL="914400" algn="l" defTabSz="914400" rtl="0" eaLnBrk="1" latinLnBrk="0" hangingPunct="1">
+      <a:lvl3pPr marL="914400" algn="l" defTabSz="457200" rtl="0" eaLnBrk="1" latinLnBrk="0" hangingPunct="1">
         <a:defRPr sz="1800" kern="1200">
           <a:solidFill>
             <a:schemeClr val="tx1"/>
@@ -5560,7 +10800,7 @@
           <a:cs typeface="+mn-cs"/>
         </a:defRPr>
       </a:lvl3pPr>
-      <a:lvl4pPr marL="1371600" algn="l" defTabSz="914400" rtl="0" eaLnBrk="1" latinLnBrk="0" hangingPunct="1">
+      <a:lvl4pPr marL="1371600" algn="l" defTabSz="457200" rtl="0" eaLnBrk="1" latinLnBrk="0" hangingPunct="1">
         <a:defRPr sz="1800" kern="1200">
           <a:solidFill>
             <a:schemeClr val="tx1"/>
@@ -5570,7 +10810,7 @@
           <a:cs typeface="+mn-cs"/>
         </a:defRPr>
       </a:lvl4pPr>
-      <a:lvl5pPr marL="1828800" algn="l" defTabSz="914400" rtl="0" eaLnBrk="1" latinLnBrk="0" hangingPunct="1">
+      <a:lvl5pPr marL="1828800" algn="l" defTabSz="457200" rtl="0" eaLnBrk="1" latinLnBrk="0" hangingPunct="1">
         <a:defRPr sz="1800" kern="1200">
           <a:solidFill>
             <a:schemeClr val="tx1"/>
@@ -5580,7 +10820,7 @@
           <a:cs typeface="+mn-cs"/>
         </a:defRPr>
       </a:lvl5pPr>
-      <a:lvl6pPr marL="2286000" algn="l" defTabSz="914400" rtl="0" eaLnBrk="1" latinLnBrk="0" hangingPunct="1">
+      <a:lvl6pPr marL="2286000" algn="l" defTabSz="457200" rtl="0" eaLnBrk="1" latinLnBrk="0" hangingPunct="1">
         <a:defRPr sz="1800" kern="1200">
           <a:solidFill>
             <a:schemeClr val="tx1"/>
@@ -5590,7 +10830,7 @@
           <a:cs typeface="+mn-cs"/>
         </a:defRPr>
       </a:lvl6pPr>
-      <a:lvl7pPr marL="2743200" algn="l" defTabSz="914400" rtl="0" eaLnBrk="1" latinLnBrk="0" hangingPunct="1">
+      <a:lvl7pPr marL="2743200" algn="l" defTabSz="457200" rtl="0" eaLnBrk="1" latinLnBrk="0" hangingPunct="1">
         <a:defRPr sz="1800" kern="1200">
           <a:solidFill>
             <a:schemeClr val="tx1"/>
@@ -5600,7 +10840,7 @@
           <a:cs typeface="+mn-cs"/>
         </a:defRPr>
       </a:lvl7pPr>
-      <a:lvl8pPr marL="3200400" algn="l" defTabSz="914400" rtl="0" eaLnBrk="1" latinLnBrk="0" hangingPunct="1">
+      <a:lvl8pPr marL="3200400" algn="l" defTabSz="457200" rtl="0" eaLnBrk="1" latinLnBrk="0" hangingPunct="1">
         <a:defRPr sz="1800" kern="1200">
           <a:solidFill>
             <a:schemeClr val="tx1"/>
@@ -5610,7 +10850,7 @@
           <a:cs typeface="+mn-cs"/>
         </a:defRPr>
       </a:lvl8pPr>
-      <a:lvl9pPr marL="3657600" algn="l" defTabSz="914400" rtl="0" eaLnBrk="1" latinLnBrk="0" hangingPunct="1">
+      <a:lvl9pPr marL="3657600" algn="l" defTabSz="457200" rtl="0" eaLnBrk="1" latinLnBrk="0" hangingPunct="1">
         <a:defRPr sz="1800" kern="1200">
           <a:solidFill>
             <a:schemeClr val="tx1"/>
@@ -5650,272 +10890,6 @@
           <a:chExt cx="0" cy="0"/>
         </a:xfrm>
       </p:grpSpPr>
-      <p:sp>
-        <p:nvSpPr>
-          <p:cNvPr id="61" name="Freeform: Shape 60">
-            <a:extLst>
-              <a:ext uri="{FF2B5EF4-FFF2-40B4-BE49-F238E27FC236}">
-                <a16:creationId xmlns:a16="http://schemas.microsoft.com/office/drawing/2014/main" id="{774A975B-A886-5202-0489-6965514A0D14}"/>
-              </a:ext>
-              <a:ext uri="{C183D7F6-B498-43B3-948B-1728B52AA6E4}">
-                <adec:decorative xmlns:adec="http://schemas.microsoft.com/office/drawing/2017/decorative" val="1"/>
-              </a:ext>
-            </a:extLst>
-          </p:cNvPr>
-          <p:cNvSpPr>
-            <a:spLocks noGrp="1" noRot="1" noChangeAspect="1" noMove="1" noResize="1" noEditPoints="1" noAdjustHandles="1" noChangeArrowheads="1" noChangeShapeType="1" noTextEdit="1"/>
-          </p:cNvSpPr>
-          <p:nvPr>
-            <p:extLst>
-              <p:ext uri="{386F3935-93C4-4BCD-93E2-E3B085C9AB24}">
-                <p16:designElem xmlns:p16="http://schemas.microsoft.com/office/powerpoint/2015/main" val="1"/>
-              </p:ext>
-            </p:extLst>
-          </p:nvPr>
-        </p:nvSpPr>
-        <p:spPr>
-          <a:xfrm>
-            <a:off x="517869" y="508090"/>
-            <a:ext cx="11153214" cy="149279"/>
-          </a:xfrm>
-          <a:custGeom>
-            <a:avLst/>
-            <a:gdLst>
-              <a:gd name="connsiteX0" fmla="*/ 0 w 8085002"/>
-              <a:gd name="connsiteY0" fmla="*/ 0 h 149279"/>
-              <a:gd name="connsiteX1" fmla="*/ 8085002 w 8085002"/>
-              <a:gd name="connsiteY1" fmla="*/ 0 h 149279"/>
-              <a:gd name="connsiteX2" fmla="*/ 8085002 w 8085002"/>
-              <a:gd name="connsiteY2" fmla="*/ 149279 h 149279"/>
-              <a:gd name="connsiteX3" fmla="*/ 0 w 8085002"/>
-              <a:gd name="connsiteY3" fmla="*/ 149279 h 149279"/>
-            </a:gdLst>
-            <a:ahLst/>
-            <a:cxnLst>
-              <a:cxn ang="0">
-                <a:pos x="connsiteX0" y="connsiteY0"/>
-              </a:cxn>
-              <a:cxn ang="0">
-                <a:pos x="connsiteX1" y="connsiteY1"/>
-              </a:cxn>
-              <a:cxn ang="0">
-                <a:pos x="connsiteX2" y="connsiteY2"/>
-              </a:cxn>
-              <a:cxn ang="0">
-                <a:pos x="connsiteX3" y="connsiteY3"/>
-              </a:cxn>
-            </a:cxnLst>
-            <a:rect l="l" t="t" r="r" b="b"/>
-            <a:pathLst>
-              <a:path w="8085002" h="149279">
-                <a:moveTo>
-                  <a:pt x="0" y="0"/>
-                </a:moveTo>
-                <a:lnTo>
-                  <a:pt x="8085002" y="0"/>
-                </a:lnTo>
-                <a:lnTo>
-                  <a:pt x="8085002" y="149279"/>
-                </a:lnTo>
-                <a:lnTo>
-                  <a:pt x="0" y="149279"/>
-                </a:lnTo>
-                <a:close/>
-              </a:path>
-            </a:pathLst>
-          </a:custGeom>
-          <a:solidFill>
-            <a:schemeClr val="tx1"/>
-          </a:solidFill>
-          <a:ln>
-            <a:noFill/>
-          </a:ln>
-        </p:spPr>
-        <p:style>
-          <a:lnRef idx="2">
-            <a:schemeClr val="accent1">
-              <a:shade val="50000"/>
-            </a:schemeClr>
-          </a:lnRef>
-          <a:fillRef idx="1">
-            <a:schemeClr val="accent1"/>
-          </a:fillRef>
-          <a:effectRef idx="0">
-            <a:schemeClr val="accent1"/>
-          </a:effectRef>
-          <a:fontRef idx="minor">
-            <a:schemeClr val="lt1"/>
-          </a:fontRef>
-        </p:style>
-        <p:txBody>
-          <a:bodyPr wrap="square" rtlCol="0" anchor="ctr">
-            <a:noAutofit/>
-          </a:bodyPr>
-          <a:lstStyle/>
-          <a:p>
-            <a:pPr algn="ctr"/>
-            <a:endParaRPr lang="en-US"/>
-          </a:p>
-        </p:txBody>
-      </p:sp>
-      <p:sp>
-        <p:nvSpPr>
-          <p:cNvPr id="62" name="Freeform: Shape 61">
-            <a:extLst>
-              <a:ext uri="{FF2B5EF4-FFF2-40B4-BE49-F238E27FC236}">
-                <a16:creationId xmlns:a16="http://schemas.microsoft.com/office/drawing/2014/main" id="{EA67E988-5919-57BB-C7DE-D3EAD38A3045}"/>
-              </a:ext>
-              <a:ext uri="{C183D7F6-B498-43B3-948B-1728B52AA6E4}">
-                <adec:decorative xmlns:adec="http://schemas.microsoft.com/office/drawing/2017/decorative" val="1"/>
-              </a:ext>
-            </a:extLst>
-          </p:cNvPr>
-          <p:cNvSpPr>
-            <a:spLocks noGrp="1" noRot="1" noChangeAspect="1" noMove="1" noResize="1" noEditPoints="1" noAdjustHandles="1" noChangeArrowheads="1" noChangeShapeType="1" noTextEdit="1"/>
-          </p:cNvSpPr>
-          <p:nvPr>
-            <p:extLst>
-              <p:ext uri="{386F3935-93C4-4BCD-93E2-E3B085C9AB24}">
-                <p16:designElem xmlns:p16="http://schemas.microsoft.com/office/powerpoint/2015/main" val="1"/>
-              </p:ext>
-            </p:extLst>
-          </p:nvPr>
-        </p:nvSpPr>
-        <p:spPr>
-          <a:xfrm>
-            <a:off x="517870" y="6209925"/>
-            <a:ext cx="11155680" cy="45719"/>
-          </a:xfrm>
-          <a:custGeom>
-            <a:avLst/>
-            <a:gdLst/>
-            <a:ahLst/>
-            <a:cxnLst/>
-            <a:rect l="l" t="t" r="r" b="b"/>
-            <a:pathLst>
-              <a:path w="8715708" h="45719">
-                <a:moveTo>
-                  <a:pt x="0" y="0"/>
-                </a:moveTo>
-                <a:lnTo>
-                  <a:pt x="3694525" y="0"/>
-                </a:lnTo>
-                <a:lnTo>
-                  <a:pt x="5021183" y="0"/>
-                </a:lnTo>
-                <a:lnTo>
-                  <a:pt x="8715708" y="0"/>
-                </a:lnTo>
-                <a:lnTo>
-                  <a:pt x="8715708" y="45719"/>
-                </a:lnTo>
-                <a:lnTo>
-                  <a:pt x="5021183" y="45719"/>
-                </a:lnTo>
-                <a:lnTo>
-                  <a:pt x="3694525" y="45719"/>
-                </a:lnTo>
-                <a:lnTo>
-                  <a:pt x="0" y="45719"/>
-                </a:lnTo>
-                <a:close/>
-              </a:path>
-            </a:pathLst>
-          </a:custGeom>
-          <a:solidFill>
-            <a:schemeClr val="tx1"/>
-          </a:solidFill>
-          <a:ln>
-            <a:noFill/>
-          </a:ln>
-        </p:spPr>
-        <p:style>
-          <a:lnRef idx="2">
-            <a:schemeClr val="accent1">
-              <a:shade val="50000"/>
-            </a:schemeClr>
-          </a:lnRef>
-          <a:fillRef idx="1">
-            <a:schemeClr val="accent1"/>
-          </a:fillRef>
-          <a:effectRef idx="0">
-            <a:schemeClr val="accent1"/>
-          </a:effectRef>
-          <a:fontRef idx="minor">
-            <a:schemeClr val="lt1"/>
-          </a:fontRef>
-        </p:style>
-        <p:txBody>
-          <a:bodyPr wrap="square" rtlCol="0" anchor="ctr">
-            <a:noAutofit/>
-          </a:bodyPr>
-          <a:lstStyle/>
-          <a:p>
-            <a:pPr algn="ctr"/>
-            <a:endParaRPr lang="en-US"/>
-          </a:p>
-        </p:txBody>
-      </p:sp>
-      <p:sp useBgFill="1">
-        <p:nvSpPr>
-          <p:cNvPr id="63" name="Rectangle 62">
-            <a:extLst>
-              <a:ext uri="{FF2B5EF4-FFF2-40B4-BE49-F238E27FC236}">
-                <a16:creationId xmlns:a16="http://schemas.microsoft.com/office/drawing/2014/main" id="{E20BB609-EF92-42DB-836C-0699A590B5CF}"/>
-              </a:ext>
-              <a:ext uri="{C183D7F6-B498-43B3-948B-1728B52AA6E4}">
-                <adec:decorative xmlns:adec="http://schemas.microsoft.com/office/drawing/2017/decorative" val="1"/>
-              </a:ext>
-            </a:extLst>
-          </p:cNvPr>
-          <p:cNvSpPr>
-            <a:spLocks noGrp="1" noRot="1" noChangeAspect="1" noMove="1" noResize="1" noEditPoints="1" noAdjustHandles="1" noChangeArrowheads="1" noChangeShapeType="1" noTextEdit="1"/>
-          </p:cNvSpPr>
-          <p:nvPr>
-            <p:extLst>
-              <p:ext uri="{386F3935-93C4-4BCD-93E2-E3B085C9AB24}">
-                <p16:designElem xmlns:p16="http://schemas.microsoft.com/office/powerpoint/2015/main" val="1"/>
-              </p:ext>
-            </p:extLst>
-          </p:nvPr>
-        </p:nvSpPr>
-        <p:spPr>
-          <a:xfrm>
-            <a:off x="0" y="0"/>
-            <a:ext cx="12192000" cy="6858001"/>
-          </a:xfrm>
-          <a:prstGeom prst="rect">
-            <a:avLst/>
-          </a:prstGeom>
-          <a:ln>
-            <a:noFill/>
-          </a:ln>
-        </p:spPr>
-        <p:style>
-          <a:lnRef idx="2">
-            <a:schemeClr val="accent1">
-              <a:shade val="50000"/>
-            </a:schemeClr>
-          </a:lnRef>
-          <a:fillRef idx="1">
-            <a:schemeClr val="accent1"/>
-          </a:fillRef>
-          <a:effectRef idx="0">
-            <a:schemeClr val="accent1"/>
-          </a:effectRef>
-          <a:fontRef idx="minor">
-            <a:schemeClr val="lt1"/>
-          </a:fontRef>
-        </p:style>
-        <p:txBody>
-          <a:bodyPr rtlCol="0" anchor="ctr"/>
-          <a:lstStyle/>
-          <a:p>
-            <a:pPr algn="ctr"/>
-            <a:endParaRPr lang="en-US" dirty="0"/>
-          </a:p>
-        </p:txBody>
-      </p:sp>
       <p:pic>
         <p:nvPicPr>
           <p:cNvPr id="6" name="Picture 5" descr="Colored pencils inside a pencil holder which is on top of a wood table">
@@ -5949,84 +10923,6 @@
       </p:pic>
       <p:sp>
         <p:nvSpPr>
-          <p:cNvPr id="64" name="Rectangle 63">
-            <a:extLst>
-              <a:ext uri="{FF2B5EF4-FFF2-40B4-BE49-F238E27FC236}">
-                <a16:creationId xmlns:a16="http://schemas.microsoft.com/office/drawing/2014/main" id="{637992A9-1E8C-4E57-B4F4-EE2D38E504A2}"/>
-              </a:ext>
-              <a:ext uri="{C183D7F6-B498-43B3-948B-1728B52AA6E4}">
-                <adec:decorative xmlns:adec="http://schemas.microsoft.com/office/drawing/2017/decorative" val="1"/>
-              </a:ext>
-            </a:extLst>
-          </p:cNvPr>
-          <p:cNvSpPr>
-            <a:spLocks noGrp="1" noRot="1" noChangeAspect="1" noMove="1" noResize="1" noEditPoints="1" noAdjustHandles="1" noChangeArrowheads="1" noChangeShapeType="1" noTextEdit="1"/>
-          </p:cNvSpPr>
-          <p:nvPr>
-            <p:extLst>
-              <p:ext uri="{386F3935-93C4-4BCD-93E2-E3B085C9AB24}">
-                <p16:designElem xmlns:p16="http://schemas.microsoft.com/office/powerpoint/2015/main" val="1"/>
-              </p:ext>
-            </p:extLst>
-          </p:nvPr>
-        </p:nvSpPr>
-        <p:spPr>
-          <a:xfrm rot="16200000">
-            <a:off x="389239" y="-389238"/>
-            <a:ext cx="6858000" cy="7636476"/>
-          </a:xfrm>
-          <a:prstGeom prst="rect">
-            <a:avLst/>
-          </a:prstGeom>
-          <a:gradFill>
-            <a:gsLst>
-              <a:gs pos="100000">
-                <a:srgbClr val="000000">
-                  <a:alpha val="0"/>
-                </a:srgbClr>
-              </a:gs>
-              <a:gs pos="0">
-                <a:schemeClr val="tx1"/>
-              </a:gs>
-              <a:gs pos="0">
-                <a:srgbClr val="000000">
-                  <a:alpha val="70000"/>
-                </a:srgbClr>
-              </a:gs>
-            </a:gsLst>
-            <a:lin ang="5400000" scaled="1"/>
-          </a:gradFill>
-          <a:ln>
-            <a:noFill/>
-          </a:ln>
-        </p:spPr>
-        <p:style>
-          <a:lnRef idx="2">
-            <a:schemeClr val="accent1">
-              <a:shade val="50000"/>
-            </a:schemeClr>
-          </a:lnRef>
-          <a:fillRef idx="1">
-            <a:schemeClr val="accent1"/>
-          </a:fillRef>
-          <a:effectRef idx="0">
-            <a:schemeClr val="accent1"/>
-          </a:effectRef>
-          <a:fontRef idx="minor">
-            <a:schemeClr val="lt1"/>
-          </a:fontRef>
-        </p:style>
-        <p:txBody>
-          <a:bodyPr rtlCol="0" anchor="ctr"/>
-          <a:lstStyle/>
-          <a:p>
-            <a:pPr algn="ctr"/>
-            <a:endParaRPr lang="en-US"/>
-          </a:p>
-        </p:txBody>
-      </p:sp>
-      <p:sp>
-        <p:nvSpPr>
           <p:cNvPr id="4" name="Title 3">
             <a:extLst>
               <a:ext uri="{FF2B5EF4-FFF2-40B4-BE49-F238E27FC236}">
@@ -6061,69 +10957,6 @@
               </a:rPr>
               <a:t>SUPPLY CHAIN PROJECT</a:t>
             </a:r>
-          </a:p>
-        </p:txBody>
-      </p:sp>
-      <p:sp>
-        <p:nvSpPr>
-          <p:cNvPr id="65" name="Rectangle 64">
-            <a:extLst>
-              <a:ext uri="{FF2B5EF4-FFF2-40B4-BE49-F238E27FC236}">
-                <a16:creationId xmlns:a16="http://schemas.microsoft.com/office/drawing/2014/main" id="{B2C335F7-F61C-4EB4-80F2-4B1438FE66BB}"/>
-              </a:ext>
-              <a:ext uri="{C183D7F6-B498-43B3-948B-1728B52AA6E4}">
-                <adec:decorative xmlns:adec="http://schemas.microsoft.com/office/drawing/2017/decorative" val="1"/>
-              </a:ext>
-            </a:extLst>
-          </p:cNvPr>
-          <p:cNvSpPr>
-            <a:spLocks noGrp="1" noRot="1" noChangeAspect="1" noMove="1" noResize="1" noEditPoints="1" noAdjustHandles="1" noChangeArrowheads="1" noChangeShapeType="1" noTextEdit="1"/>
-          </p:cNvSpPr>
-          <p:nvPr>
-            <p:extLst>
-              <p:ext uri="{386F3935-93C4-4BCD-93E2-E3B085C9AB24}">
-                <p16:designElem xmlns:p16="http://schemas.microsoft.com/office/powerpoint/2015/main" val="1"/>
-              </p:ext>
-            </p:extLst>
-          </p:nvPr>
-        </p:nvSpPr>
-        <p:spPr>
-          <a:xfrm>
-            <a:off x="517870" y="508090"/>
-            <a:ext cx="5021183" cy="149279"/>
-          </a:xfrm>
-          <a:prstGeom prst="rect">
-            <a:avLst/>
-          </a:prstGeom>
-          <a:solidFill>
-            <a:srgbClr val="FFFFFF"/>
-          </a:solidFill>
-          <a:ln>
-            <a:noFill/>
-          </a:ln>
-        </p:spPr>
-        <p:style>
-          <a:lnRef idx="2">
-            <a:schemeClr val="accent1">
-              <a:shade val="50000"/>
-            </a:schemeClr>
-          </a:lnRef>
-          <a:fillRef idx="1">
-            <a:schemeClr val="accent1"/>
-          </a:fillRef>
-          <a:effectRef idx="0">
-            <a:schemeClr val="accent1"/>
-          </a:effectRef>
-          <a:fontRef idx="minor">
-            <a:schemeClr val="lt1"/>
-          </a:fontRef>
-        </p:style>
-        <p:txBody>
-          <a:bodyPr rtlCol="0" anchor="ctr"/>
-          <a:lstStyle/>
-          <a:p>
-            <a:pPr algn="ctr"/>
-            <a:endParaRPr lang="en-US"/>
           </a:p>
         </p:txBody>
       </p:sp>
@@ -8744,7 +13577,7 @@
         </p:spPr>
         <p:txBody>
           <a:bodyPr>
-            <a:normAutofit fontScale="90000"/>
+            <a:normAutofit/>
           </a:bodyPr>
           <a:lstStyle/>
           <a:p>
@@ -8850,7 +13683,7 @@
         </p:spPr>
         <p:txBody>
           <a:bodyPr>
-            <a:normAutofit fontScale="90000"/>
+            <a:normAutofit/>
           </a:bodyPr>
           <a:lstStyle/>
           <a:p>
@@ -8960,7 +13793,7 @@
         </p:spPr>
         <p:txBody>
           <a:bodyPr>
-            <a:normAutofit fontScale="90000"/>
+            <a:normAutofit/>
           </a:bodyPr>
           <a:lstStyle/>
           <a:p>
@@ -9622,351 +14455,6 @@
       </p:grpSpPr>
       <p:sp>
         <p:nvSpPr>
-          <p:cNvPr id="39" name="Freeform: Shape 38">
-            <a:extLst>
-              <a:ext uri="{FF2B5EF4-FFF2-40B4-BE49-F238E27FC236}">
-                <a16:creationId xmlns:a16="http://schemas.microsoft.com/office/drawing/2014/main" id="{774A975B-A886-5202-0489-6965514A0D14}"/>
-              </a:ext>
-              <a:ext uri="{C183D7F6-B498-43B3-948B-1728B52AA6E4}">
-                <adec:decorative xmlns:adec="http://schemas.microsoft.com/office/drawing/2017/decorative" val="1"/>
-              </a:ext>
-            </a:extLst>
-          </p:cNvPr>
-          <p:cNvSpPr>
-            <a:spLocks noGrp="1" noRot="1" noChangeAspect="1" noMove="1" noResize="1" noEditPoints="1" noAdjustHandles="1" noChangeArrowheads="1" noChangeShapeType="1" noTextEdit="1"/>
-          </p:cNvSpPr>
-          <p:nvPr>
-            <p:extLst>
-              <p:ext uri="{386F3935-93C4-4BCD-93E2-E3B085C9AB24}">
-                <p16:designElem xmlns:p16="http://schemas.microsoft.com/office/powerpoint/2015/main" val="1"/>
-              </p:ext>
-            </p:extLst>
-          </p:nvPr>
-        </p:nvSpPr>
-        <p:spPr>
-          <a:xfrm>
-            <a:off x="517869" y="508090"/>
-            <a:ext cx="11153214" cy="149279"/>
-          </a:xfrm>
-          <a:custGeom>
-            <a:avLst/>
-            <a:gdLst>
-              <a:gd name="connsiteX0" fmla="*/ 0 w 8085002"/>
-              <a:gd name="connsiteY0" fmla="*/ 0 h 149279"/>
-              <a:gd name="connsiteX1" fmla="*/ 8085002 w 8085002"/>
-              <a:gd name="connsiteY1" fmla="*/ 0 h 149279"/>
-              <a:gd name="connsiteX2" fmla="*/ 8085002 w 8085002"/>
-              <a:gd name="connsiteY2" fmla="*/ 149279 h 149279"/>
-              <a:gd name="connsiteX3" fmla="*/ 0 w 8085002"/>
-              <a:gd name="connsiteY3" fmla="*/ 149279 h 149279"/>
-            </a:gdLst>
-            <a:ahLst/>
-            <a:cxnLst>
-              <a:cxn ang="0">
-                <a:pos x="connsiteX0" y="connsiteY0"/>
-              </a:cxn>
-              <a:cxn ang="0">
-                <a:pos x="connsiteX1" y="connsiteY1"/>
-              </a:cxn>
-              <a:cxn ang="0">
-                <a:pos x="connsiteX2" y="connsiteY2"/>
-              </a:cxn>
-              <a:cxn ang="0">
-                <a:pos x="connsiteX3" y="connsiteY3"/>
-              </a:cxn>
-            </a:cxnLst>
-            <a:rect l="l" t="t" r="r" b="b"/>
-            <a:pathLst>
-              <a:path w="8085002" h="149279">
-                <a:moveTo>
-                  <a:pt x="0" y="0"/>
-                </a:moveTo>
-                <a:lnTo>
-                  <a:pt x="8085002" y="0"/>
-                </a:lnTo>
-                <a:lnTo>
-                  <a:pt x="8085002" y="149279"/>
-                </a:lnTo>
-                <a:lnTo>
-                  <a:pt x="0" y="149279"/>
-                </a:lnTo>
-                <a:close/>
-              </a:path>
-            </a:pathLst>
-          </a:custGeom>
-          <a:solidFill>
-            <a:schemeClr val="tx1"/>
-          </a:solidFill>
-          <a:ln>
-            <a:noFill/>
-          </a:ln>
-        </p:spPr>
-        <p:style>
-          <a:lnRef idx="2">
-            <a:schemeClr val="accent1">
-              <a:shade val="50000"/>
-            </a:schemeClr>
-          </a:lnRef>
-          <a:fillRef idx="1">
-            <a:schemeClr val="accent1"/>
-          </a:fillRef>
-          <a:effectRef idx="0">
-            <a:schemeClr val="accent1"/>
-          </a:effectRef>
-          <a:fontRef idx="minor">
-            <a:schemeClr val="lt1"/>
-          </a:fontRef>
-        </p:style>
-        <p:txBody>
-          <a:bodyPr wrap="square" rtlCol="0" anchor="ctr">
-            <a:noAutofit/>
-          </a:bodyPr>
-          <a:lstStyle/>
-          <a:p>
-            <a:pPr algn="ctr"/>
-            <a:endParaRPr lang="en-US"/>
-          </a:p>
-        </p:txBody>
-      </p:sp>
-      <p:sp>
-        <p:nvSpPr>
-          <p:cNvPr id="41" name="Rectangle 40">
-            <a:extLst>
-              <a:ext uri="{FF2B5EF4-FFF2-40B4-BE49-F238E27FC236}">
-                <a16:creationId xmlns:a16="http://schemas.microsoft.com/office/drawing/2014/main" id="{AA083F47-750E-A41F-1E5A-EFB054507C70}"/>
-              </a:ext>
-              <a:ext uri="{C183D7F6-B498-43B3-948B-1728B52AA6E4}">
-                <adec:decorative xmlns:adec="http://schemas.microsoft.com/office/drawing/2017/decorative" val="1"/>
-              </a:ext>
-            </a:extLst>
-          </p:cNvPr>
-          <p:cNvSpPr>
-            <a:spLocks noGrp="1" noRot="1" noChangeAspect="1" noMove="1" noResize="1" noEditPoints="1" noAdjustHandles="1" noChangeArrowheads="1" noChangeShapeType="1" noTextEdit="1"/>
-          </p:cNvSpPr>
-          <p:nvPr>
-            <p:extLst>
-              <p:ext uri="{386F3935-93C4-4BCD-93E2-E3B085C9AB24}">
-                <p16:designElem xmlns:p16="http://schemas.microsoft.com/office/powerpoint/2015/main" val="1"/>
-              </p:ext>
-            </p:extLst>
-          </p:nvPr>
-        </p:nvSpPr>
-        <p:spPr>
-          <a:xfrm>
-            <a:off x="517870" y="508090"/>
-            <a:ext cx="5021183" cy="149279"/>
-          </a:xfrm>
-          <a:prstGeom prst="rect">
-            <a:avLst/>
-          </a:prstGeom>
-          <a:solidFill>
-            <a:schemeClr val="tx1"/>
-          </a:solidFill>
-          <a:ln>
-            <a:noFill/>
-          </a:ln>
-        </p:spPr>
-        <p:style>
-          <a:lnRef idx="2">
-            <a:schemeClr val="accent1">
-              <a:shade val="50000"/>
-            </a:schemeClr>
-          </a:lnRef>
-          <a:fillRef idx="1">
-            <a:schemeClr val="accent1"/>
-          </a:fillRef>
-          <a:effectRef idx="0">
-            <a:schemeClr val="accent1"/>
-          </a:effectRef>
-          <a:fontRef idx="minor">
-            <a:schemeClr val="lt1"/>
-          </a:fontRef>
-        </p:style>
-        <p:txBody>
-          <a:bodyPr rtlCol="0" anchor="ctr"/>
-          <a:lstStyle/>
-          <a:p>
-            <a:pPr algn="ctr"/>
-            <a:endParaRPr lang="en-US"/>
-          </a:p>
-        </p:txBody>
-      </p:sp>
-      <p:sp>
-        <p:nvSpPr>
-          <p:cNvPr id="43" name="Freeform: Shape 42">
-            <a:extLst>
-              <a:ext uri="{FF2B5EF4-FFF2-40B4-BE49-F238E27FC236}">
-                <a16:creationId xmlns:a16="http://schemas.microsoft.com/office/drawing/2014/main" id="{EA67E988-5919-57BB-C7DE-D3EAD38A3045}"/>
-              </a:ext>
-              <a:ext uri="{C183D7F6-B498-43B3-948B-1728B52AA6E4}">
-                <adec:decorative xmlns:adec="http://schemas.microsoft.com/office/drawing/2017/decorative" val="1"/>
-              </a:ext>
-            </a:extLst>
-          </p:cNvPr>
-          <p:cNvSpPr>
-            <a:spLocks noGrp="1" noRot="1" noChangeAspect="1" noMove="1" noResize="1" noEditPoints="1" noAdjustHandles="1" noChangeArrowheads="1" noChangeShapeType="1" noTextEdit="1"/>
-          </p:cNvSpPr>
-          <p:nvPr>
-            <p:extLst>
-              <p:ext uri="{386F3935-93C4-4BCD-93E2-E3B085C9AB24}">
-                <p16:designElem xmlns:p16="http://schemas.microsoft.com/office/powerpoint/2015/main" val="1"/>
-              </p:ext>
-            </p:extLst>
-          </p:nvPr>
-        </p:nvSpPr>
-        <p:spPr>
-          <a:xfrm>
-            <a:off x="517870" y="6209925"/>
-            <a:ext cx="11155680" cy="45719"/>
-          </a:xfrm>
-          <a:custGeom>
-            <a:avLst/>
-            <a:gdLst/>
-            <a:ahLst/>
-            <a:cxnLst/>
-            <a:rect l="l" t="t" r="r" b="b"/>
-            <a:pathLst>
-              <a:path w="8715708" h="45719">
-                <a:moveTo>
-                  <a:pt x="0" y="0"/>
-                </a:moveTo>
-                <a:lnTo>
-                  <a:pt x="3694525" y="0"/>
-                </a:lnTo>
-                <a:lnTo>
-                  <a:pt x="5021183" y="0"/>
-                </a:lnTo>
-                <a:lnTo>
-                  <a:pt x="8715708" y="0"/>
-                </a:lnTo>
-                <a:lnTo>
-                  <a:pt x="8715708" y="45719"/>
-                </a:lnTo>
-                <a:lnTo>
-                  <a:pt x="5021183" y="45719"/>
-                </a:lnTo>
-                <a:lnTo>
-                  <a:pt x="3694525" y="45719"/>
-                </a:lnTo>
-                <a:lnTo>
-                  <a:pt x="0" y="45719"/>
-                </a:lnTo>
-                <a:close/>
-              </a:path>
-            </a:pathLst>
-          </a:custGeom>
-          <a:solidFill>
-            <a:schemeClr val="tx1"/>
-          </a:solidFill>
-          <a:ln>
-            <a:noFill/>
-          </a:ln>
-        </p:spPr>
-        <p:style>
-          <a:lnRef idx="2">
-            <a:schemeClr val="accent1">
-              <a:shade val="50000"/>
-            </a:schemeClr>
-          </a:lnRef>
-          <a:fillRef idx="1">
-            <a:schemeClr val="accent1"/>
-          </a:fillRef>
-          <a:effectRef idx="0">
-            <a:schemeClr val="accent1"/>
-          </a:effectRef>
-          <a:fontRef idx="minor">
-            <a:schemeClr val="lt1"/>
-          </a:fontRef>
-        </p:style>
-        <p:txBody>
-          <a:bodyPr wrap="square" rtlCol="0" anchor="ctr">
-            <a:noAutofit/>
-          </a:bodyPr>
-          <a:lstStyle/>
-          <a:p>
-            <a:pPr algn="ctr"/>
-            <a:endParaRPr lang="en-US"/>
-          </a:p>
-        </p:txBody>
-      </p:sp>
-      <p:sp useBgFill="1">
-        <p:nvSpPr>
-          <p:cNvPr id="45" name="Rectangle 44">
-            <a:extLst>
-              <a:ext uri="{FF2B5EF4-FFF2-40B4-BE49-F238E27FC236}">
-                <a16:creationId xmlns:a16="http://schemas.microsoft.com/office/drawing/2014/main" id="{C7EFAAB5-34A3-C2FC-70BA-7720CC8ADBAC}"/>
-              </a:ext>
-              <a:ext uri="{C183D7F6-B498-43B3-948B-1728B52AA6E4}">
-                <adec:decorative xmlns:adec="http://schemas.microsoft.com/office/drawing/2017/decorative" val="1"/>
-              </a:ext>
-            </a:extLst>
-          </p:cNvPr>
-          <p:cNvSpPr>
-            <a:spLocks noGrp="1" noRot="1" noChangeAspect="1" noMove="1" noResize="1" noEditPoints="1" noAdjustHandles="1" noChangeArrowheads="1" noChangeShapeType="1" noTextEdit="1"/>
-          </p:cNvSpPr>
-          <p:nvPr>
-            <p:extLst>
-              <p:ext uri="{386F3935-93C4-4BCD-93E2-E3B085C9AB24}">
-                <p16:designElem xmlns:p16="http://schemas.microsoft.com/office/powerpoint/2015/main" val="1"/>
-              </p:ext>
-            </p:extLst>
-          </p:nvPr>
-        </p:nvSpPr>
-        <p:spPr>
-          <a:xfrm>
-            <a:off x="0" y="0"/>
-            <a:ext cx="12192000" cy="6858000"/>
-          </a:xfrm>
-          <a:prstGeom prst="rect">
-            <a:avLst/>
-          </a:prstGeom>
-          <a:ln w="12700" cap="flat" cmpd="sng" algn="ctr">
-            <a:noFill/>
-            <a:prstDash val="solid"/>
-            <a:miter lim="800000"/>
-          </a:ln>
-          <a:effectLst/>
-          <a:extLst>
-            <a:ext uri="{91240B29-F687-4F45-9708-019B960494DF}">
-              <a14:hiddenLine xmlns:a14="http://schemas.microsoft.com/office/drawing/2010/main" w="12700" cap="flat" cmpd="sng" algn="ctr">
-                <a:solidFill>
-                  <a:schemeClr val="accent1">
-                    <a:shade val="15000"/>
-                  </a:schemeClr>
-                </a:solidFill>
-                <a:prstDash val="solid"/>
-                <a:miter lim="800000"/>
-              </a14:hiddenLine>
-            </a:ext>
-          </a:extLst>
-        </p:spPr>
-        <p:style>
-          <a:lnRef idx="2">
-            <a:schemeClr val="accent1">
-              <a:shade val="15000"/>
-            </a:schemeClr>
-          </a:lnRef>
-          <a:fillRef idx="1">
-            <a:schemeClr val="accent1"/>
-          </a:fillRef>
-          <a:effectRef idx="0">
-            <a:schemeClr val="accent1"/>
-          </a:effectRef>
-          <a:fontRef idx="minor">
-            <a:schemeClr val="lt1"/>
-          </a:fontRef>
-        </p:style>
-        <p:txBody>
-          <a:bodyPr rtlCol="0" anchor="ctr"/>
-          <a:lstStyle/>
-          <a:p>
-            <a:pPr algn="ctr"/>
-            <a:endParaRPr lang="en-US"/>
-          </a:p>
-        </p:txBody>
-      </p:sp>
-      <p:sp>
-        <p:nvSpPr>
           <p:cNvPr id="2" name="Title 1">
             <a:extLst>
               <a:ext uri="{FF2B5EF4-FFF2-40B4-BE49-F238E27FC236}">
@@ -10080,380 +14568,6 @@
                 </a:schemeClr>
               </a:solidFill>
             </a:endParaRPr>
-          </a:p>
-        </p:txBody>
-      </p:sp>
-      <p:sp>
-        <p:nvSpPr>
-          <p:cNvPr id="47" name="Freeform: Shape 46">
-            <a:extLst>
-              <a:ext uri="{FF2B5EF4-FFF2-40B4-BE49-F238E27FC236}">
-                <a16:creationId xmlns:a16="http://schemas.microsoft.com/office/drawing/2014/main" id="{A8A44BC8-2508-4575-75F6-0ED3F11E721E}"/>
-              </a:ext>
-              <a:ext uri="{C183D7F6-B498-43B3-948B-1728B52AA6E4}">
-                <adec:decorative xmlns:adec="http://schemas.microsoft.com/office/drawing/2017/decorative" val="1"/>
-              </a:ext>
-            </a:extLst>
-          </p:cNvPr>
-          <p:cNvSpPr>
-            <a:spLocks noGrp="1" noRot="1" noChangeAspect="1" noMove="1" noResize="1" noEditPoints="1" noAdjustHandles="1" noChangeArrowheads="1" noChangeShapeType="1" noTextEdit="1"/>
-          </p:cNvSpPr>
-          <p:nvPr>
-            <p:extLst>
-              <p:ext uri="{386F3935-93C4-4BCD-93E2-E3B085C9AB24}">
-                <p16:designElem xmlns:p16="http://schemas.microsoft.com/office/powerpoint/2015/main" val="1"/>
-              </p:ext>
-            </p:extLst>
-          </p:nvPr>
-        </p:nvSpPr>
-        <p:spPr>
-          <a:xfrm>
-            <a:off x="517869" y="508090"/>
-            <a:ext cx="11153214" cy="149279"/>
-          </a:xfrm>
-          <a:custGeom>
-            <a:avLst/>
-            <a:gdLst>
-              <a:gd name="connsiteX0" fmla="*/ 0 w 8085002"/>
-              <a:gd name="connsiteY0" fmla="*/ 0 h 149279"/>
-              <a:gd name="connsiteX1" fmla="*/ 8085002 w 8085002"/>
-              <a:gd name="connsiteY1" fmla="*/ 0 h 149279"/>
-              <a:gd name="connsiteX2" fmla="*/ 8085002 w 8085002"/>
-              <a:gd name="connsiteY2" fmla="*/ 149279 h 149279"/>
-              <a:gd name="connsiteX3" fmla="*/ 0 w 8085002"/>
-              <a:gd name="connsiteY3" fmla="*/ 149279 h 149279"/>
-            </a:gdLst>
-            <a:ahLst/>
-            <a:cxnLst>
-              <a:cxn ang="0">
-                <a:pos x="connsiteX0" y="connsiteY0"/>
-              </a:cxn>
-              <a:cxn ang="0">
-                <a:pos x="connsiteX1" y="connsiteY1"/>
-              </a:cxn>
-              <a:cxn ang="0">
-                <a:pos x="connsiteX2" y="connsiteY2"/>
-              </a:cxn>
-              <a:cxn ang="0">
-                <a:pos x="connsiteX3" y="connsiteY3"/>
-              </a:cxn>
-            </a:cxnLst>
-            <a:rect l="l" t="t" r="r" b="b"/>
-            <a:pathLst>
-              <a:path w="8085002" h="149279">
-                <a:moveTo>
-                  <a:pt x="0" y="0"/>
-                </a:moveTo>
-                <a:lnTo>
-                  <a:pt x="8085002" y="0"/>
-                </a:lnTo>
-                <a:lnTo>
-                  <a:pt x="8085002" y="149279"/>
-                </a:lnTo>
-                <a:lnTo>
-                  <a:pt x="0" y="149279"/>
-                </a:lnTo>
-                <a:close/>
-              </a:path>
-            </a:pathLst>
-          </a:custGeom>
-          <a:solidFill>
-            <a:schemeClr val="tx1"/>
-          </a:solidFill>
-          <a:ln>
-            <a:noFill/>
-          </a:ln>
-        </p:spPr>
-        <p:style>
-          <a:lnRef idx="2">
-            <a:schemeClr val="accent1">
-              <a:shade val="50000"/>
-            </a:schemeClr>
-          </a:lnRef>
-          <a:fillRef idx="1">
-            <a:schemeClr val="accent1"/>
-          </a:fillRef>
-          <a:effectRef idx="0">
-            <a:schemeClr val="accent1"/>
-          </a:effectRef>
-          <a:fontRef idx="minor">
-            <a:schemeClr val="lt1"/>
-          </a:fontRef>
-        </p:style>
-        <p:txBody>
-          <a:bodyPr wrap="square" rtlCol="0" anchor="ctr">
-            <a:noAutofit/>
-          </a:bodyPr>
-          <a:lstStyle/>
-          <a:p>
-            <a:pPr algn="ctr"/>
-            <a:endParaRPr lang="en-US"/>
-          </a:p>
-        </p:txBody>
-      </p:sp>
-      <p:sp>
-        <p:nvSpPr>
-          <p:cNvPr id="49" name="Freeform: Shape 48">
-            <a:extLst>
-              <a:ext uri="{FF2B5EF4-FFF2-40B4-BE49-F238E27FC236}">
-                <a16:creationId xmlns:a16="http://schemas.microsoft.com/office/drawing/2014/main" id="{74BCF1CC-D6F1-21D9-307D-C36BA9E87FB8}"/>
-              </a:ext>
-              <a:ext uri="{C183D7F6-B498-43B3-948B-1728B52AA6E4}">
-                <adec:decorative xmlns:adec="http://schemas.microsoft.com/office/drawing/2017/decorative" val="1"/>
-              </a:ext>
-            </a:extLst>
-          </p:cNvPr>
-          <p:cNvSpPr>
-            <a:spLocks noGrp="1" noRot="1" noChangeAspect="1" noMove="1" noResize="1" noEditPoints="1" noAdjustHandles="1" noChangeArrowheads="1" noChangeShapeType="1" noTextEdit="1"/>
-          </p:cNvSpPr>
-          <p:nvPr>
-            <p:extLst>
-              <p:ext uri="{386F3935-93C4-4BCD-93E2-E3B085C9AB24}">
-                <p16:designElem xmlns:p16="http://schemas.microsoft.com/office/powerpoint/2015/main" val="1"/>
-              </p:ext>
-            </p:extLst>
-          </p:nvPr>
-        </p:nvSpPr>
-        <p:spPr>
-          <a:xfrm>
-            <a:off x="517868" y="6209925"/>
-            <a:ext cx="11165482" cy="45719"/>
-          </a:xfrm>
-          <a:custGeom>
-            <a:avLst/>
-            <a:gdLst>
-              <a:gd name="connsiteX0" fmla="*/ 0 w 11165482"/>
-              <a:gd name="connsiteY0" fmla="*/ 0 h 45719"/>
-              <a:gd name="connsiteX1" fmla="*/ 3694525 w 11165482"/>
-              <a:gd name="connsiteY1" fmla="*/ 0 h 45719"/>
-              <a:gd name="connsiteX2" fmla="*/ 5021183 w 11165482"/>
-              <a:gd name="connsiteY2" fmla="*/ 0 h 45719"/>
-              <a:gd name="connsiteX3" fmla="*/ 6144299 w 11165482"/>
-              <a:gd name="connsiteY3" fmla="*/ 0 h 45719"/>
-              <a:gd name="connsiteX4" fmla="*/ 8715708 w 11165482"/>
-              <a:gd name="connsiteY4" fmla="*/ 0 h 45719"/>
-              <a:gd name="connsiteX5" fmla="*/ 11165482 w 11165482"/>
-              <a:gd name="connsiteY5" fmla="*/ 0 h 45719"/>
-              <a:gd name="connsiteX6" fmla="*/ 11165482 w 11165482"/>
-              <a:gd name="connsiteY6" fmla="*/ 45719 h 45719"/>
-              <a:gd name="connsiteX7" fmla="*/ 8715708 w 11165482"/>
-              <a:gd name="connsiteY7" fmla="*/ 45719 h 45719"/>
-              <a:gd name="connsiteX8" fmla="*/ 6144299 w 11165482"/>
-              <a:gd name="connsiteY8" fmla="*/ 45719 h 45719"/>
-              <a:gd name="connsiteX9" fmla="*/ 5021183 w 11165482"/>
-              <a:gd name="connsiteY9" fmla="*/ 45719 h 45719"/>
-              <a:gd name="connsiteX10" fmla="*/ 3694525 w 11165482"/>
-              <a:gd name="connsiteY10" fmla="*/ 45719 h 45719"/>
-              <a:gd name="connsiteX11" fmla="*/ 0 w 11165482"/>
-              <a:gd name="connsiteY11" fmla="*/ 45719 h 45719"/>
-              <a:gd name="connsiteX0" fmla="*/ 0 w 11165482"/>
-              <a:gd name="connsiteY0" fmla="*/ 0 h 45719"/>
-              <a:gd name="connsiteX1" fmla="*/ 3694525 w 11165482"/>
-              <a:gd name="connsiteY1" fmla="*/ 0 h 45719"/>
-              <a:gd name="connsiteX2" fmla="*/ 6144299 w 11165482"/>
-              <a:gd name="connsiteY2" fmla="*/ 0 h 45719"/>
-              <a:gd name="connsiteX3" fmla="*/ 8715708 w 11165482"/>
-              <a:gd name="connsiteY3" fmla="*/ 0 h 45719"/>
-              <a:gd name="connsiteX4" fmla="*/ 11165482 w 11165482"/>
-              <a:gd name="connsiteY4" fmla="*/ 0 h 45719"/>
-              <a:gd name="connsiteX5" fmla="*/ 11165482 w 11165482"/>
-              <a:gd name="connsiteY5" fmla="*/ 45719 h 45719"/>
-              <a:gd name="connsiteX6" fmla="*/ 8715708 w 11165482"/>
-              <a:gd name="connsiteY6" fmla="*/ 45719 h 45719"/>
-              <a:gd name="connsiteX7" fmla="*/ 6144299 w 11165482"/>
-              <a:gd name="connsiteY7" fmla="*/ 45719 h 45719"/>
-              <a:gd name="connsiteX8" fmla="*/ 5021183 w 11165482"/>
-              <a:gd name="connsiteY8" fmla="*/ 45719 h 45719"/>
-              <a:gd name="connsiteX9" fmla="*/ 3694525 w 11165482"/>
-              <a:gd name="connsiteY9" fmla="*/ 45719 h 45719"/>
-              <a:gd name="connsiteX10" fmla="*/ 0 w 11165482"/>
-              <a:gd name="connsiteY10" fmla="*/ 45719 h 45719"/>
-              <a:gd name="connsiteX11" fmla="*/ 0 w 11165482"/>
-              <a:gd name="connsiteY11" fmla="*/ 0 h 45719"/>
-              <a:gd name="connsiteX0" fmla="*/ 0 w 11165482"/>
-              <a:gd name="connsiteY0" fmla="*/ 0 h 45719"/>
-              <a:gd name="connsiteX1" fmla="*/ 3694525 w 11165482"/>
-              <a:gd name="connsiteY1" fmla="*/ 0 h 45719"/>
-              <a:gd name="connsiteX2" fmla="*/ 6144299 w 11165482"/>
-              <a:gd name="connsiteY2" fmla="*/ 0 h 45719"/>
-              <a:gd name="connsiteX3" fmla="*/ 8715708 w 11165482"/>
-              <a:gd name="connsiteY3" fmla="*/ 0 h 45719"/>
-              <a:gd name="connsiteX4" fmla="*/ 11165482 w 11165482"/>
-              <a:gd name="connsiteY4" fmla="*/ 0 h 45719"/>
-              <a:gd name="connsiteX5" fmla="*/ 11165482 w 11165482"/>
-              <a:gd name="connsiteY5" fmla="*/ 45719 h 45719"/>
-              <a:gd name="connsiteX6" fmla="*/ 8715708 w 11165482"/>
-              <a:gd name="connsiteY6" fmla="*/ 45719 h 45719"/>
-              <a:gd name="connsiteX7" fmla="*/ 6144299 w 11165482"/>
-              <a:gd name="connsiteY7" fmla="*/ 45719 h 45719"/>
-              <a:gd name="connsiteX8" fmla="*/ 5021183 w 11165482"/>
-              <a:gd name="connsiteY8" fmla="*/ 45719 h 45719"/>
-              <a:gd name="connsiteX9" fmla="*/ 0 w 11165482"/>
-              <a:gd name="connsiteY9" fmla="*/ 45719 h 45719"/>
-              <a:gd name="connsiteX10" fmla="*/ 0 w 11165482"/>
-              <a:gd name="connsiteY10" fmla="*/ 0 h 45719"/>
-              <a:gd name="connsiteX0" fmla="*/ 0 w 11165482"/>
-              <a:gd name="connsiteY0" fmla="*/ 0 h 45719"/>
-              <a:gd name="connsiteX1" fmla="*/ 6144299 w 11165482"/>
-              <a:gd name="connsiteY1" fmla="*/ 0 h 45719"/>
-              <a:gd name="connsiteX2" fmla="*/ 8715708 w 11165482"/>
-              <a:gd name="connsiteY2" fmla="*/ 0 h 45719"/>
-              <a:gd name="connsiteX3" fmla="*/ 11165482 w 11165482"/>
-              <a:gd name="connsiteY3" fmla="*/ 0 h 45719"/>
-              <a:gd name="connsiteX4" fmla="*/ 11165482 w 11165482"/>
-              <a:gd name="connsiteY4" fmla="*/ 45719 h 45719"/>
-              <a:gd name="connsiteX5" fmla="*/ 8715708 w 11165482"/>
-              <a:gd name="connsiteY5" fmla="*/ 45719 h 45719"/>
-              <a:gd name="connsiteX6" fmla="*/ 6144299 w 11165482"/>
-              <a:gd name="connsiteY6" fmla="*/ 45719 h 45719"/>
-              <a:gd name="connsiteX7" fmla="*/ 5021183 w 11165482"/>
-              <a:gd name="connsiteY7" fmla="*/ 45719 h 45719"/>
-              <a:gd name="connsiteX8" fmla="*/ 0 w 11165482"/>
-              <a:gd name="connsiteY8" fmla="*/ 45719 h 45719"/>
-              <a:gd name="connsiteX9" fmla="*/ 0 w 11165482"/>
-              <a:gd name="connsiteY9" fmla="*/ 0 h 45719"/>
-              <a:gd name="connsiteX0" fmla="*/ 0 w 11165482"/>
-              <a:gd name="connsiteY0" fmla="*/ 0 h 45719"/>
-              <a:gd name="connsiteX1" fmla="*/ 6144299 w 11165482"/>
-              <a:gd name="connsiteY1" fmla="*/ 0 h 45719"/>
-              <a:gd name="connsiteX2" fmla="*/ 8715708 w 11165482"/>
-              <a:gd name="connsiteY2" fmla="*/ 0 h 45719"/>
-              <a:gd name="connsiteX3" fmla="*/ 11165482 w 11165482"/>
-              <a:gd name="connsiteY3" fmla="*/ 0 h 45719"/>
-              <a:gd name="connsiteX4" fmla="*/ 11165482 w 11165482"/>
-              <a:gd name="connsiteY4" fmla="*/ 45719 h 45719"/>
-              <a:gd name="connsiteX5" fmla="*/ 8715708 w 11165482"/>
-              <a:gd name="connsiteY5" fmla="*/ 45719 h 45719"/>
-              <a:gd name="connsiteX6" fmla="*/ 5021183 w 11165482"/>
-              <a:gd name="connsiteY6" fmla="*/ 45719 h 45719"/>
-              <a:gd name="connsiteX7" fmla="*/ 0 w 11165482"/>
-              <a:gd name="connsiteY7" fmla="*/ 45719 h 45719"/>
-              <a:gd name="connsiteX8" fmla="*/ 0 w 11165482"/>
-              <a:gd name="connsiteY8" fmla="*/ 0 h 45719"/>
-              <a:gd name="connsiteX0" fmla="*/ 0 w 11165482"/>
-              <a:gd name="connsiteY0" fmla="*/ 0 h 45719"/>
-              <a:gd name="connsiteX1" fmla="*/ 8715708 w 11165482"/>
-              <a:gd name="connsiteY1" fmla="*/ 0 h 45719"/>
-              <a:gd name="connsiteX2" fmla="*/ 11165482 w 11165482"/>
-              <a:gd name="connsiteY2" fmla="*/ 0 h 45719"/>
-              <a:gd name="connsiteX3" fmla="*/ 11165482 w 11165482"/>
-              <a:gd name="connsiteY3" fmla="*/ 45719 h 45719"/>
-              <a:gd name="connsiteX4" fmla="*/ 8715708 w 11165482"/>
-              <a:gd name="connsiteY4" fmla="*/ 45719 h 45719"/>
-              <a:gd name="connsiteX5" fmla="*/ 5021183 w 11165482"/>
-              <a:gd name="connsiteY5" fmla="*/ 45719 h 45719"/>
-              <a:gd name="connsiteX6" fmla="*/ 0 w 11165482"/>
-              <a:gd name="connsiteY6" fmla="*/ 45719 h 45719"/>
-              <a:gd name="connsiteX7" fmla="*/ 0 w 11165482"/>
-              <a:gd name="connsiteY7" fmla="*/ 0 h 45719"/>
-              <a:gd name="connsiteX0" fmla="*/ 0 w 11165482"/>
-              <a:gd name="connsiteY0" fmla="*/ 0 h 45719"/>
-              <a:gd name="connsiteX1" fmla="*/ 8715708 w 11165482"/>
-              <a:gd name="connsiteY1" fmla="*/ 0 h 45719"/>
-              <a:gd name="connsiteX2" fmla="*/ 11165482 w 11165482"/>
-              <a:gd name="connsiteY2" fmla="*/ 0 h 45719"/>
-              <a:gd name="connsiteX3" fmla="*/ 11165482 w 11165482"/>
-              <a:gd name="connsiteY3" fmla="*/ 45719 h 45719"/>
-              <a:gd name="connsiteX4" fmla="*/ 8715708 w 11165482"/>
-              <a:gd name="connsiteY4" fmla="*/ 45719 h 45719"/>
-              <a:gd name="connsiteX5" fmla="*/ 0 w 11165482"/>
-              <a:gd name="connsiteY5" fmla="*/ 45719 h 45719"/>
-              <a:gd name="connsiteX6" fmla="*/ 0 w 11165482"/>
-              <a:gd name="connsiteY6" fmla="*/ 0 h 45719"/>
-              <a:gd name="connsiteX0" fmla="*/ 0 w 11165482"/>
-              <a:gd name="connsiteY0" fmla="*/ 0 h 45719"/>
-              <a:gd name="connsiteX1" fmla="*/ 8715708 w 11165482"/>
-              <a:gd name="connsiteY1" fmla="*/ 0 h 45719"/>
-              <a:gd name="connsiteX2" fmla="*/ 11165482 w 11165482"/>
-              <a:gd name="connsiteY2" fmla="*/ 0 h 45719"/>
-              <a:gd name="connsiteX3" fmla="*/ 11165482 w 11165482"/>
-              <a:gd name="connsiteY3" fmla="*/ 45719 h 45719"/>
-              <a:gd name="connsiteX4" fmla="*/ 0 w 11165482"/>
-              <a:gd name="connsiteY4" fmla="*/ 45719 h 45719"/>
-              <a:gd name="connsiteX5" fmla="*/ 0 w 11165482"/>
-              <a:gd name="connsiteY5" fmla="*/ 0 h 45719"/>
-              <a:gd name="connsiteX0" fmla="*/ 0 w 11165482"/>
-              <a:gd name="connsiteY0" fmla="*/ 0 h 45719"/>
-              <a:gd name="connsiteX1" fmla="*/ 11165482 w 11165482"/>
-              <a:gd name="connsiteY1" fmla="*/ 0 h 45719"/>
-              <a:gd name="connsiteX2" fmla="*/ 11165482 w 11165482"/>
-              <a:gd name="connsiteY2" fmla="*/ 45719 h 45719"/>
-              <a:gd name="connsiteX3" fmla="*/ 0 w 11165482"/>
-              <a:gd name="connsiteY3" fmla="*/ 45719 h 45719"/>
-              <a:gd name="connsiteX4" fmla="*/ 0 w 11165482"/>
-              <a:gd name="connsiteY4" fmla="*/ 0 h 45719"/>
-            </a:gdLst>
-            <a:ahLst/>
-            <a:cxnLst>
-              <a:cxn ang="0">
-                <a:pos x="connsiteX0" y="connsiteY0"/>
-              </a:cxn>
-              <a:cxn ang="0">
-                <a:pos x="connsiteX1" y="connsiteY1"/>
-              </a:cxn>
-              <a:cxn ang="0">
-                <a:pos x="connsiteX2" y="connsiteY2"/>
-              </a:cxn>
-              <a:cxn ang="0">
-                <a:pos x="connsiteX3" y="connsiteY3"/>
-              </a:cxn>
-              <a:cxn ang="0">
-                <a:pos x="connsiteX4" y="connsiteY4"/>
-              </a:cxn>
-            </a:cxnLst>
-            <a:rect l="l" t="t" r="r" b="b"/>
-            <a:pathLst>
-              <a:path w="11165482" h="45719">
-                <a:moveTo>
-                  <a:pt x="0" y="0"/>
-                </a:moveTo>
-                <a:lnTo>
-                  <a:pt x="11165482" y="0"/>
-                </a:lnTo>
-                <a:lnTo>
-                  <a:pt x="11165482" y="45719"/>
-                </a:lnTo>
-                <a:lnTo>
-                  <a:pt x="0" y="45719"/>
-                </a:lnTo>
-                <a:lnTo>
-                  <a:pt x="0" y="0"/>
-                </a:lnTo>
-                <a:close/>
-              </a:path>
-            </a:pathLst>
-          </a:custGeom>
-          <a:solidFill>
-            <a:schemeClr val="tx1"/>
-          </a:solidFill>
-          <a:ln>
-            <a:noFill/>
-          </a:ln>
-        </p:spPr>
-        <p:style>
-          <a:lnRef idx="2">
-            <a:schemeClr val="accent1">
-              <a:shade val="50000"/>
-            </a:schemeClr>
-          </a:lnRef>
-          <a:fillRef idx="1">
-            <a:schemeClr val="accent1"/>
-          </a:fillRef>
-          <a:effectRef idx="0">
-            <a:schemeClr val="accent1"/>
-          </a:effectRef>
-          <a:fontRef idx="minor">
-            <a:schemeClr val="lt1"/>
-          </a:fontRef>
-        </p:style>
-        <p:txBody>
-          <a:bodyPr wrap="square" rtlCol="0" anchor="ctr">
-            <a:noAutofit/>
-          </a:bodyPr>
-          <a:lstStyle/>
-          <a:p>
-            <a:pPr algn="ctr"/>
-            <a:endParaRPr lang="en-US"/>
           </a:p>
         </p:txBody>
       </p:sp>
@@ -12501,59 +16615,119 @@
 </file>
 
 <file path=ppt/theme/theme1.xml><?xml version="1.0" encoding="utf-8"?>
-<a:theme xmlns:a="http://schemas.openxmlformats.org/drawingml/2006/main" name="GestaltVTI">
+<a:theme xmlns:a="http://schemas.openxmlformats.org/drawingml/2006/main" name="Parallax">
   <a:themeElements>
-    <a:clrScheme name="Gestalt">
+    <a:clrScheme name="Parallax">
       <a:dk1>
-        <a:srgbClr val="000000"/>
+        <a:sysClr val="windowText" lastClr="000000"/>
       </a:dk1>
       <a:lt1>
         <a:sysClr val="window" lastClr="FFFFFF"/>
       </a:lt1>
       <a:dk2>
-        <a:srgbClr val="262626"/>
+        <a:srgbClr val="212121"/>
       </a:dk2>
       <a:lt2>
-        <a:srgbClr val="F7F7F7"/>
+        <a:srgbClr val="CDD0D1"/>
       </a:lt2>
       <a:accent1>
-        <a:srgbClr val="EBA000"/>
+        <a:srgbClr val="30ACEC"/>
       </a:accent1>
       <a:accent2>
-        <a:srgbClr val="00BAC8"/>
+        <a:srgbClr val="80C34F"/>
       </a:accent2>
       <a:accent3>
-        <a:srgbClr val="E64823"/>
+        <a:srgbClr val="E29D3E"/>
       </a:accent3>
       <a:accent4>
-        <a:srgbClr val="4D5AFF"/>
+        <a:srgbClr val="D64A3B"/>
       </a:accent4>
       <a:accent5>
-        <a:srgbClr val="FE5D21"/>
+        <a:srgbClr val="D64787"/>
       </a:accent5>
       <a:accent6>
-        <a:srgbClr val="00C777"/>
+        <a:srgbClr val="A666E1"/>
       </a:accent6>
       <a:hlink>
-        <a:srgbClr val="2998E3"/>
+        <a:srgbClr val="3085ED"/>
       </a:hlink>
       <a:folHlink>
-        <a:srgbClr val="939393"/>
+        <a:srgbClr val="82B6F4"/>
       </a:folHlink>
     </a:clrScheme>
-    <a:fontScheme name="Gestalt">
+    <a:fontScheme name="Parallax">
       <a:majorFont>
-        <a:latin typeface="Bierstadt"/>
+        <a:latin typeface="Corbel" panose="020B0503020204020204"/>
         <a:ea typeface=""/>
         <a:cs typeface=""/>
+        <a:font script="Jpan" typeface="HGｺﾞｼｯｸM"/>
+        <a:font script="Hang" typeface="HY엽서L"/>
+        <a:font script="Hans" typeface="华文楷体"/>
+        <a:font script="Hant" typeface="新細明體"/>
+        <a:font script="Arab" typeface="Tahoma"/>
+        <a:font script="Hebr" typeface="Miriam"/>
+        <a:font script="Thai" typeface="DilleniaUPC"/>
+        <a:font script="Ethi" typeface="Nyala"/>
+        <a:font script="Beng" typeface="Vrinda"/>
+        <a:font script="Gujr" typeface="Shruti"/>
+        <a:font script="Khmr" typeface="DaunPenh"/>
+        <a:font script="Knda" typeface="Tunga"/>
+        <a:font script="Guru" typeface="Raavi"/>
+        <a:font script="Cans" typeface="Euphemia"/>
+        <a:font script="Cher" typeface="Plantagenet Cherokee"/>
+        <a:font script="Yiii" typeface="Microsoft Yi Baiti"/>
+        <a:font script="Tibt" typeface="Microsoft Himalaya"/>
+        <a:font script="Thaa" typeface="MV Boli"/>
+        <a:font script="Deva" typeface="Mangal"/>
+        <a:font script="Telu" typeface="Gautami"/>
+        <a:font script="Taml" typeface="Latha"/>
+        <a:font script="Syrc" typeface="Estrangelo Edessa"/>
+        <a:font script="Orya" typeface="Kalinga"/>
+        <a:font script="Mlym" typeface="Kartika"/>
+        <a:font script="Laoo" typeface="DokChampa"/>
+        <a:font script="Sinh" typeface="Iskoola Pota"/>
+        <a:font script="Mong" typeface="Mongolian Baiti"/>
+        <a:font script="Viet" typeface="Arial"/>
+        <a:font script="Uigh" typeface="Microsoft Uighur"/>
+        <a:font script="Geor" typeface="Sylfaen"/>
       </a:majorFont>
       <a:minorFont>
-        <a:latin typeface="Bierstadt"/>
+        <a:latin typeface="Corbel" panose="020B0503020204020204"/>
         <a:ea typeface=""/>
         <a:cs typeface=""/>
+        <a:font script="Jpan" typeface="HGｺﾞｼｯｸM"/>
+        <a:font script="Hang" typeface="HY엽서L"/>
+        <a:font script="Hans" typeface="华文楷体"/>
+        <a:font script="Hant" typeface="新細明體"/>
+        <a:font script="Arab" typeface="Tahoma"/>
+        <a:font script="Hebr" typeface="Miriam"/>
+        <a:font script="Thai" typeface="DilleniaUPC"/>
+        <a:font script="Ethi" typeface="Nyala"/>
+        <a:font script="Beng" typeface="Vrinda"/>
+        <a:font script="Gujr" typeface="Shruti"/>
+        <a:font script="Khmr" typeface="DaunPenh"/>
+        <a:font script="Knda" typeface="Tunga"/>
+        <a:font script="Guru" typeface="Raavi"/>
+        <a:font script="Cans" typeface="Euphemia"/>
+        <a:font script="Cher" typeface="Plantagenet Cherokee"/>
+        <a:font script="Yiii" typeface="Microsoft Yi Baiti"/>
+        <a:font script="Tibt" typeface="Microsoft Himalaya"/>
+        <a:font script="Thaa" typeface="MV Boli"/>
+        <a:font script="Deva" typeface="Mangal"/>
+        <a:font script="Telu" typeface="Gautami"/>
+        <a:font script="Taml" typeface="Latha"/>
+        <a:font script="Syrc" typeface="Estrangelo Edessa"/>
+        <a:font script="Orya" typeface="Kalinga"/>
+        <a:font script="Mlym" typeface="Kartika"/>
+        <a:font script="Laoo" typeface="DokChampa"/>
+        <a:font script="Sinh" typeface="Iskoola Pota"/>
+        <a:font script="Mong" typeface="Mongolian Baiti"/>
+        <a:font script="Viet" typeface="Arial"/>
+        <a:font script="Uigh" typeface="Microsoft Uighur"/>
+        <a:font script="Geor" typeface="Sylfaen"/>
       </a:minorFont>
     </a:fontScheme>
-    <a:fmtScheme name="Office">
+    <a:fmtScheme name="Parallax">
       <a:fillStyleLst>
         <a:solidFill>
           <a:schemeClr val="phClr"/>
@@ -12562,23 +16736,13 @@
           <a:gsLst>
             <a:gs pos="0">
               <a:schemeClr val="phClr">
-                <a:lumMod val="110000"/>
-                <a:satMod val="105000"/>
-                <a:tint val="67000"/>
-              </a:schemeClr>
-            </a:gs>
-            <a:gs pos="50000">
-              <a:schemeClr val="phClr">
-                <a:lumMod val="105000"/>
-                <a:satMod val="103000"/>
-                <a:tint val="73000"/>
+                <a:tint val="60000"/>
+                <a:lumMod val="104000"/>
               </a:schemeClr>
             </a:gs>
             <a:gs pos="100000">
               <a:schemeClr val="phClr">
-                <a:lumMod val="105000"/>
-                <a:satMod val="109000"/>
-                <a:tint val="81000"/>
+                <a:tint val="84000"/>
               </a:schemeClr>
             </a:gs>
           </a:gsLst>
@@ -12588,50 +16752,42 @@
           <a:gsLst>
             <a:gs pos="0">
               <a:schemeClr val="phClr">
-                <a:satMod val="103000"/>
+                <a:tint val="96000"/>
                 <a:lumMod val="102000"/>
-                <a:tint val="94000"/>
-              </a:schemeClr>
-            </a:gs>
-            <a:gs pos="50000">
-              <a:schemeClr val="phClr">
-                <a:satMod val="110000"/>
-                <a:lumMod val="100000"/>
-                <a:shade val="100000"/>
               </a:schemeClr>
             </a:gs>
             <a:gs pos="100000">
               <a:schemeClr val="phClr">
-                <a:lumMod val="99000"/>
-                <a:satMod val="120000"/>
-                <a:shade val="78000"/>
+                <a:shade val="88000"/>
+                <a:lumMod val="94000"/>
               </a:schemeClr>
             </a:gs>
           </a:gsLst>
-          <a:lin ang="5400000" scaled="0"/>
+          <a:path path="circle">
+            <a:fillToRect l="50000" t="100000" r="100000" b="50000"/>
+          </a:path>
         </a:gradFill>
       </a:fillStyleLst>
       <a:lnStyleLst>
-        <a:ln w="12700" cap="flat" cmpd="sng" algn="ctr">
+        <a:ln w="9525" cap="rnd" cmpd="sng" algn="ctr">
+          <a:solidFill>
+            <a:schemeClr val="phClr">
+              <a:tint val="60000"/>
+            </a:schemeClr>
+          </a:solidFill>
+          <a:prstDash val="solid"/>
+        </a:ln>
+        <a:ln w="15875" cap="rnd" cmpd="sng" algn="ctr">
           <a:solidFill>
             <a:schemeClr val="phClr"/>
           </a:solidFill>
           <a:prstDash val="solid"/>
-          <a:miter lim="800000"/>
         </a:ln>
-        <a:ln w="19050" cap="flat" cmpd="sng" algn="ctr">
+        <a:ln w="22225" cap="rnd" cmpd="sng" algn="ctr">
           <a:solidFill>
             <a:schemeClr val="phClr"/>
           </a:solidFill>
           <a:prstDash val="solid"/>
-          <a:miter lim="800000"/>
-        </a:ln>
-        <a:ln w="25400" cap="flat" cmpd="sng" algn="ctr">
-          <a:solidFill>
-            <a:schemeClr val="phClr"/>
-          </a:solidFill>
-          <a:prstDash val="solid"/>
-          <a:miter lim="800000"/>
         </a:ln>
       </a:lnStyleLst>
       <a:effectStyleLst>
@@ -12639,83 +16795,76 @@
           <a:effectLst/>
         </a:effectStyle>
         <a:effectStyle>
-          <a:effectLst/>
+          <a:effectLst>
+            <a:reflection blurRad="12700" stA="26000" endPos="32000" dist="12700" dir="5400000" sy="-100000" rotWithShape="0"/>
+          </a:effectLst>
         </a:effectStyle>
         <a:effectStyle>
           <a:effectLst>
-            <a:outerShdw blurRad="57150" dist="19050" dir="5400000" algn="ctr" rotWithShape="0">
+            <a:outerShdw blurRad="38100" dist="25400" dir="5400000" rotWithShape="0">
               <a:srgbClr val="000000">
-                <a:alpha val="63000"/>
+                <a:alpha val="64000"/>
               </a:srgbClr>
             </a:outerShdw>
           </a:effectLst>
+          <a:scene3d>
+            <a:camera prst="orthographicFront">
+              <a:rot lat="0" lon="0" rev="0"/>
+            </a:camera>
+            <a:lightRig rig="threePt" dir="tl">
+              <a:rot lat="0" lon="0" rev="1200000"/>
+            </a:lightRig>
+          </a:scene3d>
+          <a:sp3d>
+            <a:bevelT w="25400" h="12700"/>
+          </a:sp3d>
         </a:effectStyle>
       </a:effectStyleLst>
       <a:bgFillStyleLst>
         <a:solidFill>
           <a:schemeClr val="phClr"/>
         </a:solidFill>
-        <a:solidFill>
-          <a:schemeClr val="phClr">
-            <a:tint val="95000"/>
-            <a:satMod val="170000"/>
-          </a:schemeClr>
-        </a:solidFill>
         <a:gradFill rotWithShape="1">
           <a:gsLst>
             <a:gs pos="0">
               <a:schemeClr val="phClr">
-                <a:tint val="93000"/>
-                <a:satMod val="150000"/>
-                <a:shade val="98000"/>
-                <a:lumMod val="102000"/>
-              </a:schemeClr>
-            </a:gs>
-            <a:gs pos="50000">
-              <a:schemeClr val="phClr">
-                <a:tint val="98000"/>
-                <a:satMod val="130000"/>
-                <a:shade val="90000"/>
-                <a:lumMod val="103000"/>
+                <a:tint val="90000"/>
+                <a:lumMod val="110000"/>
               </a:schemeClr>
             </a:gs>
             <a:gs pos="100000">
               <a:schemeClr val="phClr">
-                <a:shade val="63000"/>
-                <a:satMod val="120000"/>
+                <a:shade val="64000"/>
+                <a:lumMod val="98000"/>
               </a:schemeClr>
             </a:gs>
           </a:gsLst>
           <a:lin ang="5400000" scaled="0"/>
         </a:gradFill>
+        <a:blipFill rotWithShape="1">
+          <a:blip xmlns:r="http://schemas.openxmlformats.org/officeDocument/2006/relationships" r:embed="rId1">
+            <a:duotone>
+              <a:schemeClr val="phClr">
+                <a:shade val="76000"/>
+                <a:satMod val="180000"/>
+              </a:schemeClr>
+              <a:schemeClr val="phClr">
+                <a:tint val="80000"/>
+                <a:satMod val="120000"/>
+                <a:lumMod val="180000"/>
+              </a:schemeClr>
+            </a:duotone>
+          </a:blip>
+          <a:stretch/>
+        </a:blipFill>
       </a:bgFillStyleLst>
     </a:fmtScheme>
   </a:themeElements>
-  <a:objectDefaults>
-    <a:lnDef>
-      <a:spPr/>
-      <a:bodyPr/>
-      <a:lstStyle/>
-      <a:style>
-        <a:lnRef idx="2">
-          <a:schemeClr val="accent1"/>
-        </a:lnRef>
-        <a:fillRef idx="0">
-          <a:schemeClr val="accent1"/>
-        </a:fillRef>
-        <a:effectRef idx="1">
-          <a:schemeClr val="accent1"/>
-        </a:effectRef>
-        <a:fontRef idx="minor">
-          <a:schemeClr val="tx1"/>
-        </a:fontRef>
-      </a:style>
-    </a:lnDef>
-  </a:objectDefaults>
+  <a:objectDefaults/>
   <a:extraClrSchemeLst/>
   <a:extLst>
     <a:ext uri="{05A4C25C-085E-4340-85A3-A5531E510DB2}">
-      <thm15:themeFamily xmlns:thm15="http://schemas.microsoft.com/office/thememl/2012/main" name="GestaltVTI" id="{4F87C71D-53D1-4B71-BF97-FD0EA4B25665}" vid="{A110AFC4-8D8A-4C02-8885-7BA370B379B5}"/>
+      <thm15:themeFamily xmlns:thm15="http://schemas.microsoft.com/office/thememl/2012/main" name="Parallax" id="{3388167B-A2EB-4685-9635-1831D9AEF8C4}" vid="{4F7A876A-7598-49CA-AFC8-8EDA2551E4A7}"/>
     </a:ext>
   </a:extLst>
 </a:theme>

--- a/New Microsoft PowerPoint Presentation.pptx
+++ b/New Microsoft PowerPoint Presentation.pptx
@@ -5,7 +5,7 @@
     <p:sldMasterId id="2147483749" r:id="rId1"/>
   </p:sldMasterIdLst>
   <p:notesMasterIdLst>
-    <p:notesMasterId r:id="rId41"/>
+    <p:notesMasterId r:id="rId52"/>
   </p:notesMasterIdLst>
   <p:sldIdLst>
     <p:sldId id="256" r:id="rId2"/>
@@ -38,15 +38,26 @@
     <p:sldId id="278" r:id="rId29"/>
     <p:sldId id="279" r:id="rId30"/>
     <p:sldId id="280" r:id="rId31"/>
-    <p:sldId id="281" r:id="rId32"/>
-    <p:sldId id="282" r:id="rId33"/>
-    <p:sldId id="283" r:id="rId34"/>
-    <p:sldId id="284" r:id="rId35"/>
-    <p:sldId id="285" r:id="rId36"/>
-    <p:sldId id="286" r:id="rId37"/>
-    <p:sldId id="287" r:id="rId38"/>
-    <p:sldId id="288" r:id="rId39"/>
-    <p:sldId id="289" r:id="rId40"/>
+    <p:sldId id="295" r:id="rId32"/>
+    <p:sldId id="296" r:id="rId33"/>
+    <p:sldId id="281" r:id="rId34"/>
+    <p:sldId id="297" r:id="rId35"/>
+    <p:sldId id="282" r:id="rId36"/>
+    <p:sldId id="298" r:id="rId37"/>
+    <p:sldId id="283" r:id="rId38"/>
+    <p:sldId id="299" r:id="rId39"/>
+    <p:sldId id="284" r:id="rId40"/>
+    <p:sldId id="301" r:id="rId41"/>
+    <p:sldId id="300" r:id="rId42"/>
+    <p:sldId id="302" r:id="rId43"/>
+    <p:sldId id="303" r:id="rId44"/>
+    <p:sldId id="304" r:id="rId45"/>
+    <p:sldId id="305" r:id="rId46"/>
+    <p:sldId id="285" r:id="rId47"/>
+    <p:sldId id="286" r:id="rId48"/>
+    <p:sldId id="287" r:id="rId49"/>
+    <p:sldId id="288" r:id="rId50"/>
+    <p:sldId id="289" r:id="rId51"/>
   </p:sldIdLst>
   <p:sldSz cx="12192000" cy="6858000"/>
   <p:notesSz cx="6858000" cy="9144000"/>
@@ -184,10 +195,21 @@
             <p14:sldId id="278"/>
             <p14:sldId id="279"/>
             <p14:sldId id="280"/>
+            <p14:sldId id="295"/>
+            <p14:sldId id="296"/>
             <p14:sldId id="281"/>
+            <p14:sldId id="297"/>
             <p14:sldId id="282"/>
+            <p14:sldId id="298"/>
             <p14:sldId id="283"/>
+            <p14:sldId id="299"/>
             <p14:sldId id="284"/>
+            <p14:sldId id="301"/>
+            <p14:sldId id="300"/>
+            <p14:sldId id="302"/>
+            <p14:sldId id="303"/>
+            <p14:sldId id="304"/>
+            <p14:sldId id="305"/>
             <p14:sldId id="285"/>
             <p14:sldId id="286"/>
             <p14:sldId id="287"/>
@@ -21894,6 +21916,27 @@
 <file path=ppt/slides/slide30.xml><?xml version="1.0" encoding="utf-8"?>
 <p:sld xmlns:a="http://schemas.openxmlformats.org/drawingml/2006/main" xmlns:r="http://schemas.openxmlformats.org/officeDocument/2006/relationships" xmlns:p="http://schemas.openxmlformats.org/presentationml/2006/main">
   <p:cSld>
+    <p:bg>
+      <p:bgPr>
+        <a:blipFill rotWithShape="1">
+          <a:blip r:embed="rId2">
+            <a:duotone>
+              <a:schemeClr val="bg2">
+                <a:shade val="76000"/>
+                <a:satMod val="180000"/>
+              </a:schemeClr>
+              <a:schemeClr val="bg2">
+                <a:tint val="80000"/>
+                <a:satMod val="120000"/>
+                <a:lumMod val="180000"/>
+              </a:schemeClr>
+            </a:duotone>
+          </a:blip>
+          <a:stretch/>
+        </a:blipFill>
+        <a:effectLst/>
+      </p:bgPr>
+    </p:bg>
     <p:spTree>
       <p:nvGrpSpPr>
         <p:cNvPr id="1" name=""/>
@@ -21908,6 +21951,468 @@
           <a:chExt cx="0" cy="0"/>
         </a:xfrm>
       </p:grpSpPr>
+      <p:grpSp>
+        <p:nvGrpSpPr>
+          <p:cNvPr id="9" name="Group 8">
+            <a:extLst>
+              <a:ext uri="{FF2B5EF4-FFF2-40B4-BE49-F238E27FC236}">
+                <a16:creationId xmlns:a16="http://schemas.microsoft.com/office/drawing/2014/main" id="{C616B3DC-C165-433D-9187-62DCC0E317D3}"/>
+              </a:ext>
+              <a:ext uri="{C183D7F6-B498-43B3-948B-1728B52AA6E4}">
+                <adec:decorative xmlns:adec="http://schemas.microsoft.com/office/drawing/2017/decorative" val="1"/>
+              </a:ext>
+            </a:extLst>
+          </p:cNvPr>
+          <p:cNvGrpSpPr>
+            <a:grpSpLocks noGrp="1" noUngrp="1" noRot="1" noChangeAspect="1" noMove="1" noResize="1"/>
+          </p:cNvGrpSpPr>
+          <p:nvPr>
+            <p:extLst>
+              <p:ext uri="{386F3935-93C4-4BCD-93E2-E3B085C9AB24}">
+                <p16:designElem xmlns:p16="http://schemas.microsoft.com/office/powerpoint/2015/main" val="1"/>
+              </p:ext>
+            </p:extLst>
+          </p:nvPr>
+        </p:nvGrpSpPr>
+        <p:grpSpPr>
+          <a:xfrm>
+            <a:off x="546100" y="-4763"/>
+            <a:ext cx="5014912" cy="6862763"/>
+            <a:chOff x="2928938" y="-4763"/>
+            <a:chExt cx="5014912" cy="6862763"/>
+          </a:xfrm>
+        </p:grpSpPr>
+        <p:sp>
+          <p:nvSpPr>
+            <p:cNvPr id="10" name="Freeform 6">
+              <a:extLst>
+                <a:ext uri="{FF2B5EF4-FFF2-40B4-BE49-F238E27FC236}">
+                  <a16:creationId xmlns:a16="http://schemas.microsoft.com/office/drawing/2014/main" id="{97E1BF84-9824-4B0E-98DF-F0F7181DD062}"/>
+                </a:ext>
+                <a:ext uri="{C183D7F6-B498-43B3-948B-1728B52AA6E4}">
+                  <adec:decorative xmlns:adec="http://schemas.microsoft.com/office/drawing/2017/decorative" val="1"/>
+                </a:ext>
+              </a:extLst>
+            </p:cNvPr>
+            <p:cNvSpPr/>
+            <p:nvPr>
+              <p:extLst>
+                <p:ext uri="{386F3935-93C4-4BCD-93E2-E3B085C9AB24}">
+                  <p16:designElem xmlns:p16="http://schemas.microsoft.com/office/powerpoint/2015/main" val="1"/>
+                </p:ext>
+              </p:extLst>
+            </p:nvPr>
+          </p:nvSpPr>
+          <p:spPr bwMode="auto">
+            <a:xfrm>
+              <a:off x="3367088" y="-4763"/>
+              <a:ext cx="1063625" cy="2782888"/>
+            </a:xfrm>
+            <a:custGeom>
+              <a:avLst/>
+              <a:gdLst/>
+              <a:ahLst/>
+              <a:cxnLst/>
+              <a:rect l="0" t="0" r="r" b="b"/>
+              <a:pathLst>
+                <a:path w="670" h="1753">
+                  <a:moveTo>
+                    <a:pt x="0" y="1696"/>
+                  </a:moveTo>
+                  <a:lnTo>
+                    <a:pt x="225" y="1753"/>
+                  </a:lnTo>
+                  <a:lnTo>
+                    <a:pt x="670" y="0"/>
+                  </a:lnTo>
+                  <a:lnTo>
+                    <a:pt x="430" y="0"/>
+                  </a:lnTo>
+                  <a:lnTo>
+                    <a:pt x="0" y="1696"/>
+                  </a:lnTo>
+                  <a:close/>
+                </a:path>
+              </a:pathLst>
+            </a:custGeom>
+            <a:solidFill>
+              <a:schemeClr val="accent1"/>
+            </a:solidFill>
+            <a:ln>
+              <a:noFill/>
+            </a:ln>
+          </p:spPr>
+          <p:txBody>
+            <a:bodyPr/>
+            <a:lstStyle/>
+            <a:p>
+              <a:endParaRPr lang="en-US"/>
+            </a:p>
+          </p:txBody>
+        </p:sp>
+        <p:sp>
+          <p:nvSpPr>
+            <p:cNvPr id="11" name="Freeform 7">
+              <a:extLst>
+                <a:ext uri="{FF2B5EF4-FFF2-40B4-BE49-F238E27FC236}">
+                  <a16:creationId xmlns:a16="http://schemas.microsoft.com/office/drawing/2014/main" id="{A85FA340-7392-4303-9707-A12F45A46F96}"/>
+                </a:ext>
+                <a:ext uri="{C183D7F6-B498-43B3-948B-1728B52AA6E4}">
+                  <adec:decorative xmlns:adec="http://schemas.microsoft.com/office/drawing/2017/decorative" val="1"/>
+                </a:ext>
+              </a:extLst>
+            </p:cNvPr>
+            <p:cNvSpPr/>
+            <p:nvPr>
+              <p:extLst>
+                <p:ext uri="{386F3935-93C4-4BCD-93E2-E3B085C9AB24}">
+                  <p16:designElem xmlns:p16="http://schemas.microsoft.com/office/powerpoint/2015/main" val="1"/>
+                </p:ext>
+              </p:extLst>
+            </p:nvPr>
+          </p:nvSpPr>
+          <p:spPr bwMode="auto">
+            <a:xfrm>
+              <a:off x="2928938" y="-4763"/>
+              <a:ext cx="1035050" cy="2673350"/>
+            </a:xfrm>
+            <a:custGeom>
+              <a:avLst/>
+              <a:gdLst/>
+              <a:ahLst/>
+              <a:cxnLst/>
+              <a:rect l="0" t="0" r="r" b="b"/>
+              <a:pathLst>
+                <a:path w="652" h="1684">
+                  <a:moveTo>
+                    <a:pt x="225" y="1684"/>
+                  </a:moveTo>
+                  <a:lnTo>
+                    <a:pt x="652" y="0"/>
+                  </a:lnTo>
+                  <a:lnTo>
+                    <a:pt x="411" y="0"/>
+                  </a:lnTo>
+                  <a:lnTo>
+                    <a:pt x="0" y="1627"/>
+                  </a:lnTo>
+                  <a:lnTo>
+                    <a:pt x="219" y="1681"/>
+                  </a:lnTo>
+                  <a:lnTo>
+                    <a:pt x="225" y="1684"/>
+                  </a:lnTo>
+                  <a:close/>
+                </a:path>
+              </a:pathLst>
+            </a:custGeom>
+            <a:solidFill>
+              <a:schemeClr val="tx1">
+                <a:lumMod val="65000"/>
+                <a:lumOff val="35000"/>
+              </a:schemeClr>
+            </a:solidFill>
+            <a:ln>
+              <a:noFill/>
+            </a:ln>
+          </p:spPr>
+          <p:txBody>
+            <a:bodyPr/>
+            <a:lstStyle/>
+            <a:p>
+              <a:endParaRPr lang="en-US"/>
+            </a:p>
+          </p:txBody>
+        </p:sp>
+        <p:sp>
+          <p:nvSpPr>
+            <p:cNvPr id="12" name="Freeform 9">
+              <a:extLst>
+                <a:ext uri="{FF2B5EF4-FFF2-40B4-BE49-F238E27FC236}">
+                  <a16:creationId xmlns:a16="http://schemas.microsoft.com/office/drawing/2014/main" id="{758A9051-2BD9-4868-8B84-344752FA2F60}"/>
+                </a:ext>
+                <a:ext uri="{C183D7F6-B498-43B3-948B-1728B52AA6E4}">
+                  <adec:decorative xmlns:adec="http://schemas.microsoft.com/office/drawing/2017/decorative" val="1"/>
+                </a:ext>
+              </a:extLst>
+            </p:cNvPr>
+            <p:cNvSpPr/>
+            <p:nvPr>
+              <p:extLst>
+                <p:ext uri="{386F3935-93C4-4BCD-93E2-E3B085C9AB24}">
+                  <p16:designElem xmlns:p16="http://schemas.microsoft.com/office/powerpoint/2015/main" val="1"/>
+                </p:ext>
+              </p:extLst>
+            </p:nvPr>
+          </p:nvSpPr>
+          <p:spPr bwMode="auto">
+            <a:xfrm>
+              <a:off x="2928938" y="2582862"/>
+              <a:ext cx="2693987" cy="4275138"/>
+            </a:xfrm>
+            <a:custGeom>
+              <a:avLst/>
+              <a:gdLst/>
+              <a:ahLst/>
+              <a:cxnLst/>
+              <a:rect l="0" t="0" r="r" b="b"/>
+              <a:pathLst>
+                <a:path w="1697" h="2693">
+                  <a:moveTo>
+                    <a:pt x="0" y="0"/>
+                  </a:moveTo>
+                  <a:lnTo>
+                    <a:pt x="1622" y="2693"/>
+                  </a:lnTo>
+                  <a:lnTo>
+                    <a:pt x="1697" y="2693"/>
+                  </a:lnTo>
+                  <a:lnTo>
+                    <a:pt x="0" y="0"/>
+                  </a:lnTo>
+                  <a:close/>
+                </a:path>
+              </a:pathLst>
+            </a:custGeom>
+            <a:solidFill>
+              <a:schemeClr val="tx1">
+                <a:lumMod val="85000"/>
+                <a:lumOff val="15000"/>
+              </a:schemeClr>
+            </a:solidFill>
+            <a:ln>
+              <a:noFill/>
+            </a:ln>
+          </p:spPr>
+          <p:txBody>
+            <a:bodyPr/>
+            <a:lstStyle/>
+            <a:p>
+              <a:endParaRPr lang="en-US"/>
+            </a:p>
+          </p:txBody>
+        </p:sp>
+        <p:sp>
+          <p:nvSpPr>
+            <p:cNvPr id="13" name="Freeform 10">
+              <a:extLst>
+                <a:ext uri="{FF2B5EF4-FFF2-40B4-BE49-F238E27FC236}">
+                  <a16:creationId xmlns:a16="http://schemas.microsoft.com/office/drawing/2014/main" id="{58264C49-3539-4CBD-8F11-1106C8B8781F}"/>
+                </a:ext>
+                <a:ext uri="{C183D7F6-B498-43B3-948B-1728B52AA6E4}">
+                  <adec:decorative xmlns:adec="http://schemas.microsoft.com/office/drawing/2017/decorative" val="1"/>
+                </a:ext>
+              </a:extLst>
+            </p:cNvPr>
+            <p:cNvSpPr/>
+            <p:nvPr>
+              <p:extLst>
+                <p:ext uri="{386F3935-93C4-4BCD-93E2-E3B085C9AB24}">
+                  <p16:designElem xmlns:p16="http://schemas.microsoft.com/office/powerpoint/2015/main" val="1"/>
+                </p:ext>
+              </p:extLst>
+            </p:nvPr>
+          </p:nvSpPr>
+          <p:spPr bwMode="auto">
+            <a:xfrm>
+              <a:off x="3371850" y="2692400"/>
+              <a:ext cx="3332162" cy="4165600"/>
+            </a:xfrm>
+            <a:custGeom>
+              <a:avLst/>
+              <a:gdLst/>
+              <a:ahLst/>
+              <a:cxnLst/>
+              <a:rect l="0" t="0" r="r" b="b"/>
+              <a:pathLst>
+                <a:path w="2099" h="2624">
+                  <a:moveTo>
+                    <a:pt x="2099" y="2624"/>
+                  </a:moveTo>
+                  <a:lnTo>
+                    <a:pt x="0" y="0"/>
+                  </a:lnTo>
+                  <a:lnTo>
+                    <a:pt x="2021" y="2624"/>
+                  </a:lnTo>
+                  <a:lnTo>
+                    <a:pt x="2099" y="2624"/>
+                  </a:lnTo>
+                  <a:close/>
+                </a:path>
+              </a:pathLst>
+            </a:custGeom>
+            <a:solidFill>
+              <a:schemeClr val="accent1">
+                <a:lumMod val="50000"/>
+              </a:schemeClr>
+            </a:solidFill>
+            <a:ln>
+              <a:noFill/>
+            </a:ln>
+          </p:spPr>
+          <p:txBody>
+            <a:bodyPr/>
+            <a:lstStyle/>
+            <a:p>
+              <a:endParaRPr lang="en-US"/>
+            </a:p>
+          </p:txBody>
+        </p:sp>
+        <p:sp>
+          <p:nvSpPr>
+            <p:cNvPr id="14" name="Freeform 11">
+              <a:extLst>
+                <a:ext uri="{FF2B5EF4-FFF2-40B4-BE49-F238E27FC236}">
+                  <a16:creationId xmlns:a16="http://schemas.microsoft.com/office/drawing/2014/main" id="{DE862133-5C7E-4B32-9786-0B33BC51A75B}"/>
+                </a:ext>
+                <a:ext uri="{C183D7F6-B498-43B3-948B-1728B52AA6E4}">
+                  <adec:decorative xmlns:adec="http://schemas.microsoft.com/office/drawing/2017/decorative" val="1"/>
+                </a:ext>
+              </a:extLst>
+            </p:cNvPr>
+            <p:cNvSpPr/>
+            <p:nvPr>
+              <p:extLst>
+                <p:ext uri="{386F3935-93C4-4BCD-93E2-E3B085C9AB24}">
+                  <p16:designElem xmlns:p16="http://schemas.microsoft.com/office/powerpoint/2015/main" val="1"/>
+                </p:ext>
+              </p:extLst>
+            </p:nvPr>
+          </p:nvSpPr>
+          <p:spPr bwMode="auto">
+            <a:xfrm>
+              <a:off x="3367088" y="2687637"/>
+              <a:ext cx="4576762" cy="4170363"/>
+            </a:xfrm>
+            <a:custGeom>
+              <a:avLst/>
+              <a:gdLst/>
+              <a:ahLst/>
+              <a:cxnLst/>
+              <a:rect l="0" t="0" r="r" b="b"/>
+              <a:pathLst>
+                <a:path w="2883" h="2627">
+                  <a:moveTo>
+                    <a:pt x="0" y="0"/>
+                  </a:moveTo>
+                  <a:lnTo>
+                    <a:pt x="3" y="3"/>
+                  </a:lnTo>
+                  <a:lnTo>
+                    <a:pt x="2102" y="2627"/>
+                  </a:lnTo>
+                  <a:lnTo>
+                    <a:pt x="2883" y="2627"/>
+                  </a:lnTo>
+                  <a:lnTo>
+                    <a:pt x="225" y="57"/>
+                  </a:lnTo>
+                  <a:lnTo>
+                    <a:pt x="0" y="0"/>
+                  </a:lnTo>
+                  <a:close/>
+                </a:path>
+              </a:pathLst>
+            </a:custGeom>
+            <a:solidFill>
+              <a:schemeClr val="accent1">
+                <a:lumMod val="75000"/>
+              </a:schemeClr>
+            </a:solidFill>
+            <a:ln>
+              <a:noFill/>
+            </a:ln>
+          </p:spPr>
+          <p:txBody>
+            <a:bodyPr/>
+            <a:lstStyle/>
+            <a:p>
+              <a:endParaRPr lang="en-US"/>
+            </a:p>
+          </p:txBody>
+        </p:sp>
+        <p:sp>
+          <p:nvSpPr>
+            <p:cNvPr id="15" name="Freeform 12">
+              <a:extLst>
+                <a:ext uri="{FF2B5EF4-FFF2-40B4-BE49-F238E27FC236}">
+                  <a16:creationId xmlns:a16="http://schemas.microsoft.com/office/drawing/2014/main" id="{90925F6C-DF03-4707-9176-6049F049B5AA}"/>
+                </a:ext>
+                <a:ext uri="{C183D7F6-B498-43B3-948B-1728B52AA6E4}">
+                  <adec:decorative xmlns:adec="http://schemas.microsoft.com/office/drawing/2017/decorative" val="1"/>
+                </a:ext>
+              </a:extLst>
+            </p:cNvPr>
+            <p:cNvSpPr/>
+            <p:nvPr>
+              <p:extLst>
+                <p:ext uri="{386F3935-93C4-4BCD-93E2-E3B085C9AB24}">
+                  <p16:designElem xmlns:p16="http://schemas.microsoft.com/office/powerpoint/2015/main" val="1"/>
+                </p:ext>
+              </p:extLst>
+            </p:nvPr>
+          </p:nvSpPr>
+          <p:spPr bwMode="auto">
+            <a:xfrm>
+              <a:off x="2928938" y="2578100"/>
+              <a:ext cx="3584575" cy="4279900"/>
+            </a:xfrm>
+            <a:custGeom>
+              <a:avLst/>
+              <a:gdLst/>
+              <a:ahLst/>
+              <a:cxnLst/>
+              <a:rect l="0" t="0" r="r" b="b"/>
+              <a:pathLst>
+                <a:path w="2258" h="2696">
+                  <a:moveTo>
+                    <a:pt x="2258" y="2696"/>
+                  </a:moveTo>
+                  <a:lnTo>
+                    <a:pt x="264" y="111"/>
+                  </a:lnTo>
+                  <a:lnTo>
+                    <a:pt x="228" y="60"/>
+                  </a:lnTo>
+                  <a:lnTo>
+                    <a:pt x="225" y="57"/>
+                  </a:lnTo>
+                  <a:lnTo>
+                    <a:pt x="0" y="0"/>
+                  </a:lnTo>
+                  <a:lnTo>
+                    <a:pt x="0" y="3"/>
+                  </a:lnTo>
+                  <a:lnTo>
+                    <a:pt x="1697" y="2696"/>
+                  </a:lnTo>
+                  <a:lnTo>
+                    <a:pt x="2258" y="2696"/>
+                  </a:lnTo>
+                  <a:close/>
+                </a:path>
+              </a:pathLst>
+            </a:custGeom>
+            <a:solidFill>
+              <a:schemeClr val="tx1">
+                <a:lumMod val="75000"/>
+                <a:lumOff val="25000"/>
+              </a:schemeClr>
+            </a:solidFill>
+            <a:ln>
+              <a:noFill/>
+            </a:ln>
+          </p:spPr>
+          <p:txBody>
+            <a:bodyPr/>
+            <a:lstStyle/>
+            <a:p>
+              <a:endParaRPr lang="en-US"/>
+            </a:p>
+          </p:txBody>
+        </p:sp>
+      </p:grpSp>
       <p:sp>
         <p:nvSpPr>
           <p:cNvPr id="2" name="Title 1">
@@ -21926,68 +22431,171 @@
         </p:nvSpPr>
         <p:spPr>
           <a:xfrm>
-            <a:off x="521208" y="978408"/>
-            <a:ext cx="11155680" cy="5318978"/>
+            <a:off x="4089399" y="4078424"/>
+            <a:ext cx="7413623" cy="1558288"/>
           </a:xfrm>
         </p:spPr>
         <p:txBody>
-          <a:bodyPr>
-            <a:normAutofit/>
+          <a:bodyPr vert="horz" lIns="91440" tIns="45720" rIns="91440" bIns="45720" rtlCol="0" anchor="b">
+            <a:normAutofit fontScale="90000"/>
           </a:bodyPr>
           <a:lstStyle/>
           <a:p>
-            <a:r>
-              <a:rPr lang="en-US" sz="3600" dirty="0"/>
+            <a:pPr algn="l">
+              <a:lnSpc>
+                <a:spcPct val="90000"/>
+              </a:lnSpc>
+            </a:pPr>
+            <a:r>
+              <a:rPr lang="en-US" sz="2700" dirty="0">
+                <a:solidFill>
+                  <a:srgbClr val="C00000"/>
+                </a:solidFill>
+              </a:rPr>
               <a:t>What is the distribution of Benefit per Order by Order Region?</a:t>
             </a:r>
             <a:br>
-              <a:rPr lang="en-US" sz="3600" dirty="0"/>
+              <a:rPr lang="en-US" sz="2400" dirty="0"/>
             </a:br>
             <a:r>
-              <a:rPr lang="en-US" sz="2700" dirty="0"/>
+              <a:rPr lang="en-US" sz="2400" dirty="0"/>
               <a:t>Strip plot used to observe benefit distribution across geographic regions</a:t>
             </a:r>
             <a:r>
-              <a:rPr lang="en-US" sz="3600" dirty="0"/>
+              <a:rPr lang="en-US" sz="1500" dirty="0"/>
               <a:t>.</a:t>
             </a:r>
             <a:br>
-              <a:rPr lang="en-US" sz="3600" dirty="0"/>
+              <a:rPr lang="en-US" sz="1500" dirty="0"/>
             </a:br>
             <a:br>
-              <a:rPr lang="en-US" sz="3600" dirty="0"/>
+              <a:rPr lang="en-US" sz="1500" dirty="0"/>
             </a:br>
-            <a:r>
-              <a:rPr lang="en-US" sz="3600" dirty="0"/>
-              <a:t>Does Order Item Quantity increase with Order Item Total?</a:t>
-            </a:r>
-            <a:br>
-              <a:rPr lang="en-US" sz="3600" dirty="0"/>
-            </a:br>
-            <a:r>
-              <a:rPr lang="en-US" sz="2700" dirty="0"/>
-              <a:t>Scatter plot used to examine the positive or negative correlation between quantity and total cost.</a:t>
-            </a:r>
-            <a:br>
-              <a:rPr lang="en-US" sz="2700" dirty="0"/>
-            </a:br>
-            <a:br>
-              <a:rPr lang="en-US" sz="3600" dirty="0"/>
-            </a:br>
-            <a:r>
-              <a:rPr lang="en-US" sz="3600" dirty="0"/>
-              <a:t>How does Discount Level affect Sales per Customer?</a:t>
-            </a:r>
-            <a:br>
-              <a:rPr lang="en-US" sz="3600" dirty="0"/>
-            </a:br>
-            <a:r>
-              <a:rPr lang="en-US" sz="2700" dirty="0"/>
-              <a:t>Box plot grouped by discount level (Low, Medium, High) and sales amount.</a:t>
-            </a:r>
+            <a:endParaRPr lang="en-US" sz="1500" dirty="0"/>
           </a:p>
         </p:txBody>
       </p:sp>
+      <p:sp>
+        <p:nvSpPr>
+          <p:cNvPr id="17" name="Rounded Rectangle 6">
+            <a:extLst>
+              <a:ext uri="{FF2B5EF4-FFF2-40B4-BE49-F238E27FC236}">
+                <a16:creationId xmlns:a16="http://schemas.microsoft.com/office/drawing/2014/main" id="{EF3E1F0C-BCD9-491F-A435-D4A48FB439B9}"/>
+              </a:ext>
+              <a:ext uri="{C183D7F6-B498-43B3-948B-1728B52AA6E4}">
+                <adec:decorative xmlns:adec="http://schemas.microsoft.com/office/drawing/2017/decorative" val="1"/>
+              </a:ext>
+            </a:extLst>
+          </p:cNvPr>
+          <p:cNvSpPr>
+            <a:spLocks noGrp="1" noRot="1" noChangeAspect="1" noMove="1" noResize="1" noEditPoints="1" noAdjustHandles="1" noChangeArrowheads="1" noChangeShapeType="1" noTextEdit="1"/>
+          </p:cNvSpPr>
+          <p:nvPr>
+            <p:extLst>
+              <p:ext uri="{386F3935-93C4-4BCD-93E2-E3B085C9AB24}">
+                <p16:designElem xmlns:p16="http://schemas.microsoft.com/office/powerpoint/2015/main" val="1"/>
+              </p:ext>
+            </p:extLst>
+          </p:nvPr>
+        </p:nvSpPr>
+        <p:spPr>
+          <a:xfrm>
+            <a:off x="3718560" y="609600"/>
+            <a:ext cx="7833360" cy="3139440"/>
+          </a:xfrm>
+          <a:prstGeom prst="roundRect">
+            <a:avLst>
+              <a:gd name="adj" fmla="val 4834"/>
+            </a:avLst>
+          </a:prstGeom>
+          <a:solidFill>
+            <a:schemeClr val="bg1"/>
+          </a:solidFill>
+          <a:ln w="38100">
+            <a:gradFill flip="none" rotWithShape="1">
+              <a:gsLst>
+                <a:gs pos="0">
+                  <a:schemeClr val="bg2"/>
+                </a:gs>
+                <a:gs pos="100000">
+                  <a:schemeClr val="bg2">
+                    <a:lumMod val="75000"/>
+                  </a:schemeClr>
+                </a:gs>
+              </a:gsLst>
+              <a:lin ang="5400000" scaled="0"/>
+              <a:tileRect/>
+            </a:gradFill>
+          </a:ln>
+          <a:effectLst>
+            <a:innerShdw blurRad="57150" dist="38100" dir="14460000">
+              <a:srgbClr val="000000">
+                <a:alpha val="70000"/>
+              </a:srgbClr>
+            </a:innerShdw>
+          </a:effectLst>
+        </p:spPr>
+        <p:style>
+          <a:lnRef idx="2">
+            <a:schemeClr val="accent1">
+              <a:shade val="50000"/>
+            </a:schemeClr>
+          </a:lnRef>
+          <a:fillRef idx="1">
+            <a:schemeClr val="accent1"/>
+          </a:fillRef>
+          <a:effectRef idx="0">
+            <a:schemeClr val="accent1"/>
+          </a:effectRef>
+          <a:fontRef idx="minor">
+            <a:schemeClr val="lt1"/>
+          </a:fontRef>
+        </p:style>
+        <p:txBody>
+          <a:bodyPr rtlCol="0" anchor="ctr"/>
+          <a:lstStyle/>
+          <a:p>
+            <a:pPr algn="ctr"/>
+            <a:endParaRPr lang="en-US"/>
+          </a:p>
+        </p:txBody>
+      </p:sp>
+      <p:pic>
+        <p:nvPicPr>
+          <p:cNvPr id="4" name="Picture 3" descr="A screen shot of a graph">
+            <a:extLst>
+              <a:ext uri="{FF2B5EF4-FFF2-40B4-BE49-F238E27FC236}">
+                <a16:creationId xmlns:a16="http://schemas.microsoft.com/office/drawing/2014/main" id="{1E25BC08-2363-E535-B6C2-D642D51995AD}"/>
+              </a:ext>
+            </a:extLst>
+          </p:cNvPr>
+          <p:cNvPicPr>
+            <a:picLocks noChangeAspect="1"/>
+          </p:cNvPicPr>
+          <p:nvPr/>
+        </p:nvPicPr>
+        <p:blipFill>
+          <a:blip r:embed="rId3">
+            <a:extLst>
+              <a:ext uri="{28A0092B-C50C-407E-A947-70E740481C1C}">
+                <a14:useLocalDpi xmlns:a14="http://schemas.microsoft.com/office/drawing/2010/main" val="0"/>
+              </a:ext>
+            </a:extLst>
+          </a:blip>
+          <a:stretch>
+            <a:fillRect/>
+          </a:stretch>
+        </p:blipFill>
+        <p:spPr>
+          <a:xfrm>
+            <a:off x="3718560" y="609600"/>
+            <a:ext cx="7833359" cy="3158489"/>
+          </a:xfrm>
+          <a:prstGeom prst="rect">
+            <a:avLst/>
+          </a:prstGeom>
+        </p:spPr>
+      </p:pic>
     </p:spTree>
     <p:extLst>
       <p:ext uri="{BB962C8B-B14F-4D97-AF65-F5344CB8AC3E}">
@@ -22002,6 +22610,1285 @@
 </file>
 
 <file path=ppt/slides/slide31.xml><?xml version="1.0" encoding="utf-8"?>
+<p:sld xmlns:a="http://schemas.openxmlformats.org/drawingml/2006/main" xmlns:r="http://schemas.openxmlformats.org/officeDocument/2006/relationships" xmlns:p="http://schemas.openxmlformats.org/presentationml/2006/main">
+  <p:cSld>
+    <p:bg>
+      <p:bgPr>
+        <a:blipFill rotWithShape="1">
+          <a:blip r:embed="rId2">
+            <a:duotone>
+              <a:schemeClr val="bg2">
+                <a:shade val="76000"/>
+                <a:satMod val="180000"/>
+              </a:schemeClr>
+              <a:schemeClr val="bg2">
+                <a:tint val="80000"/>
+                <a:satMod val="120000"/>
+                <a:lumMod val="180000"/>
+              </a:schemeClr>
+            </a:duotone>
+          </a:blip>
+          <a:stretch/>
+        </a:blipFill>
+        <a:effectLst/>
+      </p:bgPr>
+    </p:bg>
+    <p:spTree>
+      <p:nvGrpSpPr>
+        <p:cNvPr id="1" name=""/>
+        <p:cNvGrpSpPr/>
+        <p:nvPr/>
+      </p:nvGrpSpPr>
+      <p:grpSpPr>
+        <a:xfrm>
+          <a:off x="0" y="0"/>
+          <a:ext cx="0" cy="0"/>
+          <a:chOff x="0" y="0"/>
+          <a:chExt cx="0" cy="0"/>
+        </a:xfrm>
+      </p:grpSpPr>
+      <p:grpSp>
+        <p:nvGrpSpPr>
+          <p:cNvPr id="11" name="Group 10">
+            <a:extLst>
+              <a:ext uri="{FF2B5EF4-FFF2-40B4-BE49-F238E27FC236}">
+                <a16:creationId xmlns:a16="http://schemas.microsoft.com/office/drawing/2014/main" id="{15FF890B-3CE7-403A-AECE-2DE04FC7AF80}"/>
+              </a:ext>
+              <a:ext uri="{C183D7F6-B498-43B3-948B-1728B52AA6E4}">
+                <adec:decorative xmlns:adec="http://schemas.microsoft.com/office/drawing/2017/decorative" val="1"/>
+              </a:ext>
+            </a:extLst>
+          </p:cNvPr>
+          <p:cNvGrpSpPr>
+            <a:grpSpLocks noGrp="1" noUngrp="1" noRot="1" noChangeAspect="1" noMove="1" noResize="1"/>
+          </p:cNvGrpSpPr>
+          <p:nvPr>
+            <p:extLst>
+              <p:ext uri="{386F3935-93C4-4BCD-93E2-E3B085C9AB24}">
+                <p16:designElem xmlns:p16="http://schemas.microsoft.com/office/powerpoint/2015/main" val="1"/>
+              </p:ext>
+            </p:extLst>
+          </p:nvPr>
+        </p:nvGrpSpPr>
+        <p:grpSpPr>
+          <a:xfrm>
+            <a:off x="150812" y="0"/>
+            <a:ext cx="2436813" cy="6858001"/>
+            <a:chOff x="1320800" y="0"/>
+            <a:chExt cx="2436813" cy="6858001"/>
+          </a:xfrm>
+        </p:grpSpPr>
+        <p:sp>
+          <p:nvSpPr>
+            <p:cNvPr id="12" name="Freeform 6">
+              <a:extLst>
+                <a:ext uri="{FF2B5EF4-FFF2-40B4-BE49-F238E27FC236}">
+                  <a16:creationId xmlns:a16="http://schemas.microsoft.com/office/drawing/2014/main" id="{99A4E160-6CFD-4514-9E20-CA6692CCDB9C}"/>
+                </a:ext>
+                <a:ext uri="{C183D7F6-B498-43B3-948B-1728B52AA6E4}">
+                  <adec:decorative xmlns:adec="http://schemas.microsoft.com/office/drawing/2017/decorative" val="1"/>
+                </a:ext>
+              </a:extLst>
+            </p:cNvPr>
+            <p:cNvSpPr/>
+            <p:nvPr>
+              <p:extLst>
+                <p:ext uri="{386F3935-93C4-4BCD-93E2-E3B085C9AB24}">
+                  <p16:designElem xmlns:p16="http://schemas.microsoft.com/office/powerpoint/2015/main" val="1"/>
+                </p:ext>
+              </p:extLst>
+            </p:nvPr>
+          </p:nvSpPr>
+          <p:spPr bwMode="auto">
+            <a:xfrm>
+              <a:off x="1627188" y="0"/>
+              <a:ext cx="1122363" cy="5329238"/>
+            </a:xfrm>
+            <a:custGeom>
+              <a:avLst/>
+              <a:gdLst/>
+              <a:ahLst/>
+              <a:cxnLst/>
+              <a:rect l="0" t="0" r="r" b="b"/>
+              <a:pathLst>
+                <a:path w="707" h="3357">
+                  <a:moveTo>
+                    <a:pt x="0" y="3330"/>
+                  </a:moveTo>
+                  <a:lnTo>
+                    <a:pt x="156" y="3357"/>
+                  </a:lnTo>
+                  <a:lnTo>
+                    <a:pt x="707" y="0"/>
+                  </a:lnTo>
+                  <a:lnTo>
+                    <a:pt x="547" y="0"/>
+                  </a:lnTo>
+                  <a:lnTo>
+                    <a:pt x="0" y="3330"/>
+                  </a:lnTo>
+                  <a:close/>
+                </a:path>
+              </a:pathLst>
+            </a:custGeom>
+            <a:solidFill>
+              <a:schemeClr val="accent1"/>
+            </a:solidFill>
+            <a:ln>
+              <a:noFill/>
+            </a:ln>
+          </p:spPr>
+          <p:txBody>
+            <a:bodyPr/>
+            <a:lstStyle/>
+            <a:p>
+              <a:endParaRPr lang="en-US"/>
+            </a:p>
+          </p:txBody>
+        </p:sp>
+        <p:sp>
+          <p:nvSpPr>
+            <p:cNvPr id="13" name="Freeform 7">
+              <a:extLst>
+                <a:ext uri="{FF2B5EF4-FFF2-40B4-BE49-F238E27FC236}">
+                  <a16:creationId xmlns:a16="http://schemas.microsoft.com/office/drawing/2014/main" id="{3DCD16F5-8D15-45FD-BA62-ADAC08183A27}"/>
+                </a:ext>
+                <a:ext uri="{C183D7F6-B498-43B3-948B-1728B52AA6E4}">
+                  <adec:decorative xmlns:adec="http://schemas.microsoft.com/office/drawing/2017/decorative" val="1"/>
+                </a:ext>
+              </a:extLst>
+            </p:cNvPr>
+            <p:cNvSpPr/>
+            <p:nvPr>
+              <p:extLst>
+                <p:ext uri="{386F3935-93C4-4BCD-93E2-E3B085C9AB24}">
+                  <p16:designElem xmlns:p16="http://schemas.microsoft.com/office/powerpoint/2015/main" val="1"/>
+                </p:ext>
+              </p:extLst>
+            </p:nvPr>
+          </p:nvSpPr>
+          <p:spPr bwMode="auto">
+            <a:xfrm>
+              <a:off x="1320800" y="0"/>
+              <a:ext cx="1117600" cy="5276850"/>
+            </a:xfrm>
+            <a:custGeom>
+              <a:avLst/>
+              <a:gdLst/>
+              <a:ahLst/>
+              <a:cxnLst/>
+              <a:rect l="0" t="0" r="r" b="b"/>
+              <a:pathLst>
+                <a:path w="704" h="3324">
+                  <a:moveTo>
+                    <a:pt x="704" y="0"/>
+                  </a:moveTo>
+                  <a:lnTo>
+                    <a:pt x="545" y="0"/>
+                  </a:lnTo>
+                  <a:lnTo>
+                    <a:pt x="0" y="3300"/>
+                  </a:lnTo>
+                  <a:lnTo>
+                    <a:pt x="157" y="3324"/>
+                  </a:lnTo>
+                  <a:lnTo>
+                    <a:pt x="704" y="0"/>
+                  </a:lnTo>
+                  <a:close/>
+                </a:path>
+              </a:pathLst>
+            </a:custGeom>
+            <a:solidFill>
+              <a:schemeClr val="tx1">
+                <a:lumMod val="65000"/>
+                <a:lumOff val="35000"/>
+              </a:schemeClr>
+            </a:solidFill>
+            <a:ln>
+              <a:noFill/>
+            </a:ln>
+          </p:spPr>
+          <p:txBody>
+            <a:bodyPr/>
+            <a:lstStyle/>
+            <a:p>
+              <a:endParaRPr lang="en-US"/>
+            </a:p>
+          </p:txBody>
+        </p:sp>
+        <p:sp>
+          <p:nvSpPr>
+            <p:cNvPr id="14" name="Freeform 8">
+              <a:extLst>
+                <a:ext uri="{FF2B5EF4-FFF2-40B4-BE49-F238E27FC236}">
+                  <a16:creationId xmlns:a16="http://schemas.microsoft.com/office/drawing/2014/main" id="{E7CFAF28-6FDA-4C2C-BE51-123D1115F75C}"/>
+                </a:ext>
+                <a:ext uri="{C183D7F6-B498-43B3-948B-1728B52AA6E4}">
+                  <adec:decorative xmlns:adec="http://schemas.microsoft.com/office/drawing/2017/decorative" val="1"/>
+                </a:ext>
+              </a:extLst>
+            </p:cNvPr>
+            <p:cNvSpPr/>
+            <p:nvPr>
+              <p:extLst>
+                <p:ext uri="{386F3935-93C4-4BCD-93E2-E3B085C9AB24}">
+                  <p16:designElem xmlns:p16="http://schemas.microsoft.com/office/powerpoint/2015/main" val="1"/>
+                </p:ext>
+              </p:extLst>
+            </p:nvPr>
+          </p:nvSpPr>
+          <p:spPr bwMode="auto">
+            <a:xfrm>
+              <a:off x="1320800" y="5238750"/>
+              <a:ext cx="1228725" cy="1619250"/>
+            </a:xfrm>
+            <a:custGeom>
+              <a:avLst/>
+              <a:gdLst/>
+              <a:ahLst/>
+              <a:cxnLst/>
+              <a:rect l="0" t="0" r="r" b="b"/>
+              <a:pathLst>
+                <a:path w="774" h="1020">
+                  <a:moveTo>
+                    <a:pt x="0" y="0"/>
+                  </a:moveTo>
+                  <a:lnTo>
+                    <a:pt x="740" y="1020"/>
+                  </a:lnTo>
+                  <a:lnTo>
+                    <a:pt x="774" y="1020"/>
+                  </a:lnTo>
+                  <a:lnTo>
+                    <a:pt x="0" y="0"/>
+                  </a:lnTo>
+                  <a:close/>
+                </a:path>
+              </a:pathLst>
+            </a:custGeom>
+            <a:solidFill>
+              <a:schemeClr val="tx1">
+                <a:lumMod val="85000"/>
+                <a:lumOff val="15000"/>
+              </a:schemeClr>
+            </a:solidFill>
+            <a:ln>
+              <a:noFill/>
+            </a:ln>
+          </p:spPr>
+          <p:txBody>
+            <a:bodyPr/>
+            <a:lstStyle/>
+            <a:p>
+              <a:endParaRPr lang="en-US"/>
+            </a:p>
+          </p:txBody>
+        </p:sp>
+        <p:sp>
+          <p:nvSpPr>
+            <p:cNvPr id="15" name="Freeform 9">
+              <a:extLst>
+                <a:ext uri="{FF2B5EF4-FFF2-40B4-BE49-F238E27FC236}">
+                  <a16:creationId xmlns:a16="http://schemas.microsoft.com/office/drawing/2014/main" id="{1FD12703-0627-4991-B2A4-F96519F90863}"/>
+                </a:ext>
+                <a:ext uri="{C183D7F6-B498-43B3-948B-1728B52AA6E4}">
+                  <adec:decorative xmlns:adec="http://schemas.microsoft.com/office/drawing/2017/decorative" val="1"/>
+                </a:ext>
+              </a:extLst>
+            </p:cNvPr>
+            <p:cNvSpPr/>
+            <p:nvPr>
+              <p:extLst>
+                <p:ext uri="{386F3935-93C4-4BCD-93E2-E3B085C9AB24}">
+                  <p16:designElem xmlns:p16="http://schemas.microsoft.com/office/powerpoint/2015/main" val="1"/>
+                </p:ext>
+              </p:extLst>
+            </p:nvPr>
+          </p:nvSpPr>
+          <p:spPr bwMode="auto">
+            <a:xfrm>
+              <a:off x="1627188" y="5291138"/>
+              <a:ext cx="1495425" cy="1566863"/>
+            </a:xfrm>
+            <a:custGeom>
+              <a:avLst/>
+              <a:gdLst/>
+              <a:ahLst/>
+              <a:cxnLst/>
+              <a:rect l="0" t="0" r="r" b="b"/>
+              <a:pathLst>
+                <a:path w="942" h="987">
+                  <a:moveTo>
+                    <a:pt x="0" y="0"/>
+                  </a:moveTo>
+                  <a:lnTo>
+                    <a:pt x="909" y="987"/>
+                  </a:lnTo>
+                  <a:lnTo>
+                    <a:pt x="942" y="987"/>
+                  </a:lnTo>
+                  <a:lnTo>
+                    <a:pt x="0" y="0"/>
+                  </a:lnTo>
+                  <a:close/>
+                </a:path>
+              </a:pathLst>
+            </a:custGeom>
+            <a:solidFill>
+              <a:schemeClr val="accent1">
+                <a:lumMod val="50000"/>
+              </a:schemeClr>
+            </a:solidFill>
+            <a:ln>
+              <a:noFill/>
+            </a:ln>
+          </p:spPr>
+          <p:txBody>
+            <a:bodyPr/>
+            <a:lstStyle/>
+            <a:p>
+              <a:endParaRPr lang="en-US"/>
+            </a:p>
+          </p:txBody>
+        </p:sp>
+        <p:sp>
+          <p:nvSpPr>
+            <p:cNvPr id="16" name="Freeform 10">
+              <a:extLst>
+                <a:ext uri="{FF2B5EF4-FFF2-40B4-BE49-F238E27FC236}">
+                  <a16:creationId xmlns:a16="http://schemas.microsoft.com/office/drawing/2014/main" id="{A5758E0B-DF61-40A8-B765-BC6841906A9A}"/>
+                </a:ext>
+                <a:ext uri="{C183D7F6-B498-43B3-948B-1728B52AA6E4}">
+                  <adec:decorative xmlns:adec="http://schemas.microsoft.com/office/drawing/2017/decorative" val="1"/>
+                </a:ext>
+              </a:extLst>
+            </p:cNvPr>
+            <p:cNvSpPr/>
+            <p:nvPr>
+              <p:extLst>
+                <p:ext uri="{386F3935-93C4-4BCD-93E2-E3B085C9AB24}">
+                  <p16:designElem xmlns:p16="http://schemas.microsoft.com/office/powerpoint/2015/main" val="1"/>
+                </p:ext>
+              </p:extLst>
+            </p:nvPr>
+          </p:nvSpPr>
+          <p:spPr bwMode="auto">
+            <a:xfrm>
+              <a:off x="1627188" y="5286375"/>
+              <a:ext cx="2130425" cy="1571625"/>
+            </a:xfrm>
+            <a:custGeom>
+              <a:avLst/>
+              <a:gdLst/>
+              <a:ahLst/>
+              <a:cxnLst/>
+              <a:rect l="0" t="0" r="r" b="b"/>
+              <a:pathLst>
+                <a:path w="1342" h="990">
+                  <a:moveTo>
+                    <a:pt x="0" y="3"/>
+                  </a:moveTo>
+                  <a:lnTo>
+                    <a:pt x="942" y="990"/>
+                  </a:lnTo>
+                  <a:lnTo>
+                    <a:pt x="1342" y="990"/>
+                  </a:lnTo>
+                  <a:lnTo>
+                    <a:pt x="156" y="27"/>
+                  </a:lnTo>
+                  <a:lnTo>
+                    <a:pt x="0" y="0"/>
+                  </a:lnTo>
+                  <a:lnTo>
+                    <a:pt x="0" y="3"/>
+                  </a:lnTo>
+                  <a:close/>
+                </a:path>
+              </a:pathLst>
+            </a:custGeom>
+            <a:solidFill>
+              <a:schemeClr val="accent1">
+                <a:lumMod val="75000"/>
+              </a:schemeClr>
+            </a:solidFill>
+            <a:ln>
+              <a:noFill/>
+            </a:ln>
+          </p:spPr>
+          <p:txBody>
+            <a:bodyPr/>
+            <a:lstStyle/>
+            <a:p>
+              <a:endParaRPr lang="en-US"/>
+            </a:p>
+          </p:txBody>
+        </p:sp>
+        <p:sp>
+          <p:nvSpPr>
+            <p:cNvPr id="17" name="Freeform 11">
+              <a:extLst>
+                <a:ext uri="{FF2B5EF4-FFF2-40B4-BE49-F238E27FC236}">
+                  <a16:creationId xmlns:a16="http://schemas.microsoft.com/office/drawing/2014/main" id="{3E063A1F-9566-4436-B4E3-2890FBBC2CCB}"/>
+                </a:ext>
+                <a:ext uri="{C183D7F6-B498-43B3-948B-1728B52AA6E4}">
+                  <adec:decorative xmlns:adec="http://schemas.microsoft.com/office/drawing/2017/decorative" val="1"/>
+                </a:ext>
+              </a:extLst>
+            </p:cNvPr>
+            <p:cNvSpPr/>
+            <p:nvPr>
+              <p:extLst>
+                <p:ext uri="{386F3935-93C4-4BCD-93E2-E3B085C9AB24}">
+                  <p16:designElem xmlns:p16="http://schemas.microsoft.com/office/powerpoint/2015/main" val="1"/>
+                </p:ext>
+              </p:extLst>
+            </p:nvPr>
+          </p:nvSpPr>
+          <p:spPr bwMode="auto">
+            <a:xfrm>
+              <a:off x="1320800" y="5238750"/>
+              <a:ext cx="1695450" cy="1619250"/>
+            </a:xfrm>
+            <a:custGeom>
+              <a:avLst/>
+              <a:gdLst/>
+              <a:ahLst/>
+              <a:cxnLst/>
+              <a:rect l="0" t="0" r="r" b="b"/>
+              <a:pathLst>
+                <a:path w="1068" h="1020">
+                  <a:moveTo>
+                    <a:pt x="1068" y="1020"/>
+                  </a:moveTo>
+                  <a:lnTo>
+                    <a:pt x="184" y="60"/>
+                  </a:lnTo>
+                  <a:lnTo>
+                    <a:pt x="154" y="27"/>
+                  </a:lnTo>
+                  <a:lnTo>
+                    <a:pt x="157" y="27"/>
+                  </a:lnTo>
+                  <a:lnTo>
+                    <a:pt x="157" y="24"/>
+                  </a:lnTo>
+                  <a:lnTo>
+                    <a:pt x="154" y="24"/>
+                  </a:lnTo>
+                  <a:lnTo>
+                    <a:pt x="0" y="0"/>
+                  </a:lnTo>
+                  <a:lnTo>
+                    <a:pt x="0" y="0"/>
+                  </a:lnTo>
+                  <a:lnTo>
+                    <a:pt x="774" y="1020"/>
+                  </a:lnTo>
+                  <a:lnTo>
+                    <a:pt x="1068" y="1020"/>
+                  </a:lnTo>
+                  <a:close/>
+                </a:path>
+              </a:pathLst>
+            </a:custGeom>
+            <a:solidFill>
+              <a:schemeClr val="tx1">
+                <a:lumMod val="75000"/>
+                <a:lumOff val="25000"/>
+              </a:schemeClr>
+            </a:solidFill>
+            <a:ln>
+              <a:noFill/>
+            </a:ln>
+          </p:spPr>
+          <p:txBody>
+            <a:bodyPr/>
+            <a:lstStyle/>
+            <a:p>
+              <a:endParaRPr lang="en-US"/>
+            </a:p>
+          </p:txBody>
+        </p:sp>
+      </p:grpSp>
+      <p:sp>
+        <p:nvSpPr>
+          <p:cNvPr id="4" name="TextBox 3">
+            <a:extLst>
+              <a:ext uri="{FF2B5EF4-FFF2-40B4-BE49-F238E27FC236}">
+                <a16:creationId xmlns:a16="http://schemas.microsoft.com/office/drawing/2014/main" id="{3B9FF07E-F4B3-0380-5295-C152ABBE40D9}"/>
+              </a:ext>
+            </a:extLst>
+          </p:cNvPr>
+          <p:cNvSpPr txBox="1"/>
+          <p:nvPr/>
+        </p:nvSpPr>
+        <p:spPr>
+          <a:xfrm>
+            <a:off x="1484311" y="1528762"/>
+            <a:ext cx="3333496" cy="4262439"/>
+          </a:xfrm>
+          <a:prstGeom prst="rect">
+            <a:avLst/>
+          </a:prstGeom>
+        </p:spPr>
+        <p:txBody>
+          <a:bodyPr vert="horz" lIns="91440" tIns="45720" rIns="91440" bIns="45720" rtlCol="0" anchor="t">
+            <a:normAutofit fontScale="92500" lnSpcReduction="10000"/>
+          </a:bodyPr>
+          <a:lstStyle/>
+          <a:p>
+            <a:pPr>
+              <a:spcBef>
+                <a:spcPct val="20000"/>
+              </a:spcBef>
+              <a:spcAft>
+                <a:spcPts val="600"/>
+              </a:spcAft>
+              <a:buClr>
+                <a:schemeClr val="accent1">
+                  <a:lumMod val="75000"/>
+                </a:schemeClr>
+              </a:buClr>
+              <a:buSzPct val="145000"/>
+            </a:pPr>
+            <a:r>
+              <a:rPr lang="en-US" sz="3500" dirty="0">
+                <a:solidFill>
+                  <a:srgbClr val="C00000"/>
+                </a:solidFill>
+              </a:rPr>
+              <a:t>Does Order Item Quantity increase with Order Item Total?</a:t>
+            </a:r>
+            <a:br>
+              <a:rPr lang="en-US" sz="2800" dirty="0"/>
+            </a:br>
+            <a:r>
+              <a:rPr lang="en-US" sz="2600" dirty="0"/>
+              <a:t>Scatter plot used to examine the positive or negative correlation between quantity and total cost.</a:t>
+            </a:r>
+            <a:br>
+              <a:rPr lang="en-US" sz="1600" dirty="0"/>
+            </a:br>
+            <a:br>
+              <a:rPr lang="en-US" sz="1600" dirty="0"/>
+            </a:br>
+            <a:endParaRPr lang="en-US" sz="1600" dirty="0"/>
+          </a:p>
+        </p:txBody>
+      </p:sp>
+      <p:pic>
+        <p:nvPicPr>
+          <p:cNvPr id="6" name="Picture 5" descr="A graph with black lines&#10;&#10;AI-generated content may be incorrect.">
+            <a:extLst>
+              <a:ext uri="{FF2B5EF4-FFF2-40B4-BE49-F238E27FC236}">
+                <a16:creationId xmlns:a16="http://schemas.microsoft.com/office/drawing/2014/main" id="{58DF2A6B-146A-A9A5-6839-1807FC31FF32}"/>
+              </a:ext>
+            </a:extLst>
+          </p:cNvPr>
+          <p:cNvPicPr>
+            <a:picLocks noChangeAspect="1"/>
+          </p:cNvPicPr>
+          <p:nvPr/>
+        </p:nvPicPr>
+        <p:blipFill>
+          <a:blip r:embed="rId3">
+            <a:extLst>
+              <a:ext uri="{28A0092B-C50C-407E-A947-70E740481C1C}">
+                <a14:useLocalDpi xmlns:a14="http://schemas.microsoft.com/office/drawing/2010/main" val="0"/>
+              </a:ext>
+            </a:extLst>
+          </a:blip>
+          <a:stretch>
+            <a:fillRect/>
+          </a:stretch>
+        </p:blipFill>
+        <p:spPr>
+          <a:xfrm>
+            <a:off x="5262033" y="2049940"/>
+            <a:ext cx="6240990" cy="2324768"/>
+          </a:xfrm>
+          <a:prstGeom prst="roundRect">
+            <a:avLst>
+              <a:gd name="adj" fmla="val 4380"/>
+            </a:avLst>
+          </a:prstGeom>
+          <a:ln w="38100">
+            <a:gradFill flip="none" rotWithShape="1">
+              <a:gsLst>
+                <a:gs pos="0">
+                  <a:schemeClr val="bg2"/>
+                </a:gs>
+                <a:gs pos="100000">
+                  <a:schemeClr val="bg2">
+                    <a:lumMod val="75000"/>
+                  </a:schemeClr>
+                </a:gs>
+              </a:gsLst>
+              <a:lin ang="5400000" scaled="0"/>
+              <a:tileRect/>
+            </a:gradFill>
+          </a:ln>
+          <a:effectLst>
+            <a:innerShdw blurRad="57150" dist="38100" dir="14460000">
+              <a:srgbClr val="000000">
+                <a:alpha val="70000"/>
+              </a:srgbClr>
+            </a:innerShdw>
+          </a:effectLst>
+        </p:spPr>
+      </p:pic>
+    </p:spTree>
+    <p:extLst>
+      <p:ext uri="{BB962C8B-B14F-4D97-AF65-F5344CB8AC3E}">
+        <p14:creationId xmlns:p14="http://schemas.microsoft.com/office/powerpoint/2010/main" val="3725663772"/>
+      </p:ext>
+    </p:extLst>
+  </p:cSld>
+  <p:clrMapOvr>
+    <a:masterClrMapping/>
+  </p:clrMapOvr>
+</p:sld>
+</file>
+
+<file path=ppt/slides/slide32.xml><?xml version="1.0" encoding="utf-8"?>
+<p:sld xmlns:a="http://schemas.openxmlformats.org/drawingml/2006/main" xmlns:r="http://schemas.openxmlformats.org/officeDocument/2006/relationships" xmlns:p="http://schemas.openxmlformats.org/presentationml/2006/main">
+  <p:cSld>
+    <p:bg>
+      <p:bgPr>
+        <a:blipFill rotWithShape="1">
+          <a:blip r:embed="rId2">
+            <a:duotone>
+              <a:schemeClr val="bg2">
+                <a:shade val="76000"/>
+                <a:satMod val="180000"/>
+              </a:schemeClr>
+              <a:schemeClr val="bg2">
+                <a:tint val="80000"/>
+                <a:satMod val="120000"/>
+                <a:lumMod val="180000"/>
+              </a:schemeClr>
+            </a:duotone>
+          </a:blip>
+          <a:stretch/>
+        </a:blipFill>
+        <a:effectLst/>
+      </p:bgPr>
+    </p:bg>
+    <p:spTree>
+      <p:nvGrpSpPr>
+        <p:cNvPr id="1" name=""/>
+        <p:cNvGrpSpPr/>
+        <p:nvPr/>
+      </p:nvGrpSpPr>
+      <p:grpSpPr>
+        <a:xfrm>
+          <a:off x="0" y="0"/>
+          <a:ext cx="0" cy="0"/>
+          <a:chOff x="0" y="0"/>
+          <a:chExt cx="0" cy="0"/>
+        </a:xfrm>
+      </p:grpSpPr>
+      <p:grpSp>
+        <p:nvGrpSpPr>
+          <p:cNvPr id="11" name="Group 10">
+            <a:extLst>
+              <a:ext uri="{FF2B5EF4-FFF2-40B4-BE49-F238E27FC236}">
+                <a16:creationId xmlns:a16="http://schemas.microsoft.com/office/drawing/2014/main" id="{15FF890B-3CE7-403A-AECE-2DE04FC7AF80}"/>
+              </a:ext>
+              <a:ext uri="{C183D7F6-B498-43B3-948B-1728B52AA6E4}">
+                <adec:decorative xmlns:adec="http://schemas.microsoft.com/office/drawing/2017/decorative" val="1"/>
+              </a:ext>
+            </a:extLst>
+          </p:cNvPr>
+          <p:cNvGrpSpPr>
+            <a:grpSpLocks noGrp="1" noUngrp="1" noRot="1" noChangeAspect="1" noMove="1" noResize="1"/>
+          </p:cNvGrpSpPr>
+          <p:nvPr>
+            <p:extLst>
+              <p:ext uri="{386F3935-93C4-4BCD-93E2-E3B085C9AB24}">
+                <p16:designElem xmlns:p16="http://schemas.microsoft.com/office/powerpoint/2015/main" val="1"/>
+              </p:ext>
+            </p:extLst>
+          </p:nvPr>
+        </p:nvGrpSpPr>
+        <p:grpSpPr>
+          <a:xfrm>
+            <a:off x="150812" y="0"/>
+            <a:ext cx="2436813" cy="6858001"/>
+            <a:chOff x="1320800" y="0"/>
+            <a:chExt cx="2436813" cy="6858001"/>
+          </a:xfrm>
+        </p:grpSpPr>
+        <p:sp>
+          <p:nvSpPr>
+            <p:cNvPr id="12" name="Freeform 6">
+              <a:extLst>
+                <a:ext uri="{FF2B5EF4-FFF2-40B4-BE49-F238E27FC236}">
+                  <a16:creationId xmlns:a16="http://schemas.microsoft.com/office/drawing/2014/main" id="{99A4E160-6CFD-4514-9E20-CA6692CCDB9C}"/>
+                </a:ext>
+                <a:ext uri="{C183D7F6-B498-43B3-948B-1728B52AA6E4}">
+                  <adec:decorative xmlns:adec="http://schemas.microsoft.com/office/drawing/2017/decorative" val="1"/>
+                </a:ext>
+              </a:extLst>
+            </p:cNvPr>
+            <p:cNvSpPr/>
+            <p:nvPr>
+              <p:extLst>
+                <p:ext uri="{386F3935-93C4-4BCD-93E2-E3B085C9AB24}">
+                  <p16:designElem xmlns:p16="http://schemas.microsoft.com/office/powerpoint/2015/main" val="1"/>
+                </p:ext>
+              </p:extLst>
+            </p:nvPr>
+          </p:nvSpPr>
+          <p:spPr bwMode="auto">
+            <a:xfrm>
+              <a:off x="1627188" y="0"/>
+              <a:ext cx="1122363" cy="5329238"/>
+            </a:xfrm>
+            <a:custGeom>
+              <a:avLst/>
+              <a:gdLst/>
+              <a:ahLst/>
+              <a:cxnLst/>
+              <a:rect l="0" t="0" r="r" b="b"/>
+              <a:pathLst>
+                <a:path w="707" h="3357">
+                  <a:moveTo>
+                    <a:pt x="0" y="3330"/>
+                  </a:moveTo>
+                  <a:lnTo>
+                    <a:pt x="156" y="3357"/>
+                  </a:lnTo>
+                  <a:lnTo>
+                    <a:pt x="707" y="0"/>
+                  </a:lnTo>
+                  <a:lnTo>
+                    <a:pt x="547" y="0"/>
+                  </a:lnTo>
+                  <a:lnTo>
+                    <a:pt x="0" y="3330"/>
+                  </a:lnTo>
+                  <a:close/>
+                </a:path>
+              </a:pathLst>
+            </a:custGeom>
+            <a:solidFill>
+              <a:schemeClr val="accent1"/>
+            </a:solidFill>
+            <a:ln>
+              <a:noFill/>
+            </a:ln>
+          </p:spPr>
+          <p:txBody>
+            <a:bodyPr/>
+            <a:lstStyle/>
+            <a:p>
+              <a:endParaRPr lang="en-US"/>
+            </a:p>
+          </p:txBody>
+        </p:sp>
+        <p:sp>
+          <p:nvSpPr>
+            <p:cNvPr id="13" name="Freeform 7">
+              <a:extLst>
+                <a:ext uri="{FF2B5EF4-FFF2-40B4-BE49-F238E27FC236}">
+                  <a16:creationId xmlns:a16="http://schemas.microsoft.com/office/drawing/2014/main" id="{3DCD16F5-8D15-45FD-BA62-ADAC08183A27}"/>
+                </a:ext>
+                <a:ext uri="{C183D7F6-B498-43B3-948B-1728B52AA6E4}">
+                  <adec:decorative xmlns:adec="http://schemas.microsoft.com/office/drawing/2017/decorative" val="1"/>
+                </a:ext>
+              </a:extLst>
+            </p:cNvPr>
+            <p:cNvSpPr/>
+            <p:nvPr>
+              <p:extLst>
+                <p:ext uri="{386F3935-93C4-4BCD-93E2-E3B085C9AB24}">
+                  <p16:designElem xmlns:p16="http://schemas.microsoft.com/office/powerpoint/2015/main" val="1"/>
+                </p:ext>
+              </p:extLst>
+            </p:nvPr>
+          </p:nvSpPr>
+          <p:spPr bwMode="auto">
+            <a:xfrm>
+              <a:off x="1320800" y="0"/>
+              <a:ext cx="1117600" cy="5276850"/>
+            </a:xfrm>
+            <a:custGeom>
+              <a:avLst/>
+              <a:gdLst/>
+              <a:ahLst/>
+              <a:cxnLst/>
+              <a:rect l="0" t="0" r="r" b="b"/>
+              <a:pathLst>
+                <a:path w="704" h="3324">
+                  <a:moveTo>
+                    <a:pt x="704" y="0"/>
+                  </a:moveTo>
+                  <a:lnTo>
+                    <a:pt x="545" y="0"/>
+                  </a:lnTo>
+                  <a:lnTo>
+                    <a:pt x="0" y="3300"/>
+                  </a:lnTo>
+                  <a:lnTo>
+                    <a:pt x="157" y="3324"/>
+                  </a:lnTo>
+                  <a:lnTo>
+                    <a:pt x="704" y="0"/>
+                  </a:lnTo>
+                  <a:close/>
+                </a:path>
+              </a:pathLst>
+            </a:custGeom>
+            <a:solidFill>
+              <a:schemeClr val="tx1">
+                <a:lumMod val="65000"/>
+                <a:lumOff val="35000"/>
+              </a:schemeClr>
+            </a:solidFill>
+            <a:ln>
+              <a:noFill/>
+            </a:ln>
+          </p:spPr>
+          <p:txBody>
+            <a:bodyPr/>
+            <a:lstStyle/>
+            <a:p>
+              <a:endParaRPr lang="en-US"/>
+            </a:p>
+          </p:txBody>
+        </p:sp>
+        <p:sp>
+          <p:nvSpPr>
+            <p:cNvPr id="14" name="Freeform 8">
+              <a:extLst>
+                <a:ext uri="{FF2B5EF4-FFF2-40B4-BE49-F238E27FC236}">
+                  <a16:creationId xmlns:a16="http://schemas.microsoft.com/office/drawing/2014/main" id="{E7CFAF28-6FDA-4C2C-BE51-123D1115F75C}"/>
+                </a:ext>
+                <a:ext uri="{C183D7F6-B498-43B3-948B-1728B52AA6E4}">
+                  <adec:decorative xmlns:adec="http://schemas.microsoft.com/office/drawing/2017/decorative" val="1"/>
+                </a:ext>
+              </a:extLst>
+            </p:cNvPr>
+            <p:cNvSpPr/>
+            <p:nvPr>
+              <p:extLst>
+                <p:ext uri="{386F3935-93C4-4BCD-93E2-E3B085C9AB24}">
+                  <p16:designElem xmlns:p16="http://schemas.microsoft.com/office/powerpoint/2015/main" val="1"/>
+                </p:ext>
+              </p:extLst>
+            </p:nvPr>
+          </p:nvSpPr>
+          <p:spPr bwMode="auto">
+            <a:xfrm>
+              <a:off x="1320800" y="5238750"/>
+              <a:ext cx="1228725" cy="1619250"/>
+            </a:xfrm>
+            <a:custGeom>
+              <a:avLst/>
+              <a:gdLst/>
+              <a:ahLst/>
+              <a:cxnLst/>
+              <a:rect l="0" t="0" r="r" b="b"/>
+              <a:pathLst>
+                <a:path w="774" h="1020">
+                  <a:moveTo>
+                    <a:pt x="0" y="0"/>
+                  </a:moveTo>
+                  <a:lnTo>
+                    <a:pt x="740" y="1020"/>
+                  </a:lnTo>
+                  <a:lnTo>
+                    <a:pt x="774" y="1020"/>
+                  </a:lnTo>
+                  <a:lnTo>
+                    <a:pt x="0" y="0"/>
+                  </a:lnTo>
+                  <a:close/>
+                </a:path>
+              </a:pathLst>
+            </a:custGeom>
+            <a:solidFill>
+              <a:schemeClr val="tx1">
+                <a:lumMod val="85000"/>
+                <a:lumOff val="15000"/>
+              </a:schemeClr>
+            </a:solidFill>
+            <a:ln>
+              <a:noFill/>
+            </a:ln>
+          </p:spPr>
+          <p:txBody>
+            <a:bodyPr/>
+            <a:lstStyle/>
+            <a:p>
+              <a:endParaRPr lang="en-US"/>
+            </a:p>
+          </p:txBody>
+        </p:sp>
+        <p:sp>
+          <p:nvSpPr>
+            <p:cNvPr id="15" name="Freeform 9">
+              <a:extLst>
+                <a:ext uri="{FF2B5EF4-FFF2-40B4-BE49-F238E27FC236}">
+                  <a16:creationId xmlns:a16="http://schemas.microsoft.com/office/drawing/2014/main" id="{1FD12703-0627-4991-B2A4-F96519F90863}"/>
+                </a:ext>
+                <a:ext uri="{C183D7F6-B498-43B3-948B-1728B52AA6E4}">
+                  <adec:decorative xmlns:adec="http://schemas.microsoft.com/office/drawing/2017/decorative" val="1"/>
+                </a:ext>
+              </a:extLst>
+            </p:cNvPr>
+            <p:cNvSpPr/>
+            <p:nvPr>
+              <p:extLst>
+                <p:ext uri="{386F3935-93C4-4BCD-93E2-E3B085C9AB24}">
+                  <p16:designElem xmlns:p16="http://schemas.microsoft.com/office/powerpoint/2015/main" val="1"/>
+                </p:ext>
+              </p:extLst>
+            </p:nvPr>
+          </p:nvSpPr>
+          <p:spPr bwMode="auto">
+            <a:xfrm>
+              <a:off x="1627188" y="5291138"/>
+              <a:ext cx="1495425" cy="1566863"/>
+            </a:xfrm>
+            <a:custGeom>
+              <a:avLst/>
+              <a:gdLst/>
+              <a:ahLst/>
+              <a:cxnLst/>
+              <a:rect l="0" t="0" r="r" b="b"/>
+              <a:pathLst>
+                <a:path w="942" h="987">
+                  <a:moveTo>
+                    <a:pt x="0" y="0"/>
+                  </a:moveTo>
+                  <a:lnTo>
+                    <a:pt x="909" y="987"/>
+                  </a:lnTo>
+                  <a:lnTo>
+                    <a:pt x="942" y="987"/>
+                  </a:lnTo>
+                  <a:lnTo>
+                    <a:pt x="0" y="0"/>
+                  </a:lnTo>
+                  <a:close/>
+                </a:path>
+              </a:pathLst>
+            </a:custGeom>
+            <a:solidFill>
+              <a:schemeClr val="accent1">
+                <a:lumMod val="50000"/>
+              </a:schemeClr>
+            </a:solidFill>
+            <a:ln>
+              <a:noFill/>
+            </a:ln>
+          </p:spPr>
+          <p:txBody>
+            <a:bodyPr/>
+            <a:lstStyle/>
+            <a:p>
+              <a:endParaRPr lang="en-US"/>
+            </a:p>
+          </p:txBody>
+        </p:sp>
+        <p:sp>
+          <p:nvSpPr>
+            <p:cNvPr id="16" name="Freeform 10">
+              <a:extLst>
+                <a:ext uri="{FF2B5EF4-FFF2-40B4-BE49-F238E27FC236}">
+                  <a16:creationId xmlns:a16="http://schemas.microsoft.com/office/drawing/2014/main" id="{A5758E0B-DF61-40A8-B765-BC6841906A9A}"/>
+                </a:ext>
+                <a:ext uri="{C183D7F6-B498-43B3-948B-1728B52AA6E4}">
+                  <adec:decorative xmlns:adec="http://schemas.microsoft.com/office/drawing/2017/decorative" val="1"/>
+                </a:ext>
+              </a:extLst>
+            </p:cNvPr>
+            <p:cNvSpPr/>
+            <p:nvPr>
+              <p:extLst>
+                <p:ext uri="{386F3935-93C4-4BCD-93E2-E3B085C9AB24}">
+                  <p16:designElem xmlns:p16="http://schemas.microsoft.com/office/powerpoint/2015/main" val="1"/>
+                </p:ext>
+              </p:extLst>
+            </p:nvPr>
+          </p:nvSpPr>
+          <p:spPr bwMode="auto">
+            <a:xfrm>
+              <a:off x="1627188" y="5286375"/>
+              <a:ext cx="2130425" cy="1571625"/>
+            </a:xfrm>
+            <a:custGeom>
+              <a:avLst/>
+              <a:gdLst/>
+              <a:ahLst/>
+              <a:cxnLst/>
+              <a:rect l="0" t="0" r="r" b="b"/>
+              <a:pathLst>
+                <a:path w="1342" h="990">
+                  <a:moveTo>
+                    <a:pt x="0" y="3"/>
+                  </a:moveTo>
+                  <a:lnTo>
+                    <a:pt x="942" y="990"/>
+                  </a:lnTo>
+                  <a:lnTo>
+                    <a:pt x="1342" y="990"/>
+                  </a:lnTo>
+                  <a:lnTo>
+                    <a:pt x="156" y="27"/>
+                  </a:lnTo>
+                  <a:lnTo>
+                    <a:pt x="0" y="0"/>
+                  </a:lnTo>
+                  <a:lnTo>
+                    <a:pt x="0" y="3"/>
+                  </a:lnTo>
+                  <a:close/>
+                </a:path>
+              </a:pathLst>
+            </a:custGeom>
+            <a:solidFill>
+              <a:schemeClr val="accent1">
+                <a:lumMod val="75000"/>
+              </a:schemeClr>
+            </a:solidFill>
+            <a:ln>
+              <a:noFill/>
+            </a:ln>
+          </p:spPr>
+          <p:txBody>
+            <a:bodyPr/>
+            <a:lstStyle/>
+            <a:p>
+              <a:endParaRPr lang="en-US"/>
+            </a:p>
+          </p:txBody>
+        </p:sp>
+        <p:sp>
+          <p:nvSpPr>
+            <p:cNvPr id="17" name="Freeform 11">
+              <a:extLst>
+                <a:ext uri="{FF2B5EF4-FFF2-40B4-BE49-F238E27FC236}">
+                  <a16:creationId xmlns:a16="http://schemas.microsoft.com/office/drawing/2014/main" id="{3E063A1F-9566-4436-B4E3-2890FBBC2CCB}"/>
+                </a:ext>
+                <a:ext uri="{C183D7F6-B498-43B3-948B-1728B52AA6E4}">
+                  <adec:decorative xmlns:adec="http://schemas.microsoft.com/office/drawing/2017/decorative" val="1"/>
+                </a:ext>
+              </a:extLst>
+            </p:cNvPr>
+            <p:cNvSpPr/>
+            <p:nvPr>
+              <p:extLst>
+                <p:ext uri="{386F3935-93C4-4BCD-93E2-E3B085C9AB24}">
+                  <p16:designElem xmlns:p16="http://schemas.microsoft.com/office/powerpoint/2015/main" val="1"/>
+                </p:ext>
+              </p:extLst>
+            </p:nvPr>
+          </p:nvSpPr>
+          <p:spPr bwMode="auto">
+            <a:xfrm>
+              <a:off x="1320800" y="5238750"/>
+              <a:ext cx="1695450" cy="1619250"/>
+            </a:xfrm>
+            <a:custGeom>
+              <a:avLst/>
+              <a:gdLst/>
+              <a:ahLst/>
+              <a:cxnLst/>
+              <a:rect l="0" t="0" r="r" b="b"/>
+              <a:pathLst>
+                <a:path w="1068" h="1020">
+                  <a:moveTo>
+                    <a:pt x="1068" y="1020"/>
+                  </a:moveTo>
+                  <a:lnTo>
+                    <a:pt x="184" y="60"/>
+                  </a:lnTo>
+                  <a:lnTo>
+                    <a:pt x="154" y="27"/>
+                  </a:lnTo>
+                  <a:lnTo>
+                    <a:pt x="157" y="27"/>
+                  </a:lnTo>
+                  <a:lnTo>
+                    <a:pt x="157" y="24"/>
+                  </a:lnTo>
+                  <a:lnTo>
+                    <a:pt x="154" y="24"/>
+                  </a:lnTo>
+                  <a:lnTo>
+                    <a:pt x="0" y="0"/>
+                  </a:lnTo>
+                  <a:lnTo>
+                    <a:pt x="0" y="0"/>
+                  </a:lnTo>
+                  <a:lnTo>
+                    <a:pt x="774" y="1020"/>
+                  </a:lnTo>
+                  <a:lnTo>
+                    <a:pt x="1068" y="1020"/>
+                  </a:lnTo>
+                  <a:close/>
+                </a:path>
+              </a:pathLst>
+            </a:custGeom>
+            <a:solidFill>
+              <a:schemeClr val="tx1">
+                <a:lumMod val="75000"/>
+                <a:lumOff val="25000"/>
+              </a:schemeClr>
+            </a:solidFill>
+            <a:ln>
+              <a:noFill/>
+            </a:ln>
+          </p:spPr>
+          <p:txBody>
+            <a:bodyPr/>
+            <a:lstStyle/>
+            <a:p>
+              <a:endParaRPr lang="en-US"/>
+            </a:p>
+          </p:txBody>
+        </p:sp>
+      </p:grpSp>
+      <p:sp>
+        <p:nvSpPr>
+          <p:cNvPr id="4" name="TextBox 3">
+            <a:extLst>
+              <a:ext uri="{FF2B5EF4-FFF2-40B4-BE49-F238E27FC236}">
+                <a16:creationId xmlns:a16="http://schemas.microsoft.com/office/drawing/2014/main" id="{CD62C064-17A9-A2A9-7952-6AF57D49CAC5}"/>
+              </a:ext>
+            </a:extLst>
+          </p:cNvPr>
+          <p:cNvSpPr txBox="1"/>
+          <p:nvPr/>
+        </p:nvSpPr>
+        <p:spPr>
+          <a:xfrm>
+            <a:off x="1484311" y="1891431"/>
+            <a:ext cx="3333496" cy="2799566"/>
+          </a:xfrm>
+          <a:prstGeom prst="rect">
+            <a:avLst/>
+          </a:prstGeom>
+        </p:spPr>
+        <p:txBody>
+          <a:bodyPr vert="horz" lIns="91440" tIns="45720" rIns="91440" bIns="45720" rtlCol="0" anchor="t">
+            <a:normAutofit/>
+          </a:bodyPr>
+          <a:lstStyle/>
+          <a:p>
+            <a:pPr>
+              <a:spcBef>
+                <a:spcPct val="20000"/>
+              </a:spcBef>
+              <a:spcAft>
+                <a:spcPts val="600"/>
+              </a:spcAft>
+              <a:buClr>
+                <a:schemeClr val="accent1">
+                  <a:lumMod val="75000"/>
+                </a:schemeClr>
+              </a:buClr>
+              <a:buSzPct val="145000"/>
+            </a:pPr>
+            <a:r>
+              <a:rPr lang="en-US" sz="2800" dirty="0">
+                <a:solidFill>
+                  <a:srgbClr val="C00000"/>
+                </a:solidFill>
+              </a:rPr>
+              <a:t>How does Discount Level affect Sales per Customer?</a:t>
+            </a:r>
+            <a:br>
+              <a:rPr lang="en-US" sz="2800" dirty="0"/>
+            </a:br>
+            <a:r>
+              <a:rPr lang="en-US" sz="2000" dirty="0"/>
+              <a:t>Box plot grouped by discount level (Low, Medium, High) and sales amount</a:t>
+            </a:r>
+          </a:p>
+        </p:txBody>
+      </p:sp>
+      <p:pic>
+        <p:nvPicPr>
+          <p:cNvPr id="6" name="Picture 5" descr="A close-up of a graph&#10;&#10;AI-generated content may be incorrect.">
+            <a:extLst>
+              <a:ext uri="{FF2B5EF4-FFF2-40B4-BE49-F238E27FC236}">
+                <a16:creationId xmlns:a16="http://schemas.microsoft.com/office/drawing/2014/main" id="{41921145-51E4-115D-A624-F4CE5BA3B6B6}"/>
+              </a:ext>
+            </a:extLst>
+          </p:cNvPr>
+          <p:cNvPicPr>
+            <a:picLocks noChangeAspect="1"/>
+          </p:cNvPicPr>
+          <p:nvPr/>
+        </p:nvPicPr>
+        <p:blipFill>
+          <a:blip r:embed="rId3">
+            <a:extLst>
+              <a:ext uri="{28A0092B-C50C-407E-A947-70E740481C1C}">
+                <a14:useLocalDpi xmlns:a14="http://schemas.microsoft.com/office/drawing/2010/main" val="0"/>
+              </a:ext>
+            </a:extLst>
+          </a:blip>
+          <a:stretch>
+            <a:fillRect/>
+          </a:stretch>
+        </p:blipFill>
+        <p:spPr>
+          <a:xfrm>
+            <a:off x="5262033" y="2120151"/>
+            <a:ext cx="6240990" cy="2184346"/>
+          </a:xfrm>
+          <a:prstGeom prst="roundRect">
+            <a:avLst>
+              <a:gd name="adj" fmla="val 4380"/>
+            </a:avLst>
+          </a:prstGeom>
+          <a:ln w="38100">
+            <a:gradFill flip="none" rotWithShape="1">
+              <a:gsLst>
+                <a:gs pos="0">
+                  <a:schemeClr val="bg2"/>
+                </a:gs>
+                <a:gs pos="100000">
+                  <a:schemeClr val="bg2">
+                    <a:lumMod val="75000"/>
+                  </a:schemeClr>
+                </a:gs>
+              </a:gsLst>
+              <a:lin ang="5400000" scaled="0"/>
+              <a:tileRect/>
+            </a:gradFill>
+          </a:ln>
+          <a:effectLst>
+            <a:innerShdw blurRad="57150" dist="38100" dir="14460000">
+              <a:srgbClr val="000000">
+                <a:alpha val="70000"/>
+              </a:srgbClr>
+            </a:innerShdw>
+          </a:effectLst>
+        </p:spPr>
+      </p:pic>
+    </p:spTree>
+    <p:extLst>
+      <p:ext uri="{BB962C8B-B14F-4D97-AF65-F5344CB8AC3E}">
+        <p14:creationId xmlns:p14="http://schemas.microsoft.com/office/powerpoint/2010/main" val="2866716174"/>
+      </p:ext>
+    </p:extLst>
+  </p:cSld>
+  <p:clrMapOvr>
+    <a:masterClrMapping/>
+  </p:clrMapOvr>
+</p:sld>
+</file>
+
+<file path=ppt/slides/slide33.xml><?xml version="1.0" encoding="utf-8"?>
 <p:sld xmlns:a="http://schemas.openxmlformats.org/drawingml/2006/main" xmlns:r="http://schemas.openxmlformats.org/officeDocument/2006/relationships" xmlns:p="http://schemas.openxmlformats.org/presentationml/2006/main">
   <p:cSld>
     <p:spTree>
@@ -22047,7 +23934,11 @@
           <a:lstStyle/>
           <a:p>
             <a:r>
-              <a:rPr lang="en-US" sz="3200" dirty="0"/>
+              <a:rPr lang="en-US" sz="3200" dirty="0">
+                <a:solidFill>
+                  <a:srgbClr val="C00000"/>
+                </a:solidFill>
+              </a:rPr>
               <a:t> Does Discount Rate affect Profit Ratio?</a:t>
             </a:r>
             <a:br>
@@ -22068,7 +23959,11 @@
               <a:rPr lang="en-US" sz="3200" dirty="0"/>
             </a:br>
             <a:r>
-              <a:rPr lang="en-US" sz="3200" dirty="0"/>
+              <a:rPr lang="en-US" sz="3200" dirty="0">
+                <a:solidFill>
+                  <a:srgbClr val="C00000"/>
+                </a:solidFill>
+              </a:rPr>
               <a:t>Is Profit Ratio consistent across Regions?</a:t>
             </a:r>
             <a:br>
@@ -22081,32 +23976,19 @@
             <a:br>
               <a:rPr lang="en-US" sz="2400" dirty="0"/>
             </a:br>
-            <a:br>
-              <a:rPr lang="en-US" sz="3200" dirty="0"/>
-            </a:br>
-            <a:r>
-              <a:rPr lang="en-US" sz="3200" dirty="0"/>
-              <a:t>Do different Order Statuses impact Profit Margin?</a:t>
-            </a:r>
-            <a:br>
-              <a:rPr lang="en-US" sz="3200" dirty="0"/>
-            </a:br>
             <a:r>
               <a:rPr lang="en-US" sz="2400" dirty="0"/>
-              <a:t>Violin plot used to show spread of profit margins across statuses.</a:t>
+              <a:t> </a:t>
             </a:r>
             <a:br>
               <a:rPr lang="en-US" sz="2400" dirty="0"/>
             </a:br>
             <a:r>
-              <a:rPr lang="en-US" sz="2400" dirty="0"/>
-              <a:t> </a:t>
-            </a:r>
-            <a:br>
-              <a:rPr lang="en-US" sz="2400" dirty="0"/>
-            </a:br>
-            <a:r>
-              <a:rPr lang="en-US" sz="3200" dirty="0"/>
+              <a:rPr lang="en-US" sz="3200" dirty="0">
+                <a:solidFill>
+                  <a:srgbClr val="C00000"/>
+                </a:solidFill>
+              </a:rPr>
               <a:t>What is the variation of Benefit per Order by Customer Segment?</a:t>
             </a:r>
             <a:br>
@@ -22136,7 +24018,1168 @@
 </p:sld>
 </file>
 
-<file path=ppt/slides/slide32.xml><?xml version="1.0" encoding="utf-8"?>
+<file path=ppt/slides/slide34.xml><?xml version="1.0" encoding="utf-8"?>
+<p:sld xmlns:a="http://schemas.openxmlformats.org/drawingml/2006/main" xmlns:r="http://schemas.openxmlformats.org/officeDocument/2006/relationships" xmlns:p="http://schemas.openxmlformats.org/presentationml/2006/main">
+  <p:cSld>
+    <p:bg>
+      <p:bgPr>
+        <a:blipFill rotWithShape="1">
+          <a:blip r:embed="rId2">
+            <a:duotone>
+              <a:schemeClr val="bg2">
+                <a:shade val="76000"/>
+                <a:satMod val="180000"/>
+              </a:schemeClr>
+              <a:schemeClr val="bg2">
+                <a:tint val="80000"/>
+                <a:satMod val="120000"/>
+                <a:lumMod val="180000"/>
+              </a:schemeClr>
+            </a:duotone>
+          </a:blip>
+          <a:stretch/>
+        </a:blipFill>
+        <a:effectLst/>
+      </p:bgPr>
+    </p:bg>
+    <p:spTree>
+      <p:nvGrpSpPr>
+        <p:cNvPr id="1" name=""/>
+        <p:cNvGrpSpPr/>
+        <p:nvPr/>
+      </p:nvGrpSpPr>
+      <p:grpSpPr>
+        <a:xfrm>
+          <a:off x="0" y="0"/>
+          <a:ext cx="0" cy="0"/>
+          <a:chOff x="0" y="0"/>
+          <a:chExt cx="0" cy="0"/>
+        </a:xfrm>
+      </p:grpSpPr>
+      <p:grpSp>
+        <p:nvGrpSpPr>
+          <p:cNvPr id="51" name="Group 50">
+            <a:extLst>
+              <a:ext uri="{FF2B5EF4-FFF2-40B4-BE49-F238E27FC236}">
+                <a16:creationId xmlns:a16="http://schemas.microsoft.com/office/drawing/2014/main" id="{15FF890B-3CE7-403A-AECE-2DE04FC7AF80}"/>
+              </a:ext>
+              <a:ext uri="{C183D7F6-B498-43B3-948B-1728B52AA6E4}">
+                <adec:decorative xmlns:adec="http://schemas.microsoft.com/office/drawing/2017/decorative" val="1"/>
+              </a:ext>
+            </a:extLst>
+          </p:cNvPr>
+          <p:cNvGrpSpPr>
+            <a:grpSpLocks noGrp="1" noUngrp="1" noRot="1" noChangeAspect="1" noMove="1" noResize="1"/>
+          </p:cNvGrpSpPr>
+          <p:nvPr>
+            <p:extLst>
+              <p:ext uri="{386F3935-93C4-4BCD-93E2-E3B085C9AB24}">
+                <p16:designElem xmlns:p16="http://schemas.microsoft.com/office/powerpoint/2015/main" val="1"/>
+              </p:ext>
+            </p:extLst>
+          </p:nvPr>
+        </p:nvGrpSpPr>
+        <p:grpSpPr>
+          <a:xfrm>
+            <a:off x="150812" y="0"/>
+            <a:ext cx="2436813" cy="6858001"/>
+            <a:chOff x="1320800" y="0"/>
+            <a:chExt cx="2436813" cy="6858001"/>
+          </a:xfrm>
+        </p:grpSpPr>
+        <p:sp>
+          <p:nvSpPr>
+            <p:cNvPr id="52" name="Freeform 6">
+              <a:extLst>
+                <a:ext uri="{FF2B5EF4-FFF2-40B4-BE49-F238E27FC236}">
+                  <a16:creationId xmlns:a16="http://schemas.microsoft.com/office/drawing/2014/main" id="{99A4E160-6CFD-4514-9E20-CA6692CCDB9C}"/>
+                </a:ext>
+                <a:ext uri="{C183D7F6-B498-43B3-948B-1728B52AA6E4}">
+                  <adec:decorative xmlns:adec="http://schemas.microsoft.com/office/drawing/2017/decorative" val="1"/>
+                </a:ext>
+              </a:extLst>
+            </p:cNvPr>
+            <p:cNvSpPr/>
+            <p:nvPr>
+              <p:extLst>
+                <p:ext uri="{386F3935-93C4-4BCD-93E2-E3B085C9AB24}">
+                  <p16:designElem xmlns:p16="http://schemas.microsoft.com/office/powerpoint/2015/main" val="1"/>
+                </p:ext>
+              </p:extLst>
+            </p:nvPr>
+          </p:nvSpPr>
+          <p:spPr bwMode="auto">
+            <a:xfrm>
+              <a:off x="1627188" y="0"/>
+              <a:ext cx="1122363" cy="5329238"/>
+            </a:xfrm>
+            <a:custGeom>
+              <a:avLst/>
+              <a:gdLst/>
+              <a:ahLst/>
+              <a:cxnLst/>
+              <a:rect l="0" t="0" r="r" b="b"/>
+              <a:pathLst>
+                <a:path w="707" h="3357">
+                  <a:moveTo>
+                    <a:pt x="0" y="3330"/>
+                  </a:moveTo>
+                  <a:lnTo>
+                    <a:pt x="156" y="3357"/>
+                  </a:lnTo>
+                  <a:lnTo>
+                    <a:pt x="707" y="0"/>
+                  </a:lnTo>
+                  <a:lnTo>
+                    <a:pt x="547" y="0"/>
+                  </a:lnTo>
+                  <a:lnTo>
+                    <a:pt x="0" y="3330"/>
+                  </a:lnTo>
+                  <a:close/>
+                </a:path>
+              </a:pathLst>
+            </a:custGeom>
+            <a:solidFill>
+              <a:schemeClr val="accent1"/>
+            </a:solidFill>
+            <a:ln>
+              <a:noFill/>
+            </a:ln>
+          </p:spPr>
+          <p:txBody>
+            <a:bodyPr/>
+            <a:lstStyle/>
+            <a:p>
+              <a:endParaRPr lang="en-US"/>
+            </a:p>
+          </p:txBody>
+        </p:sp>
+        <p:sp>
+          <p:nvSpPr>
+            <p:cNvPr id="53" name="Freeform 7">
+              <a:extLst>
+                <a:ext uri="{FF2B5EF4-FFF2-40B4-BE49-F238E27FC236}">
+                  <a16:creationId xmlns:a16="http://schemas.microsoft.com/office/drawing/2014/main" id="{3DCD16F5-8D15-45FD-BA62-ADAC08183A27}"/>
+                </a:ext>
+                <a:ext uri="{C183D7F6-B498-43B3-948B-1728B52AA6E4}">
+                  <adec:decorative xmlns:adec="http://schemas.microsoft.com/office/drawing/2017/decorative" val="1"/>
+                </a:ext>
+              </a:extLst>
+            </p:cNvPr>
+            <p:cNvSpPr/>
+            <p:nvPr>
+              <p:extLst>
+                <p:ext uri="{386F3935-93C4-4BCD-93E2-E3B085C9AB24}">
+                  <p16:designElem xmlns:p16="http://schemas.microsoft.com/office/powerpoint/2015/main" val="1"/>
+                </p:ext>
+              </p:extLst>
+            </p:nvPr>
+          </p:nvSpPr>
+          <p:spPr bwMode="auto">
+            <a:xfrm>
+              <a:off x="1320800" y="0"/>
+              <a:ext cx="1117600" cy="5276850"/>
+            </a:xfrm>
+            <a:custGeom>
+              <a:avLst/>
+              <a:gdLst/>
+              <a:ahLst/>
+              <a:cxnLst/>
+              <a:rect l="0" t="0" r="r" b="b"/>
+              <a:pathLst>
+                <a:path w="704" h="3324">
+                  <a:moveTo>
+                    <a:pt x="704" y="0"/>
+                  </a:moveTo>
+                  <a:lnTo>
+                    <a:pt x="545" y="0"/>
+                  </a:lnTo>
+                  <a:lnTo>
+                    <a:pt x="0" y="3300"/>
+                  </a:lnTo>
+                  <a:lnTo>
+                    <a:pt x="157" y="3324"/>
+                  </a:lnTo>
+                  <a:lnTo>
+                    <a:pt x="704" y="0"/>
+                  </a:lnTo>
+                  <a:close/>
+                </a:path>
+              </a:pathLst>
+            </a:custGeom>
+            <a:solidFill>
+              <a:schemeClr val="tx1">
+                <a:lumMod val="65000"/>
+                <a:lumOff val="35000"/>
+              </a:schemeClr>
+            </a:solidFill>
+            <a:ln>
+              <a:noFill/>
+            </a:ln>
+          </p:spPr>
+          <p:txBody>
+            <a:bodyPr/>
+            <a:lstStyle/>
+            <a:p>
+              <a:endParaRPr lang="en-US"/>
+            </a:p>
+          </p:txBody>
+        </p:sp>
+        <p:sp>
+          <p:nvSpPr>
+            <p:cNvPr id="54" name="Freeform 8">
+              <a:extLst>
+                <a:ext uri="{FF2B5EF4-FFF2-40B4-BE49-F238E27FC236}">
+                  <a16:creationId xmlns:a16="http://schemas.microsoft.com/office/drawing/2014/main" id="{E7CFAF28-6FDA-4C2C-BE51-123D1115F75C}"/>
+                </a:ext>
+                <a:ext uri="{C183D7F6-B498-43B3-948B-1728B52AA6E4}">
+                  <adec:decorative xmlns:adec="http://schemas.microsoft.com/office/drawing/2017/decorative" val="1"/>
+                </a:ext>
+              </a:extLst>
+            </p:cNvPr>
+            <p:cNvSpPr/>
+            <p:nvPr>
+              <p:extLst>
+                <p:ext uri="{386F3935-93C4-4BCD-93E2-E3B085C9AB24}">
+                  <p16:designElem xmlns:p16="http://schemas.microsoft.com/office/powerpoint/2015/main" val="1"/>
+                </p:ext>
+              </p:extLst>
+            </p:nvPr>
+          </p:nvSpPr>
+          <p:spPr bwMode="auto">
+            <a:xfrm>
+              <a:off x="1320800" y="5238750"/>
+              <a:ext cx="1228725" cy="1619250"/>
+            </a:xfrm>
+            <a:custGeom>
+              <a:avLst/>
+              <a:gdLst/>
+              <a:ahLst/>
+              <a:cxnLst/>
+              <a:rect l="0" t="0" r="r" b="b"/>
+              <a:pathLst>
+                <a:path w="774" h="1020">
+                  <a:moveTo>
+                    <a:pt x="0" y="0"/>
+                  </a:moveTo>
+                  <a:lnTo>
+                    <a:pt x="740" y="1020"/>
+                  </a:lnTo>
+                  <a:lnTo>
+                    <a:pt x="774" y="1020"/>
+                  </a:lnTo>
+                  <a:lnTo>
+                    <a:pt x="0" y="0"/>
+                  </a:lnTo>
+                  <a:close/>
+                </a:path>
+              </a:pathLst>
+            </a:custGeom>
+            <a:solidFill>
+              <a:schemeClr val="tx1">
+                <a:lumMod val="85000"/>
+                <a:lumOff val="15000"/>
+              </a:schemeClr>
+            </a:solidFill>
+            <a:ln>
+              <a:noFill/>
+            </a:ln>
+          </p:spPr>
+          <p:txBody>
+            <a:bodyPr/>
+            <a:lstStyle/>
+            <a:p>
+              <a:endParaRPr lang="en-US"/>
+            </a:p>
+          </p:txBody>
+        </p:sp>
+        <p:sp>
+          <p:nvSpPr>
+            <p:cNvPr id="55" name="Freeform 9">
+              <a:extLst>
+                <a:ext uri="{FF2B5EF4-FFF2-40B4-BE49-F238E27FC236}">
+                  <a16:creationId xmlns:a16="http://schemas.microsoft.com/office/drawing/2014/main" id="{1FD12703-0627-4991-B2A4-F96519F90863}"/>
+                </a:ext>
+                <a:ext uri="{C183D7F6-B498-43B3-948B-1728B52AA6E4}">
+                  <adec:decorative xmlns:adec="http://schemas.microsoft.com/office/drawing/2017/decorative" val="1"/>
+                </a:ext>
+              </a:extLst>
+            </p:cNvPr>
+            <p:cNvSpPr/>
+            <p:nvPr>
+              <p:extLst>
+                <p:ext uri="{386F3935-93C4-4BCD-93E2-E3B085C9AB24}">
+                  <p16:designElem xmlns:p16="http://schemas.microsoft.com/office/powerpoint/2015/main" val="1"/>
+                </p:ext>
+              </p:extLst>
+            </p:nvPr>
+          </p:nvSpPr>
+          <p:spPr bwMode="auto">
+            <a:xfrm>
+              <a:off x="1627188" y="5291138"/>
+              <a:ext cx="1495425" cy="1566863"/>
+            </a:xfrm>
+            <a:custGeom>
+              <a:avLst/>
+              <a:gdLst/>
+              <a:ahLst/>
+              <a:cxnLst/>
+              <a:rect l="0" t="0" r="r" b="b"/>
+              <a:pathLst>
+                <a:path w="942" h="987">
+                  <a:moveTo>
+                    <a:pt x="0" y="0"/>
+                  </a:moveTo>
+                  <a:lnTo>
+                    <a:pt x="909" y="987"/>
+                  </a:lnTo>
+                  <a:lnTo>
+                    <a:pt x="942" y="987"/>
+                  </a:lnTo>
+                  <a:lnTo>
+                    <a:pt x="0" y="0"/>
+                  </a:lnTo>
+                  <a:close/>
+                </a:path>
+              </a:pathLst>
+            </a:custGeom>
+            <a:solidFill>
+              <a:schemeClr val="accent1">
+                <a:lumMod val="50000"/>
+              </a:schemeClr>
+            </a:solidFill>
+            <a:ln>
+              <a:noFill/>
+            </a:ln>
+          </p:spPr>
+          <p:txBody>
+            <a:bodyPr/>
+            <a:lstStyle/>
+            <a:p>
+              <a:endParaRPr lang="en-US"/>
+            </a:p>
+          </p:txBody>
+        </p:sp>
+        <p:sp>
+          <p:nvSpPr>
+            <p:cNvPr id="56" name="Freeform 10">
+              <a:extLst>
+                <a:ext uri="{FF2B5EF4-FFF2-40B4-BE49-F238E27FC236}">
+                  <a16:creationId xmlns:a16="http://schemas.microsoft.com/office/drawing/2014/main" id="{A5758E0B-DF61-40A8-B765-BC6841906A9A}"/>
+                </a:ext>
+                <a:ext uri="{C183D7F6-B498-43B3-948B-1728B52AA6E4}">
+                  <adec:decorative xmlns:adec="http://schemas.microsoft.com/office/drawing/2017/decorative" val="1"/>
+                </a:ext>
+              </a:extLst>
+            </p:cNvPr>
+            <p:cNvSpPr/>
+            <p:nvPr>
+              <p:extLst>
+                <p:ext uri="{386F3935-93C4-4BCD-93E2-E3B085C9AB24}">
+                  <p16:designElem xmlns:p16="http://schemas.microsoft.com/office/powerpoint/2015/main" val="1"/>
+                </p:ext>
+              </p:extLst>
+            </p:nvPr>
+          </p:nvSpPr>
+          <p:spPr bwMode="auto">
+            <a:xfrm>
+              <a:off x="1627188" y="5286375"/>
+              <a:ext cx="2130425" cy="1571625"/>
+            </a:xfrm>
+            <a:custGeom>
+              <a:avLst/>
+              <a:gdLst/>
+              <a:ahLst/>
+              <a:cxnLst/>
+              <a:rect l="0" t="0" r="r" b="b"/>
+              <a:pathLst>
+                <a:path w="1342" h="990">
+                  <a:moveTo>
+                    <a:pt x="0" y="3"/>
+                  </a:moveTo>
+                  <a:lnTo>
+                    <a:pt x="942" y="990"/>
+                  </a:lnTo>
+                  <a:lnTo>
+                    <a:pt x="1342" y="990"/>
+                  </a:lnTo>
+                  <a:lnTo>
+                    <a:pt x="156" y="27"/>
+                  </a:lnTo>
+                  <a:lnTo>
+                    <a:pt x="0" y="0"/>
+                  </a:lnTo>
+                  <a:lnTo>
+                    <a:pt x="0" y="3"/>
+                  </a:lnTo>
+                  <a:close/>
+                </a:path>
+              </a:pathLst>
+            </a:custGeom>
+            <a:solidFill>
+              <a:schemeClr val="accent1">
+                <a:lumMod val="75000"/>
+              </a:schemeClr>
+            </a:solidFill>
+            <a:ln>
+              <a:noFill/>
+            </a:ln>
+          </p:spPr>
+          <p:txBody>
+            <a:bodyPr/>
+            <a:lstStyle/>
+            <a:p>
+              <a:endParaRPr lang="en-US"/>
+            </a:p>
+          </p:txBody>
+        </p:sp>
+        <p:sp>
+          <p:nvSpPr>
+            <p:cNvPr id="57" name="Freeform 11">
+              <a:extLst>
+                <a:ext uri="{FF2B5EF4-FFF2-40B4-BE49-F238E27FC236}">
+                  <a16:creationId xmlns:a16="http://schemas.microsoft.com/office/drawing/2014/main" id="{3E063A1F-9566-4436-B4E3-2890FBBC2CCB}"/>
+                </a:ext>
+                <a:ext uri="{C183D7F6-B498-43B3-948B-1728B52AA6E4}">
+                  <adec:decorative xmlns:adec="http://schemas.microsoft.com/office/drawing/2017/decorative" val="1"/>
+                </a:ext>
+              </a:extLst>
+            </p:cNvPr>
+            <p:cNvSpPr/>
+            <p:nvPr>
+              <p:extLst>
+                <p:ext uri="{386F3935-93C4-4BCD-93E2-E3B085C9AB24}">
+                  <p16:designElem xmlns:p16="http://schemas.microsoft.com/office/powerpoint/2015/main" val="1"/>
+                </p:ext>
+              </p:extLst>
+            </p:nvPr>
+          </p:nvSpPr>
+          <p:spPr bwMode="auto">
+            <a:xfrm>
+              <a:off x="1320800" y="5238750"/>
+              <a:ext cx="1695450" cy="1619250"/>
+            </a:xfrm>
+            <a:custGeom>
+              <a:avLst/>
+              <a:gdLst/>
+              <a:ahLst/>
+              <a:cxnLst/>
+              <a:rect l="0" t="0" r="r" b="b"/>
+              <a:pathLst>
+                <a:path w="1068" h="1020">
+                  <a:moveTo>
+                    <a:pt x="1068" y="1020"/>
+                  </a:moveTo>
+                  <a:lnTo>
+                    <a:pt x="184" y="60"/>
+                  </a:lnTo>
+                  <a:lnTo>
+                    <a:pt x="154" y="27"/>
+                  </a:lnTo>
+                  <a:lnTo>
+                    <a:pt x="157" y="27"/>
+                  </a:lnTo>
+                  <a:lnTo>
+                    <a:pt x="157" y="24"/>
+                  </a:lnTo>
+                  <a:lnTo>
+                    <a:pt x="154" y="24"/>
+                  </a:lnTo>
+                  <a:lnTo>
+                    <a:pt x="0" y="0"/>
+                  </a:lnTo>
+                  <a:lnTo>
+                    <a:pt x="0" y="0"/>
+                  </a:lnTo>
+                  <a:lnTo>
+                    <a:pt x="774" y="1020"/>
+                  </a:lnTo>
+                  <a:lnTo>
+                    <a:pt x="1068" y="1020"/>
+                  </a:lnTo>
+                  <a:close/>
+                </a:path>
+              </a:pathLst>
+            </a:custGeom>
+            <a:solidFill>
+              <a:schemeClr val="tx1">
+                <a:lumMod val="75000"/>
+                <a:lumOff val="25000"/>
+              </a:schemeClr>
+            </a:solidFill>
+            <a:ln>
+              <a:noFill/>
+            </a:ln>
+          </p:spPr>
+          <p:txBody>
+            <a:bodyPr/>
+            <a:lstStyle/>
+            <a:p>
+              <a:endParaRPr lang="en-US"/>
+            </a:p>
+          </p:txBody>
+        </p:sp>
+      </p:grpSp>
+      <p:grpSp>
+        <p:nvGrpSpPr>
+          <p:cNvPr id="58" name="Group 57">
+            <a:extLst>
+              <a:ext uri="{FF2B5EF4-FFF2-40B4-BE49-F238E27FC236}">
+                <a16:creationId xmlns:a16="http://schemas.microsoft.com/office/drawing/2014/main" id="{28A4A409-9242-444A-AC1F-809866828B50}"/>
+              </a:ext>
+              <a:ext uri="{C183D7F6-B498-43B3-948B-1728B52AA6E4}">
+                <adec:decorative xmlns:adec="http://schemas.microsoft.com/office/drawing/2017/decorative" val="1"/>
+              </a:ext>
+            </a:extLst>
+          </p:cNvPr>
+          <p:cNvGrpSpPr>
+            <a:grpSpLocks noGrp="1" noUngrp="1" noRot="1" noChangeAspect="1" noMove="1" noResize="1"/>
+          </p:cNvGrpSpPr>
+          <p:nvPr>
+            <p:extLst>
+              <p:ext uri="{386F3935-93C4-4BCD-93E2-E3B085C9AB24}">
+                <p16:designElem xmlns:p16="http://schemas.microsoft.com/office/powerpoint/2015/main" val="1"/>
+              </p:ext>
+            </p:extLst>
+          </p:nvPr>
+        </p:nvGrpSpPr>
+        <p:grpSpPr>
+          <a:xfrm>
+            <a:off x="150812" y="0"/>
+            <a:ext cx="2436813" cy="6858001"/>
+            <a:chOff x="1320800" y="0"/>
+            <a:chExt cx="2436813" cy="6858001"/>
+          </a:xfrm>
+        </p:grpSpPr>
+        <p:sp>
+          <p:nvSpPr>
+            <p:cNvPr id="20" name="Freeform 6">
+              <a:extLst>
+                <a:ext uri="{FF2B5EF4-FFF2-40B4-BE49-F238E27FC236}">
+                  <a16:creationId xmlns:a16="http://schemas.microsoft.com/office/drawing/2014/main" id="{ABF65108-5AB6-40BD-BCAF-526D8E309105}"/>
+                </a:ext>
+                <a:ext uri="{C183D7F6-B498-43B3-948B-1728B52AA6E4}">
+                  <adec:decorative xmlns:adec="http://schemas.microsoft.com/office/drawing/2017/decorative" val="1"/>
+                </a:ext>
+              </a:extLst>
+            </p:cNvPr>
+            <p:cNvSpPr/>
+            <p:nvPr>
+              <p:extLst>
+                <p:ext uri="{386F3935-93C4-4BCD-93E2-E3B085C9AB24}">
+                  <p16:designElem xmlns:p16="http://schemas.microsoft.com/office/powerpoint/2015/main" val="1"/>
+                </p:ext>
+              </p:extLst>
+            </p:nvPr>
+          </p:nvSpPr>
+          <p:spPr bwMode="auto">
+            <a:xfrm>
+              <a:off x="1627188" y="0"/>
+              <a:ext cx="1122363" cy="5329238"/>
+            </a:xfrm>
+            <a:custGeom>
+              <a:avLst/>
+              <a:gdLst/>
+              <a:ahLst/>
+              <a:cxnLst/>
+              <a:rect l="0" t="0" r="r" b="b"/>
+              <a:pathLst>
+                <a:path w="707" h="3357">
+                  <a:moveTo>
+                    <a:pt x="0" y="3330"/>
+                  </a:moveTo>
+                  <a:lnTo>
+                    <a:pt x="156" y="3357"/>
+                  </a:lnTo>
+                  <a:lnTo>
+                    <a:pt x="707" y="0"/>
+                  </a:lnTo>
+                  <a:lnTo>
+                    <a:pt x="547" y="0"/>
+                  </a:lnTo>
+                  <a:lnTo>
+                    <a:pt x="0" y="3330"/>
+                  </a:lnTo>
+                  <a:close/>
+                </a:path>
+              </a:pathLst>
+            </a:custGeom>
+            <a:solidFill>
+              <a:schemeClr val="accent1"/>
+            </a:solidFill>
+            <a:ln>
+              <a:noFill/>
+            </a:ln>
+          </p:spPr>
+          <p:txBody>
+            <a:bodyPr/>
+            <a:lstStyle/>
+            <a:p>
+              <a:endParaRPr lang="en-US"/>
+            </a:p>
+          </p:txBody>
+        </p:sp>
+        <p:sp>
+          <p:nvSpPr>
+            <p:cNvPr id="21" name="Freeform 7">
+              <a:extLst>
+                <a:ext uri="{FF2B5EF4-FFF2-40B4-BE49-F238E27FC236}">
+                  <a16:creationId xmlns:a16="http://schemas.microsoft.com/office/drawing/2014/main" id="{C77C904B-BC3A-472F-BB70-8750D41E41DE}"/>
+                </a:ext>
+                <a:ext uri="{C183D7F6-B498-43B3-948B-1728B52AA6E4}">
+                  <adec:decorative xmlns:adec="http://schemas.microsoft.com/office/drawing/2017/decorative" val="1"/>
+                </a:ext>
+              </a:extLst>
+            </p:cNvPr>
+            <p:cNvSpPr/>
+            <p:nvPr>
+              <p:extLst>
+                <p:ext uri="{386F3935-93C4-4BCD-93E2-E3B085C9AB24}">
+                  <p16:designElem xmlns:p16="http://schemas.microsoft.com/office/powerpoint/2015/main" val="1"/>
+                </p:ext>
+              </p:extLst>
+            </p:nvPr>
+          </p:nvSpPr>
+          <p:spPr bwMode="auto">
+            <a:xfrm>
+              <a:off x="1320800" y="0"/>
+              <a:ext cx="1117600" cy="5276850"/>
+            </a:xfrm>
+            <a:custGeom>
+              <a:avLst/>
+              <a:gdLst/>
+              <a:ahLst/>
+              <a:cxnLst/>
+              <a:rect l="0" t="0" r="r" b="b"/>
+              <a:pathLst>
+                <a:path w="704" h="3324">
+                  <a:moveTo>
+                    <a:pt x="704" y="0"/>
+                  </a:moveTo>
+                  <a:lnTo>
+                    <a:pt x="545" y="0"/>
+                  </a:lnTo>
+                  <a:lnTo>
+                    <a:pt x="0" y="3300"/>
+                  </a:lnTo>
+                  <a:lnTo>
+                    <a:pt x="157" y="3324"/>
+                  </a:lnTo>
+                  <a:lnTo>
+                    <a:pt x="704" y="0"/>
+                  </a:lnTo>
+                  <a:close/>
+                </a:path>
+              </a:pathLst>
+            </a:custGeom>
+            <a:solidFill>
+              <a:schemeClr val="tx1">
+                <a:lumMod val="65000"/>
+                <a:lumOff val="35000"/>
+              </a:schemeClr>
+            </a:solidFill>
+            <a:ln>
+              <a:noFill/>
+            </a:ln>
+          </p:spPr>
+          <p:txBody>
+            <a:bodyPr/>
+            <a:lstStyle/>
+            <a:p>
+              <a:endParaRPr lang="en-US"/>
+            </a:p>
+          </p:txBody>
+        </p:sp>
+        <p:sp>
+          <p:nvSpPr>
+            <p:cNvPr id="22" name="Freeform 8">
+              <a:extLst>
+                <a:ext uri="{FF2B5EF4-FFF2-40B4-BE49-F238E27FC236}">
+                  <a16:creationId xmlns:a16="http://schemas.microsoft.com/office/drawing/2014/main" id="{E910D569-2CFD-4010-B886-2F31BB8EC9C7}"/>
+                </a:ext>
+                <a:ext uri="{C183D7F6-B498-43B3-948B-1728B52AA6E4}">
+                  <adec:decorative xmlns:adec="http://schemas.microsoft.com/office/drawing/2017/decorative" val="1"/>
+                </a:ext>
+              </a:extLst>
+            </p:cNvPr>
+            <p:cNvSpPr/>
+            <p:nvPr>
+              <p:extLst>
+                <p:ext uri="{386F3935-93C4-4BCD-93E2-E3B085C9AB24}">
+                  <p16:designElem xmlns:p16="http://schemas.microsoft.com/office/powerpoint/2015/main" val="1"/>
+                </p:ext>
+              </p:extLst>
+            </p:nvPr>
+          </p:nvSpPr>
+          <p:spPr bwMode="auto">
+            <a:xfrm>
+              <a:off x="1320800" y="5238750"/>
+              <a:ext cx="1228725" cy="1619250"/>
+            </a:xfrm>
+            <a:custGeom>
+              <a:avLst/>
+              <a:gdLst/>
+              <a:ahLst/>
+              <a:cxnLst/>
+              <a:rect l="0" t="0" r="r" b="b"/>
+              <a:pathLst>
+                <a:path w="774" h="1020">
+                  <a:moveTo>
+                    <a:pt x="0" y="0"/>
+                  </a:moveTo>
+                  <a:lnTo>
+                    <a:pt x="740" y="1020"/>
+                  </a:lnTo>
+                  <a:lnTo>
+                    <a:pt x="774" y="1020"/>
+                  </a:lnTo>
+                  <a:lnTo>
+                    <a:pt x="0" y="0"/>
+                  </a:lnTo>
+                  <a:close/>
+                </a:path>
+              </a:pathLst>
+            </a:custGeom>
+            <a:solidFill>
+              <a:schemeClr val="tx1">
+                <a:lumMod val="85000"/>
+                <a:lumOff val="15000"/>
+              </a:schemeClr>
+            </a:solidFill>
+            <a:ln>
+              <a:noFill/>
+            </a:ln>
+          </p:spPr>
+          <p:txBody>
+            <a:bodyPr/>
+            <a:lstStyle/>
+            <a:p>
+              <a:endParaRPr lang="en-US"/>
+            </a:p>
+          </p:txBody>
+        </p:sp>
+        <p:sp>
+          <p:nvSpPr>
+            <p:cNvPr id="23" name="Freeform 9">
+              <a:extLst>
+                <a:ext uri="{FF2B5EF4-FFF2-40B4-BE49-F238E27FC236}">
+                  <a16:creationId xmlns:a16="http://schemas.microsoft.com/office/drawing/2014/main" id="{5A816932-FBAD-46C0-AA92-336589A5A912}"/>
+                </a:ext>
+                <a:ext uri="{C183D7F6-B498-43B3-948B-1728B52AA6E4}">
+                  <adec:decorative xmlns:adec="http://schemas.microsoft.com/office/drawing/2017/decorative" val="1"/>
+                </a:ext>
+              </a:extLst>
+            </p:cNvPr>
+            <p:cNvSpPr/>
+            <p:nvPr>
+              <p:extLst>
+                <p:ext uri="{386F3935-93C4-4BCD-93E2-E3B085C9AB24}">
+                  <p16:designElem xmlns:p16="http://schemas.microsoft.com/office/powerpoint/2015/main" val="1"/>
+                </p:ext>
+              </p:extLst>
+            </p:nvPr>
+          </p:nvSpPr>
+          <p:spPr bwMode="auto">
+            <a:xfrm>
+              <a:off x="1627188" y="5291138"/>
+              <a:ext cx="1495425" cy="1566863"/>
+            </a:xfrm>
+            <a:custGeom>
+              <a:avLst/>
+              <a:gdLst/>
+              <a:ahLst/>
+              <a:cxnLst/>
+              <a:rect l="0" t="0" r="r" b="b"/>
+              <a:pathLst>
+                <a:path w="942" h="987">
+                  <a:moveTo>
+                    <a:pt x="0" y="0"/>
+                  </a:moveTo>
+                  <a:lnTo>
+                    <a:pt x="909" y="987"/>
+                  </a:lnTo>
+                  <a:lnTo>
+                    <a:pt x="942" y="987"/>
+                  </a:lnTo>
+                  <a:lnTo>
+                    <a:pt x="0" y="0"/>
+                  </a:lnTo>
+                  <a:close/>
+                </a:path>
+              </a:pathLst>
+            </a:custGeom>
+            <a:solidFill>
+              <a:schemeClr val="accent1">
+                <a:lumMod val="50000"/>
+              </a:schemeClr>
+            </a:solidFill>
+            <a:ln>
+              <a:noFill/>
+            </a:ln>
+          </p:spPr>
+          <p:txBody>
+            <a:bodyPr/>
+            <a:lstStyle/>
+            <a:p>
+              <a:endParaRPr lang="en-US"/>
+            </a:p>
+          </p:txBody>
+        </p:sp>
+        <p:sp>
+          <p:nvSpPr>
+            <p:cNvPr id="24" name="Freeform 10">
+              <a:extLst>
+                <a:ext uri="{FF2B5EF4-FFF2-40B4-BE49-F238E27FC236}">
+                  <a16:creationId xmlns:a16="http://schemas.microsoft.com/office/drawing/2014/main" id="{3D914BDD-E5E0-4DFB-8072-5B498F94A690}"/>
+                </a:ext>
+                <a:ext uri="{C183D7F6-B498-43B3-948B-1728B52AA6E4}">
+                  <adec:decorative xmlns:adec="http://schemas.microsoft.com/office/drawing/2017/decorative" val="1"/>
+                </a:ext>
+              </a:extLst>
+            </p:cNvPr>
+            <p:cNvSpPr/>
+            <p:nvPr>
+              <p:extLst>
+                <p:ext uri="{386F3935-93C4-4BCD-93E2-E3B085C9AB24}">
+                  <p16:designElem xmlns:p16="http://schemas.microsoft.com/office/powerpoint/2015/main" val="1"/>
+                </p:ext>
+              </p:extLst>
+            </p:nvPr>
+          </p:nvSpPr>
+          <p:spPr bwMode="auto">
+            <a:xfrm>
+              <a:off x="1627188" y="5286375"/>
+              <a:ext cx="2130425" cy="1571625"/>
+            </a:xfrm>
+            <a:custGeom>
+              <a:avLst/>
+              <a:gdLst/>
+              <a:ahLst/>
+              <a:cxnLst/>
+              <a:rect l="0" t="0" r="r" b="b"/>
+              <a:pathLst>
+                <a:path w="1342" h="990">
+                  <a:moveTo>
+                    <a:pt x="0" y="3"/>
+                  </a:moveTo>
+                  <a:lnTo>
+                    <a:pt x="942" y="990"/>
+                  </a:lnTo>
+                  <a:lnTo>
+                    <a:pt x="1342" y="990"/>
+                  </a:lnTo>
+                  <a:lnTo>
+                    <a:pt x="156" y="27"/>
+                  </a:lnTo>
+                  <a:lnTo>
+                    <a:pt x="0" y="0"/>
+                  </a:lnTo>
+                  <a:lnTo>
+                    <a:pt x="0" y="3"/>
+                  </a:lnTo>
+                  <a:close/>
+                </a:path>
+              </a:pathLst>
+            </a:custGeom>
+            <a:solidFill>
+              <a:schemeClr val="accent1">
+                <a:lumMod val="75000"/>
+              </a:schemeClr>
+            </a:solidFill>
+            <a:ln>
+              <a:noFill/>
+            </a:ln>
+          </p:spPr>
+          <p:txBody>
+            <a:bodyPr/>
+            <a:lstStyle/>
+            <a:p>
+              <a:endParaRPr lang="en-US"/>
+            </a:p>
+          </p:txBody>
+        </p:sp>
+        <p:sp>
+          <p:nvSpPr>
+            <p:cNvPr id="25" name="Freeform 11">
+              <a:extLst>
+                <a:ext uri="{FF2B5EF4-FFF2-40B4-BE49-F238E27FC236}">
+                  <a16:creationId xmlns:a16="http://schemas.microsoft.com/office/drawing/2014/main" id="{ED9E392E-46C2-4B84-A121-9B2BC452F020}"/>
+                </a:ext>
+                <a:ext uri="{C183D7F6-B498-43B3-948B-1728B52AA6E4}">
+                  <adec:decorative xmlns:adec="http://schemas.microsoft.com/office/drawing/2017/decorative" val="1"/>
+                </a:ext>
+              </a:extLst>
+            </p:cNvPr>
+            <p:cNvSpPr/>
+            <p:nvPr>
+              <p:extLst>
+                <p:ext uri="{386F3935-93C4-4BCD-93E2-E3B085C9AB24}">
+                  <p16:designElem xmlns:p16="http://schemas.microsoft.com/office/powerpoint/2015/main" val="1"/>
+                </p:ext>
+              </p:extLst>
+            </p:nvPr>
+          </p:nvSpPr>
+          <p:spPr bwMode="auto">
+            <a:xfrm>
+              <a:off x="1320800" y="5238750"/>
+              <a:ext cx="1695450" cy="1619250"/>
+            </a:xfrm>
+            <a:custGeom>
+              <a:avLst/>
+              <a:gdLst/>
+              <a:ahLst/>
+              <a:cxnLst/>
+              <a:rect l="0" t="0" r="r" b="b"/>
+              <a:pathLst>
+                <a:path w="1068" h="1020">
+                  <a:moveTo>
+                    <a:pt x="1068" y="1020"/>
+                  </a:moveTo>
+                  <a:lnTo>
+                    <a:pt x="184" y="60"/>
+                  </a:lnTo>
+                  <a:lnTo>
+                    <a:pt x="154" y="27"/>
+                  </a:lnTo>
+                  <a:lnTo>
+                    <a:pt x="157" y="27"/>
+                  </a:lnTo>
+                  <a:lnTo>
+                    <a:pt x="157" y="24"/>
+                  </a:lnTo>
+                  <a:lnTo>
+                    <a:pt x="154" y="24"/>
+                  </a:lnTo>
+                  <a:lnTo>
+                    <a:pt x="0" y="0"/>
+                  </a:lnTo>
+                  <a:lnTo>
+                    <a:pt x="0" y="0"/>
+                  </a:lnTo>
+                  <a:lnTo>
+                    <a:pt x="774" y="1020"/>
+                  </a:lnTo>
+                  <a:lnTo>
+                    <a:pt x="1068" y="1020"/>
+                  </a:lnTo>
+                  <a:close/>
+                </a:path>
+              </a:pathLst>
+            </a:custGeom>
+            <a:solidFill>
+              <a:schemeClr val="tx1">
+                <a:lumMod val="75000"/>
+                <a:lumOff val="25000"/>
+              </a:schemeClr>
+            </a:solidFill>
+            <a:ln>
+              <a:noFill/>
+            </a:ln>
+          </p:spPr>
+          <p:txBody>
+            <a:bodyPr/>
+            <a:lstStyle/>
+            <a:p>
+              <a:endParaRPr lang="en-US"/>
+            </a:p>
+          </p:txBody>
+        </p:sp>
+      </p:grpSp>
+      <p:sp>
+        <p:nvSpPr>
+          <p:cNvPr id="4" name="TextBox 3">
+            <a:extLst>
+              <a:ext uri="{FF2B5EF4-FFF2-40B4-BE49-F238E27FC236}">
+                <a16:creationId xmlns:a16="http://schemas.microsoft.com/office/drawing/2014/main" id="{5D427759-25FA-C8B2-A19D-36CDD384B0B8}"/>
+              </a:ext>
+            </a:extLst>
+          </p:cNvPr>
+          <p:cNvSpPr txBox="1"/>
+          <p:nvPr/>
+        </p:nvSpPr>
+        <p:spPr>
+          <a:xfrm>
+            <a:off x="1484310" y="-256784"/>
+            <a:ext cx="2812387" cy="6807895"/>
+          </a:xfrm>
+          <a:prstGeom prst="rect">
+            <a:avLst/>
+          </a:prstGeom>
+        </p:spPr>
+        <p:txBody>
+          <a:bodyPr vert="horz" lIns="91440" tIns="45720" rIns="91440" bIns="45720" rtlCol="0" anchor="ctr">
+            <a:noAutofit/>
+          </a:bodyPr>
+          <a:lstStyle/>
+          <a:p>
+            <a:pPr>
+              <a:spcBef>
+                <a:spcPct val="20000"/>
+              </a:spcBef>
+              <a:spcAft>
+                <a:spcPts val="600"/>
+              </a:spcAft>
+              <a:buClr>
+                <a:schemeClr val="accent1">
+                  <a:lumMod val="75000"/>
+                </a:schemeClr>
+              </a:buClr>
+              <a:buSzPct val="145000"/>
+            </a:pPr>
+            <a:r>
+              <a:rPr lang="en-US" sz="3200" dirty="0">
+                <a:solidFill>
+                  <a:srgbClr val="C00000"/>
+                </a:solidFill>
+              </a:rPr>
+              <a:t>Do different Order Statuses impact Profit Margin?</a:t>
+            </a:r>
+            <a:br>
+              <a:rPr lang="en-US" sz="2800" dirty="0"/>
+            </a:br>
+            <a:r>
+              <a:rPr lang="en-US" sz="2800" dirty="0"/>
+              <a:t>Violin plot used to show spread of profit margins across statuses.</a:t>
+            </a:r>
+          </a:p>
+        </p:txBody>
+      </p:sp>
+      <p:sp>
+        <p:nvSpPr>
+          <p:cNvPr id="59" name="Rounded Rectangle 16">
+            <a:extLst>
+              <a:ext uri="{FF2B5EF4-FFF2-40B4-BE49-F238E27FC236}">
+                <a16:creationId xmlns:a16="http://schemas.microsoft.com/office/drawing/2014/main" id="{21ECAAB0-702B-4C08-B30F-0AFAC3479ADF}"/>
+              </a:ext>
+              <a:ext uri="{C183D7F6-B498-43B3-948B-1728B52AA6E4}">
+                <adec:decorative xmlns:adec="http://schemas.microsoft.com/office/drawing/2017/decorative" val="1"/>
+              </a:ext>
+            </a:extLst>
+          </p:cNvPr>
+          <p:cNvSpPr>
+            <a:spLocks noGrp="1" noRot="1" noChangeAspect="1" noMove="1" noResize="1" noEditPoints="1" noAdjustHandles="1" noChangeArrowheads="1" noChangeShapeType="1" noTextEdit="1"/>
+          </p:cNvSpPr>
+          <p:nvPr>
+            <p:extLst>
+              <p:ext uri="{386F3935-93C4-4BCD-93E2-E3B085C9AB24}">
+                <p16:designElem xmlns:p16="http://schemas.microsoft.com/office/powerpoint/2015/main" val="1"/>
+              </p:ext>
+            </p:extLst>
+          </p:nvPr>
+        </p:nvSpPr>
+        <p:spPr>
+          <a:xfrm>
+            <a:off x="4621162" y="648931"/>
+            <a:ext cx="6881862" cy="5231964"/>
+          </a:xfrm>
+          <a:prstGeom prst="roundRect">
+            <a:avLst>
+              <a:gd name="adj" fmla="val 4834"/>
+            </a:avLst>
+          </a:prstGeom>
+          <a:solidFill>
+            <a:schemeClr val="bg1"/>
+          </a:solidFill>
+          <a:ln w="38100">
+            <a:gradFill flip="none" rotWithShape="1">
+              <a:gsLst>
+                <a:gs pos="0">
+                  <a:schemeClr val="bg2"/>
+                </a:gs>
+                <a:gs pos="100000">
+                  <a:schemeClr val="bg2">
+                    <a:lumMod val="75000"/>
+                  </a:schemeClr>
+                </a:gs>
+              </a:gsLst>
+              <a:lin ang="5400000" scaled="0"/>
+              <a:tileRect/>
+            </a:gradFill>
+          </a:ln>
+          <a:effectLst>
+            <a:innerShdw blurRad="57150" dist="38100" dir="14460000">
+              <a:srgbClr val="000000">
+                <a:alpha val="70000"/>
+              </a:srgbClr>
+            </a:innerShdw>
+          </a:effectLst>
+        </p:spPr>
+        <p:style>
+          <a:lnRef idx="2">
+            <a:schemeClr val="accent1">
+              <a:shade val="50000"/>
+            </a:schemeClr>
+          </a:lnRef>
+          <a:fillRef idx="1">
+            <a:schemeClr val="accent1"/>
+          </a:fillRef>
+          <a:effectRef idx="0">
+            <a:schemeClr val="accent1"/>
+          </a:effectRef>
+          <a:fontRef idx="minor">
+            <a:schemeClr val="lt1"/>
+          </a:fontRef>
+        </p:style>
+        <p:txBody>
+          <a:bodyPr rtlCol="0" anchor="ctr"/>
+          <a:lstStyle/>
+          <a:p>
+            <a:pPr algn="ctr"/>
+            <a:endParaRPr lang="en-US"/>
+          </a:p>
+        </p:txBody>
+      </p:sp>
+      <p:pic>
+        <p:nvPicPr>
+          <p:cNvPr id="6" name="Picture 5" descr="A black and white diagram of a graph&#10;&#10;AI-generated content may be incorrect.">
+            <a:extLst>
+              <a:ext uri="{FF2B5EF4-FFF2-40B4-BE49-F238E27FC236}">
+                <a16:creationId xmlns:a16="http://schemas.microsoft.com/office/drawing/2014/main" id="{C2FCD16B-4D98-C40B-2510-7C04E56DF737}"/>
+              </a:ext>
+            </a:extLst>
+          </p:cNvPr>
+          <p:cNvPicPr>
+            <a:picLocks noChangeAspect="1"/>
+          </p:cNvPicPr>
+          <p:nvPr/>
+        </p:nvPicPr>
+        <p:blipFill>
+          <a:blip r:embed="rId3">
+            <a:extLst>
+              <a:ext uri="{28A0092B-C50C-407E-A947-70E740481C1C}">
+                <a14:useLocalDpi xmlns:a14="http://schemas.microsoft.com/office/drawing/2010/main" val="0"/>
+              </a:ext>
+            </a:extLst>
+          </a:blip>
+          <a:stretch>
+            <a:fillRect/>
+          </a:stretch>
+        </p:blipFill>
+        <p:spPr>
+          <a:xfrm>
+            <a:off x="4621162" y="843517"/>
+            <a:ext cx="6961238" cy="5037378"/>
+          </a:xfrm>
+          <a:prstGeom prst="rect">
+            <a:avLst/>
+          </a:prstGeom>
+        </p:spPr>
+      </p:pic>
+    </p:spTree>
+    <p:extLst>
+      <p:ext uri="{BB962C8B-B14F-4D97-AF65-F5344CB8AC3E}">
+        <p14:creationId xmlns:p14="http://schemas.microsoft.com/office/powerpoint/2010/main" val="623621088"/>
+      </p:ext>
+    </p:extLst>
+  </p:cSld>
+  <p:clrMapOvr>
+    <a:masterClrMapping/>
+  </p:clrMapOvr>
+</p:sld>
+</file>
+
+<file path=ppt/slides/slide35.xml><?xml version="1.0" encoding="utf-8"?>
 <p:sld xmlns:a="http://schemas.openxmlformats.org/drawingml/2006/main" xmlns:r="http://schemas.openxmlformats.org/officeDocument/2006/relationships" xmlns:p="http://schemas.openxmlformats.org/presentationml/2006/main">
   <p:cSld>
     <p:spTree>
@@ -22182,7 +25225,11 @@
           <a:lstStyle/>
           <a:p>
             <a:r>
-              <a:rPr lang="en-US" sz="3200" dirty="0"/>
+              <a:rPr lang="en-US" sz="3200" dirty="0">
+                <a:solidFill>
+                  <a:srgbClr val="C00000"/>
+                </a:solidFill>
+              </a:rPr>
               <a:t>How does Order Item Quantity differ across Product Categories?</a:t>
             </a:r>
             <a:br>
@@ -22199,7 +25246,11 @@
               <a:rPr lang="en-US" sz="3200" dirty="0"/>
             </a:br>
             <a:r>
-              <a:rPr lang="en-US" sz="3200" dirty="0"/>
+              <a:rPr lang="en-US" sz="3200" dirty="0">
+                <a:solidFill>
+                  <a:srgbClr val="C00000"/>
+                </a:solidFill>
+              </a:rPr>
               <a:t>How does Profit Margin change over Order Item Total?</a:t>
             </a:r>
             <a:br>
@@ -22216,7 +25267,11 @@
               <a:rPr lang="en-US" sz="3200" dirty="0"/>
             </a:br>
             <a:r>
-              <a:rPr lang="en-US" sz="3200" dirty="0"/>
+              <a:rPr lang="en-US" sz="3200" dirty="0">
+                <a:solidFill>
+                  <a:srgbClr val="C00000"/>
+                </a:solidFill>
+              </a:rPr>
               <a:t>Are high-value orders always more profitable?</a:t>
             </a:r>
             <a:br>
@@ -22242,9 +25297,30 @@
 </p:sld>
 </file>
 
-<file path=ppt/slides/slide33.xml><?xml version="1.0" encoding="utf-8"?>
+<file path=ppt/slides/slide36.xml><?xml version="1.0" encoding="utf-8"?>
 <p:sld xmlns:a="http://schemas.openxmlformats.org/drawingml/2006/main" xmlns:r="http://schemas.openxmlformats.org/officeDocument/2006/relationships" xmlns:p="http://schemas.openxmlformats.org/presentationml/2006/main">
   <p:cSld>
+    <p:bg>
+      <p:bgPr>
+        <a:blipFill rotWithShape="1">
+          <a:blip r:embed="rId2">
+            <a:duotone>
+              <a:schemeClr val="bg2">
+                <a:shade val="76000"/>
+                <a:satMod val="180000"/>
+              </a:schemeClr>
+              <a:schemeClr val="bg2">
+                <a:tint val="80000"/>
+                <a:satMod val="120000"/>
+                <a:lumMod val="180000"/>
+              </a:schemeClr>
+            </a:duotone>
+          </a:blip>
+          <a:stretch/>
+        </a:blipFill>
+        <a:effectLst/>
+      </p:bgPr>
+    </p:bg>
     <p:spTree>
       <p:nvGrpSpPr>
         <p:cNvPr id="1" name=""/>
@@ -22259,6 +25335,1153 @@
           <a:chExt cx="0" cy="0"/>
         </a:xfrm>
       </p:grpSpPr>
+      <p:grpSp>
+        <p:nvGrpSpPr>
+          <p:cNvPr id="9" name="Group 8">
+            <a:extLst>
+              <a:ext uri="{FF2B5EF4-FFF2-40B4-BE49-F238E27FC236}">
+                <a16:creationId xmlns:a16="http://schemas.microsoft.com/office/drawing/2014/main" id="{C616B3DC-C165-433D-9187-62DCC0E317D3}"/>
+              </a:ext>
+              <a:ext uri="{C183D7F6-B498-43B3-948B-1728B52AA6E4}">
+                <adec:decorative xmlns:adec="http://schemas.microsoft.com/office/drawing/2017/decorative" val="1"/>
+              </a:ext>
+            </a:extLst>
+          </p:cNvPr>
+          <p:cNvGrpSpPr>
+            <a:grpSpLocks noGrp="1" noUngrp="1" noRot="1" noChangeAspect="1" noMove="1" noResize="1"/>
+          </p:cNvGrpSpPr>
+          <p:nvPr>
+            <p:extLst>
+              <p:ext uri="{386F3935-93C4-4BCD-93E2-E3B085C9AB24}">
+                <p16:designElem xmlns:p16="http://schemas.microsoft.com/office/powerpoint/2015/main" val="1"/>
+              </p:ext>
+            </p:extLst>
+          </p:nvPr>
+        </p:nvGrpSpPr>
+        <p:grpSpPr>
+          <a:xfrm>
+            <a:off x="546100" y="-4763"/>
+            <a:ext cx="5014912" cy="6862763"/>
+            <a:chOff x="2928938" y="-4763"/>
+            <a:chExt cx="5014912" cy="6862763"/>
+          </a:xfrm>
+        </p:grpSpPr>
+        <p:sp>
+          <p:nvSpPr>
+            <p:cNvPr id="10" name="Freeform 6">
+              <a:extLst>
+                <a:ext uri="{FF2B5EF4-FFF2-40B4-BE49-F238E27FC236}">
+                  <a16:creationId xmlns:a16="http://schemas.microsoft.com/office/drawing/2014/main" id="{97E1BF84-9824-4B0E-98DF-F0F7181DD062}"/>
+                </a:ext>
+                <a:ext uri="{C183D7F6-B498-43B3-948B-1728B52AA6E4}">
+                  <adec:decorative xmlns:adec="http://schemas.microsoft.com/office/drawing/2017/decorative" val="1"/>
+                </a:ext>
+              </a:extLst>
+            </p:cNvPr>
+            <p:cNvSpPr/>
+            <p:nvPr>
+              <p:extLst>
+                <p:ext uri="{386F3935-93C4-4BCD-93E2-E3B085C9AB24}">
+                  <p16:designElem xmlns:p16="http://schemas.microsoft.com/office/powerpoint/2015/main" val="1"/>
+                </p:ext>
+              </p:extLst>
+            </p:nvPr>
+          </p:nvSpPr>
+          <p:spPr bwMode="auto">
+            <a:xfrm>
+              <a:off x="3367088" y="-4763"/>
+              <a:ext cx="1063625" cy="2782888"/>
+            </a:xfrm>
+            <a:custGeom>
+              <a:avLst/>
+              <a:gdLst/>
+              <a:ahLst/>
+              <a:cxnLst/>
+              <a:rect l="0" t="0" r="r" b="b"/>
+              <a:pathLst>
+                <a:path w="670" h="1753">
+                  <a:moveTo>
+                    <a:pt x="0" y="1696"/>
+                  </a:moveTo>
+                  <a:lnTo>
+                    <a:pt x="225" y="1753"/>
+                  </a:lnTo>
+                  <a:lnTo>
+                    <a:pt x="670" y="0"/>
+                  </a:lnTo>
+                  <a:lnTo>
+                    <a:pt x="430" y="0"/>
+                  </a:lnTo>
+                  <a:lnTo>
+                    <a:pt x="0" y="1696"/>
+                  </a:lnTo>
+                  <a:close/>
+                </a:path>
+              </a:pathLst>
+            </a:custGeom>
+            <a:solidFill>
+              <a:schemeClr val="accent1"/>
+            </a:solidFill>
+            <a:ln>
+              <a:noFill/>
+            </a:ln>
+          </p:spPr>
+          <p:txBody>
+            <a:bodyPr/>
+            <a:lstStyle/>
+            <a:p>
+              <a:endParaRPr lang="en-US"/>
+            </a:p>
+          </p:txBody>
+        </p:sp>
+        <p:sp>
+          <p:nvSpPr>
+            <p:cNvPr id="11" name="Freeform 7">
+              <a:extLst>
+                <a:ext uri="{FF2B5EF4-FFF2-40B4-BE49-F238E27FC236}">
+                  <a16:creationId xmlns:a16="http://schemas.microsoft.com/office/drawing/2014/main" id="{A85FA340-7392-4303-9707-A12F45A46F96}"/>
+                </a:ext>
+                <a:ext uri="{C183D7F6-B498-43B3-948B-1728B52AA6E4}">
+                  <adec:decorative xmlns:adec="http://schemas.microsoft.com/office/drawing/2017/decorative" val="1"/>
+                </a:ext>
+              </a:extLst>
+            </p:cNvPr>
+            <p:cNvSpPr/>
+            <p:nvPr>
+              <p:extLst>
+                <p:ext uri="{386F3935-93C4-4BCD-93E2-E3B085C9AB24}">
+                  <p16:designElem xmlns:p16="http://schemas.microsoft.com/office/powerpoint/2015/main" val="1"/>
+                </p:ext>
+              </p:extLst>
+            </p:nvPr>
+          </p:nvSpPr>
+          <p:spPr bwMode="auto">
+            <a:xfrm>
+              <a:off x="2928938" y="-4763"/>
+              <a:ext cx="1035050" cy="2673350"/>
+            </a:xfrm>
+            <a:custGeom>
+              <a:avLst/>
+              <a:gdLst/>
+              <a:ahLst/>
+              <a:cxnLst/>
+              <a:rect l="0" t="0" r="r" b="b"/>
+              <a:pathLst>
+                <a:path w="652" h="1684">
+                  <a:moveTo>
+                    <a:pt x="225" y="1684"/>
+                  </a:moveTo>
+                  <a:lnTo>
+                    <a:pt x="652" y="0"/>
+                  </a:lnTo>
+                  <a:lnTo>
+                    <a:pt x="411" y="0"/>
+                  </a:lnTo>
+                  <a:lnTo>
+                    <a:pt x="0" y="1627"/>
+                  </a:lnTo>
+                  <a:lnTo>
+                    <a:pt x="219" y="1681"/>
+                  </a:lnTo>
+                  <a:lnTo>
+                    <a:pt x="225" y="1684"/>
+                  </a:lnTo>
+                  <a:close/>
+                </a:path>
+              </a:pathLst>
+            </a:custGeom>
+            <a:solidFill>
+              <a:schemeClr val="tx1">
+                <a:lumMod val="65000"/>
+                <a:lumOff val="35000"/>
+              </a:schemeClr>
+            </a:solidFill>
+            <a:ln>
+              <a:noFill/>
+            </a:ln>
+          </p:spPr>
+          <p:txBody>
+            <a:bodyPr/>
+            <a:lstStyle/>
+            <a:p>
+              <a:endParaRPr lang="en-US"/>
+            </a:p>
+          </p:txBody>
+        </p:sp>
+        <p:sp>
+          <p:nvSpPr>
+            <p:cNvPr id="12" name="Freeform 9">
+              <a:extLst>
+                <a:ext uri="{FF2B5EF4-FFF2-40B4-BE49-F238E27FC236}">
+                  <a16:creationId xmlns:a16="http://schemas.microsoft.com/office/drawing/2014/main" id="{758A9051-2BD9-4868-8B84-344752FA2F60}"/>
+                </a:ext>
+                <a:ext uri="{C183D7F6-B498-43B3-948B-1728B52AA6E4}">
+                  <adec:decorative xmlns:adec="http://schemas.microsoft.com/office/drawing/2017/decorative" val="1"/>
+                </a:ext>
+              </a:extLst>
+            </p:cNvPr>
+            <p:cNvSpPr/>
+            <p:nvPr>
+              <p:extLst>
+                <p:ext uri="{386F3935-93C4-4BCD-93E2-E3B085C9AB24}">
+                  <p16:designElem xmlns:p16="http://schemas.microsoft.com/office/powerpoint/2015/main" val="1"/>
+                </p:ext>
+              </p:extLst>
+            </p:nvPr>
+          </p:nvSpPr>
+          <p:spPr bwMode="auto">
+            <a:xfrm>
+              <a:off x="2928938" y="2582862"/>
+              <a:ext cx="2693987" cy="4275138"/>
+            </a:xfrm>
+            <a:custGeom>
+              <a:avLst/>
+              <a:gdLst/>
+              <a:ahLst/>
+              <a:cxnLst/>
+              <a:rect l="0" t="0" r="r" b="b"/>
+              <a:pathLst>
+                <a:path w="1697" h="2693">
+                  <a:moveTo>
+                    <a:pt x="0" y="0"/>
+                  </a:moveTo>
+                  <a:lnTo>
+                    <a:pt x="1622" y="2693"/>
+                  </a:lnTo>
+                  <a:lnTo>
+                    <a:pt x="1697" y="2693"/>
+                  </a:lnTo>
+                  <a:lnTo>
+                    <a:pt x="0" y="0"/>
+                  </a:lnTo>
+                  <a:close/>
+                </a:path>
+              </a:pathLst>
+            </a:custGeom>
+            <a:solidFill>
+              <a:schemeClr val="tx1">
+                <a:lumMod val="85000"/>
+                <a:lumOff val="15000"/>
+              </a:schemeClr>
+            </a:solidFill>
+            <a:ln>
+              <a:noFill/>
+            </a:ln>
+          </p:spPr>
+          <p:txBody>
+            <a:bodyPr/>
+            <a:lstStyle/>
+            <a:p>
+              <a:endParaRPr lang="en-US"/>
+            </a:p>
+          </p:txBody>
+        </p:sp>
+        <p:sp>
+          <p:nvSpPr>
+            <p:cNvPr id="13" name="Freeform 10">
+              <a:extLst>
+                <a:ext uri="{FF2B5EF4-FFF2-40B4-BE49-F238E27FC236}">
+                  <a16:creationId xmlns:a16="http://schemas.microsoft.com/office/drawing/2014/main" id="{58264C49-3539-4CBD-8F11-1106C8B8781F}"/>
+                </a:ext>
+                <a:ext uri="{C183D7F6-B498-43B3-948B-1728B52AA6E4}">
+                  <adec:decorative xmlns:adec="http://schemas.microsoft.com/office/drawing/2017/decorative" val="1"/>
+                </a:ext>
+              </a:extLst>
+            </p:cNvPr>
+            <p:cNvSpPr/>
+            <p:nvPr>
+              <p:extLst>
+                <p:ext uri="{386F3935-93C4-4BCD-93E2-E3B085C9AB24}">
+                  <p16:designElem xmlns:p16="http://schemas.microsoft.com/office/powerpoint/2015/main" val="1"/>
+                </p:ext>
+              </p:extLst>
+            </p:nvPr>
+          </p:nvSpPr>
+          <p:spPr bwMode="auto">
+            <a:xfrm>
+              <a:off x="3371850" y="2692400"/>
+              <a:ext cx="3332162" cy="4165600"/>
+            </a:xfrm>
+            <a:custGeom>
+              <a:avLst/>
+              <a:gdLst/>
+              <a:ahLst/>
+              <a:cxnLst/>
+              <a:rect l="0" t="0" r="r" b="b"/>
+              <a:pathLst>
+                <a:path w="2099" h="2624">
+                  <a:moveTo>
+                    <a:pt x="2099" y="2624"/>
+                  </a:moveTo>
+                  <a:lnTo>
+                    <a:pt x="0" y="0"/>
+                  </a:lnTo>
+                  <a:lnTo>
+                    <a:pt x="2021" y="2624"/>
+                  </a:lnTo>
+                  <a:lnTo>
+                    <a:pt x="2099" y="2624"/>
+                  </a:lnTo>
+                  <a:close/>
+                </a:path>
+              </a:pathLst>
+            </a:custGeom>
+            <a:solidFill>
+              <a:schemeClr val="accent1">
+                <a:lumMod val="50000"/>
+              </a:schemeClr>
+            </a:solidFill>
+            <a:ln>
+              <a:noFill/>
+            </a:ln>
+          </p:spPr>
+          <p:txBody>
+            <a:bodyPr/>
+            <a:lstStyle/>
+            <a:p>
+              <a:endParaRPr lang="en-US"/>
+            </a:p>
+          </p:txBody>
+        </p:sp>
+        <p:sp>
+          <p:nvSpPr>
+            <p:cNvPr id="14" name="Freeform 11">
+              <a:extLst>
+                <a:ext uri="{FF2B5EF4-FFF2-40B4-BE49-F238E27FC236}">
+                  <a16:creationId xmlns:a16="http://schemas.microsoft.com/office/drawing/2014/main" id="{DE862133-5C7E-4B32-9786-0B33BC51A75B}"/>
+                </a:ext>
+                <a:ext uri="{C183D7F6-B498-43B3-948B-1728B52AA6E4}">
+                  <adec:decorative xmlns:adec="http://schemas.microsoft.com/office/drawing/2017/decorative" val="1"/>
+                </a:ext>
+              </a:extLst>
+            </p:cNvPr>
+            <p:cNvSpPr/>
+            <p:nvPr>
+              <p:extLst>
+                <p:ext uri="{386F3935-93C4-4BCD-93E2-E3B085C9AB24}">
+                  <p16:designElem xmlns:p16="http://schemas.microsoft.com/office/powerpoint/2015/main" val="1"/>
+                </p:ext>
+              </p:extLst>
+            </p:nvPr>
+          </p:nvSpPr>
+          <p:spPr bwMode="auto">
+            <a:xfrm>
+              <a:off x="3367088" y="2687637"/>
+              <a:ext cx="4576762" cy="4170363"/>
+            </a:xfrm>
+            <a:custGeom>
+              <a:avLst/>
+              <a:gdLst/>
+              <a:ahLst/>
+              <a:cxnLst/>
+              <a:rect l="0" t="0" r="r" b="b"/>
+              <a:pathLst>
+                <a:path w="2883" h="2627">
+                  <a:moveTo>
+                    <a:pt x="0" y="0"/>
+                  </a:moveTo>
+                  <a:lnTo>
+                    <a:pt x="3" y="3"/>
+                  </a:lnTo>
+                  <a:lnTo>
+                    <a:pt x="2102" y="2627"/>
+                  </a:lnTo>
+                  <a:lnTo>
+                    <a:pt x="2883" y="2627"/>
+                  </a:lnTo>
+                  <a:lnTo>
+                    <a:pt x="225" y="57"/>
+                  </a:lnTo>
+                  <a:lnTo>
+                    <a:pt x="0" y="0"/>
+                  </a:lnTo>
+                  <a:close/>
+                </a:path>
+              </a:pathLst>
+            </a:custGeom>
+            <a:solidFill>
+              <a:schemeClr val="accent1">
+                <a:lumMod val="75000"/>
+              </a:schemeClr>
+            </a:solidFill>
+            <a:ln>
+              <a:noFill/>
+            </a:ln>
+          </p:spPr>
+          <p:txBody>
+            <a:bodyPr/>
+            <a:lstStyle/>
+            <a:p>
+              <a:endParaRPr lang="en-US"/>
+            </a:p>
+          </p:txBody>
+        </p:sp>
+        <p:sp>
+          <p:nvSpPr>
+            <p:cNvPr id="15" name="Freeform 12">
+              <a:extLst>
+                <a:ext uri="{FF2B5EF4-FFF2-40B4-BE49-F238E27FC236}">
+                  <a16:creationId xmlns:a16="http://schemas.microsoft.com/office/drawing/2014/main" id="{90925F6C-DF03-4707-9176-6049F049B5AA}"/>
+                </a:ext>
+                <a:ext uri="{C183D7F6-B498-43B3-948B-1728B52AA6E4}">
+                  <adec:decorative xmlns:adec="http://schemas.microsoft.com/office/drawing/2017/decorative" val="1"/>
+                </a:ext>
+              </a:extLst>
+            </p:cNvPr>
+            <p:cNvSpPr/>
+            <p:nvPr>
+              <p:extLst>
+                <p:ext uri="{386F3935-93C4-4BCD-93E2-E3B085C9AB24}">
+                  <p16:designElem xmlns:p16="http://schemas.microsoft.com/office/powerpoint/2015/main" val="1"/>
+                </p:ext>
+              </p:extLst>
+            </p:nvPr>
+          </p:nvSpPr>
+          <p:spPr bwMode="auto">
+            <a:xfrm>
+              <a:off x="2928938" y="2578100"/>
+              <a:ext cx="3584575" cy="4279900"/>
+            </a:xfrm>
+            <a:custGeom>
+              <a:avLst/>
+              <a:gdLst/>
+              <a:ahLst/>
+              <a:cxnLst/>
+              <a:rect l="0" t="0" r="r" b="b"/>
+              <a:pathLst>
+                <a:path w="2258" h="2696">
+                  <a:moveTo>
+                    <a:pt x="2258" y="2696"/>
+                  </a:moveTo>
+                  <a:lnTo>
+                    <a:pt x="264" y="111"/>
+                  </a:lnTo>
+                  <a:lnTo>
+                    <a:pt x="228" y="60"/>
+                  </a:lnTo>
+                  <a:lnTo>
+                    <a:pt x="225" y="57"/>
+                  </a:lnTo>
+                  <a:lnTo>
+                    <a:pt x="0" y="0"/>
+                  </a:lnTo>
+                  <a:lnTo>
+                    <a:pt x="0" y="3"/>
+                  </a:lnTo>
+                  <a:lnTo>
+                    <a:pt x="1697" y="2696"/>
+                  </a:lnTo>
+                  <a:lnTo>
+                    <a:pt x="2258" y="2696"/>
+                  </a:lnTo>
+                  <a:close/>
+                </a:path>
+              </a:pathLst>
+            </a:custGeom>
+            <a:solidFill>
+              <a:schemeClr val="tx1">
+                <a:lumMod val="75000"/>
+                <a:lumOff val="25000"/>
+              </a:schemeClr>
+            </a:solidFill>
+            <a:ln>
+              <a:noFill/>
+            </a:ln>
+          </p:spPr>
+          <p:txBody>
+            <a:bodyPr/>
+            <a:lstStyle/>
+            <a:p>
+              <a:endParaRPr lang="en-US"/>
+            </a:p>
+          </p:txBody>
+        </p:sp>
+      </p:grpSp>
+      <p:sp>
+        <p:nvSpPr>
+          <p:cNvPr id="2" name="Title 1">
+            <a:extLst>
+              <a:ext uri="{FF2B5EF4-FFF2-40B4-BE49-F238E27FC236}">
+                <a16:creationId xmlns:a16="http://schemas.microsoft.com/office/drawing/2014/main" id="{7BA41538-0352-9D99-AB1D-67ED432C952C}"/>
+              </a:ext>
+            </a:extLst>
+          </p:cNvPr>
+          <p:cNvSpPr>
+            <a:spLocks noGrp="1"/>
+          </p:cNvSpPr>
+          <p:nvPr>
+            <p:ph type="title"/>
+          </p:nvPr>
+        </p:nvSpPr>
+        <p:spPr>
+          <a:xfrm>
+            <a:off x="4089399" y="4078424"/>
+            <a:ext cx="7413623" cy="1155427"/>
+          </a:xfrm>
+        </p:spPr>
+        <p:txBody>
+          <a:bodyPr vert="horz" lIns="91440" tIns="45720" rIns="91440" bIns="45720" rtlCol="0" anchor="b">
+            <a:normAutofit fontScale="90000"/>
+          </a:bodyPr>
+          <a:lstStyle/>
+          <a:p>
+            <a:pPr algn="l">
+              <a:lnSpc>
+                <a:spcPct val="90000"/>
+              </a:lnSpc>
+            </a:pPr>
+            <a:r>
+              <a:rPr lang="en-US" sz="2800" dirty="0">
+                <a:solidFill>
+                  <a:srgbClr val="C00000"/>
+                </a:solidFill>
+              </a:rPr>
+              <a:t>How does Profit Margin change over Order Item Total?</a:t>
+            </a:r>
+            <a:br>
+              <a:rPr lang="en-US" sz="2800" dirty="0"/>
+            </a:br>
+            <a:r>
+              <a:rPr lang="en-US" sz="2200" dirty="0"/>
+              <a:t>Line plot showing how profit margin evolves as the total item cost increases.</a:t>
+            </a:r>
+          </a:p>
+        </p:txBody>
+      </p:sp>
+      <p:sp>
+        <p:nvSpPr>
+          <p:cNvPr id="17" name="Rounded Rectangle 6">
+            <a:extLst>
+              <a:ext uri="{FF2B5EF4-FFF2-40B4-BE49-F238E27FC236}">
+                <a16:creationId xmlns:a16="http://schemas.microsoft.com/office/drawing/2014/main" id="{EF3E1F0C-BCD9-491F-A435-D4A48FB439B9}"/>
+              </a:ext>
+              <a:ext uri="{C183D7F6-B498-43B3-948B-1728B52AA6E4}">
+                <adec:decorative xmlns:adec="http://schemas.microsoft.com/office/drawing/2017/decorative" val="1"/>
+              </a:ext>
+            </a:extLst>
+          </p:cNvPr>
+          <p:cNvSpPr>
+            <a:spLocks noGrp="1" noRot="1" noChangeAspect="1" noMove="1" noResize="1" noEditPoints="1" noAdjustHandles="1" noChangeArrowheads="1" noChangeShapeType="1" noTextEdit="1"/>
+          </p:cNvSpPr>
+          <p:nvPr>
+            <p:extLst>
+              <p:ext uri="{386F3935-93C4-4BCD-93E2-E3B085C9AB24}">
+                <p16:designElem xmlns:p16="http://schemas.microsoft.com/office/powerpoint/2015/main" val="1"/>
+              </p:ext>
+            </p:extLst>
+          </p:nvPr>
+        </p:nvSpPr>
+        <p:spPr>
+          <a:xfrm>
+            <a:off x="3718560" y="609600"/>
+            <a:ext cx="7833360" cy="3139440"/>
+          </a:xfrm>
+          <a:prstGeom prst="roundRect">
+            <a:avLst>
+              <a:gd name="adj" fmla="val 4834"/>
+            </a:avLst>
+          </a:prstGeom>
+          <a:solidFill>
+            <a:schemeClr val="bg1"/>
+          </a:solidFill>
+          <a:ln w="38100">
+            <a:gradFill flip="none" rotWithShape="1">
+              <a:gsLst>
+                <a:gs pos="0">
+                  <a:schemeClr val="bg2"/>
+                </a:gs>
+                <a:gs pos="100000">
+                  <a:schemeClr val="bg2">
+                    <a:lumMod val="75000"/>
+                  </a:schemeClr>
+                </a:gs>
+              </a:gsLst>
+              <a:lin ang="5400000" scaled="0"/>
+              <a:tileRect/>
+            </a:gradFill>
+          </a:ln>
+          <a:effectLst>
+            <a:innerShdw blurRad="57150" dist="38100" dir="14460000">
+              <a:srgbClr val="000000">
+                <a:alpha val="70000"/>
+              </a:srgbClr>
+            </a:innerShdw>
+          </a:effectLst>
+        </p:spPr>
+        <p:style>
+          <a:lnRef idx="2">
+            <a:schemeClr val="accent1">
+              <a:shade val="50000"/>
+            </a:schemeClr>
+          </a:lnRef>
+          <a:fillRef idx="1">
+            <a:schemeClr val="accent1"/>
+          </a:fillRef>
+          <a:effectRef idx="0">
+            <a:schemeClr val="accent1"/>
+          </a:effectRef>
+          <a:fontRef idx="minor">
+            <a:schemeClr val="lt1"/>
+          </a:fontRef>
+        </p:style>
+        <p:txBody>
+          <a:bodyPr rtlCol="0" anchor="ctr"/>
+          <a:lstStyle/>
+          <a:p>
+            <a:pPr algn="ctr"/>
+            <a:endParaRPr lang="en-US"/>
+          </a:p>
+        </p:txBody>
+      </p:sp>
+      <p:pic>
+        <p:nvPicPr>
+          <p:cNvPr id="4" name="Picture 3" descr="A graph with lines and numbers&#10;&#10;AI-generated content may be incorrect.">
+            <a:extLst>
+              <a:ext uri="{FF2B5EF4-FFF2-40B4-BE49-F238E27FC236}">
+                <a16:creationId xmlns:a16="http://schemas.microsoft.com/office/drawing/2014/main" id="{1B5A14CC-BE0B-C934-FD0D-6734C82B527D}"/>
+              </a:ext>
+            </a:extLst>
+          </p:cNvPr>
+          <p:cNvPicPr>
+            <a:picLocks noChangeAspect="1"/>
+          </p:cNvPicPr>
+          <p:nvPr/>
+        </p:nvPicPr>
+        <p:blipFill>
+          <a:blip r:embed="rId3">
+            <a:extLst>
+              <a:ext uri="{28A0092B-C50C-407E-A947-70E740481C1C}">
+                <a14:useLocalDpi xmlns:a14="http://schemas.microsoft.com/office/drawing/2010/main" val="0"/>
+              </a:ext>
+            </a:extLst>
+          </a:blip>
+          <a:stretch>
+            <a:fillRect/>
+          </a:stretch>
+        </p:blipFill>
+        <p:spPr>
+          <a:xfrm>
+            <a:off x="4296957" y="952500"/>
+            <a:ext cx="6676567" cy="2453640"/>
+          </a:xfrm>
+          <a:prstGeom prst="rect">
+            <a:avLst/>
+          </a:prstGeom>
+        </p:spPr>
+      </p:pic>
+    </p:spTree>
+    <p:extLst>
+      <p:ext uri="{BB962C8B-B14F-4D97-AF65-F5344CB8AC3E}">
+        <p14:creationId xmlns:p14="http://schemas.microsoft.com/office/powerpoint/2010/main" val="3791410512"/>
+      </p:ext>
+    </p:extLst>
+  </p:cSld>
+  <p:clrMapOvr>
+    <a:masterClrMapping/>
+  </p:clrMapOvr>
+</p:sld>
+</file>
+
+<file path=ppt/slides/slide37.xml><?xml version="1.0" encoding="utf-8"?>
+<p:sld xmlns:a="http://schemas.openxmlformats.org/drawingml/2006/main" xmlns:r="http://schemas.openxmlformats.org/officeDocument/2006/relationships" xmlns:p="http://schemas.openxmlformats.org/presentationml/2006/main">
+  <p:cSld>
+    <p:bg>
+      <p:bgPr>
+        <a:blipFill rotWithShape="1">
+          <a:blip r:embed="rId2">
+            <a:duotone>
+              <a:schemeClr val="bg2">
+                <a:shade val="76000"/>
+                <a:satMod val="180000"/>
+              </a:schemeClr>
+              <a:schemeClr val="bg2">
+                <a:tint val="80000"/>
+                <a:satMod val="120000"/>
+                <a:lumMod val="180000"/>
+              </a:schemeClr>
+            </a:duotone>
+          </a:blip>
+          <a:stretch/>
+        </a:blipFill>
+        <a:effectLst/>
+      </p:bgPr>
+    </p:bg>
+    <p:spTree>
+      <p:nvGrpSpPr>
+        <p:cNvPr id="1" name=""/>
+        <p:cNvGrpSpPr/>
+        <p:nvPr/>
+      </p:nvGrpSpPr>
+      <p:grpSpPr>
+        <a:xfrm>
+          <a:off x="0" y="0"/>
+          <a:ext cx="0" cy="0"/>
+          <a:chOff x="0" y="0"/>
+          <a:chExt cx="0" cy="0"/>
+        </a:xfrm>
+      </p:grpSpPr>
+      <p:grpSp>
+        <p:nvGrpSpPr>
+          <p:cNvPr id="19" name="Group 18">
+            <a:extLst>
+              <a:ext uri="{FF2B5EF4-FFF2-40B4-BE49-F238E27FC236}">
+                <a16:creationId xmlns:a16="http://schemas.microsoft.com/office/drawing/2014/main" id="{C616B3DC-C165-433D-9187-62DCC0E317D3}"/>
+              </a:ext>
+              <a:ext uri="{C183D7F6-B498-43B3-948B-1728B52AA6E4}">
+                <adec:decorative xmlns:adec="http://schemas.microsoft.com/office/drawing/2017/decorative" val="1"/>
+              </a:ext>
+            </a:extLst>
+          </p:cNvPr>
+          <p:cNvGrpSpPr>
+            <a:grpSpLocks noGrp="1" noUngrp="1" noRot="1" noChangeAspect="1" noMove="1" noResize="1"/>
+          </p:cNvGrpSpPr>
+          <p:nvPr>
+            <p:extLst>
+              <p:ext uri="{386F3935-93C4-4BCD-93E2-E3B085C9AB24}">
+                <p16:designElem xmlns:p16="http://schemas.microsoft.com/office/powerpoint/2015/main" val="1"/>
+              </p:ext>
+            </p:extLst>
+          </p:nvPr>
+        </p:nvGrpSpPr>
+        <p:grpSpPr>
+          <a:xfrm>
+            <a:off x="546100" y="-4763"/>
+            <a:ext cx="5014912" cy="6862763"/>
+            <a:chOff x="2928938" y="-4763"/>
+            <a:chExt cx="5014912" cy="6862763"/>
+          </a:xfrm>
+        </p:grpSpPr>
+        <p:sp>
+          <p:nvSpPr>
+            <p:cNvPr id="20" name="Freeform 6">
+              <a:extLst>
+                <a:ext uri="{FF2B5EF4-FFF2-40B4-BE49-F238E27FC236}">
+                  <a16:creationId xmlns:a16="http://schemas.microsoft.com/office/drawing/2014/main" id="{97E1BF84-9824-4B0E-98DF-F0F7181DD062}"/>
+                </a:ext>
+                <a:ext uri="{C183D7F6-B498-43B3-948B-1728B52AA6E4}">
+                  <adec:decorative xmlns:adec="http://schemas.microsoft.com/office/drawing/2017/decorative" val="1"/>
+                </a:ext>
+              </a:extLst>
+            </p:cNvPr>
+            <p:cNvSpPr/>
+            <p:nvPr>
+              <p:extLst>
+                <p:ext uri="{386F3935-93C4-4BCD-93E2-E3B085C9AB24}">
+                  <p16:designElem xmlns:p16="http://schemas.microsoft.com/office/powerpoint/2015/main" val="1"/>
+                </p:ext>
+              </p:extLst>
+            </p:nvPr>
+          </p:nvSpPr>
+          <p:spPr bwMode="auto">
+            <a:xfrm>
+              <a:off x="3367088" y="-4763"/>
+              <a:ext cx="1063625" cy="2782888"/>
+            </a:xfrm>
+            <a:custGeom>
+              <a:avLst/>
+              <a:gdLst/>
+              <a:ahLst/>
+              <a:cxnLst/>
+              <a:rect l="0" t="0" r="r" b="b"/>
+              <a:pathLst>
+                <a:path w="670" h="1753">
+                  <a:moveTo>
+                    <a:pt x="0" y="1696"/>
+                  </a:moveTo>
+                  <a:lnTo>
+                    <a:pt x="225" y="1753"/>
+                  </a:lnTo>
+                  <a:lnTo>
+                    <a:pt x="670" y="0"/>
+                  </a:lnTo>
+                  <a:lnTo>
+                    <a:pt x="430" y="0"/>
+                  </a:lnTo>
+                  <a:lnTo>
+                    <a:pt x="0" y="1696"/>
+                  </a:lnTo>
+                  <a:close/>
+                </a:path>
+              </a:pathLst>
+            </a:custGeom>
+            <a:solidFill>
+              <a:schemeClr val="accent1"/>
+            </a:solidFill>
+            <a:ln>
+              <a:noFill/>
+            </a:ln>
+          </p:spPr>
+          <p:txBody>
+            <a:bodyPr/>
+            <a:lstStyle/>
+            <a:p>
+              <a:endParaRPr lang="en-US"/>
+            </a:p>
+          </p:txBody>
+        </p:sp>
+        <p:sp>
+          <p:nvSpPr>
+            <p:cNvPr id="21" name="Freeform 7">
+              <a:extLst>
+                <a:ext uri="{FF2B5EF4-FFF2-40B4-BE49-F238E27FC236}">
+                  <a16:creationId xmlns:a16="http://schemas.microsoft.com/office/drawing/2014/main" id="{A85FA340-7392-4303-9707-A12F45A46F96}"/>
+                </a:ext>
+                <a:ext uri="{C183D7F6-B498-43B3-948B-1728B52AA6E4}">
+                  <adec:decorative xmlns:adec="http://schemas.microsoft.com/office/drawing/2017/decorative" val="1"/>
+                </a:ext>
+              </a:extLst>
+            </p:cNvPr>
+            <p:cNvSpPr/>
+            <p:nvPr>
+              <p:extLst>
+                <p:ext uri="{386F3935-93C4-4BCD-93E2-E3B085C9AB24}">
+                  <p16:designElem xmlns:p16="http://schemas.microsoft.com/office/powerpoint/2015/main" val="1"/>
+                </p:ext>
+              </p:extLst>
+            </p:nvPr>
+          </p:nvSpPr>
+          <p:spPr bwMode="auto">
+            <a:xfrm>
+              <a:off x="2928938" y="-4763"/>
+              <a:ext cx="1035050" cy="2673350"/>
+            </a:xfrm>
+            <a:custGeom>
+              <a:avLst/>
+              <a:gdLst/>
+              <a:ahLst/>
+              <a:cxnLst/>
+              <a:rect l="0" t="0" r="r" b="b"/>
+              <a:pathLst>
+                <a:path w="652" h="1684">
+                  <a:moveTo>
+                    <a:pt x="225" y="1684"/>
+                  </a:moveTo>
+                  <a:lnTo>
+                    <a:pt x="652" y="0"/>
+                  </a:lnTo>
+                  <a:lnTo>
+                    <a:pt x="411" y="0"/>
+                  </a:lnTo>
+                  <a:lnTo>
+                    <a:pt x="0" y="1627"/>
+                  </a:lnTo>
+                  <a:lnTo>
+                    <a:pt x="219" y="1681"/>
+                  </a:lnTo>
+                  <a:lnTo>
+                    <a:pt x="225" y="1684"/>
+                  </a:lnTo>
+                  <a:close/>
+                </a:path>
+              </a:pathLst>
+            </a:custGeom>
+            <a:solidFill>
+              <a:schemeClr val="tx1">
+                <a:lumMod val="65000"/>
+                <a:lumOff val="35000"/>
+              </a:schemeClr>
+            </a:solidFill>
+            <a:ln>
+              <a:noFill/>
+            </a:ln>
+          </p:spPr>
+          <p:txBody>
+            <a:bodyPr/>
+            <a:lstStyle/>
+            <a:p>
+              <a:endParaRPr lang="en-US"/>
+            </a:p>
+          </p:txBody>
+        </p:sp>
+        <p:sp>
+          <p:nvSpPr>
+            <p:cNvPr id="22" name="Freeform 9">
+              <a:extLst>
+                <a:ext uri="{FF2B5EF4-FFF2-40B4-BE49-F238E27FC236}">
+                  <a16:creationId xmlns:a16="http://schemas.microsoft.com/office/drawing/2014/main" id="{758A9051-2BD9-4868-8B84-344752FA2F60}"/>
+                </a:ext>
+                <a:ext uri="{C183D7F6-B498-43B3-948B-1728B52AA6E4}">
+                  <adec:decorative xmlns:adec="http://schemas.microsoft.com/office/drawing/2017/decorative" val="1"/>
+                </a:ext>
+              </a:extLst>
+            </p:cNvPr>
+            <p:cNvSpPr/>
+            <p:nvPr>
+              <p:extLst>
+                <p:ext uri="{386F3935-93C4-4BCD-93E2-E3B085C9AB24}">
+                  <p16:designElem xmlns:p16="http://schemas.microsoft.com/office/powerpoint/2015/main" val="1"/>
+                </p:ext>
+              </p:extLst>
+            </p:nvPr>
+          </p:nvSpPr>
+          <p:spPr bwMode="auto">
+            <a:xfrm>
+              <a:off x="2928938" y="2582862"/>
+              <a:ext cx="2693987" cy="4275138"/>
+            </a:xfrm>
+            <a:custGeom>
+              <a:avLst/>
+              <a:gdLst/>
+              <a:ahLst/>
+              <a:cxnLst/>
+              <a:rect l="0" t="0" r="r" b="b"/>
+              <a:pathLst>
+                <a:path w="1697" h="2693">
+                  <a:moveTo>
+                    <a:pt x="0" y="0"/>
+                  </a:moveTo>
+                  <a:lnTo>
+                    <a:pt x="1622" y="2693"/>
+                  </a:lnTo>
+                  <a:lnTo>
+                    <a:pt x="1697" y="2693"/>
+                  </a:lnTo>
+                  <a:lnTo>
+                    <a:pt x="0" y="0"/>
+                  </a:lnTo>
+                  <a:close/>
+                </a:path>
+              </a:pathLst>
+            </a:custGeom>
+            <a:solidFill>
+              <a:schemeClr val="tx1">
+                <a:lumMod val="85000"/>
+                <a:lumOff val="15000"/>
+              </a:schemeClr>
+            </a:solidFill>
+            <a:ln>
+              <a:noFill/>
+            </a:ln>
+          </p:spPr>
+          <p:txBody>
+            <a:bodyPr/>
+            <a:lstStyle/>
+            <a:p>
+              <a:endParaRPr lang="en-US"/>
+            </a:p>
+          </p:txBody>
+        </p:sp>
+        <p:sp>
+          <p:nvSpPr>
+            <p:cNvPr id="23" name="Freeform 10">
+              <a:extLst>
+                <a:ext uri="{FF2B5EF4-FFF2-40B4-BE49-F238E27FC236}">
+                  <a16:creationId xmlns:a16="http://schemas.microsoft.com/office/drawing/2014/main" id="{58264C49-3539-4CBD-8F11-1106C8B8781F}"/>
+                </a:ext>
+                <a:ext uri="{C183D7F6-B498-43B3-948B-1728B52AA6E4}">
+                  <adec:decorative xmlns:adec="http://schemas.microsoft.com/office/drawing/2017/decorative" val="1"/>
+                </a:ext>
+              </a:extLst>
+            </p:cNvPr>
+            <p:cNvSpPr/>
+            <p:nvPr>
+              <p:extLst>
+                <p:ext uri="{386F3935-93C4-4BCD-93E2-E3B085C9AB24}">
+                  <p16:designElem xmlns:p16="http://schemas.microsoft.com/office/powerpoint/2015/main" val="1"/>
+                </p:ext>
+              </p:extLst>
+            </p:nvPr>
+          </p:nvSpPr>
+          <p:spPr bwMode="auto">
+            <a:xfrm>
+              <a:off x="3371850" y="2692400"/>
+              <a:ext cx="3332162" cy="4165600"/>
+            </a:xfrm>
+            <a:custGeom>
+              <a:avLst/>
+              <a:gdLst/>
+              <a:ahLst/>
+              <a:cxnLst/>
+              <a:rect l="0" t="0" r="r" b="b"/>
+              <a:pathLst>
+                <a:path w="2099" h="2624">
+                  <a:moveTo>
+                    <a:pt x="2099" y="2624"/>
+                  </a:moveTo>
+                  <a:lnTo>
+                    <a:pt x="0" y="0"/>
+                  </a:lnTo>
+                  <a:lnTo>
+                    <a:pt x="2021" y="2624"/>
+                  </a:lnTo>
+                  <a:lnTo>
+                    <a:pt x="2099" y="2624"/>
+                  </a:lnTo>
+                  <a:close/>
+                </a:path>
+              </a:pathLst>
+            </a:custGeom>
+            <a:solidFill>
+              <a:schemeClr val="accent1">
+                <a:lumMod val="50000"/>
+              </a:schemeClr>
+            </a:solidFill>
+            <a:ln>
+              <a:noFill/>
+            </a:ln>
+          </p:spPr>
+          <p:txBody>
+            <a:bodyPr/>
+            <a:lstStyle/>
+            <a:p>
+              <a:endParaRPr lang="en-US"/>
+            </a:p>
+          </p:txBody>
+        </p:sp>
+        <p:sp>
+          <p:nvSpPr>
+            <p:cNvPr id="24" name="Freeform 11">
+              <a:extLst>
+                <a:ext uri="{FF2B5EF4-FFF2-40B4-BE49-F238E27FC236}">
+                  <a16:creationId xmlns:a16="http://schemas.microsoft.com/office/drawing/2014/main" id="{DE862133-5C7E-4B32-9786-0B33BC51A75B}"/>
+                </a:ext>
+                <a:ext uri="{C183D7F6-B498-43B3-948B-1728B52AA6E4}">
+                  <adec:decorative xmlns:adec="http://schemas.microsoft.com/office/drawing/2017/decorative" val="1"/>
+                </a:ext>
+              </a:extLst>
+            </p:cNvPr>
+            <p:cNvSpPr/>
+            <p:nvPr>
+              <p:extLst>
+                <p:ext uri="{386F3935-93C4-4BCD-93E2-E3B085C9AB24}">
+                  <p16:designElem xmlns:p16="http://schemas.microsoft.com/office/powerpoint/2015/main" val="1"/>
+                </p:ext>
+              </p:extLst>
+            </p:nvPr>
+          </p:nvSpPr>
+          <p:spPr bwMode="auto">
+            <a:xfrm>
+              <a:off x="3367088" y="2687637"/>
+              <a:ext cx="4576762" cy="4170363"/>
+            </a:xfrm>
+            <a:custGeom>
+              <a:avLst/>
+              <a:gdLst/>
+              <a:ahLst/>
+              <a:cxnLst/>
+              <a:rect l="0" t="0" r="r" b="b"/>
+              <a:pathLst>
+                <a:path w="2883" h="2627">
+                  <a:moveTo>
+                    <a:pt x="0" y="0"/>
+                  </a:moveTo>
+                  <a:lnTo>
+                    <a:pt x="3" y="3"/>
+                  </a:lnTo>
+                  <a:lnTo>
+                    <a:pt x="2102" y="2627"/>
+                  </a:lnTo>
+                  <a:lnTo>
+                    <a:pt x="2883" y="2627"/>
+                  </a:lnTo>
+                  <a:lnTo>
+                    <a:pt x="225" y="57"/>
+                  </a:lnTo>
+                  <a:lnTo>
+                    <a:pt x="0" y="0"/>
+                  </a:lnTo>
+                  <a:close/>
+                </a:path>
+              </a:pathLst>
+            </a:custGeom>
+            <a:solidFill>
+              <a:schemeClr val="accent1">
+                <a:lumMod val="75000"/>
+              </a:schemeClr>
+            </a:solidFill>
+            <a:ln>
+              <a:noFill/>
+            </a:ln>
+          </p:spPr>
+          <p:txBody>
+            <a:bodyPr/>
+            <a:lstStyle/>
+            <a:p>
+              <a:endParaRPr lang="en-US"/>
+            </a:p>
+          </p:txBody>
+        </p:sp>
+        <p:sp>
+          <p:nvSpPr>
+            <p:cNvPr id="25" name="Freeform 12">
+              <a:extLst>
+                <a:ext uri="{FF2B5EF4-FFF2-40B4-BE49-F238E27FC236}">
+                  <a16:creationId xmlns:a16="http://schemas.microsoft.com/office/drawing/2014/main" id="{90925F6C-DF03-4707-9176-6049F049B5AA}"/>
+                </a:ext>
+                <a:ext uri="{C183D7F6-B498-43B3-948B-1728B52AA6E4}">
+                  <adec:decorative xmlns:adec="http://schemas.microsoft.com/office/drawing/2017/decorative" val="1"/>
+                </a:ext>
+              </a:extLst>
+            </p:cNvPr>
+            <p:cNvSpPr/>
+            <p:nvPr>
+              <p:extLst>
+                <p:ext uri="{386F3935-93C4-4BCD-93E2-E3B085C9AB24}">
+                  <p16:designElem xmlns:p16="http://schemas.microsoft.com/office/powerpoint/2015/main" val="1"/>
+                </p:ext>
+              </p:extLst>
+            </p:nvPr>
+          </p:nvSpPr>
+          <p:spPr bwMode="auto">
+            <a:xfrm>
+              <a:off x="2928938" y="2578100"/>
+              <a:ext cx="3584575" cy="4279900"/>
+            </a:xfrm>
+            <a:custGeom>
+              <a:avLst/>
+              <a:gdLst/>
+              <a:ahLst/>
+              <a:cxnLst/>
+              <a:rect l="0" t="0" r="r" b="b"/>
+              <a:pathLst>
+                <a:path w="2258" h="2696">
+                  <a:moveTo>
+                    <a:pt x="2258" y="2696"/>
+                  </a:moveTo>
+                  <a:lnTo>
+                    <a:pt x="264" y="111"/>
+                  </a:lnTo>
+                  <a:lnTo>
+                    <a:pt x="228" y="60"/>
+                  </a:lnTo>
+                  <a:lnTo>
+                    <a:pt x="225" y="57"/>
+                  </a:lnTo>
+                  <a:lnTo>
+                    <a:pt x="0" y="0"/>
+                  </a:lnTo>
+                  <a:lnTo>
+                    <a:pt x="0" y="3"/>
+                  </a:lnTo>
+                  <a:lnTo>
+                    <a:pt x="1697" y="2696"/>
+                  </a:lnTo>
+                  <a:lnTo>
+                    <a:pt x="2258" y="2696"/>
+                  </a:lnTo>
+                  <a:close/>
+                </a:path>
+              </a:pathLst>
+            </a:custGeom>
+            <a:solidFill>
+              <a:schemeClr val="tx1">
+                <a:lumMod val="75000"/>
+                <a:lumOff val="25000"/>
+              </a:schemeClr>
+            </a:solidFill>
+            <a:ln>
+              <a:noFill/>
+            </a:ln>
+          </p:spPr>
+          <p:txBody>
+            <a:bodyPr/>
+            <a:lstStyle/>
+            <a:p>
+              <a:endParaRPr lang="en-US"/>
+            </a:p>
+          </p:txBody>
+        </p:sp>
+      </p:grpSp>
       <p:sp>
         <p:nvSpPr>
           <p:cNvPr id="2" name="Title 1">
@@ -22277,105 +26500,217 @@
         </p:nvSpPr>
         <p:spPr>
           <a:xfrm>
-            <a:off x="521208" y="353786"/>
-            <a:ext cx="11155680" cy="6308271"/>
+            <a:off x="4089399" y="4562856"/>
+            <a:ext cx="7413623" cy="2168425"/>
           </a:xfrm>
         </p:spPr>
         <p:txBody>
-          <a:bodyPr>
-            <a:normAutofit/>
+          <a:bodyPr vert="horz" lIns="91440" tIns="45720" rIns="91440" bIns="45720" rtlCol="0" anchor="b">
+            <a:normAutofit fontScale="90000"/>
           </a:bodyPr>
           <a:lstStyle/>
           <a:p>
-            <a:r>
-              <a:rPr lang="en-US" sz="3200" dirty="0">
+            <a:pPr algn="l">
+              <a:lnSpc>
+                <a:spcPct val="90000"/>
+              </a:lnSpc>
+            </a:pPr>
+            <a:r>
+              <a:rPr lang="en-US" sz="2700" dirty="0">
                 <a:solidFill>
-                  <a:schemeClr val="accent6">
-                    <a:lumMod val="75000"/>
-                  </a:schemeClr>
+                  <a:srgbClr val="C00000"/>
                 </a:solidFill>
               </a:rPr>
-              <a:t>Multivariate Analysis </a:t>
+              <a:t>Multivariate Analysis :-</a:t>
             </a:r>
             <a:br>
-              <a:rPr lang="en-US" sz="3200" dirty="0">
+              <a:rPr lang="en-US" sz="2700" dirty="0">
                 <a:solidFill>
-                  <a:schemeClr val="accent6">
-                    <a:lumMod val="75000"/>
-                  </a:schemeClr>
+                  <a:srgbClr val="C00000"/>
                 </a:solidFill>
               </a:rPr>
             </a:br>
+            <a:r>
+              <a:rPr lang="en-US" sz="2700" dirty="0">
+                <a:solidFill>
+                  <a:srgbClr val="C00000"/>
+                </a:solidFill>
+              </a:rPr>
+              <a:t>Analyze how Discount Level, Order Value Category, and Profit interact?</a:t>
+            </a:r>
             <a:br>
-              <a:rPr lang="en-US" sz="3200" dirty="0"/>
+              <a:rPr lang="en-US" sz="2200" dirty="0"/>
             </a:br>
             <a:r>
-              <a:rPr lang="en-US" sz="3200" dirty="0"/>
-              <a:t>Analyze how Discount Level, Order Value Category, and Profit interact?</a:t>
+              <a:rPr lang="en-US" sz="2000" dirty="0"/>
+              <a:t>Used </a:t>
+            </a:r>
+            <a:r>
+              <a:rPr lang="en-US" sz="2000" dirty="0" err="1"/>
+              <a:t>sns.catplot</a:t>
+            </a:r>
+            <a:r>
+              <a:rPr lang="en-US" sz="2000" dirty="0"/>
+              <a:t>() with x=</a:t>
+            </a:r>
+            <a:r>
+              <a:rPr lang="en-US" sz="2000" dirty="0" err="1"/>
+              <a:t>Discount_Level</a:t>
+            </a:r>
+            <a:r>
+              <a:rPr lang="en-US" sz="2000" dirty="0"/>
+              <a:t>, y=</a:t>
+            </a:r>
+            <a:r>
+              <a:rPr lang="en-US" sz="2000" dirty="0" err="1"/>
+              <a:t>Order_Item_Profit</a:t>
+            </a:r>
+            <a:r>
+              <a:rPr lang="en-US" sz="2000" dirty="0"/>
+              <a:t>, and hue=</a:t>
+            </a:r>
+            <a:r>
+              <a:rPr lang="en-US" sz="2000" dirty="0" err="1"/>
+              <a:t>Order_Value_Category</a:t>
+            </a:r>
+            <a:r>
+              <a:rPr lang="en-US" sz="2000" dirty="0"/>
+              <a:t>.</a:t>
             </a:r>
             <a:br>
-              <a:rPr lang="en-US" sz="2400" dirty="0"/>
-            </a:br>
-            <a:r>
-              <a:rPr lang="en-US" sz="2400" dirty="0"/>
-              <a:t>Used </a:t>
-            </a:r>
-            <a:r>
-              <a:rPr lang="en-US" sz="2400" dirty="0" err="1"/>
-              <a:t>sns.catplot</a:t>
-            </a:r>
-            <a:r>
-              <a:rPr lang="en-US" sz="2400" dirty="0"/>
-              <a:t>() with x=</a:t>
-            </a:r>
-            <a:r>
-              <a:rPr lang="en-US" sz="2400" dirty="0" err="1"/>
-              <a:t>Discount_Level</a:t>
-            </a:r>
-            <a:r>
-              <a:rPr lang="en-US" sz="2400" dirty="0"/>
-              <a:t>, y=</a:t>
-            </a:r>
-            <a:r>
-              <a:rPr lang="en-US" sz="2400" dirty="0" err="1"/>
-              <a:t>Order_Item_Profit</a:t>
-            </a:r>
-            <a:r>
-              <a:rPr lang="en-US" sz="2400" dirty="0"/>
-              <a:t>, and hue=</a:t>
-            </a:r>
-            <a:r>
-              <a:rPr lang="en-US" sz="2400" dirty="0" err="1"/>
-              <a:t>Order_Value_Category</a:t>
-            </a:r>
-            <a:r>
-              <a:rPr lang="en-US" sz="2400" dirty="0"/>
-              <a:t>.</a:t>
-            </a:r>
-            <a:br>
-              <a:rPr lang="en-US" sz="2400" dirty="0"/>
+              <a:rPr lang="en-US" sz="1200" dirty="0"/>
             </a:br>
             <a:br>
-              <a:rPr lang="en-US" sz="2400" dirty="0"/>
+              <a:rPr lang="en-US" sz="1200" dirty="0"/>
             </a:br>
-            <a:r>
-              <a:rPr lang="en-US" sz="3200" dirty="0"/>
-              <a:t>Examine the influence of Region and Order Type on Profit Ratio?</a:t>
-            </a:r>
             <a:br>
-              <a:rPr lang="en-US" sz="2400" dirty="0"/>
+              <a:rPr lang="en-US" sz="1200" dirty="0"/>
             </a:br>
-            <a:r>
-              <a:rPr lang="en-US" sz="2400" dirty="0"/>
-              <a:t>Used sns.boxplot() with x=Order Region, y=Order_Item_Profit_Ratio, and hue=Order_Type.</a:t>
-            </a:r>
-            <a:br>
-              <a:rPr lang="en-US" sz="2400" dirty="0"/>
-            </a:br>
-            <a:endParaRPr lang="en-US" sz="2400" dirty="0"/>
+            <a:endParaRPr lang="en-US" sz="1200" dirty="0"/>
           </a:p>
         </p:txBody>
       </p:sp>
+      <p:sp>
+        <p:nvSpPr>
+          <p:cNvPr id="26" name="Rounded Rectangle 6">
+            <a:extLst>
+              <a:ext uri="{FF2B5EF4-FFF2-40B4-BE49-F238E27FC236}">
+                <a16:creationId xmlns:a16="http://schemas.microsoft.com/office/drawing/2014/main" id="{EF263B76-D6AC-40A4-BA2E-CC8B89190ED9}"/>
+              </a:ext>
+              <a:ext uri="{C183D7F6-B498-43B3-948B-1728B52AA6E4}">
+                <adec:decorative xmlns:adec="http://schemas.microsoft.com/office/drawing/2017/decorative" val="1"/>
+              </a:ext>
+            </a:extLst>
+          </p:cNvPr>
+          <p:cNvSpPr>
+            <a:spLocks noGrp="1" noRot="1" noChangeAspect="1" noMove="1" noResize="1" noEditPoints="1" noAdjustHandles="1" noChangeArrowheads="1" noChangeShapeType="1" noTextEdit="1"/>
+          </p:cNvSpPr>
+          <p:nvPr>
+            <p:extLst>
+              <p:ext uri="{386F3935-93C4-4BCD-93E2-E3B085C9AB24}">
+                <p16:designElem xmlns:p16="http://schemas.microsoft.com/office/powerpoint/2015/main" val="1"/>
+              </p:ext>
+            </p:extLst>
+          </p:nvPr>
+        </p:nvSpPr>
+        <p:spPr>
+          <a:xfrm>
+            <a:off x="3718560" y="609600"/>
+            <a:ext cx="7833360" cy="3633216"/>
+          </a:xfrm>
+          <a:prstGeom prst="roundRect">
+            <a:avLst>
+              <a:gd name="adj" fmla="val 4834"/>
+            </a:avLst>
+          </a:prstGeom>
+          <a:solidFill>
+            <a:schemeClr val="bg1"/>
+          </a:solidFill>
+          <a:ln w="38100">
+            <a:gradFill flip="none" rotWithShape="1">
+              <a:gsLst>
+                <a:gs pos="0">
+                  <a:schemeClr val="bg2"/>
+                </a:gs>
+                <a:gs pos="100000">
+                  <a:schemeClr val="bg2">
+                    <a:lumMod val="75000"/>
+                  </a:schemeClr>
+                </a:gs>
+              </a:gsLst>
+              <a:lin ang="5400000" scaled="0"/>
+              <a:tileRect/>
+            </a:gradFill>
+          </a:ln>
+          <a:effectLst>
+            <a:innerShdw blurRad="57150" dist="38100" dir="14460000">
+              <a:srgbClr val="000000">
+                <a:alpha val="70000"/>
+              </a:srgbClr>
+            </a:innerShdw>
+          </a:effectLst>
+        </p:spPr>
+        <p:style>
+          <a:lnRef idx="2">
+            <a:schemeClr val="accent1">
+              <a:shade val="50000"/>
+            </a:schemeClr>
+          </a:lnRef>
+          <a:fillRef idx="1">
+            <a:schemeClr val="accent1"/>
+          </a:fillRef>
+          <a:effectRef idx="0">
+            <a:schemeClr val="accent1"/>
+          </a:effectRef>
+          <a:fontRef idx="minor">
+            <a:schemeClr val="lt1"/>
+          </a:fontRef>
+        </p:style>
+        <p:txBody>
+          <a:bodyPr rtlCol="0" anchor="ctr"/>
+          <a:lstStyle/>
+          <a:p>
+            <a:pPr algn="ctr"/>
+            <a:endParaRPr lang="en-US"/>
+          </a:p>
+        </p:txBody>
+      </p:sp>
+      <p:pic>
+        <p:nvPicPr>
+          <p:cNvPr id="4" name="Picture 3" descr="A diagram of a diagram&#10;&#10;AI-generated content may be incorrect.">
+            <a:extLst>
+              <a:ext uri="{FF2B5EF4-FFF2-40B4-BE49-F238E27FC236}">
+                <a16:creationId xmlns:a16="http://schemas.microsoft.com/office/drawing/2014/main" id="{BACAEB76-B497-5E14-C3A1-BCD7C8C4C78E}"/>
+              </a:ext>
+            </a:extLst>
+          </p:cNvPr>
+          <p:cNvPicPr>
+            <a:picLocks noChangeAspect="1"/>
+          </p:cNvPicPr>
+          <p:nvPr/>
+        </p:nvPicPr>
+        <p:blipFill>
+          <a:blip r:embed="rId3">
+            <a:extLst>
+              <a:ext uri="{28A0092B-C50C-407E-A947-70E740481C1C}">
+                <a14:useLocalDpi xmlns:a14="http://schemas.microsoft.com/office/drawing/2010/main" val="0"/>
+              </a:ext>
+            </a:extLst>
+          </a:blip>
+          <a:stretch>
+            <a:fillRect/>
+          </a:stretch>
+        </p:blipFill>
+        <p:spPr>
+          <a:xfrm>
+            <a:off x="3872753" y="609600"/>
+            <a:ext cx="7630269" cy="3538818"/>
+          </a:xfrm>
+          <a:prstGeom prst="rect">
+            <a:avLst/>
+          </a:prstGeom>
+        </p:spPr>
+      </p:pic>
     </p:spTree>
     <p:extLst>
       <p:ext uri="{BB962C8B-B14F-4D97-AF65-F5344CB8AC3E}">
@@ -22389,9 +26724,30 @@
 </p:sld>
 </file>
 
-<file path=ppt/slides/slide34.xml><?xml version="1.0" encoding="utf-8"?>
+<file path=ppt/slides/slide38.xml><?xml version="1.0" encoding="utf-8"?>
 <p:sld xmlns:a="http://schemas.openxmlformats.org/drawingml/2006/main" xmlns:r="http://schemas.openxmlformats.org/officeDocument/2006/relationships" xmlns:p="http://schemas.openxmlformats.org/presentationml/2006/main">
   <p:cSld>
+    <p:bg>
+      <p:bgPr>
+        <a:blipFill rotWithShape="1">
+          <a:blip r:embed="rId2">
+            <a:duotone>
+              <a:schemeClr val="bg2">
+                <a:shade val="76000"/>
+                <a:satMod val="180000"/>
+              </a:schemeClr>
+              <a:schemeClr val="bg2">
+                <a:tint val="80000"/>
+                <a:satMod val="120000"/>
+                <a:lumMod val="180000"/>
+              </a:schemeClr>
+            </a:duotone>
+          </a:blip>
+          <a:stretch/>
+        </a:blipFill>
+        <a:effectLst/>
+      </p:bgPr>
+    </p:bg>
     <p:spTree>
       <p:nvGrpSpPr>
         <p:cNvPr id="1" name=""/>
@@ -22406,6 +26762,1128 @@
           <a:chExt cx="0" cy="0"/>
         </a:xfrm>
       </p:grpSpPr>
+      <p:grpSp>
+        <p:nvGrpSpPr>
+          <p:cNvPr id="11" name="Group 10">
+            <a:extLst>
+              <a:ext uri="{FF2B5EF4-FFF2-40B4-BE49-F238E27FC236}">
+                <a16:creationId xmlns:a16="http://schemas.microsoft.com/office/drawing/2014/main" id="{15FF890B-3CE7-403A-AECE-2DE04FC7AF80}"/>
+              </a:ext>
+              <a:ext uri="{C183D7F6-B498-43B3-948B-1728B52AA6E4}">
+                <adec:decorative xmlns:adec="http://schemas.microsoft.com/office/drawing/2017/decorative" val="1"/>
+              </a:ext>
+            </a:extLst>
+          </p:cNvPr>
+          <p:cNvGrpSpPr>
+            <a:grpSpLocks noGrp="1" noUngrp="1" noRot="1" noChangeAspect="1" noMove="1" noResize="1"/>
+          </p:cNvGrpSpPr>
+          <p:nvPr>
+            <p:extLst>
+              <p:ext uri="{386F3935-93C4-4BCD-93E2-E3B085C9AB24}">
+                <p16:designElem xmlns:p16="http://schemas.microsoft.com/office/powerpoint/2015/main" val="1"/>
+              </p:ext>
+            </p:extLst>
+          </p:nvPr>
+        </p:nvGrpSpPr>
+        <p:grpSpPr>
+          <a:xfrm>
+            <a:off x="150812" y="0"/>
+            <a:ext cx="2436813" cy="6858001"/>
+            <a:chOff x="1320800" y="0"/>
+            <a:chExt cx="2436813" cy="6858001"/>
+          </a:xfrm>
+        </p:grpSpPr>
+        <p:sp>
+          <p:nvSpPr>
+            <p:cNvPr id="12" name="Freeform 6">
+              <a:extLst>
+                <a:ext uri="{FF2B5EF4-FFF2-40B4-BE49-F238E27FC236}">
+                  <a16:creationId xmlns:a16="http://schemas.microsoft.com/office/drawing/2014/main" id="{99A4E160-6CFD-4514-9E20-CA6692CCDB9C}"/>
+                </a:ext>
+                <a:ext uri="{C183D7F6-B498-43B3-948B-1728B52AA6E4}">
+                  <adec:decorative xmlns:adec="http://schemas.microsoft.com/office/drawing/2017/decorative" val="1"/>
+                </a:ext>
+              </a:extLst>
+            </p:cNvPr>
+            <p:cNvSpPr/>
+            <p:nvPr>
+              <p:extLst>
+                <p:ext uri="{386F3935-93C4-4BCD-93E2-E3B085C9AB24}">
+                  <p16:designElem xmlns:p16="http://schemas.microsoft.com/office/powerpoint/2015/main" val="1"/>
+                </p:ext>
+              </p:extLst>
+            </p:nvPr>
+          </p:nvSpPr>
+          <p:spPr bwMode="auto">
+            <a:xfrm>
+              <a:off x="1627188" y="0"/>
+              <a:ext cx="1122363" cy="5329238"/>
+            </a:xfrm>
+            <a:custGeom>
+              <a:avLst/>
+              <a:gdLst/>
+              <a:ahLst/>
+              <a:cxnLst/>
+              <a:rect l="0" t="0" r="r" b="b"/>
+              <a:pathLst>
+                <a:path w="707" h="3357">
+                  <a:moveTo>
+                    <a:pt x="0" y="3330"/>
+                  </a:moveTo>
+                  <a:lnTo>
+                    <a:pt x="156" y="3357"/>
+                  </a:lnTo>
+                  <a:lnTo>
+                    <a:pt x="707" y="0"/>
+                  </a:lnTo>
+                  <a:lnTo>
+                    <a:pt x="547" y="0"/>
+                  </a:lnTo>
+                  <a:lnTo>
+                    <a:pt x="0" y="3330"/>
+                  </a:lnTo>
+                  <a:close/>
+                </a:path>
+              </a:pathLst>
+            </a:custGeom>
+            <a:solidFill>
+              <a:schemeClr val="accent1"/>
+            </a:solidFill>
+            <a:ln>
+              <a:noFill/>
+            </a:ln>
+          </p:spPr>
+          <p:txBody>
+            <a:bodyPr/>
+            <a:lstStyle/>
+            <a:p>
+              <a:endParaRPr lang="en-US"/>
+            </a:p>
+          </p:txBody>
+        </p:sp>
+        <p:sp>
+          <p:nvSpPr>
+            <p:cNvPr id="13" name="Freeform 7">
+              <a:extLst>
+                <a:ext uri="{FF2B5EF4-FFF2-40B4-BE49-F238E27FC236}">
+                  <a16:creationId xmlns:a16="http://schemas.microsoft.com/office/drawing/2014/main" id="{3DCD16F5-8D15-45FD-BA62-ADAC08183A27}"/>
+                </a:ext>
+                <a:ext uri="{C183D7F6-B498-43B3-948B-1728B52AA6E4}">
+                  <adec:decorative xmlns:adec="http://schemas.microsoft.com/office/drawing/2017/decorative" val="1"/>
+                </a:ext>
+              </a:extLst>
+            </p:cNvPr>
+            <p:cNvSpPr/>
+            <p:nvPr>
+              <p:extLst>
+                <p:ext uri="{386F3935-93C4-4BCD-93E2-E3B085C9AB24}">
+                  <p16:designElem xmlns:p16="http://schemas.microsoft.com/office/powerpoint/2015/main" val="1"/>
+                </p:ext>
+              </p:extLst>
+            </p:nvPr>
+          </p:nvSpPr>
+          <p:spPr bwMode="auto">
+            <a:xfrm>
+              <a:off x="1320800" y="0"/>
+              <a:ext cx="1117600" cy="5276850"/>
+            </a:xfrm>
+            <a:custGeom>
+              <a:avLst/>
+              <a:gdLst/>
+              <a:ahLst/>
+              <a:cxnLst/>
+              <a:rect l="0" t="0" r="r" b="b"/>
+              <a:pathLst>
+                <a:path w="704" h="3324">
+                  <a:moveTo>
+                    <a:pt x="704" y="0"/>
+                  </a:moveTo>
+                  <a:lnTo>
+                    <a:pt x="545" y="0"/>
+                  </a:lnTo>
+                  <a:lnTo>
+                    <a:pt x="0" y="3300"/>
+                  </a:lnTo>
+                  <a:lnTo>
+                    <a:pt x="157" y="3324"/>
+                  </a:lnTo>
+                  <a:lnTo>
+                    <a:pt x="704" y="0"/>
+                  </a:lnTo>
+                  <a:close/>
+                </a:path>
+              </a:pathLst>
+            </a:custGeom>
+            <a:solidFill>
+              <a:schemeClr val="tx1">
+                <a:lumMod val="65000"/>
+                <a:lumOff val="35000"/>
+              </a:schemeClr>
+            </a:solidFill>
+            <a:ln>
+              <a:noFill/>
+            </a:ln>
+          </p:spPr>
+          <p:txBody>
+            <a:bodyPr/>
+            <a:lstStyle/>
+            <a:p>
+              <a:endParaRPr lang="en-US"/>
+            </a:p>
+          </p:txBody>
+        </p:sp>
+        <p:sp>
+          <p:nvSpPr>
+            <p:cNvPr id="14" name="Freeform 8">
+              <a:extLst>
+                <a:ext uri="{FF2B5EF4-FFF2-40B4-BE49-F238E27FC236}">
+                  <a16:creationId xmlns:a16="http://schemas.microsoft.com/office/drawing/2014/main" id="{E7CFAF28-6FDA-4C2C-BE51-123D1115F75C}"/>
+                </a:ext>
+                <a:ext uri="{C183D7F6-B498-43B3-948B-1728B52AA6E4}">
+                  <adec:decorative xmlns:adec="http://schemas.microsoft.com/office/drawing/2017/decorative" val="1"/>
+                </a:ext>
+              </a:extLst>
+            </p:cNvPr>
+            <p:cNvSpPr/>
+            <p:nvPr>
+              <p:extLst>
+                <p:ext uri="{386F3935-93C4-4BCD-93E2-E3B085C9AB24}">
+                  <p16:designElem xmlns:p16="http://schemas.microsoft.com/office/powerpoint/2015/main" val="1"/>
+                </p:ext>
+              </p:extLst>
+            </p:nvPr>
+          </p:nvSpPr>
+          <p:spPr bwMode="auto">
+            <a:xfrm>
+              <a:off x="1320800" y="5238750"/>
+              <a:ext cx="1228725" cy="1619250"/>
+            </a:xfrm>
+            <a:custGeom>
+              <a:avLst/>
+              <a:gdLst/>
+              <a:ahLst/>
+              <a:cxnLst/>
+              <a:rect l="0" t="0" r="r" b="b"/>
+              <a:pathLst>
+                <a:path w="774" h="1020">
+                  <a:moveTo>
+                    <a:pt x="0" y="0"/>
+                  </a:moveTo>
+                  <a:lnTo>
+                    <a:pt x="740" y="1020"/>
+                  </a:lnTo>
+                  <a:lnTo>
+                    <a:pt x="774" y="1020"/>
+                  </a:lnTo>
+                  <a:lnTo>
+                    <a:pt x="0" y="0"/>
+                  </a:lnTo>
+                  <a:close/>
+                </a:path>
+              </a:pathLst>
+            </a:custGeom>
+            <a:solidFill>
+              <a:schemeClr val="tx1">
+                <a:lumMod val="85000"/>
+                <a:lumOff val="15000"/>
+              </a:schemeClr>
+            </a:solidFill>
+            <a:ln>
+              <a:noFill/>
+            </a:ln>
+          </p:spPr>
+          <p:txBody>
+            <a:bodyPr/>
+            <a:lstStyle/>
+            <a:p>
+              <a:endParaRPr lang="en-US"/>
+            </a:p>
+          </p:txBody>
+        </p:sp>
+        <p:sp>
+          <p:nvSpPr>
+            <p:cNvPr id="15" name="Freeform 9">
+              <a:extLst>
+                <a:ext uri="{FF2B5EF4-FFF2-40B4-BE49-F238E27FC236}">
+                  <a16:creationId xmlns:a16="http://schemas.microsoft.com/office/drawing/2014/main" id="{1FD12703-0627-4991-B2A4-F96519F90863}"/>
+                </a:ext>
+                <a:ext uri="{C183D7F6-B498-43B3-948B-1728B52AA6E4}">
+                  <adec:decorative xmlns:adec="http://schemas.microsoft.com/office/drawing/2017/decorative" val="1"/>
+                </a:ext>
+              </a:extLst>
+            </p:cNvPr>
+            <p:cNvSpPr/>
+            <p:nvPr>
+              <p:extLst>
+                <p:ext uri="{386F3935-93C4-4BCD-93E2-E3B085C9AB24}">
+                  <p16:designElem xmlns:p16="http://schemas.microsoft.com/office/powerpoint/2015/main" val="1"/>
+                </p:ext>
+              </p:extLst>
+            </p:nvPr>
+          </p:nvSpPr>
+          <p:spPr bwMode="auto">
+            <a:xfrm>
+              <a:off x="1627188" y="5291138"/>
+              <a:ext cx="1495425" cy="1566863"/>
+            </a:xfrm>
+            <a:custGeom>
+              <a:avLst/>
+              <a:gdLst/>
+              <a:ahLst/>
+              <a:cxnLst/>
+              <a:rect l="0" t="0" r="r" b="b"/>
+              <a:pathLst>
+                <a:path w="942" h="987">
+                  <a:moveTo>
+                    <a:pt x="0" y="0"/>
+                  </a:moveTo>
+                  <a:lnTo>
+                    <a:pt x="909" y="987"/>
+                  </a:lnTo>
+                  <a:lnTo>
+                    <a:pt x="942" y="987"/>
+                  </a:lnTo>
+                  <a:lnTo>
+                    <a:pt x="0" y="0"/>
+                  </a:lnTo>
+                  <a:close/>
+                </a:path>
+              </a:pathLst>
+            </a:custGeom>
+            <a:solidFill>
+              <a:schemeClr val="accent1">
+                <a:lumMod val="50000"/>
+              </a:schemeClr>
+            </a:solidFill>
+            <a:ln>
+              <a:noFill/>
+            </a:ln>
+          </p:spPr>
+          <p:txBody>
+            <a:bodyPr/>
+            <a:lstStyle/>
+            <a:p>
+              <a:endParaRPr lang="en-US"/>
+            </a:p>
+          </p:txBody>
+        </p:sp>
+        <p:sp>
+          <p:nvSpPr>
+            <p:cNvPr id="16" name="Freeform 10">
+              <a:extLst>
+                <a:ext uri="{FF2B5EF4-FFF2-40B4-BE49-F238E27FC236}">
+                  <a16:creationId xmlns:a16="http://schemas.microsoft.com/office/drawing/2014/main" id="{A5758E0B-DF61-40A8-B765-BC6841906A9A}"/>
+                </a:ext>
+                <a:ext uri="{C183D7F6-B498-43B3-948B-1728B52AA6E4}">
+                  <adec:decorative xmlns:adec="http://schemas.microsoft.com/office/drawing/2017/decorative" val="1"/>
+                </a:ext>
+              </a:extLst>
+            </p:cNvPr>
+            <p:cNvSpPr/>
+            <p:nvPr>
+              <p:extLst>
+                <p:ext uri="{386F3935-93C4-4BCD-93E2-E3B085C9AB24}">
+                  <p16:designElem xmlns:p16="http://schemas.microsoft.com/office/powerpoint/2015/main" val="1"/>
+                </p:ext>
+              </p:extLst>
+            </p:nvPr>
+          </p:nvSpPr>
+          <p:spPr bwMode="auto">
+            <a:xfrm>
+              <a:off x="1627188" y="5286375"/>
+              <a:ext cx="2130425" cy="1571625"/>
+            </a:xfrm>
+            <a:custGeom>
+              <a:avLst/>
+              <a:gdLst/>
+              <a:ahLst/>
+              <a:cxnLst/>
+              <a:rect l="0" t="0" r="r" b="b"/>
+              <a:pathLst>
+                <a:path w="1342" h="990">
+                  <a:moveTo>
+                    <a:pt x="0" y="3"/>
+                  </a:moveTo>
+                  <a:lnTo>
+                    <a:pt x="942" y="990"/>
+                  </a:lnTo>
+                  <a:lnTo>
+                    <a:pt x="1342" y="990"/>
+                  </a:lnTo>
+                  <a:lnTo>
+                    <a:pt x="156" y="27"/>
+                  </a:lnTo>
+                  <a:lnTo>
+                    <a:pt x="0" y="0"/>
+                  </a:lnTo>
+                  <a:lnTo>
+                    <a:pt x="0" y="3"/>
+                  </a:lnTo>
+                  <a:close/>
+                </a:path>
+              </a:pathLst>
+            </a:custGeom>
+            <a:solidFill>
+              <a:schemeClr val="accent1">
+                <a:lumMod val="75000"/>
+              </a:schemeClr>
+            </a:solidFill>
+            <a:ln>
+              <a:noFill/>
+            </a:ln>
+          </p:spPr>
+          <p:txBody>
+            <a:bodyPr/>
+            <a:lstStyle/>
+            <a:p>
+              <a:endParaRPr lang="en-US"/>
+            </a:p>
+          </p:txBody>
+        </p:sp>
+        <p:sp>
+          <p:nvSpPr>
+            <p:cNvPr id="17" name="Freeform 11">
+              <a:extLst>
+                <a:ext uri="{FF2B5EF4-FFF2-40B4-BE49-F238E27FC236}">
+                  <a16:creationId xmlns:a16="http://schemas.microsoft.com/office/drawing/2014/main" id="{3E063A1F-9566-4436-B4E3-2890FBBC2CCB}"/>
+                </a:ext>
+                <a:ext uri="{C183D7F6-B498-43B3-948B-1728B52AA6E4}">
+                  <adec:decorative xmlns:adec="http://schemas.microsoft.com/office/drawing/2017/decorative" val="1"/>
+                </a:ext>
+              </a:extLst>
+            </p:cNvPr>
+            <p:cNvSpPr/>
+            <p:nvPr>
+              <p:extLst>
+                <p:ext uri="{386F3935-93C4-4BCD-93E2-E3B085C9AB24}">
+                  <p16:designElem xmlns:p16="http://schemas.microsoft.com/office/powerpoint/2015/main" val="1"/>
+                </p:ext>
+              </p:extLst>
+            </p:nvPr>
+          </p:nvSpPr>
+          <p:spPr bwMode="auto">
+            <a:xfrm>
+              <a:off x="1320800" y="5238750"/>
+              <a:ext cx="1695450" cy="1619250"/>
+            </a:xfrm>
+            <a:custGeom>
+              <a:avLst/>
+              <a:gdLst/>
+              <a:ahLst/>
+              <a:cxnLst/>
+              <a:rect l="0" t="0" r="r" b="b"/>
+              <a:pathLst>
+                <a:path w="1068" h="1020">
+                  <a:moveTo>
+                    <a:pt x="1068" y="1020"/>
+                  </a:moveTo>
+                  <a:lnTo>
+                    <a:pt x="184" y="60"/>
+                  </a:lnTo>
+                  <a:lnTo>
+                    <a:pt x="154" y="27"/>
+                  </a:lnTo>
+                  <a:lnTo>
+                    <a:pt x="157" y="27"/>
+                  </a:lnTo>
+                  <a:lnTo>
+                    <a:pt x="157" y="24"/>
+                  </a:lnTo>
+                  <a:lnTo>
+                    <a:pt x="154" y="24"/>
+                  </a:lnTo>
+                  <a:lnTo>
+                    <a:pt x="0" y="0"/>
+                  </a:lnTo>
+                  <a:lnTo>
+                    <a:pt x="0" y="0"/>
+                  </a:lnTo>
+                  <a:lnTo>
+                    <a:pt x="774" y="1020"/>
+                  </a:lnTo>
+                  <a:lnTo>
+                    <a:pt x="1068" y="1020"/>
+                  </a:lnTo>
+                  <a:close/>
+                </a:path>
+              </a:pathLst>
+            </a:custGeom>
+            <a:solidFill>
+              <a:schemeClr val="tx1">
+                <a:lumMod val="75000"/>
+                <a:lumOff val="25000"/>
+              </a:schemeClr>
+            </a:solidFill>
+            <a:ln>
+              <a:noFill/>
+            </a:ln>
+          </p:spPr>
+          <p:txBody>
+            <a:bodyPr/>
+            <a:lstStyle/>
+            <a:p>
+              <a:endParaRPr lang="en-US"/>
+            </a:p>
+          </p:txBody>
+        </p:sp>
+      </p:grpSp>
+      <p:sp>
+        <p:nvSpPr>
+          <p:cNvPr id="4" name="TextBox 3">
+            <a:extLst>
+              <a:ext uri="{FF2B5EF4-FFF2-40B4-BE49-F238E27FC236}">
+                <a16:creationId xmlns:a16="http://schemas.microsoft.com/office/drawing/2014/main" id="{B3A3DFFE-E7B7-4764-1F06-FC4C97482274}"/>
+              </a:ext>
+            </a:extLst>
+          </p:cNvPr>
+          <p:cNvSpPr txBox="1"/>
+          <p:nvPr/>
+        </p:nvSpPr>
+        <p:spPr>
+          <a:xfrm>
+            <a:off x="1484311" y="1279071"/>
+            <a:ext cx="3333496" cy="4512129"/>
+          </a:xfrm>
+          <a:prstGeom prst="rect">
+            <a:avLst/>
+          </a:prstGeom>
+        </p:spPr>
+        <p:txBody>
+          <a:bodyPr vert="horz" lIns="91440" tIns="45720" rIns="91440" bIns="45720" rtlCol="0" anchor="t">
+            <a:noAutofit/>
+          </a:bodyPr>
+          <a:lstStyle/>
+          <a:p>
+            <a:pPr>
+              <a:spcBef>
+                <a:spcPct val="20000"/>
+              </a:spcBef>
+              <a:spcAft>
+                <a:spcPts val="600"/>
+              </a:spcAft>
+              <a:buClr>
+                <a:schemeClr val="accent1">
+                  <a:lumMod val="75000"/>
+                </a:schemeClr>
+              </a:buClr>
+              <a:buSzPct val="145000"/>
+            </a:pPr>
+            <a:r>
+              <a:rPr lang="en-US" sz="2800" dirty="0">
+                <a:solidFill>
+                  <a:srgbClr val="C00000"/>
+                </a:solidFill>
+              </a:rPr>
+              <a:t>Examine the influence of Region and Order Type on Profit Ratio?</a:t>
+            </a:r>
+            <a:br>
+              <a:rPr lang="en-US" sz="2800" dirty="0"/>
+            </a:br>
+            <a:r>
+              <a:rPr lang="en-US" sz="2000" dirty="0"/>
+              <a:t>Used </a:t>
+            </a:r>
+            <a:r>
+              <a:rPr lang="en-US" sz="2000" dirty="0" err="1"/>
+              <a:t>sns.boxplot</a:t>
+            </a:r>
+            <a:r>
+              <a:rPr lang="en-US" sz="2000" dirty="0"/>
+              <a:t>() with x=Order Region, y=</a:t>
+            </a:r>
+            <a:r>
+              <a:rPr lang="en-US" sz="2000" dirty="0" err="1"/>
+              <a:t>Order_Item_Profit_Ratio</a:t>
+            </a:r>
+            <a:r>
+              <a:rPr lang="en-US" sz="2000" dirty="0"/>
+              <a:t>, and hue=</a:t>
+            </a:r>
+            <a:r>
+              <a:rPr lang="en-US" sz="2000" dirty="0" err="1"/>
+              <a:t>Order_Type</a:t>
+            </a:r>
+            <a:r>
+              <a:rPr lang="en-US" sz="2000" dirty="0"/>
+              <a:t>.</a:t>
+            </a:r>
+          </a:p>
+        </p:txBody>
+      </p:sp>
+      <p:pic>
+        <p:nvPicPr>
+          <p:cNvPr id="6" name="Picture 5" descr="A graph with a number of candlesticks&#10;&#10;AI-generated content may be incorrect.">
+            <a:extLst>
+              <a:ext uri="{FF2B5EF4-FFF2-40B4-BE49-F238E27FC236}">
+                <a16:creationId xmlns:a16="http://schemas.microsoft.com/office/drawing/2014/main" id="{9F8D34A7-B15C-B958-CAB8-A8F2933B38DD}"/>
+              </a:ext>
+            </a:extLst>
+          </p:cNvPr>
+          <p:cNvPicPr>
+            <a:picLocks noChangeAspect="1"/>
+          </p:cNvPicPr>
+          <p:nvPr/>
+        </p:nvPicPr>
+        <p:blipFill>
+          <a:blip r:embed="rId3">
+            <a:extLst>
+              <a:ext uri="{28A0092B-C50C-407E-A947-70E740481C1C}">
+                <a14:useLocalDpi xmlns:a14="http://schemas.microsoft.com/office/drawing/2010/main" val="0"/>
+              </a:ext>
+            </a:extLst>
+          </a:blip>
+          <a:stretch>
+            <a:fillRect/>
+          </a:stretch>
+        </p:blipFill>
+        <p:spPr>
+          <a:xfrm>
+            <a:off x="5262033" y="2018735"/>
+            <a:ext cx="6240990" cy="2387177"/>
+          </a:xfrm>
+          <a:prstGeom prst="roundRect">
+            <a:avLst>
+              <a:gd name="adj" fmla="val 4380"/>
+            </a:avLst>
+          </a:prstGeom>
+          <a:ln w="38100">
+            <a:gradFill flip="none" rotWithShape="1">
+              <a:gsLst>
+                <a:gs pos="0">
+                  <a:schemeClr val="bg2"/>
+                </a:gs>
+                <a:gs pos="100000">
+                  <a:schemeClr val="bg2">
+                    <a:lumMod val="75000"/>
+                  </a:schemeClr>
+                </a:gs>
+              </a:gsLst>
+              <a:lin ang="5400000" scaled="0"/>
+              <a:tileRect/>
+            </a:gradFill>
+          </a:ln>
+          <a:effectLst>
+            <a:innerShdw blurRad="57150" dist="38100" dir="14460000">
+              <a:srgbClr val="000000">
+                <a:alpha val="70000"/>
+              </a:srgbClr>
+            </a:innerShdw>
+          </a:effectLst>
+        </p:spPr>
+      </p:pic>
+    </p:spTree>
+    <p:extLst>
+      <p:ext uri="{BB962C8B-B14F-4D97-AF65-F5344CB8AC3E}">
+        <p14:creationId xmlns:p14="http://schemas.microsoft.com/office/powerpoint/2010/main" val="3661163955"/>
+      </p:ext>
+    </p:extLst>
+  </p:cSld>
+  <p:clrMapOvr>
+    <a:masterClrMapping/>
+  </p:clrMapOvr>
+</p:sld>
+</file>
+
+<file path=ppt/slides/slide39.xml><?xml version="1.0" encoding="utf-8"?>
+<p:sld xmlns:a="http://schemas.openxmlformats.org/drawingml/2006/main" xmlns:r="http://schemas.openxmlformats.org/officeDocument/2006/relationships" xmlns:p="http://schemas.openxmlformats.org/presentationml/2006/main">
+  <p:cSld>
+    <p:bg>
+      <p:bgPr>
+        <a:blipFill rotWithShape="1">
+          <a:blip r:embed="rId2">
+            <a:duotone>
+              <a:schemeClr val="bg2">
+                <a:shade val="76000"/>
+                <a:satMod val="180000"/>
+              </a:schemeClr>
+              <a:schemeClr val="bg2">
+                <a:tint val="80000"/>
+                <a:satMod val="120000"/>
+                <a:lumMod val="180000"/>
+              </a:schemeClr>
+            </a:duotone>
+          </a:blip>
+          <a:stretch/>
+        </a:blipFill>
+        <a:effectLst/>
+      </p:bgPr>
+    </p:bg>
+    <p:spTree>
+      <p:nvGrpSpPr>
+        <p:cNvPr id="1" name=""/>
+        <p:cNvGrpSpPr/>
+        <p:nvPr/>
+      </p:nvGrpSpPr>
+      <p:grpSpPr>
+        <a:xfrm>
+          <a:off x="0" y="0"/>
+          <a:ext cx="0" cy="0"/>
+          <a:chOff x="0" y="0"/>
+          <a:chExt cx="0" cy="0"/>
+        </a:xfrm>
+      </p:grpSpPr>
+      <p:grpSp>
+        <p:nvGrpSpPr>
+          <p:cNvPr id="9" name="Group 8">
+            <a:extLst>
+              <a:ext uri="{FF2B5EF4-FFF2-40B4-BE49-F238E27FC236}">
+                <a16:creationId xmlns:a16="http://schemas.microsoft.com/office/drawing/2014/main" id="{C616B3DC-C165-433D-9187-62DCC0E317D3}"/>
+              </a:ext>
+              <a:ext uri="{C183D7F6-B498-43B3-948B-1728B52AA6E4}">
+                <adec:decorative xmlns:adec="http://schemas.microsoft.com/office/drawing/2017/decorative" val="1"/>
+              </a:ext>
+            </a:extLst>
+          </p:cNvPr>
+          <p:cNvGrpSpPr>
+            <a:grpSpLocks noGrp="1" noUngrp="1" noRot="1" noChangeAspect="1" noMove="1" noResize="1"/>
+          </p:cNvGrpSpPr>
+          <p:nvPr>
+            <p:extLst>
+              <p:ext uri="{386F3935-93C4-4BCD-93E2-E3B085C9AB24}">
+                <p16:designElem xmlns:p16="http://schemas.microsoft.com/office/powerpoint/2015/main" val="1"/>
+              </p:ext>
+            </p:extLst>
+          </p:nvPr>
+        </p:nvGrpSpPr>
+        <p:grpSpPr>
+          <a:xfrm>
+            <a:off x="546100" y="-4763"/>
+            <a:ext cx="5014912" cy="6862763"/>
+            <a:chOff x="2928938" y="-4763"/>
+            <a:chExt cx="5014912" cy="6862763"/>
+          </a:xfrm>
+        </p:grpSpPr>
+        <p:sp>
+          <p:nvSpPr>
+            <p:cNvPr id="10" name="Freeform 6">
+              <a:extLst>
+                <a:ext uri="{FF2B5EF4-FFF2-40B4-BE49-F238E27FC236}">
+                  <a16:creationId xmlns:a16="http://schemas.microsoft.com/office/drawing/2014/main" id="{97E1BF84-9824-4B0E-98DF-F0F7181DD062}"/>
+                </a:ext>
+                <a:ext uri="{C183D7F6-B498-43B3-948B-1728B52AA6E4}">
+                  <adec:decorative xmlns:adec="http://schemas.microsoft.com/office/drawing/2017/decorative" val="1"/>
+                </a:ext>
+              </a:extLst>
+            </p:cNvPr>
+            <p:cNvSpPr/>
+            <p:nvPr>
+              <p:extLst>
+                <p:ext uri="{386F3935-93C4-4BCD-93E2-E3B085C9AB24}">
+                  <p16:designElem xmlns:p16="http://schemas.microsoft.com/office/powerpoint/2015/main" val="1"/>
+                </p:ext>
+              </p:extLst>
+            </p:nvPr>
+          </p:nvSpPr>
+          <p:spPr bwMode="auto">
+            <a:xfrm>
+              <a:off x="3367088" y="-4763"/>
+              <a:ext cx="1063625" cy="2782888"/>
+            </a:xfrm>
+            <a:custGeom>
+              <a:avLst/>
+              <a:gdLst/>
+              <a:ahLst/>
+              <a:cxnLst/>
+              <a:rect l="0" t="0" r="r" b="b"/>
+              <a:pathLst>
+                <a:path w="670" h="1753">
+                  <a:moveTo>
+                    <a:pt x="0" y="1696"/>
+                  </a:moveTo>
+                  <a:lnTo>
+                    <a:pt x="225" y="1753"/>
+                  </a:lnTo>
+                  <a:lnTo>
+                    <a:pt x="670" y="0"/>
+                  </a:lnTo>
+                  <a:lnTo>
+                    <a:pt x="430" y="0"/>
+                  </a:lnTo>
+                  <a:lnTo>
+                    <a:pt x="0" y="1696"/>
+                  </a:lnTo>
+                  <a:close/>
+                </a:path>
+              </a:pathLst>
+            </a:custGeom>
+            <a:solidFill>
+              <a:schemeClr val="accent1"/>
+            </a:solidFill>
+            <a:ln>
+              <a:noFill/>
+            </a:ln>
+          </p:spPr>
+          <p:txBody>
+            <a:bodyPr/>
+            <a:lstStyle/>
+            <a:p>
+              <a:endParaRPr lang="en-US"/>
+            </a:p>
+          </p:txBody>
+        </p:sp>
+        <p:sp>
+          <p:nvSpPr>
+            <p:cNvPr id="11" name="Freeform 7">
+              <a:extLst>
+                <a:ext uri="{FF2B5EF4-FFF2-40B4-BE49-F238E27FC236}">
+                  <a16:creationId xmlns:a16="http://schemas.microsoft.com/office/drawing/2014/main" id="{A85FA340-7392-4303-9707-A12F45A46F96}"/>
+                </a:ext>
+                <a:ext uri="{C183D7F6-B498-43B3-948B-1728B52AA6E4}">
+                  <adec:decorative xmlns:adec="http://schemas.microsoft.com/office/drawing/2017/decorative" val="1"/>
+                </a:ext>
+              </a:extLst>
+            </p:cNvPr>
+            <p:cNvSpPr/>
+            <p:nvPr>
+              <p:extLst>
+                <p:ext uri="{386F3935-93C4-4BCD-93E2-E3B085C9AB24}">
+                  <p16:designElem xmlns:p16="http://schemas.microsoft.com/office/powerpoint/2015/main" val="1"/>
+                </p:ext>
+              </p:extLst>
+            </p:nvPr>
+          </p:nvSpPr>
+          <p:spPr bwMode="auto">
+            <a:xfrm>
+              <a:off x="2928938" y="-4763"/>
+              <a:ext cx="1035050" cy="2673350"/>
+            </a:xfrm>
+            <a:custGeom>
+              <a:avLst/>
+              <a:gdLst/>
+              <a:ahLst/>
+              <a:cxnLst/>
+              <a:rect l="0" t="0" r="r" b="b"/>
+              <a:pathLst>
+                <a:path w="652" h="1684">
+                  <a:moveTo>
+                    <a:pt x="225" y="1684"/>
+                  </a:moveTo>
+                  <a:lnTo>
+                    <a:pt x="652" y="0"/>
+                  </a:lnTo>
+                  <a:lnTo>
+                    <a:pt x="411" y="0"/>
+                  </a:lnTo>
+                  <a:lnTo>
+                    <a:pt x="0" y="1627"/>
+                  </a:lnTo>
+                  <a:lnTo>
+                    <a:pt x="219" y="1681"/>
+                  </a:lnTo>
+                  <a:lnTo>
+                    <a:pt x="225" y="1684"/>
+                  </a:lnTo>
+                  <a:close/>
+                </a:path>
+              </a:pathLst>
+            </a:custGeom>
+            <a:solidFill>
+              <a:schemeClr val="tx1">
+                <a:lumMod val="65000"/>
+                <a:lumOff val="35000"/>
+              </a:schemeClr>
+            </a:solidFill>
+            <a:ln>
+              <a:noFill/>
+            </a:ln>
+          </p:spPr>
+          <p:txBody>
+            <a:bodyPr/>
+            <a:lstStyle/>
+            <a:p>
+              <a:endParaRPr lang="en-US"/>
+            </a:p>
+          </p:txBody>
+        </p:sp>
+        <p:sp>
+          <p:nvSpPr>
+            <p:cNvPr id="12" name="Freeform 9">
+              <a:extLst>
+                <a:ext uri="{FF2B5EF4-FFF2-40B4-BE49-F238E27FC236}">
+                  <a16:creationId xmlns:a16="http://schemas.microsoft.com/office/drawing/2014/main" id="{758A9051-2BD9-4868-8B84-344752FA2F60}"/>
+                </a:ext>
+                <a:ext uri="{C183D7F6-B498-43B3-948B-1728B52AA6E4}">
+                  <adec:decorative xmlns:adec="http://schemas.microsoft.com/office/drawing/2017/decorative" val="1"/>
+                </a:ext>
+              </a:extLst>
+            </p:cNvPr>
+            <p:cNvSpPr/>
+            <p:nvPr>
+              <p:extLst>
+                <p:ext uri="{386F3935-93C4-4BCD-93E2-E3B085C9AB24}">
+                  <p16:designElem xmlns:p16="http://schemas.microsoft.com/office/powerpoint/2015/main" val="1"/>
+                </p:ext>
+              </p:extLst>
+            </p:nvPr>
+          </p:nvSpPr>
+          <p:spPr bwMode="auto">
+            <a:xfrm>
+              <a:off x="2928938" y="2582862"/>
+              <a:ext cx="2693987" cy="4275138"/>
+            </a:xfrm>
+            <a:custGeom>
+              <a:avLst/>
+              <a:gdLst/>
+              <a:ahLst/>
+              <a:cxnLst/>
+              <a:rect l="0" t="0" r="r" b="b"/>
+              <a:pathLst>
+                <a:path w="1697" h="2693">
+                  <a:moveTo>
+                    <a:pt x="0" y="0"/>
+                  </a:moveTo>
+                  <a:lnTo>
+                    <a:pt x="1622" y="2693"/>
+                  </a:lnTo>
+                  <a:lnTo>
+                    <a:pt x="1697" y="2693"/>
+                  </a:lnTo>
+                  <a:lnTo>
+                    <a:pt x="0" y="0"/>
+                  </a:lnTo>
+                  <a:close/>
+                </a:path>
+              </a:pathLst>
+            </a:custGeom>
+            <a:solidFill>
+              <a:schemeClr val="tx1">
+                <a:lumMod val="85000"/>
+                <a:lumOff val="15000"/>
+              </a:schemeClr>
+            </a:solidFill>
+            <a:ln>
+              <a:noFill/>
+            </a:ln>
+          </p:spPr>
+          <p:txBody>
+            <a:bodyPr/>
+            <a:lstStyle/>
+            <a:p>
+              <a:endParaRPr lang="en-US"/>
+            </a:p>
+          </p:txBody>
+        </p:sp>
+        <p:sp>
+          <p:nvSpPr>
+            <p:cNvPr id="13" name="Freeform 10">
+              <a:extLst>
+                <a:ext uri="{FF2B5EF4-FFF2-40B4-BE49-F238E27FC236}">
+                  <a16:creationId xmlns:a16="http://schemas.microsoft.com/office/drawing/2014/main" id="{58264C49-3539-4CBD-8F11-1106C8B8781F}"/>
+                </a:ext>
+                <a:ext uri="{C183D7F6-B498-43B3-948B-1728B52AA6E4}">
+                  <adec:decorative xmlns:adec="http://schemas.microsoft.com/office/drawing/2017/decorative" val="1"/>
+                </a:ext>
+              </a:extLst>
+            </p:cNvPr>
+            <p:cNvSpPr/>
+            <p:nvPr>
+              <p:extLst>
+                <p:ext uri="{386F3935-93C4-4BCD-93E2-E3B085C9AB24}">
+                  <p16:designElem xmlns:p16="http://schemas.microsoft.com/office/powerpoint/2015/main" val="1"/>
+                </p:ext>
+              </p:extLst>
+            </p:nvPr>
+          </p:nvSpPr>
+          <p:spPr bwMode="auto">
+            <a:xfrm>
+              <a:off x="3371850" y="2692400"/>
+              <a:ext cx="3332162" cy="4165600"/>
+            </a:xfrm>
+            <a:custGeom>
+              <a:avLst/>
+              <a:gdLst/>
+              <a:ahLst/>
+              <a:cxnLst/>
+              <a:rect l="0" t="0" r="r" b="b"/>
+              <a:pathLst>
+                <a:path w="2099" h="2624">
+                  <a:moveTo>
+                    <a:pt x="2099" y="2624"/>
+                  </a:moveTo>
+                  <a:lnTo>
+                    <a:pt x="0" y="0"/>
+                  </a:lnTo>
+                  <a:lnTo>
+                    <a:pt x="2021" y="2624"/>
+                  </a:lnTo>
+                  <a:lnTo>
+                    <a:pt x="2099" y="2624"/>
+                  </a:lnTo>
+                  <a:close/>
+                </a:path>
+              </a:pathLst>
+            </a:custGeom>
+            <a:solidFill>
+              <a:schemeClr val="accent1">
+                <a:lumMod val="50000"/>
+              </a:schemeClr>
+            </a:solidFill>
+            <a:ln>
+              <a:noFill/>
+            </a:ln>
+          </p:spPr>
+          <p:txBody>
+            <a:bodyPr/>
+            <a:lstStyle/>
+            <a:p>
+              <a:endParaRPr lang="en-US"/>
+            </a:p>
+          </p:txBody>
+        </p:sp>
+        <p:sp>
+          <p:nvSpPr>
+            <p:cNvPr id="14" name="Freeform 11">
+              <a:extLst>
+                <a:ext uri="{FF2B5EF4-FFF2-40B4-BE49-F238E27FC236}">
+                  <a16:creationId xmlns:a16="http://schemas.microsoft.com/office/drawing/2014/main" id="{DE862133-5C7E-4B32-9786-0B33BC51A75B}"/>
+                </a:ext>
+                <a:ext uri="{C183D7F6-B498-43B3-948B-1728B52AA6E4}">
+                  <adec:decorative xmlns:adec="http://schemas.microsoft.com/office/drawing/2017/decorative" val="1"/>
+                </a:ext>
+              </a:extLst>
+            </p:cNvPr>
+            <p:cNvSpPr/>
+            <p:nvPr>
+              <p:extLst>
+                <p:ext uri="{386F3935-93C4-4BCD-93E2-E3B085C9AB24}">
+                  <p16:designElem xmlns:p16="http://schemas.microsoft.com/office/powerpoint/2015/main" val="1"/>
+                </p:ext>
+              </p:extLst>
+            </p:nvPr>
+          </p:nvSpPr>
+          <p:spPr bwMode="auto">
+            <a:xfrm>
+              <a:off x="3367088" y="2687637"/>
+              <a:ext cx="4576762" cy="4170363"/>
+            </a:xfrm>
+            <a:custGeom>
+              <a:avLst/>
+              <a:gdLst/>
+              <a:ahLst/>
+              <a:cxnLst/>
+              <a:rect l="0" t="0" r="r" b="b"/>
+              <a:pathLst>
+                <a:path w="2883" h="2627">
+                  <a:moveTo>
+                    <a:pt x="0" y="0"/>
+                  </a:moveTo>
+                  <a:lnTo>
+                    <a:pt x="3" y="3"/>
+                  </a:lnTo>
+                  <a:lnTo>
+                    <a:pt x="2102" y="2627"/>
+                  </a:lnTo>
+                  <a:lnTo>
+                    <a:pt x="2883" y="2627"/>
+                  </a:lnTo>
+                  <a:lnTo>
+                    <a:pt x="225" y="57"/>
+                  </a:lnTo>
+                  <a:lnTo>
+                    <a:pt x="0" y="0"/>
+                  </a:lnTo>
+                  <a:close/>
+                </a:path>
+              </a:pathLst>
+            </a:custGeom>
+            <a:solidFill>
+              <a:schemeClr val="accent1">
+                <a:lumMod val="75000"/>
+              </a:schemeClr>
+            </a:solidFill>
+            <a:ln>
+              <a:noFill/>
+            </a:ln>
+          </p:spPr>
+          <p:txBody>
+            <a:bodyPr/>
+            <a:lstStyle/>
+            <a:p>
+              <a:endParaRPr lang="en-US"/>
+            </a:p>
+          </p:txBody>
+        </p:sp>
+        <p:sp>
+          <p:nvSpPr>
+            <p:cNvPr id="15" name="Freeform 12">
+              <a:extLst>
+                <a:ext uri="{FF2B5EF4-FFF2-40B4-BE49-F238E27FC236}">
+                  <a16:creationId xmlns:a16="http://schemas.microsoft.com/office/drawing/2014/main" id="{90925F6C-DF03-4707-9176-6049F049B5AA}"/>
+                </a:ext>
+                <a:ext uri="{C183D7F6-B498-43B3-948B-1728B52AA6E4}">
+                  <adec:decorative xmlns:adec="http://schemas.microsoft.com/office/drawing/2017/decorative" val="1"/>
+                </a:ext>
+              </a:extLst>
+            </p:cNvPr>
+            <p:cNvSpPr/>
+            <p:nvPr>
+              <p:extLst>
+                <p:ext uri="{386F3935-93C4-4BCD-93E2-E3B085C9AB24}">
+                  <p16:designElem xmlns:p16="http://schemas.microsoft.com/office/powerpoint/2015/main" val="1"/>
+                </p:ext>
+              </p:extLst>
+            </p:nvPr>
+          </p:nvSpPr>
+          <p:spPr bwMode="auto">
+            <a:xfrm>
+              <a:off x="2928938" y="2578100"/>
+              <a:ext cx="3584575" cy="4279900"/>
+            </a:xfrm>
+            <a:custGeom>
+              <a:avLst/>
+              <a:gdLst/>
+              <a:ahLst/>
+              <a:cxnLst/>
+              <a:rect l="0" t="0" r="r" b="b"/>
+              <a:pathLst>
+                <a:path w="2258" h="2696">
+                  <a:moveTo>
+                    <a:pt x="2258" y="2696"/>
+                  </a:moveTo>
+                  <a:lnTo>
+                    <a:pt x="264" y="111"/>
+                  </a:lnTo>
+                  <a:lnTo>
+                    <a:pt x="228" y="60"/>
+                  </a:lnTo>
+                  <a:lnTo>
+                    <a:pt x="225" y="57"/>
+                  </a:lnTo>
+                  <a:lnTo>
+                    <a:pt x="0" y="0"/>
+                  </a:lnTo>
+                  <a:lnTo>
+                    <a:pt x="0" y="3"/>
+                  </a:lnTo>
+                  <a:lnTo>
+                    <a:pt x="1697" y="2696"/>
+                  </a:lnTo>
+                  <a:lnTo>
+                    <a:pt x="2258" y="2696"/>
+                  </a:lnTo>
+                  <a:close/>
+                </a:path>
+              </a:pathLst>
+            </a:custGeom>
+            <a:solidFill>
+              <a:schemeClr val="tx1">
+                <a:lumMod val="75000"/>
+                <a:lumOff val="25000"/>
+              </a:schemeClr>
+            </a:solidFill>
+            <a:ln>
+              <a:noFill/>
+            </a:ln>
+          </p:spPr>
+          <p:txBody>
+            <a:bodyPr/>
+            <a:lstStyle/>
+            <a:p>
+              <a:endParaRPr lang="en-US"/>
+            </a:p>
+          </p:txBody>
+        </p:sp>
+      </p:grpSp>
       <p:sp>
         <p:nvSpPr>
           <p:cNvPr id="2" name="Title 1">
@@ -22424,1005 +27902,248 @@
         </p:nvSpPr>
         <p:spPr>
           <a:xfrm>
-            <a:off x="518160" y="673608"/>
-            <a:ext cx="11155680" cy="5928578"/>
+            <a:off x="4089399" y="4078424"/>
+            <a:ext cx="7413623" cy="1827076"/>
           </a:xfrm>
         </p:spPr>
         <p:txBody>
-          <a:bodyPr/>
+          <a:bodyPr vert="horz" lIns="91440" tIns="45720" rIns="91440" bIns="45720" rtlCol="0" anchor="b">
+            <a:normAutofit/>
+          </a:bodyPr>
           <a:lstStyle/>
           <a:p>
-            <a:pPr>
+            <a:pPr algn="l">
               <a:lnSpc>
-                <a:spcPct val="150000"/>
+                <a:spcPct val="90000"/>
               </a:lnSpc>
             </a:pPr>
             <a:r>
-              <a:rPr kumimoji="0" lang="en-US" sz="3200" b="1" i="0" u="none" strike="noStrike" kern="1200" cap="none" spc="0" normalizeH="0" baseline="0" noProof="0" dirty="0">
-                <a:ln>
-                  <a:noFill/>
-                </a:ln>
+              <a:rPr kumimoji="0" lang="en-US" sz="2400" b="1" i="0" u="none" strike="noStrike" spc="0" normalizeH="0" baseline="0" noProof="0" dirty="0">
                 <a:solidFill>
-                  <a:srgbClr val="000000"/>
+                  <a:srgbClr val="C00000"/>
                 </a:solidFill>
-                <a:effectLst/>
                 <a:uLnTx/>
                 <a:uFillTx/>
-                <a:latin typeface="Bierstadt"/>
-                <a:ea typeface="+mj-ea"/>
-                <a:cs typeface="+mj-cs"/>
               </a:rPr>
               <a:t>Study how Monthly Sales differ by Customer Segment?</a:t>
             </a:r>
             <a:br>
-              <a:rPr kumimoji="0" lang="en-US" sz="2200" b="1" i="0" u="none" strike="noStrike" kern="1200" cap="none" spc="0" normalizeH="0" baseline="0" noProof="0" dirty="0">
-                <a:ln>
-                  <a:noFill/>
-                </a:ln>
-                <a:solidFill>
-                  <a:srgbClr val="000000"/>
-                </a:solidFill>
-                <a:effectLst/>
+              <a:rPr kumimoji="0" lang="en-US" sz="2400" b="1" i="0" u="none" strike="noStrike" spc="0" normalizeH="0" baseline="0" noProof="0" dirty="0">
                 <a:uLnTx/>
                 <a:uFillTx/>
-                <a:latin typeface="Bierstadt"/>
-                <a:ea typeface="+mj-ea"/>
-                <a:cs typeface="+mj-cs"/>
               </a:rPr>
             </a:br>
             <a:r>
-              <a:rPr kumimoji="0" lang="en-US" sz="2400" b="1" i="0" u="none" strike="noStrike" kern="1200" cap="none" spc="0" normalizeH="0" baseline="0" noProof="0" dirty="0">
-                <a:ln>
-                  <a:noFill/>
-                </a:ln>
-                <a:solidFill>
-                  <a:srgbClr val="000000"/>
-                </a:solidFill>
-                <a:effectLst/>
+              <a:rPr kumimoji="0" lang="en-US" sz="2400" b="1" i="0" u="none" strike="noStrike" spc="0" normalizeH="0" baseline="0" noProof="0" dirty="0">
                 <a:uLnTx/>
                 <a:uFillTx/>
-                <a:latin typeface="Bierstadt"/>
-                <a:ea typeface="+mj-ea"/>
-                <a:cs typeface="+mj-cs"/>
               </a:rPr>
               <a:t>Used </a:t>
             </a:r>
             <a:r>
-              <a:rPr kumimoji="0" lang="en-US" sz="2400" b="1" i="0" u="none" strike="noStrike" kern="1200" cap="none" spc="0" normalizeH="0" baseline="0" noProof="0" dirty="0" err="1">
-                <a:ln>
-                  <a:noFill/>
-                </a:ln>
-                <a:solidFill>
-                  <a:srgbClr val="000000"/>
-                </a:solidFill>
-                <a:effectLst/>
+              <a:rPr kumimoji="0" lang="en-US" sz="2400" b="1" i="0" u="none" strike="noStrike" spc="0" normalizeH="0" baseline="0" noProof="0" dirty="0" err="1">
                 <a:uLnTx/>
                 <a:uFillTx/>
-                <a:latin typeface="Bierstadt"/>
-                <a:ea typeface="+mj-ea"/>
-                <a:cs typeface="+mj-cs"/>
               </a:rPr>
               <a:t>sns.barplot</a:t>
             </a:r>
             <a:r>
-              <a:rPr kumimoji="0" lang="en-US" sz="2400" b="1" i="0" u="none" strike="noStrike" kern="1200" cap="none" spc="0" normalizeH="0" baseline="0" noProof="0" dirty="0">
-                <a:ln>
-                  <a:noFill/>
-                </a:ln>
-                <a:solidFill>
-                  <a:srgbClr val="000000"/>
-                </a:solidFill>
-                <a:effectLst/>
+              <a:rPr kumimoji="0" lang="en-US" sz="2400" b="1" i="0" u="none" strike="noStrike" spc="0" normalizeH="0" baseline="0" noProof="0" dirty="0">
                 <a:uLnTx/>
                 <a:uFillTx/>
-                <a:latin typeface="Bierstadt"/>
-                <a:ea typeface="+mj-ea"/>
-                <a:cs typeface="+mj-cs"/>
               </a:rPr>
               <a:t>() with x=</a:t>
             </a:r>
             <a:r>
-              <a:rPr kumimoji="0" lang="en-US" sz="2400" b="1" i="0" u="none" strike="noStrike" kern="1200" cap="none" spc="0" normalizeH="0" baseline="0" noProof="0" dirty="0" err="1">
-                <a:ln>
-                  <a:noFill/>
-                </a:ln>
-                <a:solidFill>
-                  <a:srgbClr val="000000"/>
-                </a:solidFill>
-                <a:effectLst/>
+              <a:rPr kumimoji="0" lang="en-US" sz="2400" b="1" i="0" u="none" strike="noStrike" spc="0" normalizeH="0" baseline="0" noProof="0" dirty="0" err="1">
                 <a:uLnTx/>
                 <a:uFillTx/>
-                <a:latin typeface="Bierstadt"/>
-                <a:ea typeface="+mj-ea"/>
-                <a:cs typeface="+mj-cs"/>
               </a:rPr>
               <a:t>Order_Month</a:t>
             </a:r>
             <a:r>
-              <a:rPr kumimoji="0" lang="en-US" sz="2400" b="1" i="0" u="none" strike="noStrike" kern="1200" cap="none" spc="0" normalizeH="0" baseline="0" noProof="0" dirty="0">
-                <a:ln>
-                  <a:noFill/>
-                </a:ln>
-                <a:solidFill>
-                  <a:srgbClr val="000000"/>
-                </a:solidFill>
-                <a:effectLst/>
+              <a:rPr kumimoji="0" lang="en-US" sz="2400" b="1" i="0" u="none" strike="noStrike" spc="0" normalizeH="0" baseline="0" noProof="0" dirty="0">
                 <a:uLnTx/>
                 <a:uFillTx/>
-                <a:latin typeface="Bierstadt"/>
-                <a:ea typeface="+mj-ea"/>
-                <a:cs typeface="+mj-cs"/>
               </a:rPr>
               <a:t>, y=</a:t>
             </a:r>
             <a:r>
-              <a:rPr kumimoji="0" lang="en-US" sz="2400" b="1" i="0" u="none" strike="noStrike" kern="1200" cap="none" spc="0" normalizeH="0" baseline="0" noProof="0" dirty="0" err="1">
-                <a:ln>
-                  <a:noFill/>
-                </a:ln>
-                <a:solidFill>
-                  <a:srgbClr val="000000"/>
-                </a:solidFill>
-                <a:effectLst/>
+              <a:rPr kumimoji="0" lang="en-US" sz="2400" b="1" i="0" u="none" strike="noStrike" spc="0" normalizeH="0" baseline="0" noProof="0" dirty="0" err="1">
                 <a:uLnTx/>
                 <a:uFillTx/>
-                <a:latin typeface="Bierstadt"/>
-                <a:ea typeface="+mj-ea"/>
-                <a:cs typeface="+mj-cs"/>
               </a:rPr>
               <a:t>Order_Item_Total</a:t>
             </a:r>
             <a:r>
-              <a:rPr kumimoji="0" lang="en-US" sz="2400" b="1" i="0" u="none" strike="noStrike" kern="1200" cap="none" spc="0" normalizeH="0" baseline="0" noProof="0" dirty="0">
-                <a:ln>
-                  <a:noFill/>
-                </a:ln>
-                <a:solidFill>
-                  <a:srgbClr val="000000"/>
-                </a:solidFill>
-                <a:effectLst/>
+              <a:rPr kumimoji="0" lang="en-US" sz="2400" b="1" i="0" u="none" strike="noStrike" spc="0" normalizeH="0" baseline="0" noProof="0" dirty="0">
                 <a:uLnTx/>
                 <a:uFillTx/>
-                <a:latin typeface="Bierstadt"/>
-                <a:ea typeface="+mj-ea"/>
-                <a:cs typeface="+mj-cs"/>
               </a:rPr>
               <a:t>, and hue=</a:t>
             </a:r>
             <a:r>
-              <a:rPr kumimoji="0" lang="en-US" sz="2400" b="1" i="0" u="none" strike="noStrike" kern="1200" cap="none" spc="0" normalizeH="0" baseline="0" noProof="0" dirty="0" err="1">
-                <a:ln>
-                  <a:noFill/>
-                </a:ln>
-                <a:solidFill>
-                  <a:srgbClr val="000000"/>
-                </a:solidFill>
-                <a:effectLst/>
+              <a:rPr kumimoji="0" lang="en-US" sz="2400" b="1" i="0" u="none" strike="noStrike" spc="0" normalizeH="0" baseline="0" noProof="0" dirty="0" err="1">
                 <a:uLnTx/>
                 <a:uFillTx/>
-                <a:latin typeface="Bierstadt"/>
-                <a:ea typeface="+mj-ea"/>
-                <a:cs typeface="+mj-cs"/>
               </a:rPr>
               <a:t>Customer_Segment</a:t>
             </a:r>
             <a:r>
-              <a:rPr kumimoji="0" lang="en-US" sz="2400" b="1" i="0" u="none" strike="noStrike" kern="1200" cap="none" spc="0" normalizeH="0" baseline="0" noProof="0" dirty="0">
-                <a:ln>
-                  <a:noFill/>
-                </a:ln>
-                <a:solidFill>
-                  <a:srgbClr val="000000"/>
-                </a:solidFill>
-                <a:effectLst/>
+              <a:rPr kumimoji="0" lang="en-US" sz="2400" b="1" i="0" u="none" strike="noStrike" spc="0" normalizeH="0" baseline="0" noProof="0" dirty="0">
                 <a:uLnTx/>
                 <a:uFillTx/>
-                <a:latin typeface="Bierstadt"/>
-                <a:ea typeface="+mj-ea"/>
-                <a:cs typeface="+mj-cs"/>
               </a:rPr>
-              <a:t>, aggregated using sum.</a:t>
-            </a:r>
-            <a:br>
-              <a:rPr kumimoji="0" lang="en-US" sz="2400" b="1" i="0" u="none" strike="noStrike" kern="1200" cap="none" spc="0" normalizeH="0" baseline="0" noProof="0" dirty="0">
-                <a:ln>
-                  <a:noFill/>
-                </a:ln>
-                <a:solidFill>
-                  <a:srgbClr val="000000"/>
-                </a:solidFill>
-                <a:effectLst/>
+              <a:t>, aggregated using sum</a:t>
+            </a:r>
+            <a:r>
+              <a:rPr kumimoji="0" lang="en-US" sz="1500" b="1" i="0" u="none" strike="noStrike" spc="0" normalizeH="0" baseline="0" noProof="0" dirty="0">
                 <a:uLnTx/>
                 <a:uFillTx/>
-                <a:latin typeface="Bierstadt"/>
-                <a:ea typeface="+mj-ea"/>
-                <a:cs typeface="+mj-cs"/>
+              </a:rPr>
+              <a:t>.</a:t>
+            </a:r>
+            <a:br>
+              <a:rPr kumimoji="0" lang="en-US" sz="1500" b="1" i="0" u="none" strike="noStrike" spc="0" normalizeH="0" baseline="0" noProof="0" dirty="0">
+                <a:uLnTx/>
+                <a:uFillTx/>
               </a:rPr>
             </a:br>
             <a:br>
-              <a:rPr kumimoji="0" lang="en-US" sz="2200" b="1" i="0" u="none" strike="noStrike" kern="1200" cap="none" spc="0" normalizeH="0" baseline="0" noProof="0" dirty="0">
-                <a:ln>
-                  <a:noFill/>
-                </a:ln>
-                <a:solidFill>
-                  <a:srgbClr val="000000"/>
-                </a:solidFill>
-                <a:effectLst/>
+              <a:rPr kumimoji="0" lang="en-US" sz="1500" b="1" i="0" u="none" strike="noStrike" spc="0" normalizeH="0" baseline="0" noProof="0" dirty="0">
                 <a:uLnTx/>
                 <a:uFillTx/>
-                <a:latin typeface="Bierstadt"/>
-                <a:ea typeface="+mj-ea"/>
-                <a:cs typeface="+mj-cs"/>
               </a:rPr>
             </a:br>
-            <a:endParaRPr lang="en-US" sz="2400" dirty="0">
-              <a:solidFill>
-                <a:srgbClr val="000000"/>
-              </a:solidFill>
-              <a:latin typeface="Bierstadt"/>
-            </a:endParaRPr>
+            <a:endParaRPr lang="en-US" sz="1500" dirty="0"/>
           </a:p>
         </p:txBody>
       </p:sp>
+      <p:sp>
+        <p:nvSpPr>
+          <p:cNvPr id="17" name="Rounded Rectangle 6">
+            <a:extLst>
+              <a:ext uri="{FF2B5EF4-FFF2-40B4-BE49-F238E27FC236}">
+                <a16:creationId xmlns:a16="http://schemas.microsoft.com/office/drawing/2014/main" id="{EF3E1F0C-BCD9-491F-A435-D4A48FB439B9}"/>
+              </a:ext>
+              <a:ext uri="{C183D7F6-B498-43B3-948B-1728B52AA6E4}">
+                <adec:decorative xmlns:adec="http://schemas.microsoft.com/office/drawing/2017/decorative" val="1"/>
+              </a:ext>
+            </a:extLst>
+          </p:cNvPr>
+          <p:cNvSpPr>
+            <a:spLocks noGrp="1" noRot="1" noChangeAspect="1" noMove="1" noResize="1" noEditPoints="1" noAdjustHandles="1" noChangeArrowheads="1" noChangeShapeType="1" noTextEdit="1"/>
+          </p:cNvSpPr>
+          <p:nvPr>
+            <p:extLst>
+              <p:ext uri="{386F3935-93C4-4BCD-93E2-E3B085C9AB24}">
+                <p16:designElem xmlns:p16="http://schemas.microsoft.com/office/powerpoint/2015/main" val="1"/>
+              </p:ext>
+            </p:extLst>
+          </p:nvPr>
+        </p:nvSpPr>
+        <p:spPr>
+          <a:xfrm>
+            <a:off x="3718560" y="609600"/>
+            <a:ext cx="7833360" cy="3139440"/>
+          </a:xfrm>
+          <a:prstGeom prst="roundRect">
+            <a:avLst>
+              <a:gd name="adj" fmla="val 4834"/>
+            </a:avLst>
+          </a:prstGeom>
+          <a:solidFill>
+            <a:schemeClr val="bg1"/>
+          </a:solidFill>
+          <a:ln w="38100">
+            <a:gradFill flip="none" rotWithShape="1">
+              <a:gsLst>
+                <a:gs pos="0">
+                  <a:schemeClr val="bg2"/>
+                </a:gs>
+                <a:gs pos="100000">
+                  <a:schemeClr val="bg2">
+                    <a:lumMod val="75000"/>
+                  </a:schemeClr>
+                </a:gs>
+              </a:gsLst>
+              <a:lin ang="5400000" scaled="0"/>
+              <a:tileRect/>
+            </a:gradFill>
+          </a:ln>
+          <a:effectLst>
+            <a:innerShdw blurRad="57150" dist="38100" dir="14460000">
+              <a:srgbClr val="000000">
+                <a:alpha val="70000"/>
+              </a:srgbClr>
+            </a:innerShdw>
+          </a:effectLst>
+        </p:spPr>
+        <p:style>
+          <a:lnRef idx="2">
+            <a:schemeClr val="accent1">
+              <a:shade val="50000"/>
+            </a:schemeClr>
+          </a:lnRef>
+          <a:fillRef idx="1">
+            <a:schemeClr val="accent1"/>
+          </a:fillRef>
+          <a:effectRef idx="0">
+            <a:schemeClr val="accent1"/>
+          </a:effectRef>
+          <a:fontRef idx="minor">
+            <a:schemeClr val="lt1"/>
+          </a:fontRef>
+        </p:style>
+        <p:txBody>
+          <a:bodyPr rtlCol="0" anchor="ctr"/>
+          <a:lstStyle/>
+          <a:p>
+            <a:pPr algn="ctr"/>
+            <a:endParaRPr lang="en-US"/>
+          </a:p>
+        </p:txBody>
+      </p:sp>
+      <p:pic>
+        <p:nvPicPr>
+          <p:cNvPr id="4" name="Picture 3" descr="A graph of a number of black rectangular objects&#10;&#10;AI-generated content may be incorrect.">
+            <a:extLst>
+              <a:ext uri="{FF2B5EF4-FFF2-40B4-BE49-F238E27FC236}">
+                <a16:creationId xmlns:a16="http://schemas.microsoft.com/office/drawing/2014/main" id="{9E6D1C09-E4E6-2797-AF5F-A94E57079D6F}"/>
+              </a:ext>
+            </a:extLst>
+          </p:cNvPr>
+          <p:cNvPicPr>
+            <a:picLocks noChangeAspect="1"/>
+          </p:cNvPicPr>
+          <p:nvPr/>
+        </p:nvPicPr>
+        <p:blipFill>
+          <a:blip r:embed="rId3">
+            <a:extLst>
+              <a:ext uri="{28A0092B-C50C-407E-A947-70E740481C1C}">
+                <a14:useLocalDpi xmlns:a14="http://schemas.microsoft.com/office/drawing/2010/main" val="0"/>
+              </a:ext>
+            </a:extLst>
+          </a:blip>
+          <a:stretch>
+            <a:fillRect/>
+          </a:stretch>
+        </p:blipFill>
+        <p:spPr>
+          <a:xfrm>
+            <a:off x="4319509" y="952500"/>
+            <a:ext cx="6631463" cy="2453640"/>
+          </a:xfrm>
+          <a:prstGeom prst="rect">
+            <a:avLst/>
+          </a:prstGeom>
+        </p:spPr>
+      </p:pic>
     </p:spTree>
     <p:extLst>
       <p:ext uri="{BB962C8B-B14F-4D97-AF65-F5344CB8AC3E}">
         <p14:creationId xmlns:p14="http://schemas.microsoft.com/office/powerpoint/2010/main" val="3433044840"/>
-      </p:ext>
-    </p:extLst>
-  </p:cSld>
-  <p:clrMapOvr>
-    <a:masterClrMapping/>
-  </p:clrMapOvr>
-</p:sld>
-</file>
-
-<file path=ppt/slides/slide35.xml><?xml version="1.0" encoding="utf-8"?>
-<p:sld xmlns:a="http://schemas.openxmlformats.org/drawingml/2006/main" xmlns:r="http://schemas.openxmlformats.org/officeDocument/2006/relationships" xmlns:p="http://schemas.openxmlformats.org/presentationml/2006/main">
-  <p:cSld>
-    <p:spTree>
-      <p:nvGrpSpPr>
-        <p:cNvPr id="1" name=""/>
-        <p:cNvGrpSpPr/>
-        <p:nvPr/>
-      </p:nvGrpSpPr>
-      <p:grpSpPr>
-        <a:xfrm>
-          <a:off x="0" y="0"/>
-          <a:ext cx="0" cy="0"/>
-          <a:chOff x="0" y="0"/>
-          <a:chExt cx="0" cy="0"/>
-        </a:xfrm>
-      </p:grpSpPr>
-      <p:sp>
-        <p:nvSpPr>
-          <p:cNvPr id="2" name="Title 1">
-            <a:extLst>
-              <a:ext uri="{FF2B5EF4-FFF2-40B4-BE49-F238E27FC236}">
-                <a16:creationId xmlns:a16="http://schemas.microsoft.com/office/drawing/2014/main" id="{105206F5-6FF7-7BC3-664C-5721D9F28381}"/>
-              </a:ext>
-            </a:extLst>
-          </p:cNvPr>
-          <p:cNvSpPr>
-            <a:spLocks noGrp="1"/>
-          </p:cNvSpPr>
-          <p:nvPr>
-            <p:ph type="title"/>
-          </p:nvPr>
-        </p:nvSpPr>
-        <p:spPr>
-          <a:xfrm>
-            <a:off x="521208" y="978408"/>
-            <a:ext cx="11155680" cy="5699978"/>
-          </a:xfrm>
-        </p:spPr>
-        <p:txBody>
-          <a:bodyPr>
-            <a:normAutofit/>
-          </a:bodyPr>
-          <a:lstStyle/>
-          <a:p>
-            <a:r>
-              <a:rPr lang="en-US" sz="4000" dirty="0">
-                <a:solidFill>
-                  <a:schemeClr val="accent6">
-                    <a:lumMod val="75000"/>
-                  </a:schemeClr>
-                </a:solidFill>
-              </a:rPr>
-              <a:t>7-Data Preprocessing:-</a:t>
-            </a:r>
-            <a:br>
-              <a:rPr lang="en-US" dirty="0"/>
-            </a:br>
-            <a:r>
-              <a:rPr lang="en-US" sz="2800" dirty="0"/>
-              <a:t>1.Split Data into Input Features and Target Variable.</a:t>
-            </a:r>
-            <a:br>
-              <a:rPr lang="en-US" sz="2800" dirty="0"/>
-            </a:br>
-            <a:r>
-              <a:rPr lang="en-US" sz="2800" dirty="0"/>
-              <a:t>2.Split Data into Train and Test</a:t>
-            </a:r>
-            <a:br>
-              <a:rPr lang="en-US" sz="2800" dirty="0"/>
-            </a:br>
-            <a:r>
-              <a:rPr lang="en-US" sz="2800" dirty="0"/>
-              <a:t>3.Create Numerical &amp; Categorical Pipelines.</a:t>
-            </a:r>
-            <a:br>
-              <a:rPr lang="en-US" sz="2800" dirty="0"/>
-            </a:br>
-            <a:r>
-              <a:rPr lang="en-US" sz="2800" dirty="0"/>
-              <a:t>4.Column Transformer to Assign columns to be processed.</a:t>
-            </a:r>
-            <a:br>
-              <a:rPr lang="en-US" sz="2800" dirty="0"/>
-            </a:br>
-            <a:r>
-              <a:rPr lang="en-US" sz="2800" dirty="0"/>
-              <a:t>5.Model Definition and Training.</a:t>
-            </a:r>
-            <a:br>
-              <a:rPr lang="en-US" sz="2800" dirty="0"/>
-            </a:br>
-            <a:r>
-              <a:rPr lang="en-US" sz="2800" dirty="0"/>
-              <a:t>6.Model Evaluation.</a:t>
-            </a:r>
-            <a:br>
-              <a:rPr lang="en-US" sz="2800" dirty="0"/>
-            </a:br>
-            <a:r>
-              <a:rPr lang="en-US" sz="2800" dirty="0"/>
-              <a:t>7.Cross Validation &amp; Hyperparameter Tuning.</a:t>
-            </a:r>
-          </a:p>
-        </p:txBody>
-      </p:sp>
-    </p:spTree>
-    <p:extLst>
-      <p:ext uri="{BB962C8B-B14F-4D97-AF65-F5344CB8AC3E}">
-        <p14:creationId xmlns:p14="http://schemas.microsoft.com/office/powerpoint/2010/main" val="3719277197"/>
-      </p:ext>
-    </p:extLst>
-  </p:cSld>
-  <p:clrMapOvr>
-    <a:masterClrMapping/>
-  </p:clrMapOvr>
-</p:sld>
-</file>
-
-<file path=ppt/slides/slide36.xml><?xml version="1.0" encoding="utf-8"?>
-<p:sld xmlns:a="http://schemas.openxmlformats.org/drawingml/2006/main" xmlns:r="http://schemas.openxmlformats.org/officeDocument/2006/relationships" xmlns:p="http://schemas.openxmlformats.org/presentationml/2006/main">
-  <p:cSld>
-    <p:spTree>
-      <p:nvGrpSpPr>
-        <p:cNvPr id="1" name=""/>
-        <p:cNvGrpSpPr/>
-        <p:nvPr/>
-      </p:nvGrpSpPr>
-      <p:grpSpPr>
-        <a:xfrm>
-          <a:off x="0" y="0"/>
-          <a:ext cx="0" cy="0"/>
-          <a:chOff x="0" y="0"/>
-          <a:chExt cx="0" cy="0"/>
-        </a:xfrm>
-      </p:grpSpPr>
-      <p:sp>
-        <p:nvSpPr>
-          <p:cNvPr id="2" name="Title 1">
-            <a:extLst>
-              <a:ext uri="{FF2B5EF4-FFF2-40B4-BE49-F238E27FC236}">
-                <a16:creationId xmlns:a16="http://schemas.microsoft.com/office/drawing/2014/main" id="{2424B52E-AA1E-A3A2-EE31-3C5A07B14FF6}"/>
-              </a:ext>
-            </a:extLst>
-          </p:cNvPr>
-          <p:cNvSpPr>
-            <a:spLocks noGrp="1"/>
-          </p:cNvSpPr>
-          <p:nvPr>
-            <p:ph type="title"/>
-          </p:nvPr>
-        </p:nvSpPr>
-        <p:spPr>
-          <a:xfrm>
-            <a:off x="521208" y="978407"/>
-            <a:ext cx="11155680" cy="5667321"/>
-          </a:xfrm>
-        </p:spPr>
-        <p:txBody>
-          <a:bodyPr>
-            <a:normAutofit/>
-          </a:bodyPr>
-          <a:lstStyle/>
-          <a:p>
-            <a:r>
-              <a:rPr lang="en-US" sz="3200" dirty="0">
-                <a:solidFill>
-                  <a:schemeClr val="accent6">
-                    <a:lumMod val="75000"/>
-                  </a:schemeClr>
-                </a:solidFill>
-              </a:rPr>
-              <a:t>Data Preprocessing:-</a:t>
-            </a:r>
-            <a:br>
-              <a:rPr lang="ar-EG" sz="3200" dirty="0">
-                <a:solidFill>
-                  <a:schemeClr val="accent6">
-                    <a:lumMod val="75000"/>
-                  </a:schemeClr>
-                </a:solidFill>
-              </a:rPr>
-            </a:br>
-            <a:br>
-              <a:rPr lang="en-US" sz="3200" dirty="0"/>
-            </a:br>
-            <a:r>
-              <a:rPr lang="en-US" sz="3200" dirty="0"/>
-              <a:t>Step 1: Split Input Features and Target:-</a:t>
-            </a:r>
-            <a:br>
-              <a:rPr lang="en-US" sz="3200" dirty="0"/>
-            </a:br>
-            <a:r>
-              <a:rPr lang="en-US" sz="2400" dirty="0"/>
-              <a:t> -Extract input X by dropping the Late_delivery_risk column.</a:t>
-            </a:r>
-            <a:br>
-              <a:rPr lang="en-US" sz="2400" dirty="0"/>
-            </a:br>
-            <a:r>
-              <a:rPr lang="en-US" sz="2400" dirty="0"/>
-              <a:t> -Set target variable y = df['Late_delivery_risk’]. </a:t>
-            </a:r>
-            <a:br>
-              <a:rPr lang="en-US" sz="2800" dirty="0"/>
-            </a:br>
-            <a:br>
-              <a:rPr lang="en-US" sz="3200" dirty="0"/>
-            </a:br>
-            <a:r>
-              <a:rPr lang="en-US" sz="3200" dirty="0"/>
-              <a:t>Step 2: Train/Test Split</a:t>
-            </a:r>
-            <a:br>
-              <a:rPr lang="en-US" sz="3200" dirty="0"/>
-            </a:br>
-            <a:r>
-              <a:rPr lang="en-US" sz="2400" dirty="0"/>
-              <a:t> -Use train_test_split() with test_size=0.3 and </a:t>
-            </a:r>
-            <a:r>
-              <a:rPr lang="en-US" sz="2400" dirty="0" err="1"/>
-              <a:t>random_state</a:t>
-            </a:r>
-            <a:r>
-              <a:rPr lang="en-US" sz="2400" dirty="0"/>
-              <a:t>=42 to split data.</a:t>
-            </a:r>
-            <a:br>
-              <a:rPr lang="ar-EG" sz="2400" dirty="0"/>
-            </a:br>
-            <a:br>
-              <a:rPr lang="ar-EG" sz="2400" dirty="0"/>
-            </a:br>
-            <a:endParaRPr lang="en-US" sz="2400" dirty="0"/>
-          </a:p>
-        </p:txBody>
-      </p:sp>
-    </p:spTree>
-    <p:extLst>
-      <p:ext uri="{BB962C8B-B14F-4D97-AF65-F5344CB8AC3E}">
-        <p14:creationId xmlns:p14="http://schemas.microsoft.com/office/powerpoint/2010/main" val="3512801291"/>
-      </p:ext>
-    </p:extLst>
-  </p:cSld>
-  <p:clrMapOvr>
-    <a:masterClrMapping/>
-  </p:clrMapOvr>
-</p:sld>
-</file>
-
-<file path=ppt/slides/slide37.xml><?xml version="1.0" encoding="utf-8"?>
-<p:sld xmlns:a="http://schemas.openxmlformats.org/drawingml/2006/main" xmlns:r="http://schemas.openxmlformats.org/officeDocument/2006/relationships" xmlns:p="http://schemas.openxmlformats.org/presentationml/2006/main">
-  <p:cSld>
-    <p:spTree>
-      <p:nvGrpSpPr>
-        <p:cNvPr id="1" name=""/>
-        <p:cNvGrpSpPr/>
-        <p:nvPr/>
-      </p:nvGrpSpPr>
-      <p:grpSpPr>
-        <a:xfrm>
-          <a:off x="0" y="0"/>
-          <a:ext cx="0" cy="0"/>
-          <a:chOff x="0" y="0"/>
-          <a:chExt cx="0" cy="0"/>
-        </a:xfrm>
-      </p:grpSpPr>
-      <p:sp>
-        <p:nvSpPr>
-          <p:cNvPr id="2" name="Title 1">
-            <a:extLst>
-              <a:ext uri="{FF2B5EF4-FFF2-40B4-BE49-F238E27FC236}">
-                <a16:creationId xmlns:a16="http://schemas.microsoft.com/office/drawing/2014/main" id="{3E4EF33E-5FE8-5A23-A7CD-3C766729D3FE}"/>
-              </a:ext>
-            </a:extLst>
-          </p:cNvPr>
-          <p:cNvSpPr>
-            <a:spLocks noGrp="1"/>
-          </p:cNvSpPr>
-          <p:nvPr>
-            <p:ph type="title"/>
-          </p:nvPr>
-        </p:nvSpPr>
-        <p:spPr>
-          <a:xfrm>
-            <a:off x="521208" y="978407"/>
-            <a:ext cx="11155680" cy="5531249"/>
-          </a:xfrm>
-        </p:spPr>
-        <p:txBody>
-          <a:bodyPr>
-            <a:normAutofit/>
-          </a:bodyPr>
-          <a:lstStyle/>
-          <a:p>
-            <a:r>
-              <a:rPr lang="en-US" sz="3200" dirty="0"/>
-              <a:t>Step 3: Create Numerical &amp; Categorical Pipelines.</a:t>
-            </a:r>
-            <a:br>
-              <a:rPr lang="ar-EG" sz="3200" dirty="0"/>
-            </a:br>
-            <a:r>
-              <a:rPr lang="ar-EG" sz="3200" dirty="0"/>
-              <a:t>-</a:t>
-            </a:r>
-            <a:r>
-              <a:rPr lang="en-US" sz="2800" dirty="0"/>
-              <a:t>Identify column types:</a:t>
-            </a:r>
-            <a:br>
-              <a:rPr lang="ar-EG" sz="3200" dirty="0"/>
-            </a:br>
-            <a:r>
-              <a:rPr lang="ar-EG" sz="3200" dirty="0"/>
-              <a:t>  </a:t>
-            </a:r>
-            <a:r>
-              <a:rPr lang="en-US" sz="2400" dirty="0"/>
-              <a:t>Numerical (e.g. Order Profit Per Order)</a:t>
-            </a:r>
-            <a:br>
-              <a:rPr lang="ar-EG" sz="2400" dirty="0"/>
-            </a:br>
-            <a:r>
-              <a:rPr lang="en-US" sz="2400" dirty="0"/>
-              <a:t> </a:t>
-            </a:r>
-            <a:r>
-              <a:rPr lang="ar-EG" sz="2400" dirty="0"/>
-              <a:t>  </a:t>
-            </a:r>
-            <a:r>
-              <a:rPr lang="en-US" sz="2400" dirty="0"/>
-              <a:t>Nominal, Ordinal, Binary</a:t>
-            </a:r>
-            <a:br>
-              <a:rPr lang="ar-EG" sz="3200" dirty="0"/>
-            </a:br>
-            <a:r>
-              <a:rPr lang="ar-EG" sz="3200" dirty="0"/>
-              <a:t>-</a:t>
-            </a:r>
-            <a:r>
-              <a:rPr lang="en-US" sz="2800" dirty="0"/>
-              <a:t>Create preprocessing pipelines for each type:</a:t>
-            </a:r>
-            <a:br>
-              <a:rPr lang="ar-EG" sz="3200" dirty="0"/>
-            </a:br>
-            <a:r>
-              <a:rPr lang="ar-EG" sz="2400" dirty="0"/>
-              <a:t>  </a:t>
-            </a:r>
-            <a:r>
-              <a:rPr lang="en-US" sz="2400" dirty="0"/>
-              <a:t> Numerical: Includes KNN imputation and 3 types of scalers.</a:t>
-            </a:r>
-            <a:br>
-              <a:rPr lang="ar-EG" sz="2400" dirty="0"/>
-            </a:br>
-            <a:r>
-              <a:rPr lang="en-US" sz="2400" dirty="0"/>
-              <a:t> </a:t>
-            </a:r>
-            <a:r>
-              <a:rPr lang="ar-EG" sz="2400" dirty="0"/>
-              <a:t>  </a:t>
-            </a:r>
-            <a:r>
-              <a:rPr lang="en-US" sz="2400" dirty="0"/>
-              <a:t>OneHot, Ordinal, Binary: With imputation and suitable encoders.</a:t>
-            </a:r>
-            <a:br>
-              <a:rPr lang="ar-EG" sz="2400" dirty="0"/>
-            </a:br>
-            <a:br>
-              <a:rPr lang="ar-EG" sz="2400" dirty="0"/>
-            </a:br>
-            <a:r>
-              <a:rPr lang="en-US" sz="3200" dirty="0"/>
-              <a:t>Step 4: Column Transformer to Assign columns to be processed</a:t>
-            </a:r>
-            <a:br>
-              <a:rPr lang="ar-EG" sz="2400" dirty="0"/>
-            </a:br>
-            <a:r>
-              <a:rPr lang="en-US" sz="2400" dirty="0"/>
-              <a:t>Use </a:t>
-            </a:r>
-            <a:r>
-              <a:rPr lang="en-US" sz="2400" dirty="0" err="1"/>
-              <a:t>ColumnTransformer</a:t>
-            </a:r>
-            <a:r>
-              <a:rPr lang="en-US" sz="2400" dirty="0"/>
-              <a:t> to apply the correct pipeline per feature type.</a:t>
-            </a:r>
-          </a:p>
-        </p:txBody>
-      </p:sp>
-    </p:spTree>
-    <p:extLst>
-      <p:ext uri="{BB962C8B-B14F-4D97-AF65-F5344CB8AC3E}">
-        <p14:creationId xmlns:p14="http://schemas.microsoft.com/office/powerpoint/2010/main" val="3198409462"/>
-      </p:ext>
-    </p:extLst>
-  </p:cSld>
-  <p:clrMapOvr>
-    <a:masterClrMapping/>
-  </p:clrMapOvr>
-</p:sld>
-</file>
-
-<file path=ppt/slides/slide38.xml><?xml version="1.0" encoding="utf-8"?>
-<p:sld xmlns:a="http://schemas.openxmlformats.org/drawingml/2006/main" xmlns:r="http://schemas.openxmlformats.org/officeDocument/2006/relationships" xmlns:p="http://schemas.openxmlformats.org/presentationml/2006/main">
-  <p:cSld>
-    <p:spTree>
-      <p:nvGrpSpPr>
-        <p:cNvPr id="1" name=""/>
-        <p:cNvGrpSpPr/>
-        <p:nvPr/>
-      </p:nvGrpSpPr>
-      <p:grpSpPr>
-        <a:xfrm>
-          <a:off x="0" y="0"/>
-          <a:ext cx="0" cy="0"/>
-          <a:chOff x="0" y="0"/>
-          <a:chExt cx="0" cy="0"/>
-        </a:xfrm>
-      </p:grpSpPr>
-      <p:sp>
-        <p:nvSpPr>
-          <p:cNvPr id="2" name="Title 1">
-            <a:extLst>
-              <a:ext uri="{FF2B5EF4-FFF2-40B4-BE49-F238E27FC236}">
-                <a16:creationId xmlns:a16="http://schemas.microsoft.com/office/drawing/2014/main" id="{CC57724D-197E-8D3B-6E39-3DD2766AECBD}"/>
-              </a:ext>
-            </a:extLst>
-          </p:cNvPr>
-          <p:cNvSpPr>
-            <a:spLocks noGrp="1"/>
-          </p:cNvSpPr>
-          <p:nvPr>
-            <p:ph type="title"/>
-          </p:nvPr>
-        </p:nvSpPr>
-        <p:spPr>
-          <a:xfrm>
-            <a:off x="521208" y="832757"/>
-            <a:ext cx="11155680" cy="6308271"/>
-          </a:xfrm>
-        </p:spPr>
-        <p:txBody>
-          <a:bodyPr>
-            <a:normAutofit/>
-          </a:bodyPr>
-          <a:lstStyle/>
-          <a:p>
-            <a:r>
-              <a:rPr lang="en-US" sz="3200" dirty="0"/>
-              <a:t>Step 5: Model Definition and Training:-</a:t>
-            </a:r>
-            <a:br>
-              <a:rPr lang="en-US" sz="3200" dirty="0"/>
-            </a:br>
-            <a:r>
-              <a:rPr lang="ar-EG" sz="2400" dirty="0"/>
-              <a:t>-</a:t>
-            </a:r>
-            <a:r>
-              <a:rPr lang="en-US" sz="2400" dirty="0"/>
-              <a:t>Define a pipeline</a:t>
-            </a:r>
-            <a:r>
-              <a:rPr lang="ar-EG" sz="2400" dirty="0"/>
-              <a:t>.</a:t>
-            </a:r>
-            <a:br>
-              <a:rPr lang="ar-EG" sz="2400" dirty="0"/>
-            </a:br>
-            <a:r>
-              <a:rPr lang="ar-EG" sz="2400" dirty="0"/>
-              <a:t>-</a:t>
-            </a:r>
-            <a:r>
-              <a:rPr lang="en-US" sz="2400" dirty="0"/>
-              <a:t>preprocessing: to handle all feature transformations.</a:t>
-            </a:r>
-            <a:br>
-              <a:rPr lang="ar-EG" sz="2400" dirty="0"/>
-            </a:br>
-            <a:r>
-              <a:rPr lang="ar-EG" sz="2400" dirty="0"/>
-              <a:t>-</a:t>
-            </a:r>
-            <a:r>
-              <a:rPr lang="en-US" sz="2400" dirty="0"/>
-              <a:t>Classifier: logistic regression with </a:t>
-            </a:r>
-            <a:r>
-              <a:rPr lang="en-US" sz="2400" dirty="0" err="1"/>
-              <a:t>max_iter</a:t>
-            </a:r>
-            <a:r>
-              <a:rPr lang="en-US" sz="2400" dirty="0"/>
-              <a:t>=200 and random_state=42.</a:t>
-            </a:r>
-            <a:br>
-              <a:rPr lang="ar-EG" sz="2400" dirty="0"/>
-            </a:br>
-            <a:r>
-              <a:rPr lang="en-US" sz="2400" dirty="0"/>
-              <a:t>-Split data again (test_size=0.2).</a:t>
-            </a:r>
-            <a:br>
-              <a:rPr lang="ar-EG" sz="2400" dirty="0"/>
-            </a:br>
-            <a:r>
-              <a:rPr lang="en-US" sz="2400" dirty="0"/>
-              <a:t>-Fit the model on training data using .fit(</a:t>
-            </a:r>
-            <a:r>
-              <a:rPr lang="en-US" sz="2400" dirty="0" err="1"/>
-              <a:t>x_train</a:t>
-            </a:r>
-            <a:r>
-              <a:rPr lang="en-US" sz="2400" dirty="0"/>
-              <a:t>, </a:t>
-            </a:r>
-            <a:r>
-              <a:rPr lang="en-US" sz="2400" dirty="0" err="1"/>
-              <a:t>y_train</a:t>
-            </a:r>
-            <a:r>
-              <a:rPr lang="en-US" sz="2400" dirty="0"/>
-              <a:t>).</a:t>
-            </a:r>
-            <a:br>
-              <a:rPr lang="ar-EG" sz="2400" dirty="0"/>
-            </a:br>
-            <a:r>
-              <a:rPr lang="en-US" sz="2400" dirty="0"/>
-              <a:t>-Predict on test set with .predict(</a:t>
-            </a:r>
-            <a:r>
-              <a:rPr lang="en-US" sz="2400" dirty="0" err="1"/>
-              <a:t>x_test</a:t>
-            </a:r>
-            <a:r>
-              <a:rPr lang="en-US" sz="2400" dirty="0"/>
-              <a:t>).</a:t>
-            </a:r>
-            <a:br>
-              <a:rPr lang="en-US" sz="2400" dirty="0"/>
-            </a:br>
-            <a:r>
-              <a:rPr lang="en-US" sz="2400" dirty="0"/>
-              <a:t>-Reset Indexes for Consistency:</a:t>
-            </a:r>
-            <a:br>
-              <a:rPr lang="en-US" sz="2400" dirty="0"/>
-            </a:br>
-            <a:r>
-              <a:rPr lang="en-US" sz="2400" dirty="0"/>
-              <a:t>     </a:t>
-            </a:r>
-            <a:r>
-              <a:rPr lang="en-US" sz="2000" dirty="0"/>
-              <a:t>Ensure all splits have consistent indexing using </a:t>
-            </a:r>
-            <a:r>
-              <a:rPr lang="en-US" sz="2000" dirty="0" err="1"/>
-              <a:t>reset_index</a:t>
-            </a:r>
-            <a:r>
-              <a:rPr lang="en-US" sz="2000" dirty="0"/>
-              <a:t>().</a:t>
-            </a:r>
-            <a:br>
-              <a:rPr lang="ar-EG" sz="2400" dirty="0"/>
-            </a:br>
-            <a:r>
-              <a:rPr lang="en-US" sz="2400" dirty="0"/>
-              <a:t>-Visualize Input Feature:</a:t>
-            </a:r>
-            <a:br>
-              <a:rPr lang="ar-EG" sz="2400" dirty="0"/>
-            </a:br>
-            <a:r>
-              <a:rPr lang="en-US" sz="2000" dirty="0"/>
-              <a:t>      Plot histogram of Order Profit Per Order from training set using </a:t>
-            </a:r>
-            <a:r>
-              <a:rPr lang="en-US" sz="2000" dirty="0" err="1"/>
-              <a:t>px.histogram</a:t>
-            </a:r>
-            <a:r>
-              <a:rPr lang="en-US" sz="2000" dirty="0"/>
-              <a:t>.</a:t>
-            </a:r>
-            <a:br>
-              <a:rPr lang="en-US" sz="2000" dirty="0"/>
-            </a:br>
-            <a:r>
-              <a:rPr lang="en-US" sz="2000" dirty="0"/>
-              <a:t>-</a:t>
-            </a:r>
-            <a:r>
-              <a:rPr lang="en-US" sz="2400" dirty="0"/>
-              <a:t>Handle Class Imbalance (SMOTE):</a:t>
-            </a:r>
-            <a:br>
-              <a:rPr lang="en-US" sz="2000" dirty="0"/>
-            </a:br>
-            <a:r>
-              <a:rPr lang="en-US" sz="2000" dirty="0"/>
-              <a:t>     Build a pipeline combining:</a:t>
-            </a:r>
-            <a:br>
-              <a:rPr lang="en-US" sz="2000" dirty="0"/>
-            </a:br>
-            <a:r>
-              <a:rPr lang="en-US" sz="2000" dirty="0"/>
-              <a:t>     Preprocessing → SMOTE oversampling → Logistic Regression.</a:t>
-            </a:r>
-            <a:br>
-              <a:rPr lang="en-US" sz="2000" dirty="0"/>
-            </a:br>
-            <a:r>
-              <a:rPr lang="en-US" sz="2000" dirty="0"/>
-              <a:t>     Train the pipeline using .fit().</a:t>
-            </a:r>
-          </a:p>
-        </p:txBody>
-      </p:sp>
-    </p:spTree>
-    <p:extLst>
-      <p:ext uri="{BB962C8B-B14F-4D97-AF65-F5344CB8AC3E}">
-        <p14:creationId xmlns:p14="http://schemas.microsoft.com/office/powerpoint/2010/main" val="1982978380"/>
-      </p:ext>
-    </p:extLst>
-  </p:cSld>
-  <p:clrMapOvr>
-    <a:masterClrMapping/>
-  </p:clrMapOvr>
-</p:sld>
-</file>
-
-<file path=ppt/slides/slide39.xml><?xml version="1.0" encoding="utf-8"?>
-<p:sld xmlns:a="http://schemas.openxmlformats.org/drawingml/2006/main" xmlns:r="http://schemas.openxmlformats.org/officeDocument/2006/relationships" xmlns:p="http://schemas.openxmlformats.org/presentationml/2006/main">
-  <p:cSld>
-    <p:spTree>
-      <p:nvGrpSpPr>
-        <p:cNvPr id="1" name=""/>
-        <p:cNvGrpSpPr/>
-        <p:nvPr/>
-      </p:nvGrpSpPr>
-      <p:grpSpPr>
-        <a:xfrm>
-          <a:off x="0" y="0"/>
-          <a:ext cx="0" cy="0"/>
-          <a:chOff x="0" y="0"/>
-          <a:chExt cx="0" cy="0"/>
-        </a:xfrm>
-      </p:grpSpPr>
-      <p:sp>
-        <p:nvSpPr>
-          <p:cNvPr id="2" name="Title 1">
-            <a:extLst>
-              <a:ext uri="{FF2B5EF4-FFF2-40B4-BE49-F238E27FC236}">
-                <a16:creationId xmlns:a16="http://schemas.microsoft.com/office/drawing/2014/main" id="{C96CA86F-80A9-F633-8DAB-A0FA29AB1B0F}"/>
-              </a:ext>
-            </a:extLst>
-          </p:cNvPr>
-          <p:cNvSpPr>
-            <a:spLocks noGrp="1"/>
-          </p:cNvSpPr>
-          <p:nvPr>
-            <p:ph type="title"/>
-          </p:nvPr>
-        </p:nvSpPr>
-        <p:spPr>
-          <a:xfrm>
-            <a:off x="521208" y="978407"/>
-            <a:ext cx="11155680" cy="5645549"/>
-          </a:xfrm>
-        </p:spPr>
-        <p:txBody>
-          <a:bodyPr>
-            <a:normAutofit/>
-          </a:bodyPr>
-          <a:lstStyle/>
-          <a:p>
-            <a:r>
-              <a:rPr lang="en-US" sz="3200" dirty="0"/>
-              <a:t>Step 6: Model Evaluation</a:t>
-            </a:r>
-            <a:br>
-              <a:rPr lang="en-US" sz="3200" dirty="0"/>
-            </a:br>
-            <a:r>
-              <a:rPr lang="en-US" sz="2400" dirty="0"/>
-              <a:t>Predict using .predict().</a:t>
-            </a:r>
-            <a:br>
-              <a:rPr lang="en-US" sz="2400" dirty="0"/>
-            </a:br>
-            <a:r>
-              <a:rPr lang="en-US" sz="2400" dirty="0"/>
-              <a:t>Evaluate performance using classification_report() and visualize metrics.</a:t>
-            </a:r>
-            <a:br>
-              <a:rPr lang="en-US" sz="3200" dirty="0"/>
-            </a:br>
-            <a:br>
-              <a:rPr lang="en-US" sz="3200" dirty="0"/>
-            </a:br>
-            <a:r>
-              <a:rPr lang="en-US" sz="3200" dirty="0"/>
-              <a:t>Step 7: Cross Validation &amp; Hyperparameter Tuning</a:t>
-            </a:r>
-            <a:br>
-              <a:rPr lang="en-US" sz="3200" dirty="0"/>
-            </a:br>
-            <a:r>
-              <a:rPr lang="en-US" sz="2400" dirty="0"/>
-              <a:t>Apply 5-fold cross validation with accuracy scoring.</a:t>
-            </a:r>
-            <a:br>
-              <a:rPr lang="en-US" sz="2400" dirty="0"/>
-            </a:br>
-            <a:r>
-              <a:rPr lang="en-US" sz="2400" dirty="0"/>
-              <a:t>Tune hyperparameters (C, penalty) using GridSearchCV.</a:t>
-            </a:r>
-          </a:p>
-        </p:txBody>
-      </p:sp>
-    </p:spTree>
-    <p:extLst>
-      <p:ext uri="{BB962C8B-B14F-4D97-AF65-F5344CB8AC3E}">
-        <p14:creationId xmlns:p14="http://schemas.microsoft.com/office/powerpoint/2010/main" val="4036508192"/>
       </p:ext>
     </p:extLst>
   </p:cSld>
@@ -23642,6 +28363,2111 @@
 </p:sld>
 </file>
 
+<file path=ppt/slides/slide40.xml><?xml version="1.0" encoding="utf-8"?>
+<p:sld xmlns:a="http://schemas.openxmlformats.org/drawingml/2006/main" xmlns:r="http://schemas.openxmlformats.org/officeDocument/2006/relationships" xmlns:p="http://schemas.openxmlformats.org/presentationml/2006/main">
+  <p:cSld>
+    <p:spTree>
+      <p:nvGrpSpPr>
+        <p:cNvPr id="1" name=""/>
+        <p:cNvGrpSpPr/>
+        <p:nvPr/>
+      </p:nvGrpSpPr>
+      <p:grpSpPr>
+        <a:xfrm>
+          <a:off x="0" y="0"/>
+          <a:ext cx="0" cy="0"/>
+          <a:chOff x="0" y="0"/>
+          <a:chExt cx="0" cy="0"/>
+        </a:xfrm>
+      </p:grpSpPr>
+      <p:sp>
+        <p:nvSpPr>
+          <p:cNvPr id="2" name="Title 1">
+            <a:extLst>
+              <a:ext uri="{FF2B5EF4-FFF2-40B4-BE49-F238E27FC236}">
+                <a16:creationId xmlns:a16="http://schemas.microsoft.com/office/drawing/2014/main" id="{2D4D462F-AFA6-9BCD-DA57-CF09EA1EC3D2}"/>
+              </a:ext>
+            </a:extLst>
+          </p:cNvPr>
+          <p:cNvSpPr>
+            <a:spLocks noGrp="1"/>
+          </p:cNvSpPr>
+          <p:nvPr>
+            <p:ph type="title"/>
+          </p:nvPr>
+        </p:nvSpPr>
+        <p:spPr>
+          <a:xfrm>
+            <a:off x="1125083" y="206830"/>
+            <a:ext cx="10018713" cy="6651170"/>
+          </a:xfrm>
+        </p:spPr>
+        <p:txBody>
+          <a:bodyPr>
+            <a:normAutofit/>
+          </a:bodyPr>
+          <a:lstStyle/>
+          <a:p>
+            <a:r>
+              <a:rPr lang="en-US" sz="3600" dirty="0">
+                <a:solidFill>
+                  <a:srgbClr val="C00000"/>
+                </a:solidFill>
+              </a:rPr>
+              <a:t>7-Data Preprocessing:-</a:t>
+            </a:r>
+            <a:br>
+              <a:rPr lang="en-US" sz="2700" dirty="0"/>
+            </a:br>
+            <a:r>
+              <a:rPr lang="en-US" sz="2700" dirty="0"/>
+              <a:t>Step1. Split Data into Input Features and Target Variable.</a:t>
+            </a:r>
+            <a:br>
+              <a:rPr lang="en-US" sz="2700" dirty="0"/>
+            </a:br>
+            <a:r>
+              <a:rPr lang="en-US" sz="2700" dirty="0"/>
+              <a:t>Step2. Split Data into Train and Test.</a:t>
+            </a:r>
+            <a:br>
+              <a:rPr lang="en-US" sz="2700" dirty="0"/>
+            </a:br>
+            <a:r>
+              <a:rPr lang="en-US" sz="2700" dirty="0"/>
+              <a:t>Step3. Initial Data Inspection</a:t>
+            </a:r>
+            <a:br>
+              <a:rPr lang="en-US" sz="2700" dirty="0"/>
+            </a:br>
+            <a:r>
+              <a:rPr lang="en-US" sz="2700" dirty="0"/>
+              <a:t>Step4. Nominal Encoding</a:t>
+            </a:r>
+            <a:br>
+              <a:rPr lang="en-US" sz="2700" dirty="0"/>
+            </a:br>
+            <a:r>
+              <a:rPr lang="en-US" sz="2700" dirty="0"/>
+              <a:t>Step5. Binary Encoding</a:t>
+            </a:r>
+            <a:br>
+              <a:rPr lang="en-US" sz="2700" dirty="0"/>
+            </a:br>
+            <a:r>
+              <a:rPr lang="en-US" sz="2700" dirty="0"/>
+              <a:t>Step6. Data Visualization</a:t>
+            </a:r>
+            <a:br>
+              <a:rPr lang="en-US" sz="2700" dirty="0"/>
+            </a:br>
+            <a:r>
+              <a:rPr lang="en-US" sz="2700" dirty="0"/>
+              <a:t>Step7. Impute Missing</a:t>
+            </a:r>
+            <a:br>
+              <a:rPr lang="en-US" sz="2700" dirty="0"/>
+            </a:br>
+            <a:r>
+              <a:rPr lang="en-US" sz="2700" dirty="0"/>
+              <a:t>Step8. Numerical Scaling</a:t>
+            </a:r>
+            <a:br>
+              <a:rPr lang="en-US" sz="2700" dirty="0"/>
+            </a:br>
+            <a:r>
+              <a:rPr lang="en-US" sz="2700" dirty="0"/>
+              <a:t>Step9. Handle Class Imbalance</a:t>
+            </a:r>
+            <a:br>
+              <a:rPr lang="en-US" sz="2700" dirty="0"/>
+            </a:br>
+            <a:r>
+              <a:rPr lang="en-US" sz="2700" dirty="0"/>
+              <a:t>Step10. Model Training</a:t>
+            </a:r>
+            <a:br>
+              <a:rPr lang="en-US" sz="2700" dirty="0"/>
+            </a:br>
+            <a:r>
+              <a:rPr lang="en-US" sz="2700" dirty="0"/>
+              <a:t>Step11. Model Evaluation</a:t>
+            </a:r>
+            <a:br>
+              <a:rPr lang="en-US" sz="2700" dirty="0"/>
+            </a:br>
+            <a:endParaRPr lang="en-US" sz="2700" dirty="0"/>
+          </a:p>
+        </p:txBody>
+      </p:sp>
+    </p:spTree>
+    <p:extLst>
+      <p:ext uri="{BB962C8B-B14F-4D97-AF65-F5344CB8AC3E}">
+        <p14:creationId xmlns:p14="http://schemas.microsoft.com/office/powerpoint/2010/main" val="3706627892"/>
+      </p:ext>
+    </p:extLst>
+  </p:cSld>
+  <p:clrMapOvr>
+    <a:masterClrMapping/>
+  </p:clrMapOvr>
+</p:sld>
+</file>
+
+<file path=ppt/slides/slide41.xml><?xml version="1.0" encoding="utf-8"?>
+<p:sld xmlns:a="http://schemas.openxmlformats.org/drawingml/2006/main" xmlns:r="http://schemas.openxmlformats.org/officeDocument/2006/relationships" xmlns:p="http://schemas.openxmlformats.org/presentationml/2006/main">
+  <p:cSld>
+    <p:spTree>
+      <p:nvGrpSpPr>
+        <p:cNvPr id="1" name=""/>
+        <p:cNvGrpSpPr/>
+        <p:nvPr/>
+      </p:nvGrpSpPr>
+      <p:grpSpPr>
+        <a:xfrm>
+          <a:off x="0" y="0"/>
+          <a:ext cx="0" cy="0"/>
+          <a:chOff x="0" y="0"/>
+          <a:chExt cx="0" cy="0"/>
+        </a:xfrm>
+      </p:grpSpPr>
+      <p:sp>
+        <p:nvSpPr>
+          <p:cNvPr id="2" name="Title 1">
+            <a:extLst>
+              <a:ext uri="{FF2B5EF4-FFF2-40B4-BE49-F238E27FC236}">
+                <a16:creationId xmlns:a16="http://schemas.microsoft.com/office/drawing/2014/main" id="{4CFC387B-EB9F-8995-99EB-92D0918F35E7}"/>
+              </a:ext>
+            </a:extLst>
+          </p:cNvPr>
+          <p:cNvSpPr>
+            <a:spLocks noGrp="1"/>
+          </p:cNvSpPr>
+          <p:nvPr>
+            <p:ph type="title"/>
+          </p:nvPr>
+        </p:nvSpPr>
+        <p:spPr>
+          <a:xfrm>
+            <a:off x="1484311" y="685800"/>
+            <a:ext cx="10018713" cy="5889171"/>
+          </a:xfrm>
+        </p:spPr>
+        <p:txBody>
+          <a:bodyPr>
+            <a:normAutofit fontScale="90000"/>
+          </a:bodyPr>
+          <a:lstStyle/>
+          <a:p>
+            <a:r>
+              <a:rPr lang="en-US" sz="4800" dirty="0">
+                <a:solidFill>
+                  <a:srgbClr val="C00000"/>
+                </a:solidFill>
+              </a:rPr>
+              <a:t>Step 1: Split Input Features and Target:-</a:t>
+            </a:r>
+            <a:br>
+              <a:rPr lang="en-US" sz="4800" dirty="0"/>
+            </a:br>
+            <a:r>
+              <a:rPr lang="en-US" dirty="0"/>
+              <a:t> -Extract input X by dropping the </a:t>
+            </a:r>
+            <a:r>
+              <a:rPr lang="en-US" dirty="0" err="1"/>
+              <a:t>Late_delivery_risk</a:t>
+            </a:r>
+            <a:r>
+              <a:rPr lang="en-US" dirty="0"/>
+              <a:t> column.</a:t>
+            </a:r>
+            <a:br>
+              <a:rPr lang="en-US" dirty="0"/>
+            </a:br>
+            <a:r>
+              <a:rPr lang="en-US" dirty="0"/>
+              <a:t> -Set target variable y = </a:t>
+            </a:r>
+            <a:r>
+              <a:rPr lang="en-US" dirty="0" err="1"/>
+              <a:t>df</a:t>
+            </a:r>
+            <a:r>
+              <a:rPr lang="en-US" dirty="0"/>
+              <a:t>['</a:t>
+            </a:r>
+            <a:r>
+              <a:rPr lang="en-US" dirty="0" err="1"/>
+              <a:t>Late_delivery_risk</a:t>
+            </a:r>
+            <a:r>
+              <a:rPr lang="en-US" dirty="0"/>
+              <a:t>’]. </a:t>
+            </a:r>
+            <a:br>
+              <a:rPr lang="en-US" sz="4400" dirty="0"/>
+            </a:br>
+            <a:br>
+              <a:rPr lang="en-US" sz="4800" dirty="0"/>
+            </a:br>
+            <a:r>
+              <a:rPr lang="en-US" sz="4800" dirty="0">
+                <a:solidFill>
+                  <a:srgbClr val="C00000"/>
+                </a:solidFill>
+              </a:rPr>
+              <a:t>Step 2: Train/Test Split</a:t>
+            </a:r>
+            <a:br>
+              <a:rPr lang="en-US" sz="4800" dirty="0"/>
+            </a:br>
+            <a:r>
+              <a:rPr lang="en-US" dirty="0"/>
+              <a:t> -Use </a:t>
+            </a:r>
+            <a:r>
+              <a:rPr lang="en-US" dirty="0" err="1"/>
+              <a:t>train_test_split</a:t>
+            </a:r>
+            <a:r>
+              <a:rPr lang="en-US" dirty="0"/>
+              <a:t>() with </a:t>
+            </a:r>
+            <a:r>
+              <a:rPr lang="en-US" dirty="0" err="1"/>
+              <a:t>test_size</a:t>
+            </a:r>
+            <a:r>
+              <a:rPr lang="en-US" dirty="0"/>
+              <a:t>=0.3 and </a:t>
+            </a:r>
+            <a:r>
+              <a:rPr lang="en-US" dirty="0" err="1"/>
+              <a:t>random_state</a:t>
+            </a:r>
+            <a:r>
+              <a:rPr lang="en-US" dirty="0"/>
+              <a:t>=42 to split data.</a:t>
+            </a:r>
+          </a:p>
+        </p:txBody>
+      </p:sp>
+    </p:spTree>
+    <p:extLst>
+      <p:ext uri="{BB962C8B-B14F-4D97-AF65-F5344CB8AC3E}">
+        <p14:creationId xmlns:p14="http://schemas.microsoft.com/office/powerpoint/2010/main" val="3749675722"/>
+      </p:ext>
+    </p:extLst>
+  </p:cSld>
+  <p:clrMapOvr>
+    <a:masterClrMapping/>
+  </p:clrMapOvr>
+</p:sld>
+</file>
+
+<file path=ppt/slides/slide42.xml><?xml version="1.0" encoding="utf-8"?>
+<p:sld xmlns:a="http://schemas.openxmlformats.org/drawingml/2006/main" xmlns:r="http://schemas.openxmlformats.org/officeDocument/2006/relationships" xmlns:p="http://schemas.openxmlformats.org/presentationml/2006/main">
+  <p:cSld>
+    <p:spTree>
+      <p:nvGrpSpPr>
+        <p:cNvPr id="1" name=""/>
+        <p:cNvGrpSpPr/>
+        <p:nvPr/>
+      </p:nvGrpSpPr>
+      <p:grpSpPr>
+        <a:xfrm>
+          <a:off x="0" y="0"/>
+          <a:ext cx="0" cy="0"/>
+          <a:chOff x="0" y="0"/>
+          <a:chExt cx="0" cy="0"/>
+        </a:xfrm>
+      </p:grpSpPr>
+      <p:sp>
+        <p:nvSpPr>
+          <p:cNvPr id="2" name="Title 1">
+            <a:extLst>
+              <a:ext uri="{FF2B5EF4-FFF2-40B4-BE49-F238E27FC236}">
+                <a16:creationId xmlns:a16="http://schemas.microsoft.com/office/drawing/2014/main" id="{D3F11794-6619-B409-28B8-99D21BCE465F}"/>
+              </a:ext>
+            </a:extLst>
+          </p:cNvPr>
+          <p:cNvSpPr>
+            <a:spLocks noGrp="1"/>
+          </p:cNvSpPr>
+          <p:nvPr>
+            <p:ph type="title"/>
+          </p:nvPr>
+        </p:nvSpPr>
+        <p:spPr>
+          <a:xfrm>
+            <a:off x="1484311" y="364671"/>
+            <a:ext cx="10018713" cy="5910943"/>
+          </a:xfrm>
+        </p:spPr>
+        <p:txBody>
+          <a:bodyPr/>
+          <a:lstStyle/>
+          <a:p>
+            <a:r>
+              <a:rPr lang="en-US" dirty="0">
+                <a:solidFill>
+                  <a:srgbClr val="C00000"/>
+                </a:solidFill>
+              </a:rPr>
+              <a:t>Step 3: Initial Data Inspection</a:t>
+            </a:r>
+            <a:br>
+              <a:rPr lang="en-US" dirty="0"/>
+            </a:br>
+            <a:r>
+              <a:rPr lang="en-US" sz="2800" dirty="0"/>
+              <a:t>Printed shape of </a:t>
+            </a:r>
+            <a:r>
+              <a:rPr lang="en-US" sz="2800" dirty="0" err="1"/>
+              <a:t>x_train</a:t>
+            </a:r>
+            <a:r>
+              <a:rPr lang="en-US" sz="2800" dirty="0"/>
+              <a:t> and </a:t>
+            </a:r>
+            <a:r>
+              <a:rPr lang="en-US" sz="2800" dirty="0" err="1"/>
+              <a:t>y_train</a:t>
+            </a:r>
+            <a:br>
+              <a:rPr lang="en-US" sz="2800" dirty="0"/>
+            </a:br>
+            <a:r>
+              <a:rPr lang="en-US" sz="2800" dirty="0"/>
+              <a:t>Displayed first 10 rows of x_train4. </a:t>
+            </a:r>
+            <a:br>
+              <a:rPr lang="en-US" dirty="0"/>
+            </a:br>
+            <a:r>
+              <a:rPr lang="en-US" dirty="0">
+                <a:solidFill>
+                  <a:srgbClr val="C00000"/>
+                </a:solidFill>
+              </a:rPr>
+              <a:t>Step 4:Nominal Encoding</a:t>
+            </a:r>
+            <a:br>
+              <a:rPr lang="en-US" dirty="0"/>
+            </a:br>
+            <a:r>
+              <a:rPr lang="en-US" sz="2800" dirty="0"/>
+              <a:t>Applied One-Hot Encoding on 'Order Status' column using </a:t>
+            </a:r>
+            <a:r>
+              <a:rPr lang="en-US" sz="2800" dirty="0" err="1"/>
+              <a:t>OneHotEncoder</a:t>
+            </a:r>
+            <a:r>
+              <a:rPr lang="en-US" sz="2800" dirty="0"/>
+              <a:t>.</a:t>
+            </a:r>
+            <a:br>
+              <a:rPr lang="en-US" dirty="0"/>
+            </a:br>
+            <a:r>
+              <a:rPr lang="en-US" dirty="0">
+                <a:solidFill>
+                  <a:srgbClr val="C00000"/>
+                </a:solidFill>
+              </a:rPr>
+              <a:t>Step 5:</a:t>
+            </a:r>
+            <a:r>
+              <a:rPr lang="en-US" dirty="0"/>
+              <a:t> </a:t>
+            </a:r>
+            <a:r>
+              <a:rPr lang="en-US" dirty="0">
+                <a:solidFill>
+                  <a:srgbClr val="C00000"/>
+                </a:solidFill>
+              </a:rPr>
+              <a:t>Binary Encoding</a:t>
+            </a:r>
+            <a:br>
+              <a:rPr lang="en-US" dirty="0">
+                <a:solidFill>
+                  <a:srgbClr val="C00000"/>
+                </a:solidFill>
+              </a:rPr>
+            </a:br>
+            <a:r>
+              <a:rPr lang="en-US" sz="2800" dirty="0"/>
+              <a:t>Applied Binary Encoding on 'Customer State' column using </a:t>
+            </a:r>
+            <a:r>
+              <a:rPr lang="en-US" sz="2800" dirty="0" err="1"/>
+              <a:t>BinaryEncoder</a:t>
+            </a:r>
+            <a:r>
+              <a:rPr lang="en-US" sz="2800" dirty="0"/>
+              <a:t>.</a:t>
+            </a:r>
+          </a:p>
+        </p:txBody>
+      </p:sp>
+    </p:spTree>
+    <p:extLst>
+      <p:ext uri="{BB962C8B-B14F-4D97-AF65-F5344CB8AC3E}">
+        <p14:creationId xmlns:p14="http://schemas.microsoft.com/office/powerpoint/2010/main" val="4173935921"/>
+      </p:ext>
+    </p:extLst>
+  </p:cSld>
+  <p:clrMapOvr>
+    <a:masterClrMapping/>
+  </p:clrMapOvr>
+</p:sld>
+</file>
+
+<file path=ppt/slides/slide43.xml><?xml version="1.0" encoding="utf-8"?>
+<p:sld xmlns:a="http://schemas.openxmlformats.org/drawingml/2006/main" xmlns:r="http://schemas.openxmlformats.org/officeDocument/2006/relationships" xmlns:p="http://schemas.openxmlformats.org/presentationml/2006/main">
+  <p:cSld>
+    <p:bg>
+      <p:bgPr>
+        <a:blipFill rotWithShape="1">
+          <a:blip r:embed="rId2">
+            <a:duotone>
+              <a:schemeClr val="bg2">
+                <a:shade val="76000"/>
+                <a:satMod val="180000"/>
+              </a:schemeClr>
+              <a:schemeClr val="bg2">
+                <a:tint val="80000"/>
+                <a:satMod val="120000"/>
+                <a:lumMod val="180000"/>
+              </a:schemeClr>
+            </a:duotone>
+          </a:blip>
+          <a:stretch/>
+        </a:blipFill>
+        <a:effectLst/>
+      </p:bgPr>
+    </p:bg>
+    <p:spTree>
+      <p:nvGrpSpPr>
+        <p:cNvPr id="1" name=""/>
+        <p:cNvGrpSpPr/>
+        <p:nvPr/>
+      </p:nvGrpSpPr>
+      <p:grpSpPr>
+        <a:xfrm>
+          <a:off x="0" y="0"/>
+          <a:ext cx="0" cy="0"/>
+          <a:chOff x="0" y="0"/>
+          <a:chExt cx="0" cy="0"/>
+        </a:xfrm>
+      </p:grpSpPr>
+      <p:grpSp>
+        <p:nvGrpSpPr>
+          <p:cNvPr id="11" name="Group 10">
+            <a:extLst>
+              <a:ext uri="{FF2B5EF4-FFF2-40B4-BE49-F238E27FC236}">
+                <a16:creationId xmlns:a16="http://schemas.microsoft.com/office/drawing/2014/main" id="{C616B3DC-C165-433D-9187-62DCC0E317D3}"/>
+              </a:ext>
+              <a:ext uri="{C183D7F6-B498-43B3-948B-1728B52AA6E4}">
+                <adec:decorative xmlns:adec="http://schemas.microsoft.com/office/drawing/2017/decorative" val="1"/>
+              </a:ext>
+            </a:extLst>
+          </p:cNvPr>
+          <p:cNvGrpSpPr>
+            <a:grpSpLocks noGrp="1" noUngrp="1" noRot="1" noChangeAspect="1" noMove="1" noResize="1"/>
+          </p:cNvGrpSpPr>
+          <p:nvPr>
+            <p:extLst>
+              <p:ext uri="{386F3935-93C4-4BCD-93E2-E3B085C9AB24}">
+                <p16:designElem xmlns:p16="http://schemas.microsoft.com/office/powerpoint/2015/main" val="1"/>
+              </p:ext>
+            </p:extLst>
+          </p:nvPr>
+        </p:nvGrpSpPr>
+        <p:grpSpPr>
+          <a:xfrm>
+            <a:off x="546100" y="-4763"/>
+            <a:ext cx="5014912" cy="6862763"/>
+            <a:chOff x="2928938" y="-4763"/>
+            <a:chExt cx="5014912" cy="6862763"/>
+          </a:xfrm>
+        </p:grpSpPr>
+        <p:sp>
+          <p:nvSpPr>
+            <p:cNvPr id="12" name="Freeform 6">
+              <a:extLst>
+                <a:ext uri="{FF2B5EF4-FFF2-40B4-BE49-F238E27FC236}">
+                  <a16:creationId xmlns:a16="http://schemas.microsoft.com/office/drawing/2014/main" id="{97E1BF84-9824-4B0E-98DF-F0F7181DD062}"/>
+                </a:ext>
+                <a:ext uri="{C183D7F6-B498-43B3-948B-1728B52AA6E4}">
+                  <adec:decorative xmlns:adec="http://schemas.microsoft.com/office/drawing/2017/decorative" val="1"/>
+                </a:ext>
+              </a:extLst>
+            </p:cNvPr>
+            <p:cNvSpPr/>
+            <p:nvPr>
+              <p:extLst>
+                <p:ext uri="{386F3935-93C4-4BCD-93E2-E3B085C9AB24}">
+                  <p16:designElem xmlns:p16="http://schemas.microsoft.com/office/powerpoint/2015/main" val="1"/>
+                </p:ext>
+              </p:extLst>
+            </p:nvPr>
+          </p:nvSpPr>
+          <p:spPr bwMode="auto">
+            <a:xfrm>
+              <a:off x="3367088" y="-4763"/>
+              <a:ext cx="1063625" cy="2782888"/>
+            </a:xfrm>
+            <a:custGeom>
+              <a:avLst/>
+              <a:gdLst/>
+              <a:ahLst/>
+              <a:cxnLst/>
+              <a:rect l="0" t="0" r="r" b="b"/>
+              <a:pathLst>
+                <a:path w="670" h="1753">
+                  <a:moveTo>
+                    <a:pt x="0" y="1696"/>
+                  </a:moveTo>
+                  <a:lnTo>
+                    <a:pt x="225" y="1753"/>
+                  </a:lnTo>
+                  <a:lnTo>
+                    <a:pt x="670" y="0"/>
+                  </a:lnTo>
+                  <a:lnTo>
+                    <a:pt x="430" y="0"/>
+                  </a:lnTo>
+                  <a:lnTo>
+                    <a:pt x="0" y="1696"/>
+                  </a:lnTo>
+                  <a:close/>
+                </a:path>
+              </a:pathLst>
+            </a:custGeom>
+            <a:solidFill>
+              <a:schemeClr val="accent1"/>
+            </a:solidFill>
+            <a:ln>
+              <a:noFill/>
+            </a:ln>
+          </p:spPr>
+          <p:txBody>
+            <a:bodyPr/>
+            <a:lstStyle/>
+            <a:p>
+              <a:endParaRPr lang="en-US"/>
+            </a:p>
+          </p:txBody>
+        </p:sp>
+        <p:sp>
+          <p:nvSpPr>
+            <p:cNvPr id="13" name="Freeform 7">
+              <a:extLst>
+                <a:ext uri="{FF2B5EF4-FFF2-40B4-BE49-F238E27FC236}">
+                  <a16:creationId xmlns:a16="http://schemas.microsoft.com/office/drawing/2014/main" id="{A85FA340-7392-4303-9707-A12F45A46F96}"/>
+                </a:ext>
+                <a:ext uri="{C183D7F6-B498-43B3-948B-1728B52AA6E4}">
+                  <adec:decorative xmlns:adec="http://schemas.microsoft.com/office/drawing/2017/decorative" val="1"/>
+                </a:ext>
+              </a:extLst>
+            </p:cNvPr>
+            <p:cNvSpPr/>
+            <p:nvPr>
+              <p:extLst>
+                <p:ext uri="{386F3935-93C4-4BCD-93E2-E3B085C9AB24}">
+                  <p16:designElem xmlns:p16="http://schemas.microsoft.com/office/powerpoint/2015/main" val="1"/>
+                </p:ext>
+              </p:extLst>
+            </p:nvPr>
+          </p:nvSpPr>
+          <p:spPr bwMode="auto">
+            <a:xfrm>
+              <a:off x="2928938" y="-4763"/>
+              <a:ext cx="1035050" cy="2673350"/>
+            </a:xfrm>
+            <a:custGeom>
+              <a:avLst/>
+              <a:gdLst/>
+              <a:ahLst/>
+              <a:cxnLst/>
+              <a:rect l="0" t="0" r="r" b="b"/>
+              <a:pathLst>
+                <a:path w="652" h="1684">
+                  <a:moveTo>
+                    <a:pt x="225" y="1684"/>
+                  </a:moveTo>
+                  <a:lnTo>
+                    <a:pt x="652" y="0"/>
+                  </a:lnTo>
+                  <a:lnTo>
+                    <a:pt x="411" y="0"/>
+                  </a:lnTo>
+                  <a:lnTo>
+                    <a:pt x="0" y="1627"/>
+                  </a:lnTo>
+                  <a:lnTo>
+                    <a:pt x="219" y="1681"/>
+                  </a:lnTo>
+                  <a:lnTo>
+                    <a:pt x="225" y="1684"/>
+                  </a:lnTo>
+                  <a:close/>
+                </a:path>
+              </a:pathLst>
+            </a:custGeom>
+            <a:solidFill>
+              <a:schemeClr val="tx1">
+                <a:lumMod val="65000"/>
+                <a:lumOff val="35000"/>
+              </a:schemeClr>
+            </a:solidFill>
+            <a:ln>
+              <a:noFill/>
+            </a:ln>
+          </p:spPr>
+          <p:txBody>
+            <a:bodyPr/>
+            <a:lstStyle/>
+            <a:p>
+              <a:endParaRPr lang="en-US"/>
+            </a:p>
+          </p:txBody>
+        </p:sp>
+        <p:sp>
+          <p:nvSpPr>
+            <p:cNvPr id="14" name="Freeform 9">
+              <a:extLst>
+                <a:ext uri="{FF2B5EF4-FFF2-40B4-BE49-F238E27FC236}">
+                  <a16:creationId xmlns:a16="http://schemas.microsoft.com/office/drawing/2014/main" id="{758A9051-2BD9-4868-8B84-344752FA2F60}"/>
+                </a:ext>
+                <a:ext uri="{C183D7F6-B498-43B3-948B-1728B52AA6E4}">
+                  <adec:decorative xmlns:adec="http://schemas.microsoft.com/office/drawing/2017/decorative" val="1"/>
+                </a:ext>
+              </a:extLst>
+            </p:cNvPr>
+            <p:cNvSpPr/>
+            <p:nvPr>
+              <p:extLst>
+                <p:ext uri="{386F3935-93C4-4BCD-93E2-E3B085C9AB24}">
+                  <p16:designElem xmlns:p16="http://schemas.microsoft.com/office/powerpoint/2015/main" val="1"/>
+                </p:ext>
+              </p:extLst>
+            </p:nvPr>
+          </p:nvSpPr>
+          <p:spPr bwMode="auto">
+            <a:xfrm>
+              <a:off x="2928938" y="2582862"/>
+              <a:ext cx="2693987" cy="4275138"/>
+            </a:xfrm>
+            <a:custGeom>
+              <a:avLst/>
+              <a:gdLst/>
+              <a:ahLst/>
+              <a:cxnLst/>
+              <a:rect l="0" t="0" r="r" b="b"/>
+              <a:pathLst>
+                <a:path w="1697" h="2693">
+                  <a:moveTo>
+                    <a:pt x="0" y="0"/>
+                  </a:moveTo>
+                  <a:lnTo>
+                    <a:pt x="1622" y="2693"/>
+                  </a:lnTo>
+                  <a:lnTo>
+                    <a:pt x="1697" y="2693"/>
+                  </a:lnTo>
+                  <a:lnTo>
+                    <a:pt x="0" y="0"/>
+                  </a:lnTo>
+                  <a:close/>
+                </a:path>
+              </a:pathLst>
+            </a:custGeom>
+            <a:solidFill>
+              <a:schemeClr val="tx1">
+                <a:lumMod val="85000"/>
+                <a:lumOff val="15000"/>
+              </a:schemeClr>
+            </a:solidFill>
+            <a:ln>
+              <a:noFill/>
+            </a:ln>
+          </p:spPr>
+          <p:txBody>
+            <a:bodyPr/>
+            <a:lstStyle/>
+            <a:p>
+              <a:endParaRPr lang="en-US"/>
+            </a:p>
+          </p:txBody>
+        </p:sp>
+        <p:sp>
+          <p:nvSpPr>
+            <p:cNvPr id="15" name="Freeform 10">
+              <a:extLst>
+                <a:ext uri="{FF2B5EF4-FFF2-40B4-BE49-F238E27FC236}">
+                  <a16:creationId xmlns:a16="http://schemas.microsoft.com/office/drawing/2014/main" id="{58264C49-3539-4CBD-8F11-1106C8B8781F}"/>
+                </a:ext>
+                <a:ext uri="{C183D7F6-B498-43B3-948B-1728B52AA6E4}">
+                  <adec:decorative xmlns:adec="http://schemas.microsoft.com/office/drawing/2017/decorative" val="1"/>
+                </a:ext>
+              </a:extLst>
+            </p:cNvPr>
+            <p:cNvSpPr/>
+            <p:nvPr>
+              <p:extLst>
+                <p:ext uri="{386F3935-93C4-4BCD-93E2-E3B085C9AB24}">
+                  <p16:designElem xmlns:p16="http://schemas.microsoft.com/office/powerpoint/2015/main" val="1"/>
+                </p:ext>
+              </p:extLst>
+            </p:nvPr>
+          </p:nvSpPr>
+          <p:spPr bwMode="auto">
+            <a:xfrm>
+              <a:off x="3371850" y="2692400"/>
+              <a:ext cx="3332162" cy="4165600"/>
+            </a:xfrm>
+            <a:custGeom>
+              <a:avLst/>
+              <a:gdLst/>
+              <a:ahLst/>
+              <a:cxnLst/>
+              <a:rect l="0" t="0" r="r" b="b"/>
+              <a:pathLst>
+                <a:path w="2099" h="2624">
+                  <a:moveTo>
+                    <a:pt x="2099" y="2624"/>
+                  </a:moveTo>
+                  <a:lnTo>
+                    <a:pt x="0" y="0"/>
+                  </a:lnTo>
+                  <a:lnTo>
+                    <a:pt x="2021" y="2624"/>
+                  </a:lnTo>
+                  <a:lnTo>
+                    <a:pt x="2099" y="2624"/>
+                  </a:lnTo>
+                  <a:close/>
+                </a:path>
+              </a:pathLst>
+            </a:custGeom>
+            <a:solidFill>
+              <a:schemeClr val="accent1">
+                <a:lumMod val="50000"/>
+              </a:schemeClr>
+            </a:solidFill>
+            <a:ln>
+              <a:noFill/>
+            </a:ln>
+          </p:spPr>
+          <p:txBody>
+            <a:bodyPr/>
+            <a:lstStyle/>
+            <a:p>
+              <a:endParaRPr lang="en-US"/>
+            </a:p>
+          </p:txBody>
+        </p:sp>
+        <p:sp>
+          <p:nvSpPr>
+            <p:cNvPr id="16" name="Freeform 11">
+              <a:extLst>
+                <a:ext uri="{FF2B5EF4-FFF2-40B4-BE49-F238E27FC236}">
+                  <a16:creationId xmlns:a16="http://schemas.microsoft.com/office/drawing/2014/main" id="{DE862133-5C7E-4B32-9786-0B33BC51A75B}"/>
+                </a:ext>
+                <a:ext uri="{C183D7F6-B498-43B3-948B-1728B52AA6E4}">
+                  <adec:decorative xmlns:adec="http://schemas.microsoft.com/office/drawing/2017/decorative" val="1"/>
+                </a:ext>
+              </a:extLst>
+            </p:cNvPr>
+            <p:cNvSpPr/>
+            <p:nvPr>
+              <p:extLst>
+                <p:ext uri="{386F3935-93C4-4BCD-93E2-E3B085C9AB24}">
+                  <p16:designElem xmlns:p16="http://schemas.microsoft.com/office/powerpoint/2015/main" val="1"/>
+                </p:ext>
+              </p:extLst>
+            </p:nvPr>
+          </p:nvSpPr>
+          <p:spPr bwMode="auto">
+            <a:xfrm>
+              <a:off x="3367088" y="2687637"/>
+              <a:ext cx="4576762" cy="4170363"/>
+            </a:xfrm>
+            <a:custGeom>
+              <a:avLst/>
+              <a:gdLst/>
+              <a:ahLst/>
+              <a:cxnLst/>
+              <a:rect l="0" t="0" r="r" b="b"/>
+              <a:pathLst>
+                <a:path w="2883" h="2627">
+                  <a:moveTo>
+                    <a:pt x="0" y="0"/>
+                  </a:moveTo>
+                  <a:lnTo>
+                    <a:pt x="3" y="3"/>
+                  </a:lnTo>
+                  <a:lnTo>
+                    <a:pt x="2102" y="2627"/>
+                  </a:lnTo>
+                  <a:lnTo>
+                    <a:pt x="2883" y="2627"/>
+                  </a:lnTo>
+                  <a:lnTo>
+                    <a:pt x="225" y="57"/>
+                  </a:lnTo>
+                  <a:lnTo>
+                    <a:pt x="0" y="0"/>
+                  </a:lnTo>
+                  <a:close/>
+                </a:path>
+              </a:pathLst>
+            </a:custGeom>
+            <a:solidFill>
+              <a:schemeClr val="accent1">
+                <a:lumMod val="75000"/>
+              </a:schemeClr>
+            </a:solidFill>
+            <a:ln>
+              <a:noFill/>
+            </a:ln>
+          </p:spPr>
+          <p:txBody>
+            <a:bodyPr/>
+            <a:lstStyle/>
+            <a:p>
+              <a:endParaRPr lang="en-US"/>
+            </a:p>
+          </p:txBody>
+        </p:sp>
+        <p:sp>
+          <p:nvSpPr>
+            <p:cNvPr id="17" name="Freeform 12">
+              <a:extLst>
+                <a:ext uri="{FF2B5EF4-FFF2-40B4-BE49-F238E27FC236}">
+                  <a16:creationId xmlns:a16="http://schemas.microsoft.com/office/drawing/2014/main" id="{90925F6C-DF03-4707-9176-6049F049B5AA}"/>
+                </a:ext>
+                <a:ext uri="{C183D7F6-B498-43B3-948B-1728B52AA6E4}">
+                  <adec:decorative xmlns:adec="http://schemas.microsoft.com/office/drawing/2017/decorative" val="1"/>
+                </a:ext>
+              </a:extLst>
+            </p:cNvPr>
+            <p:cNvSpPr/>
+            <p:nvPr>
+              <p:extLst>
+                <p:ext uri="{386F3935-93C4-4BCD-93E2-E3B085C9AB24}">
+                  <p16:designElem xmlns:p16="http://schemas.microsoft.com/office/powerpoint/2015/main" val="1"/>
+                </p:ext>
+              </p:extLst>
+            </p:nvPr>
+          </p:nvSpPr>
+          <p:spPr bwMode="auto">
+            <a:xfrm>
+              <a:off x="2928938" y="2578100"/>
+              <a:ext cx="3584575" cy="4279900"/>
+            </a:xfrm>
+            <a:custGeom>
+              <a:avLst/>
+              <a:gdLst/>
+              <a:ahLst/>
+              <a:cxnLst/>
+              <a:rect l="0" t="0" r="r" b="b"/>
+              <a:pathLst>
+                <a:path w="2258" h="2696">
+                  <a:moveTo>
+                    <a:pt x="2258" y="2696"/>
+                  </a:moveTo>
+                  <a:lnTo>
+                    <a:pt x="264" y="111"/>
+                  </a:lnTo>
+                  <a:lnTo>
+                    <a:pt x="228" y="60"/>
+                  </a:lnTo>
+                  <a:lnTo>
+                    <a:pt x="225" y="57"/>
+                  </a:lnTo>
+                  <a:lnTo>
+                    <a:pt x="0" y="0"/>
+                  </a:lnTo>
+                  <a:lnTo>
+                    <a:pt x="0" y="3"/>
+                  </a:lnTo>
+                  <a:lnTo>
+                    <a:pt x="1697" y="2696"/>
+                  </a:lnTo>
+                  <a:lnTo>
+                    <a:pt x="2258" y="2696"/>
+                  </a:lnTo>
+                  <a:close/>
+                </a:path>
+              </a:pathLst>
+            </a:custGeom>
+            <a:solidFill>
+              <a:schemeClr val="tx1">
+                <a:lumMod val="75000"/>
+                <a:lumOff val="25000"/>
+              </a:schemeClr>
+            </a:solidFill>
+            <a:ln>
+              <a:noFill/>
+            </a:ln>
+          </p:spPr>
+          <p:txBody>
+            <a:bodyPr/>
+            <a:lstStyle/>
+            <a:p>
+              <a:endParaRPr lang="en-US"/>
+            </a:p>
+          </p:txBody>
+        </p:sp>
+      </p:grpSp>
+      <p:sp>
+        <p:nvSpPr>
+          <p:cNvPr id="2" name="Title 1">
+            <a:extLst>
+              <a:ext uri="{FF2B5EF4-FFF2-40B4-BE49-F238E27FC236}">
+                <a16:creationId xmlns:a16="http://schemas.microsoft.com/office/drawing/2014/main" id="{CE90C291-4E6C-7C28-8D50-042B6BCEC7EC}"/>
+              </a:ext>
+            </a:extLst>
+          </p:cNvPr>
+          <p:cNvSpPr>
+            <a:spLocks noGrp="1"/>
+          </p:cNvSpPr>
+          <p:nvPr>
+            <p:ph type="title"/>
+          </p:nvPr>
+        </p:nvSpPr>
+        <p:spPr>
+          <a:xfrm>
+            <a:off x="4089399" y="4562856"/>
+            <a:ext cx="7413623" cy="1059615"/>
+          </a:xfrm>
+        </p:spPr>
+        <p:txBody>
+          <a:bodyPr vert="horz" lIns="91440" tIns="45720" rIns="91440" bIns="45720" rtlCol="0" anchor="b">
+            <a:noAutofit/>
+          </a:bodyPr>
+          <a:lstStyle/>
+          <a:p>
+            <a:pPr algn="l">
+              <a:lnSpc>
+                <a:spcPct val="90000"/>
+              </a:lnSpc>
+            </a:pPr>
+            <a:r>
+              <a:rPr lang="en-US" sz="2800" dirty="0">
+                <a:solidFill>
+                  <a:srgbClr val="C00000"/>
+                </a:solidFill>
+              </a:rPr>
+              <a:t>Step 6: Data Visualization</a:t>
+            </a:r>
+            <a:br>
+              <a:rPr lang="en-US" sz="2400" dirty="0"/>
+            </a:br>
+            <a:r>
+              <a:rPr lang="en-US" sz="2400" dirty="0"/>
+              <a:t>Created a histogram for 'Order Profit Per Order</a:t>
+            </a:r>
+            <a:br>
+              <a:rPr lang="en-US" sz="2400" dirty="0"/>
+            </a:br>
+            <a:r>
+              <a:rPr lang="en-US" sz="2400" dirty="0"/>
+              <a:t>' column using </a:t>
+            </a:r>
+            <a:r>
+              <a:rPr lang="en-US" sz="2400" dirty="0" err="1"/>
+              <a:t>plotly.express</a:t>
+            </a:r>
+            <a:endParaRPr lang="en-US" sz="2400" dirty="0"/>
+          </a:p>
+        </p:txBody>
+      </p:sp>
+      <p:sp>
+        <p:nvSpPr>
+          <p:cNvPr id="19" name="Rounded Rectangle 6">
+            <a:extLst>
+              <a:ext uri="{FF2B5EF4-FFF2-40B4-BE49-F238E27FC236}">
+                <a16:creationId xmlns:a16="http://schemas.microsoft.com/office/drawing/2014/main" id="{EF263B76-D6AC-40A4-BA2E-CC8B89190ED9}"/>
+              </a:ext>
+              <a:ext uri="{C183D7F6-B498-43B3-948B-1728B52AA6E4}">
+                <adec:decorative xmlns:adec="http://schemas.microsoft.com/office/drawing/2017/decorative" val="1"/>
+              </a:ext>
+            </a:extLst>
+          </p:cNvPr>
+          <p:cNvSpPr>
+            <a:spLocks noGrp="1" noRot="1" noChangeAspect="1" noMove="1" noResize="1" noEditPoints="1" noAdjustHandles="1" noChangeArrowheads="1" noChangeShapeType="1" noTextEdit="1"/>
+          </p:cNvSpPr>
+          <p:nvPr>
+            <p:extLst>
+              <p:ext uri="{386F3935-93C4-4BCD-93E2-E3B085C9AB24}">
+                <p16:designElem xmlns:p16="http://schemas.microsoft.com/office/powerpoint/2015/main" val="1"/>
+              </p:ext>
+            </p:extLst>
+          </p:nvPr>
+        </p:nvSpPr>
+        <p:spPr>
+          <a:xfrm>
+            <a:off x="3718560" y="609600"/>
+            <a:ext cx="7833360" cy="3633216"/>
+          </a:xfrm>
+          <a:prstGeom prst="roundRect">
+            <a:avLst>
+              <a:gd name="adj" fmla="val 4834"/>
+            </a:avLst>
+          </a:prstGeom>
+          <a:solidFill>
+            <a:schemeClr val="bg1"/>
+          </a:solidFill>
+          <a:ln w="38100">
+            <a:gradFill flip="none" rotWithShape="1">
+              <a:gsLst>
+                <a:gs pos="0">
+                  <a:schemeClr val="bg2"/>
+                </a:gs>
+                <a:gs pos="100000">
+                  <a:schemeClr val="bg2">
+                    <a:lumMod val="75000"/>
+                  </a:schemeClr>
+                </a:gs>
+              </a:gsLst>
+              <a:lin ang="5400000" scaled="0"/>
+              <a:tileRect/>
+            </a:gradFill>
+          </a:ln>
+          <a:effectLst>
+            <a:innerShdw blurRad="57150" dist="38100" dir="14460000">
+              <a:srgbClr val="000000">
+                <a:alpha val="70000"/>
+              </a:srgbClr>
+            </a:innerShdw>
+          </a:effectLst>
+        </p:spPr>
+        <p:style>
+          <a:lnRef idx="2">
+            <a:schemeClr val="accent1">
+              <a:shade val="50000"/>
+            </a:schemeClr>
+          </a:lnRef>
+          <a:fillRef idx="1">
+            <a:schemeClr val="accent1"/>
+          </a:fillRef>
+          <a:effectRef idx="0">
+            <a:schemeClr val="accent1"/>
+          </a:effectRef>
+          <a:fontRef idx="minor">
+            <a:schemeClr val="lt1"/>
+          </a:fontRef>
+        </p:style>
+        <p:txBody>
+          <a:bodyPr rtlCol="0" anchor="ctr"/>
+          <a:lstStyle/>
+          <a:p>
+            <a:pPr algn="ctr"/>
+            <a:endParaRPr lang="en-US"/>
+          </a:p>
+        </p:txBody>
+      </p:sp>
+      <p:pic>
+        <p:nvPicPr>
+          <p:cNvPr id="6" name="Picture 5" descr="A close-up of a number&#10;&#10;AI-generated content may be incorrect.">
+            <a:extLst>
+              <a:ext uri="{FF2B5EF4-FFF2-40B4-BE49-F238E27FC236}">
+                <a16:creationId xmlns:a16="http://schemas.microsoft.com/office/drawing/2014/main" id="{07C3969E-1D7C-32F7-EC78-1AA21DC80058}"/>
+              </a:ext>
+            </a:extLst>
+          </p:cNvPr>
+          <p:cNvPicPr>
+            <a:picLocks noChangeAspect="1"/>
+          </p:cNvPicPr>
+          <p:nvPr/>
+        </p:nvPicPr>
+        <p:blipFill>
+          <a:blip r:embed="rId3">
+            <a:extLst>
+              <a:ext uri="{28A0092B-C50C-407E-A947-70E740481C1C}">
+                <a14:useLocalDpi xmlns:a14="http://schemas.microsoft.com/office/drawing/2010/main" val="0"/>
+              </a:ext>
+            </a:extLst>
+          </a:blip>
+          <a:stretch>
+            <a:fillRect/>
+          </a:stretch>
+        </p:blipFill>
+        <p:spPr>
+          <a:xfrm>
+            <a:off x="4045131" y="1139473"/>
+            <a:ext cx="7175863" cy="2619190"/>
+          </a:xfrm>
+          <a:prstGeom prst="rect">
+            <a:avLst/>
+          </a:prstGeom>
+        </p:spPr>
+      </p:pic>
+    </p:spTree>
+    <p:extLst>
+      <p:ext uri="{BB962C8B-B14F-4D97-AF65-F5344CB8AC3E}">
+        <p14:creationId xmlns:p14="http://schemas.microsoft.com/office/powerpoint/2010/main" val="1849406657"/>
+      </p:ext>
+    </p:extLst>
+  </p:cSld>
+  <p:clrMapOvr>
+    <a:masterClrMapping/>
+  </p:clrMapOvr>
+</p:sld>
+</file>
+
+<file path=ppt/slides/slide44.xml><?xml version="1.0" encoding="utf-8"?>
+<p:sld xmlns:a="http://schemas.openxmlformats.org/drawingml/2006/main" xmlns:r="http://schemas.openxmlformats.org/officeDocument/2006/relationships" xmlns:p="http://schemas.openxmlformats.org/presentationml/2006/main">
+  <p:cSld>
+    <p:spTree>
+      <p:nvGrpSpPr>
+        <p:cNvPr id="1" name=""/>
+        <p:cNvGrpSpPr/>
+        <p:nvPr/>
+      </p:nvGrpSpPr>
+      <p:grpSpPr>
+        <a:xfrm>
+          <a:off x="0" y="0"/>
+          <a:ext cx="0" cy="0"/>
+          <a:chOff x="0" y="0"/>
+          <a:chExt cx="0" cy="0"/>
+        </a:xfrm>
+      </p:grpSpPr>
+      <p:sp>
+        <p:nvSpPr>
+          <p:cNvPr id="2" name="Title 1">
+            <a:extLst>
+              <a:ext uri="{FF2B5EF4-FFF2-40B4-BE49-F238E27FC236}">
+                <a16:creationId xmlns:a16="http://schemas.microsoft.com/office/drawing/2014/main" id="{B1176031-7FCA-9FE4-67B6-D833FCDA05F3}"/>
+              </a:ext>
+            </a:extLst>
+          </p:cNvPr>
+          <p:cNvSpPr>
+            <a:spLocks noGrp="1"/>
+          </p:cNvSpPr>
+          <p:nvPr>
+            <p:ph type="title"/>
+          </p:nvPr>
+        </p:nvSpPr>
+        <p:spPr>
+          <a:xfrm>
+            <a:off x="1484311" y="685800"/>
+            <a:ext cx="10018713" cy="4463143"/>
+          </a:xfrm>
+        </p:spPr>
+        <p:txBody>
+          <a:bodyPr>
+            <a:noAutofit/>
+          </a:bodyPr>
+          <a:lstStyle/>
+          <a:p>
+            <a:r>
+              <a:rPr lang="en-US" dirty="0">
+                <a:solidFill>
+                  <a:srgbClr val="C00000"/>
+                </a:solidFill>
+              </a:rPr>
+              <a:t>Step 7: Impute Missing</a:t>
+            </a:r>
+            <a:br>
+              <a:rPr lang="en-US" sz="2800" dirty="0"/>
+            </a:br>
+            <a:r>
+              <a:rPr lang="en-US" sz="2800" dirty="0"/>
+              <a:t>Handled missing values in 'Order Item Total' using </a:t>
+            </a:r>
+            <a:r>
+              <a:rPr lang="en-US" sz="2800" dirty="0" err="1"/>
+              <a:t>SimpleImputer</a:t>
+            </a:r>
+            <a:r>
+              <a:rPr lang="en-US" sz="2800" dirty="0"/>
+              <a:t> (mean strategy)</a:t>
+            </a:r>
+            <a:br>
+              <a:rPr lang="en-US" dirty="0">
+                <a:solidFill>
+                  <a:srgbClr val="C00000"/>
+                </a:solidFill>
+              </a:rPr>
+            </a:br>
+            <a:r>
+              <a:rPr lang="en-US" dirty="0">
+                <a:solidFill>
+                  <a:srgbClr val="C00000"/>
+                </a:solidFill>
+              </a:rPr>
+              <a:t>step 8: Numerical Scaling</a:t>
+            </a:r>
+            <a:br>
+              <a:rPr lang="en-US" sz="2800" dirty="0"/>
+            </a:br>
+            <a:r>
+              <a:rPr lang="en-US" sz="2800" dirty="0"/>
+              <a:t>Applied </a:t>
+            </a:r>
+            <a:r>
+              <a:rPr lang="en-US" sz="2800" dirty="0" err="1"/>
+              <a:t>StandardScaler</a:t>
+            </a:r>
+            <a:r>
+              <a:rPr lang="en-US" sz="2800" dirty="0"/>
+              <a:t> to scale 'Order Item Total' values</a:t>
+            </a:r>
+            <a:br>
+              <a:rPr lang="en-US" sz="2800" dirty="0"/>
+            </a:br>
+            <a:r>
+              <a:rPr lang="en-US" dirty="0">
+                <a:solidFill>
+                  <a:srgbClr val="C00000"/>
+                </a:solidFill>
+              </a:rPr>
+              <a:t>step 9: Handle Class Imbalance</a:t>
+            </a:r>
+            <a:br>
+              <a:rPr lang="en-US" sz="2800" dirty="0"/>
+            </a:br>
+            <a:r>
+              <a:rPr lang="en-US" sz="2800" dirty="0"/>
+              <a:t>Used SMOTE (Synthetic Minority Over-sampling Technique) to balance training data</a:t>
+            </a:r>
+          </a:p>
+        </p:txBody>
+      </p:sp>
+    </p:spTree>
+    <p:extLst>
+      <p:ext uri="{BB962C8B-B14F-4D97-AF65-F5344CB8AC3E}">
+        <p14:creationId xmlns:p14="http://schemas.microsoft.com/office/powerpoint/2010/main" val="3449458758"/>
+      </p:ext>
+    </p:extLst>
+  </p:cSld>
+  <p:clrMapOvr>
+    <a:masterClrMapping/>
+  </p:clrMapOvr>
+</p:sld>
+</file>
+
+<file path=ppt/slides/slide45.xml><?xml version="1.0" encoding="utf-8"?>
+<p:sld xmlns:a="http://schemas.openxmlformats.org/drawingml/2006/main" xmlns:r="http://schemas.openxmlformats.org/officeDocument/2006/relationships" xmlns:p="http://schemas.openxmlformats.org/presentationml/2006/main">
+  <p:cSld>
+    <p:spTree>
+      <p:nvGrpSpPr>
+        <p:cNvPr id="1" name=""/>
+        <p:cNvGrpSpPr/>
+        <p:nvPr/>
+      </p:nvGrpSpPr>
+      <p:grpSpPr>
+        <a:xfrm>
+          <a:off x="0" y="0"/>
+          <a:ext cx="0" cy="0"/>
+          <a:chOff x="0" y="0"/>
+          <a:chExt cx="0" cy="0"/>
+        </a:xfrm>
+      </p:grpSpPr>
+      <p:sp>
+        <p:nvSpPr>
+          <p:cNvPr id="2" name="Title 1">
+            <a:extLst>
+              <a:ext uri="{FF2B5EF4-FFF2-40B4-BE49-F238E27FC236}">
+                <a16:creationId xmlns:a16="http://schemas.microsoft.com/office/drawing/2014/main" id="{4B9802A7-8066-EFEE-DA5C-831EC3D8140D}"/>
+              </a:ext>
+            </a:extLst>
+          </p:cNvPr>
+          <p:cNvSpPr>
+            <a:spLocks noGrp="1"/>
+          </p:cNvSpPr>
+          <p:nvPr>
+            <p:ph type="title"/>
+          </p:nvPr>
+        </p:nvSpPr>
+        <p:spPr>
+          <a:xfrm>
+            <a:off x="1353682" y="381000"/>
+            <a:ext cx="10018713" cy="4855027"/>
+          </a:xfrm>
+        </p:spPr>
+        <p:txBody>
+          <a:bodyPr>
+            <a:normAutofit/>
+          </a:bodyPr>
+          <a:lstStyle/>
+          <a:p>
+            <a:r>
+              <a:rPr lang="en-US" sz="4400" dirty="0">
+                <a:solidFill>
+                  <a:srgbClr val="C00000"/>
+                </a:solidFill>
+              </a:rPr>
+              <a:t>Step 10:Model Training</a:t>
+            </a:r>
+            <a:br>
+              <a:rPr lang="en-US" dirty="0"/>
+            </a:br>
+            <a:r>
+              <a:rPr lang="en-US" sz="3100" dirty="0"/>
+              <a:t>Trained a Logistic Regression model using the balanced </a:t>
+            </a:r>
+            <a:r>
+              <a:rPr lang="en-US" sz="3100"/>
+              <a:t>training set.</a:t>
+            </a:r>
+            <a:br>
+              <a:rPr lang="en-US" dirty="0"/>
+            </a:br>
+            <a:r>
+              <a:rPr lang="en-US" sz="4400" dirty="0">
+                <a:solidFill>
+                  <a:srgbClr val="C00000"/>
+                </a:solidFill>
+              </a:rPr>
+              <a:t>step 11. Model Evaluation</a:t>
+            </a:r>
+            <a:br>
+              <a:rPr lang="en-US" dirty="0"/>
+            </a:br>
+            <a:r>
+              <a:rPr lang="en-US" sz="3100" dirty="0"/>
+              <a:t>Predicted on the test set.</a:t>
+            </a:r>
+            <a:br>
+              <a:rPr lang="en-US" sz="3100" dirty="0"/>
+            </a:br>
+            <a:r>
+              <a:rPr lang="en-US" sz="3100" dirty="0"/>
+              <a:t>Displayed performance using </a:t>
+            </a:r>
+            <a:r>
+              <a:rPr lang="en-US" sz="3100" dirty="0" err="1"/>
+              <a:t>classification_report</a:t>
+            </a:r>
+            <a:r>
+              <a:rPr lang="en-US" sz="3100" dirty="0"/>
+              <a:t> (Precision, Recall, F1-score, etc.)</a:t>
+            </a:r>
+          </a:p>
+        </p:txBody>
+      </p:sp>
+    </p:spTree>
+    <p:extLst>
+      <p:ext uri="{BB962C8B-B14F-4D97-AF65-F5344CB8AC3E}">
+        <p14:creationId xmlns:p14="http://schemas.microsoft.com/office/powerpoint/2010/main" val="38837642"/>
+      </p:ext>
+    </p:extLst>
+  </p:cSld>
+  <p:clrMapOvr>
+    <a:masterClrMapping/>
+  </p:clrMapOvr>
+</p:sld>
+</file>
+
+<file path=ppt/slides/slide46.xml><?xml version="1.0" encoding="utf-8"?>
+<p:sld xmlns:a="http://schemas.openxmlformats.org/drawingml/2006/main" xmlns:r="http://schemas.openxmlformats.org/officeDocument/2006/relationships" xmlns:p="http://schemas.openxmlformats.org/presentationml/2006/main">
+  <p:cSld>
+    <p:spTree>
+      <p:nvGrpSpPr>
+        <p:cNvPr id="1" name=""/>
+        <p:cNvGrpSpPr/>
+        <p:nvPr/>
+      </p:nvGrpSpPr>
+      <p:grpSpPr>
+        <a:xfrm>
+          <a:off x="0" y="0"/>
+          <a:ext cx="0" cy="0"/>
+          <a:chOff x="0" y="0"/>
+          <a:chExt cx="0" cy="0"/>
+        </a:xfrm>
+      </p:grpSpPr>
+      <p:sp>
+        <p:nvSpPr>
+          <p:cNvPr id="2" name="Title 1">
+            <a:extLst>
+              <a:ext uri="{FF2B5EF4-FFF2-40B4-BE49-F238E27FC236}">
+                <a16:creationId xmlns:a16="http://schemas.microsoft.com/office/drawing/2014/main" id="{105206F5-6FF7-7BC3-664C-5721D9F28381}"/>
+              </a:ext>
+            </a:extLst>
+          </p:cNvPr>
+          <p:cNvSpPr>
+            <a:spLocks noGrp="1"/>
+          </p:cNvSpPr>
+          <p:nvPr>
+            <p:ph type="title"/>
+          </p:nvPr>
+        </p:nvSpPr>
+        <p:spPr>
+          <a:xfrm>
+            <a:off x="521208" y="-478971"/>
+            <a:ext cx="11155680" cy="7157357"/>
+          </a:xfrm>
+        </p:spPr>
+        <p:txBody>
+          <a:bodyPr>
+            <a:normAutofit/>
+          </a:bodyPr>
+          <a:lstStyle/>
+          <a:p>
+            <a:r>
+              <a:rPr lang="en-US" sz="4000" dirty="0">
+                <a:solidFill>
+                  <a:srgbClr val="C00000"/>
+                </a:solidFill>
+              </a:rPr>
+              <a:t>7-Data Preprocessing </a:t>
+            </a:r>
+            <a:r>
+              <a:rPr lang="en-US" dirty="0">
+                <a:solidFill>
+                  <a:srgbClr val="C00000"/>
+                </a:solidFill>
+              </a:rPr>
+              <a:t>using </a:t>
+            </a:r>
+            <a:r>
+              <a:rPr lang="en-US" dirty="0" err="1">
+                <a:solidFill>
+                  <a:srgbClr val="C00000"/>
+                </a:solidFill>
+              </a:rPr>
+              <a:t>pipline</a:t>
+            </a:r>
+            <a:r>
+              <a:rPr lang="en-US" dirty="0">
+                <a:solidFill>
+                  <a:srgbClr val="C00000"/>
+                </a:solidFill>
+              </a:rPr>
+              <a:t> (alternative option)</a:t>
+            </a:r>
+            <a:r>
+              <a:rPr lang="en-US" sz="4000" dirty="0">
+                <a:solidFill>
+                  <a:srgbClr val="C00000"/>
+                </a:solidFill>
+              </a:rPr>
+              <a:t>:-</a:t>
+            </a:r>
+            <a:br>
+              <a:rPr lang="en-US" dirty="0"/>
+            </a:br>
+            <a:r>
+              <a:rPr lang="en-US" sz="2800" dirty="0"/>
+              <a:t>1.Split Data into Input Features and Target Variable.</a:t>
+            </a:r>
+            <a:br>
+              <a:rPr lang="en-US" sz="2800" dirty="0"/>
+            </a:br>
+            <a:r>
+              <a:rPr lang="en-US" sz="2800" dirty="0"/>
+              <a:t>2.Split Data into Train and Test</a:t>
+            </a:r>
+            <a:br>
+              <a:rPr lang="en-US" sz="2800" dirty="0"/>
+            </a:br>
+            <a:r>
+              <a:rPr lang="en-US" sz="2800" dirty="0"/>
+              <a:t>3.Create Numerical &amp; Categorical Pipelines.</a:t>
+            </a:r>
+            <a:br>
+              <a:rPr lang="en-US" sz="2800" dirty="0"/>
+            </a:br>
+            <a:r>
+              <a:rPr lang="en-US" sz="2800" dirty="0"/>
+              <a:t>4.Column Transformer to Assign columns to be processed.</a:t>
+            </a:r>
+            <a:br>
+              <a:rPr lang="en-US" sz="2800" dirty="0"/>
+            </a:br>
+            <a:r>
+              <a:rPr lang="en-US" sz="2800" dirty="0"/>
+              <a:t>5.Model Definition and Training.</a:t>
+            </a:r>
+            <a:br>
+              <a:rPr lang="en-US" sz="2800" dirty="0"/>
+            </a:br>
+            <a:r>
+              <a:rPr lang="en-US" sz="2800" dirty="0"/>
+              <a:t>6.Model Evaluation.</a:t>
+            </a:r>
+            <a:br>
+              <a:rPr lang="en-US" sz="2800" dirty="0"/>
+            </a:br>
+            <a:r>
+              <a:rPr lang="en-US" sz="2800" dirty="0"/>
+              <a:t>7.Cross Validation &amp; Hyperparameter Tuning.</a:t>
+            </a:r>
+          </a:p>
+        </p:txBody>
+      </p:sp>
+    </p:spTree>
+    <p:extLst>
+      <p:ext uri="{BB962C8B-B14F-4D97-AF65-F5344CB8AC3E}">
+        <p14:creationId xmlns:p14="http://schemas.microsoft.com/office/powerpoint/2010/main" val="3719277197"/>
+      </p:ext>
+    </p:extLst>
+  </p:cSld>
+  <p:clrMapOvr>
+    <a:masterClrMapping/>
+  </p:clrMapOvr>
+</p:sld>
+</file>
+
+<file path=ppt/slides/slide47.xml><?xml version="1.0" encoding="utf-8"?>
+<p:sld xmlns:a="http://schemas.openxmlformats.org/drawingml/2006/main" xmlns:r="http://schemas.openxmlformats.org/officeDocument/2006/relationships" xmlns:p="http://schemas.openxmlformats.org/presentationml/2006/main">
+  <p:cSld>
+    <p:spTree>
+      <p:nvGrpSpPr>
+        <p:cNvPr id="1" name=""/>
+        <p:cNvGrpSpPr/>
+        <p:nvPr/>
+      </p:nvGrpSpPr>
+      <p:grpSpPr>
+        <a:xfrm>
+          <a:off x="0" y="0"/>
+          <a:ext cx="0" cy="0"/>
+          <a:chOff x="0" y="0"/>
+          <a:chExt cx="0" cy="0"/>
+        </a:xfrm>
+      </p:grpSpPr>
+      <p:sp>
+        <p:nvSpPr>
+          <p:cNvPr id="2" name="Title 1">
+            <a:extLst>
+              <a:ext uri="{FF2B5EF4-FFF2-40B4-BE49-F238E27FC236}">
+                <a16:creationId xmlns:a16="http://schemas.microsoft.com/office/drawing/2014/main" id="{2424B52E-AA1E-A3A2-EE31-3C5A07B14FF6}"/>
+              </a:ext>
+            </a:extLst>
+          </p:cNvPr>
+          <p:cNvSpPr>
+            <a:spLocks noGrp="1"/>
+          </p:cNvSpPr>
+          <p:nvPr>
+            <p:ph type="title"/>
+          </p:nvPr>
+        </p:nvSpPr>
+        <p:spPr>
+          <a:xfrm>
+            <a:off x="521208" y="978407"/>
+            <a:ext cx="11155680" cy="5667321"/>
+          </a:xfrm>
+        </p:spPr>
+        <p:txBody>
+          <a:bodyPr>
+            <a:normAutofit/>
+          </a:bodyPr>
+          <a:lstStyle/>
+          <a:p>
+            <a:r>
+              <a:rPr lang="en-US" sz="3200" dirty="0">
+                <a:solidFill>
+                  <a:srgbClr val="C00000"/>
+                </a:solidFill>
+              </a:rPr>
+              <a:t>Data Preprocessing:-</a:t>
+            </a:r>
+            <a:br>
+              <a:rPr lang="ar-EG" sz="3200" dirty="0">
+                <a:solidFill>
+                  <a:schemeClr val="accent6">
+                    <a:lumMod val="75000"/>
+                  </a:schemeClr>
+                </a:solidFill>
+              </a:rPr>
+            </a:br>
+            <a:br>
+              <a:rPr lang="en-US" sz="3200" dirty="0"/>
+            </a:br>
+            <a:r>
+              <a:rPr lang="en-US" sz="3200" dirty="0">
+                <a:solidFill>
+                  <a:srgbClr val="C00000"/>
+                </a:solidFill>
+              </a:rPr>
+              <a:t>Step 1: Split Input Features and Target:-</a:t>
+            </a:r>
+            <a:br>
+              <a:rPr lang="en-US" sz="3200" dirty="0"/>
+            </a:br>
+            <a:r>
+              <a:rPr lang="en-US" sz="2400" dirty="0"/>
+              <a:t> -Extract input X by dropping the Late_delivery_risk column.</a:t>
+            </a:r>
+            <a:br>
+              <a:rPr lang="en-US" sz="2400" dirty="0"/>
+            </a:br>
+            <a:r>
+              <a:rPr lang="en-US" sz="2400" dirty="0"/>
+              <a:t> -Set target variable y = df['Late_delivery_risk’]. </a:t>
+            </a:r>
+            <a:br>
+              <a:rPr lang="en-US" sz="2800" dirty="0"/>
+            </a:br>
+            <a:br>
+              <a:rPr lang="en-US" sz="3200" dirty="0"/>
+            </a:br>
+            <a:r>
+              <a:rPr lang="en-US" sz="3200" dirty="0">
+                <a:solidFill>
+                  <a:srgbClr val="C00000"/>
+                </a:solidFill>
+              </a:rPr>
+              <a:t>Step 2: Train/Test Split</a:t>
+            </a:r>
+            <a:br>
+              <a:rPr lang="en-US" sz="3200" dirty="0"/>
+            </a:br>
+            <a:r>
+              <a:rPr lang="en-US" sz="2400" dirty="0"/>
+              <a:t> -Use train_test_split() with test_size=0.3 and </a:t>
+            </a:r>
+            <a:r>
+              <a:rPr lang="en-US" sz="2400" dirty="0" err="1"/>
+              <a:t>random_state</a:t>
+            </a:r>
+            <a:r>
+              <a:rPr lang="en-US" sz="2400" dirty="0"/>
+              <a:t>=40 to split data.</a:t>
+            </a:r>
+            <a:br>
+              <a:rPr lang="ar-EG" sz="2400" dirty="0"/>
+            </a:br>
+            <a:br>
+              <a:rPr lang="ar-EG" sz="2400" dirty="0"/>
+            </a:br>
+            <a:endParaRPr lang="en-US" sz="2400" dirty="0"/>
+          </a:p>
+        </p:txBody>
+      </p:sp>
+    </p:spTree>
+    <p:extLst>
+      <p:ext uri="{BB962C8B-B14F-4D97-AF65-F5344CB8AC3E}">
+        <p14:creationId xmlns:p14="http://schemas.microsoft.com/office/powerpoint/2010/main" val="3512801291"/>
+      </p:ext>
+    </p:extLst>
+  </p:cSld>
+  <p:clrMapOvr>
+    <a:masterClrMapping/>
+  </p:clrMapOvr>
+</p:sld>
+</file>
+
+<file path=ppt/slides/slide48.xml><?xml version="1.0" encoding="utf-8"?>
+<p:sld xmlns:a="http://schemas.openxmlformats.org/drawingml/2006/main" xmlns:r="http://schemas.openxmlformats.org/officeDocument/2006/relationships" xmlns:p="http://schemas.openxmlformats.org/presentationml/2006/main">
+  <p:cSld>
+    <p:spTree>
+      <p:nvGrpSpPr>
+        <p:cNvPr id="1" name=""/>
+        <p:cNvGrpSpPr/>
+        <p:nvPr/>
+      </p:nvGrpSpPr>
+      <p:grpSpPr>
+        <a:xfrm>
+          <a:off x="0" y="0"/>
+          <a:ext cx="0" cy="0"/>
+          <a:chOff x="0" y="0"/>
+          <a:chExt cx="0" cy="0"/>
+        </a:xfrm>
+      </p:grpSpPr>
+      <p:sp>
+        <p:nvSpPr>
+          <p:cNvPr id="2" name="Title 1">
+            <a:extLst>
+              <a:ext uri="{FF2B5EF4-FFF2-40B4-BE49-F238E27FC236}">
+                <a16:creationId xmlns:a16="http://schemas.microsoft.com/office/drawing/2014/main" id="{3E4EF33E-5FE8-5A23-A7CD-3C766729D3FE}"/>
+              </a:ext>
+            </a:extLst>
+          </p:cNvPr>
+          <p:cNvSpPr>
+            <a:spLocks noGrp="1"/>
+          </p:cNvSpPr>
+          <p:nvPr>
+            <p:ph type="title"/>
+          </p:nvPr>
+        </p:nvSpPr>
+        <p:spPr>
+          <a:xfrm>
+            <a:off x="521208" y="978407"/>
+            <a:ext cx="11155680" cy="5531249"/>
+          </a:xfrm>
+        </p:spPr>
+        <p:txBody>
+          <a:bodyPr>
+            <a:normAutofit/>
+          </a:bodyPr>
+          <a:lstStyle/>
+          <a:p>
+            <a:r>
+              <a:rPr lang="en-US" sz="3200" dirty="0">
+                <a:solidFill>
+                  <a:srgbClr val="C00000"/>
+                </a:solidFill>
+              </a:rPr>
+              <a:t>Step 3: Create Numerical &amp; Categorical Pipelines.</a:t>
+            </a:r>
+            <a:br>
+              <a:rPr lang="ar-EG" sz="3200" dirty="0"/>
+            </a:br>
+            <a:r>
+              <a:rPr lang="ar-EG" sz="3200" dirty="0"/>
+              <a:t>-</a:t>
+            </a:r>
+            <a:r>
+              <a:rPr lang="en-US" sz="2800" dirty="0"/>
+              <a:t>Identify column types:</a:t>
+            </a:r>
+            <a:br>
+              <a:rPr lang="ar-EG" sz="3200" dirty="0"/>
+            </a:br>
+            <a:r>
+              <a:rPr lang="ar-EG" sz="3200" dirty="0"/>
+              <a:t>  </a:t>
+            </a:r>
+            <a:r>
+              <a:rPr lang="en-US" sz="2400" dirty="0"/>
+              <a:t>Numerical (e.g. Order Profit Per Order)</a:t>
+            </a:r>
+            <a:br>
+              <a:rPr lang="ar-EG" sz="2400" dirty="0"/>
+            </a:br>
+            <a:r>
+              <a:rPr lang="en-US" sz="2400" dirty="0"/>
+              <a:t> </a:t>
+            </a:r>
+            <a:r>
+              <a:rPr lang="ar-EG" sz="2400" dirty="0"/>
+              <a:t>  </a:t>
+            </a:r>
+            <a:r>
+              <a:rPr lang="en-US" sz="2400" dirty="0"/>
+              <a:t>Nominal, Ordinal, Binary</a:t>
+            </a:r>
+            <a:br>
+              <a:rPr lang="ar-EG" sz="3200" dirty="0"/>
+            </a:br>
+            <a:r>
+              <a:rPr lang="ar-EG" sz="3200" dirty="0"/>
+              <a:t>-</a:t>
+            </a:r>
+            <a:r>
+              <a:rPr lang="en-US" sz="2800" dirty="0"/>
+              <a:t>Create preprocessing pipelines for each type:</a:t>
+            </a:r>
+            <a:br>
+              <a:rPr lang="ar-EG" sz="3200" dirty="0"/>
+            </a:br>
+            <a:r>
+              <a:rPr lang="ar-EG" sz="2400" dirty="0"/>
+              <a:t>  </a:t>
+            </a:r>
+            <a:r>
+              <a:rPr lang="en-US" sz="2400" dirty="0"/>
+              <a:t> Numerical: Includes KNN imputation and 3 types of scalers.</a:t>
+            </a:r>
+            <a:br>
+              <a:rPr lang="ar-EG" sz="2400" dirty="0"/>
+            </a:br>
+            <a:r>
+              <a:rPr lang="en-US" sz="2400" dirty="0"/>
+              <a:t> </a:t>
+            </a:r>
+            <a:r>
+              <a:rPr lang="ar-EG" sz="2400" dirty="0"/>
+              <a:t>  </a:t>
+            </a:r>
+            <a:r>
+              <a:rPr lang="en-US" sz="2400" dirty="0"/>
+              <a:t>OneHot, Ordinal, Binary: With imputation and suitable encoders.</a:t>
+            </a:r>
+            <a:br>
+              <a:rPr lang="ar-EG" sz="2400" dirty="0"/>
+            </a:br>
+            <a:br>
+              <a:rPr lang="ar-EG" sz="2400" dirty="0"/>
+            </a:br>
+            <a:r>
+              <a:rPr lang="en-US" sz="3200" dirty="0">
+                <a:solidFill>
+                  <a:srgbClr val="C00000"/>
+                </a:solidFill>
+              </a:rPr>
+              <a:t>Step 4: Column Transformer to Assign columns to be processed</a:t>
+            </a:r>
+            <a:br>
+              <a:rPr lang="ar-EG" sz="2400" dirty="0"/>
+            </a:br>
+            <a:r>
+              <a:rPr lang="en-US" sz="2400" dirty="0"/>
+              <a:t>Use </a:t>
+            </a:r>
+            <a:r>
+              <a:rPr lang="en-US" sz="2400" dirty="0" err="1"/>
+              <a:t>ColumnTransformer</a:t>
+            </a:r>
+            <a:r>
+              <a:rPr lang="en-US" sz="2400" dirty="0"/>
+              <a:t> to apply the correct pipeline per feature type.</a:t>
+            </a:r>
+          </a:p>
+        </p:txBody>
+      </p:sp>
+    </p:spTree>
+    <p:extLst>
+      <p:ext uri="{BB962C8B-B14F-4D97-AF65-F5344CB8AC3E}">
+        <p14:creationId xmlns:p14="http://schemas.microsoft.com/office/powerpoint/2010/main" val="3198409462"/>
+      </p:ext>
+    </p:extLst>
+  </p:cSld>
+  <p:clrMapOvr>
+    <a:masterClrMapping/>
+  </p:clrMapOvr>
+</p:sld>
+</file>
+
+<file path=ppt/slides/slide49.xml><?xml version="1.0" encoding="utf-8"?>
+<p:sld xmlns:a="http://schemas.openxmlformats.org/drawingml/2006/main" xmlns:r="http://schemas.openxmlformats.org/officeDocument/2006/relationships" xmlns:p="http://schemas.openxmlformats.org/presentationml/2006/main">
+  <p:cSld>
+    <p:spTree>
+      <p:nvGrpSpPr>
+        <p:cNvPr id="1" name=""/>
+        <p:cNvGrpSpPr/>
+        <p:nvPr/>
+      </p:nvGrpSpPr>
+      <p:grpSpPr>
+        <a:xfrm>
+          <a:off x="0" y="0"/>
+          <a:ext cx="0" cy="0"/>
+          <a:chOff x="0" y="0"/>
+          <a:chExt cx="0" cy="0"/>
+        </a:xfrm>
+      </p:grpSpPr>
+      <p:sp>
+        <p:nvSpPr>
+          <p:cNvPr id="2" name="Title 1">
+            <a:extLst>
+              <a:ext uri="{FF2B5EF4-FFF2-40B4-BE49-F238E27FC236}">
+                <a16:creationId xmlns:a16="http://schemas.microsoft.com/office/drawing/2014/main" id="{CC57724D-197E-8D3B-6E39-3DD2766AECBD}"/>
+              </a:ext>
+            </a:extLst>
+          </p:cNvPr>
+          <p:cNvSpPr>
+            <a:spLocks noGrp="1"/>
+          </p:cNvSpPr>
+          <p:nvPr>
+            <p:ph type="title"/>
+          </p:nvPr>
+        </p:nvSpPr>
+        <p:spPr>
+          <a:xfrm>
+            <a:off x="521208" y="103415"/>
+            <a:ext cx="11155680" cy="7037614"/>
+          </a:xfrm>
+        </p:spPr>
+        <p:txBody>
+          <a:bodyPr>
+            <a:normAutofit/>
+          </a:bodyPr>
+          <a:lstStyle/>
+          <a:p>
+            <a:r>
+              <a:rPr lang="en-US" sz="3200" dirty="0">
+                <a:solidFill>
+                  <a:srgbClr val="C00000"/>
+                </a:solidFill>
+              </a:rPr>
+              <a:t>Step 5: Model Definition and Training:-</a:t>
+            </a:r>
+            <a:br>
+              <a:rPr lang="en-US" sz="3200" dirty="0"/>
+            </a:br>
+            <a:r>
+              <a:rPr lang="ar-EG" sz="2400" dirty="0"/>
+              <a:t>-</a:t>
+            </a:r>
+            <a:r>
+              <a:rPr lang="en-US" sz="2400" dirty="0"/>
+              <a:t>Define a pipeline</a:t>
+            </a:r>
+            <a:r>
+              <a:rPr lang="ar-EG" sz="2400" dirty="0"/>
+              <a:t>.</a:t>
+            </a:r>
+            <a:br>
+              <a:rPr lang="ar-EG" sz="2400" dirty="0"/>
+            </a:br>
+            <a:r>
+              <a:rPr lang="ar-EG" sz="2400" dirty="0"/>
+              <a:t>-</a:t>
+            </a:r>
+            <a:r>
+              <a:rPr lang="en-US" sz="2400" dirty="0"/>
+              <a:t>preprocessing: to handle all feature transformations.</a:t>
+            </a:r>
+            <a:br>
+              <a:rPr lang="ar-EG" sz="2400" dirty="0"/>
+            </a:br>
+            <a:r>
+              <a:rPr lang="ar-EG" sz="2400" dirty="0"/>
+              <a:t>-</a:t>
+            </a:r>
+            <a:r>
+              <a:rPr lang="en-US" sz="2400" dirty="0"/>
+              <a:t>Classifier: logistic regression with </a:t>
+            </a:r>
+            <a:r>
+              <a:rPr lang="en-US" sz="2400" dirty="0" err="1"/>
+              <a:t>max_iter</a:t>
+            </a:r>
+            <a:r>
+              <a:rPr lang="en-US" sz="2400" dirty="0"/>
+              <a:t>=200 and random_state=42.</a:t>
+            </a:r>
+            <a:br>
+              <a:rPr lang="ar-EG" sz="2400" dirty="0"/>
+            </a:br>
+            <a:r>
+              <a:rPr lang="en-US" sz="2400" dirty="0"/>
+              <a:t>-Split data again (test_size=0.2).</a:t>
+            </a:r>
+            <a:br>
+              <a:rPr lang="ar-EG" sz="2400" dirty="0"/>
+            </a:br>
+            <a:r>
+              <a:rPr lang="en-US" sz="2400" dirty="0"/>
+              <a:t>-Fit the model on training data using .fit(</a:t>
+            </a:r>
+            <a:r>
+              <a:rPr lang="en-US" sz="2400" dirty="0" err="1"/>
+              <a:t>x_train</a:t>
+            </a:r>
+            <a:r>
+              <a:rPr lang="en-US" sz="2400" dirty="0"/>
+              <a:t>, </a:t>
+            </a:r>
+            <a:r>
+              <a:rPr lang="en-US" sz="2400" dirty="0" err="1"/>
+              <a:t>y_train</a:t>
+            </a:r>
+            <a:r>
+              <a:rPr lang="en-US" sz="2400" dirty="0"/>
+              <a:t>).</a:t>
+            </a:r>
+            <a:br>
+              <a:rPr lang="ar-EG" sz="2400" dirty="0"/>
+            </a:br>
+            <a:r>
+              <a:rPr lang="en-US" sz="2400" dirty="0"/>
+              <a:t>-Predict on test set with .predict(</a:t>
+            </a:r>
+            <a:r>
+              <a:rPr lang="en-US" sz="2400" dirty="0" err="1"/>
+              <a:t>x_test</a:t>
+            </a:r>
+            <a:r>
+              <a:rPr lang="en-US" sz="2400" dirty="0"/>
+              <a:t>).</a:t>
+            </a:r>
+            <a:br>
+              <a:rPr lang="en-US" sz="2400" dirty="0"/>
+            </a:br>
+            <a:r>
+              <a:rPr lang="en-US" sz="2400" dirty="0"/>
+              <a:t>-Reset Indexes for Consistency:</a:t>
+            </a:r>
+            <a:br>
+              <a:rPr lang="en-US" sz="2400" dirty="0"/>
+            </a:br>
+            <a:r>
+              <a:rPr lang="en-US" sz="2400" dirty="0"/>
+              <a:t>     </a:t>
+            </a:r>
+            <a:r>
+              <a:rPr lang="en-US" sz="2000" dirty="0"/>
+              <a:t>Ensure all splits have consistent indexing using </a:t>
+            </a:r>
+            <a:r>
+              <a:rPr lang="en-US" sz="2000" dirty="0" err="1"/>
+              <a:t>reset_index</a:t>
+            </a:r>
+            <a:r>
+              <a:rPr lang="en-US" sz="2000" dirty="0"/>
+              <a:t>().</a:t>
+            </a:r>
+            <a:br>
+              <a:rPr lang="ar-EG" sz="2400" dirty="0"/>
+            </a:br>
+            <a:r>
+              <a:rPr lang="en-US" sz="2400" dirty="0"/>
+              <a:t>-Visualize Input Feature:</a:t>
+            </a:r>
+            <a:br>
+              <a:rPr lang="ar-EG" sz="2400" dirty="0"/>
+            </a:br>
+            <a:r>
+              <a:rPr lang="en-US" sz="2000" dirty="0"/>
+              <a:t>      Plot histogram of Order Profit Per Order from training set using </a:t>
+            </a:r>
+            <a:r>
+              <a:rPr lang="en-US" sz="2000" dirty="0" err="1"/>
+              <a:t>px.histogram</a:t>
+            </a:r>
+            <a:r>
+              <a:rPr lang="en-US" sz="2000" dirty="0"/>
+              <a:t>.</a:t>
+            </a:r>
+            <a:br>
+              <a:rPr lang="en-US" sz="2000" dirty="0"/>
+            </a:br>
+            <a:r>
+              <a:rPr lang="en-US" sz="2000" dirty="0"/>
+              <a:t>-</a:t>
+            </a:r>
+            <a:r>
+              <a:rPr lang="en-US" sz="2400" dirty="0"/>
+              <a:t>Handle Class Imbalance (SMOTE):</a:t>
+            </a:r>
+            <a:br>
+              <a:rPr lang="en-US" sz="2000" dirty="0"/>
+            </a:br>
+            <a:r>
+              <a:rPr lang="en-US" sz="2000" dirty="0"/>
+              <a:t>     Build a pipeline combining:</a:t>
+            </a:r>
+            <a:br>
+              <a:rPr lang="en-US" sz="2000" dirty="0"/>
+            </a:br>
+            <a:r>
+              <a:rPr lang="en-US" sz="2000" dirty="0"/>
+              <a:t>     Preprocessing → SMOTE oversampling → Logistic Regression.</a:t>
+            </a:r>
+            <a:br>
+              <a:rPr lang="en-US" sz="2000" dirty="0"/>
+            </a:br>
+            <a:r>
+              <a:rPr lang="en-US" sz="2000" dirty="0"/>
+              <a:t>     Train the pipeline using .fit().</a:t>
+            </a:r>
+          </a:p>
+        </p:txBody>
+      </p:sp>
+    </p:spTree>
+    <p:extLst>
+      <p:ext uri="{BB962C8B-B14F-4D97-AF65-F5344CB8AC3E}">
+        <p14:creationId xmlns:p14="http://schemas.microsoft.com/office/powerpoint/2010/main" val="1982978380"/>
+      </p:ext>
+    </p:extLst>
+  </p:cSld>
+  <p:clrMapOvr>
+    <a:masterClrMapping/>
+  </p:clrMapOvr>
+</p:sld>
+</file>
+
 <file path=ppt/slides/slide5.xml><?xml version="1.0" encoding="utf-8"?>
 <p:sld xmlns:a="http://schemas.openxmlformats.org/drawingml/2006/main" xmlns:r="http://schemas.openxmlformats.org/officeDocument/2006/relationships" xmlns:p="http://schemas.openxmlformats.org/presentationml/2006/main">
   <p:cSld>
@@ -23803,6 +30629,117 @@
     <p:extLst>
       <p:ext uri="{BB962C8B-B14F-4D97-AF65-F5344CB8AC3E}">
         <p14:creationId xmlns:p14="http://schemas.microsoft.com/office/powerpoint/2010/main" val="2259112661"/>
+      </p:ext>
+    </p:extLst>
+  </p:cSld>
+  <p:clrMapOvr>
+    <a:masterClrMapping/>
+  </p:clrMapOvr>
+</p:sld>
+</file>
+
+<file path=ppt/slides/slide50.xml><?xml version="1.0" encoding="utf-8"?>
+<p:sld xmlns:a="http://schemas.openxmlformats.org/drawingml/2006/main" xmlns:r="http://schemas.openxmlformats.org/officeDocument/2006/relationships" xmlns:p="http://schemas.openxmlformats.org/presentationml/2006/main">
+  <p:cSld>
+    <p:spTree>
+      <p:nvGrpSpPr>
+        <p:cNvPr id="1" name=""/>
+        <p:cNvGrpSpPr/>
+        <p:nvPr/>
+      </p:nvGrpSpPr>
+      <p:grpSpPr>
+        <a:xfrm>
+          <a:off x="0" y="0"/>
+          <a:ext cx="0" cy="0"/>
+          <a:chOff x="0" y="0"/>
+          <a:chExt cx="0" cy="0"/>
+        </a:xfrm>
+      </p:grpSpPr>
+      <p:sp>
+        <p:nvSpPr>
+          <p:cNvPr id="2" name="Title 1">
+            <a:extLst>
+              <a:ext uri="{FF2B5EF4-FFF2-40B4-BE49-F238E27FC236}">
+                <a16:creationId xmlns:a16="http://schemas.microsoft.com/office/drawing/2014/main" id="{C96CA86F-80A9-F633-8DAB-A0FA29AB1B0F}"/>
+              </a:ext>
+            </a:extLst>
+          </p:cNvPr>
+          <p:cNvSpPr>
+            <a:spLocks noGrp="1"/>
+          </p:cNvSpPr>
+          <p:nvPr>
+            <p:ph type="title"/>
+          </p:nvPr>
+        </p:nvSpPr>
+        <p:spPr>
+          <a:xfrm>
+            <a:off x="521208" y="-805543"/>
+            <a:ext cx="11155680" cy="7429499"/>
+          </a:xfrm>
+        </p:spPr>
+        <p:txBody>
+          <a:bodyPr>
+            <a:normAutofit/>
+          </a:bodyPr>
+          <a:lstStyle/>
+          <a:p>
+            <a:r>
+              <a:rPr lang="en-US" sz="3200" dirty="0">
+                <a:solidFill>
+                  <a:srgbClr val="C00000"/>
+                </a:solidFill>
+              </a:rPr>
+              <a:t>Step 6: Model Evaluation</a:t>
+            </a:r>
+            <a:br>
+              <a:rPr lang="en-US" sz="3200" dirty="0"/>
+            </a:br>
+            <a:r>
+              <a:rPr lang="en-US" sz="2400" dirty="0"/>
+              <a:t>Predict using .predict().</a:t>
+            </a:r>
+            <a:br>
+              <a:rPr lang="en-US" sz="2400" dirty="0"/>
+            </a:br>
+            <a:r>
+              <a:rPr lang="en-US" sz="2400" dirty="0"/>
+              <a:t>Evaluate performance using classification_report() and visualize metrics.</a:t>
+            </a:r>
+            <a:br>
+              <a:rPr lang="en-US" sz="3200" dirty="0"/>
+            </a:br>
+            <a:br>
+              <a:rPr lang="en-US" sz="3200" dirty="0"/>
+            </a:br>
+            <a:r>
+              <a:rPr lang="en-US" sz="3200" dirty="0">
+                <a:solidFill>
+                  <a:srgbClr val="C00000"/>
+                </a:solidFill>
+              </a:rPr>
+              <a:t>Step 7: Cross Validation &amp; Hyperparameter Tuning</a:t>
+            </a:r>
+            <a:br>
+              <a:rPr lang="en-US" sz="3200" dirty="0"/>
+            </a:br>
+            <a:r>
+              <a:rPr lang="en-US" sz="2400" dirty="0"/>
+              <a:t>Apply 5-fold cross validation with accuracy scoring.</a:t>
+            </a:r>
+            <a:br>
+              <a:rPr lang="en-US" sz="2400" dirty="0"/>
+            </a:br>
+            <a:r>
+              <a:rPr lang="en-US" sz="2400" dirty="0"/>
+              <a:t>Tune hyperparameters (C, penalty) using GridSearchCV.</a:t>
+            </a:r>
+          </a:p>
+        </p:txBody>
+      </p:sp>
+    </p:spTree>
+    <p:extLst>
+      <p:ext uri="{BB962C8B-B14F-4D97-AF65-F5344CB8AC3E}">
+        <p14:creationId xmlns:p14="http://schemas.microsoft.com/office/powerpoint/2010/main" val="4036508192"/>
       </p:ext>
     </p:extLst>
   </p:cSld>

--- a/New Microsoft PowerPoint Presentation.pptx
+++ b/New Microsoft PowerPoint Presentation.pptx
@@ -4588,7 +4588,7 @@
           <a:p>
             <a:fld id="{DF7D7140-2F27-4388-B437-91DEC6466126}" type="datetimeFigureOut">
               <a:rPr lang="en-US" smtClean="0"/>
-              <a:t>6/19/2025</a:t>
+              <a:t>6/21/2025</a:t>
             </a:fld>
             <a:endParaRPr lang="en-US"/>
           </a:p>
@@ -5358,7 +5358,7 @@
             <a:fld id="{E80C50CD-E178-4744-9B35-B2F624D6C5E9}" type="datetimeFigureOut">
               <a:rPr lang="en-US" smtClean="0"/>
               <a:pPr/>
-              <a:t>6/19/2025</a:t>
+              <a:t>6/21/2025</a:t>
             </a:fld>
             <a:endParaRPr lang="en-US"/>
           </a:p>
@@ -5656,7 +5656,7 @@
             <a:fld id="{E80C50CD-E178-4744-9B35-B2F624D6C5E9}" type="datetimeFigureOut">
               <a:rPr lang="en-US" smtClean="0"/>
               <a:pPr/>
-              <a:t>6/19/2025</a:t>
+              <a:t>6/21/2025</a:t>
             </a:fld>
             <a:endParaRPr lang="en-US"/>
           </a:p>
@@ -5906,7 +5906,7 @@
             <a:fld id="{E80C50CD-E178-4744-9B35-B2F624D6C5E9}" type="datetimeFigureOut">
               <a:rPr lang="en-US" smtClean="0"/>
               <a:pPr/>
-              <a:t>6/19/2025</a:t>
+              <a:t>6/21/2025</a:t>
             </a:fld>
             <a:endParaRPr lang="en-US"/>
           </a:p>
@@ -6448,7 +6448,7 @@
             <a:fld id="{E80C50CD-E178-4744-9B35-B2F624D6C5E9}" type="datetimeFigureOut">
               <a:rPr lang="en-US" smtClean="0"/>
               <a:pPr/>
-              <a:t>6/19/2025</a:t>
+              <a:t>6/21/2025</a:t>
             </a:fld>
             <a:endParaRPr lang="en-US"/>
           </a:p>
@@ -6698,7 +6698,7 @@
             <a:fld id="{E80C50CD-E178-4744-9B35-B2F624D6C5E9}" type="datetimeFigureOut">
               <a:rPr lang="en-US" smtClean="0"/>
               <a:pPr/>
-              <a:t>6/19/2025</a:t>
+              <a:t>6/21/2025</a:t>
             </a:fld>
             <a:endParaRPr lang="en-US"/>
           </a:p>
@@ -7232,7 +7232,7 @@
             <a:fld id="{E80C50CD-E178-4744-9B35-B2F624D6C5E9}" type="datetimeFigureOut">
               <a:rPr lang="en-US" smtClean="0"/>
               <a:pPr/>
-              <a:t>6/19/2025</a:t>
+              <a:t>6/21/2025</a:t>
             </a:fld>
             <a:endParaRPr lang="en-US"/>
           </a:p>
@@ -7531,7 +7531,7 @@
             <a:fld id="{E80C50CD-E178-4744-9B35-B2F624D6C5E9}" type="datetimeFigureOut">
               <a:rPr lang="en-US" smtClean="0"/>
               <a:pPr/>
-              <a:t>6/19/2025</a:t>
+              <a:t>6/21/2025</a:t>
             </a:fld>
             <a:endParaRPr lang="en-US"/>
           </a:p>
@@ -7707,7 +7707,7 @@
             <a:fld id="{E80C50CD-E178-4744-9B35-B2F624D6C5E9}" type="datetimeFigureOut">
               <a:rPr lang="en-US" smtClean="0"/>
               <a:pPr/>
-              <a:t>6/19/2025</a:t>
+              <a:t>6/21/2025</a:t>
             </a:fld>
             <a:endParaRPr lang="en-US"/>
           </a:p>
@@ -7889,7 +7889,7 @@
             <a:fld id="{E80C50CD-E178-4744-9B35-B2F624D6C5E9}" type="datetimeFigureOut">
               <a:rPr lang="en-US" smtClean="0"/>
               <a:pPr/>
-              <a:t>6/19/2025</a:t>
+              <a:t>6/21/2025</a:t>
             </a:fld>
             <a:endParaRPr lang="en-US"/>
           </a:p>
@@ -8061,7 +8061,7 @@
             <a:fld id="{E80C50CD-E178-4744-9B35-B2F624D6C5E9}" type="datetimeFigureOut">
               <a:rPr lang="en-US" smtClean="0"/>
               <a:pPr/>
-              <a:t>6/19/2025</a:t>
+              <a:t>6/21/2025</a:t>
             </a:fld>
             <a:endParaRPr lang="en-US"/>
           </a:p>
@@ -8314,7 +8314,7 @@
             <a:fld id="{E80C50CD-E178-4744-9B35-B2F624D6C5E9}" type="datetimeFigureOut">
               <a:rPr lang="en-US" smtClean="0"/>
               <a:pPr/>
-              <a:t>6/19/2025</a:t>
+              <a:t>6/21/2025</a:t>
             </a:fld>
             <a:endParaRPr lang="en-US"/>
           </a:p>
@@ -8613,7 +8613,7 @@
             <a:fld id="{E80C50CD-E178-4744-9B35-B2F624D6C5E9}" type="datetimeFigureOut">
               <a:rPr lang="en-US" smtClean="0"/>
               <a:pPr/>
-              <a:t>6/19/2025</a:t>
+              <a:t>6/21/2025</a:t>
             </a:fld>
             <a:endParaRPr lang="en-US"/>
           </a:p>
@@ -9057,7 +9057,7 @@
             <a:fld id="{E80C50CD-E178-4744-9B35-B2F624D6C5E9}" type="datetimeFigureOut">
               <a:rPr lang="en-US" smtClean="0"/>
               <a:pPr/>
-              <a:t>6/19/2025</a:t>
+              <a:t>6/21/2025</a:t>
             </a:fld>
             <a:endParaRPr lang="en-US"/>
           </a:p>
@@ -9176,7 +9176,7 @@
           <a:p>
             <a:fld id="{E80C50CD-E178-4744-9B35-B2F624D6C5E9}" type="datetimeFigureOut">
               <a:rPr lang="en-US" smtClean="0"/>
-              <a:t>6/19/2025</a:t>
+              <a:t>6/21/2025</a:t>
             </a:fld>
             <a:endParaRPr lang="en-US"/>
           </a:p>
@@ -9272,7 +9272,7 @@
             <a:fld id="{E80C50CD-E178-4744-9B35-B2F624D6C5E9}" type="datetimeFigureOut">
               <a:rPr lang="en-US" smtClean="0"/>
               <a:pPr/>
-              <a:t>6/19/2025</a:t>
+              <a:t>6/21/2025</a:t>
             </a:fld>
             <a:endParaRPr lang="en-US"/>
           </a:p>
@@ -9557,7 +9557,7 @@
             <a:fld id="{E80C50CD-E178-4744-9B35-B2F624D6C5E9}" type="datetimeFigureOut">
               <a:rPr lang="en-US" smtClean="0"/>
               <a:pPr/>
-              <a:t>6/19/2025</a:t>
+              <a:t>6/21/2025</a:t>
             </a:fld>
             <a:endParaRPr lang="en-US"/>
           </a:p>
@@ -9850,7 +9850,7 @@
             <a:fld id="{E80C50CD-E178-4744-9B35-B2F624D6C5E9}" type="datetimeFigureOut">
               <a:rPr lang="en-US" smtClean="0"/>
               <a:pPr/>
-              <a:t>6/19/2025</a:t>
+              <a:t>6/21/2025</a:t>
             </a:fld>
             <a:endParaRPr lang="en-US"/>
           </a:p>
@@ -10382,7 +10382,7 @@
             <a:fld id="{E80C50CD-E178-4744-9B35-B2F624D6C5E9}" type="datetimeFigureOut">
               <a:rPr lang="en-US" smtClean="0"/>
               <a:pPr/>
-              <a:t>6/19/2025</a:t>
+              <a:t>6/21/2025</a:t>
             </a:fld>
             <a:endParaRPr lang="en-US"/>
           </a:p>
@@ -29526,6 +29526,27 @@
 <file path=ppt/slides/slide44.xml><?xml version="1.0" encoding="utf-8"?>
 <p:sld xmlns:a="http://schemas.openxmlformats.org/drawingml/2006/main" xmlns:r="http://schemas.openxmlformats.org/officeDocument/2006/relationships" xmlns:p="http://schemas.openxmlformats.org/presentationml/2006/main">
   <p:cSld>
+    <p:bg>
+      <p:bgPr>
+        <a:blipFill rotWithShape="1">
+          <a:blip r:embed="rId2">
+            <a:duotone>
+              <a:schemeClr val="bg2">
+                <a:shade val="76000"/>
+                <a:satMod val="180000"/>
+              </a:schemeClr>
+              <a:schemeClr val="bg2">
+                <a:tint val="80000"/>
+                <a:satMod val="120000"/>
+                <a:lumMod val="180000"/>
+              </a:schemeClr>
+            </a:duotone>
+          </a:blip>
+          <a:stretch/>
+        </a:blipFill>
+        <a:effectLst/>
+      </p:bgPr>
+    </p:bg>
     <p:spTree>
       <p:nvGrpSpPr>
         <p:cNvPr id="1" name=""/>
@@ -29540,6 +29561,468 @@
           <a:chExt cx="0" cy="0"/>
         </a:xfrm>
       </p:grpSpPr>
+      <p:grpSp>
+        <p:nvGrpSpPr>
+          <p:cNvPr id="9" name="Group 8">
+            <a:extLst>
+              <a:ext uri="{FF2B5EF4-FFF2-40B4-BE49-F238E27FC236}">
+                <a16:creationId xmlns:a16="http://schemas.microsoft.com/office/drawing/2014/main" id="{C616B3DC-C165-433D-9187-62DCC0E317D3}"/>
+              </a:ext>
+              <a:ext uri="{C183D7F6-B498-43B3-948B-1728B52AA6E4}">
+                <adec:decorative xmlns:adec="http://schemas.microsoft.com/office/drawing/2017/decorative" val="1"/>
+              </a:ext>
+            </a:extLst>
+          </p:cNvPr>
+          <p:cNvGrpSpPr>
+            <a:grpSpLocks noGrp="1" noUngrp="1" noRot="1" noChangeAspect="1" noMove="1" noResize="1"/>
+          </p:cNvGrpSpPr>
+          <p:nvPr>
+            <p:extLst>
+              <p:ext uri="{386F3935-93C4-4BCD-93E2-E3B085C9AB24}">
+                <p16:designElem xmlns:p16="http://schemas.microsoft.com/office/powerpoint/2015/main" val="1"/>
+              </p:ext>
+            </p:extLst>
+          </p:nvPr>
+        </p:nvGrpSpPr>
+        <p:grpSpPr>
+          <a:xfrm>
+            <a:off x="546100" y="-4763"/>
+            <a:ext cx="5014912" cy="6862763"/>
+            <a:chOff x="2928938" y="-4763"/>
+            <a:chExt cx="5014912" cy="6862763"/>
+          </a:xfrm>
+        </p:grpSpPr>
+        <p:sp>
+          <p:nvSpPr>
+            <p:cNvPr id="10" name="Freeform 6">
+              <a:extLst>
+                <a:ext uri="{FF2B5EF4-FFF2-40B4-BE49-F238E27FC236}">
+                  <a16:creationId xmlns:a16="http://schemas.microsoft.com/office/drawing/2014/main" id="{97E1BF84-9824-4B0E-98DF-F0F7181DD062}"/>
+                </a:ext>
+                <a:ext uri="{C183D7F6-B498-43B3-948B-1728B52AA6E4}">
+                  <adec:decorative xmlns:adec="http://schemas.microsoft.com/office/drawing/2017/decorative" val="1"/>
+                </a:ext>
+              </a:extLst>
+            </p:cNvPr>
+            <p:cNvSpPr/>
+            <p:nvPr>
+              <p:extLst>
+                <p:ext uri="{386F3935-93C4-4BCD-93E2-E3B085C9AB24}">
+                  <p16:designElem xmlns:p16="http://schemas.microsoft.com/office/powerpoint/2015/main" val="1"/>
+                </p:ext>
+              </p:extLst>
+            </p:nvPr>
+          </p:nvSpPr>
+          <p:spPr bwMode="auto">
+            <a:xfrm>
+              <a:off x="3367088" y="-4763"/>
+              <a:ext cx="1063625" cy="2782888"/>
+            </a:xfrm>
+            <a:custGeom>
+              <a:avLst/>
+              <a:gdLst/>
+              <a:ahLst/>
+              <a:cxnLst/>
+              <a:rect l="0" t="0" r="r" b="b"/>
+              <a:pathLst>
+                <a:path w="670" h="1753">
+                  <a:moveTo>
+                    <a:pt x="0" y="1696"/>
+                  </a:moveTo>
+                  <a:lnTo>
+                    <a:pt x="225" y="1753"/>
+                  </a:lnTo>
+                  <a:lnTo>
+                    <a:pt x="670" y="0"/>
+                  </a:lnTo>
+                  <a:lnTo>
+                    <a:pt x="430" y="0"/>
+                  </a:lnTo>
+                  <a:lnTo>
+                    <a:pt x="0" y="1696"/>
+                  </a:lnTo>
+                  <a:close/>
+                </a:path>
+              </a:pathLst>
+            </a:custGeom>
+            <a:solidFill>
+              <a:schemeClr val="accent1"/>
+            </a:solidFill>
+            <a:ln>
+              <a:noFill/>
+            </a:ln>
+          </p:spPr>
+          <p:txBody>
+            <a:bodyPr/>
+            <a:lstStyle/>
+            <a:p>
+              <a:endParaRPr lang="en-US"/>
+            </a:p>
+          </p:txBody>
+        </p:sp>
+        <p:sp>
+          <p:nvSpPr>
+            <p:cNvPr id="11" name="Freeform 7">
+              <a:extLst>
+                <a:ext uri="{FF2B5EF4-FFF2-40B4-BE49-F238E27FC236}">
+                  <a16:creationId xmlns:a16="http://schemas.microsoft.com/office/drawing/2014/main" id="{A85FA340-7392-4303-9707-A12F45A46F96}"/>
+                </a:ext>
+                <a:ext uri="{C183D7F6-B498-43B3-948B-1728B52AA6E4}">
+                  <adec:decorative xmlns:adec="http://schemas.microsoft.com/office/drawing/2017/decorative" val="1"/>
+                </a:ext>
+              </a:extLst>
+            </p:cNvPr>
+            <p:cNvSpPr/>
+            <p:nvPr>
+              <p:extLst>
+                <p:ext uri="{386F3935-93C4-4BCD-93E2-E3B085C9AB24}">
+                  <p16:designElem xmlns:p16="http://schemas.microsoft.com/office/powerpoint/2015/main" val="1"/>
+                </p:ext>
+              </p:extLst>
+            </p:nvPr>
+          </p:nvSpPr>
+          <p:spPr bwMode="auto">
+            <a:xfrm>
+              <a:off x="2928938" y="-4763"/>
+              <a:ext cx="1035050" cy="2673350"/>
+            </a:xfrm>
+            <a:custGeom>
+              <a:avLst/>
+              <a:gdLst/>
+              <a:ahLst/>
+              <a:cxnLst/>
+              <a:rect l="0" t="0" r="r" b="b"/>
+              <a:pathLst>
+                <a:path w="652" h="1684">
+                  <a:moveTo>
+                    <a:pt x="225" y="1684"/>
+                  </a:moveTo>
+                  <a:lnTo>
+                    <a:pt x="652" y="0"/>
+                  </a:lnTo>
+                  <a:lnTo>
+                    <a:pt x="411" y="0"/>
+                  </a:lnTo>
+                  <a:lnTo>
+                    <a:pt x="0" y="1627"/>
+                  </a:lnTo>
+                  <a:lnTo>
+                    <a:pt x="219" y="1681"/>
+                  </a:lnTo>
+                  <a:lnTo>
+                    <a:pt x="225" y="1684"/>
+                  </a:lnTo>
+                  <a:close/>
+                </a:path>
+              </a:pathLst>
+            </a:custGeom>
+            <a:solidFill>
+              <a:schemeClr val="tx1">
+                <a:lumMod val="65000"/>
+                <a:lumOff val="35000"/>
+              </a:schemeClr>
+            </a:solidFill>
+            <a:ln>
+              <a:noFill/>
+            </a:ln>
+          </p:spPr>
+          <p:txBody>
+            <a:bodyPr/>
+            <a:lstStyle/>
+            <a:p>
+              <a:endParaRPr lang="en-US"/>
+            </a:p>
+          </p:txBody>
+        </p:sp>
+        <p:sp>
+          <p:nvSpPr>
+            <p:cNvPr id="12" name="Freeform 9">
+              <a:extLst>
+                <a:ext uri="{FF2B5EF4-FFF2-40B4-BE49-F238E27FC236}">
+                  <a16:creationId xmlns:a16="http://schemas.microsoft.com/office/drawing/2014/main" id="{758A9051-2BD9-4868-8B84-344752FA2F60}"/>
+                </a:ext>
+                <a:ext uri="{C183D7F6-B498-43B3-948B-1728B52AA6E4}">
+                  <adec:decorative xmlns:adec="http://schemas.microsoft.com/office/drawing/2017/decorative" val="1"/>
+                </a:ext>
+              </a:extLst>
+            </p:cNvPr>
+            <p:cNvSpPr/>
+            <p:nvPr>
+              <p:extLst>
+                <p:ext uri="{386F3935-93C4-4BCD-93E2-E3B085C9AB24}">
+                  <p16:designElem xmlns:p16="http://schemas.microsoft.com/office/powerpoint/2015/main" val="1"/>
+                </p:ext>
+              </p:extLst>
+            </p:nvPr>
+          </p:nvSpPr>
+          <p:spPr bwMode="auto">
+            <a:xfrm>
+              <a:off x="2928938" y="2582862"/>
+              <a:ext cx="2693987" cy="4275138"/>
+            </a:xfrm>
+            <a:custGeom>
+              <a:avLst/>
+              <a:gdLst/>
+              <a:ahLst/>
+              <a:cxnLst/>
+              <a:rect l="0" t="0" r="r" b="b"/>
+              <a:pathLst>
+                <a:path w="1697" h="2693">
+                  <a:moveTo>
+                    <a:pt x="0" y="0"/>
+                  </a:moveTo>
+                  <a:lnTo>
+                    <a:pt x="1622" y="2693"/>
+                  </a:lnTo>
+                  <a:lnTo>
+                    <a:pt x="1697" y="2693"/>
+                  </a:lnTo>
+                  <a:lnTo>
+                    <a:pt x="0" y="0"/>
+                  </a:lnTo>
+                  <a:close/>
+                </a:path>
+              </a:pathLst>
+            </a:custGeom>
+            <a:solidFill>
+              <a:schemeClr val="tx1">
+                <a:lumMod val="85000"/>
+                <a:lumOff val="15000"/>
+              </a:schemeClr>
+            </a:solidFill>
+            <a:ln>
+              <a:noFill/>
+            </a:ln>
+          </p:spPr>
+          <p:txBody>
+            <a:bodyPr/>
+            <a:lstStyle/>
+            <a:p>
+              <a:endParaRPr lang="en-US"/>
+            </a:p>
+          </p:txBody>
+        </p:sp>
+        <p:sp>
+          <p:nvSpPr>
+            <p:cNvPr id="13" name="Freeform 10">
+              <a:extLst>
+                <a:ext uri="{FF2B5EF4-FFF2-40B4-BE49-F238E27FC236}">
+                  <a16:creationId xmlns:a16="http://schemas.microsoft.com/office/drawing/2014/main" id="{58264C49-3539-4CBD-8F11-1106C8B8781F}"/>
+                </a:ext>
+                <a:ext uri="{C183D7F6-B498-43B3-948B-1728B52AA6E4}">
+                  <adec:decorative xmlns:adec="http://schemas.microsoft.com/office/drawing/2017/decorative" val="1"/>
+                </a:ext>
+              </a:extLst>
+            </p:cNvPr>
+            <p:cNvSpPr/>
+            <p:nvPr>
+              <p:extLst>
+                <p:ext uri="{386F3935-93C4-4BCD-93E2-E3B085C9AB24}">
+                  <p16:designElem xmlns:p16="http://schemas.microsoft.com/office/powerpoint/2015/main" val="1"/>
+                </p:ext>
+              </p:extLst>
+            </p:nvPr>
+          </p:nvSpPr>
+          <p:spPr bwMode="auto">
+            <a:xfrm>
+              <a:off x="3371850" y="2692400"/>
+              <a:ext cx="3332162" cy="4165600"/>
+            </a:xfrm>
+            <a:custGeom>
+              <a:avLst/>
+              <a:gdLst/>
+              <a:ahLst/>
+              <a:cxnLst/>
+              <a:rect l="0" t="0" r="r" b="b"/>
+              <a:pathLst>
+                <a:path w="2099" h="2624">
+                  <a:moveTo>
+                    <a:pt x="2099" y="2624"/>
+                  </a:moveTo>
+                  <a:lnTo>
+                    <a:pt x="0" y="0"/>
+                  </a:lnTo>
+                  <a:lnTo>
+                    <a:pt x="2021" y="2624"/>
+                  </a:lnTo>
+                  <a:lnTo>
+                    <a:pt x="2099" y="2624"/>
+                  </a:lnTo>
+                  <a:close/>
+                </a:path>
+              </a:pathLst>
+            </a:custGeom>
+            <a:solidFill>
+              <a:schemeClr val="accent1">
+                <a:lumMod val="50000"/>
+              </a:schemeClr>
+            </a:solidFill>
+            <a:ln>
+              <a:noFill/>
+            </a:ln>
+          </p:spPr>
+          <p:txBody>
+            <a:bodyPr/>
+            <a:lstStyle/>
+            <a:p>
+              <a:endParaRPr lang="en-US"/>
+            </a:p>
+          </p:txBody>
+        </p:sp>
+        <p:sp>
+          <p:nvSpPr>
+            <p:cNvPr id="14" name="Freeform 11">
+              <a:extLst>
+                <a:ext uri="{FF2B5EF4-FFF2-40B4-BE49-F238E27FC236}">
+                  <a16:creationId xmlns:a16="http://schemas.microsoft.com/office/drawing/2014/main" id="{DE862133-5C7E-4B32-9786-0B33BC51A75B}"/>
+                </a:ext>
+                <a:ext uri="{C183D7F6-B498-43B3-948B-1728B52AA6E4}">
+                  <adec:decorative xmlns:adec="http://schemas.microsoft.com/office/drawing/2017/decorative" val="1"/>
+                </a:ext>
+              </a:extLst>
+            </p:cNvPr>
+            <p:cNvSpPr/>
+            <p:nvPr>
+              <p:extLst>
+                <p:ext uri="{386F3935-93C4-4BCD-93E2-E3B085C9AB24}">
+                  <p16:designElem xmlns:p16="http://schemas.microsoft.com/office/powerpoint/2015/main" val="1"/>
+                </p:ext>
+              </p:extLst>
+            </p:nvPr>
+          </p:nvSpPr>
+          <p:spPr bwMode="auto">
+            <a:xfrm>
+              <a:off x="3367088" y="2687637"/>
+              <a:ext cx="4576762" cy="4170363"/>
+            </a:xfrm>
+            <a:custGeom>
+              <a:avLst/>
+              <a:gdLst/>
+              <a:ahLst/>
+              <a:cxnLst/>
+              <a:rect l="0" t="0" r="r" b="b"/>
+              <a:pathLst>
+                <a:path w="2883" h="2627">
+                  <a:moveTo>
+                    <a:pt x="0" y="0"/>
+                  </a:moveTo>
+                  <a:lnTo>
+                    <a:pt x="3" y="3"/>
+                  </a:lnTo>
+                  <a:lnTo>
+                    <a:pt x="2102" y="2627"/>
+                  </a:lnTo>
+                  <a:lnTo>
+                    <a:pt x="2883" y="2627"/>
+                  </a:lnTo>
+                  <a:lnTo>
+                    <a:pt x="225" y="57"/>
+                  </a:lnTo>
+                  <a:lnTo>
+                    <a:pt x="0" y="0"/>
+                  </a:lnTo>
+                  <a:close/>
+                </a:path>
+              </a:pathLst>
+            </a:custGeom>
+            <a:solidFill>
+              <a:schemeClr val="accent1">
+                <a:lumMod val="75000"/>
+              </a:schemeClr>
+            </a:solidFill>
+            <a:ln>
+              <a:noFill/>
+            </a:ln>
+          </p:spPr>
+          <p:txBody>
+            <a:bodyPr/>
+            <a:lstStyle/>
+            <a:p>
+              <a:endParaRPr lang="en-US"/>
+            </a:p>
+          </p:txBody>
+        </p:sp>
+        <p:sp>
+          <p:nvSpPr>
+            <p:cNvPr id="15" name="Freeform 12">
+              <a:extLst>
+                <a:ext uri="{FF2B5EF4-FFF2-40B4-BE49-F238E27FC236}">
+                  <a16:creationId xmlns:a16="http://schemas.microsoft.com/office/drawing/2014/main" id="{90925F6C-DF03-4707-9176-6049F049B5AA}"/>
+                </a:ext>
+                <a:ext uri="{C183D7F6-B498-43B3-948B-1728B52AA6E4}">
+                  <adec:decorative xmlns:adec="http://schemas.microsoft.com/office/drawing/2017/decorative" val="1"/>
+                </a:ext>
+              </a:extLst>
+            </p:cNvPr>
+            <p:cNvSpPr/>
+            <p:nvPr>
+              <p:extLst>
+                <p:ext uri="{386F3935-93C4-4BCD-93E2-E3B085C9AB24}">
+                  <p16:designElem xmlns:p16="http://schemas.microsoft.com/office/powerpoint/2015/main" val="1"/>
+                </p:ext>
+              </p:extLst>
+            </p:nvPr>
+          </p:nvSpPr>
+          <p:spPr bwMode="auto">
+            <a:xfrm>
+              <a:off x="2928938" y="2578100"/>
+              <a:ext cx="3584575" cy="4279900"/>
+            </a:xfrm>
+            <a:custGeom>
+              <a:avLst/>
+              <a:gdLst/>
+              <a:ahLst/>
+              <a:cxnLst/>
+              <a:rect l="0" t="0" r="r" b="b"/>
+              <a:pathLst>
+                <a:path w="2258" h="2696">
+                  <a:moveTo>
+                    <a:pt x="2258" y="2696"/>
+                  </a:moveTo>
+                  <a:lnTo>
+                    <a:pt x="264" y="111"/>
+                  </a:lnTo>
+                  <a:lnTo>
+                    <a:pt x="228" y="60"/>
+                  </a:lnTo>
+                  <a:lnTo>
+                    <a:pt x="225" y="57"/>
+                  </a:lnTo>
+                  <a:lnTo>
+                    <a:pt x="0" y="0"/>
+                  </a:lnTo>
+                  <a:lnTo>
+                    <a:pt x="0" y="3"/>
+                  </a:lnTo>
+                  <a:lnTo>
+                    <a:pt x="1697" y="2696"/>
+                  </a:lnTo>
+                  <a:lnTo>
+                    <a:pt x="2258" y="2696"/>
+                  </a:lnTo>
+                  <a:close/>
+                </a:path>
+              </a:pathLst>
+            </a:custGeom>
+            <a:solidFill>
+              <a:schemeClr val="tx1">
+                <a:lumMod val="75000"/>
+                <a:lumOff val="25000"/>
+              </a:schemeClr>
+            </a:solidFill>
+            <a:ln>
+              <a:noFill/>
+            </a:ln>
+          </p:spPr>
+          <p:txBody>
+            <a:bodyPr/>
+            <a:lstStyle/>
+            <a:p>
+              <a:endParaRPr lang="en-US"/>
+            </a:p>
+          </p:txBody>
+        </p:sp>
+      </p:grpSp>
       <p:sp>
         <p:nvSpPr>
           <p:cNvPr id="2" name="Title 1">
@@ -29558,18 +30041,23 @@
         </p:nvSpPr>
         <p:spPr>
           <a:xfrm>
-            <a:off x="1484311" y="685800"/>
-            <a:ext cx="10018713" cy="4463143"/>
+            <a:off x="4089399" y="3913414"/>
+            <a:ext cx="7413623" cy="1320437"/>
           </a:xfrm>
         </p:spPr>
         <p:txBody>
-          <a:bodyPr>
-            <a:noAutofit/>
+          <a:bodyPr vert="horz" lIns="91440" tIns="45720" rIns="91440" bIns="45720" rtlCol="0" anchor="b">
+            <a:normAutofit/>
           </a:bodyPr>
           <a:lstStyle/>
           <a:p>
-            <a:r>
-              <a:rPr lang="en-US" dirty="0">
+            <a:pPr algn="r">
+              <a:lnSpc>
+                <a:spcPct val="90000"/>
+              </a:lnSpc>
+            </a:pPr>
+            <a:r>
+              <a:rPr lang="en-US" sz="2800" dirty="0">
                 <a:solidFill>
                   <a:srgbClr val="C00000"/>
                 </a:solidFill>
@@ -29577,71 +30065,148 @@
               <a:t>Step 7: Impute Missing</a:t>
             </a:r>
             <a:br>
-              <a:rPr lang="en-US" sz="2800" dirty="0"/>
+              <a:rPr lang="en-US" sz="1500" dirty="0"/>
             </a:br>
             <a:r>
-              <a:rPr lang="en-US" sz="2800" dirty="0"/>
+              <a:rPr lang="en-US" sz="2000" dirty="0"/>
               <a:t>Handled missing values in 'Order Item Total' using </a:t>
             </a:r>
             <a:r>
-              <a:rPr lang="en-US" sz="2800" dirty="0" err="1"/>
+              <a:rPr lang="en-US" sz="2000" dirty="0" err="1"/>
               <a:t>SimpleImputer</a:t>
             </a:r>
             <a:r>
-              <a:rPr lang="en-US" sz="2800" dirty="0"/>
+              <a:rPr lang="en-US" sz="2000" dirty="0"/>
               <a:t> (mean strategy)</a:t>
             </a:r>
             <a:br>
-              <a:rPr lang="en-US" dirty="0">
-                <a:solidFill>
-                  <a:srgbClr val="C00000"/>
-                </a:solidFill>
-              </a:rPr>
+              <a:rPr lang="en-US" sz="2000" dirty="0"/>
             </a:br>
-            <a:r>
-              <a:rPr lang="en-US" dirty="0">
-                <a:solidFill>
-                  <a:srgbClr val="C00000"/>
-                </a:solidFill>
-              </a:rPr>
-              <a:t>step 8: Numerical Scaling</a:t>
-            </a:r>
-            <a:br>
-              <a:rPr lang="en-US" sz="2800" dirty="0"/>
-            </a:br>
-            <a:r>
-              <a:rPr lang="en-US" sz="2800" dirty="0"/>
-              <a:t>Applied </a:t>
-            </a:r>
-            <a:r>
-              <a:rPr lang="en-US" sz="2800" dirty="0" err="1"/>
-              <a:t>StandardScaler</a:t>
-            </a:r>
-            <a:r>
-              <a:rPr lang="en-US" sz="2800" dirty="0"/>
-              <a:t> to scale 'Order Item Total' values</a:t>
-            </a:r>
-            <a:br>
-              <a:rPr lang="en-US" sz="2800" dirty="0"/>
-            </a:br>
-            <a:r>
-              <a:rPr lang="en-US" dirty="0">
-                <a:solidFill>
-                  <a:srgbClr val="C00000"/>
-                </a:solidFill>
-              </a:rPr>
-              <a:t>step 9: Handle Class Imbalance</a:t>
-            </a:r>
-            <a:br>
-              <a:rPr lang="en-US" sz="2800" dirty="0"/>
-            </a:br>
-            <a:r>
-              <a:rPr lang="en-US" sz="2800" dirty="0"/>
-              <a:t>Used SMOTE (Synthetic Minority Over-sampling Technique) to balance training data</a:t>
-            </a:r>
+            <a:endParaRPr lang="en-US" sz="2000" dirty="0"/>
           </a:p>
         </p:txBody>
       </p:sp>
+      <p:sp>
+        <p:nvSpPr>
+          <p:cNvPr id="17" name="Rounded Rectangle 6">
+            <a:extLst>
+              <a:ext uri="{FF2B5EF4-FFF2-40B4-BE49-F238E27FC236}">
+                <a16:creationId xmlns:a16="http://schemas.microsoft.com/office/drawing/2014/main" id="{EF3E1F0C-BCD9-491F-A435-D4A48FB439B9}"/>
+              </a:ext>
+              <a:ext uri="{C183D7F6-B498-43B3-948B-1728B52AA6E4}">
+                <adec:decorative xmlns:adec="http://schemas.microsoft.com/office/drawing/2017/decorative" val="1"/>
+              </a:ext>
+            </a:extLst>
+          </p:cNvPr>
+          <p:cNvSpPr>
+            <a:spLocks noGrp="1" noRot="1" noChangeAspect="1" noMove="1" noResize="1" noEditPoints="1" noAdjustHandles="1" noChangeArrowheads="1" noChangeShapeType="1" noTextEdit="1"/>
+          </p:cNvSpPr>
+          <p:nvPr>
+            <p:extLst>
+              <p:ext uri="{386F3935-93C4-4BCD-93E2-E3B085C9AB24}">
+                <p16:designElem xmlns:p16="http://schemas.microsoft.com/office/powerpoint/2015/main" val="1"/>
+              </p:ext>
+            </p:extLst>
+          </p:nvPr>
+        </p:nvSpPr>
+        <p:spPr>
+          <a:xfrm>
+            <a:off x="3718560" y="609600"/>
+            <a:ext cx="7833360" cy="3139440"/>
+          </a:xfrm>
+          <a:prstGeom prst="roundRect">
+            <a:avLst>
+              <a:gd name="adj" fmla="val 4834"/>
+            </a:avLst>
+          </a:prstGeom>
+          <a:solidFill>
+            <a:schemeClr val="bg1"/>
+          </a:solidFill>
+          <a:ln w="38100">
+            <a:gradFill flip="none" rotWithShape="1">
+              <a:gsLst>
+                <a:gs pos="0">
+                  <a:schemeClr val="bg2"/>
+                </a:gs>
+                <a:gs pos="100000">
+                  <a:schemeClr val="bg2">
+                    <a:lumMod val="75000"/>
+                  </a:schemeClr>
+                </a:gs>
+              </a:gsLst>
+              <a:lin ang="5400000" scaled="0"/>
+              <a:tileRect/>
+            </a:gradFill>
+          </a:ln>
+          <a:effectLst>
+            <a:innerShdw blurRad="57150" dist="38100" dir="14460000">
+              <a:srgbClr val="000000">
+                <a:alpha val="70000"/>
+              </a:srgbClr>
+            </a:innerShdw>
+          </a:effectLst>
+        </p:spPr>
+        <p:style>
+          <a:lnRef idx="2">
+            <a:schemeClr val="accent1">
+              <a:shade val="50000"/>
+            </a:schemeClr>
+          </a:lnRef>
+          <a:fillRef idx="1">
+            <a:schemeClr val="accent1"/>
+          </a:fillRef>
+          <a:effectRef idx="0">
+            <a:schemeClr val="accent1"/>
+          </a:effectRef>
+          <a:fontRef idx="minor">
+            <a:schemeClr val="lt1"/>
+          </a:fontRef>
+        </p:style>
+        <p:txBody>
+          <a:bodyPr rtlCol="0" anchor="ctr"/>
+          <a:lstStyle/>
+          <a:p>
+            <a:pPr algn="ctr"/>
+            <a:endParaRPr lang="en-US"/>
+          </a:p>
+        </p:txBody>
+      </p:sp>
+      <p:pic>
+        <p:nvPicPr>
+          <p:cNvPr id="4" name="Picture 3" descr="A white background with black text&#10;&#10;AI-generated content may be incorrect.">
+            <a:extLst>
+              <a:ext uri="{FF2B5EF4-FFF2-40B4-BE49-F238E27FC236}">
+                <a16:creationId xmlns:a16="http://schemas.microsoft.com/office/drawing/2014/main" id="{DE392D9E-A27C-63C1-6404-1663B3492C4F}"/>
+              </a:ext>
+            </a:extLst>
+          </p:cNvPr>
+          <p:cNvPicPr>
+            <a:picLocks noChangeAspect="1"/>
+          </p:cNvPicPr>
+          <p:nvPr/>
+        </p:nvPicPr>
+        <p:blipFill>
+          <a:blip r:embed="rId3">
+            <a:extLst>
+              <a:ext uri="{28A0092B-C50C-407E-A947-70E740481C1C}">
+                <a14:useLocalDpi xmlns:a14="http://schemas.microsoft.com/office/drawing/2010/main" val="0"/>
+              </a:ext>
+            </a:extLst>
+          </a:blip>
+          <a:stretch>
+            <a:fillRect/>
+          </a:stretch>
+        </p:blipFill>
+        <p:spPr>
+          <a:xfrm>
+            <a:off x="4154901" y="952500"/>
+            <a:ext cx="6960678" cy="2453640"/>
+          </a:xfrm>
+          <a:prstGeom prst="rect">
+            <a:avLst/>
+          </a:prstGeom>
+        </p:spPr>
+      </p:pic>
     </p:spTree>
     <p:extLst>
       <p:ext uri="{BB962C8B-B14F-4D97-AF65-F5344CB8AC3E}">
@@ -29690,8 +30255,8 @@
         </p:nvSpPr>
         <p:spPr>
           <a:xfrm>
-            <a:off x="1353682" y="381000"/>
-            <a:ext cx="10018713" cy="4855027"/>
+            <a:off x="1353682" y="-321129"/>
+            <a:ext cx="10018713" cy="7233558"/>
           </a:xfrm>
         </p:spPr>
         <p:txBody>
@@ -29701,6 +30266,163 @@
           <a:lstStyle/>
           <a:p>
             <a:r>
+              <a:rPr kumimoji="0" lang="en-US" sz="4000" b="0" i="0" u="none" strike="noStrike" kern="1200" cap="none" spc="0" normalizeH="0" baseline="0" noProof="0" dirty="0">
+                <a:ln w="3175" cmpd="sng">
+                  <a:noFill/>
+                </a:ln>
+                <a:solidFill>
+                  <a:srgbClr val="C00000"/>
+                </a:solidFill>
+                <a:effectLst/>
+                <a:uLnTx/>
+                <a:uFillTx/>
+                <a:latin typeface="Corbel" panose="020B0503020204020204"/>
+                <a:ea typeface="+mj-ea"/>
+                <a:cs typeface="+mj-cs"/>
+              </a:rPr>
+              <a:t>step 8: Numerical Scaling</a:t>
+            </a:r>
+            <a:br>
+              <a:rPr kumimoji="0" lang="en-US" sz="2800" b="0" i="0" u="none" strike="noStrike" kern="1200" cap="none" spc="0" normalizeH="0" baseline="0" noProof="0" dirty="0">
+                <a:ln w="3175" cmpd="sng">
+                  <a:noFill/>
+                </a:ln>
+                <a:solidFill>
+                  <a:prstClr val="black"/>
+                </a:solidFill>
+                <a:effectLst/>
+                <a:uLnTx/>
+                <a:uFillTx/>
+                <a:latin typeface="Corbel" panose="020B0503020204020204"/>
+                <a:ea typeface="+mj-ea"/>
+                <a:cs typeface="+mj-cs"/>
+              </a:rPr>
+            </a:br>
+            <a:r>
+              <a:rPr kumimoji="0" lang="en-US" sz="2800" b="0" i="0" u="none" strike="noStrike" kern="1200" cap="none" spc="0" normalizeH="0" baseline="0" noProof="0" dirty="0">
+                <a:ln w="3175" cmpd="sng">
+                  <a:noFill/>
+                </a:ln>
+                <a:solidFill>
+                  <a:prstClr val="black"/>
+                </a:solidFill>
+                <a:effectLst/>
+                <a:uLnTx/>
+                <a:uFillTx/>
+                <a:latin typeface="Corbel" panose="020B0503020204020204"/>
+                <a:ea typeface="+mj-ea"/>
+                <a:cs typeface="+mj-cs"/>
+              </a:rPr>
+              <a:t>Applied </a:t>
+            </a:r>
+            <a:r>
+              <a:rPr kumimoji="0" lang="en-US" sz="2800" b="0" i="0" u="none" strike="noStrike" kern="1200" cap="none" spc="0" normalizeH="0" baseline="0" noProof="0" dirty="0" err="1">
+                <a:ln w="3175" cmpd="sng">
+                  <a:noFill/>
+                </a:ln>
+                <a:solidFill>
+                  <a:prstClr val="black"/>
+                </a:solidFill>
+                <a:effectLst/>
+                <a:uLnTx/>
+                <a:uFillTx/>
+                <a:latin typeface="Corbel" panose="020B0503020204020204"/>
+                <a:ea typeface="+mj-ea"/>
+                <a:cs typeface="+mj-cs"/>
+              </a:rPr>
+              <a:t>StandardScaler</a:t>
+            </a:r>
+            <a:r>
+              <a:rPr kumimoji="0" lang="en-US" sz="2800" b="0" i="0" u="none" strike="noStrike" kern="1200" cap="none" spc="0" normalizeH="0" baseline="0" noProof="0" dirty="0">
+                <a:ln w="3175" cmpd="sng">
+                  <a:noFill/>
+                </a:ln>
+                <a:solidFill>
+                  <a:prstClr val="black"/>
+                </a:solidFill>
+                <a:effectLst/>
+                <a:uLnTx/>
+                <a:uFillTx/>
+                <a:latin typeface="Corbel" panose="020B0503020204020204"/>
+                <a:ea typeface="+mj-ea"/>
+                <a:cs typeface="+mj-cs"/>
+              </a:rPr>
+              <a:t> to scale 'Order Item Total' values</a:t>
+            </a:r>
+            <a:br>
+              <a:rPr kumimoji="0" lang="en-US" sz="2800" b="0" i="0" u="none" strike="noStrike" kern="1200" cap="none" spc="0" normalizeH="0" baseline="0" noProof="0" dirty="0">
+                <a:ln w="3175" cmpd="sng">
+                  <a:noFill/>
+                </a:ln>
+                <a:solidFill>
+                  <a:prstClr val="black"/>
+                </a:solidFill>
+                <a:effectLst/>
+                <a:uLnTx/>
+                <a:uFillTx/>
+                <a:latin typeface="Corbel" panose="020B0503020204020204"/>
+                <a:ea typeface="+mj-ea"/>
+                <a:cs typeface="+mj-cs"/>
+              </a:rPr>
+            </a:br>
+            <a:r>
+              <a:rPr kumimoji="0" lang="en-US" sz="4000" b="0" i="0" u="none" strike="noStrike" kern="1200" cap="none" spc="0" normalizeH="0" baseline="0" noProof="0" dirty="0">
+                <a:ln w="3175" cmpd="sng">
+                  <a:noFill/>
+                </a:ln>
+                <a:solidFill>
+                  <a:srgbClr val="C00000"/>
+                </a:solidFill>
+                <a:effectLst/>
+                <a:uLnTx/>
+                <a:uFillTx/>
+                <a:latin typeface="Corbel" panose="020B0503020204020204"/>
+                <a:ea typeface="+mj-ea"/>
+                <a:cs typeface="+mj-cs"/>
+              </a:rPr>
+              <a:t>step 9: Handle Class Imbalance</a:t>
+            </a:r>
+            <a:br>
+              <a:rPr kumimoji="0" lang="en-US" sz="2800" b="0" i="0" u="none" strike="noStrike" kern="1200" cap="none" spc="0" normalizeH="0" baseline="0" noProof="0" dirty="0">
+                <a:ln w="3175" cmpd="sng">
+                  <a:noFill/>
+                </a:ln>
+                <a:solidFill>
+                  <a:prstClr val="black"/>
+                </a:solidFill>
+                <a:effectLst/>
+                <a:uLnTx/>
+                <a:uFillTx/>
+                <a:latin typeface="Corbel" panose="020B0503020204020204"/>
+                <a:ea typeface="+mj-ea"/>
+                <a:cs typeface="+mj-cs"/>
+              </a:rPr>
+            </a:br>
+            <a:r>
+              <a:rPr kumimoji="0" lang="en-US" sz="2800" b="0" i="0" u="none" strike="noStrike" kern="1200" cap="none" spc="0" normalizeH="0" baseline="0" noProof="0" dirty="0">
+                <a:ln w="3175" cmpd="sng">
+                  <a:noFill/>
+                </a:ln>
+                <a:solidFill>
+                  <a:prstClr val="black"/>
+                </a:solidFill>
+                <a:effectLst/>
+                <a:uLnTx/>
+                <a:uFillTx/>
+                <a:latin typeface="Corbel" panose="020B0503020204020204"/>
+                <a:ea typeface="+mj-ea"/>
+                <a:cs typeface="+mj-cs"/>
+              </a:rPr>
+              <a:t>Used SMOTE (Synthetic Minority Over-sampling Technique) to balance training data</a:t>
+            </a:r>
+            <a:br>
+              <a:rPr lang="en-US" sz="4400" dirty="0">
+                <a:solidFill>
+                  <a:srgbClr val="C00000"/>
+                </a:solidFill>
+              </a:rPr>
+            </a:br>
+            <a:r>
               <a:rPr lang="en-US" sz="4400" dirty="0">
                 <a:solidFill>
                   <a:srgbClr val="C00000"/>
@@ -29713,11 +30435,7 @@
             </a:br>
             <a:r>
               <a:rPr lang="en-US" sz="3100" dirty="0"/>
-              <a:t>Trained a Logistic Regression model using the balanced </a:t>
-            </a:r>
-            <a:r>
-              <a:rPr lang="en-US" sz="3100"/>
-              <a:t>training set.</a:t>
+              <a:t>Trained a Logistic Regression model using the balanced training set.</a:t>
             </a:r>
             <a:br>
               <a:rPr lang="en-US" dirty="0"/>

--- a/New Microsoft PowerPoint Presentation.pptx
+++ b/New Microsoft PowerPoint Presentation.pptx
@@ -5,7 +5,7 @@
     <p:sldMasterId id="2147483749" r:id="rId1"/>
   </p:sldMasterIdLst>
   <p:notesMasterIdLst>
-    <p:notesMasterId r:id="rId52"/>
+    <p:notesMasterId r:id="rId55"/>
   </p:notesMasterIdLst>
   <p:sldIdLst>
     <p:sldId id="256" r:id="rId2"/>
@@ -25,39 +25,42 @@
     <p:sldId id="270" r:id="rId16"/>
     <p:sldId id="271" r:id="rId17"/>
     <p:sldId id="272" r:id="rId18"/>
-    <p:sldId id="273" r:id="rId19"/>
-    <p:sldId id="292" r:id="rId20"/>
-    <p:sldId id="274" r:id="rId21"/>
-    <p:sldId id="290" r:id="rId22"/>
-    <p:sldId id="291" r:id="rId23"/>
-    <p:sldId id="293" r:id="rId24"/>
-    <p:sldId id="275" r:id="rId25"/>
-    <p:sldId id="276" r:id="rId26"/>
-    <p:sldId id="294" r:id="rId27"/>
-    <p:sldId id="277" r:id="rId28"/>
-    <p:sldId id="278" r:id="rId29"/>
-    <p:sldId id="279" r:id="rId30"/>
-    <p:sldId id="280" r:id="rId31"/>
-    <p:sldId id="295" r:id="rId32"/>
-    <p:sldId id="296" r:id="rId33"/>
-    <p:sldId id="281" r:id="rId34"/>
-    <p:sldId id="297" r:id="rId35"/>
-    <p:sldId id="282" r:id="rId36"/>
-    <p:sldId id="298" r:id="rId37"/>
-    <p:sldId id="283" r:id="rId38"/>
-    <p:sldId id="299" r:id="rId39"/>
-    <p:sldId id="284" r:id="rId40"/>
-    <p:sldId id="301" r:id="rId41"/>
-    <p:sldId id="300" r:id="rId42"/>
-    <p:sldId id="302" r:id="rId43"/>
-    <p:sldId id="303" r:id="rId44"/>
-    <p:sldId id="304" r:id="rId45"/>
-    <p:sldId id="305" r:id="rId46"/>
-    <p:sldId id="285" r:id="rId47"/>
-    <p:sldId id="286" r:id="rId48"/>
-    <p:sldId id="287" r:id="rId49"/>
-    <p:sldId id="288" r:id="rId50"/>
-    <p:sldId id="289" r:id="rId51"/>
+    <p:sldId id="306" r:id="rId19"/>
+    <p:sldId id="273" r:id="rId20"/>
+    <p:sldId id="292" r:id="rId21"/>
+    <p:sldId id="274" r:id="rId22"/>
+    <p:sldId id="290" r:id="rId23"/>
+    <p:sldId id="291" r:id="rId24"/>
+    <p:sldId id="293" r:id="rId25"/>
+    <p:sldId id="275" r:id="rId26"/>
+    <p:sldId id="276" r:id="rId27"/>
+    <p:sldId id="294" r:id="rId28"/>
+    <p:sldId id="277" r:id="rId29"/>
+    <p:sldId id="307" r:id="rId30"/>
+    <p:sldId id="278" r:id="rId31"/>
+    <p:sldId id="279" r:id="rId32"/>
+    <p:sldId id="308" r:id="rId33"/>
+    <p:sldId id="280" r:id="rId34"/>
+    <p:sldId id="295" r:id="rId35"/>
+    <p:sldId id="296" r:id="rId36"/>
+    <p:sldId id="281" r:id="rId37"/>
+    <p:sldId id="297" r:id="rId38"/>
+    <p:sldId id="282" r:id="rId39"/>
+    <p:sldId id="298" r:id="rId40"/>
+    <p:sldId id="283" r:id="rId41"/>
+    <p:sldId id="299" r:id="rId42"/>
+    <p:sldId id="284" r:id="rId43"/>
+    <p:sldId id="301" r:id="rId44"/>
+    <p:sldId id="300" r:id="rId45"/>
+    <p:sldId id="302" r:id="rId46"/>
+    <p:sldId id="303" r:id="rId47"/>
+    <p:sldId id="304" r:id="rId48"/>
+    <p:sldId id="305" r:id="rId49"/>
+    <p:sldId id="285" r:id="rId50"/>
+    <p:sldId id="286" r:id="rId51"/>
+    <p:sldId id="287" r:id="rId52"/>
+    <p:sldId id="288" r:id="rId53"/>
+    <p:sldId id="289" r:id="rId54"/>
   </p:sldIdLst>
   <p:sldSz cx="12192000" cy="6858000"/>
   <p:notesSz cx="6858000" cy="9144000"/>
@@ -182,6 +185,7 @@
             <p14:sldId id="270"/>
             <p14:sldId id="271"/>
             <p14:sldId id="272"/>
+            <p14:sldId id="306"/>
             <p14:sldId id="273"/>
             <p14:sldId id="292"/>
             <p14:sldId id="274"/>
@@ -192,8 +196,10 @@
             <p14:sldId id="276"/>
             <p14:sldId id="294"/>
             <p14:sldId id="277"/>
+            <p14:sldId id="307"/>
             <p14:sldId id="278"/>
             <p14:sldId id="279"/>
+            <p14:sldId id="308"/>
             <p14:sldId id="280"/>
             <p14:sldId id="295"/>
             <p14:sldId id="296"/>
@@ -13703,6 +13709,125 @@
 <file path=ppt/slides/slide18.xml><?xml version="1.0" encoding="utf-8"?>
 <p:sld xmlns:a="http://schemas.openxmlformats.org/drawingml/2006/main" xmlns:r="http://schemas.openxmlformats.org/officeDocument/2006/relationships" xmlns:p="http://schemas.openxmlformats.org/presentationml/2006/main">
   <p:cSld>
+    <p:spTree>
+      <p:nvGrpSpPr>
+        <p:cNvPr id="1" name=""/>
+        <p:cNvGrpSpPr/>
+        <p:nvPr/>
+      </p:nvGrpSpPr>
+      <p:grpSpPr>
+        <a:xfrm>
+          <a:off x="0" y="0"/>
+          <a:ext cx="0" cy="0"/>
+          <a:chOff x="0" y="0"/>
+          <a:chExt cx="0" cy="0"/>
+        </a:xfrm>
+      </p:grpSpPr>
+      <p:sp>
+        <p:nvSpPr>
+          <p:cNvPr id="2" name="Title 1">
+            <a:extLst>
+              <a:ext uri="{FF2B5EF4-FFF2-40B4-BE49-F238E27FC236}">
+                <a16:creationId xmlns:a16="http://schemas.microsoft.com/office/drawing/2014/main" id="{931BD17D-CEF2-1ED4-430C-EEC4BB831E4C}"/>
+              </a:ext>
+            </a:extLst>
+          </p:cNvPr>
+          <p:cNvSpPr>
+            <a:spLocks noGrp="1"/>
+          </p:cNvSpPr>
+          <p:nvPr>
+            <p:ph type="title"/>
+          </p:nvPr>
+        </p:nvSpPr>
+        <p:spPr>
+          <a:xfrm>
+            <a:off x="1723797" y="489858"/>
+            <a:ext cx="10018713" cy="4865914"/>
+          </a:xfrm>
+        </p:spPr>
+        <p:txBody>
+          <a:bodyPr/>
+          <a:lstStyle/>
+          <a:p>
+            <a:r>
+              <a:rPr lang="en-US" dirty="0">
+                <a:solidFill>
+                  <a:srgbClr val="C00000"/>
+                </a:solidFill>
+              </a:rPr>
+              <a:t>6-Data Analysis</a:t>
+            </a:r>
+            <a:br>
+              <a:rPr lang="en-US" dirty="0">
+                <a:solidFill>
+                  <a:srgbClr val="C00000"/>
+                </a:solidFill>
+              </a:rPr>
+            </a:br>
+            <a:r>
+              <a:rPr lang="en-US" dirty="0">
+                <a:solidFill>
+                  <a:srgbClr val="C00000"/>
+                </a:solidFill>
+              </a:rPr>
+              <a:t>Analytical Questions.</a:t>
+            </a:r>
+            <a:br>
+              <a:rPr lang="en-US" dirty="0">
+                <a:solidFill>
+                  <a:srgbClr val="C00000"/>
+                </a:solidFill>
+              </a:rPr>
+            </a:br>
+            <a:r>
+              <a:rPr lang="en-US" dirty="0">
+                <a:solidFill>
+                  <a:srgbClr val="C00000"/>
+                </a:solidFill>
+              </a:rPr>
+              <a:t>Univariate Analysis – Insights:</a:t>
+            </a:r>
+            <a:br>
+              <a:rPr lang="ar-EG" dirty="0">
+                <a:solidFill>
+                  <a:srgbClr val="C00000"/>
+                </a:solidFill>
+              </a:rPr>
+            </a:br>
+            <a:r>
+              <a:rPr lang="en-US" sz="2800" dirty="0"/>
+              <a:t>Calculated: Overall column means</a:t>
+            </a:r>
+            <a:br>
+              <a:rPr lang="ar-EG" sz="2800" dirty="0"/>
+            </a:br>
+            <a:r>
+              <a:rPr lang="en-US" sz="2800" dirty="0"/>
+              <a:t>Calculated: Overall column medians</a:t>
+            </a:r>
+            <a:br>
+              <a:rPr lang="en-US" dirty="0"/>
+            </a:br>
+            <a:endParaRPr lang="en-US" dirty="0"/>
+          </a:p>
+        </p:txBody>
+      </p:sp>
+    </p:spTree>
+    <p:extLst>
+      <p:ext uri="{BB962C8B-B14F-4D97-AF65-F5344CB8AC3E}">
+        <p14:creationId xmlns:p14="http://schemas.microsoft.com/office/powerpoint/2010/main" val="2298359212"/>
+      </p:ext>
+    </p:extLst>
+  </p:cSld>
+  <p:clrMapOvr>
+    <a:masterClrMapping/>
+  </p:clrMapOvr>
+</p:sld>
+</file>
+
+<file path=ppt/slides/slide19.xml><?xml version="1.0" encoding="utf-8"?>
+<p:sld xmlns:a="http://schemas.openxmlformats.org/drawingml/2006/main" xmlns:r="http://schemas.openxmlformats.org/officeDocument/2006/relationships" xmlns:p="http://schemas.openxmlformats.org/presentationml/2006/main">
+  <p:cSld>
     <p:bg>
       <p:bgPr>
         <a:blipFill rotWithShape="1">
@@ -14224,7 +14349,7 @@
         </p:spPr>
         <p:txBody>
           <a:bodyPr vert="horz" lIns="91440" tIns="45720" rIns="91440" bIns="45720" rtlCol="0" anchor="b">
-            <a:normAutofit fontScale="90000"/>
+            <a:normAutofit/>
           </a:bodyPr>
           <a:lstStyle/>
           <a:p>
@@ -14233,44 +14358,13 @@
                 <a:spcPct val="90000"/>
               </a:lnSpc>
             </a:pPr>
-            <a:r>
-              <a:rPr lang="en-US" sz="3100" dirty="0">
-                <a:solidFill>
-                  <a:srgbClr val="C00000"/>
-                </a:solidFill>
-              </a:rPr>
-              <a:t>6-Data Analysis</a:t>
-            </a:r>
             <a:br>
-              <a:rPr lang="en-US" sz="3100" dirty="0">
+              <a:rPr lang="ar-EG" sz="3100" dirty="0">
                 <a:solidFill>
                   <a:srgbClr val="C00000"/>
                 </a:solidFill>
               </a:rPr>
             </a:br>
-            <a:r>
-              <a:rPr lang="en-US" sz="3100" dirty="0">
-                <a:solidFill>
-                  <a:srgbClr val="C00000"/>
-                </a:solidFill>
-              </a:rPr>
-              <a:t>Analytical Questions.</a:t>
-            </a:r>
-            <a:br>
-              <a:rPr lang="en-US" sz="3100" dirty="0">
-                <a:solidFill>
-                  <a:srgbClr val="C00000"/>
-                </a:solidFill>
-              </a:rPr>
-            </a:br>
-            <a:r>
-              <a:rPr lang="en-US" sz="3100" dirty="0">
-                <a:solidFill>
-                  <a:srgbClr val="C00000"/>
-                </a:solidFill>
-              </a:rPr>
-              <a:t>Univariate Analysis – Insights:</a:t>
-            </a:r>
             <a:br>
               <a:rPr lang="en-US" sz="2000" dirty="0"/>
             </a:br>
@@ -14278,7 +14372,11 @@
               <a:rPr lang="en-US" sz="2000" dirty="0"/>
             </a:br>
             <a:r>
-              <a:rPr lang="en-US" sz="3100" dirty="0"/>
+              <a:rPr lang="en-US" sz="3100" dirty="0">
+                <a:solidFill>
+                  <a:srgbClr val="C00000"/>
+                </a:solidFill>
+              </a:rPr>
               <a:t>What is the distribution of Benefit per Order?</a:t>
             </a:r>
             <a:br>
@@ -14430,656 +14528,6 @@
     <p:extLst>
       <p:ext uri="{BB962C8B-B14F-4D97-AF65-F5344CB8AC3E}">
         <p14:creationId xmlns:p14="http://schemas.microsoft.com/office/powerpoint/2010/main" val="1823514434"/>
-      </p:ext>
-    </p:extLst>
-  </p:cSld>
-  <p:clrMapOvr>
-    <a:masterClrMapping/>
-  </p:clrMapOvr>
-</p:sld>
-</file>
-
-<file path=ppt/slides/slide19.xml><?xml version="1.0" encoding="utf-8"?>
-<p:sld xmlns:a="http://schemas.openxmlformats.org/drawingml/2006/main" xmlns:r="http://schemas.openxmlformats.org/officeDocument/2006/relationships" xmlns:p="http://schemas.openxmlformats.org/presentationml/2006/main">
-  <p:cSld>
-    <p:bg>
-      <p:bgPr>
-        <a:blipFill rotWithShape="1">
-          <a:blip r:embed="rId2">
-            <a:duotone>
-              <a:schemeClr val="bg2">
-                <a:shade val="76000"/>
-                <a:satMod val="180000"/>
-              </a:schemeClr>
-              <a:schemeClr val="bg2">
-                <a:tint val="80000"/>
-                <a:satMod val="120000"/>
-                <a:lumMod val="180000"/>
-              </a:schemeClr>
-            </a:duotone>
-          </a:blip>
-          <a:stretch/>
-        </a:blipFill>
-        <a:effectLst/>
-      </p:bgPr>
-    </p:bg>
-    <p:spTree>
-      <p:nvGrpSpPr>
-        <p:cNvPr id="1" name=""/>
-        <p:cNvGrpSpPr/>
-        <p:nvPr/>
-      </p:nvGrpSpPr>
-      <p:grpSpPr>
-        <a:xfrm>
-          <a:off x="0" y="0"/>
-          <a:ext cx="0" cy="0"/>
-          <a:chOff x="0" y="0"/>
-          <a:chExt cx="0" cy="0"/>
-        </a:xfrm>
-      </p:grpSpPr>
-      <p:grpSp>
-        <p:nvGrpSpPr>
-          <p:cNvPr id="31" name="Group 30">
-            <a:extLst>
-              <a:ext uri="{FF2B5EF4-FFF2-40B4-BE49-F238E27FC236}">
-                <a16:creationId xmlns:a16="http://schemas.microsoft.com/office/drawing/2014/main" id="{15FF890B-3CE7-403A-AECE-2DE04FC7AF80}"/>
-              </a:ext>
-              <a:ext uri="{C183D7F6-B498-43B3-948B-1728B52AA6E4}">
-                <adec:decorative xmlns:adec="http://schemas.microsoft.com/office/drawing/2017/decorative" val="1"/>
-              </a:ext>
-            </a:extLst>
-          </p:cNvPr>
-          <p:cNvGrpSpPr>
-            <a:grpSpLocks noGrp="1" noUngrp="1" noRot="1" noChangeAspect="1" noMove="1" noResize="1"/>
-          </p:cNvGrpSpPr>
-          <p:nvPr>
-            <p:extLst>
-              <p:ext uri="{386F3935-93C4-4BCD-93E2-E3B085C9AB24}">
-                <p16:designElem xmlns:p16="http://schemas.microsoft.com/office/powerpoint/2015/main" val="1"/>
-              </p:ext>
-            </p:extLst>
-          </p:nvPr>
-        </p:nvGrpSpPr>
-        <p:grpSpPr>
-          <a:xfrm>
-            <a:off x="150812" y="0"/>
-            <a:ext cx="2436813" cy="6858001"/>
-            <a:chOff x="1320800" y="0"/>
-            <a:chExt cx="2436813" cy="6858001"/>
-          </a:xfrm>
-        </p:grpSpPr>
-        <p:sp>
-          <p:nvSpPr>
-            <p:cNvPr id="12" name="Freeform 6">
-              <a:extLst>
-                <a:ext uri="{FF2B5EF4-FFF2-40B4-BE49-F238E27FC236}">
-                  <a16:creationId xmlns:a16="http://schemas.microsoft.com/office/drawing/2014/main" id="{99A4E160-6CFD-4514-9E20-CA6692CCDB9C}"/>
-                </a:ext>
-                <a:ext uri="{C183D7F6-B498-43B3-948B-1728B52AA6E4}">
-                  <adec:decorative xmlns:adec="http://schemas.microsoft.com/office/drawing/2017/decorative" val="1"/>
-                </a:ext>
-              </a:extLst>
-            </p:cNvPr>
-            <p:cNvSpPr/>
-            <p:nvPr>
-              <p:extLst>
-                <p:ext uri="{386F3935-93C4-4BCD-93E2-E3B085C9AB24}">
-                  <p16:designElem xmlns:p16="http://schemas.microsoft.com/office/powerpoint/2015/main" val="1"/>
-                </p:ext>
-              </p:extLst>
-            </p:nvPr>
-          </p:nvSpPr>
-          <p:spPr bwMode="auto">
-            <a:xfrm>
-              <a:off x="1627188" y="0"/>
-              <a:ext cx="1122363" cy="5329238"/>
-            </a:xfrm>
-            <a:custGeom>
-              <a:avLst/>
-              <a:gdLst/>
-              <a:ahLst/>
-              <a:cxnLst/>
-              <a:rect l="0" t="0" r="r" b="b"/>
-              <a:pathLst>
-                <a:path w="707" h="3357">
-                  <a:moveTo>
-                    <a:pt x="0" y="3330"/>
-                  </a:moveTo>
-                  <a:lnTo>
-                    <a:pt x="156" y="3357"/>
-                  </a:lnTo>
-                  <a:lnTo>
-                    <a:pt x="707" y="0"/>
-                  </a:lnTo>
-                  <a:lnTo>
-                    <a:pt x="547" y="0"/>
-                  </a:lnTo>
-                  <a:lnTo>
-                    <a:pt x="0" y="3330"/>
-                  </a:lnTo>
-                  <a:close/>
-                </a:path>
-              </a:pathLst>
-            </a:custGeom>
-            <a:solidFill>
-              <a:schemeClr val="accent1"/>
-            </a:solidFill>
-            <a:ln>
-              <a:noFill/>
-            </a:ln>
-          </p:spPr>
-          <p:txBody>
-            <a:bodyPr/>
-            <a:lstStyle/>
-            <a:p>
-              <a:endParaRPr lang="en-US"/>
-            </a:p>
-          </p:txBody>
-        </p:sp>
-        <p:sp>
-          <p:nvSpPr>
-            <p:cNvPr id="13" name="Freeform 7">
-              <a:extLst>
-                <a:ext uri="{FF2B5EF4-FFF2-40B4-BE49-F238E27FC236}">
-                  <a16:creationId xmlns:a16="http://schemas.microsoft.com/office/drawing/2014/main" id="{3DCD16F5-8D15-45FD-BA62-ADAC08183A27}"/>
-                </a:ext>
-                <a:ext uri="{C183D7F6-B498-43B3-948B-1728B52AA6E4}">
-                  <adec:decorative xmlns:adec="http://schemas.microsoft.com/office/drawing/2017/decorative" val="1"/>
-                </a:ext>
-              </a:extLst>
-            </p:cNvPr>
-            <p:cNvSpPr/>
-            <p:nvPr>
-              <p:extLst>
-                <p:ext uri="{386F3935-93C4-4BCD-93E2-E3B085C9AB24}">
-                  <p16:designElem xmlns:p16="http://schemas.microsoft.com/office/powerpoint/2015/main" val="1"/>
-                </p:ext>
-              </p:extLst>
-            </p:nvPr>
-          </p:nvSpPr>
-          <p:spPr bwMode="auto">
-            <a:xfrm>
-              <a:off x="1320800" y="0"/>
-              <a:ext cx="1117600" cy="5276850"/>
-            </a:xfrm>
-            <a:custGeom>
-              <a:avLst/>
-              <a:gdLst/>
-              <a:ahLst/>
-              <a:cxnLst/>
-              <a:rect l="0" t="0" r="r" b="b"/>
-              <a:pathLst>
-                <a:path w="704" h="3324">
-                  <a:moveTo>
-                    <a:pt x="704" y="0"/>
-                  </a:moveTo>
-                  <a:lnTo>
-                    <a:pt x="545" y="0"/>
-                  </a:lnTo>
-                  <a:lnTo>
-                    <a:pt x="0" y="3300"/>
-                  </a:lnTo>
-                  <a:lnTo>
-                    <a:pt x="157" y="3324"/>
-                  </a:lnTo>
-                  <a:lnTo>
-                    <a:pt x="704" y="0"/>
-                  </a:lnTo>
-                  <a:close/>
-                </a:path>
-              </a:pathLst>
-            </a:custGeom>
-            <a:solidFill>
-              <a:schemeClr val="tx1">
-                <a:lumMod val="65000"/>
-                <a:lumOff val="35000"/>
-              </a:schemeClr>
-            </a:solidFill>
-            <a:ln>
-              <a:noFill/>
-            </a:ln>
-          </p:spPr>
-          <p:txBody>
-            <a:bodyPr/>
-            <a:lstStyle/>
-            <a:p>
-              <a:endParaRPr lang="en-US"/>
-            </a:p>
-          </p:txBody>
-        </p:sp>
-        <p:sp>
-          <p:nvSpPr>
-            <p:cNvPr id="14" name="Freeform 8">
-              <a:extLst>
-                <a:ext uri="{FF2B5EF4-FFF2-40B4-BE49-F238E27FC236}">
-                  <a16:creationId xmlns:a16="http://schemas.microsoft.com/office/drawing/2014/main" id="{E7CFAF28-6FDA-4C2C-BE51-123D1115F75C}"/>
-                </a:ext>
-                <a:ext uri="{C183D7F6-B498-43B3-948B-1728B52AA6E4}">
-                  <adec:decorative xmlns:adec="http://schemas.microsoft.com/office/drawing/2017/decorative" val="1"/>
-                </a:ext>
-              </a:extLst>
-            </p:cNvPr>
-            <p:cNvSpPr/>
-            <p:nvPr>
-              <p:extLst>
-                <p:ext uri="{386F3935-93C4-4BCD-93E2-E3B085C9AB24}">
-                  <p16:designElem xmlns:p16="http://schemas.microsoft.com/office/powerpoint/2015/main" val="1"/>
-                </p:ext>
-              </p:extLst>
-            </p:nvPr>
-          </p:nvSpPr>
-          <p:spPr bwMode="auto">
-            <a:xfrm>
-              <a:off x="1320800" y="5238750"/>
-              <a:ext cx="1228725" cy="1619250"/>
-            </a:xfrm>
-            <a:custGeom>
-              <a:avLst/>
-              <a:gdLst/>
-              <a:ahLst/>
-              <a:cxnLst/>
-              <a:rect l="0" t="0" r="r" b="b"/>
-              <a:pathLst>
-                <a:path w="774" h="1020">
-                  <a:moveTo>
-                    <a:pt x="0" y="0"/>
-                  </a:moveTo>
-                  <a:lnTo>
-                    <a:pt x="740" y="1020"/>
-                  </a:lnTo>
-                  <a:lnTo>
-                    <a:pt x="774" y="1020"/>
-                  </a:lnTo>
-                  <a:lnTo>
-                    <a:pt x="0" y="0"/>
-                  </a:lnTo>
-                  <a:close/>
-                </a:path>
-              </a:pathLst>
-            </a:custGeom>
-            <a:solidFill>
-              <a:schemeClr val="tx1">
-                <a:lumMod val="85000"/>
-                <a:lumOff val="15000"/>
-              </a:schemeClr>
-            </a:solidFill>
-            <a:ln>
-              <a:noFill/>
-            </a:ln>
-          </p:spPr>
-          <p:txBody>
-            <a:bodyPr/>
-            <a:lstStyle/>
-            <a:p>
-              <a:endParaRPr lang="en-US"/>
-            </a:p>
-          </p:txBody>
-        </p:sp>
-        <p:sp>
-          <p:nvSpPr>
-            <p:cNvPr id="15" name="Freeform 9">
-              <a:extLst>
-                <a:ext uri="{FF2B5EF4-FFF2-40B4-BE49-F238E27FC236}">
-                  <a16:creationId xmlns:a16="http://schemas.microsoft.com/office/drawing/2014/main" id="{1FD12703-0627-4991-B2A4-F96519F90863}"/>
-                </a:ext>
-                <a:ext uri="{C183D7F6-B498-43B3-948B-1728B52AA6E4}">
-                  <adec:decorative xmlns:adec="http://schemas.microsoft.com/office/drawing/2017/decorative" val="1"/>
-                </a:ext>
-              </a:extLst>
-            </p:cNvPr>
-            <p:cNvSpPr/>
-            <p:nvPr>
-              <p:extLst>
-                <p:ext uri="{386F3935-93C4-4BCD-93E2-E3B085C9AB24}">
-                  <p16:designElem xmlns:p16="http://schemas.microsoft.com/office/powerpoint/2015/main" val="1"/>
-                </p:ext>
-              </p:extLst>
-            </p:nvPr>
-          </p:nvSpPr>
-          <p:spPr bwMode="auto">
-            <a:xfrm>
-              <a:off x="1627188" y="5291138"/>
-              <a:ext cx="1495425" cy="1566863"/>
-            </a:xfrm>
-            <a:custGeom>
-              <a:avLst/>
-              <a:gdLst/>
-              <a:ahLst/>
-              <a:cxnLst/>
-              <a:rect l="0" t="0" r="r" b="b"/>
-              <a:pathLst>
-                <a:path w="942" h="987">
-                  <a:moveTo>
-                    <a:pt x="0" y="0"/>
-                  </a:moveTo>
-                  <a:lnTo>
-                    <a:pt x="909" y="987"/>
-                  </a:lnTo>
-                  <a:lnTo>
-                    <a:pt x="942" y="987"/>
-                  </a:lnTo>
-                  <a:lnTo>
-                    <a:pt x="0" y="0"/>
-                  </a:lnTo>
-                  <a:close/>
-                </a:path>
-              </a:pathLst>
-            </a:custGeom>
-            <a:solidFill>
-              <a:schemeClr val="accent1">
-                <a:lumMod val="50000"/>
-              </a:schemeClr>
-            </a:solidFill>
-            <a:ln>
-              <a:noFill/>
-            </a:ln>
-          </p:spPr>
-          <p:txBody>
-            <a:bodyPr/>
-            <a:lstStyle/>
-            <a:p>
-              <a:endParaRPr lang="en-US"/>
-            </a:p>
-          </p:txBody>
-        </p:sp>
-        <p:sp>
-          <p:nvSpPr>
-            <p:cNvPr id="16" name="Freeform 10">
-              <a:extLst>
-                <a:ext uri="{FF2B5EF4-FFF2-40B4-BE49-F238E27FC236}">
-                  <a16:creationId xmlns:a16="http://schemas.microsoft.com/office/drawing/2014/main" id="{A5758E0B-DF61-40A8-B765-BC6841906A9A}"/>
-                </a:ext>
-                <a:ext uri="{C183D7F6-B498-43B3-948B-1728B52AA6E4}">
-                  <adec:decorative xmlns:adec="http://schemas.microsoft.com/office/drawing/2017/decorative" val="1"/>
-                </a:ext>
-              </a:extLst>
-            </p:cNvPr>
-            <p:cNvSpPr/>
-            <p:nvPr>
-              <p:extLst>
-                <p:ext uri="{386F3935-93C4-4BCD-93E2-E3B085C9AB24}">
-                  <p16:designElem xmlns:p16="http://schemas.microsoft.com/office/powerpoint/2015/main" val="1"/>
-                </p:ext>
-              </p:extLst>
-            </p:nvPr>
-          </p:nvSpPr>
-          <p:spPr bwMode="auto">
-            <a:xfrm>
-              <a:off x="1627188" y="5286375"/>
-              <a:ext cx="2130425" cy="1571625"/>
-            </a:xfrm>
-            <a:custGeom>
-              <a:avLst/>
-              <a:gdLst/>
-              <a:ahLst/>
-              <a:cxnLst/>
-              <a:rect l="0" t="0" r="r" b="b"/>
-              <a:pathLst>
-                <a:path w="1342" h="990">
-                  <a:moveTo>
-                    <a:pt x="0" y="3"/>
-                  </a:moveTo>
-                  <a:lnTo>
-                    <a:pt x="942" y="990"/>
-                  </a:lnTo>
-                  <a:lnTo>
-                    <a:pt x="1342" y="990"/>
-                  </a:lnTo>
-                  <a:lnTo>
-                    <a:pt x="156" y="27"/>
-                  </a:lnTo>
-                  <a:lnTo>
-                    <a:pt x="0" y="0"/>
-                  </a:lnTo>
-                  <a:lnTo>
-                    <a:pt x="0" y="3"/>
-                  </a:lnTo>
-                  <a:close/>
-                </a:path>
-              </a:pathLst>
-            </a:custGeom>
-            <a:solidFill>
-              <a:schemeClr val="accent1">
-                <a:lumMod val="75000"/>
-              </a:schemeClr>
-            </a:solidFill>
-            <a:ln>
-              <a:noFill/>
-            </a:ln>
-          </p:spPr>
-          <p:txBody>
-            <a:bodyPr/>
-            <a:lstStyle/>
-            <a:p>
-              <a:endParaRPr lang="en-US"/>
-            </a:p>
-          </p:txBody>
-        </p:sp>
-        <p:sp>
-          <p:nvSpPr>
-            <p:cNvPr id="17" name="Freeform 11">
-              <a:extLst>
-                <a:ext uri="{FF2B5EF4-FFF2-40B4-BE49-F238E27FC236}">
-                  <a16:creationId xmlns:a16="http://schemas.microsoft.com/office/drawing/2014/main" id="{3E063A1F-9566-4436-B4E3-2890FBBC2CCB}"/>
-                </a:ext>
-                <a:ext uri="{C183D7F6-B498-43B3-948B-1728B52AA6E4}">
-                  <adec:decorative xmlns:adec="http://schemas.microsoft.com/office/drawing/2017/decorative" val="1"/>
-                </a:ext>
-              </a:extLst>
-            </p:cNvPr>
-            <p:cNvSpPr/>
-            <p:nvPr>
-              <p:extLst>
-                <p:ext uri="{386F3935-93C4-4BCD-93E2-E3B085C9AB24}">
-                  <p16:designElem xmlns:p16="http://schemas.microsoft.com/office/powerpoint/2015/main" val="1"/>
-                </p:ext>
-              </p:extLst>
-            </p:nvPr>
-          </p:nvSpPr>
-          <p:spPr bwMode="auto">
-            <a:xfrm>
-              <a:off x="1320800" y="5238750"/>
-              <a:ext cx="1695450" cy="1619250"/>
-            </a:xfrm>
-            <a:custGeom>
-              <a:avLst/>
-              <a:gdLst/>
-              <a:ahLst/>
-              <a:cxnLst/>
-              <a:rect l="0" t="0" r="r" b="b"/>
-              <a:pathLst>
-                <a:path w="1068" h="1020">
-                  <a:moveTo>
-                    <a:pt x="1068" y="1020"/>
-                  </a:moveTo>
-                  <a:lnTo>
-                    <a:pt x="184" y="60"/>
-                  </a:lnTo>
-                  <a:lnTo>
-                    <a:pt x="154" y="27"/>
-                  </a:lnTo>
-                  <a:lnTo>
-                    <a:pt x="157" y="27"/>
-                  </a:lnTo>
-                  <a:lnTo>
-                    <a:pt x="157" y="24"/>
-                  </a:lnTo>
-                  <a:lnTo>
-                    <a:pt x="154" y="24"/>
-                  </a:lnTo>
-                  <a:lnTo>
-                    <a:pt x="0" y="0"/>
-                  </a:lnTo>
-                  <a:lnTo>
-                    <a:pt x="0" y="0"/>
-                  </a:lnTo>
-                  <a:lnTo>
-                    <a:pt x="774" y="1020"/>
-                  </a:lnTo>
-                  <a:lnTo>
-                    <a:pt x="1068" y="1020"/>
-                  </a:lnTo>
-                  <a:close/>
-                </a:path>
-              </a:pathLst>
-            </a:custGeom>
-            <a:solidFill>
-              <a:schemeClr val="tx1">
-                <a:lumMod val="75000"/>
-                <a:lumOff val="25000"/>
-              </a:schemeClr>
-            </a:solidFill>
-            <a:ln>
-              <a:noFill/>
-            </a:ln>
-          </p:spPr>
-          <p:txBody>
-            <a:bodyPr/>
-            <a:lstStyle/>
-            <a:p>
-              <a:endParaRPr lang="en-US"/>
-            </a:p>
-          </p:txBody>
-        </p:sp>
-      </p:grpSp>
-      <p:sp>
-        <p:nvSpPr>
-          <p:cNvPr id="4" name="TextBox 3">
-            <a:extLst>
-              <a:ext uri="{FF2B5EF4-FFF2-40B4-BE49-F238E27FC236}">
-                <a16:creationId xmlns:a16="http://schemas.microsoft.com/office/drawing/2014/main" id="{5DB44A2F-F34F-C7F0-2135-05B7CFE63F70}"/>
-              </a:ext>
-            </a:extLst>
-          </p:cNvPr>
-          <p:cNvSpPr txBox="1"/>
-          <p:nvPr/>
-        </p:nvSpPr>
-        <p:spPr>
-          <a:xfrm>
-            <a:off x="1554024" y="1458686"/>
-            <a:ext cx="3333496" cy="4310743"/>
-          </a:xfrm>
-          <a:prstGeom prst="rect">
-            <a:avLst/>
-          </a:prstGeom>
-        </p:spPr>
-        <p:txBody>
-          <a:bodyPr vert="horz" lIns="91440" tIns="45720" rIns="91440" bIns="45720" rtlCol="0" anchor="t">
-            <a:normAutofit/>
-          </a:bodyPr>
-          <a:lstStyle/>
-          <a:p>
-            <a:pPr algn="ctr">
-              <a:spcBef>
-                <a:spcPct val="20000"/>
-              </a:spcBef>
-              <a:spcAft>
-                <a:spcPts val="600"/>
-              </a:spcAft>
-              <a:buClr>
-                <a:schemeClr val="accent1">
-                  <a:lumMod val="75000"/>
-                </a:schemeClr>
-              </a:buClr>
-              <a:buSzPct val="145000"/>
-            </a:pPr>
-            <a:r>
-              <a:rPr lang="en-US" sz="2800" dirty="0">
-                <a:solidFill>
-                  <a:srgbClr val="C00000"/>
-                </a:solidFill>
-              </a:rPr>
-              <a:t>What is the distribution of Sales per Customer?</a:t>
-            </a:r>
-            <a:br>
-              <a:rPr lang="en-US" sz="1600" dirty="0"/>
-            </a:br>
-            <a:r>
-              <a:rPr lang="en-US" sz="2000" dirty="0"/>
-              <a:t>Histogram with KDE to visualize frequency.</a:t>
-            </a:r>
-            <a:br>
-              <a:rPr lang="en-US" sz="2000" dirty="0"/>
-            </a:br>
-            <a:r>
-              <a:rPr lang="en-US" sz="2000" dirty="0"/>
-              <a:t>Box plot created using Plotly to detect outliers and spread.</a:t>
-            </a:r>
-            <a:br>
-              <a:rPr lang="en-US" sz="2000" dirty="0"/>
-            </a:br>
-            <a:r>
-              <a:rPr lang="en-US" sz="2000" dirty="0"/>
-              <a:t>Descriptive statistics displayed.</a:t>
-            </a:r>
-          </a:p>
-        </p:txBody>
-      </p:sp>
-      <p:pic>
-        <p:nvPicPr>
-          <p:cNvPr id="6" name="Picture 5" descr="A diagram of a graph&#10;&#10;AI-generated content may be incorrect.">
-            <a:extLst>
-              <a:ext uri="{FF2B5EF4-FFF2-40B4-BE49-F238E27FC236}">
-                <a16:creationId xmlns:a16="http://schemas.microsoft.com/office/drawing/2014/main" id="{4E59DD8F-4AD0-3DBD-3E30-337BC00AA5F2}"/>
-              </a:ext>
-            </a:extLst>
-          </p:cNvPr>
-          <p:cNvPicPr>
-            <a:picLocks noChangeAspect="1"/>
-          </p:cNvPicPr>
-          <p:nvPr/>
-        </p:nvPicPr>
-        <p:blipFill>
-          <a:blip r:embed="rId3">
-            <a:extLst>
-              <a:ext uri="{28A0092B-C50C-407E-A947-70E740481C1C}">
-                <a14:useLocalDpi xmlns:a14="http://schemas.microsoft.com/office/drawing/2010/main" val="0"/>
-              </a:ext>
-            </a:extLst>
-          </a:blip>
-          <a:stretch>
-            <a:fillRect/>
-          </a:stretch>
-        </p:blipFill>
-        <p:spPr>
-          <a:xfrm>
-            <a:off x="5262033" y="968188"/>
-            <a:ext cx="6240990" cy="4632511"/>
-          </a:xfrm>
-          <a:prstGeom prst="roundRect">
-            <a:avLst>
-              <a:gd name="adj" fmla="val 4380"/>
-            </a:avLst>
-          </a:prstGeom>
-          <a:ln w="38100">
-            <a:gradFill flip="none" rotWithShape="1">
-              <a:gsLst>
-                <a:gs pos="0">
-                  <a:schemeClr val="bg2"/>
-                </a:gs>
-                <a:gs pos="100000">
-                  <a:schemeClr val="bg2">
-                    <a:lumMod val="75000"/>
-                  </a:schemeClr>
-                </a:gs>
-              </a:gsLst>
-              <a:lin ang="5400000" scaled="0"/>
-              <a:tileRect/>
-            </a:gradFill>
-          </a:ln>
-          <a:effectLst>
-            <a:innerShdw blurRad="57150" dist="38100" dir="14460000">
-              <a:srgbClr val="000000">
-                <a:alpha val="70000"/>
-              </a:srgbClr>
-            </a:innerShdw>
-          </a:effectLst>
-        </p:spPr>
-      </p:pic>
-    </p:spTree>
-    <p:extLst>
-      <p:ext uri="{BB962C8B-B14F-4D97-AF65-F5344CB8AC3E}">
-        <p14:creationId xmlns:p14="http://schemas.microsoft.com/office/powerpoint/2010/main" val="3231140815"/>
       </p:ext>
     </p:extLst>
   </p:cSld>
@@ -16450,6 +15898,656 @@
       </p:grpSpPr>
       <p:grpSp>
         <p:nvGrpSpPr>
+          <p:cNvPr id="31" name="Group 30">
+            <a:extLst>
+              <a:ext uri="{FF2B5EF4-FFF2-40B4-BE49-F238E27FC236}">
+                <a16:creationId xmlns:a16="http://schemas.microsoft.com/office/drawing/2014/main" id="{15FF890B-3CE7-403A-AECE-2DE04FC7AF80}"/>
+              </a:ext>
+              <a:ext uri="{C183D7F6-B498-43B3-948B-1728B52AA6E4}">
+                <adec:decorative xmlns:adec="http://schemas.microsoft.com/office/drawing/2017/decorative" val="1"/>
+              </a:ext>
+            </a:extLst>
+          </p:cNvPr>
+          <p:cNvGrpSpPr>
+            <a:grpSpLocks noGrp="1" noUngrp="1" noRot="1" noChangeAspect="1" noMove="1" noResize="1"/>
+          </p:cNvGrpSpPr>
+          <p:nvPr>
+            <p:extLst>
+              <p:ext uri="{386F3935-93C4-4BCD-93E2-E3B085C9AB24}">
+                <p16:designElem xmlns:p16="http://schemas.microsoft.com/office/powerpoint/2015/main" val="1"/>
+              </p:ext>
+            </p:extLst>
+          </p:nvPr>
+        </p:nvGrpSpPr>
+        <p:grpSpPr>
+          <a:xfrm>
+            <a:off x="150812" y="0"/>
+            <a:ext cx="2436813" cy="6858001"/>
+            <a:chOff x="1320800" y="0"/>
+            <a:chExt cx="2436813" cy="6858001"/>
+          </a:xfrm>
+        </p:grpSpPr>
+        <p:sp>
+          <p:nvSpPr>
+            <p:cNvPr id="12" name="Freeform 6">
+              <a:extLst>
+                <a:ext uri="{FF2B5EF4-FFF2-40B4-BE49-F238E27FC236}">
+                  <a16:creationId xmlns:a16="http://schemas.microsoft.com/office/drawing/2014/main" id="{99A4E160-6CFD-4514-9E20-CA6692CCDB9C}"/>
+                </a:ext>
+                <a:ext uri="{C183D7F6-B498-43B3-948B-1728B52AA6E4}">
+                  <adec:decorative xmlns:adec="http://schemas.microsoft.com/office/drawing/2017/decorative" val="1"/>
+                </a:ext>
+              </a:extLst>
+            </p:cNvPr>
+            <p:cNvSpPr/>
+            <p:nvPr>
+              <p:extLst>
+                <p:ext uri="{386F3935-93C4-4BCD-93E2-E3B085C9AB24}">
+                  <p16:designElem xmlns:p16="http://schemas.microsoft.com/office/powerpoint/2015/main" val="1"/>
+                </p:ext>
+              </p:extLst>
+            </p:nvPr>
+          </p:nvSpPr>
+          <p:spPr bwMode="auto">
+            <a:xfrm>
+              <a:off x="1627188" y="0"/>
+              <a:ext cx="1122363" cy="5329238"/>
+            </a:xfrm>
+            <a:custGeom>
+              <a:avLst/>
+              <a:gdLst/>
+              <a:ahLst/>
+              <a:cxnLst/>
+              <a:rect l="0" t="0" r="r" b="b"/>
+              <a:pathLst>
+                <a:path w="707" h="3357">
+                  <a:moveTo>
+                    <a:pt x="0" y="3330"/>
+                  </a:moveTo>
+                  <a:lnTo>
+                    <a:pt x="156" y="3357"/>
+                  </a:lnTo>
+                  <a:lnTo>
+                    <a:pt x="707" y="0"/>
+                  </a:lnTo>
+                  <a:lnTo>
+                    <a:pt x="547" y="0"/>
+                  </a:lnTo>
+                  <a:lnTo>
+                    <a:pt x="0" y="3330"/>
+                  </a:lnTo>
+                  <a:close/>
+                </a:path>
+              </a:pathLst>
+            </a:custGeom>
+            <a:solidFill>
+              <a:schemeClr val="accent1"/>
+            </a:solidFill>
+            <a:ln>
+              <a:noFill/>
+            </a:ln>
+          </p:spPr>
+          <p:txBody>
+            <a:bodyPr/>
+            <a:lstStyle/>
+            <a:p>
+              <a:endParaRPr lang="en-US"/>
+            </a:p>
+          </p:txBody>
+        </p:sp>
+        <p:sp>
+          <p:nvSpPr>
+            <p:cNvPr id="13" name="Freeform 7">
+              <a:extLst>
+                <a:ext uri="{FF2B5EF4-FFF2-40B4-BE49-F238E27FC236}">
+                  <a16:creationId xmlns:a16="http://schemas.microsoft.com/office/drawing/2014/main" id="{3DCD16F5-8D15-45FD-BA62-ADAC08183A27}"/>
+                </a:ext>
+                <a:ext uri="{C183D7F6-B498-43B3-948B-1728B52AA6E4}">
+                  <adec:decorative xmlns:adec="http://schemas.microsoft.com/office/drawing/2017/decorative" val="1"/>
+                </a:ext>
+              </a:extLst>
+            </p:cNvPr>
+            <p:cNvSpPr/>
+            <p:nvPr>
+              <p:extLst>
+                <p:ext uri="{386F3935-93C4-4BCD-93E2-E3B085C9AB24}">
+                  <p16:designElem xmlns:p16="http://schemas.microsoft.com/office/powerpoint/2015/main" val="1"/>
+                </p:ext>
+              </p:extLst>
+            </p:nvPr>
+          </p:nvSpPr>
+          <p:spPr bwMode="auto">
+            <a:xfrm>
+              <a:off x="1320800" y="0"/>
+              <a:ext cx="1117600" cy="5276850"/>
+            </a:xfrm>
+            <a:custGeom>
+              <a:avLst/>
+              <a:gdLst/>
+              <a:ahLst/>
+              <a:cxnLst/>
+              <a:rect l="0" t="0" r="r" b="b"/>
+              <a:pathLst>
+                <a:path w="704" h="3324">
+                  <a:moveTo>
+                    <a:pt x="704" y="0"/>
+                  </a:moveTo>
+                  <a:lnTo>
+                    <a:pt x="545" y="0"/>
+                  </a:lnTo>
+                  <a:lnTo>
+                    <a:pt x="0" y="3300"/>
+                  </a:lnTo>
+                  <a:lnTo>
+                    <a:pt x="157" y="3324"/>
+                  </a:lnTo>
+                  <a:lnTo>
+                    <a:pt x="704" y="0"/>
+                  </a:lnTo>
+                  <a:close/>
+                </a:path>
+              </a:pathLst>
+            </a:custGeom>
+            <a:solidFill>
+              <a:schemeClr val="tx1">
+                <a:lumMod val="65000"/>
+                <a:lumOff val="35000"/>
+              </a:schemeClr>
+            </a:solidFill>
+            <a:ln>
+              <a:noFill/>
+            </a:ln>
+          </p:spPr>
+          <p:txBody>
+            <a:bodyPr/>
+            <a:lstStyle/>
+            <a:p>
+              <a:endParaRPr lang="en-US"/>
+            </a:p>
+          </p:txBody>
+        </p:sp>
+        <p:sp>
+          <p:nvSpPr>
+            <p:cNvPr id="14" name="Freeform 8">
+              <a:extLst>
+                <a:ext uri="{FF2B5EF4-FFF2-40B4-BE49-F238E27FC236}">
+                  <a16:creationId xmlns:a16="http://schemas.microsoft.com/office/drawing/2014/main" id="{E7CFAF28-6FDA-4C2C-BE51-123D1115F75C}"/>
+                </a:ext>
+                <a:ext uri="{C183D7F6-B498-43B3-948B-1728B52AA6E4}">
+                  <adec:decorative xmlns:adec="http://schemas.microsoft.com/office/drawing/2017/decorative" val="1"/>
+                </a:ext>
+              </a:extLst>
+            </p:cNvPr>
+            <p:cNvSpPr/>
+            <p:nvPr>
+              <p:extLst>
+                <p:ext uri="{386F3935-93C4-4BCD-93E2-E3B085C9AB24}">
+                  <p16:designElem xmlns:p16="http://schemas.microsoft.com/office/powerpoint/2015/main" val="1"/>
+                </p:ext>
+              </p:extLst>
+            </p:nvPr>
+          </p:nvSpPr>
+          <p:spPr bwMode="auto">
+            <a:xfrm>
+              <a:off x="1320800" y="5238750"/>
+              <a:ext cx="1228725" cy="1619250"/>
+            </a:xfrm>
+            <a:custGeom>
+              <a:avLst/>
+              <a:gdLst/>
+              <a:ahLst/>
+              <a:cxnLst/>
+              <a:rect l="0" t="0" r="r" b="b"/>
+              <a:pathLst>
+                <a:path w="774" h="1020">
+                  <a:moveTo>
+                    <a:pt x="0" y="0"/>
+                  </a:moveTo>
+                  <a:lnTo>
+                    <a:pt x="740" y="1020"/>
+                  </a:lnTo>
+                  <a:lnTo>
+                    <a:pt x="774" y="1020"/>
+                  </a:lnTo>
+                  <a:lnTo>
+                    <a:pt x="0" y="0"/>
+                  </a:lnTo>
+                  <a:close/>
+                </a:path>
+              </a:pathLst>
+            </a:custGeom>
+            <a:solidFill>
+              <a:schemeClr val="tx1">
+                <a:lumMod val="85000"/>
+                <a:lumOff val="15000"/>
+              </a:schemeClr>
+            </a:solidFill>
+            <a:ln>
+              <a:noFill/>
+            </a:ln>
+          </p:spPr>
+          <p:txBody>
+            <a:bodyPr/>
+            <a:lstStyle/>
+            <a:p>
+              <a:endParaRPr lang="en-US"/>
+            </a:p>
+          </p:txBody>
+        </p:sp>
+        <p:sp>
+          <p:nvSpPr>
+            <p:cNvPr id="15" name="Freeform 9">
+              <a:extLst>
+                <a:ext uri="{FF2B5EF4-FFF2-40B4-BE49-F238E27FC236}">
+                  <a16:creationId xmlns:a16="http://schemas.microsoft.com/office/drawing/2014/main" id="{1FD12703-0627-4991-B2A4-F96519F90863}"/>
+                </a:ext>
+                <a:ext uri="{C183D7F6-B498-43B3-948B-1728B52AA6E4}">
+                  <adec:decorative xmlns:adec="http://schemas.microsoft.com/office/drawing/2017/decorative" val="1"/>
+                </a:ext>
+              </a:extLst>
+            </p:cNvPr>
+            <p:cNvSpPr/>
+            <p:nvPr>
+              <p:extLst>
+                <p:ext uri="{386F3935-93C4-4BCD-93E2-E3B085C9AB24}">
+                  <p16:designElem xmlns:p16="http://schemas.microsoft.com/office/powerpoint/2015/main" val="1"/>
+                </p:ext>
+              </p:extLst>
+            </p:nvPr>
+          </p:nvSpPr>
+          <p:spPr bwMode="auto">
+            <a:xfrm>
+              <a:off x="1627188" y="5291138"/>
+              <a:ext cx="1495425" cy="1566863"/>
+            </a:xfrm>
+            <a:custGeom>
+              <a:avLst/>
+              <a:gdLst/>
+              <a:ahLst/>
+              <a:cxnLst/>
+              <a:rect l="0" t="0" r="r" b="b"/>
+              <a:pathLst>
+                <a:path w="942" h="987">
+                  <a:moveTo>
+                    <a:pt x="0" y="0"/>
+                  </a:moveTo>
+                  <a:lnTo>
+                    <a:pt x="909" y="987"/>
+                  </a:lnTo>
+                  <a:lnTo>
+                    <a:pt x="942" y="987"/>
+                  </a:lnTo>
+                  <a:lnTo>
+                    <a:pt x="0" y="0"/>
+                  </a:lnTo>
+                  <a:close/>
+                </a:path>
+              </a:pathLst>
+            </a:custGeom>
+            <a:solidFill>
+              <a:schemeClr val="accent1">
+                <a:lumMod val="50000"/>
+              </a:schemeClr>
+            </a:solidFill>
+            <a:ln>
+              <a:noFill/>
+            </a:ln>
+          </p:spPr>
+          <p:txBody>
+            <a:bodyPr/>
+            <a:lstStyle/>
+            <a:p>
+              <a:endParaRPr lang="en-US"/>
+            </a:p>
+          </p:txBody>
+        </p:sp>
+        <p:sp>
+          <p:nvSpPr>
+            <p:cNvPr id="16" name="Freeform 10">
+              <a:extLst>
+                <a:ext uri="{FF2B5EF4-FFF2-40B4-BE49-F238E27FC236}">
+                  <a16:creationId xmlns:a16="http://schemas.microsoft.com/office/drawing/2014/main" id="{A5758E0B-DF61-40A8-B765-BC6841906A9A}"/>
+                </a:ext>
+                <a:ext uri="{C183D7F6-B498-43B3-948B-1728B52AA6E4}">
+                  <adec:decorative xmlns:adec="http://schemas.microsoft.com/office/drawing/2017/decorative" val="1"/>
+                </a:ext>
+              </a:extLst>
+            </p:cNvPr>
+            <p:cNvSpPr/>
+            <p:nvPr>
+              <p:extLst>
+                <p:ext uri="{386F3935-93C4-4BCD-93E2-E3B085C9AB24}">
+                  <p16:designElem xmlns:p16="http://schemas.microsoft.com/office/powerpoint/2015/main" val="1"/>
+                </p:ext>
+              </p:extLst>
+            </p:nvPr>
+          </p:nvSpPr>
+          <p:spPr bwMode="auto">
+            <a:xfrm>
+              <a:off x="1627188" y="5286375"/>
+              <a:ext cx="2130425" cy="1571625"/>
+            </a:xfrm>
+            <a:custGeom>
+              <a:avLst/>
+              <a:gdLst/>
+              <a:ahLst/>
+              <a:cxnLst/>
+              <a:rect l="0" t="0" r="r" b="b"/>
+              <a:pathLst>
+                <a:path w="1342" h="990">
+                  <a:moveTo>
+                    <a:pt x="0" y="3"/>
+                  </a:moveTo>
+                  <a:lnTo>
+                    <a:pt x="942" y="990"/>
+                  </a:lnTo>
+                  <a:lnTo>
+                    <a:pt x="1342" y="990"/>
+                  </a:lnTo>
+                  <a:lnTo>
+                    <a:pt x="156" y="27"/>
+                  </a:lnTo>
+                  <a:lnTo>
+                    <a:pt x="0" y="0"/>
+                  </a:lnTo>
+                  <a:lnTo>
+                    <a:pt x="0" y="3"/>
+                  </a:lnTo>
+                  <a:close/>
+                </a:path>
+              </a:pathLst>
+            </a:custGeom>
+            <a:solidFill>
+              <a:schemeClr val="accent1">
+                <a:lumMod val="75000"/>
+              </a:schemeClr>
+            </a:solidFill>
+            <a:ln>
+              <a:noFill/>
+            </a:ln>
+          </p:spPr>
+          <p:txBody>
+            <a:bodyPr/>
+            <a:lstStyle/>
+            <a:p>
+              <a:endParaRPr lang="en-US"/>
+            </a:p>
+          </p:txBody>
+        </p:sp>
+        <p:sp>
+          <p:nvSpPr>
+            <p:cNvPr id="17" name="Freeform 11">
+              <a:extLst>
+                <a:ext uri="{FF2B5EF4-FFF2-40B4-BE49-F238E27FC236}">
+                  <a16:creationId xmlns:a16="http://schemas.microsoft.com/office/drawing/2014/main" id="{3E063A1F-9566-4436-B4E3-2890FBBC2CCB}"/>
+                </a:ext>
+                <a:ext uri="{C183D7F6-B498-43B3-948B-1728B52AA6E4}">
+                  <adec:decorative xmlns:adec="http://schemas.microsoft.com/office/drawing/2017/decorative" val="1"/>
+                </a:ext>
+              </a:extLst>
+            </p:cNvPr>
+            <p:cNvSpPr/>
+            <p:nvPr>
+              <p:extLst>
+                <p:ext uri="{386F3935-93C4-4BCD-93E2-E3B085C9AB24}">
+                  <p16:designElem xmlns:p16="http://schemas.microsoft.com/office/powerpoint/2015/main" val="1"/>
+                </p:ext>
+              </p:extLst>
+            </p:nvPr>
+          </p:nvSpPr>
+          <p:spPr bwMode="auto">
+            <a:xfrm>
+              <a:off x="1320800" y="5238750"/>
+              <a:ext cx="1695450" cy="1619250"/>
+            </a:xfrm>
+            <a:custGeom>
+              <a:avLst/>
+              <a:gdLst/>
+              <a:ahLst/>
+              <a:cxnLst/>
+              <a:rect l="0" t="0" r="r" b="b"/>
+              <a:pathLst>
+                <a:path w="1068" h="1020">
+                  <a:moveTo>
+                    <a:pt x="1068" y="1020"/>
+                  </a:moveTo>
+                  <a:lnTo>
+                    <a:pt x="184" y="60"/>
+                  </a:lnTo>
+                  <a:lnTo>
+                    <a:pt x="154" y="27"/>
+                  </a:lnTo>
+                  <a:lnTo>
+                    <a:pt x="157" y="27"/>
+                  </a:lnTo>
+                  <a:lnTo>
+                    <a:pt x="157" y="24"/>
+                  </a:lnTo>
+                  <a:lnTo>
+                    <a:pt x="154" y="24"/>
+                  </a:lnTo>
+                  <a:lnTo>
+                    <a:pt x="0" y="0"/>
+                  </a:lnTo>
+                  <a:lnTo>
+                    <a:pt x="0" y="0"/>
+                  </a:lnTo>
+                  <a:lnTo>
+                    <a:pt x="774" y="1020"/>
+                  </a:lnTo>
+                  <a:lnTo>
+                    <a:pt x="1068" y="1020"/>
+                  </a:lnTo>
+                  <a:close/>
+                </a:path>
+              </a:pathLst>
+            </a:custGeom>
+            <a:solidFill>
+              <a:schemeClr val="tx1">
+                <a:lumMod val="75000"/>
+                <a:lumOff val="25000"/>
+              </a:schemeClr>
+            </a:solidFill>
+            <a:ln>
+              <a:noFill/>
+            </a:ln>
+          </p:spPr>
+          <p:txBody>
+            <a:bodyPr/>
+            <a:lstStyle/>
+            <a:p>
+              <a:endParaRPr lang="en-US"/>
+            </a:p>
+          </p:txBody>
+        </p:sp>
+      </p:grpSp>
+      <p:sp>
+        <p:nvSpPr>
+          <p:cNvPr id="4" name="TextBox 3">
+            <a:extLst>
+              <a:ext uri="{FF2B5EF4-FFF2-40B4-BE49-F238E27FC236}">
+                <a16:creationId xmlns:a16="http://schemas.microsoft.com/office/drawing/2014/main" id="{5DB44A2F-F34F-C7F0-2135-05B7CFE63F70}"/>
+              </a:ext>
+            </a:extLst>
+          </p:cNvPr>
+          <p:cNvSpPr txBox="1"/>
+          <p:nvPr/>
+        </p:nvSpPr>
+        <p:spPr>
+          <a:xfrm>
+            <a:off x="1554024" y="1458686"/>
+            <a:ext cx="3333496" cy="4310743"/>
+          </a:xfrm>
+          <a:prstGeom prst="rect">
+            <a:avLst/>
+          </a:prstGeom>
+        </p:spPr>
+        <p:txBody>
+          <a:bodyPr vert="horz" lIns="91440" tIns="45720" rIns="91440" bIns="45720" rtlCol="0" anchor="t">
+            <a:normAutofit/>
+          </a:bodyPr>
+          <a:lstStyle/>
+          <a:p>
+            <a:pPr algn="ctr">
+              <a:spcBef>
+                <a:spcPct val="20000"/>
+              </a:spcBef>
+              <a:spcAft>
+                <a:spcPts val="600"/>
+              </a:spcAft>
+              <a:buClr>
+                <a:schemeClr val="accent1">
+                  <a:lumMod val="75000"/>
+                </a:schemeClr>
+              </a:buClr>
+              <a:buSzPct val="145000"/>
+            </a:pPr>
+            <a:r>
+              <a:rPr lang="en-US" sz="2800" dirty="0">
+                <a:solidFill>
+                  <a:srgbClr val="C00000"/>
+                </a:solidFill>
+              </a:rPr>
+              <a:t>What is the distribution of Sales per Customer?</a:t>
+            </a:r>
+            <a:br>
+              <a:rPr lang="en-US" sz="1600" dirty="0"/>
+            </a:br>
+            <a:r>
+              <a:rPr lang="en-US" sz="2000" dirty="0"/>
+              <a:t>Histogram with KDE to visualize frequency.</a:t>
+            </a:r>
+            <a:br>
+              <a:rPr lang="en-US" sz="2000" dirty="0"/>
+            </a:br>
+            <a:r>
+              <a:rPr lang="en-US" sz="2000" dirty="0"/>
+              <a:t>Box plot created using Plotly to detect outliers and spread.</a:t>
+            </a:r>
+            <a:br>
+              <a:rPr lang="en-US" sz="2000" dirty="0"/>
+            </a:br>
+            <a:r>
+              <a:rPr lang="en-US" sz="2000" dirty="0"/>
+              <a:t>Descriptive statistics displayed.</a:t>
+            </a:r>
+          </a:p>
+        </p:txBody>
+      </p:sp>
+      <p:pic>
+        <p:nvPicPr>
+          <p:cNvPr id="6" name="Picture 5" descr="A diagram of a graph&#10;&#10;AI-generated content may be incorrect.">
+            <a:extLst>
+              <a:ext uri="{FF2B5EF4-FFF2-40B4-BE49-F238E27FC236}">
+                <a16:creationId xmlns:a16="http://schemas.microsoft.com/office/drawing/2014/main" id="{4E59DD8F-4AD0-3DBD-3E30-337BC00AA5F2}"/>
+              </a:ext>
+            </a:extLst>
+          </p:cNvPr>
+          <p:cNvPicPr>
+            <a:picLocks noChangeAspect="1"/>
+          </p:cNvPicPr>
+          <p:nvPr/>
+        </p:nvPicPr>
+        <p:blipFill>
+          <a:blip r:embed="rId3">
+            <a:extLst>
+              <a:ext uri="{28A0092B-C50C-407E-A947-70E740481C1C}">
+                <a14:useLocalDpi xmlns:a14="http://schemas.microsoft.com/office/drawing/2010/main" val="0"/>
+              </a:ext>
+            </a:extLst>
+          </a:blip>
+          <a:stretch>
+            <a:fillRect/>
+          </a:stretch>
+        </p:blipFill>
+        <p:spPr>
+          <a:xfrm>
+            <a:off x="5262033" y="968188"/>
+            <a:ext cx="6240990" cy="4632511"/>
+          </a:xfrm>
+          <a:prstGeom prst="roundRect">
+            <a:avLst>
+              <a:gd name="adj" fmla="val 4380"/>
+            </a:avLst>
+          </a:prstGeom>
+          <a:ln w="38100">
+            <a:gradFill flip="none" rotWithShape="1">
+              <a:gsLst>
+                <a:gs pos="0">
+                  <a:schemeClr val="bg2"/>
+                </a:gs>
+                <a:gs pos="100000">
+                  <a:schemeClr val="bg2">
+                    <a:lumMod val="75000"/>
+                  </a:schemeClr>
+                </a:gs>
+              </a:gsLst>
+              <a:lin ang="5400000" scaled="0"/>
+              <a:tileRect/>
+            </a:gradFill>
+          </a:ln>
+          <a:effectLst>
+            <a:innerShdw blurRad="57150" dist="38100" dir="14460000">
+              <a:srgbClr val="000000">
+                <a:alpha val="70000"/>
+              </a:srgbClr>
+            </a:innerShdw>
+          </a:effectLst>
+        </p:spPr>
+      </p:pic>
+    </p:spTree>
+    <p:extLst>
+      <p:ext uri="{BB962C8B-B14F-4D97-AF65-F5344CB8AC3E}">
+        <p14:creationId xmlns:p14="http://schemas.microsoft.com/office/powerpoint/2010/main" val="3231140815"/>
+      </p:ext>
+    </p:extLst>
+  </p:cSld>
+  <p:clrMapOvr>
+    <a:masterClrMapping/>
+  </p:clrMapOvr>
+</p:sld>
+</file>
+
+<file path=ppt/slides/slide21.xml><?xml version="1.0" encoding="utf-8"?>
+<p:sld xmlns:a="http://schemas.openxmlformats.org/drawingml/2006/main" xmlns:r="http://schemas.openxmlformats.org/officeDocument/2006/relationships" xmlns:p="http://schemas.openxmlformats.org/presentationml/2006/main">
+  <p:cSld>
+    <p:bg>
+      <p:bgPr>
+        <a:blipFill rotWithShape="1">
+          <a:blip r:embed="rId2">
+            <a:duotone>
+              <a:schemeClr val="bg2">
+                <a:shade val="76000"/>
+                <a:satMod val="180000"/>
+              </a:schemeClr>
+              <a:schemeClr val="bg2">
+                <a:tint val="80000"/>
+                <a:satMod val="120000"/>
+                <a:lumMod val="180000"/>
+              </a:schemeClr>
+            </a:duotone>
+          </a:blip>
+          <a:stretch/>
+        </a:blipFill>
+        <a:effectLst/>
+      </p:bgPr>
+    </p:bg>
+    <p:spTree>
+      <p:nvGrpSpPr>
+        <p:cNvPr id="1" name=""/>
+        <p:cNvGrpSpPr/>
+        <p:nvPr/>
+      </p:nvGrpSpPr>
+      <p:grpSpPr>
+        <a:xfrm>
+          <a:off x="0" y="0"/>
+          <a:ext cx="0" cy="0"/>
+          <a:chOff x="0" y="0"/>
+          <a:chExt cx="0" cy="0"/>
+        </a:xfrm>
+      </p:grpSpPr>
+      <p:grpSp>
+        <p:nvGrpSpPr>
           <p:cNvPr id="33" name="Group 32">
             <a:extLst>
               <a:ext uri="{FF2B5EF4-FFF2-40B4-BE49-F238E27FC236}">
@@ -17117,7 +17215,7 @@
 </p:sld>
 </file>
 
-<file path=ppt/slides/slide21.xml><?xml version="1.0" encoding="utf-8"?>
+<file path=ppt/slides/slide22.xml><?xml version="1.0" encoding="utf-8"?>
 <p:sld xmlns:a="http://schemas.openxmlformats.org/drawingml/2006/main" xmlns:r="http://schemas.openxmlformats.org/officeDocument/2006/relationships" xmlns:p="http://schemas.openxmlformats.org/presentationml/2006/main">
   <p:cSld>
     <p:spTree>
@@ -17214,7 +17312,7 @@
 </p:sld>
 </file>
 
-<file path=ppt/slides/slide22.xml><?xml version="1.0" encoding="utf-8"?>
+<file path=ppt/slides/slide23.xml><?xml version="1.0" encoding="utf-8"?>
 <p:sld xmlns:a="http://schemas.openxmlformats.org/drawingml/2006/main" xmlns:r="http://schemas.openxmlformats.org/officeDocument/2006/relationships" xmlns:p="http://schemas.openxmlformats.org/presentationml/2006/main">
   <p:cSld>
     <p:bg>
@@ -18403,7 +18501,7 @@
 </p:sld>
 </file>
 
-<file path=ppt/slides/slide23.xml><?xml version="1.0" encoding="utf-8"?>
+<file path=ppt/slides/slide24.xml><?xml version="1.0" encoding="utf-8"?>
 <p:sld xmlns:a="http://schemas.openxmlformats.org/drawingml/2006/main" xmlns:r="http://schemas.openxmlformats.org/officeDocument/2006/relationships" xmlns:p="http://schemas.openxmlformats.org/presentationml/2006/main">
   <p:cSld>
     <p:bg>
@@ -19088,7 +19186,7 @@
 </p:sld>
 </file>
 
-<file path=ppt/slides/slide24.xml><?xml version="1.0" encoding="utf-8"?>
+<file path=ppt/slides/slide25.xml><?xml version="1.0" encoding="utf-8"?>
 <p:sld xmlns:a="http://schemas.openxmlformats.org/drawingml/2006/main" xmlns:r="http://schemas.openxmlformats.org/officeDocument/2006/relationships" xmlns:p="http://schemas.openxmlformats.org/presentationml/2006/main">
   <p:cSld>
     <p:spTree>
@@ -19258,7 +19356,7 @@
 </p:sld>
 </file>
 
-<file path=ppt/slides/slide25.xml><?xml version="1.0" encoding="utf-8"?>
+<file path=ppt/slides/slide26.xml><?xml version="1.0" encoding="utf-8"?>
 <p:sld xmlns:a="http://schemas.openxmlformats.org/drawingml/2006/main" xmlns:r="http://schemas.openxmlformats.org/officeDocument/2006/relationships" xmlns:p="http://schemas.openxmlformats.org/presentationml/2006/main">
   <p:cSld>
     <p:spTree>
@@ -19415,7 +19513,7 @@
 </p:sld>
 </file>
 
-<file path=ppt/slides/slide26.xml><?xml version="1.0" encoding="utf-8"?>
+<file path=ppt/slides/slide27.xml><?xml version="1.0" encoding="utf-8"?>
 <p:sld xmlns:a="http://schemas.openxmlformats.org/drawingml/2006/main" xmlns:r="http://schemas.openxmlformats.org/officeDocument/2006/relationships" xmlns:p="http://schemas.openxmlformats.org/presentationml/2006/main">
   <p:cSld>
     <p:bg>
@@ -20059,7 +20157,7 @@
 </p:sld>
 </file>
 
-<file path=ppt/slides/slide27.xml><?xml version="1.0" encoding="utf-8"?>
+<file path=ppt/slides/slide28.xml><?xml version="1.0" encoding="utf-8"?>
 <p:sld xmlns:a="http://schemas.openxmlformats.org/drawingml/2006/main" xmlns:r="http://schemas.openxmlformats.org/officeDocument/2006/relationships" xmlns:p="http://schemas.openxmlformats.org/presentationml/2006/main">
   <p:cSld>
     <p:bg>
@@ -20758,7 +20856,1483 @@
 </p:sld>
 </file>
 
-<file path=ppt/slides/slide28.xml><?xml version="1.0" encoding="utf-8"?>
+<file path=ppt/slides/slide29.xml><?xml version="1.0" encoding="utf-8"?>
+<p:sld xmlns:a="http://schemas.openxmlformats.org/drawingml/2006/main" xmlns:r="http://schemas.openxmlformats.org/officeDocument/2006/relationships" xmlns:p="http://schemas.openxmlformats.org/presentationml/2006/main">
+  <p:cSld>
+    <p:bg>
+      <p:bgPr>
+        <a:blipFill rotWithShape="1">
+          <a:blip r:embed="rId2">
+            <a:duotone>
+              <a:schemeClr val="bg2">
+                <a:shade val="76000"/>
+                <a:satMod val="180000"/>
+              </a:schemeClr>
+              <a:schemeClr val="bg2">
+                <a:tint val="80000"/>
+                <a:satMod val="120000"/>
+                <a:lumMod val="180000"/>
+              </a:schemeClr>
+            </a:duotone>
+          </a:blip>
+          <a:stretch/>
+        </a:blipFill>
+        <a:effectLst/>
+      </p:bgPr>
+    </p:bg>
+    <p:spTree>
+      <p:nvGrpSpPr>
+        <p:cNvPr id="1" name=""/>
+        <p:cNvGrpSpPr/>
+        <p:nvPr/>
+      </p:nvGrpSpPr>
+      <p:grpSpPr>
+        <a:xfrm>
+          <a:off x="0" y="0"/>
+          <a:ext cx="0" cy="0"/>
+          <a:chOff x="0" y="0"/>
+          <a:chExt cx="0" cy="0"/>
+        </a:xfrm>
+      </p:grpSpPr>
+      <p:grpSp>
+        <p:nvGrpSpPr>
+          <p:cNvPr id="9" name="Group 8">
+            <a:extLst>
+              <a:ext uri="{FF2B5EF4-FFF2-40B4-BE49-F238E27FC236}">
+                <a16:creationId xmlns:a16="http://schemas.microsoft.com/office/drawing/2014/main" id="{C616B3DC-C165-433D-9187-62DCC0E317D3}"/>
+              </a:ext>
+              <a:ext uri="{C183D7F6-B498-43B3-948B-1728B52AA6E4}">
+                <adec:decorative xmlns:adec="http://schemas.microsoft.com/office/drawing/2017/decorative" val="1"/>
+              </a:ext>
+            </a:extLst>
+          </p:cNvPr>
+          <p:cNvGrpSpPr>
+            <a:grpSpLocks noGrp="1" noUngrp="1" noRot="1" noChangeAspect="1" noMove="1" noResize="1"/>
+          </p:cNvGrpSpPr>
+          <p:nvPr>
+            <p:extLst>
+              <p:ext uri="{386F3935-93C4-4BCD-93E2-E3B085C9AB24}">
+                <p16:designElem xmlns:p16="http://schemas.microsoft.com/office/powerpoint/2015/main" val="1"/>
+              </p:ext>
+            </p:extLst>
+          </p:nvPr>
+        </p:nvGrpSpPr>
+        <p:grpSpPr>
+          <a:xfrm>
+            <a:off x="546100" y="-4763"/>
+            <a:ext cx="5014912" cy="6862763"/>
+            <a:chOff x="2928938" y="-4763"/>
+            <a:chExt cx="5014912" cy="6862763"/>
+          </a:xfrm>
+        </p:grpSpPr>
+        <p:sp>
+          <p:nvSpPr>
+            <p:cNvPr id="10" name="Freeform 6">
+              <a:extLst>
+                <a:ext uri="{FF2B5EF4-FFF2-40B4-BE49-F238E27FC236}">
+                  <a16:creationId xmlns:a16="http://schemas.microsoft.com/office/drawing/2014/main" id="{97E1BF84-9824-4B0E-98DF-F0F7181DD062}"/>
+                </a:ext>
+                <a:ext uri="{C183D7F6-B498-43B3-948B-1728B52AA6E4}">
+                  <adec:decorative xmlns:adec="http://schemas.microsoft.com/office/drawing/2017/decorative" val="1"/>
+                </a:ext>
+              </a:extLst>
+            </p:cNvPr>
+            <p:cNvSpPr/>
+            <p:nvPr>
+              <p:extLst>
+                <p:ext uri="{386F3935-93C4-4BCD-93E2-E3B085C9AB24}">
+                  <p16:designElem xmlns:p16="http://schemas.microsoft.com/office/powerpoint/2015/main" val="1"/>
+                </p:ext>
+              </p:extLst>
+            </p:nvPr>
+          </p:nvSpPr>
+          <p:spPr bwMode="auto">
+            <a:xfrm>
+              <a:off x="3367088" y="-4763"/>
+              <a:ext cx="1063625" cy="2782888"/>
+            </a:xfrm>
+            <a:custGeom>
+              <a:avLst/>
+              <a:gdLst/>
+              <a:ahLst/>
+              <a:cxnLst/>
+              <a:rect l="0" t="0" r="r" b="b"/>
+              <a:pathLst>
+                <a:path w="670" h="1753">
+                  <a:moveTo>
+                    <a:pt x="0" y="1696"/>
+                  </a:moveTo>
+                  <a:lnTo>
+                    <a:pt x="225" y="1753"/>
+                  </a:lnTo>
+                  <a:lnTo>
+                    <a:pt x="670" y="0"/>
+                  </a:lnTo>
+                  <a:lnTo>
+                    <a:pt x="430" y="0"/>
+                  </a:lnTo>
+                  <a:lnTo>
+                    <a:pt x="0" y="1696"/>
+                  </a:lnTo>
+                  <a:close/>
+                </a:path>
+              </a:pathLst>
+            </a:custGeom>
+            <a:solidFill>
+              <a:schemeClr val="accent1"/>
+            </a:solidFill>
+            <a:ln>
+              <a:noFill/>
+            </a:ln>
+          </p:spPr>
+          <p:txBody>
+            <a:bodyPr/>
+            <a:lstStyle/>
+            <a:p>
+              <a:endParaRPr lang="en-US"/>
+            </a:p>
+          </p:txBody>
+        </p:sp>
+        <p:sp>
+          <p:nvSpPr>
+            <p:cNvPr id="11" name="Freeform 7">
+              <a:extLst>
+                <a:ext uri="{FF2B5EF4-FFF2-40B4-BE49-F238E27FC236}">
+                  <a16:creationId xmlns:a16="http://schemas.microsoft.com/office/drawing/2014/main" id="{A85FA340-7392-4303-9707-A12F45A46F96}"/>
+                </a:ext>
+                <a:ext uri="{C183D7F6-B498-43B3-948B-1728B52AA6E4}">
+                  <adec:decorative xmlns:adec="http://schemas.microsoft.com/office/drawing/2017/decorative" val="1"/>
+                </a:ext>
+              </a:extLst>
+            </p:cNvPr>
+            <p:cNvSpPr/>
+            <p:nvPr>
+              <p:extLst>
+                <p:ext uri="{386F3935-93C4-4BCD-93E2-E3B085C9AB24}">
+                  <p16:designElem xmlns:p16="http://schemas.microsoft.com/office/powerpoint/2015/main" val="1"/>
+                </p:ext>
+              </p:extLst>
+            </p:nvPr>
+          </p:nvSpPr>
+          <p:spPr bwMode="auto">
+            <a:xfrm>
+              <a:off x="2928938" y="-4763"/>
+              <a:ext cx="1035050" cy="2673350"/>
+            </a:xfrm>
+            <a:custGeom>
+              <a:avLst/>
+              <a:gdLst/>
+              <a:ahLst/>
+              <a:cxnLst/>
+              <a:rect l="0" t="0" r="r" b="b"/>
+              <a:pathLst>
+                <a:path w="652" h="1684">
+                  <a:moveTo>
+                    <a:pt x="225" y="1684"/>
+                  </a:moveTo>
+                  <a:lnTo>
+                    <a:pt x="652" y="0"/>
+                  </a:lnTo>
+                  <a:lnTo>
+                    <a:pt x="411" y="0"/>
+                  </a:lnTo>
+                  <a:lnTo>
+                    <a:pt x="0" y="1627"/>
+                  </a:lnTo>
+                  <a:lnTo>
+                    <a:pt x="219" y="1681"/>
+                  </a:lnTo>
+                  <a:lnTo>
+                    <a:pt x="225" y="1684"/>
+                  </a:lnTo>
+                  <a:close/>
+                </a:path>
+              </a:pathLst>
+            </a:custGeom>
+            <a:solidFill>
+              <a:schemeClr val="tx1">
+                <a:lumMod val="65000"/>
+                <a:lumOff val="35000"/>
+              </a:schemeClr>
+            </a:solidFill>
+            <a:ln>
+              <a:noFill/>
+            </a:ln>
+          </p:spPr>
+          <p:txBody>
+            <a:bodyPr/>
+            <a:lstStyle/>
+            <a:p>
+              <a:endParaRPr lang="en-US"/>
+            </a:p>
+          </p:txBody>
+        </p:sp>
+        <p:sp>
+          <p:nvSpPr>
+            <p:cNvPr id="12" name="Freeform 9">
+              <a:extLst>
+                <a:ext uri="{FF2B5EF4-FFF2-40B4-BE49-F238E27FC236}">
+                  <a16:creationId xmlns:a16="http://schemas.microsoft.com/office/drawing/2014/main" id="{758A9051-2BD9-4868-8B84-344752FA2F60}"/>
+                </a:ext>
+                <a:ext uri="{C183D7F6-B498-43B3-948B-1728B52AA6E4}">
+                  <adec:decorative xmlns:adec="http://schemas.microsoft.com/office/drawing/2017/decorative" val="1"/>
+                </a:ext>
+              </a:extLst>
+            </p:cNvPr>
+            <p:cNvSpPr/>
+            <p:nvPr>
+              <p:extLst>
+                <p:ext uri="{386F3935-93C4-4BCD-93E2-E3B085C9AB24}">
+                  <p16:designElem xmlns:p16="http://schemas.microsoft.com/office/powerpoint/2015/main" val="1"/>
+                </p:ext>
+              </p:extLst>
+            </p:nvPr>
+          </p:nvSpPr>
+          <p:spPr bwMode="auto">
+            <a:xfrm>
+              <a:off x="2928938" y="2582862"/>
+              <a:ext cx="2693987" cy="4275138"/>
+            </a:xfrm>
+            <a:custGeom>
+              <a:avLst/>
+              <a:gdLst/>
+              <a:ahLst/>
+              <a:cxnLst/>
+              <a:rect l="0" t="0" r="r" b="b"/>
+              <a:pathLst>
+                <a:path w="1697" h="2693">
+                  <a:moveTo>
+                    <a:pt x="0" y="0"/>
+                  </a:moveTo>
+                  <a:lnTo>
+                    <a:pt x="1622" y="2693"/>
+                  </a:lnTo>
+                  <a:lnTo>
+                    <a:pt x="1697" y="2693"/>
+                  </a:lnTo>
+                  <a:lnTo>
+                    <a:pt x="0" y="0"/>
+                  </a:lnTo>
+                  <a:close/>
+                </a:path>
+              </a:pathLst>
+            </a:custGeom>
+            <a:solidFill>
+              <a:schemeClr val="tx1">
+                <a:lumMod val="85000"/>
+                <a:lumOff val="15000"/>
+              </a:schemeClr>
+            </a:solidFill>
+            <a:ln>
+              <a:noFill/>
+            </a:ln>
+          </p:spPr>
+          <p:txBody>
+            <a:bodyPr/>
+            <a:lstStyle/>
+            <a:p>
+              <a:endParaRPr lang="en-US"/>
+            </a:p>
+          </p:txBody>
+        </p:sp>
+        <p:sp>
+          <p:nvSpPr>
+            <p:cNvPr id="13" name="Freeform 10">
+              <a:extLst>
+                <a:ext uri="{FF2B5EF4-FFF2-40B4-BE49-F238E27FC236}">
+                  <a16:creationId xmlns:a16="http://schemas.microsoft.com/office/drawing/2014/main" id="{58264C49-3539-4CBD-8F11-1106C8B8781F}"/>
+                </a:ext>
+                <a:ext uri="{C183D7F6-B498-43B3-948B-1728B52AA6E4}">
+                  <adec:decorative xmlns:adec="http://schemas.microsoft.com/office/drawing/2017/decorative" val="1"/>
+                </a:ext>
+              </a:extLst>
+            </p:cNvPr>
+            <p:cNvSpPr/>
+            <p:nvPr>
+              <p:extLst>
+                <p:ext uri="{386F3935-93C4-4BCD-93E2-E3B085C9AB24}">
+                  <p16:designElem xmlns:p16="http://schemas.microsoft.com/office/powerpoint/2015/main" val="1"/>
+                </p:ext>
+              </p:extLst>
+            </p:nvPr>
+          </p:nvSpPr>
+          <p:spPr bwMode="auto">
+            <a:xfrm>
+              <a:off x="3371850" y="2692400"/>
+              <a:ext cx="3332162" cy="4165600"/>
+            </a:xfrm>
+            <a:custGeom>
+              <a:avLst/>
+              <a:gdLst/>
+              <a:ahLst/>
+              <a:cxnLst/>
+              <a:rect l="0" t="0" r="r" b="b"/>
+              <a:pathLst>
+                <a:path w="2099" h="2624">
+                  <a:moveTo>
+                    <a:pt x="2099" y="2624"/>
+                  </a:moveTo>
+                  <a:lnTo>
+                    <a:pt x="0" y="0"/>
+                  </a:lnTo>
+                  <a:lnTo>
+                    <a:pt x="2021" y="2624"/>
+                  </a:lnTo>
+                  <a:lnTo>
+                    <a:pt x="2099" y="2624"/>
+                  </a:lnTo>
+                  <a:close/>
+                </a:path>
+              </a:pathLst>
+            </a:custGeom>
+            <a:solidFill>
+              <a:schemeClr val="accent1">
+                <a:lumMod val="50000"/>
+              </a:schemeClr>
+            </a:solidFill>
+            <a:ln>
+              <a:noFill/>
+            </a:ln>
+          </p:spPr>
+          <p:txBody>
+            <a:bodyPr/>
+            <a:lstStyle/>
+            <a:p>
+              <a:endParaRPr lang="en-US"/>
+            </a:p>
+          </p:txBody>
+        </p:sp>
+        <p:sp>
+          <p:nvSpPr>
+            <p:cNvPr id="14" name="Freeform 11">
+              <a:extLst>
+                <a:ext uri="{FF2B5EF4-FFF2-40B4-BE49-F238E27FC236}">
+                  <a16:creationId xmlns:a16="http://schemas.microsoft.com/office/drawing/2014/main" id="{DE862133-5C7E-4B32-9786-0B33BC51A75B}"/>
+                </a:ext>
+                <a:ext uri="{C183D7F6-B498-43B3-948B-1728B52AA6E4}">
+                  <adec:decorative xmlns:adec="http://schemas.microsoft.com/office/drawing/2017/decorative" val="1"/>
+                </a:ext>
+              </a:extLst>
+            </p:cNvPr>
+            <p:cNvSpPr/>
+            <p:nvPr>
+              <p:extLst>
+                <p:ext uri="{386F3935-93C4-4BCD-93E2-E3B085C9AB24}">
+                  <p16:designElem xmlns:p16="http://schemas.microsoft.com/office/powerpoint/2015/main" val="1"/>
+                </p:ext>
+              </p:extLst>
+            </p:nvPr>
+          </p:nvSpPr>
+          <p:spPr bwMode="auto">
+            <a:xfrm>
+              <a:off x="3367088" y="2687637"/>
+              <a:ext cx="4576762" cy="4170363"/>
+            </a:xfrm>
+            <a:custGeom>
+              <a:avLst/>
+              <a:gdLst/>
+              <a:ahLst/>
+              <a:cxnLst/>
+              <a:rect l="0" t="0" r="r" b="b"/>
+              <a:pathLst>
+                <a:path w="2883" h="2627">
+                  <a:moveTo>
+                    <a:pt x="0" y="0"/>
+                  </a:moveTo>
+                  <a:lnTo>
+                    <a:pt x="3" y="3"/>
+                  </a:lnTo>
+                  <a:lnTo>
+                    <a:pt x="2102" y="2627"/>
+                  </a:lnTo>
+                  <a:lnTo>
+                    <a:pt x="2883" y="2627"/>
+                  </a:lnTo>
+                  <a:lnTo>
+                    <a:pt x="225" y="57"/>
+                  </a:lnTo>
+                  <a:lnTo>
+                    <a:pt x="0" y="0"/>
+                  </a:lnTo>
+                  <a:close/>
+                </a:path>
+              </a:pathLst>
+            </a:custGeom>
+            <a:solidFill>
+              <a:schemeClr val="accent1">
+                <a:lumMod val="75000"/>
+              </a:schemeClr>
+            </a:solidFill>
+            <a:ln>
+              <a:noFill/>
+            </a:ln>
+          </p:spPr>
+          <p:txBody>
+            <a:bodyPr/>
+            <a:lstStyle/>
+            <a:p>
+              <a:endParaRPr lang="en-US"/>
+            </a:p>
+          </p:txBody>
+        </p:sp>
+        <p:sp>
+          <p:nvSpPr>
+            <p:cNvPr id="15" name="Freeform 12">
+              <a:extLst>
+                <a:ext uri="{FF2B5EF4-FFF2-40B4-BE49-F238E27FC236}">
+                  <a16:creationId xmlns:a16="http://schemas.microsoft.com/office/drawing/2014/main" id="{90925F6C-DF03-4707-9176-6049F049B5AA}"/>
+                </a:ext>
+                <a:ext uri="{C183D7F6-B498-43B3-948B-1728B52AA6E4}">
+                  <adec:decorative xmlns:adec="http://schemas.microsoft.com/office/drawing/2017/decorative" val="1"/>
+                </a:ext>
+              </a:extLst>
+            </p:cNvPr>
+            <p:cNvSpPr/>
+            <p:nvPr>
+              <p:extLst>
+                <p:ext uri="{386F3935-93C4-4BCD-93E2-E3B085C9AB24}">
+                  <p16:designElem xmlns:p16="http://schemas.microsoft.com/office/powerpoint/2015/main" val="1"/>
+                </p:ext>
+              </p:extLst>
+            </p:nvPr>
+          </p:nvSpPr>
+          <p:spPr bwMode="auto">
+            <a:xfrm>
+              <a:off x="2928938" y="2578100"/>
+              <a:ext cx="3584575" cy="4279900"/>
+            </a:xfrm>
+            <a:custGeom>
+              <a:avLst/>
+              <a:gdLst/>
+              <a:ahLst/>
+              <a:cxnLst/>
+              <a:rect l="0" t="0" r="r" b="b"/>
+              <a:pathLst>
+                <a:path w="2258" h="2696">
+                  <a:moveTo>
+                    <a:pt x="2258" y="2696"/>
+                  </a:moveTo>
+                  <a:lnTo>
+                    <a:pt x="264" y="111"/>
+                  </a:lnTo>
+                  <a:lnTo>
+                    <a:pt x="228" y="60"/>
+                  </a:lnTo>
+                  <a:lnTo>
+                    <a:pt x="225" y="57"/>
+                  </a:lnTo>
+                  <a:lnTo>
+                    <a:pt x="0" y="0"/>
+                  </a:lnTo>
+                  <a:lnTo>
+                    <a:pt x="0" y="3"/>
+                  </a:lnTo>
+                  <a:lnTo>
+                    <a:pt x="1697" y="2696"/>
+                  </a:lnTo>
+                  <a:lnTo>
+                    <a:pt x="2258" y="2696"/>
+                  </a:lnTo>
+                  <a:close/>
+                </a:path>
+              </a:pathLst>
+            </a:custGeom>
+            <a:solidFill>
+              <a:schemeClr val="tx1">
+                <a:lumMod val="75000"/>
+                <a:lumOff val="25000"/>
+              </a:schemeClr>
+            </a:solidFill>
+            <a:ln>
+              <a:noFill/>
+            </a:ln>
+          </p:spPr>
+          <p:txBody>
+            <a:bodyPr/>
+            <a:lstStyle/>
+            <a:p>
+              <a:endParaRPr lang="en-US"/>
+            </a:p>
+          </p:txBody>
+        </p:sp>
+      </p:grpSp>
+      <p:sp useBgFill="1">
+        <p:nvSpPr>
+          <p:cNvPr id="17" name="Rectangle 16">
+            <a:extLst>
+              <a:ext uri="{FF2B5EF4-FFF2-40B4-BE49-F238E27FC236}">
+                <a16:creationId xmlns:a16="http://schemas.microsoft.com/office/drawing/2014/main" id="{A6073935-E043-4801-AF06-06093A9145F7}"/>
+              </a:ext>
+              <a:ext uri="{C183D7F6-B498-43B3-948B-1728B52AA6E4}">
+                <adec:decorative xmlns:adec="http://schemas.microsoft.com/office/drawing/2017/decorative" val="1"/>
+              </a:ext>
+            </a:extLst>
+          </p:cNvPr>
+          <p:cNvSpPr>
+            <a:spLocks noGrp="1" noRot="1" noChangeAspect="1" noMove="1" noResize="1" noEditPoints="1" noAdjustHandles="1" noChangeArrowheads="1" noChangeShapeType="1" noTextEdit="1"/>
+          </p:cNvSpPr>
+          <p:nvPr>
+            <p:extLst>
+              <p:ext uri="{386F3935-93C4-4BCD-93E2-E3B085C9AB24}">
+                <p16:designElem xmlns:p16="http://schemas.microsoft.com/office/powerpoint/2015/main" val="1"/>
+              </p:ext>
+            </p:extLst>
+          </p:nvPr>
+        </p:nvSpPr>
+        <p:spPr>
+          <a:xfrm>
+            <a:off x="0" y="0"/>
+            <a:ext cx="12192000" cy="6858000"/>
+          </a:xfrm>
+          <a:prstGeom prst="rect">
+            <a:avLst/>
+          </a:prstGeom>
+          <a:ln>
+            <a:noFill/>
+          </a:ln>
+        </p:spPr>
+        <p:style>
+          <a:lnRef idx="2">
+            <a:schemeClr val="accent1">
+              <a:shade val="50000"/>
+            </a:schemeClr>
+          </a:lnRef>
+          <a:fillRef idx="1">
+            <a:schemeClr val="accent1"/>
+          </a:fillRef>
+          <a:effectRef idx="0">
+            <a:schemeClr val="accent1"/>
+          </a:effectRef>
+          <a:fontRef idx="minor">
+            <a:schemeClr val="lt1"/>
+          </a:fontRef>
+        </p:style>
+        <p:txBody>
+          <a:bodyPr rtlCol="0" anchor="ctr"/>
+          <a:lstStyle/>
+          <a:p>
+            <a:pPr algn="ctr"/>
+            <a:endParaRPr lang="en-US"/>
+          </a:p>
+        </p:txBody>
+      </p:sp>
+      <p:sp>
+        <p:nvSpPr>
+          <p:cNvPr id="2" name="Title 1">
+            <a:extLst>
+              <a:ext uri="{FF2B5EF4-FFF2-40B4-BE49-F238E27FC236}">
+                <a16:creationId xmlns:a16="http://schemas.microsoft.com/office/drawing/2014/main" id="{2E22BECD-6696-2848-3266-06544DE99F63}"/>
+              </a:ext>
+            </a:extLst>
+          </p:cNvPr>
+          <p:cNvSpPr>
+            <a:spLocks noGrp="1"/>
+          </p:cNvSpPr>
+          <p:nvPr>
+            <p:ph type="title"/>
+          </p:nvPr>
+        </p:nvSpPr>
+        <p:spPr>
+          <a:xfrm>
+            <a:off x="7871172" y="1104456"/>
+            <a:ext cx="3461281" cy="3347337"/>
+          </a:xfrm>
+        </p:spPr>
+        <p:txBody>
+          <a:bodyPr vert="horz" lIns="91440" tIns="45720" rIns="91440" bIns="45720" rtlCol="0" anchor="b">
+            <a:normAutofit fontScale="90000"/>
+          </a:bodyPr>
+          <a:lstStyle/>
+          <a:p>
+            <a:pPr algn="l">
+              <a:lnSpc>
+                <a:spcPct val="90000"/>
+              </a:lnSpc>
+            </a:pPr>
+            <a:r>
+              <a:rPr lang="en-US" sz="3200" dirty="0">
+                <a:solidFill>
+                  <a:srgbClr val="C00000"/>
+                </a:solidFill>
+              </a:rPr>
+              <a:t>Bivariate Analysis – Insights:</a:t>
+            </a:r>
+            <a:br>
+              <a:rPr lang="en-US" sz="2600" dirty="0"/>
+            </a:br>
+            <a:r>
+              <a:rPr lang="en-US" sz="2600" dirty="0"/>
+              <a:t>calculated  mean 'Order Item Total' for each 'Order Status'?</a:t>
+            </a:r>
+            <a:br>
+              <a:rPr lang="en-US" sz="2600" dirty="0"/>
+            </a:br>
+            <a:r>
+              <a:rPr lang="en-US" sz="2600" dirty="0"/>
+              <a:t> What is the average (mean) Order Item Total for each Order Status?</a:t>
+            </a:r>
+            <a:br>
+              <a:rPr lang="en-US" sz="2600" dirty="0"/>
+            </a:br>
+            <a:endParaRPr lang="en-US" sz="2600" dirty="0"/>
+          </a:p>
+        </p:txBody>
+      </p:sp>
+      <p:grpSp>
+        <p:nvGrpSpPr>
+          <p:cNvPr id="19" name="Group 18">
+            <a:extLst>
+              <a:ext uri="{FF2B5EF4-FFF2-40B4-BE49-F238E27FC236}">
+                <a16:creationId xmlns:a16="http://schemas.microsoft.com/office/drawing/2014/main" id="{8AC26FF4-D6F9-4A94-A837-D051A101EDD3}"/>
+              </a:ext>
+              <a:ext uri="{C183D7F6-B498-43B3-948B-1728B52AA6E4}">
+                <adec:decorative xmlns:adec="http://schemas.microsoft.com/office/drawing/2017/decorative" val="1"/>
+              </a:ext>
+            </a:extLst>
+          </p:cNvPr>
+          <p:cNvGrpSpPr>
+            <a:grpSpLocks noGrp="1" noUngrp="1" noRot="1" noChangeAspect="1" noMove="1" noResize="1"/>
+          </p:cNvGrpSpPr>
+          <p:nvPr>
+            <p:extLst>
+              <p:ext uri="{386F3935-93C4-4BCD-93E2-E3B085C9AB24}">
+                <p16:designElem xmlns:p16="http://schemas.microsoft.com/office/powerpoint/2015/main" val="1"/>
+              </p:ext>
+            </p:extLst>
+          </p:nvPr>
+        </p:nvGrpSpPr>
+        <p:grpSpPr>
+          <a:xfrm>
+            <a:off x="886714" y="-4763"/>
+            <a:ext cx="5014912" cy="6862763"/>
+            <a:chOff x="2928938" y="-4763"/>
+            <a:chExt cx="5014912" cy="6862763"/>
+          </a:xfrm>
+        </p:grpSpPr>
+        <p:sp>
+          <p:nvSpPr>
+            <p:cNvPr id="20" name="Freeform 6">
+              <a:extLst>
+                <a:ext uri="{FF2B5EF4-FFF2-40B4-BE49-F238E27FC236}">
+                  <a16:creationId xmlns:a16="http://schemas.microsoft.com/office/drawing/2014/main" id="{EFFE501B-F9EC-4229-99D6-F39E38A71B5B}"/>
+                </a:ext>
+                <a:ext uri="{C183D7F6-B498-43B3-948B-1728B52AA6E4}">
+                  <adec:decorative xmlns:adec="http://schemas.microsoft.com/office/drawing/2017/decorative" val="1"/>
+                </a:ext>
+              </a:extLst>
+            </p:cNvPr>
+            <p:cNvSpPr/>
+            <p:nvPr>
+              <p:extLst>
+                <p:ext uri="{386F3935-93C4-4BCD-93E2-E3B085C9AB24}">
+                  <p16:designElem xmlns:p16="http://schemas.microsoft.com/office/powerpoint/2015/main" val="1"/>
+                </p:ext>
+              </p:extLst>
+            </p:nvPr>
+          </p:nvSpPr>
+          <p:spPr bwMode="auto">
+            <a:xfrm>
+              <a:off x="3367088" y="-4763"/>
+              <a:ext cx="1063625" cy="2782888"/>
+            </a:xfrm>
+            <a:custGeom>
+              <a:avLst/>
+              <a:gdLst/>
+              <a:ahLst/>
+              <a:cxnLst/>
+              <a:rect l="0" t="0" r="r" b="b"/>
+              <a:pathLst>
+                <a:path w="670" h="1753">
+                  <a:moveTo>
+                    <a:pt x="0" y="1696"/>
+                  </a:moveTo>
+                  <a:lnTo>
+                    <a:pt x="225" y="1753"/>
+                  </a:lnTo>
+                  <a:lnTo>
+                    <a:pt x="670" y="0"/>
+                  </a:lnTo>
+                  <a:lnTo>
+                    <a:pt x="430" y="0"/>
+                  </a:lnTo>
+                  <a:lnTo>
+                    <a:pt x="0" y="1696"/>
+                  </a:lnTo>
+                  <a:close/>
+                </a:path>
+              </a:pathLst>
+            </a:custGeom>
+            <a:solidFill>
+              <a:schemeClr val="accent1"/>
+            </a:solidFill>
+            <a:ln>
+              <a:noFill/>
+            </a:ln>
+          </p:spPr>
+          <p:txBody>
+            <a:bodyPr/>
+            <a:lstStyle/>
+            <a:p>
+              <a:endParaRPr lang="en-US"/>
+            </a:p>
+          </p:txBody>
+        </p:sp>
+        <p:sp>
+          <p:nvSpPr>
+            <p:cNvPr id="21" name="Freeform 7">
+              <a:extLst>
+                <a:ext uri="{FF2B5EF4-FFF2-40B4-BE49-F238E27FC236}">
+                  <a16:creationId xmlns:a16="http://schemas.microsoft.com/office/drawing/2014/main" id="{B064C6A0-3DE4-4F4A-B650-78A628163E0A}"/>
+                </a:ext>
+                <a:ext uri="{C183D7F6-B498-43B3-948B-1728B52AA6E4}">
+                  <adec:decorative xmlns:adec="http://schemas.microsoft.com/office/drawing/2017/decorative" val="1"/>
+                </a:ext>
+              </a:extLst>
+            </p:cNvPr>
+            <p:cNvSpPr/>
+            <p:nvPr>
+              <p:extLst>
+                <p:ext uri="{386F3935-93C4-4BCD-93E2-E3B085C9AB24}">
+                  <p16:designElem xmlns:p16="http://schemas.microsoft.com/office/powerpoint/2015/main" val="1"/>
+                </p:ext>
+              </p:extLst>
+            </p:nvPr>
+          </p:nvSpPr>
+          <p:spPr bwMode="auto">
+            <a:xfrm>
+              <a:off x="2928938" y="-4763"/>
+              <a:ext cx="1035050" cy="2673350"/>
+            </a:xfrm>
+            <a:custGeom>
+              <a:avLst/>
+              <a:gdLst/>
+              <a:ahLst/>
+              <a:cxnLst/>
+              <a:rect l="0" t="0" r="r" b="b"/>
+              <a:pathLst>
+                <a:path w="652" h="1684">
+                  <a:moveTo>
+                    <a:pt x="225" y="1684"/>
+                  </a:moveTo>
+                  <a:lnTo>
+                    <a:pt x="652" y="0"/>
+                  </a:lnTo>
+                  <a:lnTo>
+                    <a:pt x="411" y="0"/>
+                  </a:lnTo>
+                  <a:lnTo>
+                    <a:pt x="0" y="1627"/>
+                  </a:lnTo>
+                  <a:lnTo>
+                    <a:pt x="219" y="1681"/>
+                  </a:lnTo>
+                  <a:lnTo>
+                    <a:pt x="225" y="1684"/>
+                  </a:lnTo>
+                  <a:close/>
+                </a:path>
+              </a:pathLst>
+            </a:custGeom>
+            <a:solidFill>
+              <a:schemeClr val="tx1">
+                <a:lumMod val="65000"/>
+                <a:lumOff val="35000"/>
+              </a:schemeClr>
+            </a:solidFill>
+            <a:ln>
+              <a:noFill/>
+            </a:ln>
+          </p:spPr>
+          <p:txBody>
+            <a:bodyPr/>
+            <a:lstStyle/>
+            <a:p>
+              <a:endParaRPr lang="en-US"/>
+            </a:p>
+          </p:txBody>
+        </p:sp>
+        <p:sp>
+          <p:nvSpPr>
+            <p:cNvPr id="22" name="Freeform 25">
+              <a:extLst>
+                <a:ext uri="{FF2B5EF4-FFF2-40B4-BE49-F238E27FC236}">
+                  <a16:creationId xmlns:a16="http://schemas.microsoft.com/office/drawing/2014/main" id="{43CD3E83-3D0D-40EE-B1A2-9C989EBF2814}"/>
+                </a:ext>
+                <a:ext uri="{C183D7F6-B498-43B3-948B-1728B52AA6E4}">
+                  <adec:decorative xmlns:adec="http://schemas.microsoft.com/office/drawing/2017/decorative" val="1"/>
+                </a:ext>
+              </a:extLst>
+            </p:cNvPr>
+            <p:cNvSpPr/>
+            <p:nvPr>
+              <p:extLst>
+                <p:ext uri="{386F3935-93C4-4BCD-93E2-E3B085C9AB24}">
+                  <p16:designElem xmlns:p16="http://schemas.microsoft.com/office/powerpoint/2015/main" val="1"/>
+                </p:ext>
+              </p:extLst>
+            </p:nvPr>
+          </p:nvSpPr>
+          <p:spPr bwMode="auto">
+            <a:xfrm>
+              <a:off x="2928938" y="2582862"/>
+              <a:ext cx="2693987" cy="4275138"/>
+            </a:xfrm>
+            <a:custGeom>
+              <a:avLst/>
+              <a:gdLst/>
+              <a:ahLst/>
+              <a:cxnLst/>
+              <a:rect l="0" t="0" r="r" b="b"/>
+              <a:pathLst>
+                <a:path w="1697" h="2693">
+                  <a:moveTo>
+                    <a:pt x="0" y="0"/>
+                  </a:moveTo>
+                  <a:lnTo>
+                    <a:pt x="1622" y="2693"/>
+                  </a:lnTo>
+                  <a:lnTo>
+                    <a:pt x="1697" y="2693"/>
+                  </a:lnTo>
+                  <a:lnTo>
+                    <a:pt x="0" y="0"/>
+                  </a:lnTo>
+                  <a:close/>
+                </a:path>
+              </a:pathLst>
+            </a:custGeom>
+            <a:solidFill>
+              <a:schemeClr val="tx1">
+                <a:lumMod val="85000"/>
+                <a:lumOff val="15000"/>
+              </a:schemeClr>
+            </a:solidFill>
+            <a:ln>
+              <a:noFill/>
+            </a:ln>
+          </p:spPr>
+          <p:txBody>
+            <a:bodyPr/>
+            <a:lstStyle/>
+            <a:p>
+              <a:endParaRPr lang="en-US"/>
+            </a:p>
+          </p:txBody>
+        </p:sp>
+        <p:sp>
+          <p:nvSpPr>
+            <p:cNvPr id="23" name="Freeform 26">
+              <a:extLst>
+                <a:ext uri="{FF2B5EF4-FFF2-40B4-BE49-F238E27FC236}">
+                  <a16:creationId xmlns:a16="http://schemas.microsoft.com/office/drawing/2014/main" id="{71553909-760D-4B98-96A4-F9F48339AF6B}"/>
+                </a:ext>
+                <a:ext uri="{C183D7F6-B498-43B3-948B-1728B52AA6E4}">
+                  <adec:decorative xmlns:adec="http://schemas.microsoft.com/office/drawing/2017/decorative" val="1"/>
+                </a:ext>
+              </a:extLst>
+            </p:cNvPr>
+            <p:cNvSpPr/>
+            <p:nvPr>
+              <p:extLst>
+                <p:ext uri="{386F3935-93C4-4BCD-93E2-E3B085C9AB24}">
+                  <p16:designElem xmlns:p16="http://schemas.microsoft.com/office/powerpoint/2015/main" val="1"/>
+                </p:ext>
+              </p:extLst>
+            </p:nvPr>
+          </p:nvSpPr>
+          <p:spPr bwMode="auto">
+            <a:xfrm>
+              <a:off x="3371850" y="2692400"/>
+              <a:ext cx="3332162" cy="4165600"/>
+            </a:xfrm>
+            <a:custGeom>
+              <a:avLst/>
+              <a:gdLst/>
+              <a:ahLst/>
+              <a:cxnLst/>
+              <a:rect l="0" t="0" r="r" b="b"/>
+              <a:pathLst>
+                <a:path w="2099" h="2624">
+                  <a:moveTo>
+                    <a:pt x="2099" y="2624"/>
+                  </a:moveTo>
+                  <a:lnTo>
+                    <a:pt x="0" y="0"/>
+                  </a:lnTo>
+                  <a:lnTo>
+                    <a:pt x="2021" y="2624"/>
+                  </a:lnTo>
+                  <a:lnTo>
+                    <a:pt x="2099" y="2624"/>
+                  </a:lnTo>
+                  <a:close/>
+                </a:path>
+              </a:pathLst>
+            </a:custGeom>
+            <a:solidFill>
+              <a:schemeClr val="accent1">
+                <a:lumMod val="50000"/>
+              </a:schemeClr>
+            </a:solidFill>
+            <a:ln>
+              <a:noFill/>
+            </a:ln>
+          </p:spPr>
+          <p:txBody>
+            <a:bodyPr/>
+            <a:lstStyle/>
+            <a:p>
+              <a:endParaRPr lang="en-US"/>
+            </a:p>
+          </p:txBody>
+        </p:sp>
+        <p:sp>
+          <p:nvSpPr>
+            <p:cNvPr id="24" name="Freeform 27">
+              <a:extLst>
+                <a:ext uri="{FF2B5EF4-FFF2-40B4-BE49-F238E27FC236}">
+                  <a16:creationId xmlns:a16="http://schemas.microsoft.com/office/drawing/2014/main" id="{1F006A6C-F843-49BC-AC84-89BD2AF58630}"/>
+                </a:ext>
+                <a:ext uri="{C183D7F6-B498-43B3-948B-1728B52AA6E4}">
+                  <adec:decorative xmlns:adec="http://schemas.microsoft.com/office/drawing/2017/decorative" val="1"/>
+                </a:ext>
+              </a:extLst>
+            </p:cNvPr>
+            <p:cNvSpPr/>
+            <p:nvPr>
+              <p:extLst>
+                <p:ext uri="{386F3935-93C4-4BCD-93E2-E3B085C9AB24}">
+                  <p16:designElem xmlns:p16="http://schemas.microsoft.com/office/powerpoint/2015/main" val="1"/>
+                </p:ext>
+              </p:extLst>
+            </p:nvPr>
+          </p:nvSpPr>
+          <p:spPr bwMode="auto">
+            <a:xfrm>
+              <a:off x="3367088" y="2687637"/>
+              <a:ext cx="4576762" cy="4170363"/>
+            </a:xfrm>
+            <a:custGeom>
+              <a:avLst/>
+              <a:gdLst/>
+              <a:ahLst/>
+              <a:cxnLst/>
+              <a:rect l="0" t="0" r="r" b="b"/>
+              <a:pathLst>
+                <a:path w="2883" h="2627">
+                  <a:moveTo>
+                    <a:pt x="0" y="0"/>
+                  </a:moveTo>
+                  <a:lnTo>
+                    <a:pt x="3" y="3"/>
+                  </a:lnTo>
+                  <a:lnTo>
+                    <a:pt x="2102" y="2627"/>
+                  </a:lnTo>
+                  <a:lnTo>
+                    <a:pt x="2883" y="2627"/>
+                  </a:lnTo>
+                  <a:lnTo>
+                    <a:pt x="225" y="57"/>
+                  </a:lnTo>
+                  <a:lnTo>
+                    <a:pt x="0" y="0"/>
+                  </a:lnTo>
+                  <a:close/>
+                </a:path>
+              </a:pathLst>
+            </a:custGeom>
+            <a:solidFill>
+              <a:schemeClr val="accent1">
+                <a:lumMod val="75000"/>
+              </a:schemeClr>
+            </a:solidFill>
+            <a:ln>
+              <a:noFill/>
+            </a:ln>
+          </p:spPr>
+          <p:txBody>
+            <a:bodyPr/>
+            <a:lstStyle/>
+            <a:p>
+              <a:endParaRPr lang="en-US"/>
+            </a:p>
+          </p:txBody>
+        </p:sp>
+        <p:sp>
+          <p:nvSpPr>
+            <p:cNvPr id="25" name="Freeform 28">
+              <a:extLst>
+                <a:ext uri="{FF2B5EF4-FFF2-40B4-BE49-F238E27FC236}">
+                  <a16:creationId xmlns:a16="http://schemas.microsoft.com/office/drawing/2014/main" id="{62AEE6F3-16F4-4944-8459-4D5EEA341D0D}"/>
+                </a:ext>
+                <a:ext uri="{C183D7F6-B498-43B3-948B-1728B52AA6E4}">
+                  <adec:decorative xmlns:adec="http://schemas.microsoft.com/office/drawing/2017/decorative" val="1"/>
+                </a:ext>
+              </a:extLst>
+            </p:cNvPr>
+            <p:cNvSpPr/>
+            <p:nvPr>
+              <p:extLst>
+                <p:ext uri="{386F3935-93C4-4BCD-93E2-E3B085C9AB24}">
+                  <p16:designElem xmlns:p16="http://schemas.microsoft.com/office/powerpoint/2015/main" val="1"/>
+                </p:ext>
+              </p:extLst>
+            </p:nvPr>
+          </p:nvSpPr>
+          <p:spPr bwMode="auto">
+            <a:xfrm>
+              <a:off x="2928938" y="2578100"/>
+              <a:ext cx="3584575" cy="4279900"/>
+            </a:xfrm>
+            <a:custGeom>
+              <a:avLst/>
+              <a:gdLst/>
+              <a:ahLst/>
+              <a:cxnLst/>
+              <a:rect l="0" t="0" r="r" b="b"/>
+              <a:pathLst>
+                <a:path w="2258" h="2696">
+                  <a:moveTo>
+                    <a:pt x="2258" y="2696"/>
+                  </a:moveTo>
+                  <a:lnTo>
+                    <a:pt x="264" y="111"/>
+                  </a:lnTo>
+                  <a:lnTo>
+                    <a:pt x="228" y="60"/>
+                  </a:lnTo>
+                  <a:lnTo>
+                    <a:pt x="225" y="57"/>
+                  </a:lnTo>
+                  <a:lnTo>
+                    <a:pt x="0" y="0"/>
+                  </a:lnTo>
+                  <a:lnTo>
+                    <a:pt x="0" y="3"/>
+                  </a:lnTo>
+                  <a:lnTo>
+                    <a:pt x="1697" y="2696"/>
+                  </a:lnTo>
+                  <a:lnTo>
+                    <a:pt x="2258" y="2696"/>
+                  </a:lnTo>
+                  <a:close/>
+                </a:path>
+              </a:pathLst>
+            </a:custGeom>
+            <a:solidFill>
+              <a:schemeClr val="tx1">
+                <a:lumMod val="75000"/>
+                <a:lumOff val="25000"/>
+              </a:schemeClr>
+            </a:solidFill>
+            <a:ln>
+              <a:noFill/>
+            </a:ln>
+          </p:spPr>
+          <p:txBody>
+            <a:bodyPr/>
+            <a:lstStyle/>
+            <a:p>
+              <a:endParaRPr lang="en-US"/>
+            </a:p>
+          </p:txBody>
+        </p:sp>
+      </p:grpSp>
+      <p:sp>
+        <p:nvSpPr>
+          <p:cNvPr id="27" name="Rounded Rectangle 16">
+            <a:extLst>
+              <a:ext uri="{FF2B5EF4-FFF2-40B4-BE49-F238E27FC236}">
+                <a16:creationId xmlns:a16="http://schemas.microsoft.com/office/drawing/2014/main" id="{8D6B9972-4A81-4223-9901-0E559A1D5E59}"/>
+              </a:ext>
+              <a:ext uri="{C183D7F6-B498-43B3-948B-1728B52AA6E4}">
+                <adec:decorative xmlns:adec="http://schemas.microsoft.com/office/drawing/2017/decorative" val="1"/>
+              </a:ext>
+            </a:extLst>
+          </p:cNvPr>
+          <p:cNvSpPr>
+            <a:spLocks noGrp="1" noRot="1" noChangeAspect="1" noMove="1" noResize="1" noEditPoints="1" noAdjustHandles="1" noChangeArrowheads="1" noChangeShapeType="1" noTextEdit="1"/>
+          </p:cNvSpPr>
+          <p:nvPr>
+            <p:extLst>
+              <p:ext uri="{386F3935-93C4-4BCD-93E2-E3B085C9AB24}">
+                <p16:designElem xmlns:p16="http://schemas.microsoft.com/office/powerpoint/2015/main" val="1"/>
+              </p:ext>
+            </p:extLst>
+          </p:nvPr>
+        </p:nvSpPr>
+        <p:spPr>
+          <a:xfrm>
+            <a:off x="656693" y="648931"/>
+            <a:ext cx="6854433" cy="5231964"/>
+          </a:xfrm>
+          <a:prstGeom prst="roundRect">
+            <a:avLst>
+              <a:gd name="adj" fmla="val 4834"/>
+            </a:avLst>
+          </a:prstGeom>
+          <a:solidFill>
+            <a:schemeClr val="bg1"/>
+          </a:solidFill>
+          <a:ln w="38100">
+            <a:gradFill flip="none" rotWithShape="1">
+              <a:gsLst>
+                <a:gs pos="0">
+                  <a:schemeClr val="bg2"/>
+                </a:gs>
+                <a:gs pos="100000">
+                  <a:schemeClr val="bg2">
+                    <a:lumMod val="75000"/>
+                  </a:schemeClr>
+                </a:gs>
+              </a:gsLst>
+              <a:lin ang="5400000" scaled="0"/>
+              <a:tileRect/>
+            </a:gradFill>
+          </a:ln>
+          <a:effectLst>
+            <a:innerShdw blurRad="57150" dist="38100" dir="14460000">
+              <a:srgbClr val="000000">
+                <a:alpha val="70000"/>
+              </a:srgbClr>
+            </a:innerShdw>
+          </a:effectLst>
+        </p:spPr>
+        <p:style>
+          <a:lnRef idx="2">
+            <a:schemeClr val="accent1">
+              <a:shade val="50000"/>
+            </a:schemeClr>
+          </a:lnRef>
+          <a:fillRef idx="1">
+            <a:schemeClr val="accent1"/>
+          </a:fillRef>
+          <a:effectRef idx="0">
+            <a:schemeClr val="accent1"/>
+          </a:effectRef>
+          <a:fontRef idx="minor">
+            <a:schemeClr val="lt1"/>
+          </a:fontRef>
+        </p:style>
+        <p:txBody>
+          <a:bodyPr rtlCol="0" anchor="ctr"/>
+          <a:lstStyle/>
+          <a:p>
+            <a:pPr algn="ctr"/>
+            <a:endParaRPr lang="en-US"/>
+          </a:p>
+        </p:txBody>
+      </p:sp>
+      <p:pic>
+        <p:nvPicPr>
+          <p:cNvPr id="4" name="Picture 3" descr="A black rectangular object with white text&#10;&#10;AI-generated content may be incorrect.">
+            <a:extLst>
+              <a:ext uri="{FF2B5EF4-FFF2-40B4-BE49-F238E27FC236}">
+                <a16:creationId xmlns:a16="http://schemas.microsoft.com/office/drawing/2014/main" id="{908B9F3F-4E39-0B2C-B7AD-F4EAD0BC51F0}"/>
+              </a:ext>
+            </a:extLst>
+          </p:cNvPr>
+          <p:cNvPicPr>
+            <a:picLocks noChangeAspect="1"/>
+          </p:cNvPicPr>
+          <p:nvPr/>
+        </p:nvPicPr>
+        <p:blipFill>
+          <a:blip r:embed="rId3">
+            <a:extLst>
+              <a:ext uri="{28A0092B-C50C-407E-A947-70E740481C1C}">
+                <a14:useLocalDpi xmlns:a14="http://schemas.microsoft.com/office/drawing/2010/main" val="0"/>
+              </a:ext>
+            </a:extLst>
+          </a:blip>
+          <a:stretch>
+            <a:fillRect/>
+          </a:stretch>
+        </p:blipFill>
+        <p:spPr>
+          <a:xfrm>
+            <a:off x="977550" y="2122098"/>
+            <a:ext cx="6202778" cy="2326041"/>
+          </a:xfrm>
+          <a:prstGeom prst="rect">
+            <a:avLst/>
+          </a:prstGeom>
+        </p:spPr>
+      </p:pic>
+    </p:spTree>
+    <p:extLst>
+      <p:ext uri="{BB962C8B-B14F-4D97-AF65-F5344CB8AC3E}">
+        <p14:creationId xmlns:p14="http://schemas.microsoft.com/office/powerpoint/2010/main" val="344072715"/>
+      </p:ext>
+    </p:extLst>
+  </p:cSld>
+  <p:clrMapOvr>
+    <a:masterClrMapping/>
+  </p:clrMapOvr>
+</p:sld>
+</file>
+
+<file path=ppt/slides/slide3.xml><?xml version="1.0" encoding="utf-8"?>
+<p:sld xmlns:a="http://schemas.openxmlformats.org/drawingml/2006/main" xmlns:r="http://schemas.openxmlformats.org/officeDocument/2006/relationships" xmlns:p="http://schemas.openxmlformats.org/presentationml/2006/main">
+  <p:cSld>
+    <p:bg>
+      <p:bgPr>
+        <a:solidFill>
+          <a:schemeClr val="bg1"/>
+        </a:solidFill>
+        <a:effectLst/>
+      </p:bgPr>
+    </p:bg>
+    <p:spTree>
+      <p:nvGrpSpPr>
+        <p:cNvPr id="1" name=""/>
+        <p:cNvGrpSpPr/>
+        <p:nvPr/>
+      </p:nvGrpSpPr>
+      <p:grpSpPr>
+        <a:xfrm>
+          <a:off x="0" y="0"/>
+          <a:ext cx="0" cy="0"/>
+          <a:chOff x="0" y="0"/>
+          <a:chExt cx="0" cy="0"/>
+        </a:xfrm>
+      </p:grpSpPr>
+      <p:sp>
+        <p:nvSpPr>
+          <p:cNvPr id="2" name="Title 1">
+            <a:extLst>
+              <a:ext uri="{FF2B5EF4-FFF2-40B4-BE49-F238E27FC236}">
+                <a16:creationId xmlns:a16="http://schemas.microsoft.com/office/drawing/2014/main" id="{14C39299-0160-CAE0-00EA-FADB3BF5A9D3}"/>
+              </a:ext>
+            </a:extLst>
+          </p:cNvPr>
+          <p:cNvSpPr>
+            <a:spLocks noGrp="1"/>
+          </p:cNvSpPr>
+          <p:nvPr>
+            <p:ph type="title"/>
+          </p:nvPr>
+        </p:nvSpPr>
+        <p:spPr>
+          <a:xfrm>
+            <a:off x="517869" y="1273629"/>
+            <a:ext cx="11153213" cy="4885124"/>
+          </a:xfrm>
+        </p:spPr>
+        <p:txBody>
+          <a:bodyPr vert="horz" lIns="91440" tIns="45720" rIns="91440" bIns="45720" rtlCol="0" anchor="t">
+            <a:normAutofit/>
+          </a:bodyPr>
+          <a:lstStyle/>
+          <a:p>
+            <a:r>
+              <a:rPr lang="en-US" sz="3200" dirty="0">
+                <a:solidFill>
+                  <a:srgbClr val="C00000"/>
+                </a:solidFill>
+                <a:cs typeface="Bold Italic Art" panose="02010400000000000000" pitchFamily="2" charset="-78"/>
+              </a:rPr>
+              <a:t>1- Data Understanding (Understand what each column represent).</a:t>
+            </a:r>
+            <a:br>
+              <a:rPr lang="en-US" sz="3200" dirty="0">
+                <a:solidFill>
+                  <a:schemeClr val="accent6">
+                    <a:lumMod val="75000"/>
+                  </a:schemeClr>
+                </a:solidFill>
+                <a:cs typeface="Bold Italic Art" panose="02010400000000000000" pitchFamily="2" charset="-78"/>
+              </a:rPr>
+            </a:br>
+            <a:r>
+              <a:rPr lang="en-US" sz="3200" dirty="0">
+                <a:cs typeface="Bold Italic Art" panose="02010400000000000000" pitchFamily="2" charset="-78"/>
+              </a:rPr>
+              <a:t>-Understand the structure of the dataset.</a:t>
+            </a:r>
+            <a:br>
+              <a:rPr lang="en-US" sz="3200" dirty="0">
+                <a:cs typeface="Bold Italic Art" panose="02010400000000000000" pitchFamily="2" charset="-78"/>
+              </a:rPr>
+            </a:br>
+            <a:r>
+              <a:rPr lang="en-US" sz="3200" dirty="0">
+                <a:cs typeface="Bold Italic Art" panose="02010400000000000000" pitchFamily="2" charset="-78"/>
+              </a:rPr>
+              <a:t>-Import necessary analysis and processing libraries.</a:t>
+            </a:r>
+            <a:br>
+              <a:rPr lang="en-US" sz="3200" dirty="0">
+                <a:cs typeface="Bold Italic Art" panose="02010400000000000000" pitchFamily="2" charset="-78"/>
+              </a:rPr>
+            </a:br>
+            <a:br>
+              <a:rPr lang="en-US" sz="3200" dirty="0">
+                <a:cs typeface="Bold Italic Art" panose="02010400000000000000" pitchFamily="2" charset="-78"/>
+              </a:rPr>
+            </a:br>
+            <a:r>
+              <a:rPr lang="en-US" sz="3200" dirty="0">
+                <a:solidFill>
+                  <a:srgbClr val="C00000"/>
+                </a:solidFill>
+                <a:cs typeface="Bold Italic Art" panose="02010400000000000000" pitchFamily="2" charset="-78"/>
+              </a:rPr>
+              <a:t>2- Data Loading.</a:t>
+            </a:r>
+            <a:br>
+              <a:rPr lang="en-US" sz="3200" dirty="0">
+                <a:cs typeface="Bold Italic Art" panose="02010400000000000000" pitchFamily="2" charset="-78"/>
+              </a:rPr>
+            </a:br>
+            <a:r>
+              <a:rPr lang="en-US" sz="3200" dirty="0">
+                <a:cs typeface="Bold Italic Art" panose="02010400000000000000" pitchFamily="2" charset="-78"/>
+              </a:rPr>
+              <a:t>-Load the file DataCoSupplyChainDataset.csv.</a:t>
+            </a:r>
+            <a:br>
+              <a:rPr lang="en-US" sz="3200" dirty="0">
+                <a:solidFill>
+                  <a:schemeClr val="accent6">
+                    <a:lumMod val="75000"/>
+                  </a:schemeClr>
+                </a:solidFill>
+                <a:cs typeface="Bold Italic Art" panose="02010400000000000000" pitchFamily="2" charset="-78"/>
+              </a:rPr>
+            </a:br>
+            <a:endParaRPr lang="en-US" sz="3200" dirty="0">
+              <a:solidFill>
+                <a:schemeClr val="accent6">
+                  <a:lumMod val="75000"/>
+                </a:schemeClr>
+              </a:solidFill>
+            </a:endParaRPr>
+          </a:p>
+        </p:txBody>
+      </p:sp>
+      <p:sp>
+        <p:nvSpPr>
+          <p:cNvPr id="3" name="Rectangle 1">
+            <a:extLst>
+              <a:ext uri="{FF2B5EF4-FFF2-40B4-BE49-F238E27FC236}">
+                <a16:creationId xmlns:a16="http://schemas.microsoft.com/office/drawing/2014/main" id="{28760A8A-FCB4-0CAC-FADD-20A6D146DFF2}"/>
+              </a:ext>
+            </a:extLst>
+          </p:cNvPr>
+          <p:cNvSpPr>
+            <a:spLocks noChangeArrowheads="1"/>
+          </p:cNvSpPr>
+          <p:nvPr/>
+        </p:nvSpPr>
+        <p:spPr bwMode="auto">
+          <a:xfrm>
+            <a:off x="0" y="-84638"/>
+            <a:ext cx="232756" cy="169277"/>
+          </a:xfrm>
+          <a:prstGeom prst="rect">
+            <a:avLst/>
+          </a:prstGeom>
+          <a:noFill/>
+          <a:ln>
+            <a:noFill/>
+          </a:ln>
+          <a:effectLst/>
+          <a:extLst>
+            <a:ext uri="{909E8E84-426E-40DD-AFC4-6F175D3DCCD1}">
+              <a14:hiddenFill xmlns:a14="http://schemas.microsoft.com/office/drawing/2010/main">
+                <a:solidFill>
+                  <a:schemeClr val="accent1"/>
+                </a:solidFill>
+              </a14:hiddenFill>
+            </a:ext>
+            <a:ext uri="{91240B29-F687-4F45-9708-019B960494DF}">
+              <a14:hiddenLine xmlns:a14="http://schemas.microsoft.com/office/drawing/2010/main" w="9525">
+                <a:solidFill>
+                  <a:schemeClr val="tx1"/>
+                </a:solidFill>
+                <a:miter lim="800000"/>
+                <a:headEnd/>
+                <a:tailEnd/>
+              </a14:hiddenLine>
+            </a:ext>
+            <a:ext uri="{AF507438-7753-43E0-B8FC-AC1667EBCBE1}">
+              <a14:hiddenEffects xmlns:a14="http://schemas.microsoft.com/office/drawing/2010/main">
+                <a:effectLst>
+                  <a:outerShdw dist="35921" dir="2700000" algn="ctr" rotWithShape="0">
+                    <a:schemeClr val="bg2"/>
+                  </a:outerShdw>
+                </a:effectLst>
+              </a14:hiddenEffects>
+            </a:ext>
+          </a:extLst>
+        </p:spPr>
+        <p:txBody>
+          <a:bodyPr vert="horz" wrap="none" lIns="91440" tIns="45720" rIns="91440" bIns="45720" numCol="1" anchor="ctr" anchorCtr="0" compatLnSpc="1">
+            <a:prstTxWarp prst="textNoShape">
+              <a:avLst/>
+            </a:prstTxWarp>
+            <a:spAutoFit/>
+          </a:bodyPr>
+          <a:lstStyle/>
+          <a:p>
+            <a:pPr marL="0" marR="0" lvl="0" indent="0" algn="l" defTabSz="914400" rtl="0" eaLnBrk="0" fontAlgn="base" latinLnBrk="0" hangingPunct="0">
+              <a:lnSpc>
+                <a:spcPct val="100000"/>
+              </a:lnSpc>
+              <a:spcBef>
+                <a:spcPct val="0"/>
+              </a:spcBef>
+              <a:spcAft>
+                <a:spcPct val="0"/>
+              </a:spcAft>
+              <a:buClrTx/>
+              <a:buSzTx/>
+              <a:buFontTx/>
+              <a:buChar char="•"/>
+              <a:tabLst/>
+            </a:pPr>
+            <a:r>
+              <a:rPr kumimoji="0" lang="en-US" altLang="en-US" sz="500" b="0" i="0" u="none" strike="noStrike" cap="none" normalizeH="0" baseline="0" dirty="0">
+                <a:ln>
+                  <a:noFill/>
+                </a:ln>
+                <a:solidFill>
+                  <a:schemeClr val="tx1"/>
+                </a:solidFill>
+                <a:effectLst/>
+              </a:rPr>
+              <a:t>.</a:t>
+            </a:r>
+            <a:endParaRPr kumimoji="0" lang="en-US" altLang="en-US" sz="1800" b="0" i="0" u="none" strike="noStrike" cap="none" normalizeH="0" baseline="0" dirty="0">
+              <a:ln>
+                <a:noFill/>
+              </a:ln>
+              <a:solidFill>
+                <a:schemeClr val="tx1"/>
+              </a:solidFill>
+              <a:effectLst/>
+              <a:latin typeface="Arial" panose="020B0604020202020204" pitchFamily="34" charset="0"/>
+            </a:endParaRPr>
+          </a:p>
+        </p:txBody>
+      </p:sp>
+    </p:spTree>
+    <p:extLst>
+      <p:ext uri="{BB962C8B-B14F-4D97-AF65-F5344CB8AC3E}">
+        <p14:creationId xmlns:p14="http://schemas.microsoft.com/office/powerpoint/2010/main" val="3429066024"/>
+      </p:ext>
+    </p:extLst>
+  </p:cSld>
+  <p:clrMapOvr>
+    <a:masterClrMapping/>
+  </p:clrMapOvr>
+</p:sld>
+</file>
+
+<file path=ppt/slides/slide30.xml><?xml version="1.0" encoding="utf-8"?>
 <p:sld xmlns:a="http://schemas.openxmlformats.org/drawingml/2006/main" xmlns:r="http://schemas.openxmlformats.org/officeDocument/2006/relationships" xmlns:p="http://schemas.openxmlformats.org/presentationml/2006/main">
   <p:cSld>
     <p:bg>
@@ -21291,14 +22865,6 @@
                 <a:spcPct val="90000"/>
               </a:lnSpc>
             </a:pPr>
-            <a:r>
-              <a:rPr lang="en-US" sz="2200" dirty="0">
-                <a:solidFill>
-                  <a:srgbClr val="C00000"/>
-                </a:solidFill>
-              </a:rPr>
-              <a:t>Bivariate Analysis – Insights:</a:t>
-            </a:r>
             <a:br>
               <a:rPr lang="en-US" sz="2200" dirty="0">
                 <a:solidFill>
@@ -21487,7 +23053,7 @@
 </p:sld>
 </file>
 
-<file path=ppt/slides/slide29.xml><?xml version="1.0" encoding="utf-8"?>
+<file path=ppt/slides/slide31.xml><?xml version="1.0" encoding="utf-8"?>
 <p:sld xmlns:a="http://schemas.openxmlformats.org/drawingml/2006/main" xmlns:r="http://schemas.openxmlformats.org/officeDocument/2006/relationships" xmlns:p="http://schemas.openxmlformats.org/presentationml/2006/main">
   <p:cSld>
     <p:spTree>
@@ -21655,14 +23221,27 @@
 </p:sld>
 </file>
 
-<file path=ppt/slides/slide3.xml><?xml version="1.0" encoding="utf-8"?>
+<file path=ppt/slides/slide32.xml><?xml version="1.0" encoding="utf-8"?>
 <p:sld xmlns:a="http://schemas.openxmlformats.org/drawingml/2006/main" xmlns:r="http://schemas.openxmlformats.org/officeDocument/2006/relationships" xmlns:p="http://schemas.openxmlformats.org/presentationml/2006/main">
   <p:cSld>
     <p:bg>
       <p:bgPr>
-        <a:solidFill>
-          <a:schemeClr val="bg1"/>
-        </a:solidFill>
+        <a:blipFill rotWithShape="1">
+          <a:blip r:embed="rId2">
+            <a:duotone>
+              <a:schemeClr val="bg2">
+                <a:shade val="76000"/>
+                <a:satMod val="180000"/>
+              </a:schemeClr>
+              <a:schemeClr val="bg2">
+                <a:tint val="80000"/>
+                <a:satMod val="120000"/>
+                <a:lumMod val="180000"/>
+              </a:schemeClr>
+            </a:duotone>
+          </a:blip>
+          <a:stretch/>
+        </a:blipFill>
         <a:effectLst/>
       </p:bgPr>
     </p:bg>
@@ -21680,12 +23259,534 @@
           <a:chExt cx="0" cy="0"/>
         </a:xfrm>
       </p:grpSpPr>
+      <p:grpSp>
+        <p:nvGrpSpPr>
+          <p:cNvPr id="9" name="Group 8">
+            <a:extLst>
+              <a:ext uri="{FF2B5EF4-FFF2-40B4-BE49-F238E27FC236}">
+                <a16:creationId xmlns:a16="http://schemas.microsoft.com/office/drawing/2014/main" id="{C616B3DC-C165-433D-9187-62DCC0E317D3}"/>
+              </a:ext>
+              <a:ext uri="{C183D7F6-B498-43B3-948B-1728B52AA6E4}">
+                <adec:decorative xmlns:adec="http://schemas.microsoft.com/office/drawing/2017/decorative" val="1"/>
+              </a:ext>
+            </a:extLst>
+          </p:cNvPr>
+          <p:cNvGrpSpPr>
+            <a:grpSpLocks noGrp="1" noUngrp="1" noRot="1" noChangeAspect="1" noMove="1" noResize="1"/>
+          </p:cNvGrpSpPr>
+          <p:nvPr>
+            <p:extLst>
+              <p:ext uri="{386F3935-93C4-4BCD-93E2-E3B085C9AB24}">
+                <p16:designElem xmlns:p16="http://schemas.microsoft.com/office/powerpoint/2015/main" val="1"/>
+              </p:ext>
+            </p:extLst>
+          </p:nvPr>
+        </p:nvGrpSpPr>
+        <p:grpSpPr>
+          <a:xfrm>
+            <a:off x="546100" y="-4763"/>
+            <a:ext cx="5014912" cy="6862763"/>
+            <a:chOff x="2928938" y="-4763"/>
+            <a:chExt cx="5014912" cy="6862763"/>
+          </a:xfrm>
+        </p:grpSpPr>
+        <p:sp>
+          <p:nvSpPr>
+            <p:cNvPr id="10" name="Freeform 6">
+              <a:extLst>
+                <a:ext uri="{FF2B5EF4-FFF2-40B4-BE49-F238E27FC236}">
+                  <a16:creationId xmlns:a16="http://schemas.microsoft.com/office/drawing/2014/main" id="{97E1BF84-9824-4B0E-98DF-F0F7181DD062}"/>
+                </a:ext>
+                <a:ext uri="{C183D7F6-B498-43B3-948B-1728B52AA6E4}">
+                  <adec:decorative xmlns:adec="http://schemas.microsoft.com/office/drawing/2017/decorative" val="1"/>
+                </a:ext>
+              </a:extLst>
+            </p:cNvPr>
+            <p:cNvSpPr/>
+            <p:nvPr>
+              <p:extLst>
+                <p:ext uri="{386F3935-93C4-4BCD-93E2-E3B085C9AB24}">
+                  <p16:designElem xmlns:p16="http://schemas.microsoft.com/office/powerpoint/2015/main" val="1"/>
+                </p:ext>
+              </p:extLst>
+            </p:nvPr>
+          </p:nvSpPr>
+          <p:spPr bwMode="auto">
+            <a:xfrm>
+              <a:off x="3367088" y="-4763"/>
+              <a:ext cx="1063625" cy="2782888"/>
+            </a:xfrm>
+            <a:custGeom>
+              <a:avLst/>
+              <a:gdLst/>
+              <a:ahLst/>
+              <a:cxnLst/>
+              <a:rect l="0" t="0" r="r" b="b"/>
+              <a:pathLst>
+                <a:path w="670" h="1753">
+                  <a:moveTo>
+                    <a:pt x="0" y="1696"/>
+                  </a:moveTo>
+                  <a:lnTo>
+                    <a:pt x="225" y="1753"/>
+                  </a:lnTo>
+                  <a:lnTo>
+                    <a:pt x="670" y="0"/>
+                  </a:lnTo>
+                  <a:lnTo>
+                    <a:pt x="430" y="0"/>
+                  </a:lnTo>
+                  <a:lnTo>
+                    <a:pt x="0" y="1696"/>
+                  </a:lnTo>
+                  <a:close/>
+                </a:path>
+              </a:pathLst>
+            </a:custGeom>
+            <a:solidFill>
+              <a:schemeClr val="accent1"/>
+            </a:solidFill>
+            <a:ln>
+              <a:noFill/>
+            </a:ln>
+          </p:spPr>
+          <p:txBody>
+            <a:bodyPr/>
+            <a:lstStyle/>
+            <a:p>
+              <a:endParaRPr lang="en-US"/>
+            </a:p>
+          </p:txBody>
+        </p:sp>
+        <p:sp>
+          <p:nvSpPr>
+            <p:cNvPr id="11" name="Freeform 7">
+              <a:extLst>
+                <a:ext uri="{FF2B5EF4-FFF2-40B4-BE49-F238E27FC236}">
+                  <a16:creationId xmlns:a16="http://schemas.microsoft.com/office/drawing/2014/main" id="{A85FA340-7392-4303-9707-A12F45A46F96}"/>
+                </a:ext>
+                <a:ext uri="{C183D7F6-B498-43B3-948B-1728B52AA6E4}">
+                  <adec:decorative xmlns:adec="http://schemas.microsoft.com/office/drawing/2017/decorative" val="1"/>
+                </a:ext>
+              </a:extLst>
+            </p:cNvPr>
+            <p:cNvSpPr/>
+            <p:nvPr>
+              <p:extLst>
+                <p:ext uri="{386F3935-93C4-4BCD-93E2-E3B085C9AB24}">
+                  <p16:designElem xmlns:p16="http://schemas.microsoft.com/office/powerpoint/2015/main" val="1"/>
+                </p:ext>
+              </p:extLst>
+            </p:nvPr>
+          </p:nvSpPr>
+          <p:spPr bwMode="auto">
+            <a:xfrm>
+              <a:off x="2928938" y="-4763"/>
+              <a:ext cx="1035050" cy="2673350"/>
+            </a:xfrm>
+            <a:custGeom>
+              <a:avLst/>
+              <a:gdLst/>
+              <a:ahLst/>
+              <a:cxnLst/>
+              <a:rect l="0" t="0" r="r" b="b"/>
+              <a:pathLst>
+                <a:path w="652" h="1684">
+                  <a:moveTo>
+                    <a:pt x="225" y="1684"/>
+                  </a:moveTo>
+                  <a:lnTo>
+                    <a:pt x="652" y="0"/>
+                  </a:lnTo>
+                  <a:lnTo>
+                    <a:pt x="411" y="0"/>
+                  </a:lnTo>
+                  <a:lnTo>
+                    <a:pt x="0" y="1627"/>
+                  </a:lnTo>
+                  <a:lnTo>
+                    <a:pt x="219" y="1681"/>
+                  </a:lnTo>
+                  <a:lnTo>
+                    <a:pt x="225" y="1684"/>
+                  </a:lnTo>
+                  <a:close/>
+                </a:path>
+              </a:pathLst>
+            </a:custGeom>
+            <a:solidFill>
+              <a:schemeClr val="tx1">
+                <a:lumMod val="65000"/>
+                <a:lumOff val="35000"/>
+              </a:schemeClr>
+            </a:solidFill>
+            <a:ln>
+              <a:noFill/>
+            </a:ln>
+          </p:spPr>
+          <p:txBody>
+            <a:bodyPr/>
+            <a:lstStyle/>
+            <a:p>
+              <a:endParaRPr lang="en-US"/>
+            </a:p>
+          </p:txBody>
+        </p:sp>
+        <p:sp>
+          <p:nvSpPr>
+            <p:cNvPr id="12" name="Freeform 9">
+              <a:extLst>
+                <a:ext uri="{FF2B5EF4-FFF2-40B4-BE49-F238E27FC236}">
+                  <a16:creationId xmlns:a16="http://schemas.microsoft.com/office/drawing/2014/main" id="{758A9051-2BD9-4868-8B84-344752FA2F60}"/>
+                </a:ext>
+                <a:ext uri="{C183D7F6-B498-43B3-948B-1728B52AA6E4}">
+                  <adec:decorative xmlns:adec="http://schemas.microsoft.com/office/drawing/2017/decorative" val="1"/>
+                </a:ext>
+              </a:extLst>
+            </p:cNvPr>
+            <p:cNvSpPr/>
+            <p:nvPr>
+              <p:extLst>
+                <p:ext uri="{386F3935-93C4-4BCD-93E2-E3B085C9AB24}">
+                  <p16:designElem xmlns:p16="http://schemas.microsoft.com/office/powerpoint/2015/main" val="1"/>
+                </p:ext>
+              </p:extLst>
+            </p:nvPr>
+          </p:nvSpPr>
+          <p:spPr bwMode="auto">
+            <a:xfrm>
+              <a:off x="2928938" y="2582862"/>
+              <a:ext cx="2693987" cy="4275138"/>
+            </a:xfrm>
+            <a:custGeom>
+              <a:avLst/>
+              <a:gdLst/>
+              <a:ahLst/>
+              <a:cxnLst/>
+              <a:rect l="0" t="0" r="r" b="b"/>
+              <a:pathLst>
+                <a:path w="1697" h="2693">
+                  <a:moveTo>
+                    <a:pt x="0" y="0"/>
+                  </a:moveTo>
+                  <a:lnTo>
+                    <a:pt x="1622" y="2693"/>
+                  </a:lnTo>
+                  <a:lnTo>
+                    <a:pt x="1697" y="2693"/>
+                  </a:lnTo>
+                  <a:lnTo>
+                    <a:pt x="0" y="0"/>
+                  </a:lnTo>
+                  <a:close/>
+                </a:path>
+              </a:pathLst>
+            </a:custGeom>
+            <a:solidFill>
+              <a:schemeClr val="tx1">
+                <a:lumMod val="85000"/>
+                <a:lumOff val="15000"/>
+              </a:schemeClr>
+            </a:solidFill>
+            <a:ln>
+              <a:noFill/>
+            </a:ln>
+          </p:spPr>
+          <p:txBody>
+            <a:bodyPr/>
+            <a:lstStyle/>
+            <a:p>
+              <a:endParaRPr lang="en-US"/>
+            </a:p>
+          </p:txBody>
+        </p:sp>
+        <p:sp>
+          <p:nvSpPr>
+            <p:cNvPr id="13" name="Freeform 10">
+              <a:extLst>
+                <a:ext uri="{FF2B5EF4-FFF2-40B4-BE49-F238E27FC236}">
+                  <a16:creationId xmlns:a16="http://schemas.microsoft.com/office/drawing/2014/main" id="{58264C49-3539-4CBD-8F11-1106C8B8781F}"/>
+                </a:ext>
+                <a:ext uri="{C183D7F6-B498-43B3-948B-1728B52AA6E4}">
+                  <adec:decorative xmlns:adec="http://schemas.microsoft.com/office/drawing/2017/decorative" val="1"/>
+                </a:ext>
+              </a:extLst>
+            </p:cNvPr>
+            <p:cNvSpPr/>
+            <p:nvPr>
+              <p:extLst>
+                <p:ext uri="{386F3935-93C4-4BCD-93E2-E3B085C9AB24}">
+                  <p16:designElem xmlns:p16="http://schemas.microsoft.com/office/powerpoint/2015/main" val="1"/>
+                </p:ext>
+              </p:extLst>
+            </p:nvPr>
+          </p:nvSpPr>
+          <p:spPr bwMode="auto">
+            <a:xfrm>
+              <a:off x="3371850" y="2692400"/>
+              <a:ext cx="3332162" cy="4165600"/>
+            </a:xfrm>
+            <a:custGeom>
+              <a:avLst/>
+              <a:gdLst/>
+              <a:ahLst/>
+              <a:cxnLst/>
+              <a:rect l="0" t="0" r="r" b="b"/>
+              <a:pathLst>
+                <a:path w="2099" h="2624">
+                  <a:moveTo>
+                    <a:pt x="2099" y="2624"/>
+                  </a:moveTo>
+                  <a:lnTo>
+                    <a:pt x="0" y="0"/>
+                  </a:lnTo>
+                  <a:lnTo>
+                    <a:pt x="2021" y="2624"/>
+                  </a:lnTo>
+                  <a:lnTo>
+                    <a:pt x="2099" y="2624"/>
+                  </a:lnTo>
+                  <a:close/>
+                </a:path>
+              </a:pathLst>
+            </a:custGeom>
+            <a:solidFill>
+              <a:schemeClr val="accent1">
+                <a:lumMod val="50000"/>
+              </a:schemeClr>
+            </a:solidFill>
+            <a:ln>
+              <a:noFill/>
+            </a:ln>
+          </p:spPr>
+          <p:txBody>
+            <a:bodyPr/>
+            <a:lstStyle/>
+            <a:p>
+              <a:endParaRPr lang="en-US"/>
+            </a:p>
+          </p:txBody>
+        </p:sp>
+        <p:sp>
+          <p:nvSpPr>
+            <p:cNvPr id="14" name="Freeform 11">
+              <a:extLst>
+                <a:ext uri="{FF2B5EF4-FFF2-40B4-BE49-F238E27FC236}">
+                  <a16:creationId xmlns:a16="http://schemas.microsoft.com/office/drawing/2014/main" id="{DE862133-5C7E-4B32-9786-0B33BC51A75B}"/>
+                </a:ext>
+                <a:ext uri="{C183D7F6-B498-43B3-948B-1728B52AA6E4}">
+                  <adec:decorative xmlns:adec="http://schemas.microsoft.com/office/drawing/2017/decorative" val="1"/>
+                </a:ext>
+              </a:extLst>
+            </p:cNvPr>
+            <p:cNvSpPr/>
+            <p:nvPr>
+              <p:extLst>
+                <p:ext uri="{386F3935-93C4-4BCD-93E2-E3B085C9AB24}">
+                  <p16:designElem xmlns:p16="http://schemas.microsoft.com/office/powerpoint/2015/main" val="1"/>
+                </p:ext>
+              </p:extLst>
+            </p:nvPr>
+          </p:nvSpPr>
+          <p:spPr bwMode="auto">
+            <a:xfrm>
+              <a:off x="3367088" y="2687637"/>
+              <a:ext cx="4576762" cy="4170363"/>
+            </a:xfrm>
+            <a:custGeom>
+              <a:avLst/>
+              <a:gdLst/>
+              <a:ahLst/>
+              <a:cxnLst/>
+              <a:rect l="0" t="0" r="r" b="b"/>
+              <a:pathLst>
+                <a:path w="2883" h="2627">
+                  <a:moveTo>
+                    <a:pt x="0" y="0"/>
+                  </a:moveTo>
+                  <a:lnTo>
+                    <a:pt x="3" y="3"/>
+                  </a:lnTo>
+                  <a:lnTo>
+                    <a:pt x="2102" y="2627"/>
+                  </a:lnTo>
+                  <a:lnTo>
+                    <a:pt x="2883" y="2627"/>
+                  </a:lnTo>
+                  <a:lnTo>
+                    <a:pt x="225" y="57"/>
+                  </a:lnTo>
+                  <a:lnTo>
+                    <a:pt x="0" y="0"/>
+                  </a:lnTo>
+                  <a:close/>
+                </a:path>
+              </a:pathLst>
+            </a:custGeom>
+            <a:solidFill>
+              <a:schemeClr val="accent1">
+                <a:lumMod val="75000"/>
+              </a:schemeClr>
+            </a:solidFill>
+            <a:ln>
+              <a:noFill/>
+            </a:ln>
+          </p:spPr>
+          <p:txBody>
+            <a:bodyPr/>
+            <a:lstStyle/>
+            <a:p>
+              <a:endParaRPr lang="en-US"/>
+            </a:p>
+          </p:txBody>
+        </p:sp>
+        <p:sp>
+          <p:nvSpPr>
+            <p:cNvPr id="15" name="Freeform 12">
+              <a:extLst>
+                <a:ext uri="{FF2B5EF4-FFF2-40B4-BE49-F238E27FC236}">
+                  <a16:creationId xmlns:a16="http://schemas.microsoft.com/office/drawing/2014/main" id="{90925F6C-DF03-4707-9176-6049F049B5AA}"/>
+                </a:ext>
+                <a:ext uri="{C183D7F6-B498-43B3-948B-1728B52AA6E4}">
+                  <adec:decorative xmlns:adec="http://schemas.microsoft.com/office/drawing/2017/decorative" val="1"/>
+                </a:ext>
+              </a:extLst>
+            </p:cNvPr>
+            <p:cNvSpPr/>
+            <p:nvPr>
+              <p:extLst>
+                <p:ext uri="{386F3935-93C4-4BCD-93E2-E3B085C9AB24}">
+                  <p16:designElem xmlns:p16="http://schemas.microsoft.com/office/powerpoint/2015/main" val="1"/>
+                </p:ext>
+              </p:extLst>
+            </p:nvPr>
+          </p:nvSpPr>
+          <p:spPr bwMode="auto">
+            <a:xfrm>
+              <a:off x="2928938" y="2578100"/>
+              <a:ext cx="3584575" cy="4279900"/>
+            </a:xfrm>
+            <a:custGeom>
+              <a:avLst/>
+              <a:gdLst/>
+              <a:ahLst/>
+              <a:cxnLst/>
+              <a:rect l="0" t="0" r="r" b="b"/>
+              <a:pathLst>
+                <a:path w="2258" h="2696">
+                  <a:moveTo>
+                    <a:pt x="2258" y="2696"/>
+                  </a:moveTo>
+                  <a:lnTo>
+                    <a:pt x="264" y="111"/>
+                  </a:lnTo>
+                  <a:lnTo>
+                    <a:pt x="228" y="60"/>
+                  </a:lnTo>
+                  <a:lnTo>
+                    <a:pt x="225" y="57"/>
+                  </a:lnTo>
+                  <a:lnTo>
+                    <a:pt x="0" y="0"/>
+                  </a:lnTo>
+                  <a:lnTo>
+                    <a:pt x="0" y="3"/>
+                  </a:lnTo>
+                  <a:lnTo>
+                    <a:pt x="1697" y="2696"/>
+                  </a:lnTo>
+                  <a:lnTo>
+                    <a:pt x="2258" y="2696"/>
+                  </a:lnTo>
+                  <a:close/>
+                </a:path>
+              </a:pathLst>
+            </a:custGeom>
+            <a:solidFill>
+              <a:schemeClr val="tx1">
+                <a:lumMod val="75000"/>
+                <a:lumOff val="25000"/>
+              </a:schemeClr>
+            </a:solidFill>
+            <a:ln>
+              <a:noFill/>
+            </a:ln>
+          </p:spPr>
+          <p:txBody>
+            <a:bodyPr/>
+            <a:lstStyle/>
+            <a:p>
+              <a:endParaRPr lang="en-US"/>
+            </a:p>
+          </p:txBody>
+        </p:sp>
+      </p:grpSp>
+      <p:sp useBgFill="1">
+        <p:nvSpPr>
+          <p:cNvPr id="17" name="Rectangle 16">
+            <a:extLst>
+              <a:ext uri="{FF2B5EF4-FFF2-40B4-BE49-F238E27FC236}">
+                <a16:creationId xmlns:a16="http://schemas.microsoft.com/office/drawing/2014/main" id="{A6073935-E043-4801-AF06-06093A9145F7}"/>
+              </a:ext>
+              <a:ext uri="{C183D7F6-B498-43B3-948B-1728B52AA6E4}">
+                <adec:decorative xmlns:adec="http://schemas.microsoft.com/office/drawing/2017/decorative" val="1"/>
+              </a:ext>
+            </a:extLst>
+          </p:cNvPr>
+          <p:cNvSpPr>
+            <a:spLocks noGrp="1" noRot="1" noChangeAspect="1" noMove="1" noResize="1" noEditPoints="1" noAdjustHandles="1" noChangeArrowheads="1" noChangeShapeType="1" noTextEdit="1"/>
+          </p:cNvSpPr>
+          <p:nvPr>
+            <p:extLst>
+              <p:ext uri="{386F3935-93C4-4BCD-93E2-E3B085C9AB24}">
+                <p16:designElem xmlns:p16="http://schemas.microsoft.com/office/powerpoint/2015/main" val="1"/>
+              </p:ext>
+            </p:extLst>
+          </p:nvPr>
+        </p:nvSpPr>
+        <p:spPr>
+          <a:xfrm>
+            <a:off x="0" y="0"/>
+            <a:ext cx="12192000" cy="6858000"/>
+          </a:xfrm>
+          <a:prstGeom prst="rect">
+            <a:avLst/>
+          </a:prstGeom>
+          <a:ln>
+            <a:noFill/>
+          </a:ln>
+        </p:spPr>
+        <p:style>
+          <a:lnRef idx="2">
+            <a:schemeClr val="accent1">
+              <a:shade val="50000"/>
+            </a:schemeClr>
+          </a:lnRef>
+          <a:fillRef idx="1">
+            <a:schemeClr val="accent1"/>
+          </a:fillRef>
+          <a:effectRef idx="0">
+            <a:schemeClr val="accent1"/>
+          </a:effectRef>
+          <a:fontRef idx="minor">
+            <a:schemeClr val="lt1"/>
+          </a:fontRef>
+        </p:style>
+        <p:txBody>
+          <a:bodyPr rtlCol="0" anchor="ctr"/>
+          <a:lstStyle/>
+          <a:p>
+            <a:pPr algn="ctr"/>
+            <a:endParaRPr lang="en-US"/>
+          </a:p>
+        </p:txBody>
+      </p:sp>
       <p:sp>
         <p:nvSpPr>
           <p:cNvPr id="2" name="Title 1">
             <a:extLst>
               <a:ext uri="{FF2B5EF4-FFF2-40B4-BE49-F238E27FC236}">
-                <a16:creationId xmlns:a16="http://schemas.microsoft.com/office/drawing/2014/main" id="{14C39299-0160-CAE0-00EA-FADB3BF5A9D3}"/>
+                <a16:creationId xmlns:a16="http://schemas.microsoft.com/office/drawing/2014/main" id="{3C3BBD02-ABA1-3A99-D411-79540B7E34B5}"/>
               </a:ext>
             </a:extLst>
           </p:cNvPr>
@@ -21698,212 +23799,623 @@
         </p:nvSpPr>
         <p:spPr>
           <a:xfrm>
-            <a:off x="517869" y="1273629"/>
-            <a:ext cx="11153213" cy="4885124"/>
+            <a:off x="8041742" y="648930"/>
+            <a:ext cx="3461281" cy="3347337"/>
           </a:xfrm>
         </p:spPr>
         <p:txBody>
-          <a:bodyPr vert="horz" lIns="91440" tIns="45720" rIns="91440" bIns="45720" rtlCol="0" anchor="t">
+          <a:bodyPr vert="horz" lIns="91440" tIns="45720" rIns="91440" bIns="45720" rtlCol="0" anchor="b">
             <a:normAutofit/>
           </a:bodyPr>
           <a:lstStyle/>
           <a:p>
-            <a:r>
-              <a:rPr lang="en-US" sz="3200" dirty="0">
+            <a:pPr algn="l">
+              <a:lnSpc>
+                <a:spcPct val="90000"/>
+              </a:lnSpc>
+            </a:pPr>
+            <a:r>
+              <a:rPr lang="en-US" sz="3700" dirty="0">
                 <a:solidFill>
                   <a:srgbClr val="C00000"/>
                 </a:solidFill>
-                <a:cs typeface="Bold Italic Art" panose="02010400000000000000" pitchFamily="2" charset="-78"/>
               </a:rPr>
-              <a:t>1- Data Understanding (Understand what each column represent).</a:t>
+              <a:t> What is the median Order Item Total for each Order Status?</a:t>
             </a:r>
             <a:br>
-              <a:rPr lang="en-US" sz="3200" dirty="0">
-                <a:solidFill>
-                  <a:schemeClr val="accent6">
-                    <a:lumMod val="75000"/>
-                  </a:schemeClr>
-                </a:solidFill>
-                <a:cs typeface="Bold Italic Art" panose="02010400000000000000" pitchFamily="2" charset="-78"/>
-              </a:rPr>
+              <a:rPr lang="en-US" sz="3700" dirty="0"/>
             </a:br>
-            <a:r>
-              <a:rPr lang="en-US" sz="3200" dirty="0">
-                <a:cs typeface="Bold Italic Art" panose="02010400000000000000" pitchFamily="2" charset="-78"/>
-              </a:rPr>
-              <a:t>-Understand the structure of the dataset.</a:t>
-            </a:r>
-            <a:br>
-              <a:rPr lang="en-US" sz="3200" dirty="0">
-                <a:cs typeface="Bold Italic Art" panose="02010400000000000000" pitchFamily="2" charset="-78"/>
-              </a:rPr>
-            </a:br>
-            <a:r>
-              <a:rPr lang="en-US" sz="3200" dirty="0">
-                <a:cs typeface="Bold Italic Art" panose="02010400000000000000" pitchFamily="2" charset="-78"/>
-              </a:rPr>
-              <a:t>-Import necessary analysis and processing libraries.</a:t>
-            </a:r>
-            <a:br>
-              <a:rPr lang="en-US" sz="3200" dirty="0">
-                <a:cs typeface="Bold Italic Art" panose="02010400000000000000" pitchFamily="2" charset="-78"/>
-              </a:rPr>
-            </a:br>
-            <a:br>
-              <a:rPr lang="en-US" sz="3200" dirty="0">
-                <a:cs typeface="Bold Italic Art" panose="02010400000000000000" pitchFamily="2" charset="-78"/>
-              </a:rPr>
-            </a:br>
-            <a:r>
-              <a:rPr lang="en-US" sz="3200" dirty="0">
-                <a:solidFill>
-                  <a:srgbClr val="C00000"/>
-                </a:solidFill>
-                <a:cs typeface="Bold Italic Art" panose="02010400000000000000" pitchFamily="2" charset="-78"/>
-              </a:rPr>
-              <a:t>2- Data Loading.</a:t>
-            </a:r>
-            <a:br>
-              <a:rPr lang="en-US" sz="3200" dirty="0">
-                <a:cs typeface="Bold Italic Art" panose="02010400000000000000" pitchFamily="2" charset="-78"/>
-              </a:rPr>
-            </a:br>
-            <a:r>
-              <a:rPr lang="en-US" sz="3200" dirty="0">
-                <a:cs typeface="Bold Italic Art" panose="02010400000000000000" pitchFamily="2" charset="-78"/>
-              </a:rPr>
-              <a:t>-Load the file DataCoSupplyChainDataset.csv.</a:t>
-            </a:r>
-            <a:br>
-              <a:rPr lang="en-US" sz="3200" dirty="0">
-                <a:solidFill>
-                  <a:schemeClr val="accent6">
-                    <a:lumMod val="75000"/>
-                  </a:schemeClr>
-                </a:solidFill>
-                <a:cs typeface="Bold Italic Art" panose="02010400000000000000" pitchFamily="2" charset="-78"/>
-              </a:rPr>
-            </a:br>
-            <a:endParaRPr lang="en-US" sz="3200" dirty="0">
-              <a:solidFill>
-                <a:schemeClr val="accent6">
-                  <a:lumMod val="75000"/>
-                </a:schemeClr>
-              </a:solidFill>
-            </a:endParaRPr>
+            <a:endParaRPr lang="en-US" sz="3700" dirty="0"/>
           </a:p>
         </p:txBody>
       </p:sp>
+      <p:grpSp>
+        <p:nvGrpSpPr>
+          <p:cNvPr id="19" name="Group 18">
+            <a:extLst>
+              <a:ext uri="{FF2B5EF4-FFF2-40B4-BE49-F238E27FC236}">
+                <a16:creationId xmlns:a16="http://schemas.microsoft.com/office/drawing/2014/main" id="{8AC26FF4-D6F9-4A94-A837-D051A101EDD3}"/>
+              </a:ext>
+              <a:ext uri="{C183D7F6-B498-43B3-948B-1728B52AA6E4}">
+                <adec:decorative xmlns:adec="http://schemas.microsoft.com/office/drawing/2017/decorative" val="1"/>
+              </a:ext>
+            </a:extLst>
+          </p:cNvPr>
+          <p:cNvGrpSpPr>
+            <a:grpSpLocks noGrp="1" noUngrp="1" noRot="1" noChangeAspect="1" noMove="1" noResize="1"/>
+          </p:cNvGrpSpPr>
+          <p:nvPr>
+            <p:extLst>
+              <p:ext uri="{386F3935-93C4-4BCD-93E2-E3B085C9AB24}">
+                <p16:designElem xmlns:p16="http://schemas.microsoft.com/office/powerpoint/2015/main" val="1"/>
+              </p:ext>
+            </p:extLst>
+          </p:nvPr>
+        </p:nvGrpSpPr>
+        <p:grpSpPr>
+          <a:xfrm>
+            <a:off x="886714" y="-4763"/>
+            <a:ext cx="5014912" cy="6862763"/>
+            <a:chOff x="2928938" y="-4763"/>
+            <a:chExt cx="5014912" cy="6862763"/>
+          </a:xfrm>
+        </p:grpSpPr>
+        <p:sp>
+          <p:nvSpPr>
+            <p:cNvPr id="20" name="Freeform 6">
+              <a:extLst>
+                <a:ext uri="{FF2B5EF4-FFF2-40B4-BE49-F238E27FC236}">
+                  <a16:creationId xmlns:a16="http://schemas.microsoft.com/office/drawing/2014/main" id="{EFFE501B-F9EC-4229-99D6-F39E38A71B5B}"/>
+                </a:ext>
+                <a:ext uri="{C183D7F6-B498-43B3-948B-1728B52AA6E4}">
+                  <adec:decorative xmlns:adec="http://schemas.microsoft.com/office/drawing/2017/decorative" val="1"/>
+                </a:ext>
+              </a:extLst>
+            </p:cNvPr>
+            <p:cNvSpPr/>
+            <p:nvPr>
+              <p:extLst>
+                <p:ext uri="{386F3935-93C4-4BCD-93E2-E3B085C9AB24}">
+                  <p16:designElem xmlns:p16="http://schemas.microsoft.com/office/powerpoint/2015/main" val="1"/>
+                </p:ext>
+              </p:extLst>
+            </p:nvPr>
+          </p:nvSpPr>
+          <p:spPr bwMode="auto">
+            <a:xfrm>
+              <a:off x="3367088" y="-4763"/>
+              <a:ext cx="1063625" cy="2782888"/>
+            </a:xfrm>
+            <a:custGeom>
+              <a:avLst/>
+              <a:gdLst/>
+              <a:ahLst/>
+              <a:cxnLst/>
+              <a:rect l="0" t="0" r="r" b="b"/>
+              <a:pathLst>
+                <a:path w="670" h="1753">
+                  <a:moveTo>
+                    <a:pt x="0" y="1696"/>
+                  </a:moveTo>
+                  <a:lnTo>
+                    <a:pt x="225" y="1753"/>
+                  </a:lnTo>
+                  <a:lnTo>
+                    <a:pt x="670" y="0"/>
+                  </a:lnTo>
+                  <a:lnTo>
+                    <a:pt x="430" y="0"/>
+                  </a:lnTo>
+                  <a:lnTo>
+                    <a:pt x="0" y="1696"/>
+                  </a:lnTo>
+                  <a:close/>
+                </a:path>
+              </a:pathLst>
+            </a:custGeom>
+            <a:solidFill>
+              <a:schemeClr val="accent1"/>
+            </a:solidFill>
+            <a:ln>
+              <a:noFill/>
+            </a:ln>
+          </p:spPr>
+          <p:txBody>
+            <a:bodyPr/>
+            <a:lstStyle/>
+            <a:p>
+              <a:endParaRPr lang="en-US"/>
+            </a:p>
+          </p:txBody>
+        </p:sp>
+        <p:sp>
+          <p:nvSpPr>
+            <p:cNvPr id="21" name="Freeform 7">
+              <a:extLst>
+                <a:ext uri="{FF2B5EF4-FFF2-40B4-BE49-F238E27FC236}">
+                  <a16:creationId xmlns:a16="http://schemas.microsoft.com/office/drawing/2014/main" id="{B064C6A0-3DE4-4F4A-B650-78A628163E0A}"/>
+                </a:ext>
+                <a:ext uri="{C183D7F6-B498-43B3-948B-1728B52AA6E4}">
+                  <adec:decorative xmlns:adec="http://schemas.microsoft.com/office/drawing/2017/decorative" val="1"/>
+                </a:ext>
+              </a:extLst>
+            </p:cNvPr>
+            <p:cNvSpPr/>
+            <p:nvPr>
+              <p:extLst>
+                <p:ext uri="{386F3935-93C4-4BCD-93E2-E3B085C9AB24}">
+                  <p16:designElem xmlns:p16="http://schemas.microsoft.com/office/powerpoint/2015/main" val="1"/>
+                </p:ext>
+              </p:extLst>
+            </p:nvPr>
+          </p:nvSpPr>
+          <p:spPr bwMode="auto">
+            <a:xfrm>
+              <a:off x="2928938" y="-4763"/>
+              <a:ext cx="1035050" cy="2673350"/>
+            </a:xfrm>
+            <a:custGeom>
+              <a:avLst/>
+              <a:gdLst/>
+              <a:ahLst/>
+              <a:cxnLst/>
+              <a:rect l="0" t="0" r="r" b="b"/>
+              <a:pathLst>
+                <a:path w="652" h="1684">
+                  <a:moveTo>
+                    <a:pt x="225" y="1684"/>
+                  </a:moveTo>
+                  <a:lnTo>
+                    <a:pt x="652" y="0"/>
+                  </a:lnTo>
+                  <a:lnTo>
+                    <a:pt x="411" y="0"/>
+                  </a:lnTo>
+                  <a:lnTo>
+                    <a:pt x="0" y="1627"/>
+                  </a:lnTo>
+                  <a:lnTo>
+                    <a:pt x="219" y="1681"/>
+                  </a:lnTo>
+                  <a:lnTo>
+                    <a:pt x="225" y="1684"/>
+                  </a:lnTo>
+                  <a:close/>
+                </a:path>
+              </a:pathLst>
+            </a:custGeom>
+            <a:solidFill>
+              <a:schemeClr val="tx1">
+                <a:lumMod val="65000"/>
+                <a:lumOff val="35000"/>
+              </a:schemeClr>
+            </a:solidFill>
+            <a:ln>
+              <a:noFill/>
+            </a:ln>
+          </p:spPr>
+          <p:txBody>
+            <a:bodyPr/>
+            <a:lstStyle/>
+            <a:p>
+              <a:endParaRPr lang="en-US"/>
+            </a:p>
+          </p:txBody>
+        </p:sp>
+        <p:sp>
+          <p:nvSpPr>
+            <p:cNvPr id="22" name="Freeform 25">
+              <a:extLst>
+                <a:ext uri="{FF2B5EF4-FFF2-40B4-BE49-F238E27FC236}">
+                  <a16:creationId xmlns:a16="http://schemas.microsoft.com/office/drawing/2014/main" id="{43CD3E83-3D0D-40EE-B1A2-9C989EBF2814}"/>
+                </a:ext>
+                <a:ext uri="{C183D7F6-B498-43B3-948B-1728B52AA6E4}">
+                  <adec:decorative xmlns:adec="http://schemas.microsoft.com/office/drawing/2017/decorative" val="1"/>
+                </a:ext>
+              </a:extLst>
+            </p:cNvPr>
+            <p:cNvSpPr/>
+            <p:nvPr>
+              <p:extLst>
+                <p:ext uri="{386F3935-93C4-4BCD-93E2-E3B085C9AB24}">
+                  <p16:designElem xmlns:p16="http://schemas.microsoft.com/office/powerpoint/2015/main" val="1"/>
+                </p:ext>
+              </p:extLst>
+            </p:nvPr>
+          </p:nvSpPr>
+          <p:spPr bwMode="auto">
+            <a:xfrm>
+              <a:off x="2928938" y="2582862"/>
+              <a:ext cx="2693987" cy="4275138"/>
+            </a:xfrm>
+            <a:custGeom>
+              <a:avLst/>
+              <a:gdLst/>
+              <a:ahLst/>
+              <a:cxnLst/>
+              <a:rect l="0" t="0" r="r" b="b"/>
+              <a:pathLst>
+                <a:path w="1697" h="2693">
+                  <a:moveTo>
+                    <a:pt x="0" y="0"/>
+                  </a:moveTo>
+                  <a:lnTo>
+                    <a:pt x="1622" y="2693"/>
+                  </a:lnTo>
+                  <a:lnTo>
+                    <a:pt x="1697" y="2693"/>
+                  </a:lnTo>
+                  <a:lnTo>
+                    <a:pt x="0" y="0"/>
+                  </a:lnTo>
+                  <a:close/>
+                </a:path>
+              </a:pathLst>
+            </a:custGeom>
+            <a:solidFill>
+              <a:schemeClr val="tx1">
+                <a:lumMod val="85000"/>
+                <a:lumOff val="15000"/>
+              </a:schemeClr>
+            </a:solidFill>
+            <a:ln>
+              <a:noFill/>
+            </a:ln>
+          </p:spPr>
+          <p:txBody>
+            <a:bodyPr/>
+            <a:lstStyle/>
+            <a:p>
+              <a:endParaRPr lang="en-US"/>
+            </a:p>
+          </p:txBody>
+        </p:sp>
+        <p:sp>
+          <p:nvSpPr>
+            <p:cNvPr id="23" name="Freeform 26">
+              <a:extLst>
+                <a:ext uri="{FF2B5EF4-FFF2-40B4-BE49-F238E27FC236}">
+                  <a16:creationId xmlns:a16="http://schemas.microsoft.com/office/drawing/2014/main" id="{71553909-760D-4B98-96A4-F9F48339AF6B}"/>
+                </a:ext>
+                <a:ext uri="{C183D7F6-B498-43B3-948B-1728B52AA6E4}">
+                  <adec:decorative xmlns:adec="http://schemas.microsoft.com/office/drawing/2017/decorative" val="1"/>
+                </a:ext>
+              </a:extLst>
+            </p:cNvPr>
+            <p:cNvSpPr/>
+            <p:nvPr>
+              <p:extLst>
+                <p:ext uri="{386F3935-93C4-4BCD-93E2-E3B085C9AB24}">
+                  <p16:designElem xmlns:p16="http://schemas.microsoft.com/office/powerpoint/2015/main" val="1"/>
+                </p:ext>
+              </p:extLst>
+            </p:nvPr>
+          </p:nvSpPr>
+          <p:spPr bwMode="auto">
+            <a:xfrm>
+              <a:off x="3371850" y="2692400"/>
+              <a:ext cx="3332162" cy="4165600"/>
+            </a:xfrm>
+            <a:custGeom>
+              <a:avLst/>
+              <a:gdLst/>
+              <a:ahLst/>
+              <a:cxnLst/>
+              <a:rect l="0" t="0" r="r" b="b"/>
+              <a:pathLst>
+                <a:path w="2099" h="2624">
+                  <a:moveTo>
+                    <a:pt x="2099" y="2624"/>
+                  </a:moveTo>
+                  <a:lnTo>
+                    <a:pt x="0" y="0"/>
+                  </a:lnTo>
+                  <a:lnTo>
+                    <a:pt x="2021" y="2624"/>
+                  </a:lnTo>
+                  <a:lnTo>
+                    <a:pt x="2099" y="2624"/>
+                  </a:lnTo>
+                  <a:close/>
+                </a:path>
+              </a:pathLst>
+            </a:custGeom>
+            <a:solidFill>
+              <a:schemeClr val="accent1">
+                <a:lumMod val="50000"/>
+              </a:schemeClr>
+            </a:solidFill>
+            <a:ln>
+              <a:noFill/>
+            </a:ln>
+          </p:spPr>
+          <p:txBody>
+            <a:bodyPr/>
+            <a:lstStyle/>
+            <a:p>
+              <a:endParaRPr lang="en-US"/>
+            </a:p>
+          </p:txBody>
+        </p:sp>
+        <p:sp>
+          <p:nvSpPr>
+            <p:cNvPr id="24" name="Freeform 27">
+              <a:extLst>
+                <a:ext uri="{FF2B5EF4-FFF2-40B4-BE49-F238E27FC236}">
+                  <a16:creationId xmlns:a16="http://schemas.microsoft.com/office/drawing/2014/main" id="{1F006A6C-F843-49BC-AC84-89BD2AF58630}"/>
+                </a:ext>
+                <a:ext uri="{C183D7F6-B498-43B3-948B-1728B52AA6E4}">
+                  <adec:decorative xmlns:adec="http://schemas.microsoft.com/office/drawing/2017/decorative" val="1"/>
+                </a:ext>
+              </a:extLst>
+            </p:cNvPr>
+            <p:cNvSpPr/>
+            <p:nvPr>
+              <p:extLst>
+                <p:ext uri="{386F3935-93C4-4BCD-93E2-E3B085C9AB24}">
+                  <p16:designElem xmlns:p16="http://schemas.microsoft.com/office/powerpoint/2015/main" val="1"/>
+                </p:ext>
+              </p:extLst>
+            </p:nvPr>
+          </p:nvSpPr>
+          <p:spPr bwMode="auto">
+            <a:xfrm>
+              <a:off x="3367088" y="2687637"/>
+              <a:ext cx="4576762" cy="4170363"/>
+            </a:xfrm>
+            <a:custGeom>
+              <a:avLst/>
+              <a:gdLst/>
+              <a:ahLst/>
+              <a:cxnLst/>
+              <a:rect l="0" t="0" r="r" b="b"/>
+              <a:pathLst>
+                <a:path w="2883" h="2627">
+                  <a:moveTo>
+                    <a:pt x="0" y="0"/>
+                  </a:moveTo>
+                  <a:lnTo>
+                    <a:pt x="3" y="3"/>
+                  </a:lnTo>
+                  <a:lnTo>
+                    <a:pt x="2102" y="2627"/>
+                  </a:lnTo>
+                  <a:lnTo>
+                    <a:pt x="2883" y="2627"/>
+                  </a:lnTo>
+                  <a:lnTo>
+                    <a:pt x="225" y="57"/>
+                  </a:lnTo>
+                  <a:lnTo>
+                    <a:pt x="0" y="0"/>
+                  </a:lnTo>
+                  <a:close/>
+                </a:path>
+              </a:pathLst>
+            </a:custGeom>
+            <a:solidFill>
+              <a:schemeClr val="accent1">
+                <a:lumMod val="75000"/>
+              </a:schemeClr>
+            </a:solidFill>
+            <a:ln>
+              <a:noFill/>
+            </a:ln>
+          </p:spPr>
+          <p:txBody>
+            <a:bodyPr/>
+            <a:lstStyle/>
+            <a:p>
+              <a:endParaRPr lang="en-US"/>
+            </a:p>
+          </p:txBody>
+        </p:sp>
+        <p:sp>
+          <p:nvSpPr>
+            <p:cNvPr id="25" name="Freeform 28">
+              <a:extLst>
+                <a:ext uri="{FF2B5EF4-FFF2-40B4-BE49-F238E27FC236}">
+                  <a16:creationId xmlns:a16="http://schemas.microsoft.com/office/drawing/2014/main" id="{62AEE6F3-16F4-4944-8459-4D5EEA341D0D}"/>
+                </a:ext>
+                <a:ext uri="{C183D7F6-B498-43B3-948B-1728B52AA6E4}">
+                  <adec:decorative xmlns:adec="http://schemas.microsoft.com/office/drawing/2017/decorative" val="1"/>
+                </a:ext>
+              </a:extLst>
+            </p:cNvPr>
+            <p:cNvSpPr/>
+            <p:nvPr>
+              <p:extLst>
+                <p:ext uri="{386F3935-93C4-4BCD-93E2-E3B085C9AB24}">
+                  <p16:designElem xmlns:p16="http://schemas.microsoft.com/office/powerpoint/2015/main" val="1"/>
+                </p:ext>
+              </p:extLst>
+            </p:nvPr>
+          </p:nvSpPr>
+          <p:spPr bwMode="auto">
+            <a:xfrm>
+              <a:off x="2928938" y="2578100"/>
+              <a:ext cx="3584575" cy="4279900"/>
+            </a:xfrm>
+            <a:custGeom>
+              <a:avLst/>
+              <a:gdLst/>
+              <a:ahLst/>
+              <a:cxnLst/>
+              <a:rect l="0" t="0" r="r" b="b"/>
+              <a:pathLst>
+                <a:path w="2258" h="2696">
+                  <a:moveTo>
+                    <a:pt x="2258" y="2696"/>
+                  </a:moveTo>
+                  <a:lnTo>
+                    <a:pt x="264" y="111"/>
+                  </a:lnTo>
+                  <a:lnTo>
+                    <a:pt x="228" y="60"/>
+                  </a:lnTo>
+                  <a:lnTo>
+                    <a:pt x="225" y="57"/>
+                  </a:lnTo>
+                  <a:lnTo>
+                    <a:pt x="0" y="0"/>
+                  </a:lnTo>
+                  <a:lnTo>
+                    <a:pt x="0" y="3"/>
+                  </a:lnTo>
+                  <a:lnTo>
+                    <a:pt x="1697" y="2696"/>
+                  </a:lnTo>
+                  <a:lnTo>
+                    <a:pt x="2258" y="2696"/>
+                  </a:lnTo>
+                  <a:close/>
+                </a:path>
+              </a:pathLst>
+            </a:custGeom>
+            <a:solidFill>
+              <a:schemeClr val="tx1">
+                <a:lumMod val="75000"/>
+                <a:lumOff val="25000"/>
+              </a:schemeClr>
+            </a:solidFill>
+            <a:ln>
+              <a:noFill/>
+            </a:ln>
+          </p:spPr>
+          <p:txBody>
+            <a:bodyPr/>
+            <a:lstStyle/>
+            <a:p>
+              <a:endParaRPr lang="en-US"/>
+            </a:p>
+          </p:txBody>
+        </p:sp>
+      </p:grpSp>
       <p:sp>
         <p:nvSpPr>
-          <p:cNvPr id="3" name="Rectangle 1">
+          <p:cNvPr id="27" name="Rounded Rectangle 16">
             <a:extLst>
               <a:ext uri="{FF2B5EF4-FFF2-40B4-BE49-F238E27FC236}">
-                <a16:creationId xmlns:a16="http://schemas.microsoft.com/office/drawing/2014/main" id="{28760A8A-FCB4-0CAC-FADD-20A6D146DFF2}"/>
+                <a16:creationId xmlns:a16="http://schemas.microsoft.com/office/drawing/2014/main" id="{8D6B9972-4A81-4223-9901-0E559A1D5E59}"/>
+              </a:ext>
+              <a:ext uri="{C183D7F6-B498-43B3-948B-1728B52AA6E4}">
+                <adec:decorative xmlns:adec="http://schemas.microsoft.com/office/drawing/2017/decorative" val="1"/>
               </a:ext>
             </a:extLst>
           </p:cNvPr>
           <p:cNvSpPr>
-            <a:spLocks noChangeArrowheads="1"/>
+            <a:spLocks noGrp="1" noRot="1" noChangeAspect="1" noMove="1" noResize="1" noEditPoints="1" noAdjustHandles="1" noChangeArrowheads="1" noChangeShapeType="1" noTextEdit="1"/>
           </p:cNvSpPr>
+          <p:nvPr>
+            <p:extLst>
+              <p:ext uri="{386F3935-93C4-4BCD-93E2-E3B085C9AB24}">
+                <p16:designElem xmlns:p16="http://schemas.microsoft.com/office/powerpoint/2015/main" val="1"/>
+              </p:ext>
+            </p:extLst>
+          </p:nvPr>
+        </p:nvSpPr>
+        <p:spPr>
+          <a:xfrm>
+            <a:off x="656693" y="648931"/>
+            <a:ext cx="6854433" cy="5231964"/>
+          </a:xfrm>
+          <a:prstGeom prst="roundRect">
+            <a:avLst>
+              <a:gd name="adj" fmla="val 4834"/>
+            </a:avLst>
+          </a:prstGeom>
+          <a:solidFill>
+            <a:schemeClr val="bg1"/>
+          </a:solidFill>
+          <a:ln w="38100">
+            <a:gradFill flip="none" rotWithShape="1">
+              <a:gsLst>
+                <a:gs pos="0">
+                  <a:schemeClr val="bg2"/>
+                </a:gs>
+                <a:gs pos="100000">
+                  <a:schemeClr val="bg2">
+                    <a:lumMod val="75000"/>
+                  </a:schemeClr>
+                </a:gs>
+              </a:gsLst>
+              <a:lin ang="5400000" scaled="0"/>
+              <a:tileRect/>
+            </a:gradFill>
+          </a:ln>
+          <a:effectLst>
+            <a:innerShdw blurRad="57150" dist="38100" dir="14460000">
+              <a:srgbClr val="000000">
+                <a:alpha val="70000"/>
+              </a:srgbClr>
+            </a:innerShdw>
+          </a:effectLst>
+        </p:spPr>
+        <p:style>
+          <a:lnRef idx="2">
+            <a:schemeClr val="accent1">
+              <a:shade val="50000"/>
+            </a:schemeClr>
+          </a:lnRef>
+          <a:fillRef idx="1">
+            <a:schemeClr val="accent1"/>
+          </a:fillRef>
+          <a:effectRef idx="0">
+            <a:schemeClr val="accent1"/>
+          </a:effectRef>
+          <a:fontRef idx="minor">
+            <a:schemeClr val="lt1"/>
+          </a:fontRef>
+        </p:style>
+        <p:txBody>
+          <a:bodyPr rtlCol="0" anchor="ctr"/>
+          <a:lstStyle/>
+          <a:p>
+            <a:pPr algn="ctr"/>
+            <a:endParaRPr lang="en-US"/>
+          </a:p>
+        </p:txBody>
+      </p:sp>
+      <p:pic>
+        <p:nvPicPr>
+          <p:cNvPr id="4" name="Picture 3" descr="A black rectangular object with white text&#10;&#10;AI-generated content may be incorrect.">
+            <a:extLst>
+              <a:ext uri="{FF2B5EF4-FFF2-40B4-BE49-F238E27FC236}">
+                <a16:creationId xmlns:a16="http://schemas.microsoft.com/office/drawing/2014/main" id="{DE6E768B-D0FA-51A6-BCA3-670120521F23}"/>
+              </a:ext>
+            </a:extLst>
+          </p:cNvPr>
+          <p:cNvPicPr>
+            <a:picLocks noChangeAspect="1"/>
+          </p:cNvPicPr>
           <p:nvPr/>
-        </p:nvSpPr>
-        <p:spPr bwMode="auto">
+        </p:nvPicPr>
+        <p:blipFill>
+          <a:blip r:embed="rId3">
+            <a:extLst>
+              <a:ext uri="{28A0092B-C50C-407E-A947-70E740481C1C}">
+                <a14:useLocalDpi xmlns:a14="http://schemas.microsoft.com/office/drawing/2010/main" val="0"/>
+              </a:ext>
+            </a:extLst>
+          </a:blip>
+          <a:stretch>
+            <a:fillRect/>
+          </a:stretch>
+        </p:blipFill>
+        <p:spPr>
           <a:xfrm>
-            <a:off x="0" y="-84638"/>
-            <a:ext cx="232756" cy="169277"/>
+            <a:off x="977550" y="2137606"/>
+            <a:ext cx="6202778" cy="2295026"/>
           </a:xfrm>
           <a:prstGeom prst="rect">
             <a:avLst/>
           </a:prstGeom>
-          <a:noFill/>
-          <a:ln>
-            <a:noFill/>
-          </a:ln>
-          <a:effectLst/>
-          <a:extLst>
-            <a:ext uri="{909E8E84-426E-40DD-AFC4-6F175D3DCCD1}">
-              <a14:hiddenFill xmlns:a14="http://schemas.microsoft.com/office/drawing/2010/main">
-                <a:solidFill>
-                  <a:schemeClr val="accent1"/>
-                </a:solidFill>
-              </a14:hiddenFill>
-            </a:ext>
-            <a:ext uri="{91240B29-F687-4F45-9708-019B960494DF}">
-              <a14:hiddenLine xmlns:a14="http://schemas.microsoft.com/office/drawing/2010/main" w="9525">
-                <a:solidFill>
-                  <a:schemeClr val="tx1"/>
-                </a:solidFill>
-                <a:miter lim="800000"/>
-                <a:headEnd/>
-                <a:tailEnd/>
-              </a14:hiddenLine>
-            </a:ext>
-            <a:ext uri="{AF507438-7753-43E0-B8FC-AC1667EBCBE1}">
-              <a14:hiddenEffects xmlns:a14="http://schemas.microsoft.com/office/drawing/2010/main">
-                <a:effectLst>
-                  <a:outerShdw dist="35921" dir="2700000" algn="ctr" rotWithShape="0">
-                    <a:schemeClr val="bg2"/>
-                  </a:outerShdw>
-                </a:effectLst>
-              </a14:hiddenEffects>
-            </a:ext>
-          </a:extLst>
         </p:spPr>
-        <p:txBody>
-          <a:bodyPr vert="horz" wrap="none" lIns="91440" tIns="45720" rIns="91440" bIns="45720" numCol="1" anchor="ctr" anchorCtr="0" compatLnSpc="1">
-            <a:prstTxWarp prst="textNoShape">
-              <a:avLst/>
-            </a:prstTxWarp>
-            <a:spAutoFit/>
-          </a:bodyPr>
-          <a:lstStyle/>
-          <a:p>
-            <a:pPr marL="0" marR="0" lvl="0" indent="0" algn="l" defTabSz="914400" rtl="0" eaLnBrk="0" fontAlgn="base" latinLnBrk="0" hangingPunct="0">
-              <a:lnSpc>
-                <a:spcPct val="100000"/>
-              </a:lnSpc>
-              <a:spcBef>
-                <a:spcPct val="0"/>
-              </a:spcBef>
-              <a:spcAft>
-                <a:spcPct val="0"/>
-              </a:spcAft>
-              <a:buClrTx/>
-              <a:buSzTx/>
-              <a:buFontTx/>
-              <a:buChar char="•"/>
-              <a:tabLst/>
-            </a:pPr>
-            <a:r>
-              <a:rPr kumimoji="0" lang="en-US" altLang="en-US" sz="500" b="0" i="0" u="none" strike="noStrike" cap="none" normalizeH="0" baseline="0" dirty="0">
-                <a:ln>
-                  <a:noFill/>
-                </a:ln>
-                <a:solidFill>
-                  <a:schemeClr val="tx1"/>
-                </a:solidFill>
-                <a:effectLst/>
-              </a:rPr>
-              <a:t>.</a:t>
-            </a:r>
-            <a:endParaRPr kumimoji="0" lang="en-US" altLang="en-US" sz="1800" b="0" i="0" u="none" strike="noStrike" cap="none" normalizeH="0" baseline="0" dirty="0">
-              <a:ln>
-                <a:noFill/>
-              </a:ln>
-              <a:solidFill>
-                <a:schemeClr val="tx1"/>
-              </a:solidFill>
-              <a:effectLst/>
-              <a:latin typeface="Arial" panose="020B0604020202020204" pitchFamily="34" charset="0"/>
-            </a:endParaRPr>
-          </a:p>
-        </p:txBody>
-      </p:sp>
+      </p:pic>
     </p:spTree>
     <p:extLst>
       <p:ext uri="{BB962C8B-B14F-4D97-AF65-F5344CB8AC3E}">
-        <p14:creationId xmlns:p14="http://schemas.microsoft.com/office/powerpoint/2010/main" val="3429066024"/>
+        <p14:creationId xmlns:p14="http://schemas.microsoft.com/office/powerpoint/2010/main" val="537630024"/>
       </p:ext>
     </p:extLst>
   </p:cSld>
@@ -21913,7 +24425,7 @@
 </p:sld>
 </file>
 
-<file path=ppt/slides/slide30.xml><?xml version="1.0" encoding="utf-8"?>
+<file path=ppt/slides/slide33.xml><?xml version="1.0" encoding="utf-8"?>
 <p:sld xmlns:a="http://schemas.openxmlformats.org/drawingml/2006/main" xmlns:r="http://schemas.openxmlformats.org/officeDocument/2006/relationships" xmlns:p="http://schemas.openxmlformats.org/presentationml/2006/main">
   <p:cSld>
     <p:bg>
@@ -22609,7 +25121,7 @@
 </p:sld>
 </file>
 
-<file path=ppt/slides/slide31.xml><?xml version="1.0" encoding="utf-8"?>
+<file path=ppt/slides/slide34.xml><?xml version="1.0" encoding="utf-8"?>
 <p:sld xmlns:a="http://schemas.openxmlformats.org/drawingml/2006/main" xmlns:r="http://schemas.openxmlformats.org/officeDocument/2006/relationships" xmlns:p="http://schemas.openxmlformats.org/presentationml/2006/main">
   <p:cSld>
     <p:bg>
@@ -23252,7 +25764,7 @@
 </p:sld>
 </file>
 
-<file path=ppt/slides/slide32.xml><?xml version="1.0" encoding="utf-8"?>
+<file path=ppt/slides/slide35.xml><?xml version="1.0" encoding="utf-8"?>
 <p:sld xmlns:a="http://schemas.openxmlformats.org/drawingml/2006/main" xmlns:r="http://schemas.openxmlformats.org/officeDocument/2006/relationships" xmlns:p="http://schemas.openxmlformats.org/presentationml/2006/main">
   <p:cSld>
     <p:bg>
@@ -23888,7 +26400,7 @@
 </p:sld>
 </file>
 
-<file path=ppt/slides/slide33.xml><?xml version="1.0" encoding="utf-8"?>
+<file path=ppt/slides/slide36.xml><?xml version="1.0" encoding="utf-8"?>
 <p:sld xmlns:a="http://schemas.openxmlformats.org/drawingml/2006/main" xmlns:r="http://schemas.openxmlformats.org/officeDocument/2006/relationships" xmlns:p="http://schemas.openxmlformats.org/presentationml/2006/main">
   <p:cSld>
     <p:spTree>
@@ -24018,7 +26530,7 @@
 </p:sld>
 </file>
 
-<file path=ppt/slides/slide34.xml><?xml version="1.0" encoding="utf-8"?>
+<file path=ppt/slides/slide37.xml><?xml version="1.0" encoding="utf-8"?>
 <p:sld xmlns:a="http://schemas.openxmlformats.org/drawingml/2006/main" xmlns:r="http://schemas.openxmlformats.org/officeDocument/2006/relationships" xmlns:p="http://schemas.openxmlformats.org/presentationml/2006/main">
   <p:cSld>
     <p:bg>
@@ -25179,7 +27691,7 @@
 </p:sld>
 </file>
 
-<file path=ppt/slides/slide35.xml><?xml version="1.0" encoding="utf-8"?>
+<file path=ppt/slides/slide38.xml><?xml version="1.0" encoding="utf-8"?>
 <p:sld xmlns:a="http://schemas.openxmlformats.org/drawingml/2006/main" xmlns:r="http://schemas.openxmlformats.org/officeDocument/2006/relationships" xmlns:p="http://schemas.openxmlformats.org/presentationml/2006/main">
   <p:cSld>
     <p:spTree>
@@ -25297,7 +27809,7 @@
 </p:sld>
 </file>
 
-<file path=ppt/slides/slide36.xml><?xml version="1.0" encoding="utf-8"?>
+<file path=ppt/slides/slide39.xml><?xml version="1.0" encoding="utf-8"?>
 <p:sld xmlns:a="http://schemas.openxmlformats.org/drawingml/2006/main" xmlns:r="http://schemas.openxmlformats.org/officeDocument/2006/relationships" xmlns:p="http://schemas.openxmlformats.org/presentationml/2006/main">
   <p:cSld>
     <p:bg>
@@ -25982,7 +28494,217 @@
 </p:sld>
 </file>
 
-<file path=ppt/slides/slide37.xml><?xml version="1.0" encoding="utf-8"?>
+<file path=ppt/slides/slide4.xml><?xml version="1.0" encoding="utf-8"?>
+<p:sld xmlns:a="http://schemas.openxmlformats.org/drawingml/2006/main" xmlns:r="http://schemas.openxmlformats.org/officeDocument/2006/relationships" xmlns:p="http://schemas.openxmlformats.org/presentationml/2006/main">
+  <p:cSld>
+    <p:spTree>
+      <p:nvGrpSpPr>
+        <p:cNvPr id="1" name=""/>
+        <p:cNvGrpSpPr/>
+        <p:nvPr/>
+      </p:nvGrpSpPr>
+      <p:grpSpPr>
+        <a:xfrm>
+          <a:off x="0" y="0"/>
+          <a:ext cx="0" cy="0"/>
+          <a:chOff x="0" y="0"/>
+          <a:chExt cx="0" cy="0"/>
+        </a:xfrm>
+      </p:grpSpPr>
+      <p:sp>
+        <p:nvSpPr>
+          <p:cNvPr id="2" name="Title 1">
+            <a:extLst>
+              <a:ext uri="{FF2B5EF4-FFF2-40B4-BE49-F238E27FC236}">
+                <a16:creationId xmlns:a16="http://schemas.microsoft.com/office/drawing/2014/main" id="{0E7AFD9D-3135-C88F-7F85-B56537073526}"/>
+              </a:ext>
+            </a:extLst>
+          </p:cNvPr>
+          <p:cNvSpPr>
+            <a:spLocks noGrp="1"/>
+          </p:cNvSpPr>
+          <p:nvPr>
+            <p:ph type="title"/>
+          </p:nvPr>
+        </p:nvSpPr>
+        <p:spPr>
+          <a:xfrm>
+            <a:off x="521208" y="635620"/>
+            <a:ext cx="11155680" cy="5993780"/>
+          </a:xfrm>
+        </p:spPr>
+        <p:txBody>
+          <a:bodyPr>
+            <a:normAutofit/>
+          </a:bodyPr>
+          <a:lstStyle/>
+          <a:p>
+            <a:r>
+              <a:rPr lang="en-US" sz="3600" dirty="0">
+                <a:solidFill>
+                  <a:srgbClr val="C00000"/>
+                </a:solidFill>
+                <a:cs typeface="Bold Italic Art" panose="02010400000000000000" pitchFamily="2" charset="-78"/>
+              </a:rPr>
+              <a:t>3-Data Exploration</a:t>
+            </a:r>
+            <a:br>
+              <a:rPr lang="ar-EG" dirty="0"/>
+            </a:br>
+            <a:r>
+              <a:rPr lang="ar-EG" sz="3200" dirty="0">
+                <a:cs typeface="Bold Italic Art" panose="02010400000000000000" pitchFamily="2" charset="-78"/>
+              </a:rPr>
+              <a:t>-</a:t>
+            </a:r>
+            <a:r>
+              <a:rPr lang="en-US" sz="3200" dirty="0">
+                <a:cs typeface="Bold Italic Art" panose="02010400000000000000" pitchFamily="2" charset="-78"/>
+              </a:rPr>
+              <a:t>Inspecting the structure of the dataset using:</a:t>
+            </a:r>
+            <a:br>
+              <a:rPr lang="ar-EG" sz="3200" dirty="0">
+                <a:cs typeface="Bold Italic Art" panose="02010400000000000000" pitchFamily="2" charset="-78"/>
+              </a:rPr>
+            </a:br>
+            <a:r>
+              <a:rPr lang="en-US" sz="2400" dirty="0">
+                <a:cs typeface="Bold Italic Art" panose="02010400000000000000" pitchFamily="2" charset="-78"/>
+              </a:rPr>
+              <a:t>df.info() to display data types and the number of non-missing values.</a:t>
+            </a:r>
+            <a:br>
+              <a:rPr lang="ar-EG" sz="2400" dirty="0">
+                <a:cs typeface="Bold Italic Art" panose="02010400000000000000" pitchFamily="2" charset="-78"/>
+              </a:rPr>
+            </a:br>
+            <a:r>
+              <a:rPr lang="en-US" sz="2400" dirty="0" err="1">
+                <a:cs typeface="Bold Italic Art" panose="02010400000000000000" pitchFamily="2" charset="-78"/>
+              </a:rPr>
+              <a:t>df.dtypes</a:t>
+            </a:r>
+            <a:r>
+              <a:rPr lang="en-US" sz="2400" dirty="0">
+                <a:cs typeface="Bold Italic Art" panose="02010400000000000000" pitchFamily="2" charset="-78"/>
+              </a:rPr>
+              <a:t> to identify the type of each column (numerical / categorical).</a:t>
+            </a:r>
+            <a:br>
+              <a:rPr lang="en-US" sz="2400" dirty="0">
+                <a:cs typeface="Bold Italic Art" panose="02010400000000000000" pitchFamily="2" charset="-78"/>
+              </a:rPr>
+            </a:br>
+            <a:br>
+              <a:rPr lang="ar-EG" sz="3600" dirty="0">
+                <a:cs typeface="Bold Italic Art" panose="02010400000000000000" pitchFamily="2" charset="-78"/>
+              </a:rPr>
+            </a:br>
+            <a:r>
+              <a:rPr lang="en-US" sz="3200" dirty="0">
+                <a:cs typeface="Bold Italic Art" panose="02010400000000000000" pitchFamily="2" charset="-78"/>
+              </a:rPr>
+              <a:t>-Understanding dataset size:</a:t>
+            </a:r>
+            <a:br>
+              <a:rPr lang="ar-EG" sz="3600" dirty="0">
+                <a:cs typeface="Bold Italic Art" panose="02010400000000000000" pitchFamily="2" charset="-78"/>
+              </a:rPr>
+            </a:br>
+            <a:r>
+              <a:rPr lang="en-US" sz="2400" dirty="0" err="1">
+                <a:cs typeface="Bold Italic Art" panose="02010400000000000000" pitchFamily="2" charset="-78"/>
+              </a:rPr>
+              <a:t>df.shape</a:t>
+            </a:r>
+            <a:r>
+              <a:rPr lang="en-US" sz="2400" dirty="0">
+                <a:cs typeface="Bold Italic Art" panose="02010400000000000000" pitchFamily="2" charset="-78"/>
+              </a:rPr>
+              <a:t> to get the number of rows and columns</a:t>
+            </a:r>
+            <a:r>
+              <a:rPr lang="en-US" sz="2400" dirty="0"/>
+              <a:t>.</a:t>
+            </a:r>
+            <a:br>
+              <a:rPr lang="en-US" sz="2400" dirty="0"/>
+            </a:br>
+            <a:br>
+              <a:rPr lang="en-US" sz="2400" dirty="0"/>
+            </a:br>
+            <a:r>
+              <a:rPr lang="en-US" sz="2400" dirty="0"/>
+              <a:t>-</a:t>
+            </a:r>
+            <a:r>
+              <a:rPr lang="en-US" sz="3200" dirty="0">
+                <a:cs typeface="Bold Italic Art" panose="02010400000000000000" pitchFamily="2" charset="-78"/>
+              </a:rPr>
+              <a:t>Previewing sample data:</a:t>
+            </a:r>
+            <a:br>
+              <a:rPr lang="en-US" sz="2400" dirty="0"/>
+            </a:br>
+            <a:r>
+              <a:rPr lang="en-US" sz="2400" dirty="0" err="1"/>
+              <a:t>df.head</a:t>
+            </a:r>
+            <a:r>
+              <a:rPr lang="en-US" sz="2400" dirty="0"/>
+              <a:t>() to display the first 5 rows.</a:t>
+            </a:r>
+            <a:br>
+              <a:rPr lang="en-US" sz="2400" dirty="0"/>
+            </a:br>
+            <a:br>
+              <a:rPr lang="en-US" sz="2400" dirty="0"/>
+            </a:br>
+            <a:r>
+              <a:rPr lang="en-US" sz="2400" dirty="0"/>
+              <a:t>-</a:t>
+            </a:r>
+            <a:r>
+              <a:rPr lang="en-US" sz="3200" dirty="0">
+                <a:cs typeface="Bold Italic Art" panose="02010400000000000000" pitchFamily="2" charset="-78"/>
+              </a:rPr>
+              <a:t>Listing column names</a:t>
+            </a:r>
+            <a:r>
+              <a:rPr lang="en-US" sz="3600" dirty="0">
+                <a:cs typeface="Bold Italic Art" panose="02010400000000000000" pitchFamily="2" charset="-78"/>
+              </a:rPr>
+              <a:t>:</a:t>
+            </a:r>
+            <a:br>
+              <a:rPr lang="en-US" sz="2400" dirty="0"/>
+            </a:br>
+            <a:r>
+              <a:rPr lang="en-US" sz="2400" dirty="0" err="1"/>
+              <a:t>df.columns</a:t>
+            </a:r>
+            <a:r>
+              <a:rPr lang="en-US" sz="2400" dirty="0"/>
+              <a:t> to retrieve all column names.</a:t>
+            </a:r>
+          </a:p>
+        </p:txBody>
+      </p:sp>
+    </p:spTree>
+    <p:extLst>
+      <p:ext uri="{BB962C8B-B14F-4D97-AF65-F5344CB8AC3E}">
+        <p14:creationId xmlns:p14="http://schemas.microsoft.com/office/powerpoint/2010/main" val="2169712398"/>
+      </p:ext>
+    </p:extLst>
+  </p:cSld>
+  <p:clrMapOvr>
+    <a:masterClrMapping/>
+  </p:clrMapOvr>
+</p:sld>
+</file>
+
+<file path=ppt/slides/slide40.xml><?xml version="1.0" encoding="utf-8"?>
 <p:sld xmlns:a="http://schemas.openxmlformats.org/drawingml/2006/main" xmlns:r="http://schemas.openxmlformats.org/officeDocument/2006/relationships" xmlns:p="http://schemas.openxmlformats.org/presentationml/2006/main">
   <p:cSld>
     <p:bg>
@@ -26724,7 +29446,7 @@
 </p:sld>
 </file>
 
-<file path=ppt/slides/slide38.xml><?xml version="1.0" encoding="utf-8"?>
+<file path=ppt/slides/slide41.xml><?xml version="1.0" encoding="utf-8"?>
 <p:sld xmlns:a="http://schemas.openxmlformats.org/drawingml/2006/main" xmlns:r="http://schemas.openxmlformats.org/officeDocument/2006/relationships" xmlns:p="http://schemas.openxmlformats.org/presentationml/2006/main">
   <p:cSld>
     <p:bg>
@@ -27384,7 +30106,7 @@
 </p:sld>
 </file>
 
-<file path=ppt/slides/slide39.xml><?xml version="1.0" encoding="utf-8"?>
+<file path=ppt/slides/slide42.xml><?xml version="1.0" encoding="utf-8"?>
 <p:sld xmlns:a="http://schemas.openxmlformats.org/drawingml/2006/main" xmlns:r="http://schemas.openxmlformats.org/officeDocument/2006/relationships" xmlns:p="http://schemas.openxmlformats.org/presentationml/2006/main">
   <p:cSld>
     <p:bg>
@@ -28153,217 +30875,7 @@
 </p:sld>
 </file>
 
-<file path=ppt/slides/slide4.xml><?xml version="1.0" encoding="utf-8"?>
-<p:sld xmlns:a="http://schemas.openxmlformats.org/drawingml/2006/main" xmlns:r="http://schemas.openxmlformats.org/officeDocument/2006/relationships" xmlns:p="http://schemas.openxmlformats.org/presentationml/2006/main">
-  <p:cSld>
-    <p:spTree>
-      <p:nvGrpSpPr>
-        <p:cNvPr id="1" name=""/>
-        <p:cNvGrpSpPr/>
-        <p:nvPr/>
-      </p:nvGrpSpPr>
-      <p:grpSpPr>
-        <a:xfrm>
-          <a:off x="0" y="0"/>
-          <a:ext cx="0" cy="0"/>
-          <a:chOff x="0" y="0"/>
-          <a:chExt cx="0" cy="0"/>
-        </a:xfrm>
-      </p:grpSpPr>
-      <p:sp>
-        <p:nvSpPr>
-          <p:cNvPr id="2" name="Title 1">
-            <a:extLst>
-              <a:ext uri="{FF2B5EF4-FFF2-40B4-BE49-F238E27FC236}">
-                <a16:creationId xmlns:a16="http://schemas.microsoft.com/office/drawing/2014/main" id="{0E7AFD9D-3135-C88F-7F85-B56537073526}"/>
-              </a:ext>
-            </a:extLst>
-          </p:cNvPr>
-          <p:cNvSpPr>
-            <a:spLocks noGrp="1"/>
-          </p:cNvSpPr>
-          <p:nvPr>
-            <p:ph type="title"/>
-          </p:nvPr>
-        </p:nvSpPr>
-        <p:spPr>
-          <a:xfrm>
-            <a:off x="521208" y="635620"/>
-            <a:ext cx="11155680" cy="5993780"/>
-          </a:xfrm>
-        </p:spPr>
-        <p:txBody>
-          <a:bodyPr>
-            <a:normAutofit/>
-          </a:bodyPr>
-          <a:lstStyle/>
-          <a:p>
-            <a:r>
-              <a:rPr lang="en-US" sz="3600" dirty="0">
-                <a:solidFill>
-                  <a:srgbClr val="C00000"/>
-                </a:solidFill>
-                <a:cs typeface="Bold Italic Art" panose="02010400000000000000" pitchFamily="2" charset="-78"/>
-              </a:rPr>
-              <a:t>3-Data Exploration</a:t>
-            </a:r>
-            <a:br>
-              <a:rPr lang="ar-EG" dirty="0"/>
-            </a:br>
-            <a:r>
-              <a:rPr lang="ar-EG" sz="3200" dirty="0">
-                <a:cs typeface="Bold Italic Art" panose="02010400000000000000" pitchFamily="2" charset="-78"/>
-              </a:rPr>
-              <a:t>-</a:t>
-            </a:r>
-            <a:r>
-              <a:rPr lang="en-US" sz="3200" dirty="0">
-                <a:cs typeface="Bold Italic Art" panose="02010400000000000000" pitchFamily="2" charset="-78"/>
-              </a:rPr>
-              <a:t>Inspecting the structure of the dataset using:</a:t>
-            </a:r>
-            <a:br>
-              <a:rPr lang="ar-EG" sz="3200" dirty="0">
-                <a:cs typeface="Bold Italic Art" panose="02010400000000000000" pitchFamily="2" charset="-78"/>
-              </a:rPr>
-            </a:br>
-            <a:r>
-              <a:rPr lang="en-US" sz="2400" dirty="0">
-                <a:cs typeface="Bold Italic Art" panose="02010400000000000000" pitchFamily="2" charset="-78"/>
-              </a:rPr>
-              <a:t>df.info() to display data types and the number of non-missing values.</a:t>
-            </a:r>
-            <a:br>
-              <a:rPr lang="ar-EG" sz="2400" dirty="0">
-                <a:cs typeface="Bold Italic Art" panose="02010400000000000000" pitchFamily="2" charset="-78"/>
-              </a:rPr>
-            </a:br>
-            <a:r>
-              <a:rPr lang="en-US" sz="2400" dirty="0" err="1">
-                <a:cs typeface="Bold Italic Art" panose="02010400000000000000" pitchFamily="2" charset="-78"/>
-              </a:rPr>
-              <a:t>df.dtypes</a:t>
-            </a:r>
-            <a:r>
-              <a:rPr lang="en-US" sz="2400" dirty="0">
-                <a:cs typeface="Bold Italic Art" panose="02010400000000000000" pitchFamily="2" charset="-78"/>
-              </a:rPr>
-              <a:t> to identify the type of each column (numerical / categorical).</a:t>
-            </a:r>
-            <a:br>
-              <a:rPr lang="en-US" sz="2400" dirty="0">
-                <a:cs typeface="Bold Italic Art" panose="02010400000000000000" pitchFamily="2" charset="-78"/>
-              </a:rPr>
-            </a:br>
-            <a:br>
-              <a:rPr lang="ar-EG" sz="3600" dirty="0">
-                <a:cs typeface="Bold Italic Art" panose="02010400000000000000" pitchFamily="2" charset="-78"/>
-              </a:rPr>
-            </a:br>
-            <a:r>
-              <a:rPr lang="en-US" sz="3200" dirty="0">
-                <a:cs typeface="Bold Italic Art" panose="02010400000000000000" pitchFamily="2" charset="-78"/>
-              </a:rPr>
-              <a:t>-Understanding dataset size:</a:t>
-            </a:r>
-            <a:br>
-              <a:rPr lang="ar-EG" sz="3600" dirty="0">
-                <a:cs typeface="Bold Italic Art" panose="02010400000000000000" pitchFamily="2" charset="-78"/>
-              </a:rPr>
-            </a:br>
-            <a:r>
-              <a:rPr lang="en-US" sz="2400" dirty="0" err="1">
-                <a:cs typeface="Bold Italic Art" panose="02010400000000000000" pitchFamily="2" charset="-78"/>
-              </a:rPr>
-              <a:t>df.shape</a:t>
-            </a:r>
-            <a:r>
-              <a:rPr lang="en-US" sz="2400" dirty="0">
-                <a:cs typeface="Bold Italic Art" panose="02010400000000000000" pitchFamily="2" charset="-78"/>
-              </a:rPr>
-              <a:t> to get the number of rows and columns</a:t>
-            </a:r>
-            <a:r>
-              <a:rPr lang="en-US" sz="2400" dirty="0"/>
-              <a:t>.</a:t>
-            </a:r>
-            <a:br>
-              <a:rPr lang="en-US" sz="2400" dirty="0"/>
-            </a:br>
-            <a:br>
-              <a:rPr lang="en-US" sz="2400" dirty="0"/>
-            </a:br>
-            <a:r>
-              <a:rPr lang="en-US" sz="2400" dirty="0"/>
-              <a:t>-</a:t>
-            </a:r>
-            <a:r>
-              <a:rPr lang="en-US" sz="3200" dirty="0">
-                <a:cs typeface="Bold Italic Art" panose="02010400000000000000" pitchFamily="2" charset="-78"/>
-              </a:rPr>
-              <a:t>Previewing sample data:</a:t>
-            </a:r>
-            <a:br>
-              <a:rPr lang="en-US" sz="2400" dirty="0"/>
-            </a:br>
-            <a:r>
-              <a:rPr lang="en-US" sz="2400" dirty="0" err="1"/>
-              <a:t>df.head</a:t>
-            </a:r>
-            <a:r>
-              <a:rPr lang="en-US" sz="2400" dirty="0"/>
-              <a:t>() to display the first 5 rows.</a:t>
-            </a:r>
-            <a:br>
-              <a:rPr lang="en-US" sz="2400" dirty="0"/>
-            </a:br>
-            <a:br>
-              <a:rPr lang="en-US" sz="2400" dirty="0"/>
-            </a:br>
-            <a:r>
-              <a:rPr lang="en-US" sz="2400" dirty="0"/>
-              <a:t>-</a:t>
-            </a:r>
-            <a:r>
-              <a:rPr lang="en-US" sz="3200" dirty="0">
-                <a:cs typeface="Bold Italic Art" panose="02010400000000000000" pitchFamily="2" charset="-78"/>
-              </a:rPr>
-              <a:t>Listing column names</a:t>
-            </a:r>
-            <a:r>
-              <a:rPr lang="en-US" sz="3600" dirty="0">
-                <a:cs typeface="Bold Italic Art" panose="02010400000000000000" pitchFamily="2" charset="-78"/>
-              </a:rPr>
-              <a:t>:</a:t>
-            </a:r>
-            <a:br>
-              <a:rPr lang="en-US" sz="2400" dirty="0"/>
-            </a:br>
-            <a:r>
-              <a:rPr lang="en-US" sz="2400" dirty="0" err="1"/>
-              <a:t>df.columns</a:t>
-            </a:r>
-            <a:r>
-              <a:rPr lang="en-US" sz="2400" dirty="0"/>
-              <a:t> to retrieve all column names.</a:t>
-            </a:r>
-          </a:p>
-        </p:txBody>
-      </p:sp>
-    </p:spTree>
-    <p:extLst>
-      <p:ext uri="{BB962C8B-B14F-4D97-AF65-F5344CB8AC3E}">
-        <p14:creationId xmlns:p14="http://schemas.microsoft.com/office/powerpoint/2010/main" val="2169712398"/>
-      </p:ext>
-    </p:extLst>
-  </p:cSld>
-  <p:clrMapOvr>
-    <a:masterClrMapping/>
-  </p:clrMapOvr>
-</p:sld>
-</file>
-
-<file path=ppt/slides/slide40.xml><?xml version="1.0" encoding="utf-8"?>
+<file path=ppt/slides/slide43.xml><?xml version="1.0" encoding="utf-8"?>
 <p:sld xmlns:a="http://schemas.openxmlformats.org/drawingml/2006/main" xmlns:r="http://schemas.openxmlformats.org/officeDocument/2006/relationships" xmlns:p="http://schemas.openxmlformats.org/presentationml/2006/main">
   <p:cSld>
     <p:spTree>
@@ -28513,7 +31025,7 @@
 </p:sld>
 </file>
 
-<file path=ppt/slides/slide41.xml><?xml version="1.0" encoding="utf-8"?>
+<file path=ppt/slides/slide44.xml><?xml version="1.0" encoding="utf-8"?>
 <p:sld xmlns:a="http://schemas.openxmlformats.org/drawingml/2006/main" xmlns:r="http://schemas.openxmlformats.org/officeDocument/2006/relationships" xmlns:p="http://schemas.openxmlformats.org/presentationml/2006/main">
   <p:cSld>
     <p:spTree>
@@ -28665,7 +31177,7 @@
 </p:sld>
 </file>
 
-<file path=ppt/slides/slide42.xml><?xml version="1.0" encoding="utf-8"?>
+<file path=ppt/slides/slide45.xml><?xml version="1.0" encoding="utf-8"?>
 <p:sld xmlns:a="http://schemas.openxmlformats.org/drawingml/2006/main" xmlns:r="http://schemas.openxmlformats.org/officeDocument/2006/relationships" xmlns:p="http://schemas.openxmlformats.org/presentationml/2006/main">
   <p:cSld>
     <p:spTree>
@@ -28826,7 +31338,7 @@
 </p:sld>
 </file>
 
-<file path=ppt/slides/slide43.xml><?xml version="1.0" encoding="utf-8"?>
+<file path=ppt/slides/slide46.xml><?xml version="1.0" encoding="utf-8"?>
 <p:sld xmlns:a="http://schemas.openxmlformats.org/drawingml/2006/main" xmlns:r="http://schemas.openxmlformats.org/officeDocument/2006/relationships" xmlns:p="http://schemas.openxmlformats.org/presentationml/2006/main">
   <p:cSld>
     <p:bg>
@@ -29523,7 +32035,7 @@
 </p:sld>
 </file>
 
-<file path=ppt/slides/slide44.xml><?xml version="1.0" encoding="utf-8"?>
+<file path=ppt/slides/slide47.xml><?xml version="1.0" encoding="utf-8"?>
 <p:sld xmlns:a="http://schemas.openxmlformats.org/drawingml/2006/main" xmlns:r="http://schemas.openxmlformats.org/officeDocument/2006/relationships" xmlns:p="http://schemas.openxmlformats.org/presentationml/2006/main">
   <p:cSld>
     <p:bg>
@@ -30220,7 +32732,7 @@
 </p:sld>
 </file>
 
-<file path=ppt/slides/slide45.xml><?xml version="1.0" encoding="utf-8"?>
+<file path=ppt/slides/slide48.xml><?xml version="1.0" encoding="utf-8"?>
 <p:sld xmlns:a="http://schemas.openxmlformats.org/drawingml/2006/main" xmlns:r="http://schemas.openxmlformats.org/officeDocument/2006/relationships" xmlns:p="http://schemas.openxmlformats.org/presentationml/2006/main">
   <p:cSld>
     <p:spTree>
@@ -30486,7 +32998,7 @@
 </p:sld>
 </file>
 
-<file path=ppt/slides/slide46.xml><?xml version="1.0" encoding="utf-8"?>
+<file path=ppt/slides/slide49.xml><?xml version="1.0" encoding="utf-8"?>
 <p:sld xmlns:a="http://schemas.openxmlformats.org/drawingml/2006/main" xmlns:r="http://schemas.openxmlformats.org/officeDocument/2006/relationships" xmlns:p="http://schemas.openxmlformats.org/presentationml/2006/main">
   <p:cSld>
     <p:spTree>
@@ -30627,556 +33139,6 @@
     <p:extLst>
       <p:ext uri="{BB962C8B-B14F-4D97-AF65-F5344CB8AC3E}">
         <p14:creationId xmlns:p14="http://schemas.microsoft.com/office/powerpoint/2010/main" val="3719277197"/>
-      </p:ext>
-    </p:extLst>
-  </p:cSld>
-  <p:clrMapOvr>
-    <a:masterClrMapping/>
-  </p:clrMapOvr>
-</p:sld>
-</file>
-
-<file path=ppt/slides/slide47.xml><?xml version="1.0" encoding="utf-8"?>
-<p:sld xmlns:a="http://schemas.openxmlformats.org/drawingml/2006/main" xmlns:r="http://schemas.openxmlformats.org/officeDocument/2006/relationships" xmlns:p="http://schemas.openxmlformats.org/presentationml/2006/main">
-  <p:cSld>
-    <p:spTree>
-      <p:nvGrpSpPr>
-        <p:cNvPr id="1" name=""/>
-        <p:cNvGrpSpPr/>
-        <p:nvPr/>
-      </p:nvGrpSpPr>
-      <p:grpSpPr>
-        <a:xfrm>
-          <a:off x="0" y="0"/>
-          <a:ext cx="0" cy="0"/>
-          <a:chOff x="0" y="0"/>
-          <a:chExt cx="0" cy="0"/>
-        </a:xfrm>
-      </p:grpSpPr>
-      <p:sp>
-        <p:nvSpPr>
-          <p:cNvPr id="2" name="Title 1">
-            <a:extLst>
-              <a:ext uri="{FF2B5EF4-FFF2-40B4-BE49-F238E27FC236}">
-                <a16:creationId xmlns:a16="http://schemas.microsoft.com/office/drawing/2014/main" id="{2424B52E-AA1E-A3A2-EE31-3C5A07B14FF6}"/>
-              </a:ext>
-            </a:extLst>
-          </p:cNvPr>
-          <p:cNvSpPr>
-            <a:spLocks noGrp="1"/>
-          </p:cNvSpPr>
-          <p:nvPr>
-            <p:ph type="title"/>
-          </p:nvPr>
-        </p:nvSpPr>
-        <p:spPr>
-          <a:xfrm>
-            <a:off x="521208" y="978407"/>
-            <a:ext cx="11155680" cy="5667321"/>
-          </a:xfrm>
-        </p:spPr>
-        <p:txBody>
-          <a:bodyPr>
-            <a:normAutofit/>
-          </a:bodyPr>
-          <a:lstStyle/>
-          <a:p>
-            <a:r>
-              <a:rPr lang="en-US" sz="3200" dirty="0">
-                <a:solidFill>
-                  <a:srgbClr val="C00000"/>
-                </a:solidFill>
-              </a:rPr>
-              <a:t>Data Preprocessing:-</a:t>
-            </a:r>
-            <a:br>
-              <a:rPr lang="ar-EG" sz="3200" dirty="0">
-                <a:solidFill>
-                  <a:schemeClr val="accent6">
-                    <a:lumMod val="75000"/>
-                  </a:schemeClr>
-                </a:solidFill>
-              </a:rPr>
-            </a:br>
-            <a:br>
-              <a:rPr lang="en-US" sz="3200" dirty="0"/>
-            </a:br>
-            <a:r>
-              <a:rPr lang="en-US" sz="3200" dirty="0">
-                <a:solidFill>
-                  <a:srgbClr val="C00000"/>
-                </a:solidFill>
-              </a:rPr>
-              <a:t>Step 1: Split Input Features and Target:-</a:t>
-            </a:r>
-            <a:br>
-              <a:rPr lang="en-US" sz="3200" dirty="0"/>
-            </a:br>
-            <a:r>
-              <a:rPr lang="en-US" sz="2400" dirty="0"/>
-              <a:t> -Extract input X by dropping the Late_delivery_risk column.</a:t>
-            </a:r>
-            <a:br>
-              <a:rPr lang="en-US" sz="2400" dirty="0"/>
-            </a:br>
-            <a:r>
-              <a:rPr lang="en-US" sz="2400" dirty="0"/>
-              <a:t> -Set target variable y = df['Late_delivery_risk’]. </a:t>
-            </a:r>
-            <a:br>
-              <a:rPr lang="en-US" sz="2800" dirty="0"/>
-            </a:br>
-            <a:br>
-              <a:rPr lang="en-US" sz="3200" dirty="0"/>
-            </a:br>
-            <a:r>
-              <a:rPr lang="en-US" sz="3200" dirty="0">
-                <a:solidFill>
-                  <a:srgbClr val="C00000"/>
-                </a:solidFill>
-              </a:rPr>
-              <a:t>Step 2: Train/Test Split</a:t>
-            </a:r>
-            <a:br>
-              <a:rPr lang="en-US" sz="3200" dirty="0"/>
-            </a:br>
-            <a:r>
-              <a:rPr lang="en-US" sz="2400" dirty="0"/>
-              <a:t> -Use train_test_split() with test_size=0.3 and </a:t>
-            </a:r>
-            <a:r>
-              <a:rPr lang="en-US" sz="2400" dirty="0" err="1"/>
-              <a:t>random_state</a:t>
-            </a:r>
-            <a:r>
-              <a:rPr lang="en-US" sz="2400" dirty="0"/>
-              <a:t>=40 to split data.</a:t>
-            </a:r>
-            <a:br>
-              <a:rPr lang="ar-EG" sz="2400" dirty="0"/>
-            </a:br>
-            <a:br>
-              <a:rPr lang="ar-EG" sz="2400" dirty="0"/>
-            </a:br>
-            <a:endParaRPr lang="en-US" sz="2400" dirty="0"/>
-          </a:p>
-        </p:txBody>
-      </p:sp>
-    </p:spTree>
-    <p:extLst>
-      <p:ext uri="{BB962C8B-B14F-4D97-AF65-F5344CB8AC3E}">
-        <p14:creationId xmlns:p14="http://schemas.microsoft.com/office/powerpoint/2010/main" val="3512801291"/>
-      </p:ext>
-    </p:extLst>
-  </p:cSld>
-  <p:clrMapOvr>
-    <a:masterClrMapping/>
-  </p:clrMapOvr>
-</p:sld>
-</file>
-
-<file path=ppt/slides/slide48.xml><?xml version="1.0" encoding="utf-8"?>
-<p:sld xmlns:a="http://schemas.openxmlformats.org/drawingml/2006/main" xmlns:r="http://schemas.openxmlformats.org/officeDocument/2006/relationships" xmlns:p="http://schemas.openxmlformats.org/presentationml/2006/main">
-  <p:cSld>
-    <p:spTree>
-      <p:nvGrpSpPr>
-        <p:cNvPr id="1" name=""/>
-        <p:cNvGrpSpPr/>
-        <p:nvPr/>
-      </p:nvGrpSpPr>
-      <p:grpSpPr>
-        <a:xfrm>
-          <a:off x="0" y="0"/>
-          <a:ext cx="0" cy="0"/>
-          <a:chOff x="0" y="0"/>
-          <a:chExt cx="0" cy="0"/>
-        </a:xfrm>
-      </p:grpSpPr>
-      <p:sp>
-        <p:nvSpPr>
-          <p:cNvPr id="2" name="Title 1">
-            <a:extLst>
-              <a:ext uri="{FF2B5EF4-FFF2-40B4-BE49-F238E27FC236}">
-                <a16:creationId xmlns:a16="http://schemas.microsoft.com/office/drawing/2014/main" id="{3E4EF33E-5FE8-5A23-A7CD-3C766729D3FE}"/>
-              </a:ext>
-            </a:extLst>
-          </p:cNvPr>
-          <p:cNvSpPr>
-            <a:spLocks noGrp="1"/>
-          </p:cNvSpPr>
-          <p:nvPr>
-            <p:ph type="title"/>
-          </p:nvPr>
-        </p:nvSpPr>
-        <p:spPr>
-          <a:xfrm>
-            <a:off x="521208" y="978407"/>
-            <a:ext cx="11155680" cy="5531249"/>
-          </a:xfrm>
-        </p:spPr>
-        <p:txBody>
-          <a:bodyPr>
-            <a:normAutofit/>
-          </a:bodyPr>
-          <a:lstStyle/>
-          <a:p>
-            <a:r>
-              <a:rPr lang="en-US" sz="3200" dirty="0">
-                <a:solidFill>
-                  <a:srgbClr val="C00000"/>
-                </a:solidFill>
-              </a:rPr>
-              <a:t>Step 3: Create Numerical &amp; Categorical Pipelines.</a:t>
-            </a:r>
-            <a:br>
-              <a:rPr lang="ar-EG" sz="3200" dirty="0"/>
-            </a:br>
-            <a:r>
-              <a:rPr lang="ar-EG" sz="3200" dirty="0"/>
-              <a:t>-</a:t>
-            </a:r>
-            <a:r>
-              <a:rPr lang="en-US" sz="2800" dirty="0"/>
-              <a:t>Identify column types:</a:t>
-            </a:r>
-            <a:br>
-              <a:rPr lang="ar-EG" sz="3200" dirty="0"/>
-            </a:br>
-            <a:r>
-              <a:rPr lang="ar-EG" sz="3200" dirty="0"/>
-              <a:t>  </a:t>
-            </a:r>
-            <a:r>
-              <a:rPr lang="en-US" sz="2400" dirty="0"/>
-              <a:t>Numerical (e.g. Order Profit Per Order)</a:t>
-            </a:r>
-            <a:br>
-              <a:rPr lang="ar-EG" sz="2400" dirty="0"/>
-            </a:br>
-            <a:r>
-              <a:rPr lang="en-US" sz="2400" dirty="0"/>
-              <a:t> </a:t>
-            </a:r>
-            <a:r>
-              <a:rPr lang="ar-EG" sz="2400" dirty="0"/>
-              <a:t>  </a:t>
-            </a:r>
-            <a:r>
-              <a:rPr lang="en-US" sz="2400" dirty="0"/>
-              <a:t>Nominal, Ordinal, Binary</a:t>
-            </a:r>
-            <a:br>
-              <a:rPr lang="ar-EG" sz="3200" dirty="0"/>
-            </a:br>
-            <a:r>
-              <a:rPr lang="ar-EG" sz="3200" dirty="0"/>
-              <a:t>-</a:t>
-            </a:r>
-            <a:r>
-              <a:rPr lang="en-US" sz="2800" dirty="0"/>
-              <a:t>Create preprocessing pipelines for each type:</a:t>
-            </a:r>
-            <a:br>
-              <a:rPr lang="ar-EG" sz="3200" dirty="0"/>
-            </a:br>
-            <a:r>
-              <a:rPr lang="ar-EG" sz="2400" dirty="0"/>
-              <a:t>  </a:t>
-            </a:r>
-            <a:r>
-              <a:rPr lang="en-US" sz="2400" dirty="0"/>
-              <a:t> Numerical: Includes KNN imputation and 3 types of scalers.</a:t>
-            </a:r>
-            <a:br>
-              <a:rPr lang="ar-EG" sz="2400" dirty="0"/>
-            </a:br>
-            <a:r>
-              <a:rPr lang="en-US" sz="2400" dirty="0"/>
-              <a:t> </a:t>
-            </a:r>
-            <a:r>
-              <a:rPr lang="ar-EG" sz="2400" dirty="0"/>
-              <a:t>  </a:t>
-            </a:r>
-            <a:r>
-              <a:rPr lang="en-US" sz="2400" dirty="0"/>
-              <a:t>OneHot, Ordinal, Binary: With imputation and suitable encoders.</a:t>
-            </a:r>
-            <a:br>
-              <a:rPr lang="ar-EG" sz="2400" dirty="0"/>
-            </a:br>
-            <a:br>
-              <a:rPr lang="ar-EG" sz="2400" dirty="0"/>
-            </a:br>
-            <a:r>
-              <a:rPr lang="en-US" sz="3200" dirty="0">
-                <a:solidFill>
-                  <a:srgbClr val="C00000"/>
-                </a:solidFill>
-              </a:rPr>
-              <a:t>Step 4: Column Transformer to Assign columns to be processed</a:t>
-            </a:r>
-            <a:br>
-              <a:rPr lang="ar-EG" sz="2400" dirty="0"/>
-            </a:br>
-            <a:r>
-              <a:rPr lang="en-US" sz="2400" dirty="0"/>
-              <a:t>Use </a:t>
-            </a:r>
-            <a:r>
-              <a:rPr lang="en-US" sz="2400" dirty="0" err="1"/>
-              <a:t>ColumnTransformer</a:t>
-            </a:r>
-            <a:r>
-              <a:rPr lang="en-US" sz="2400" dirty="0"/>
-              <a:t> to apply the correct pipeline per feature type.</a:t>
-            </a:r>
-          </a:p>
-        </p:txBody>
-      </p:sp>
-    </p:spTree>
-    <p:extLst>
-      <p:ext uri="{BB962C8B-B14F-4D97-AF65-F5344CB8AC3E}">
-        <p14:creationId xmlns:p14="http://schemas.microsoft.com/office/powerpoint/2010/main" val="3198409462"/>
-      </p:ext>
-    </p:extLst>
-  </p:cSld>
-  <p:clrMapOvr>
-    <a:masterClrMapping/>
-  </p:clrMapOvr>
-</p:sld>
-</file>
-
-<file path=ppt/slides/slide49.xml><?xml version="1.0" encoding="utf-8"?>
-<p:sld xmlns:a="http://schemas.openxmlformats.org/drawingml/2006/main" xmlns:r="http://schemas.openxmlformats.org/officeDocument/2006/relationships" xmlns:p="http://schemas.openxmlformats.org/presentationml/2006/main">
-  <p:cSld>
-    <p:spTree>
-      <p:nvGrpSpPr>
-        <p:cNvPr id="1" name=""/>
-        <p:cNvGrpSpPr/>
-        <p:nvPr/>
-      </p:nvGrpSpPr>
-      <p:grpSpPr>
-        <a:xfrm>
-          <a:off x="0" y="0"/>
-          <a:ext cx="0" cy="0"/>
-          <a:chOff x="0" y="0"/>
-          <a:chExt cx="0" cy="0"/>
-        </a:xfrm>
-      </p:grpSpPr>
-      <p:sp>
-        <p:nvSpPr>
-          <p:cNvPr id="2" name="Title 1">
-            <a:extLst>
-              <a:ext uri="{FF2B5EF4-FFF2-40B4-BE49-F238E27FC236}">
-                <a16:creationId xmlns:a16="http://schemas.microsoft.com/office/drawing/2014/main" id="{CC57724D-197E-8D3B-6E39-3DD2766AECBD}"/>
-              </a:ext>
-            </a:extLst>
-          </p:cNvPr>
-          <p:cNvSpPr>
-            <a:spLocks noGrp="1"/>
-          </p:cNvSpPr>
-          <p:nvPr>
-            <p:ph type="title"/>
-          </p:nvPr>
-        </p:nvSpPr>
-        <p:spPr>
-          <a:xfrm>
-            <a:off x="521208" y="103415"/>
-            <a:ext cx="11155680" cy="7037614"/>
-          </a:xfrm>
-        </p:spPr>
-        <p:txBody>
-          <a:bodyPr>
-            <a:normAutofit/>
-          </a:bodyPr>
-          <a:lstStyle/>
-          <a:p>
-            <a:r>
-              <a:rPr lang="en-US" sz="3200" dirty="0">
-                <a:solidFill>
-                  <a:srgbClr val="C00000"/>
-                </a:solidFill>
-              </a:rPr>
-              <a:t>Step 5: Model Definition and Training:-</a:t>
-            </a:r>
-            <a:br>
-              <a:rPr lang="en-US" sz="3200" dirty="0"/>
-            </a:br>
-            <a:r>
-              <a:rPr lang="ar-EG" sz="2400" dirty="0"/>
-              <a:t>-</a:t>
-            </a:r>
-            <a:r>
-              <a:rPr lang="en-US" sz="2400" dirty="0"/>
-              <a:t>Define a pipeline</a:t>
-            </a:r>
-            <a:r>
-              <a:rPr lang="ar-EG" sz="2400" dirty="0"/>
-              <a:t>.</a:t>
-            </a:r>
-            <a:br>
-              <a:rPr lang="ar-EG" sz="2400" dirty="0"/>
-            </a:br>
-            <a:r>
-              <a:rPr lang="ar-EG" sz="2400" dirty="0"/>
-              <a:t>-</a:t>
-            </a:r>
-            <a:r>
-              <a:rPr lang="en-US" sz="2400" dirty="0"/>
-              <a:t>preprocessing: to handle all feature transformations.</a:t>
-            </a:r>
-            <a:br>
-              <a:rPr lang="ar-EG" sz="2400" dirty="0"/>
-            </a:br>
-            <a:r>
-              <a:rPr lang="ar-EG" sz="2400" dirty="0"/>
-              <a:t>-</a:t>
-            </a:r>
-            <a:r>
-              <a:rPr lang="en-US" sz="2400" dirty="0"/>
-              <a:t>Classifier: logistic regression with </a:t>
-            </a:r>
-            <a:r>
-              <a:rPr lang="en-US" sz="2400" dirty="0" err="1"/>
-              <a:t>max_iter</a:t>
-            </a:r>
-            <a:r>
-              <a:rPr lang="en-US" sz="2400" dirty="0"/>
-              <a:t>=200 and random_state=42.</a:t>
-            </a:r>
-            <a:br>
-              <a:rPr lang="ar-EG" sz="2400" dirty="0"/>
-            </a:br>
-            <a:r>
-              <a:rPr lang="en-US" sz="2400" dirty="0"/>
-              <a:t>-Split data again (test_size=0.2).</a:t>
-            </a:r>
-            <a:br>
-              <a:rPr lang="ar-EG" sz="2400" dirty="0"/>
-            </a:br>
-            <a:r>
-              <a:rPr lang="en-US" sz="2400" dirty="0"/>
-              <a:t>-Fit the model on training data using .fit(</a:t>
-            </a:r>
-            <a:r>
-              <a:rPr lang="en-US" sz="2400" dirty="0" err="1"/>
-              <a:t>x_train</a:t>
-            </a:r>
-            <a:r>
-              <a:rPr lang="en-US" sz="2400" dirty="0"/>
-              <a:t>, </a:t>
-            </a:r>
-            <a:r>
-              <a:rPr lang="en-US" sz="2400" dirty="0" err="1"/>
-              <a:t>y_train</a:t>
-            </a:r>
-            <a:r>
-              <a:rPr lang="en-US" sz="2400" dirty="0"/>
-              <a:t>).</a:t>
-            </a:r>
-            <a:br>
-              <a:rPr lang="ar-EG" sz="2400" dirty="0"/>
-            </a:br>
-            <a:r>
-              <a:rPr lang="en-US" sz="2400" dirty="0"/>
-              <a:t>-Predict on test set with .predict(</a:t>
-            </a:r>
-            <a:r>
-              <a:rPr lang="en-US" sz="2400" dirty="0" err="1"/>
-              <a:t>x_test</a:t>
-            </a:r>
-            <a:r>
-              <a:rPr lang="en-US" sz="2400" dirty="0"/>
-              <a:t>).</a:t>
-            </a:r>
-            <a:br>
-              <a:rPr lang="en-US" sz="2400" dirty="0"/>
-            </a:br>
-            <a:r>
-              <a:rPr lang="en-US" sz="2400" dirty="0"/>
-              <a:t>-Reset Indexes for Consistency:</a:t>
-            </a:r>
-            <a:br>
-              <a:rPr lang="en-US" sz="2400" dirty="0"/>
-            </a:br>
-            <a:r>
-              <a:rPr lang="en-US" sz="2400" dirty="0"/>
-              <a:t>     </a:t>
-            </a:r>
-            <a:r>
-              <a:rPr lang="en-US" sz="2000" dirty="0"/>
-              <a:t>Ensure all splits have consistent indexing using </a:t>
-            </a:r>
-            <a:r>
-              <a:rPr lang="en-US" sz="2000" dirty="0" err="1"/>
-              <a:t>reset_index</a:t>
-            </a:r>
-            <a:r>
-              <a:rPr lang="en-US" sz="2000" dirty="0"/>
-              <a:t>().</a:t>
-            </a:r>
-            <a:br>
-              <a:rPr lang="ar-EG" sz="2400" dirty="0"/>
-            </a:br>
-            <a:r>
-              <a:rPr lang="en-US" sz="2400" dirty="0"/>
-              <a:t>-Visualize Input Feature:</a:t>
-            </a:r>
-            <a:br>
-              <a:rPr lang="ar-EG" sz="2400" dirty="0"/>
-            </a:br>
-            <a:r>
-              <a:rPr lang="en-US" sz="2000" dirty="0"/>
-              <a:t>      Plot histogram of Order Profit Per Order from training set using </a:t>
-            </a:r>
-            <a:r>
-              <a:rPr lang="en-US" sz="2000" dirty="0" err="1"/>
-              <a:t>px.histogram</a:t>
-            </a:r>
-            <a:r>
-              <a:rPr lang="en-US" sz="2000" dirty="0"/>
-              <a:t>.</a:t>
-            </a:r>
-            <a:br>
-              <a:rPr lang="en-US" sz="2000" dirty="0"/>
-            </a:br>
-            <a:r>
-              <a:rPr lang="en-US" sz="2000" dirty="0"/>
-              <a:t>-</a:t>
-            </a:r>
-            <a:r>
-              <a:rPr lang="en-US" sz="2400" dirty="0"/>
-              <a:t>Handle Class Imbalance (SMOTE):</a:t>
-            </a:r>
-            <a:br>
-              <a:rPr lang="en-US" sz="2000" dirty="0"/>
-            </a:br>
-            <a:r>
-              <a:rPr lang="en-US" sz="2000" dirty="0"/>
-              <a:t>     Build a pipeline combining:</a:t>
-            </a:r>
-            <a:br>
-              <a:rPr lang="en-US" sz="2000" dirty="0"/>
-            </a:br>
-            <a:r>
-              <a:rPr lang="en-US" sz="2000" dirty="0"/>
-              <a:t>     Preprocessing → SMOTE oversampling → Logistic Regression.</a:t>
-            </a:r>
-            <a:br>
-              <a:rPr lang="en-US" sz="2000" dirty="0"/>
-            </a:br>
-            <a:r>
-              <a:rPr lang="en-US" sz="2000" dirty="0"/>
-              <a:t>     Train the pipeline using .fit().</a:t>
-            </a:r>
-          </a:p>
-        </p:txBody>
-      </p:sp>
-    </p:spTree>
-    <p:extLst>
-      <p:ext uri="{BB962C8B-B14F-4D97-AF65-F5344CB8AC3E}">
-        <p14:creationId xmlns:p14="http://schemas.microsoft.com/office/powerpoint/2010/main" val="1982978380"/>
       </p:ext>
     </p:extLst>
   </p:cSld>
@@ -31357,6 +33319,556 @@
 </file>
 
 <file path=ppt/slides/slide50.xml><?xml version="1.0" encoding="utf-8"?>
+<p:sld xmlns:a="http://schemas.openxmlformats.org/drawingml/2006/main" xmlns:r="http://schemas.openxmlformats.org/officeDocument/2006/relationships" xmlns:p="http://schemas.openxmlformats.org/presentationml/2006/main">
+  <p:cSld>
+    <p:spTree>
+      <p:nvGrpSpPr>
+        <p:cNvPr id="1" name=""/>
+        <p:cNvGrpSpPr/>
+        <p:nvPr/>
+      </p:nvGrpSpPr>
+      <p:grpSpPr>
+        <a:xfrm>
+          <a:off x="0" y="0"/>
+          <a:ext cx="0" cy="0"/>
+          <a:chOff x="0" y="0"/>
+          <a:chExt cx="0" cy="0"/>
+        </a:xfrm>
+      </p:grpSpPr>
+      <p:sp>
+        <p:nvSpPr>
+          <p:cNvPr id="2" name="Title 1">
+            <a:extLst>
+              <a:ext uri="{FF2B5EF4-FFF2-40B4-BE49-F238E27FC236}">
+                <a16:creationId xmlns:a16="http://schemas.microsoft.com/office/drawing/2014/main" id="{2424B52E-AA1E-A3A2-EE31-3C5A07B14FF6}"/>
+              </a:ext>
+            </a:extLst>
+          </p:cNvPr>
+          <p:cNvSpPr>
+            <a:spLocks noGrp="1"/>
+          </p:cNvSpPr>
+          <p:nvPr>
+            <p:ph type="title"/>
+          </p:nvPr>
+        </p:nvSpPr>
+        <p:spPr>
+          <a:xfrm>
+            <a:off x="521208" y="978407"/>
+            <a:ext cx="11155680" cy="5667321"/>
+          </a:xfrm>
+        </p:spPr>
+        <p:txBody>
+          <a:bodyPr>
+            <a:normAutofit/>
+          </a:bodyPr>
+          <a:lstStyle/>
+          <a:p>
+            <a:r>
+              <a:rPr lang="en-US" sz="3200" dirty="0">
+                <a:solidFill>
+                  <a:srgbClr val="C00000"/>
+                </a:solidFill>
+              </a:rPr>
+              <a:t>Data Preprocessing:-</a:t>
+            </a:r>
+            <a:br>
+              <a:rPr lang="ar-EG" sz="3200" dirty="0">
+                <a:solidFill>
+                  <a:schemeClr val="accent6">
+                    <a:lumMod val="75000"/>
+                  </a:schemeClr>
+                </a:solidFill>
+              </a:rPr>
+            </a:br>
+            <a:br>
+              <a:rPr lang="en-US" sz="3200" dirty="0"/>
+            </a:br>
+            <a:r>
+              <a:rPr lang="en-US" sz="3200" dirty="0">
+                <a:solidFill>
+                  <a:srgbClr val="C00000"/>
+                </a:solidFill>
+              </a:rPr>
+              <a:t>Step 1: Split Input Features and Target:-</a:t>
+            </a:r>
+            <a:br>
+              <a:rPr lang="en-US" sz="3200" dirty="0"/>
+            </a:br>
+            <a:r>
+              <a:rPr lang="en-US" sz="2400" dirty="0"/>
+              <a:t> -Extract input X by dropping the Late_delivery_risk column.</a:t>
+            </a:r>
+            <a:br>
+              <a:rPr lang="en-US" sz="2400" dirty="0"/>
+            </a:br>
+            <a:r>
+              <a:rPr lang="en-US" sz="2400" dirty="0"/>
+              <a:t> -Set target variable y = df['Late_delivery_risk’]. </a:t>
+            </a:r>
+            <a:br>
+              <a:rPr lang="en-US" sz="2800" dirty="0"/>
+            </a:br>
+            <a:br>
+              <a:rPr lang="en-US" sz="3200" dirty="0"/>
+            </a:br>
+            <a:r>
+              <a:rPr lang="en-US" sz="3200" dirty="0">
+                <a:solidFill>
+                  <a:srgbClr val="C00000"/>
+                </a:solidFill>
+              </a:rPr>
+              <a:t>Step 2: Train/Test Split</a:t>
+            </a:r>
+            <a:br>
+              <a:rPr lang="en-US" sz="3200" dirty="0"/>
+            </a:br>
+            <a:r>
+              <a:rPr lang="en-US" sz="2400" dirty="0"/>
+              <a:t> -Use train_test_split() with test_size=0.3 and </a:t>
+            </a:r>
+            <a:r>
+              <a:rPr lang="en-US" sz="2400" dirty="0" err="1"/>
+              <a:t>random_state</a:t>
+            </a:r>
+            <a:r>
+              <a:rPr lang="en-US" sz="2400" dirty="0"/>
+              <a:t>=40 to split data.</a:t>
+            </a:r>
+            <a:br>
+              <a:rPr lang="ar-EG" sz="2400" dirty="0"/>
+            </a:br>
+            <a:br>
+              <a:rPr lang="ar-EG" sz="2400" dirty="0"/>
+            </a:br>
+            <a:endParaRPr lang="en-US" sz="2400" dirty="0"/>
+          </a:p>
+        </p:txBody>
+      </p:sp>
+    </p:spTree>
+    <p:extLst>
+      <p:ext uri="{BB962C8B-B14F-4D97-AF65-F5344CB8AC3E}">
+        <p14:creationId xmlns:p14="http://schemas.microsoft.com/office/powerpoint/2010/main" val="3512801291"/>
+      </p:ext>
+    </p:extLst>
+  </p:cSld>
+  <p:clrMapOvr>
+    <a:masterClrMapping/>
+  </p:clrMapOvr>
+</p:sld>
+</file>
+
+<file path=ppt/slides/slide51.xml><?xml version="1.0" encoding="utf-8"?>
+<p:sld xmlns:a="http://schemas.openxmlformats.org/drawingml/2006/main" xmlns:r="http://schemas.openxmlformats.org/officeDocument/2006/relationships" xmlns:p="http://schemas.openxmlformats.org/presentationml/2006/main">
+  <p:cSld>
+    <p:spTree>
+      <p:nvGrpSpPr>
+        <p:cNvPr id="1" name=""/>
+        <p:cNvGrpSpPr/>
+        <p:nvPr/>
+      </p:nvGrpSpPr>
+      <p:grpSpPr>
+        <a:xfrm>
+          <a:off x="0" y="0"/>
+          <a:ext cx="0" cy="0"/>
+          <a:chOff x="0" y="0"/>
+          <a:chExt cx="0" cy="0"/>
+        </a:xfrm>
+      </p:grpSpPr>
+      <p:sp>
+        <p:nvSpPr>
+          <p:cNvPr id="2" name="Title 1">
+            <a:extLst>
+              <a:ext uri="{FF2B5EF4-FFF2-40B4-BE49-F238E27FC236}">
+                <a16:creationId xmlns:a16="http://schemas.microsoft.com/office/drawing/2014/main" id="{3E4EF33E-5FE8-5A23-A7CD-3C766729D3FE}"/>
+              </a:ext>
+            </a:extLst>
+          </p:cNvPr>
+          <p:cNvSpPr>
+            <a:spLocks noGrp="1"/>
+          </p:cNvSpPr>
+          <p:nvPr>
+            <p:ph type="title"/>
+          </p:nvPr>
+        </p:nvSpPr>
+        <p:spPr>
+          <a:xfrm>
+            <a:off x="521208" y="978407"/>
+            <a:ext cx="11155680" cy="5531249"/>
+          </a:xfrm>
+        </p:spPr>
+        <p:txBody>
+          <a:bodyPr>
+            <a:normAutofit/>
+          </a:bodyPr>
+          <a:lstStyle/>
+          <a:p>
+            <a:r>
+              <a:rPr lang="en-US" sz="3200" dirty="0">
+                <a:solidFill>
+                  <a:srgbClr val="C00000"/>
+                </a:solidFill>
+              </a:rPr>
+              <a:t>Step 3: Create Numerical &amp; Categorical Pipelines.</a:t>
+            </a:r>
+            <a:br>
+              <a:rPr lang="ar-EG" sz="3200" dirty="0"/>
+            </a:br>
+            <a:r>
+              <a:rPr lang="ar-EG" sz="3200" dirty="0"/>
+              <a:t>-</a:t>
+            </a:r>
+            <a:r>
+              <a:rPr lang="en-US" sz="2800" dirty="0"/>
+              <a:t>Identify column types:</a:t>
+            </a:r>
+            <a:br>
+              <a:rPr lang="ar-EG" sz="3200" dirty="0"/>
+            </a:br>
+            <a:r>
+              <a:rPr lang="ar-EG" sz="3200" dirty="0"/>
+              <a:t>  </a:t>
+            </a:r>
+            <a:r>
+              <a:rPr lang="en-US" sz="2400" dirty="0"/>
+              <a:t>Numerical (e.g. Order Profit Per Order)</a:t>
+            </a:r>
+            <a:br>
+              <a:rPr lang="ar-EG" sz="2400" dirty="0"/>
+            </a:br>
+            <a:r>
+              <a:rPr lang="en-US" sz="2400" dirty="0"/>
+              <a:t> </a:t>
+            </a:r>
+            <a:r>
+              <a:rPr lang="ar-EG" sz="2400" dirty="0"/>
+              <a:t>  </a:t>
+            </a:r>
+            <a:r>
+              <a:rPr lang="en-US" sz="2400" dirty="0"/>
+              <a:t>Nominal, Ordinal, Binary</a:t>
+            </a:r>
+            <a:br>
+              <a:rPr lang="ar-EG" sz="3200" dirty="0"/>
+            </a:br>
+            <a:r>
+              <a:rPr lang="ar-EG" sz="3200" dirty="0"/>
+              <a:t>-</a:t>
+            </a:r>
+            <a:r>
+              <a:rPr lang="en-US" sz="2800" dirty="0"/>
+              <a:t>Create preprocessing pipelines for each type:</a:t>
+            </a:r>
+            <a:br>
+              <a:rPr lang="ar-EG" sz="3200" dirty="0"/>
+            </a:br>
+            <a:r>
+              <a:rPr lang="ar-EG" sz="2400" dirty="0"/>
+              <a:t>  </a:t>
+            </a:r>
+            <a:r>
+              <a:rPr lang="en-US" sz="2400" dirty="0"/>
+              <a:t> Numerical: Includes KNN imputation and 3 types of scalers.</a:t>
+            </a:r>
+            <a:br>
+              <a:rPr lang="ar-EG" sz="2400" dirty="0"/>
+            </a:br>
+            <a:r>
+              <a:rPr lang="en-US" sz="2400" dirty="0"/>
+              <a:t> </a:t>
+            </a:r>
+            <a:r>
+              <a:rPr lang="ar-EG" sz="2400" dirty="0"/>
+              <a:t>  </a:t>
+            </a:r>
+            <a:r>
+              <a:rPr lang="en-US" sz="2400" dirty="0"/>
+              <a:t>OneHot, Ordinal, Binary: With imputation and suitable encoders.</a:t>
+            </a:r>
+            <a:br>
+              <a:rPr lang="ar-EG" sz="2400" dirty="0"/>
+            </a:br>
+            <a:br>
+              <a:rPr lang="ar-EG" sz="2400" dirty="0"/>
+            </a:br>
+            <a:r>
+              <a:rPr lang="en-US" sz="3200" dirty="0">
+                <a:solidFill>
+                  <a:srgbClr val="C00000"/>
+                </a:solidFill>
+              </a:rPr>
+              <a:t>Step 4: Column Transformer to Assign columns to be processed</a:t>
+            </a:r>
+            <a:br>
+              <a:rPr lang="ar-EG" sz="2400" dirty="0"/>
+            </a:br>
+            <a:r>
+              <a:rPr lang="en-US" sz="2400" dirty="0"/>
+              <a:t>Use </a:t>
+            </a:r>
+            <a:r>
+              <a:rPr lang="en-US" sz="2400" dirty="0" err="1"/>
+              <a:t>ColumnTransformer</a:t>
+            </a:r>
+            <a:r>
+              <a:rPr lang="en-US" sz="2400" dirty="0"/>
+              <a:t> to apply the correct pipeline per feature type.</a:t>
+            </a:r>
+          </a:p>
+        </p:txBody>
+      </p:sp>
+    </p:spTree>
+    <p:extLst>
+      <p:ext uri="{BB962C8B-B14F-4D97-AF65-F5344CB8AC3E}">
+        <p14:creationId xmlns:p14="http://schemas.microsoft.com/office/powerpoint/2010/main" val="3198409462"/>
+      </p:ext>
+    </p:extLst>
+  </p:cSld>
+  <p:clrMapOvr>
+    <a:masterClrMapping/>
+  </p:clrMapOvr>
+</p:sld>
+</file>
+
+<file path=ppt/slides/slide52.xml><?xml version="1.0" encoding="utf-8"?>
+<p:sld xmlns:a="http://schemas.openxmlformats.org/drawingml/2006/main" xmlns:r="http://schemas.openxmlformats.org/officeDocument/2006/relationships" xmlns:p="http://schemas.openxmlformats.org/presentationml/2006/main">
+  <p:cSld>
+    <p:spTree>
+      <p:nvGrpSpPr>
+        <p:cNvPr id="1" name=""/>
+        <p:cNvGrpSpPr/>
+        <p:nvPr/>
+      </p:nvGrpSpPr>
+      <p:grpSpPr>
+        <a:xfrm>
+          <a:off x="0" y="0"/>
+          <a:ext cx="0" cy="0"/>
+          <a:chOff x="0" y="0"/>
+          <a:chExt cx="0" cy="0"/>
+        </a:xfrm>
+      </p:grpSpPr>
+      <p:sp>
+        <p:nvSpPr>
+          <p:cNvPr id="2" name="Title 1">
+            <a:extLst>
+              <a:ext uri="{FF2B5EF4-FFF2-40B4-BE49-F238E27FC236}">
+                <a16:creationId xmlns:a16="http://schemas.microsoft.com/office/drawing/2014/main" id="{CC57724D-197E-8D3B-6E39-3DD2766AECBD}"/>
+              </a:ext>
+            </a:extLst>
+          </p:cNvPr>
+          <p:cNvSpPr>
+            <a:spLocks noGrp="1"/>
+          </p:cNvSpPr>
+          <p:nvPr>
+            <p:ph type="title"/>
+          </p:nvPr>
+        </p:nvSpPr>
+        <p:spPr>
+          <a:xfrm>
+            <a:off x="521208" y="103415"/>
+            <a:ext cx="11155680" cy="7037614"/>
+          </a:xfrm>
+        </p:spPr>
+        <p:txBody>
+          <a:bodyPr>
+            <a:normAutofit/>
+          </a:bodyPr>
+          <a:lstStyle/>
+          <a:p>
+            <a:r>
+              <a:rPr lang="en-US" sz="3200" dirty="0">
+                <a:solidFill>
+                  <a:srgbClr val="C00000"/>
+                </a:solidFill>
+              </a:rPr>
+              <a:t>Step 5: Model Definition and Training:-</a:t>
+            </a:r>
+            <a:br>
+              <a:rPr lang="en-US" sz="3200" dirty="0"/>
+            </a:br>
+            <a:r>
+              <a:rPr lang="ar-EG" sz="2400" dirty="0"/>
+              <a:t>-</a:t>
+            </a:r>
+            <a:r>
+              <a:rPr lang="en-US" sz="2400" dirty="0"/>
+              <a:t>Define a pipeline</a:t>
+            </a:r>
+            <a:r>
+              <a:rPr lang="ar-EG" sz="2400" dirty="0"/>
+              <a:t>.</a:t>
+            </a:r>
+            <a:br>
+              <a:rPr lang="ar-EG" sz="2400" dirty="0"/>
+            </a:br>
+            <a:r>
+              <a:rPr lang="ar-EG" sz="2400" dirty="0"/>
+              <a:t>-</a:t>
+            </a:r>
+            <a:r>
+              <a:rPr lang="en-US" sz="2400" dirty="0"/>
+              <a:t>preprocessing: to handle all feature transformations.</a:t>
+            </a:r>
+            <a:br>
+              <a:rPr lang="ar-EG" sz="2400" dirty="0"/>
+            </a:br>
+            <a:r>
+              <a:rPr lang="ar-EG" sz="2400" dirty="0"/>
+              <a:t>-</a:t>
+            </a:r>
+            <a:r>
+              <a:rPr lang="en-US" sz="2400" dirty="0"/>
+              <a:t>Classifier: logistic regression with </a:t>
+            </a:r>
+            <a:r>
+              <a:rPr lang="en-US" sz="2400" dirty="0" err="1"/>
+              <a:t>max_iter</a:t>
+            </a:r>
+            <a:r>
+              <a:rPr lang="en-US" sz="2400" dirty="0"/>
+              <a:t>=200 and random_state=42.</a:t>
+            </a:r>
+            <a:br>
+              <a:rPr lang="ar-EG" sz="2400" dirty="0"/>
+            </a:br>
+            <a:r>
+              <a:rPr lang="en-US" sz="2400" dirty="0"/>
+              <a:t>-Split data again (test_size=0.2).</a:t>
+            </a:r>
+            <a:br>
+              <a:rPr lang="ar-EG" sz="2400" dirty="0"/>
+            </a:br>
+            <a:r>
+              <a:rPr lang="en-US" sz="2400" dirty="0"/>
+              <a:t>-Fit the model on training data using .fit(</a:t>
+            </a:r>
+            <a:r>
+              <a:rPr lang="en-US" sz="2400" dirty="0" err="1"/>
+              <a:t>x_train</a:t>
+            </a:r>
+            <a:r>
+              <a:rPr lang="en-US" sz="2400" dirty="0"/>
+              <a:t>, </a:t>
+            </a:r>
+            <a:r>
+              <a:rPr lang="en-US" sz="2400" dirty="0" err="1"/>
+              <a:t>y_train</a:t>
+            </a:r>
+            <a:r>
+              <a:rPr lang="en-US" sz="2400" dirty="0"/>
+              <a:t>).</a:t>
+            </a:r>
+            <a:br>
+              <a:rPr lang="ar-EG" sz="2400" dirty="0"/>
+            </a:br>
+            <a:r>
+              <a:rPr lang="en-US" sz="2400" dirty="0"/>
+              <a:t>-Predict on test set with .predict(</a:t>
+            </a:r>
+            <a:r>
+              <a:rPr lang="en-US" sz="2400" dirty="0" err="1"/>
+              <a:t>x_test</a:t>
+            </a:r>
+            <a:r>
+              <a:rPr lang="en-US" sz="2400" dirty="0"/>
+              <a:t>).</a:t>
+            </a:r>
+            <a:br>
+              <a:rPr lang="en-US" sz="2400" dirty="0"/>
+            </a:br>
+            <a:r>
+              <a:rPr lang="en-US" sz="2400" dirty="0"/>
+              <a:t>-Reset Indexes for Consistency:</a:t>
+            </a:r>
+            <a:br>
+              <a:rPr lang="en-US" sz="2400" dirty="0"/>
+            </a:br>
+            <a:r>
+              <a:rPr lang="en-US" sz="2400" dirty="0"/>
+              <a:t>     </a:t>
+            </a:r>
+            <a:r>
+              <a:rPr lang="en-US" sz="2000" dirty="0"/>
+              <a:t>Ensure all splits have consistent indexing using </a:t>
+            </a:r>
+            <a:r>
+              <a:rPr lang="en-US" sz="2000" dirty="0" err="1"/>
+              <a:t>reset_index</a:t>
+            </a:r>
+            <a:r>
+              <a:rPr lang="en-US" sz="2000" dirty="0"/>
+              <a:t>().</a:t>
+            </a:r>
+            <a:br>
+              <a:rPr lang="ar-EG" sz="2400" dirty="0"/>
+            </a:br>
+            <a:r>
+              <a:rPr lang="en-US" sz="2400" dirty="0"/>
+              <a:t>-Visualize Input Feature:</a:t>
+            </a:r>
+            <a:br>
+              <a:rPr lang="ar-EG" sz="2400" dirty="0"/>
+            </a:br>
+            <a:r>
+              <a:rPr lang="en-US" sz="2000" dirty="0"/>
+              <a:t>      Plot histogram of Order Profit Per Order from training set using </a:t>
+            </a:r>
+            <a:r>
+              <a:rPr lang="en-US" sz="2000" dirty="0" err="1"/>
+              <a:t>px.histogram</a:t>
+            </a:r>
+            <a:r>
+              <a:rPr lang="en-US" sz="2000" dirty="0"/>
+              <a:t>.</a:t>
+            </a:r>
+            <a:br>
+              <a:rPr lang="en-US" sz="2000" dirty="0"/>
+            </a:br>
+            <a:r>
+              <a:rPr lang="en-US" sz="2000" dirty="0"/>
+              <a:t>-</a:t>
+            </a:r>
+            <a:r>
+              <a:rPr lang="en-US" sz="2400" dirty="0"/>
+              <a:t>Handle Class Imbalance (SMOTE):</a:t>
+            </a:r>
+            <a:br>
+              <a:rPr lang="en-US" sz="2000" dirty="0"/>
+            </a:br>
+            <a:r>
+              <a:rPr lang="en-US" sz="2000" dirty="0"/>
+              <a:t>     Build a pipeline combining:</a:t>
+            </a:r>
+            <a:br>
+              <a:rPr lang="en-US" sz="2000" dirty="0"/>
+            </a:br>
+            <a:r>
+              <a:rPr lang="en-US" sz="2000" dirty="0"/>
+              <a:t>     Preprocessing → SMOTE oversampling → Logistic Regression.</a:t>
+            </a:r>
+            <a:br>
+              <a:rPr lang="en-US" sz="2000" dirty="0"/>
+            </a:br>
+            <a:r>
+              <a:rPr lang="en-US" sz="2000" dirty="0"/>
+              <a:t>     Train the pipeline using .fit().</a:t>
+            </a:r>
+          </a:p>
+        </p:txBody>
+      </p:sp>
+    </p:spTree>
+    <p:extLst>
+      <p:ext uri="{BB962C8B-B14F-4D97-AF65-F5344CB8AC3E}">
+        <p14:creationId xmlns:p14="http://schemas.microsoft.com/office/powerpoint/2010/main" val="1982978380"/>
+      </p:ext>
+    </p:extLst>
+  </p:cSld>
+  <p:clrMapOvr>
+    <a:masterClrMapping/>
+  </p:clrMapOvr>
+</p:sld>
+</file>
+
+<file path=ppt/slides/slide53.xml><?xml version="1.0" encoding="utf-8"?>
 <p:sld xmlns:a="http://schemas.openxmlformats.org/drawingml/2006/main" xmlns:r="http://schemas.openxmlformats.org/officeDocument/2006/relationships" xmlns:p="http://schemas.openxmlformats.org/presentationml/2006/main">
   <p:cSld>
     <p:spTree>

--- a/New Microsoft PowerPoint Presentation.pptx
+++ b/New Microsoft PowerPoint Presentation.pptx
@@ -5,7 +5,7 @@
     <p:sldMasterId id="2147483749" r:id="rId1"/>
   </p:sldMasterIdLst>
   <p:notesMasterIdLst>
-    <p:notesMasterId r:id="rId55"/>
+    <p:notesMasterId r:id="rId56"/>
   </p:notesMasterIdLst>
   <p:sldIdLst>
     <p:sldId id="256" r:id="rId2"/>
@@ -41,26 +41,27 @@
     <p:sldId id="279" r:id="rId32"/>
     <p:sldId id="308" r:id="rId33"/>
     <p:sldId id="280" r:id="rId34"/>
-    <p:sldId id="295" r:id="rId35"/>
-    <p:sldId id="296" r:id="rId36"/>
-    <p:sldId id="281" r:id="rId37"/>
-    <p:sldId id="297" r:id="rId38"/>
-    <p:sldId id="282" r:id="rId39"/>
-    <p:sldId id="298" r:id="rId40"/>
-    <p:sldId id="283" r:id="rId41"/>
-    <p:sldId id="299" r:id="rId42"/>
-    <p:sldId id="284" r:id="rId43"/>
-    <p:sldId id="301" r:id="rId44"/>
-    <p:sldId id="300" r:id="rId45"/>
-    <p:sldId id="302" r:id="rId46"/>
-    <p:sldId id="303" r:id="rId47"/>
-    <p:sldId id="304" r:id="rId48"/>
-    <p:sldId id="305" r:id="rId49"/>
-    <p:sldId id="285" r:id="rId50"/>
-    <p:sldId id="286" r:id="rId51"/>
-    <p:sldId id="287" r:id="rId52"/>
-    <p:sldId id="288" r:id="rId53"/>
-    <p:sldId id="289" r:id="rId54"/>
+    <p:sldId id="309" r:id="rId35"/>
+    <p:sldId id="295" r:id="rId36"/>
+    <p:sldId id="296" r:id="rId37"/>
+    <p:sldId id="281" r:id="rId38"/>
+    <p:sldId id="297" r:id="rId39"/>
+    <p:sldId id="282" r:id="rId40"/>
+    <p:sldId id="298" r:id="rId41"/>
+    <p:sldId id="283" r:id="rId42"/>
+    <p:sldId id="299" r:id="rId43"/>
+    <p:sldId id="284" r:id="rId44"/>
+    <p:sldId id="301" r:id="rId45"/>
+    <p:sldId id="300" r:id="rId46"/>
+    <p:sldId id="302" r:id="rId47"/>
+    <p:sldId id="303" r:id="rId48"/>
+    <p:sldId id="304" r:id="rId49"/>
+    <p:sldId id="305" r:id="rId50"/>
+    <p:sldId id="285" r:id="rId51"/>
+    <p:sldId id="286" r:id="rId52"/>
+    <p:sldId id="287" r:id="rId53"/>
+    <p:sldId id="288" r:id="rId54"/>
+    <p:sldId id="289" r:id="rId55"/>
   </p:sldIdLst>
   <p:sldSz cx="12192000" cy="6858000"/>
   <p:notesSz cx="6858000" cy="9144000"/>
@@ -201,6 +202,7 @@
             <p14:sldId id="279"/>
             <p14:sldId id="308"/>
             <p14:sldId id="280"/>
+            <p14:sldId id="309"/>
             <p14:sldId id="295"/>
             <p14:sldId id="296"/>
             <p14:sldId id="281"/>
@@ -13796,14 +13798,21 @@
             </a:br>
             <a:r>
               <a:rPr lang="en-US" sz="2800" dirty="0"/>
-              <a:t>Calculated: Overall column means</a:t>
+              <a:t>Calculated: Overall column means.</a:t>
             </a:r>
             <a:br>
               <a:rPr lang="ar-EG" sz="2800" dirty="0"/>
             </a:br>
             <a:r>
               <a:rPr lang="en-US" sz="2800" dirty="0"/>
-              <a:t>Calculated: Overall column medians</a:t>
+              <a:t>Calculated: Overall column medians.</a:t>
+            </a:r>
+            <a:br>
+              <a:rPr lang="en-US" dirty="0"/>
+            </a:br>
+            <a:r>
+              <a:rPr lang="en-US" sz="2800" dirty="0"/>
+              <a:t>Calculated: standard deviation of each numerical column.</a:t>
             </a:r>
             <a:br>
               <a:rPr lang="en-US" dirty="0"/>
@@ -25161,10 +25170,10 @@
       </p:grpSpPr>
       <p:grpSp>
         <p:nvGrpSpPr>
-          <p:cNvPr id="11" name="Group 10">
+          <p:cNvPr id="9" name="Group 8">
             <a:extLst>
               <a:ext uri="{FF2B5EF4-FFF2-40B4-BE49-F238E27FC236}">
-                <a16:creationId xmlns:a16="http://schemas.microsoft.com/office/drawing/2014/main" id="{15FF890B-3CE7-403A-AECE-2DE04FC7AF80}"/>
+                <a16:creationId xmlns:a16="http://schemas.microsoft.com/office/drawing/2014/main" id="{C616B3DC-C165-433D-9187-62DCC0E317D3}"/>
               </a:ext>
               <a:ext uri="{C183D7F6-B498-43B3-948B-1728B52AA6E4}">
                 <adec:decorative xmlns:adec="http://schemas.microsoft.com/office/drawing/2017/decorative" val="1"/>
@@ -25184,18 +25193,18 @@
         </p:nvGrpSpPr>
         <p:grpSpPr>
           <a:xfrm>
-            <a:off x="150812" y="0"/>
-            <a:ext cx="2436813" cy="6858001"/>
-            <a:chOff x="1320800" y="0"/>
-            <a:chExt cx="2436813" cy="6858001"/>
+            <a:off x="546100" y="-4763"/>
+            <a:ext cx="5014912" cy="6862763"/>
+            <a:chOff x="2928938" y="-4763"/>
+            <a:chExt cx="5014912" cy="6862763"/>
           </a:xfrm>
         </p:grpSpPr>
         <p:sp>
           <p:nvSpPr>
-            <p:cNvPr id="12" name="Freeform 6">
+            <p:cNvPr id="10" name="Freeform 6">
               <a:extLst>
                 <a:ext uri="{FF2B5EF4-FFF2-40B4-BE49-F238E27FC236}">
-                  <a16:creationId xmlns:a16="http://schemas.microsoft.com/office/drawing/2014/main" id="{99A4E160-6CFD-4514-9E20-CA6692CCDB9C}"/>
+                  <a16:creationId xmlns:a16="http://schemas.microsoft.com/office/drawing/2014/main" id="{97E1BF84-9824-4B0E-98DF-F0F7181DD062}"/>
                 </a:ext>
                 <a:ext uri="{C183D7F6-B498-43B3-948B-1728B52AA6E4}">
                   <adec:decorative xmlns:adec="http://schemas.microsoft.com/office/drawing/2017/decorative" val="1"/>
@@ -25213,8 +25222,8 @@
           </p:nvSpPr>
           <p:spPr bwMode="auto">
             <a:xfrm>
-              <a:off x="1627188" y="0"/>
-              <a:ext cx="1122363" cy="5329238"/>
+              <a:off x="3367088" y="-4763"/>
+              <a:ext cx="1063625" cy="2782888"/>
             </a:xfrm>
             <a:custGeom>
               <a:avLst/>
@@ -25223,21 +25232,21 @@
               <a:cxnLst/>
               <a:rect l="0" t="0" r="r" b="b"/>
               <a:pathLst>
-                <a:path w="707" h="3357">
+                <a:path w="670" h="1753">
                   <a:moveTo>
-                    <a:pt x="0" y="3330"/>
+                    <a:pt x="0" y="1696"/>
                   </a:moveTo>
                   <a:lnTo>
-                    <a:pt x="156" y="3357"/>
-                  </a:lnTo>
-                  <a:lnTo>
-                    <a:pt x="707" y="0"/>
-                  </a:lnTo>
-                  <a:lnTo>
-                    <a:pt x="547" y="0"/>
-                  </a:lnTo>
-                  <a:lnTo>
-                    <a:pt x="0" y="3330"/>
+                    <a:pt x="225" y="1753"/>
+                  </a:lnTo>
+                  <a:lnTo>
+                    <a:pt x="670" y="0"/>
+                  </a:lnTo>
+                  <a:lnTo>
+                    <a:pt x="430" y="0"/>
+                  </a:lnTo>
+                  <a:lnTo>
+                    <a:pt x="0" y="1696"/>
                   </a:lnTo>
                   <a:close/>
                 </a:path>
@@ -25260,10 +25269,10 @@
         </p:sp>
         <p:sp>
           <p:nvSpPr>
-            <p:cNvPr id="13" name="Freeform 7">
+            <p:cNvPr id="11" name="Freeform 7">
               <a:extLst>
                 <a:ext uri="{FF2B5EF4-FFF2-40B4-BE49-F238E27FC236}">
-                  <a16:creationId xmlns:a16="http://schemas.microsoft.com/office/drawing/2014/main" id="{3DCD16F5-8D15-45FD-BA62-ADAC08183A27}"/>
+                  <a16:creationId xmlns:a16="http://schemas.microsoft.com/office/drawing/2014/main" id="{A85FA340-7392-4303-9707-A12F45A46F96}"/>
                 </a:ext>
                 <a:ext uri="{C183D7F6-B498-43B3-948B-1728B52AA6E4}">
                   <adec:decorative xmlns:adec="http://schemas.microsoft.com/office/drawing/2017/decorative" val="1"/>
@@ -25281,8 +25290,8 @@
           </p:nvSpPr>
           <p:spPr bwMode="auto">
             <a:xfrm>
-              <a:off x="1320800" y="0"/>
-              <a:ext cx="1117600" cy="5276850"/>
+              <a:off x="2928938" y="-4763"/>
+              <a:ext cx="1035050" cy="2673350"/>
             </a:xfrm>
             <a:custGeom>
               <a:avLst/>
@@ -25291,21 +25300,24 @@
               <a:cxnLst/>
               <a:rect l="0" t="0" r="r" b="b"/>
               <a:pathLst>
-                <a:path w="704" h="3324">
+                <a:path w="652" h="1684">
                   <a:moveTo>
-                    <a:pt x="704" y="0"/>
+                    <a:pt x="225" y="1684"/>
                   </a:moveTo>
                   <a:lnTo>
-                    <a:pt x="545" y="0"/>
-                  </a:lnTo>
-                  <a:lnTo>
-                    <a:pt x="0" y="3300"/>
-                  </a:lnTo>
-                  <a:lnTo>
-                    <a:pt x="157" y="3324"/>
-                  </a:lnTo>
-                  <a:lnTo>
-                    <a:pt x="704" y="0"/>
+                    <a:pt x="652" y="0"/>
+                  </a:lnTo>
+                  <a:lnTo>
+                    <a:pt x="411" y="0"/>
+                  </a:lnTo>
+                  <a:lnTo>
+                    <a:pt x="0" y="1627"/>
+                  </a:lnTo>
+                  <a:lnTo>
+                    <a:pt x="219" y="1681"/>
+                  </a:lnTo>
+                  <a:lnTo>
+                    <a:pt x="225" y="1684"/>
                   </a:lnTo>
                   <a:close/>
                 </a:path>
@@ -25331,10 +25343,10 @@
         </p:sp>
         <p:sp>
           <p:nvSpPr>
-            <p:cNvPr id="14" name="Freeform 8">
+            <p:cNvPr id="12" name="Freeform 9">
               <a:extLst>
                 <a:ext uri="{FF2B5EF4-FFF2-40B4-BE49-F238E27FC236}">
-                  <a16:creationId xmlns:a16="http://schemas.microsoft.com/office/drawing/2014/main" id="{E7CFAF28-6FDA-4C2C-BE51-123D1115F75C}"/>
+                  <a16:creationId xmlns:a16="http://schemas.microsoft.com/office/drawing/2014/main" id="{758A9051-2BD9-4868-8B84-344752FA2F60}"/>
                 </a:ext>
                 <a:ext uri="{C183D7F6-B498-43B3-948B-1728B52AA6E4}">
                   <adec:decorative xmlns:adec="http://schemas.microsoft.com/office/drawing/2017/decorative" val="1"/>
@@ -25352,8 +25364,8 @@
           </p:nvSpPr>
           <p:spPr bwMode="auto">
             <a:xfrm>
-              <a:off x="1320800" y="5238750"/>
-              <a:ext cx="1228725" cy="1619250"/>
+              <a:off x="2928938" y="2582862"/>
+              <a:ext cx="2693987" cy="4275138"/>
             </a:xfrm>
             <a:custGeom>
               <a:avLst/>
@@ -25362,15 +25374,15 @@
               <a:cxnLst/>
               <a:rect l="0" t="0" r="r" b="b"/>
               <a:pathLst>
-                <a:path w="774" h="1020">
+                <a:path w="1697" h="2693">
                   <a:moveTo>
                     <a:pt x="0" y="0"/>
                   </a:moveTo>
                   <a:lnTo>
-                    <a:pt x="740" y="1020"/>
-                  </a:lnTo>
-                  <a:lnTo>
-                    <a:pt x="774" y="1020"/>
+                    <a:pt x="1622" y="2693"/>
+                  </a:lnTo>
+                  <a:lnTo>
+                    <a:pt x="1697" y="2693"/>
                   </a:lnTo>
                   <a:lnTo>
                     <a:pt x="0" y="0"/>
@@ -25399,10 +25411,10 @@
         </p:sp>
         <p:sp>
           <p:nvSpPr>
-            <p:cNvPr id="15" name="Freeform 9">
+            <p:cNvPr id="13" name="Freeform 10">
               <a:extLst>
                 <a:ext uri="{FF2B5EF4-FFF2-40B4-BE49-F238E27FC236}">
-                  <a16:creationId xmlns:a16="http://schemas.microsoft.com/office/drawing/2014/main" id="{1FD12703-0627-4991-B2A4-F96519F90863}"/>
+                  <a16:creationId xmlns:a16="http://schemas.microsoft.com/office/drawing/2014/main" id="{58264C49-3539-4CBD-8F11-1106C8B8781F}"/>
                 </a:ext>
                 <a:ext uri="{C183D7F6-B498-43B3-948B-1728B52AA6E4}">
                   <adec:decorative xmlns:adec="http://schemas.microsoft.com/office/drawing/2017/decorative" val="1"/>
@@ -25420,8 +25432,8 @@
           </p:nvSpPr>
           <p:spPr bwMode="auto">
             <a:xfrm>
-              <a:off x="1627188" y="5291138"/>
-              <a:ext cx="1495425" cy="1566863"/>
+              <a:off x="3371850" y="2692400"/>
+              <a:ext cx="3332162" cy="4165600"/>
             </a:xfrm>
             <a:custGeom>
               <a:avLst/>
@@ -25430,18 +25442,18 @@
               <a:cxnLst/>
               <a:rect l="0" t="0" r="r" b="b"/>
               <a:pathLst>
-                <a:path w="942" h="987">
+                <a:path w="2099" h="2624">
                   <a:moveTo>
+                    <a:pt x="2099" y="2624"/>
+                  </a:moveTo>
+                  <a:lnTo>
                     <a:pt x="0" y="0"/>
-                  </a:moveTo>
-                  <a:lnTo>
-                    <a:pt x="909" y="987"/>
-                  </a:lnTo>
-                  <a:lnTo>
-                    <a:pt x="942" y="987"/>
-                  </a:lnTo>
-                  <a:lnTo>
-                    <a:pt x="0" y="0"/>
+                  </a:lnTo>
+                  <a:lnTo>
+                    <a:pt x="2021" y="2624"/>
+                  </a:lnTo>
+                  <a:lnTo>
+                    <a:pt x="2099" y="2624"/>
                   </a:lnTo>
                   <a:close/>
                 </a:path>
@@ -25466,10 +25478,10 @@
         </p:sp>
         <p:sp>
           <p:nvSpPr>
-            <p:cNvPr id="16" name="Freeform 10">
+            <p:cNvPr id="14" name="Freeform 11">
               <a:extLst>
                 <a:ext uri="{FF2B5EF4-FFF2-40B4-BE49-F238E27FC236}">
-                  <a16:creationId xmlns:a16="http://schemas.microsoft.com/office/drawing/2014/main" id="{A5758E0B-DF61-40A8-B765-BC6841906A9A}"/>
+                  <a16:creationId xmlns:a16="http://schemas.microsoft.com/office/drawing/2014/main" id="{DE862133-5C7E-4B32-9786-0B33BC51A75B}"/>
                 </a:ext>
                 <a:ext uri="{C183D7F6-B498-43B3-948B-1728B52AA6E4}">
                   <adec:decorative xmlns:adec="http://schemas.microsoft.com/office/drawing/2017/decorative" val="1"/>
@@ -25487,8 +25499,8 @@
           </p:nvSpPr>
           <p:spPr bwMode="auto">
             <a:xfrm>
-              <a:off x="1627188" y="5286375"/>
-              <a:ext cx="2130425" cy="1571625"/>
+              <a:off x="3367088" y="2687637"/>
+              <a:ext cx="4576762" cy="4170363"/>
             </a:xfrm>
             <a:custGeom>
               <a:avLst/>
@@ -25497,24 +25509,24 @@
               <a:cxnLst/>
               <a:rect l="0" t="0" r="r" b="b"/>
               <a:pathLst>
-                <a:path w="1342" h="990">
+                <a:path w="2883" h="2627">
                   <a:moveTo>
-                    <a:pt x="0" y="3"/>
+                    <a:pt x="0" y="0"/>
                   </a:moveTo>
                   <a:lnTo>
-                    <a:pt x="942" y="990"/>
-                  </a:lnTo>
-                  <a:lnTo>
-                    <a:pt x="1342" y="990"/>
-                  </a:lnTo>
-                  <a:lnTo>
-                    <a:pt x="156" y="27"/>
+                    <a:pt x="3" y="3"/>
+                  </a:lnTo>
+                  <a:lnTo>
+                    <a:pt x="2102" y="2627"/>
+                  </a:lnTo>
+                  <a:lnTo>
+                    <a:pt x="2883" y="2627"/>
+                  </a:lnTo>
+                  <a:lnTo>
+                    <a:pt x="225" y="57"/>
                   </a:lnTo>
                   <a:lnTo>
                     <a:pt x="0" y="0"/>
-                  </a:lnTo>
-                  <a:lnTo>
-                    <a:pt x="0" y="3"/>
                   </a:lnTo>
                   <a:close/>
                 </a:path>
@@ -25539,10 +25551,10 @@
         </p:sp>
         <p:sp>
           <p:nvSpPr>
-            <p:cNvPr id="17" name="Freeform 11">
+            <p:cNvPr id="15" name="Freeform 12">
               <a:extLst>
                 <a:ext uri="{FF2B5EF4-FFF2-40B4-BE49-F238E27FC236}">
-                  <a16:creationId xmlns:a16="http://schemas.microsoft.com/office/drawing/2014/main" id="{3E063A1F-9566-4436-B4E3-2890FBBC2CCB}"/>
+                  <a16:creationId xmlns:a16="http://schemas.microsoft.com/office/drawing/2014/main" id="{90925F6C-DF03-4707-9176-6049F049B5AA}"/>
                 </a:ext>
                 <a:ext uri="{C183D7F6-B498-43B3-948B-1728B52AA6E4}">
                   <adec:decorative xmlns:adec="http://schemas.microsoft.com/office/drawing/2017/decorative" val="1"/>
@@ -25560,8 +25572,8 @@
           </p:nvSpPr>
           <p:spPr bwMode="auto">
             <a:xfrm>
-              <a:off x="1320800" y="5238750"/>
-              <a:ext cx="1695450" cy="1619250"/>
+              <a:off x="2928938" y="2578100"/>
+              <a:ext cx="3584575" cy="4279900"/>
             </a:xfrm>
             <a:custGeom>
               <a:avLst/>
@@ -25570,36 +25582,30 @@
               <a:cxnLst/>
               <a:rect l="0" t="0" r="r" b="b"/>
               <a:pathLst>
-                <a:path w="1068" h="1020">
+                <a:path w="2258" h="2696">
                   <a:moveTo>
-                    <a:pt x="1068" y="1020"/>
+                    <a:pt x="2258" y="2696"/>
                   </a:moveTo>
                   <a:lnTo>
-                    <a:pt x="184" y="60"/>
-                  </a:lnTo>
-                  <a:lnTo>
-                    <a:pt x="154" y="27"/>
-                  </a:lnTo>
-                  <a:lnTo>
-                    <a:pt x="157" y="27"/>
-                  </a:lnTo>
-                  <a:lnTo>
-                    <a:pt x="157" y="24"/>
-                  </a:lnTo>
-                  <a:lnTo>
-                    <a:pt x="154" y="24"/>
+                    <a:pt x="264" y="111"/>
+                  </a:lnTo>
+                  <a:lnTo>
+                    <a:pt x="228" y="60"/>
+                  </a:lnTo>
+                  <a:lnTo>
+                    <a:pt x="225" y="57"/>
                   </a:lnTo>
                   <a:lnTo>
                     <a:pt x="0" y="0"/>
                   </a:lnTo>
                   <a:lnTo>
-                    <a:pt x="0" y="0"/>
-                  </a:lnTo>
-                  <a:lnTo>
-                    <a:pt x="774" y="1020"/>
-                  </a:lnTo>
-                  <a:lnTo>
-                    <a:pt x="1068" y="1020"/>
+                    <a:pt x="0" y="3"/>
+                  </a:lnTo>
+                  <a:lnTo>
+                    <a:pt x="1697" y="2696"/>
+                  </a:lnTo>
+                  <a:lnTo>
+                    <a:pt x="2258" y="2696"/>
                   </a:lnTo>
                   <a:close/>
                 </a:path>
@@ -25626,106 +25632,92 @@
       </p:grpSp>
       <p:sp>
         <p:nvSpPr>
-          <p:cNvPr id="4" name="TextBox 3">
+          <p:cNvPr id="2" name="Title 1">
             <a:extLst>
               <a:ext uri="{FF2B5EF4-FFF2-40B4-BE49-F238E27FC236}">
-                <a16:creationId xmlns:a16="http://schemas.microsoft.com/office/drawing/2014/main" id="{3B9FF07E-F4B3-0380-5295-C152ABBE40D9}"/>
+                <a16:creationId xmlns:a16="http://schemas.microsoft.com/office/drawing/2014/main" id="{DF2267F6-BFAB-7771-3B6A-C220761704A2}"/>
               </a:ext>
             </a:extLst>
           </p:cNvPr>
-          <p:cNvSpPr txBox="1"/>
-          <p:nvPr/>
+          <p:cNvSpPr>
+            <a:spLocks noGrp="1"/>
+          </p:cNvSpPr>
+          <p:nvPr>
+            <p:ph type="title"/>
+          </p:nvPr>
         </p:nvSpPr>
         <p:spPr>
           <a:xfrm>
-            <a:off x="1484311" y="1528762"/>
-            <a:ext cx="3333496" cy="4262439"/>
+            <a:off x="4089399" y="4078424"/>
+            <a:ext cx="7413623" cy="1155427"/>
           </a:xfrm>
-          <a:prstGeom prst="rect">
-            <a:avLst/>
-          </a:prstGeom>
         </p:spPr>
         <p:txBody>
-          <a:bodyPr vert="horz" lIns="91440" tIns="45720" rIns="91440" bIns="45720" rtlCol="0" anchor="t">
-            <a:normAutofit fontScale="92500" lnSpcReduction="10000"/>
+          <a:bodyPr vert="horz" lIns="91440" tIns="45720" rIns="91440" bIns="45720" rtlCol="0" anchor="b">
+            <a:normAutofit/>
           </a:bodyPr>
           <a:lstStyle/>
           <a:p>
-            <a:pPr>
-              <a:spcBef>
-                <a:spcPct val="20000"/>
-              </a:spcBef>
-              <a:spcAft>
-                <a:spcPts val="600"/>
-              </a:spcAft>
-              <a:buClr>
-                <a:schemeClr val="accent1">
-                  <a:lumMod val="75000"/>
-                </a:schemeClr>
-              </a:buClr>
-              <a:buSzPct val="145000"/>
+            <a:pPr algn="l">
+              <a:lnSpc>
+                <a:spcPct val="90000"/>
+              </a:lnSpc>
             </a:pPr>
             <a:r>
-              <a:rPr lang="en-US" sz="3500" dirty="0">
+              <a:rPr lang="en-US" sz="2400" dirty="0"/>
+              <a:t> </a:t>
+            </a:r>
+            <a:r>
+              <a:rPr lang="en-US" sz="2400" dirty="0">
                 <a:solidFill>
                   <a:srgbClr val="C00000"/>
                 </a:solidFill>
               </a:rPr>
-              <a:t>Does Order Item Quantity increase with Order Item Total?</a:t>
+              <a:t>What is the standard deviation of Benefit per Order across different Order Regions?</a:t>
             </a:r>
             <a:br>
-              <a:rPr lang="en-US" sz="2800" dirty="0"/>
+              <a:rPr lang="en-US" sz="2400" dirty="0"/>
             </a:br>
-            <a:r>
-              <a:rPr lang="en-US" sz="2600" dirty="0"/>
-              <a:t>Scatter plot used to examine the positive or negative correlation between quantity and total cost.</a:t>
-            </a:r>
-            <a:br>
-              <a:rPr lang="en-US" sz="1600" dirty="0"/>
-            </a:br>
-            <a:br>
-              <a:rPr lang="en-US" sz="1600" dirty="0"/>
-            </a:br>
-            <a:endParaRPr lang="en-US" sz="1600" dirty="0"/>
+            <a:endParaRPr lang="en-US" sz="2400" dirty="0"/>
           </a:p>
         </p:txBody>
       </p:sp>
-      <p:pic>
-        <p:nvPicPr>
-          <p:cNvPr id="6" name="Picture 5" descr="A graph with black lines&#10;&#10;AI-generated content may be incorrect.">
+      <p:sp>
+        <p:nvSpPr>
+          <p:cNvPr id="17" name="Rounded Rectangle 6">
             <a:extLst>
               <a:ext uri="{FF2B5EF4-FFF2-40B4-BE49-F238E27FC236}">
-                <a16:creationId xmlns:a16="http://schemas.microsoft.com/office/drawing/2014/main" id="{58DF2A6B-146A-A9A5-6839-1807FC31FF32}"/>
+                <a16:creationId xmlns:a16="http://schemas.microsoft.com/office/drawing/2014/main" id="{EF3E1F0C-BCD9-491F-A435-D4A48FB439B9}"/>
+              </a:ext>
+              <a:ext uri="{C183D7F6-B498-43B3-948B-1728B52AA6E4}">
+                <adec:decorative xmlns:adec="http://schemas.microsoft.com/office/drawing/2017/decorative" val="1"/>
               </a:ext>
             </a:extLst>
           </p:cNvPr>
-          <p:cNvPicPr>
-            <a:picLocks noChangeAspect="1"/>
-          </p:cNvPicPr>
-          <p:nvPr/>
-        </p:nvPicPr>
-        <p:blipFill>
-          <a:blip r:embed="rId3">
-            <a:extLst>
-              <a:ext uri="{28A0092B-C50C-407E-A947-70E740481C1C}">
-                <a14:useLocalDpi xmlns:a14="http://schemas.microsoft.com/office/drawing/2010/main" val="0"/>
-              </a:ext>
-            </a:extLst>
-          </a:blip>
-          <a:stretch>
-            <a:fillRect/>
-          </a:stretch>
-        </p:blipFill>
+          <p:cNvSpPr>
+            <a:spLocks noGrp="1" noRot="1" noChangeAspect="1" noMove="1" noResize="1" noEditPoints="1" noAdjustHandles="1" noChangeArrowheads="1" noChangeShapeType="1" noTextEdit="1"/>
+          </p:cNvSpPr>
+          <p:nvPr>
+            <p:extLst>
+              <p:ext uri="{386F3935-93C4-4BCD-93E2-E3B085C9AB24}">
+                <p16:designElem xmlns:p16="http://schemas.microsoft.com/office/powerpoint/2015/main" val="1"/>
+              </p:ext>
+            </p:extLst>
+          </p:nvPr>
+        </p:nvSpPr>
         <p:spPr>
           <a:xfrm>
-            <a:off x="5262033" y="2049940"/>
-            <a:ext cx="6240990" cy="2324768"/>
+            <a:off x="3718560" y="609600"/>
+            <a:ext cx="7833360" cy="3139440"/>
           </a:xfrm>
           <a:prstGeom prst="roundRect">
             <a:avLst>
-              <a:gd name="adj" fmla="val 4380"/>
+              <a:gd name="adj" fmla="val 4834"/>
             </a:avLst>
           </a:prstGeom>
+          <a:solidFill>
+            <a:schemeClr val="bg1"/>
+          </a:solidFill>
           <a:ln w="38100">
             <a:gradFill flip="none" rotWithShape="1">
               <a:gsLst>
@@ -25750,11 +25742,71 @@
             </a:innerShdw>
           </a:effectLst>
         </p:spPr>
+        <p:style>
+          <a:lnRef idx="2">
+            <a:schemeClr val="accent1">
+              <a:shade val="50000"/>
+            </a:schemeClr>
+          </a:lnRef>
+          <a:fillRef idx="1">
+            <a:schemeClr val="accent1"/>
+          </a:fillRef>
+          <a:effectRef idx="0">
+            <a:schemeClr val="accent1"/>
+          </a:effectRef>
+          <a:fontRef idx="minor">
+            <a:schemeClr val="lt1"/>
+          </a:fontRef>
+        </p:style>
+        <p:txBody>
+          <a:bodyPr rtlCol="0" anchor="ctr"/>
+          <a:lstStyle/>
+          <a:p>
+            <a:pPr algn="ctr"/>
+            <a:endParaRPr lang="en-US"/>
+          </a:p>
+        </p:txBody>
+      </p:sp>
+      <p:pic>
+        <p:nvPicPr>
+          <p:cNvPr id="4" name="Picture 3" descr="A graph of a bar chart&#10;&#10;AI-generated content may be incorrect.">
+            <a:extLst>
+              <a:ext uri="{FF2B5EF4-FFF2-40B4-BE49-F238E27FC236}">
+                <a16:creationId xmlns:a16="http://schemas.microsoft.com/office/drawing/2014/main" id="{9445E1BE-DBD0-CEAA-C695-BD2B5A2DE80F}"/>
+              </a:ext>
+            </a:extLst>
+          </p:cNvPr>
+          <p:cNvPicPr>
+            <a:picLocks noChangeAspect="1"/>
+          </p:cNvPicPr>
+          <p:nvPr/>
+        </p:nvPicPr>
+        <p:blipFill>
+          <a:blip r:embed="rId3">
+            <a:extLst>
+              <a:ext uri="{28A0092B-C50C-407E-A947-70E740481C1C}">
+                <a14:useLocalDpi xmlns:a14="http://schemas.microsoft.com/office/drawing/2010/main" val="0"/>
+              </a:ext>
+            </a:extLst>
+          </a:blip>
+          <a:stretch>
+            <a:fillRect/>
+          </a:stretch>
+        </p:blipFill>
+        <p:spPr>
+          <a:xfrm>
+            <a:off x="4406769" y="952500"/>
+            <a:ext cx="6456943" cy="2453640"/>
+          </a:xfrm>
+          <a:prstGeom prst="rect">
+            <a:avLst/>
+          </a:prstGeom>
+        </p:spPr>
       </p:pic>
     </p:spTree>
     <p:extLst>
       <p:ext uri="{BB962C8B-B14F-4D97-AF65-F5344CB8AC3E}">
-        <p14:creationId xmlns:p14="http://schemas.microsoft.com/office/powerpoint/2010/main" val="3725663772"/>
+        <p14:creationId xmlns:p14="http://schemas.microsoft.com/office/powerpoint/2010/main" val="3264541684"/>
       </p:ext>
     </p:extLst>
   </p:cSld>
@@ -26272,6 +26324,649 @@
           <p:cNvPr id="4" name="TextBox 3">
             <a:extLst>
               <a:ext uri="{FF2B5EF4-FFF2-40B4-BE49-F238E27FC236}">
+                <a16:creationId xmlns:a16="http://schemas.microsoft.com/office/drawing/2014/main" id="{3B9FF07E-F4B3-0380-5295-C152ABBE40D9}"/>
+              </a:ext>
+            </a:extLst>
+          </p:cNvPr>
+          <p:cNvSpPr txBox="1"/>
+          <p:nvPr/>
+        </p:nvSpPr>
+        <p:spPr>
+          <a:xfrm>
+            <a:off x="1484311" y="1528762"/>
+            <a:ext cx="3333496" cy="4262439"/>
+          </a:xfrm>
+          <a:prstGeom prst="rect">
+            <a:avLst/>
+          </a:prstGeom>
+        </p:spPr>
+        <p:txBody>
+          <a:bodyPr vert="horz" lIns="91440" tIns="45720" rIns="91440" bIns="45720" rtlCol="0" anchor="t">
+            <a:normAutofit fontScale="92500" lnSpcReduction="10000"/>
+          </a:bodyPr>
+          <a:lstStyle/>
+          <a:p>
+            <a:pPr>
+              <a:spcBef>
+                <a:spcPct val="20000"/>
+              </a:spcBef>
+              <a:spcAft>
+                <a:spcPts val="600"/>
+              </a:spcAft>
+              <a:buClr>
+                <a:schemeClr val="accent1">
+                  <a:lumMod val="75000"/>
+                </a:schemeClr>
+              </a:buClr>
+              <a:buSzPct val="145000"/>
+            </a:pPr>
+            <a:r>
+              <a:rPr lang="en-US" sz="3500" dirty="0">
+                <a:solidFill>
+                  <a:srgbClr val="C00000"/>
+                </a:solidFill>
+              </a:rPr>
+              <a:t>Does Order Item Quantity increase with Order Item Total?</a:t>
+            </a:r>
+            <a:br>
+              <a:rPr lang="en-US" sz="2800" dirty="0"/>
+            </a:br>
+            <a:r>
+              <a:rPr lang="en-US" sz="2600" dirty="0"/>
+              <a:t>Scatter plot used to examine the positive or negative correlation between quantity and total cost.</a:t>
+            </a:r>
+            <a:br>
+              <a:rPr lang="en-US" sz="1600" dirty="0"/>
+            </a:br>
+            <a:br>
+              <a:rPr lang="en-US" sz="1600" dirty="0"/>
+            </a:br>
+            <a:endParaRPr lang="en-US" sz="1600" dirty="0"/>
+          </a:p>
+        </p:txBody>
+      </p:sp>
+      <p:pic>
+        <p:nvPicPr>
+          <p:cNvPr id="6" name="Picture 5" descr="A graph with black lines&#10;&#10;AI-generated content may be incorrect.">
+            <a:extLst>
+              <a:ext uri="{FF2B5EF4-FFF2-40B4-BE49-F238E27FC236}">
+                <a16:creationId xmlns:a16="http://schemas.microsoft.com/office/drawing/2014/main" id="{58DF2A6B-146A-A9A5-6839-1807FC31FF32}"/>
+              </a:ext>
+            </a:extLst>
+          </p:cNvPr>
+          <p:cNvPicPr>
+            <a:picLocks noChangeAspect="1"/>
+          </p:cNvPicPr>
+          <p:nvPr/>
+        </p:nvPicPr>
+        <p:blipFill>
+          <a:blip r:embed="rId3">
+            <a:extLst>
+              <a:ext uri="{28A0092B-C50C-407E-A947-70E740481C1C}">
+                <a14:useLocalDpi xmlns:a14="http://schemas.microsoft.com/office/drawing/2010/main" val="0"/>
+              </a:ext>
+            </a:extLst>
+          </a:blip>
+          <a:stretch>
+            <a:fillRect/>
+          </a:stretch>
+        </p:blipFill>
+        <p:spPr>
+          <a:xfrm>
+            <a:off x="5262033" y="2049940"/>
+            <a:ext cx="6240990" cy="2324768"/>
+          </a:xfrm>
+          <a:prstGeom prst="roundRect">
+            <a:avLst>
+              <a:gd name="adj" fmla="val 4380"/>
+            </a:avLst>
+          </a:prstGeom>
+          <a:ln w="38100">
+            <a:gradFill flip="none" rotWithShape="1">
+              <a:gsLst>
+                <a:gs pos="0">
+                  <a:schemeClr val="bg2"/>
+                </a:gs>
+                <a:gs pos="100000">
+                  <a:schemeClr val="bg2">
+                    <a:lumMod val="75000"/>
+                  </a:schemeClr>
+                </a:gs>
+              </a:gsLst>
+              <a:lin ang="5400000" scaled="0"/>
+              <a:tileRect/>
+            </a:gradFill>
+          </a:ln>
+          <a:effectLst>
+            <a:innerShdw blurRad="57150" dist="38100" dir="14460000">
+              <a:srgbClr val="000000">
+                <a:alpha val="70000"/>
+              </a:srgbClr>
+            </a:innerShdw>
+          </a:effectLst>
+        </p:spPr>
+      </p:pic>
+    </p:spTree>
+    <p:extLst>
+      <p:ext uri="{BB962C8B-B14F-4D97-AF65-F5344CB8AC3E}">
+        <p14:creationId xmlns:p14="http://schemas.microsoft.com/office/powerpoint/2010/main" val="3725663772"/>
+      </p:ext>
+    </p:extLst>
+  </p:cSld>
+  <p:clrMapOvr>
+    <a:masterClrMapping/>
+  </p:clrMapOvr>
+</p:sld>
+</file>
+
+<file path=ppt/slides/slide36.xml><?xml version="1.0" encoding="utf-8"?>
+<p:sld xmlns:a="http://schemas.openxmlformats.org/drawingml/2006/main" xmlns:r="http://schemas.openxmlformats.org/officeDocument/2006/relationships" xmlns:p="http://schemas.openxmlformats.org/presentationml/2006/main">
+  <p:cSld>
+    <p:bg>
+      <p:bgPr>
+        <a:blipFill rotWithShape="1">
+          <a:blip r:embed="rId2">
+            <a:duotone>
+              <a:schemeClr val="bg2">
+                <a:shade val="76000"/>
+                <a:satMod val="180000"/>
+              </a:schemeClr>
+              <a:schemeClr val="bg2">
+                <a:tint val="80000"/>
+                <a:satMod val="120000"/>
+                <a:lumMod val="180000"/>
+              </a:schemeClr>
+            </a:duotone>
+          </a:blip>
+          <a:stretch/>
+        </a:blipFill>
+        <a:effectLst/>
+      </p:bgPr>
+    </p:bg>
+    <p:spTree>
+      <p:nvGrpSpPr>
+        <p:cNvPr id="1" name=""/>
+        <p:cNvGrpSpPr/>
+        <p:nvPr/>
+      </p:nvGrpSpPr>
+      <p:grpSpPr>
+        <a:xfrm>
+          <a:off x="0" y="0"/>
+          <a:ext cx="0" cy="0"/>
+          <a:chOff x="0" y="0"/>
+          <a:chExt cx="0" cy="0"/>
+        </a:xfrm>
+      </p:grpSpPr>
+      <p:grpSp>
+        <p:nvGrpSpPr>
+          <p:cNvPr id="11" name="Group 10">
+            <a:extLst>
+              <a:ext uri="{FF2B5EF4-FFF2-40B4-BE49-F238E27FC236}">
+                <a16:creationId xmlns:a16="http://schemas.microsoft.com/office/drawing/2014/main" id="{15FF890B-3CE7-403A-AECE-2DE04FC7AF80}"/>
+              </a:ext>
+              <a:ext uri="{C183D7F6-B498-43B3-948B-1728B52AA6E4}">
+                <adec:decorative xmlns:adec="http://schemas.microsoft.com/office/drawing/2017/decorative" val="1"/>
+              </a:ext>
+            </a:extLst>
+          </p:cNvPr>
+          <p:cNvGrpSpPr>
+            <a:grpSpLocks noGrp="1" noUngrp="1" noRot="1" noChangeAspect="1" noMove="1" noResize="1"/>
+          </p:cNvGrpSpPr>
+          <p:nvPr>
+            <p:extLst>
+              <p:ext uri="{386F3935-93C4-4BCD-93E2-E3B085C9AB24}">
+                <p16:designElem xmlns:p16="http://schemas.microsoft.com/office/powerpoint/2015/main" val="1"/>
+              </p:ext>
+            </p:extLst>
+          </p:nvPr>
+        </p:nvGrpSpPr>
+        <p:grpSpPr>
+          <a:xfrm>
+            <a:off x="150812" y="0"/>
+            <a:ext cx="2436813" cy="6858001"/>
+            <a:chOff x="1320800" y="0"/>
+            <a:chExt cx="2436813" cy="6858001"/>
+          </a:xfrm>
+        </p:grpSpPr>
+        <p:sp>
+          <p:nvSpPr>
+            <p:cNvPr id="12" name="Freeform 6">
+              <a:extLst>
+                <a:ext uri="{FF2B5EF4-FFF2-40B4-BE49-F238E27FC236}">
+                  <a16:creationId xmlns:a16="http://schemas.microsoft.com/office/drawing/2014/main" id="{99A4E160-6CFD-4514-9E20-CA6692CCDB9C}"/>
+                </a:ext>
+                <a:ext uri="{C183D7F6-B498-43B3-948B-1728B52AA6E4}">
+                  <adec:decorative xmlns:adec="http://schemas.microsoft.com/office/drawing/2017/decorative" val="1"/>
+                </a:ext>
+              </a:extLst>
+            </p:cNvPr>
+            <p:cNvSpPr/>
+            <p:nvPr>
+              <p:extLst>
+                <p:ext uri="{386F3935-93C4-4BCD-93E2-E3B085C9AB24}">
+                  <p16:designElem xmlns:p16="http://schemas.microsoft.com/office/powerpoint/2015/main" val="1"/>
+                </p:ext>
+              </p:extLst>
+            </p:nvPr>
+          </p:nvSpPr>
+          <p:spPr bwMode="auto">
+            <a:xfrm>
+              <a:off x="1627188" y="0"/>
+              <a:ext cx="1122363" cy="5329238"/>
+            </a:xfrm>
+            <a:custGeom>
+              <a:avLst/>
+              <a:gdLst/>
+              <a:ahLst/>
+              <a:cxnLst/>
+              <a:rect l="0" t="0" r="r" b="b"/>
+              <a:pathLst>
+                <a:path w="707" h="3357">
+                  <a:moveTo>
+                    <a:pt x="0" y="3330"/>
+                  </a:moveTo>
+                  <a:lnTo>
+                    <a:pt x="156" y="3357"/>
+                  </a:lnTo>
+                  <a:lnTo>
+                    <a:pt x="707" y="0"/>
+                  </a:lnTo>
+                  <a:lnTo>
+                    <a:pt x="547" y="0"/>
+                  </a:lnTo>
+                  <a:lnTo>
+                    <a:pt x="0" y="3330"/>
+                  </a:lnTo>
+                  <a:close/>
+                </a:path>
+              </a:pathLst>
+            </a:custGeom>
+            <a:solidFill>
+              <a:schemeClr val="accent1"/>
+            </a:solidFill>
+            <a:ln>
+              <a:noFill/>
+            </a:ln>
+          </p:spPr>
+          <p:txBody>
+            <a:bodyPr/>
+            <a:lstStyle/>
+            <a:p>
+              <a:endParaRPr lang="en-US"/>
+            </a:p>
+          </p:txBody>
+        </p:sp>
+        <p:sp>
+          <p:nvSpPr>
+            <p:cNvPr id="13" name="Freeform 7">
+              <a:extLst>
+                <a:ext uri="{FF2B5EF4-FFF2-40B4-BE49-F238E27FC236}">
+                  <a16:creationId xmlns:a16="http://schemas.microsoft.com/office/drawing/2014/main" id="{3DCD16F5-8D15-45FD-BA62-ADAC08183A27}"/>
+                </a:ext>
+                <a:ext uri="{C183D7F6-B498-43B3-948B-1728B52AA6E4}">
+                  <adec:decorative xmlns:adec="http://schemas.microsoft.com/office/drawing/2017/decorative" val="1"/>
+                </a:ext>
+              </a:extLst>
+            </p:cNvPr>
+            <p:cNvSpPr/>
+            <p:nvPr>
+              <p:extLst>
+                <p:ext uri="{386F3935-93C4-4BCD-93E2-E3B085C9AB24}">
+                  <p16:designElem xmlns:p16="http://schemas.microsoft.com/office/powerpoint/2015/main" val="1"/>
+                </p:ext>
+              </p:extLst>
+            </p:nvPr>
+          </p:nvSpPr>
+          <p:spPr bwMode="auto">
+            <a:xfrm>
+              <a:off x="1320800" y="0"/>
+              <a:ext cx="1117600" cy="5276850"/>
+            </a:xfrm>
+            <a:custGeom>
+              <a:avLst/>
+              <a:gdLst/>
+              <a:ahLst/>
+              <a:cxnLst/>
+              <a:rect l="0" t="0" r="r" b="b"/>
+              <a:pathLst>
+                <a:path w="704" h="3324">
+                  <a:moveTo>
+                    <a:pt x="704" y="0"/>
+                  </a:moveTo>
+                  <a:lnTo>
+                    <a:pt x="545" y="0"/>
+                  </a:lnTo>
+                  <a:lnTo>
+                    <a:pt x="0" y="3300"/>
+                  </a:lnTo>
+                  <a:lnTo>
+                    <a:pt x="157" y="3324"/>
+                  </a:lnTo>
+                  <a:lnTo>
+                    <a:pt x="704" y="0"/>
+                  </a:lnTo>
+                  <a:close/>
+                </a:path>
+              </a:pathLst>
+            </a:custGeom>
+            <a:solidFill>
+              <a:schemeClr val="tx1">
+                <a:lumMod val="65000"/>
+                <a:lumOff val="35000"/>
+              </a:schemeClr>
+            </a:solidFill>
+            <a:ln>
+              <a:noFill/>
+            </a:ln>
+          </p:spPr>
+          <p:txBody>
+            <a:bodyPr/>
+            <a:lstStyle/>
+            <a:p>
+              <a:endParaRPr lang="en-US"/>
+            </a:p>
+          </p:txBody>
+        </p:sp>
+        <p:sp>
+          <p:nvSpPr>
+            <p:cNvPr id="14" name="Freeform 8">
+              <a:extLst>
+                <a:ext uri="{FF2B5EF4-FFF2-40B4-BE49-F238E27FC236}">
+                  <a16:creationId xmlns:a16="http://schemas.microsoft.com/office/drawing/2014/main" id="{E7CFAF28-6FDA-4C2C-BE51-123D1115F75C}"/>
+                </a:ext>
+                <a:ext uri="{C183D7F6-B498-43B3-948B-1728B52AA6E4}">
+                  <adec:decorative xmlns:adec="http://schemas.microsoft.com/office/drawing/2017/decorative" val="1"/>
+                </a:ext>
+              </a:extLst>
+            </p:cNvPr>
+            <p:cNvSpPr/>
+            <p:nvPr>
+              <p:extLst>
+                <p:ext uri="{386F3935-93C4-4BCD-93E2-E3B085C9AB24}">
+                  <p16:designElem xmlns:p16="http://schemas.microsoft.com/office/powerpoint/2015/main" val="1"/>
+                </p:ext>
+              </p:extLst>
+            </p:nvPr>
+          </p:nvSpPr>
+          <p:spPr bwMode="auto">
+            <a:xfrm>
+              <a:off x="1320800" y="5238750"/>
+              <a:ext cx="1228725" cy="1619250"/>
+            </a:xfrm>
+            <a:custGeom>
+              <a:avLst/>
+              <a:gdLst/>
+              <a:ahLst/>
+              <a:cxnLst/>
+              <a:rect l="0" t="0" r="r" b="b"/>
+              <a:pathLst>
+                <a:path w="774" h="1020">
+                  <a:moveTo>
+                    <a:pt x="0" y="0"/>
+                  </a:moveTo>
+                  <a:lnTo>
+                    <a:pt x="740" y="1020"/>
+                  </a:lnTo>
+                  <a:lnTo>
+                    <a:pt x="774" y="1020"/>
+                  </a:lnTo>
+                  <a:lnTo>
+                    <a:pt x="0" y="0"/>
+                  </a:lnTo>
+                  <a:close/>
+                </a:path>
+              </a:pathLst>
+            </a:custGeom>
+            <a:solidFill>
+              <a:schemeClr val="tx1">
+                <a:lumMod val="85000"/>
+                <a:lumOff val="15000"/>
+              </a:schemeClr>
+            </a:solidFill>
+            <a:ln>
+              <a:noFill/>
+            </a:ln>
+          </p:spPr>
+          <p:txBody>
+            <a:bodyPr/>
+            <a:lstStyle/>
+            <a:p>
+              <a:endParaRPr lang="en-US"/>
+            </a:p>
+          </p:txBody>
+        </p:sp>
+        <p:sp>
+          <p:nvSpPr>
+            <p:cNvPr id="15" name="Freeform 9">
+              <a:extLst>
+                <a:ext uri="{FF2B5EF4-FFF2-40B4-BE49-F238E27FC236}">
+                  <a16:creationId xmlns:a16="http://schemas.microsoft.com/office/drawing/2014/main" id="{1FD12703-0627-4991-B2A4-F96519F90863}"/>
+                </a:ext>
+                <a:ext uri="{C183D7F6-B498-43B3-948B-1728B52AA6E4}">
+                  <adec:decorative xmlns:adec="http://schemas.microsoft.com/office/drawing/2017/decorative" val="1"/>
+                </a:ext>
+              </a:extLst>
+            </p:cNvPr>
+            <p:cNvSpPr/>
+            <p:nvPr>
+              <p:extLst>
+                <p:ext uri="{386F3935-93C4-4BCD-93E2-E3B085C9AB24}">
+                  <p16:designElem xmlns:p16="http://schemas.microsoft.com/office/powerpoint/2015/main" val="1"/>
+                </p:ext>
+              </p:extLst>
+            </p:nvPr>
+          </p:nvSpPr>
+          <p:spPr bwMode="auto">
+            <a:xfrm>
+              <a:off x="1627188" y="5291138"/>
+              <a:ext cx="1495425" cy="1566863"/>
+            </a:xfrm>
+            <a:custGeom>
+              <a:avLst/>
+              <a:gdLst/>
+              <a:ahLst/>
+              <a:cxnLst/>
+              <a:rect l="0" t="0" r="r" b="b"/>
+              <a:pathLst>
+                <a:path w="942" h="987">
+                  <a:moveTo>
+                    <a:pt x="0" y="0"/>
+                  </a:moveTo>
+                  <a:lnTo>
+                    <a:pt x="909" y="987"/>
+                  </a:lnTo>
+                  <a:lnTo>
+                    <a:pt x="942" y="987"/>
+                  </a:lnTo>
+                  <a:lnTo>
+                    <a:pt x="0" y="0"/>
+                  </a:lnTo>
+                  <a:close/>
+                </a:path>
+              </a:pathLst>
+            </a:custGeom>
+            <a:solidFill>
+              <a:schemeClr val="accent1">
+                <a:lumMod val="50000"/>
+              </a:schemeClr>
+            </a:solidFill>
+            <a:ln>
+              <a:noFill/>
+            </a:ln>
+          </p:spPr>
+          <p:txBody>
+            <a:bodyPr/>
+            <a:lstStyle/>
+            <a:p>
+              <a:endParaRPr lang="en-US"/>
+            </a:p>
+          </p:txBody>
+        </p:sp>
+        <p:sp>
+          <p:nvSpPr>
+            <p:cNvPr id="16" name="Freeform 10">
+              <a:extLst>
+                <a:ext uri="{FF2B5EF4-FFF2-40B4-BE49-F238E27FC236}">
+                  <a16:creationId xmlns:a16="http://schemas.microsoft.com/office/drawing/2014/main" id="{A5758E0B-DF61-40A8-B765-BC6841906A9A}"/>
+                </a:ext>
+                <a:ext uri="{C183D7F6-B498-43B3-948B-1728B52AA6E4}">
+                  <adec:decorative xmlns:adec="http://schemas.microsoft.com/office/drawing/2017/decorative" val="1"/>
+                </a:ext>
+              </a:extLst>
+            </p:cNvPr>
+            <p:cNvSpPr/>
+            <p:nvPr>
+              <p:extLst>
+                <p:ext uri="{386F3935-93C4-4BCD-93E2-E3B085C9AB24}">
+                  <p16:designElem xmlns:p16="http://schemas.microsoft.com/office/powerpoint/2015/main" val="1"/>
+                </p:ext>
+              </p:extLst>
+            </p:nvPr>
+          </p:nvSpPr>
+          <p:spPr bwMode="auto">
+            <a:xfrm>
+              <a:off x="1627188" y="5286375"/>
+              <a:ext cx="2130425" cy="1571625"/>
+            </a:xfrm>
+            <a:custGeom>
+              <a:avLst/>
+              <a:gdLst/>
+              <a:ahLst/>
+              <a:cxnLst/>
+              <a:rect l="0" t="0" r="r" b="b"/>
+              <a:pathLst>
+                <a:path w="1342" h="990">
+                  <a:moveTo>
+                    <a:pt x="0" y="3"/>
+                  </a:moveTo>
+                  <a:lnTo>
+                    <a:pt x="942" y="990"/>
+                  </a:lnTo>
+                  <a:lnTo>
+                    <a:pt x="1342" y="990"/>
+                  </a:lnTo>
+                  <a:lnTo>
+                    <a:pt x="156" y="27"/>
+                  </a:lnTo>
+                  <a:lnTo>
+                    <a:pt x="0" y="0"/>
+                  </a:lnTo>
+                  <a:lnTo>
+                    <a:pt x="0" y="3"/>
+                  </a:lnTo>
+                  <a:close/>
+                </a:path>
+              </a:pathLst>
+            </a:custGeom>
+            <a:solidFill>
+              <a:schemeClr val="accent1">
+                <a:lumMod val="75000"/>
+              </a:schemeClr>
+            </a:solidFill>
+            <a:ln>
+              <a:noFill/>
+            </a:ln>
+          </p:spPr>
+          <p:txBody>
+            <a:bodyPr/>
+            <a:lstStyle/>
+            <a:p>
+              <a:endParaRPr lang="en-US"/>
+            </a:p>
+          </p:txBody>
+        </p:sp>
+        <p:sp>
+          <p:nvSpPr>
+            <p:cNvPr id="17" name="Freeform 11">
+              <a:extLst>
+                <a:ext uri="{FF2B5EF4-FFF2-40B4-BE49-F238E27FC236}">
+                  <a16:creationId xmlns:a16="http://schemas.microsoft.com/office/drawing/2014/main" id="{3E063A1F-9566-4436-B4E3-2890FBBC2CCB}"/>
+                </a:ext>
+                <a:ext uri="{C183D7F6-B498-43B3-948B-1728B52AA6E4}">
+                  <adec:decorative xmlns:adec="http://schemas.microsoft.com/office/drawing/2017/decorative" val="1"/>
+                </a:ext>
+              </a:extLst>
+            </p:cNvPr>
+            <p:cNvSpPr/>
+            <p:nvPr>
+              <p:extLst>
+                <p:ext uri="{386F3935-93C4-4BCD-93E2-E3B085C9AB24}">
+                  <p16:designElem xmlns:p16="http://schemas.microsoft.com/office/powerpoint/2015/main" val="1"/>
+                </p:ext>
+              </p:extLst>
+            </p:nvPr>
+          </p:nvSpPr>
+          <p:spPr bwMode="auto">
+            <a:xfrm>
+              <a:off x="1320800" y="5238750"/>
+              <a:ext cx="1695450" cy="1619250"/>
+            </a:xfrm>
+            <a:custGeom>
+              <a:avLst/>
+              <a:gdLst/>
+              <a:ahLst/>
+              <a:cxnLst/>
+              <a:rect l="0" t="0" r="r" b="b"/>
+              <a:pathLst>
+                <a:path w="1068" h="1020">
+                  <a:moveTo>
+                    <a:pt x="1068" y="1020"/>
+                  </a:moveTo>
+                  <a:lnTo>
+                    <a:pt x="184" y="60"/>
+                  </a:lnTo>
+                  <a:lnTo>
+                    <a:pt x="154" y="27"/>
+                  </a:lnTo>
+                  <a:lnTo>
+                    <a:pt x="157" y="27"/>
+                  </a:lnTo>
+                  <a:lnTo>
+                    <a:pt x="157" y="24"/>
+                  </a:lnTo>
+                  <a:lnTo>
+                    <a:pt x="154" y="24"/>
+                  </a:lnTo>
+                  <a:lnTo>
+                    <a:pt x="0" y="0"/>
+                  </a:lnTo>
+                  <a:lnTo>
+                    <a:pt x="0" y="0"/>
+                  </a:lnTo>
+                  <a:lnTo>
+                    <a:pt x="774" y="1020"/>
+                  </a:lnTo>
+                  <a:lnTo>
+                    <a:pt x="1068" y="1020"/>
+                  </a:lnTo>
+                  <a:close/>
+                </a:path>
+              </a:pathLst>
+            </a:custGeom>
+            <a:solidFill>
+              <a:schemeClr val="tx1">
+                <a:lumMod val="75000"/>
+                <a:lumOff val="25000"/>
+              </a:schemeClr>
+            </a:solidFill>
+            <a:ln>
+              <a:noFill/>
+            </a:ln>
+          </p:spPr>
+          <p:txBody>
+            <a:bodyPr/>
+            <a:lstStyle/>
+            <a:p>
+              <a:endParaRPr lang="en-US"/>
+            </a:p>
+          </p:txBody>
+        </p:sp>
+      </p:grpSp>
+      <p:sp>
+        <p:nvSpPr>
+          <p:cNvPr id="4" name="TextBox 3">
+            <a:extLst>
+              <a:ext uri="{FF2B5EF4-FFF2-40B4-BE49-F238E27FC236}">
                 <a16:creationId xmlns:a16="http://schemas.microsoft.com/office/drawing/2014/main" id="{CD62C064-17A9-A2A9-7952-6AF57D49CAC5}"/>
               </a:ext>
             </a:extLst>
@@ -26400,7 +27095,7 @@
 </p:sld>
 </file>
 
-<file path=ppt/slides/slide36.xml><?xml version="1.0" encoding="utf-8"?>
+<file path=ppt/slides/slide37.xml><?xml version="1.0" encoding="utf-8"?>
 <p:sld xmlns:a="http://schemas.openxmlformats.org/drawingml/2006/main" xmlns:r="http://schemas.openxmlformats.org/officeDocument/2006/relationships" xmlns:p="http://schemas.openxmlformats.org/presentationml/2006/main">
   <p:cSld>
     <p:spTree>
@@ -26530,7 +27225,7 @@
 </p:sld>
 </file>
 
-<file path=ppt/slides/slide37.xml><?xml version="1.0" encoding="utf-8"?>
+<file path=ppt/slides/slide38.xml><?xml version="1.0" encoding="utf-8"?>
 <p:sld xmlns:a="http://schemas.openxmlformats.org/drawingml/2006/main" xmlns:r="http://schemas.openxmlformats.org/officeDocument/2006/relationships" xmlns:p="http://schemas.openxmlformats.org/presentationml/2006/main">
   <p:cSld>
     <p:bg>
@@ -27691,7 +28386,7 @@
 </p:sld>
 </file>
 
-<file path=ppt/slides/slide38.xml><?xml version="1.0" encoding="utf-8"?>
+<file path=ppt/slides/slide39.xml><?xml version="1.0" encoding="utf-8"?>
 <p:sld xmlns:a="http://schemas.openxmlformats.org/drawingml/2006/main" xmlns:r="http://schemas.openxmlformats.org/officeDocument/2006/relationships" xmlns:p="http://schemas.openxmlformats.org/presentationml/2006/main">
   <p:cSld>
     <p:spTree>
@@ -27809,7 +28504,217 @@
 </p:sld>
 </file>
 
-<file path=ppt/slides/slide39.xml><?xml version="1.0" encoding="utf-8"?>
+<file path=ppt/slides/slide4.xml><?xml version="1.0" encoding="utf-8"?>
+<p:sld xmlns:a="http://schemas.openxmlformats.org/drawingml/2006/main" xmlns:r="http://schemas.openxmlformats.org/officeDocument/2006/relationships" xmlns:p="http://schemas.openxmlformats.org/presentationml/2006/main">
+  <p:cSld>
+    <p:spTree>
+      <p:nvGrpSpPr>
+        <p:cNvPr id="1" name=""/>
+        <p:cNvGrpSpPr/>
+        <p:nvPr/>
+      </p:nvGrpSpPr>
+      <p:grpSpPr>
+        <a:xfrm>
+          <a:off x="0" y="0"/>
+          <a:ext cx="0" cy="0"/>
+          <a:chOff x="0" y="0"/>
+          <a:chExt cx="0" cy="0"/>
+        </a:xfrm>
+      </p:grpSpPr>
+      <p:sp>
+        <p:nvSpPr>
+          <p:cNvPr id="2" name="Title 1">
+            <a:extLst>
+              <a:ext uri="{FF2B5EF4-FFF2-40B4-BE49-F238E27FC236}">
+                <a16:creationId xmlns:a16="http://schemas.microsoft.com/office/drawing/2014/main" id="{0E7AFD9D-3135-C88F-7F85-B56537073526}"/>
+              </a:ext>
+            </a:extLst>
+          </p:cNvPr>
+          <p:cNvSpPr>
+            <a:spLocks noGrp="1"/>
+          </p:cNvSpPr>
+          <p:nvPr>
+            <p:ph type="title"/>
+          </p:nvPr>
+        </p:nvSpPr>
+        <p:spPr>
+          <a:xfrm>
+            <a:off x="521208" y="635620"/>
+            <a:ext cx="11155680" cy="5993780"/>
+          </a:xfrm>
+        </p:spPr>
+        <p:txBody>
+          <a:bodyPr>
+            <a:normAutofit/>
+          </a:bodyPr>
+          <a:lstStyle/>
+          <a:p>
+            <a:r>
+              <a:rPr lang="en-US" sz="3600" dirty="0">
+                <a:solidFill>
+                  <a:srgbClr val="C00000"/>
+                </a:solidFill>
+                <a:cs typeface="Bold Italic Art" panose="02010400000000000000" pitchFamily="2" charset="-78"/>
+              </a:rPr>
+              <a:t>3-Data Exploration</a:t>
+            </a:r>
+            <a:br>
+              <a:rPr lang="ar-EG" dirty="0"/>
+            </a:br>
+            <a:r>
+              <a:rPr lang="ar-EG" sz="3200" dirty="0">
+                <a:cs typeface="Bold Italic Art" panose="02010400000000000000" pitchFamily="2" charset="-78"/>
+              </a:rPr>
+              <a:t>-</a:t>
+            </a:r>
+            <a:r>
+              <a:rPr lang="en-US" sz="3200" dirty="0">
+                <a:cs typeface="Bold Italic Art" panose="02010400000000000000" pitchFamily="2" charset="-78"/>
+              </a:rPr>
+              <a:t>Inspecting the structure of the dataset using:</a:t>
+            </a:r>
+            <a:br>
+              <a:rPr lang="ar-EG" sz="3200" dirty="0">
+                <a:cs typeface="Bold Italic Art" panose="02010400000000000000" pitchFamily="2" charset="-78"/>
+              </a:rPr>
+            </a:br>
+            <a:r>
+              <a:rPr lang="en-US" sz="2400" dirty="0">
+                <a:cs typeface="Bold Italic Art" panose="02010400000000000000" pitchFamily="2" charset="-78"/>
+              </a:rPr>
+              <a:t>df.info() to display data types and the number of non-missing values.</a:t>
+            </a:r>
+            <a:br>
+              <a:rPr lang="ar-EG" sz="2400" dirty="0">
+                <a:cs typeface="Bold Italic Art" panose="02010400000000000000" pitchFamily="2" charset="-78"/>
+              </a:rPr>
+            </a:br>
+            <a:r>
+              <a:rPr lang="en-US" sz="2400" dirty="0" err="1">
+                <a:cs typeface="Bold Italic Art" panose="02010400000000000000" pitchFamily="2" charset="-78"/>
+              </a:rPr>
+              <a:t>df.dtypes</a:t>
+            </a:r>
+            <a:r>
+              <a:rPr lang="en-US" sz="2400" dirty="0">
+                <a:cs typeface="Bold Italic Art" panose="02010400000000000000" pitchFamily="2" charset="-78"/>
+              </a:rPr>
+              <a:t> to identify the type of each column (numerical / categorical).</a:t>
+            </a:r>
+            <a:br>
+              <a:rPr lang="en-US" sz="2400" dirty="0">
+                <a:cs typeface="Bold Italic Art" panose="02010400000000000000" pitchFamily="2" charset="-78"/>
+              </a:rPr>
+            </a:br>
+            <a:br>
+              <a:rPr lang="ar-EG" sz="3600" dirty="0">
+                <a:cs typeface="Bold Italic Art" panose="02010400000000000000" pitchFamily="2" charset="-78"/>
+              </a:rPr>
+            </a:br>
+            <a:r>
+              <a:rPr lang="en-US" sz="3200" dirty="0">
+                <a:cs typeface="Bold Italic Art" panose="02010400000000000000" pitchFamily="2" charset="-78"/>
+              </a:rPr>
+              <a:t>-Understanding dataset size:</a:t>
+            </a:r>
+            <a:br>
+              <a:rPr lang="ar-EG" sz="3600" dirty="0">
+                <a:cs typeface="Bold Italic Art" panose="02010400000000000000" pitchFamily="2" charset="-78"/>
+              </a:rPr>
+            </a:br>
+            <a:r>
+              <a:rPr lang="en-US" sz="2400" dirty="0" err="1">
+                <a:cs typeface="Bold Italic Art" panose="02010400000000000000" pitchFamily="2" charset="-78"/>
+              </a:rPr>
+              <a:t>df.shape</a:t>
+            </a:r>
+            <a:r>
+              <a:rPr lang="en-US" sz="2400" dirty="0">
+                <a:cs typeface="Bold Italic Art" panose="02010400000000000000" pitchFamily="2" charset="-78"/>
+              </a:rPr>
+              <a:t> to get the number of rows and columns</a:t>
+            </a:r>
+            <a:r>
+              <a:rPr lang="en-US" sz="2400" dirty="0"/>
+              <a:t>.</a:t>
+            </a:r>
+            <a:br>
+              <a:rPr lang="en-US" sz="2400" dirty="0"/>
+            </a:br>
+            <a:br>
+              <a:rPr lang="en-US" sz="2400" dirty="0"/>
+            </a:br>
+            <a:r>
+              <a:rPr lang="en-US" sz="2400" dirty="0"/>
+              <a:t>-</a:t>
+            </a:r>
+            <a:r>
+              <a:rPr lang="en-US" sz="3200" dirty="0">
+                <a:cs typeface="Bold Italic Art" panose="02010400000000000000" pitchFamily="2" charset="-78"/>
+              </a:rPr>
+              <a:t>Previewing sample data:</a:t>
+            </a:r>
+            <a:br>
+              <a:rPr lang="en-US" sz="2400" dirty="0"/>
+            </a:br>
+            <a:r>
+              <a:rPr lang="en-US" sz="2400" dirty="0" err="1"/>
+              <a:t>df.head</a:t>
+            </a:r>
+            <a:r>
+              <a:rPr lang="en-US" sz="2400" dirty="0"/>
+              <a:t>() to display the first 5 rows.</a:t>
+            </a:r>
+            <a:br>
+              <a:rPr lang="en-US" sz="2400" dirty="0"/>
+            </a:br>
+            <a:br>
+              <a:rPr lang="en-US" sz="2400" dirty="0"/>
+            </a:br>
+            <a:r>
+              <a:rPr lang="en-US" sz="2400" dirty="0"/>
+              <a:t>-</a:t>
+            </a:r>
+            <a:r>
+              <a:rPr lang="en-US" sz="3200" dirty="0">
+                <a:cs typeface="Bold Italic Art" panose="02010400000000000000" pitchFamily="2" charset="-78"/>
+              </a:rPr>
+              <a:t>Listing column names</a:t>
+            </a:r>
+            <a:r>
+              <a:rPr lang="en-US" sz="3600" dirty="0">
+                <a:cs typeface="Bold Italic Art" panose="02010400000000000000" pitchFamily="2" charset="-78"/>
+              </a:rPr>
+              <a:t>:</a:t>
+            </a:r>
+            <a:br>
+              <a:rPr lang="en-US" sz="2400" dirty="0"/>
+            </a:br>
+            <a:r>
+              <a:rPr lang="en-US" sz="2400" dirty="0" err="1"/>
+              <a:t>df.columns</a:t>
+            </a:r>
+            <a:r>
+              <a:rPr lang="en-US" sz="2400" dirty="0"/>
+              <a:t> to retrieve all column names.</a:t>
+            </a:r>
+          </a:p>
+        </p:txBody>
+      </p:sp>
+    </p:spTree>
+    <p:extLst>
+      <p:ext uri="{BB962C8B-B14F-4D97-AF65-F5344CB8AC3E}">
+        <p14:creationId xmlns:p14="http://schemas.microsoft.com/office/powerpoint/2010/main" val="2169712398"/>
+      </p:ext>
+    </p:extLst>
+  </p:cSld>
+  <p:clrMapOvr>
+    <a:masterClrMapping/>
+  </p:clrMapOvr>
+</p:sld>
+</file>
+
+<file path=ppt/slides/slide40.xml><?xml version="1.0" encoding="utf-8"?>
 <p:sld xmlns:a="http://schemas.openxmlformats.org/drawingml/2006/main" xmlns:r="http://schemas.openxmlformats.org/officeDocument/2006/relationships" xmlns:p="http://schemas.openxmlformats.org/presentationml/2006/main">
   <p:cSld>
     <p:bg>
@@ -28494,217 +29399,7 @@
 </p:sld>
 </file>
 
-<file path=ppt/slides/slide4.xml><?xml version="1.0" encoding="utf-8"?>
-<p:sld xmlns:a="http://schemas.openxmlformats.org/drawingml/2006/main" xmlns:r="http://schemas.openxmlformats.org/officeDocument/2006/relationships" xmlns:p="http://schemas.openxmlformats.org/presentationml/2006/main">
-  <p:cSld>
-    <p:spTree>
-      <p:nvGrpSpPr>
-        <p:cNvPr id="1" name=""/>
-        <p:cNvGrpSpPr/>
-        <p:nvPr/>
-      </p:nvGrpSpPr>
-      <p:grpSpPr>
-        <a:xfrm>
-          <a:off x="0" y="0"/>
-          <a:ext cx="0" cy="0"/>
-          <a:chOff x="0" y="0"/>
-          <a:chExt cx="0" cy="0"/>
-        </a:xfrm>
-      </p:grpSpPr>
-      <p:sp>
-        <p:nvSpPr>
-          <p:cNvPr id="2" name="Title 1">
-            <a:extLst>
-              <a:ext uri="{FF2B5EF4-FFF2-40B4-BE49-F238E27FC236}">
-                <a16:creationId xmlns:a16="http://schemas.microsoft.com/office/drawing/2014/main" id="{0E7AFD9D-3135-C88F-7F85-B56537073526}"/>
-              </a:ext>
-            </a:extLst>
-          </p:cNvPr>
-          <p:cNvSpPr>
-            <a:spLocks noGrp="1"/>
-          </p:cNvSpPr>
-          <p:nvPr>
-            <p:ph type="title"/>
-          </p:nvPr>
-        </p:nvSpPr>
-        <p:spPr>
-          <a:xfrm>
-            <a:off x="521208" y="635620"/>
-            <a:ext cx="11155680" cy="5993780"/>
-          </a:xfrm>
-        </p:spPr>
-        <p:txBody>
-          <a:bodyPr>
-            <a:normAutofit/>
-          </a:bodyPr>
-          <a:lstStyle/>
-          <a:p>
-            <a:r>
-              <a:rPr lang="en-US" sz="3600" dirty="0">
-                <a:solidFill>
-                  <a:srgbClr val="C00000"/>
-                </a:solidFill>
-                <a:cs typeface="Bold Italic Art" panose="02010400000000000000" pitchFamily="2" charset="-78"/>
-              </a:rPr>
-              <a:t>3-Data Exploration</a:t>
-            </a:r>
-            <a:br>
-              <a:rPr lang="ar-EG" dirty="0"/>
-            </a:br>
-            <a:r>
-              <a:rPr lang="ar-EG" sz="3200" dirty="0">
-                <a:cs typeface="Bold Italic Art" panose="02010400000000000000" pitchFamily="2" charset="-78"/>
-              </a:rPr>
-              <a:t>-</a:t>
-            </a:r>
-            <a:r>
-              <a:rPr lang="en-US" sz="3200" dirty="0">
-                <a:cs typeface="Bold Italic Art" panose="02010400000000000000" pitchFamily="2" charset="-78"/>
-              </a:rPr>
-              <a:t>Inspecting the structure of the dataset using:</a:t>
-            </a:r>
-            <a:br>
-              <a:rPr lang="ar-EG" sz="3200" dirty="0">
-                <a:cs typeface="Bold Italic Art" panose="02010400000000000000" pitchFamily="2" charset="-78"/>
-              </a:rPr>
-            </a:br>
-            <a:r>
-              <a:rPr lang="en-US" sz="2400" dirty="0">
-                <a:cs typeface="Bold Italic Art" panose="02010400000000000000" pitchFamily="2" charset="-78"/>
-              </a:rPr>
-              <a:t>df.info() to display data types and the number of non-missing values.</a:t>
-            </a:r>
-            <a:br>
-              <a:rPr lang="ar-EG" sz="2400" dirty="0">
-                <a:cs typeface="Bold Italic Art" panose="02010400000000000000" pitchFamily="2" charset="-78"/>
-              </a:rPr>
-            </a:br>
-            <a:r>
-              <a:rPr lang="en-US" sz="2400" dirty="0" err="1">
-                <a:cs typeface="Bold Italic Art" panose="02010400000000000000" pitchFamily="2" charset="-78"/>
-              </a:rPr>
-              <a:t>df.dtypes</a:t>
-            </a:r>
-            <a:r>
-              <a:rPr lang="en-US" sz="2400" dirty="0">
-                <a:cs typeface="Bold Italic Art" panose="02010400000000000000" pitchFamily="2" charset="-78"/>
-              </a:rPr>
-              <a:t> to identify the type of each column (numerical / categorical).</a:t>
-            </a:r>
-            <a:br>
-              <a:rPr lang="en-US" sz="2400" dirty="0">
-                <a:cs typeface="Bold Italic Art" panose="02010400000000000000" pitchFamily="2" charset="-78"/>
-              </a:rPr>
-            </a:br>
-            <a:br>
-              <a:rPr lang="ar-EG" sz="3600" dirty="0">
-                <a:cs typeface="Bold Italic Art" panose="02010400000000000000" pitchFamily="2" charset="-78"/>
-              </a:rPr>
-            </a:br>
-            <a:r>
-              <a:rPr lang="en-US" sz="3200" dirty="0">
-                <a:cs typeface="Bold Italic Art" panose="02010400000000000000" pitchFamily="2" charset="-78"/>
-              </a:rPr>
-              <a:t>-Understanding dataset size:</a:t>
-            </a:r>
-            <a:br>
-              <a:rPr lang="ar-EG" sz="3600" dirty="0">
-                <a:cs typeface="Bold Italic Art" panose="02010400000000000000" pitchFamily="2" charset="-78"/>
-              </a:rPr>
-            </a:br>
-            <a:r>
-              <a:rPr lang="en-US" sz="2400" dirty="0" err="1">
-                <a:cs typeface="Bold Italic Art" panose="02010400000000000000" pitchFamily="2" charset="-78"/>
-              </a:rPr>
-              <a:t>df.shape</a:t>
-            </a:r>
-            <a:r>
-              <a:rPr lang="en-US" sz="2400" dirty="0">
-                <a:cs typeface="Bold Italic Art" panose="02010400000000000000" pitchFamily="2" charset="-78"/>
-              </a:rPr>
-              <a:t> to get the number of rows and columns</a:t>
-            </a:r>
-            <a:r>
-              <a:rPr lang="en-US" sz="2400" dirty="0"/>
-              <a:t>.</a:t>
-            </a:r>
-            <a:br>
-              <a:rPr lang="en-US" sz="2400" dirty="0"/>
-            </a:br>
-            <a:br>
-              <a:rPr lang="en-US" sz="2400" dirty="0"/>
-            </a:br>
-            <a:r>
-              <a:rPr lang="en-US" sz="2400" dirty="0"/>
-              <a:t>-</a:t>
-            </a:r>
-            <a:r>
-              <a:rPr lang="en-US" sz="3200" dirty="0">
-                <a:cs typeface="Bold Italic Art" panose="02010400000000000000" pitchFamily="2" charset="-78"/>
-              </a:rPr>
-              <a:t>Previewing sample data:</a:t>
-            </a:r>
-            <a:br>
-              <a:rPr lang="en-US" sz="2400" dirty="0"/>
-            </a:br>
-            <a:r>
-              <a:rPr lang="en-US" sz="2400" dirty="0" err="1"/>
-              <a:t>df.head</a:t>
-            </a:r>
-            <a:r>
-              <a:rPr lang="en-US" sz="2400" dirty="0"/>
-              <a:t>() to display the first 5 rows.</a:t>
-            </a:r>
-            <a:br>
-              <a:rPr lang="en-US" sz="2400" dirty="0"/>
-            </a:br>
-            <a:br>
-              <a:rPr lang="en-US" sz="2400" dirty="0"/>
-            </a:br>
-            <a:r>
-              <a:rPr lang="en-US" sz="2400" dirty="0"/>
-              <a:t>-</a:t>
-            </a:r>
-            <a:r>
-              <a:rPr lang="en-US" sz="3200" dirty="0">
-                <a:cs typeface="Bold Italic Art" panose="02010400000000000000" pitchFamily="2" charset="-78"/>
-              </a:rPr>
-              <a:t>Listing column names</a:t>
-            </a:r>
-            <a:r>
-              <a:rPr lang="en-US" sz="3600" dirty="0">
-                <a:cs typeface="Bold Italic Art" panose="02010400000000000000" pitchFamily="2" charset="-78"/>
-              </a:rPr>
-              <a:t>:</a:t>
-            </a:r>
-            <a:br>
-              <a:rPr lang="en-US" sz="2400" dirty="0"/>
-            </a:br>
-            <a:r>
-              <a:rPr lang="en-US" sz="2400" dirty="0" err="1"/>
-              <a:t>df.columns</a:t>
-            </a:r>
-            <a:r>
-              <a:rPr lang="en-US" sz="2400" dirty="0"/>
-              <a:t> to retrieve all column names.</a:t>
-            </a:r>
-          </a:p>
-        </p:txBody>
-      </p:sp>
-    </p:spTree>
-    <p:extLst>
-      <p:ext uri="{BB962C8B-B14F-4D97-AF65-F5344CB8AC3E}">
-        <p14:creationId xmlns:p14="http://schemas.microsoft.com/office/powerpoint/2010/main" val="2169712398"/>
-      </p:ext>
-    </p:extLst>
-  </p:cSld>
-  <p:clrMapOvr>
-    <a:masterClrMapping/>
-  </p:clrMapOvr>
-</p:sld>
-</file>
-
-<file path=ppt/slides/slide40.xml><?xml version="1.0" encoding="utf-8"?>
+<file path=ppt/slides/slide41.xml><?xml version="1.0" encoding="utf-8"?>
 <p:sld xmlns:a="http://schemas.openxmlformats.org/drawingml/2006/main" xmlns:r="http://schemas.openxmlformats.org/officeDocument/2006/relationships" xmlns:p="http://schemas.openxmlformats.org/presentationml/2006/main">
   <p:cSld>
     <p:bg>
@@ -29446,7 +30141,7 @@
 </p:sld>
 </file>
 
-<file path=ppt/slides/slide41.xml><?xml version="1.0" encoding="utf-8"?>
+<file path=ppt/slides/slide42.xml><?xml version="1.0" encoding="utf-8"?>
 <p:sld xmlns:a="http://schemas.openxmlformats.org/drawingml/2006/main" xmlns:r="http://schemas.openxmlformats.org/officeDocument/2006/relationships" xmlns:p="http://schemas.openxmlformats.org/presentationml/2006/main">
   <p:cSld>
     <p:bg>
@@ -30106,7 +30801,7 @@
 </p:sld>
 </file>
 
-<file path=ppt/slides/slide42.xml><?xml version="1.0" encoding="utf-8"?>
+<file path=ppt/slides/slide43.xml><?xml version="1.0" encoding="utf-8"?>
 <p:sld xmlns:a="http://schemas.openxmlformats.org/drawingml/2006/main" xmlns:r="http://schemas.openxmlformats.org/officeDocument/2006/relationships" xmlns:p="http://schemas.openxmlformats.org/presentationml/2006/main">
   <p:cSld>
     <p:bg>
@@ -30875,7 +31570,7 @@
 </p:sld>
 </file>
 
-<file path=ppt/slides/slide43.xml><?xml version="1.0" encoding="utf-8"?>
+<file path=ppt/slides/slide44.xml><?xml version="1.0" encoding="utf-8"?>
 <p:sld xmlns:a="http://schemas.openxmlformats.org/drawingml/2006/main" xmlns:r="http://schemas.openxmlformats.org/officeDocument/2006/relationships" xmlns:p="http://schemas.openxmlformats.org/presentationml/2006/main">
   <p:cSld>
     <p:spTree>
@@ -31025,7 +31720,7 @@
 </p:sld>
 </file>
 
-<file path=ppt/slides/slide44.xml><?xml version="1.0" encoding="utf-8"?>
+<file path=ppt/slides/slide45.xml><?xml version="1.0" encoding="utf-8"?>
 <p:sld xmlns:a="http://schemas.openxmlformats.org/drawingml/2006/main" xmlns:r="http://schemas.openxmlformats.org/officeDocument/2006/relationships" xmlns:p="http://schemas.openxmlformats.org/presentationml/2006/main">
   <p:cSld>
     <p:spTree>
@@ -31177,7 +31872,7 @@
 </p:sld>
 </file>
 
-<file path=ppt/slides/slide45.xml><?xml version="1.0" encoding="utf-8"?>
+<file path=ppt/slides/slide46.xml><?xml version="1.0" encoding="utf-8"?>
 <p:sld xmlns:a="http://schemas.openxmlformats.org/drawingml/2006/main" xmlns:r="http://schemas.openxmlformats.org/officeDocument/2006/relationships" xmlns:p="http://schemas.openxmlformats.org/presentationml/2006/main">
   <p:cSld>
     <p:spTree>
@@ -31338,7 +32033,7 @@
 </p:sld>
 </file>
 
-<file path=ppt/slides/slide46.xml><?xml version="1.0" encoding="utf-8"?>
+<file path=ppt/slides/slide47.xml><?xml version="1.0" encoding="utf-8"?>
 <p:sld xmlns:a="http://schemas.openxmlformats.org/drawingml/2006/main" xmlns:r="http://schemas.openxmlformats.org/officeDocument/2006/relationships" xmlns:p="http://schemas.openxmlformats.org/presentationml/2006/main">
   <p:cSld>
     <p:bg>
@@ -32035,7 +32730,7 @@
 </p:sld>
 </file>
 
-<file path=ppt/slides/slide47.xml><?xml version="1.0" encoding="utf-8"?>
+<file path=ppt/slides/slide48.xml><?xml version="1.0" encoding="utf-8"?>
 <p:sld xmlns:a="http://schemas.openxmlformats.org/drawingml/2006/main" xmlns:r="http://schemas.openxmlformats.org/officeDocument/2006/relationships" xmlns:p="http://schemas.openxmlformats.org/presentationml/2006/main">
   <p:cSld>
     <p:bg>
@@ -32732,7 +33427,7 @@
 </p:sld>
 </file>
 
-<file path=ppt/slides/slide48.xml><?xml version="1.0" encoding="utf-8"?>
+<file path=ppt/slides/slide49.xml><?xml version="1.0" encoding="utf-8"?>
 <p:sld xmlns:a="http://schemas.openxmlformats.org/drawingml/2006/main" xmlns:r="http://schemas.openxmlformats.org/officeDocument/2006/relationships" xmlns:p="http://schemas.openxmlformats.org/presentationml/2006/main">
   <p:cSld>
     <p:spTree>
@@ -32989,156 +33684,6 @@
     <p:extLst>
       <p:ext uri="{BB962C8B-B14F-4D97-AF65-F5344CB8AC3E}">
         <p14:creationId xmlns:p14="http://schemas.microsoft.com/office/powerpoint/2010/main" val="38837642"/>
-      </p:ext>
-    </p:extLst>
-  </p:cSld>
-  <p:clrMapOvr>
-    <a:masterClrMapping/>
-  </p:clrMapOvr>
-</p:sld>
-</file>
-
-<file path=ppt/slides/slide49.xml><?xml version="1.0" encoding="utf-8"?>
-<p:sld xmlns:a="http://schemas.openxmlformats.org/drawingml/2006/main" xmlns:r="http://schemas.openxmlformats.org/officeDocument/2006/relationships" xmlns:p="http://schemas.openxmlformats.org/presentationml/2006/main">
-  <p:cSld>
-    <p:spTree>
-      <p:nvGrpSpPr>
-        <p:cNvPr id="1" name=""/>
-        <p:cNvGrpSpPr/>
-        <p:nvPr/>
-      </p:nvGrpSpPr>
-      <p:grpSpPr>
-        <a:xfrm>
-          <a:off x="0" y="0"/>
-          <a:ext cx="0" cy="0"/>
-          <a:chOff x="0" y="0"/>
-          <a:chExt cx="0" cy="0"/>
-        </a:xfrm>
-      </p:grpSpPr>
-      <p:sp>
-        <p:nvSpPr>
-          <p:cNvPr id="2" name="Title 1">
-            <a:extLst>
-              <a:ext uri="{FF2B5EF4-FFF2-40B4-BE49-F238E27FC236}">
-                <a16:creationId xmlns:a16="http://schemas.microsoft.com/office/drawing/2014/main" id="{105206F5-6FF7-7BC3-664C-5721D9F28381}"/>
-              </a:ext>
-            </a:extLst>
-          </p:cNvPr>
-          <p:cNvSpPr>
-            <a:spLocks noGrp="1"/>
-          </p:cNvSpPr>
-          <p:nvPr>
-            <p:ph type="title"/>
-          </p:nvPr>
-        </p:nvSpPr>
-        <p:spPr>
-          <a:xfrm>
-            <a:off x="521208" y="-478971"/>
-            <a:ext cx="11155680" cy="7157357"/>
-          </a:xfrm>
-        </p:spPr>
-        <p:txBody>
-          <a:bodyPr>
-            <a:normAutofit/>
-          </a:bodyPr>
-          <a:lstStyle/>
-          <a:p>
-            <a:r>
-              <a:rPr lang="en-US" sz="4000" dirty="0">
-                <a:solidFill>
-                  <a:srgbClr val="C00000"/>
-                </a:solidFill>
-              </a:rPr>
-              <a:t>7-Data Preprocessing </a:t>
-            </a:r>
-            <a:r>
-              <a:rPr lang="en-US" dirty="0">
-                <a:solidFill>
-                  <a:srgbClr val="C00000"/>
-                </a:solidFill>
-              </a:rPr>
-              <a:t>using </a:t>
-            </a:r>
-            <a:r>
-              <a:rPr lang="en-US" dirty="0" err="1">
-                <a:solidFill>
-                  <a:srgbClr val="C00000"/>
-                </a:solidFill>
-              </a:rPr>
-              <a:t>pipline</a:t>
-            </a:r>
-            <a:r>
-              <a:rPr lang="en-US" dirty="0">
-                <a:solidFill>
-                  <a:srgbClr val="C00000"/>
-                </a:solidFill>
-              </a:rPr>
-              <a:t> (alternative option)</a:t>
-            </a:r>
-            <a:r>
-              <a:rPr lang="en-US" sz="4000" dirty="0">
-                <a:solidFill>
-                  <a:srgbClr val="C00000"/>
-                </a:solidFill>
-              </a:rPr>
-              <a:t>:-</a:t>
-            </a:r>
-            <a:br>
-              <a:rPr lang="en-US" dirty="0"/>
-            </a:br>
-            <a:r>
-              <a:rPr lang="en-US" sz="2800" dirty="0"/>
-              <a:t>1.Split Data into Input Features and Target Variable.</a:t>
-            </a:r>
-            <a:br>
-              <a:rPr lang="en-US" sz="2800" dirty="0"/>
-            </a:br>
-            <a:r>
-              <a:rPr lang="en-US" sz="2800" dirty="0"/>
-              <a:t>2.Split Data into Train and Test</a:t>
-            </a:r>
-            <a:br>
-              <a:rPr lang="en-US" sz="2800" dirty="0"/>
-            </a:br>
-            <a:r>
-              <a:rPr lang="en-US" sz="2800" dirty="0"/>
-              <a:t>3.Create Numerical &amp; Categorical Pipelines.</a:t>
-            </a:r>
-            <a:br>
-              <a:rPr lang="en-US" sz="2800" dirty="0"/>
-            </a:br>
-            <a:r>
-              <a:rPr lang="en-US" sz="2800" dirty="0"/>
-              <a:t>4.Column Transformer to Assign columns to be processed.</a:t>
-            </a:r>
-            <a:br>
-              <a:rPr lang="en-US" sz="2800" dirty="0"/>
-            </a:br>
-            <a:r>
-              <a:rPr lang="en-US" sz="2800" dirty="0"/>
-              <a:t>5.Model Definition and Training.</a:t>
-            </a:r>
-            <a:br>
-              <a:rPr lang="en-US" sz="2800" dirty="0"/>
-            </a:br>
-            <a:r>
-              <a:rPr lang="en-US" sz="2800" dirty="0"/>
-              <a:t>6.Model Evaluation.</a:t>
-            </a:r>
-            <a:br>
-              <a:rPr lang="en-US" sz="2800" dirty="0"/>
-            </a:br>
-            <a:r>
-              <a:rPr lang="en-US" sz="2800" dirty="0"/>
-              <a:t>7.Cross Validation &amp; Hyperparameter Tuning.</a:t>
-            </a:r>
-          </a:p>
-        </p:txBody>
-      </p:sp>
-    </p:spTree>
-    <p:extLst>
-      <p:ext uri="{BB962C8B-B14F-4D97-AF65-F5344CB8AC3E}">
-        <p14:creationId xmlns:p14="http://schemas.microsoft.com/office/powerpoint/2010/main" val="3719277197"/>
       </p:ext>
     </p:extLst>
   </p:cSld>
@@ -33340,6 +33885,156 @@
           <p:cNvPr id="2" name="Title 1">
             <a:extLst>
               <a:ext uri="{FF2B5EF4-FFF2-40B4-BE49-F238E27FC236}">
+                <a16:creationId xmlns:a16="http://schemas.microsoft.com/office/drawing/2014/main" id="{105206F5-6FF7-7BC3-664C-5721D9F28381}"/>
+              </a:ext>
+            </a:extLst>
+          </p:cNvPr>
+          <p:cNvSpPr>
+            <a:spLocks noGrp="1"/>
+          </p:cNvSpPr>
+          <p:nvPr>
+            <p:ph type="title"/>
+          </p:nvPr>
+        </p:nvSpPr>
+        <p:spPr>
+          <a:xfrm>
+            <a:off x="521208" y="-478971"/>
+            <a:ext cx="11155680" cy="7157357"/>
+          </a:xfrm>
+        </p:spPr>
+        <p:txBody>
+          <a:bodyPr>
+            <a:normAutofit/>
+          </a:bodyPr>
+          <a:lstStyle/>
+          <a:p>
+            <a:r>
+              <a:rPr lang="en-US" sz="4000" dirty="0">
+                <a:solidFill>
+                  <a:srgbClr val="C00000"/>
+                </a:solidFill>
+              </a:rPr>
+              <a:t>7-Data Preprocessing </a:t>
+            </a:r>
+            <a:r>
+              <a:rPr lang="en-US" dirty="0">
+                <a:solidFill>
+                  <a:srgbClr val="C00000"/>
+                </a:solidFill>
+              </a:rPr>
+              <a:t>using </a:t>
+            </a:r>
+            <a:r>
+              <a:rPr lang="en-US" dirty="0" err="1">
+                <a:solidFill>
+                  <a:srgbClr val="C00000"/>
+                </a:solidFill>
+              </a:rPr>
+              <a:t>pipline</a:t>
+            </a:r>
+            <a:r>
+              <a:rPr lang="en-US" dirty="0">
+                <a:solidFill>
+                  <a:srgbClr val="C00000"/>
+                </a:solidFill>
+              </a:rPr>
+              <a:t> (alternative option)</a:t>
+            </a:r>
+            <a:r>
+              <a:rPr lang="en-US" sz="4000" dirty="0">
+                <a:solidFill>
+                  <a:srgbClr val="C00000"/>
+                </a:solidFill>
+              </a:rPr>
+              <a:t>:-</a:t>
+            </a:r>
+            <a:br>
+              <a:rPr lang="en-US" dirty="0"/>
+            </a:br>
+            <a:r>
+              <a:rPr lang="en-US" sz="2800" dirty="0"/>
+              <a:t>1.Split Data into Input Features and Target Variable.</a:t>
+            </a:r>
+            <a:br>
+              <a:rPr lang="en-US" sz="2800" dirty="0"/>
+            </a:br>
+            <a:r>
+              <a:rPr lang="en-US" sz="2800" dirty="0"/>
+              <a:t>2.Split Data into Train and Test</a:t>
+            </a:r>
+            <a:br>
+              <a:rPr lang="en-US" sz="2800" dirty="0"/>
+            </a:br>
+            <a:r>
+              <a:rPr lang="en-US" sz="2800" dirty="0"/>
+              <a:t>3.Create Numerical &amp; Categorical Pipelines.</a:t>
+            </a:r>
+            <a:br>
+              <a:rPr lang="en-US" sz="2800" dirty="0"/>
+            </a:br>
+            <a:r>
+              <a:rPr lang="en-US" sz="2800" dirty="0"/>
+              <a:t>4.Column Transformer to Assign columns to be processed.</a:t>
+            </a:r>
+            <a:br>
+              <a:rPr lang="en-US" sz="2800" dirty="0"/>
+            </a:br>
+            <a:r>
+              <a:rPr lang="en-US" sz="2800" dirty="0"/>
+              <a:t>5.Model Definition and Training.</a:t>
+            </a:r>
+            <a:br>
+              <a:rPr lang="en-US" sz="2800" dirty="0"/>
+            </a:br>
+            <a:r>
+              <a:rPr lang="en-US" sz="2800" dirty="0"/>
+              <a:t>6.Model Evaluation.</a:t>
+            </a:r>
+            <a:br>
+              <a:rPr lang="en-US" sz="2800" dirty="0"/>
+            </a:br>
+            <a:r>
+              <a:rPr lang="en-US" sz="2800" dirty="0"/>
+              <a:t>7.Cross Validation &amp; Hyperparameter Tuning.</a:t>
+            </a:r>
+          </a:p>
+        </p:txBody>
+      </p:sp>
+    </p:spTree>
+    <p:extLst>
+      <p:ext uri="{BB962C8B-B14F-4D97-AF65-F5344CB8AC3E}">
+        <p14:creationId xmlns:p14="http://schemas.microsoft.com/office/powerpoint/2010/main" val="3719277197"/>
+      </p:ext>
+    </p:extLst>
+  </p:cSld>
+  <p:clrMapOvr>
+    <a:masterClrMapping/>
+  </p:clrMapOvr>
+</p:sld>
+</file>
+
+<file path=ppt/slides/slide51.xml><?xml version="1.0" encoding="utf-8"?>
+<p:sld xmlns:a="http://schemas.openxmlformats.org/drawingml/2006/main" xmlns:r="http://schemas.openxmlformats.org/officeDocument/2006/relationships" xmlns:p="http://schemas.openxmlformats.org/presentationml/2006/main">
+  <p:cSld>
+    <p:spTree>
+      <p:nvGrpSpPr>
+        <p:cNvPr id="1" name=""/>
+        <p:cNvGrpSpPr/>
+        <p:nvPr/>
+      </p:nvGrpSpPr>
+      <p:grpSpPr>
+        <a:xfrm>
+          <a:off x="0" y="0"/>
+          <a:ext cx="0" cy="0"/>
+          <a:chOff x="0" y="0"/>
+          <a:chExt cx="0" cy="0"/>
+        </a:xfrm>
+      </p:grpSpPr>
+      <p:sp>
+        <p:nvSpPr>
+          <p:cNvPr id="2" name="Title 1">
+            <a:extLst>
+              <a:ext uri="{FF2B5EF4-FFF2-40B4-BE49-F238E27FC236}">
                 <a16:creationId xmlns:a16="http://schemas.microsoft.com/office/drawing/2014/main" id="{2424B52E-AA1E-A3A2-EE31-3C5A07B14FF6}"/>
               </a:ext>
             </a:extLst>
@@ -33457,7 +34152,7 @@
 </p:sld>
 </file>
 
-<file path=ppt/slides/slide51.xml><?xml version="1.0" encoding="utf-8"?>
+<file path=ppt/slides/slide52.xml><?xml version="1.0" encoding="utf-8"?>
 <p:sld xmlns:a="http://schemas.openxmlformats.org/drawingml/2006/main" xmlns:r="http://schemas.openxmlformats.org/officeDocument/2006/relationships" xmlns:p="http://schemas.openxmlformats.org/presentationml/2006/main">
   <p:cSld>
     <p:spTree>
@@ -33629,7 +34324,7 @@
 </p:sld>
 </file>
 
-<file path=ppt/slides/slide52.xml><?xml version="1.0" encoding="utf-8"?>
+<file path=ppt/slides/slide53.xml><?xml version="1.0" encoding="utf-8"?>
 <p:sld xmlns:a="http://schemas.openxmlformats.org/drawingml/2006/main" xmlns:r="http://schemas.openxmlformats.org/officeDocument/2006/relationships" xmlns:p="http://schemas.openxmlformats.org/presentationml/2006/main">
   <p:cSld>
     <p:spTree>
@@ -33868,7 +34563,7 @@
 </p:sld>
 </file>
 
-<file path=ppt/slides/slide53.xml><?xml version="1.0" encoding="utf-8"?>
+<file path=ppt/slides/slide54.xml><?xml version="1.0" encoding="utf-8"?>
 <p:sld xmlns:a="http://schemas.openxmlformats.org/drawingml/2006/main" xmlns:r="http://schemas.openxmlformats.org/officeDocument/2006/relationships" xmlns:p="http://schemas.openxmlformats.org/presentationml/2006/main">
   <p:cSld>
     <p:spTree>
